--- a/src/com/duykypaul/kltn/docs/TỰ ĐỘNG LẬP KẾ HOẠCH GIA CÔNG CẮT.pptx
+++ b/src/com/duykypaul/kltn/docs/TỰ ĐỘNG LẬP KẾ HOẠCH GIA CÔNG CẮT.pptx
@@ -5,10 +5,10 @@
     <p:sldMasterId id="2147483660" r:id="rId4"/>
   </p:sldMasterIdLst>
   <p:notesMasterIdLst>
-    <p:notesMasterId r:id="rId17"/>
+    <p:notesMasterId r:id="rId22"/>
   </p:notesMasterIdLst>
   <p:handoutMasterIdLst>
-    <p:handoutMasterId r:id="rId18"/>
+    <p:handoutMasterId r:id="rId23"/>
   </p:handoutMasterIdLst>
   <p:sldIdLst>
     <p:sldId id="257" r:id="rId5"/>
@@ -22,7 +22,12 @@
     <p:sldId id="280" r:id="rId13"/>
     <p:sldId id="279" r:id="rId14"/>
     <p:sldId id="281" r:id="rId15"/>
-    <p:sldId id="282" r:id="rId16"/>
+    <p:sldId id="283" r:id="rId16"/>
+    <p:sldId id="284" r:id="rId17"/>
+    <p:sldId id="285" r:id="rId18"/>
+    <p:sldId id="286" r:id="rId19"/>
+    <p:sldId id="287" r:id="rId20"/>
+    <p:sldId id="282" r:id="rId21"/>
   </p:sldIdLst>
   <p:sldSz cx="12188825" cy="6858000"/>
   <p:notesSz cx="6858000" cy="9144000"/>
@@ -5169,12 +5174,12 @@
         <p:spPr>
           <a:xfrm>
             <a:off x="6310436" y="3803650"/>
-            <a:ext cx="4757267" cy="921493"/>
+            <a:ext cx="4757267" cy="1209526"/>
           </a:xfrm>
         </p:spPr>
         <p:txBody>
           <a:bodyPr>
-            <a:normAutofit fontScale="77500" lnSpcReduction="20000"/>
+            <a:noAutofit/>
           </a:bodyPr>
           <a:lstStyle/>
           <a:p>
@@ -5553,119 +5558,7 @@
             </a:r>
             <a:r>
               <a:rPr lang="en-US" dirty="0" err="1"/>
-              <a:t>Chọn</a:t>
-            </a:r>
-            <a:r>
-              <a:rPr lang="en-US" dirty="0"/>
-              <a:t> </a:t>
-            </a:r>
-            <a:r>
-              <a:rPr lang="en-US" dirty="0" err="1"/>
-              <a:t>ngẫu</a:t>
-            </a:r>
-            <a:r>
-              <a:rPr lang="en-US" dirty="0"/>
-              <a:t> </a:t>
-            </a:r>
-            <a:r>
-              <a:rPr lang="en-US" dirty="0" err="1"/>
-              <a:t>nhiên</a:t>
-            </a:r>
-            <a:r>
-              <a:rPr lang="en-US" dirty="0"/>
-              <a:t> </a:t>
-            </a:r>
-            <a:r>
-              <a:rPr lang="en-US" dirty="0" err="1"/>
-              <a:t>một</a:t>
-            </a:r>
-            <a:r>
-              <a:rPr lang="en-US" dirty="0"/>
-              <a:t> </a:t>
-            </a:r>
-            <a:r>
-              <a:rPr lang="en-US" dirty="0" err="1"/>
-              <a:t>cá</a:t>
-            </a:r>
-            <a:r>
-              <a:rPr lang="en-US" dirty="0"/>
-              <a:t> </a:t>
-            </a:r>
-            <a:r>
-              <a:rPr lang="en-US" dirty="0" err="1"/>
-              <a:t>thể</a:t>
-            </a:r>
-            <a:r>
-              <a:rPr lang="en-US" dirty="0"/>
-              <a:t> </a:t>
-            </a:r>
-            <a:r>
-              <a:rPr lang="en-US" dirty="0" err="1"/>
-              <a:t>trong</a:t>
-            </a:r>
-            <a:r>
-              <a:rPr lang="en-US" dirty="0"/>
-              <a:t> </a:t>
-            </a:r>
-            <a:r>
-              <a:rPr lang="en-US" dirty="0" err="1"/>
-              <a:t>quần</a:t>
-            </a:r>
-            <a:r>
-              <a:rPr lang="en-US" dirty="0"/>
-              <a:t> </a:t>
-            </a:r>
-            <a:r>
-              <a:rPr lang="en-US" dirty="0" err="1"/>
-              <a:t>thể</a:t>
-            </a:r>
-            <a:r>
-              <a:rPr lang="en-US" dirty="0"/>
-              <a:t> </a:t>
-            </a:r>
-            <a:r>
-              <a:rPr lang="en-US" dirty="0" err="1"/>
-              <a:t>để</a:t>
-            </a:r>
-            <a:r>
-              <a:rPr lang="en-US" dirty="0"/>
-              <a:t> </a:t>
-            </a:r>
-            <a:r>
-              <a:rPr lang="en-US" dirty="0" err="1"/>
-              <a:t>đem</a:t>
-            </a:r>
-            <a:r>
-              <a:rPr lang="en-US" dirty="0"/>
-              <a:t> đi </a:t>
-            </a:r>
-            <a:r>
-              <a:rPr lang="en-US" dirty="0" err="1"/>
-              <a:t>đột</a:t>
-            </a:r>
-            <a:r>
-              <a:rPr lang="en-US" dirty="0"/>
-              <a:t> </a:t>
-            </a:r>
-            <a:r>
-              <a:rPr lang="en-US" dirty="0" err="1"/>
-              <a:t>biến</a:t>
-            </a:r>
-            <a:r>
-              <a:rPr lang="en-US" dirty="0"/>
-              <a:t> </a:t>
-            </a:r>
-            <a:r>
-              <a:rPr lang="en-US" dirty="0" err="1"/>
-              <a:t>với</a:t>
-            </a:r>
-            <a:r>
-              <a:rPr lang="en-US" dirty="0"/>
-              <a:t> </a:t>
-            </a:r>
-            <a:r>
-              <a:rPr lang="en-US" dirty="0" err="1"/>
-              <a:t>mong</a:t>
+              <a:t>Mong</a:t>
             </a:r>
             <a:r>
               <a:rPr lang="en-US" dirty="0"/>
@@ -5815,13 +5708,13 @@
   <p:clrMapOvr>
     <a:masterClrMapping/>
   </p:clrMapOvr>
-  <mc:AlternateContent xmlns:mc="http://schemas.openxmlformats.org/markup-compatibility/2006">
-    <mc:Choice xmlns:p14="http://schemas.microsoft.com/office/powerpoint/2010/main" Requires="p14">
+  <mc:AlternateContent xmlns:mc="http://schemas.openxmlformats.org/markup-compatibility/2006" xmlns:p14="http://schemas.microsoft.com/office/powerpoint/2010/main">
+    <mc:Choice Requires="p14">
       <p:transition spd="med" p14:dur="700">
         <p:fade/>
       </p:transition>
     </mc:Choice>
-    <mc:Fallback>
+    <mc:Fallback xmlns="">
       <p:transition spd="med">
         <p:fade/>
       </p:transition>
@@ -6003,6 +5896,68 @@
             <a:endParaRPr lang="en-US" dirty="0"/>
           </a:p>
           <a:p>
+            <a:pPr marL="514350" indent="-514350">
+              <a:buFont typeface="+mj-lt"/>
+              <a:buAutoNum type="arabicPeriod"/>
+            </a:pPr>
+            <a:r>
+              <a:rPr lang="en-US" dirty="0" err="1"/>
+              <a:t>Giải</a:t>
+            </a:r>
+            <a:r>
+              <a:rPr lang="en-US" dirty="0"/>
+              <a:t> </a:t>
+            </a:r>
+            <a:r>
+              <a:rPr lang="en-US" dirty="0" err="1"/>
+              <a:t>thuật</a:t>
+            </a:r>
+            <a:r>
+              <a:rPr lang="en-US" dirty="0"/>
+              <a:t> </a:t>
+            </a:r>
+            <a:r>
+              <a:rPr lang="en-US" dirty="0" err="1"/>
+              <a:t>quy</a:t>
+            </a:r>
+            <a:r>
+              <a:rPr lang="en-US" dirty="0"/>
+              <a:t> </a:t>
+            </a:r>
+            <a:r>
+              <a:rPr lang="en-US" dirty="0" err="1"/>
+              <a:t>hoạch</a:t>
+            </a:r>
+            <a:r>
+              <a:rPr lang="en-US" dirty="0"/>
+              <a:t> </a:t>
+            </a:r>
+            <a:r>
+              <a:rPr lang="en-US" dirty="0" err="1"/>
+              <a:t>tuyến</a:t>
+            </a:r>
+            <a:r>
+              <a:rPr lang="en-US" dirty="0"/>
+              <a:t> </a:t>
+            </a:r>
+            <a:r>
+              <a:rPr lang="en-US" dirty="0" err="1"/>
+              <a:t>tính</a:t>
+            </a:r>
+            <a:r>
+              <a:rPr lang="en-US" dirty="0"/>
+              <a:t>(so </a:t>
+            </a:r>
+            <a:r>
+              <a:rPr lang="en-US" dirty="0" err="1"/>
+              <a:t>sánh</a:t>
+            </a:r>
+            <a:r>
+              <a:rPr lang="en-US" dirty="0"/>
+              <a:t>)</a:t>
+            </a:r>
+          </a:p>
+          <a:p>
             <a:endParaRPr lang="en-US" dirty="0"/>
           </a:p>
         </p:txBody>
@@ -6011,6 +5966,880 @@
     <p:extLst>
       <p:ext uri="{BB962C8B-B14F-4D97-AF65-F5344CB8AC3E}">
         <p14:creationId xmlns:p14="http://schemas.microsoft.com/office/powerpoint/2010/main" val="3675889040"/>
+      </p:ext>
+    </p:extLst>
+  </p:cSld>
+  <p:clrMapOvr>
+    <a:masterClrMapping/>
+  </p:clrMapOvr>
+  <mc:AlternateContent xmlns:mc="http://schemas.openxmlformats.org/markup-compatibility/2006" xmlns:p14="http://schemas.microsoft.com/office/powerpoint/2010/main">
+    <mc:Choice Requires="p14">
+      <p:transition spd="med" p14:dur="700">
+        <p:fade/>
+      </p:transition>
+    </mc:Choice>
+    <mc:Fallback xmlns="">
+      <p:transition spd="med">
+        <p:fade/>
+      </p:transition>
+    </mc:Fallback>
+  </mc:AlternateContent>
+</p:sld>
+</file>
+
+<file path=ppt/slides/slide12.xml><?xml version="1.0" encoding="utf-8"?>
+<p:sld xmlns:a="http://schemas.openxmlformats.org/drawingml/2006/main" xmlns:r="http://schemas.openxmlformats.org/officeDocument/2006/relationships" xmlns:p="http://schemas.openxmlformats.org/presentationml/2006/main">
+  <p:cSld>
+    <p:spTree>
+      <p:nvGrpSpPr>
+        <p:cNvPr id="1" name=""/>
+        <p:cNvGrpSpPr/>
+        <p:nvPr/>
+      </p:nvGrpSpPr>
+      <p:grpSpPr>
+        <a:xfrm>
+          <a:off x="0" y="0"/>
+          <a:ext cx="0" cy="0"/>
+          <a:chOff x="0" y="0"/>
+          <a:chExt cx="0" cy="0"/>
+        </a:xfrm>
+      </p:grpSpPr>
+      <p:sp>
+        <p:nvSpPr>
+          <p:cNvPr id="13" name="Title 12"/>
+          <p:cNvSpPr>
+            <a:spLocks noGrp="1"/>
+          </p:cNvSpPr>
+          <p:nvPr>
+            <p:ph type="title"/>
+          </p:nvPr>
+        </p:nvSpPr>
+        <p:spPr/>
+        <p:txBody>
+          <a:bodyPr/>
+          <a:lstStyle/>
+          <a:p>
+            <a:r>
+              <a:rPr lang="en-US" dirty="0" err="1"/>
+              <a:t>Thử</a:t>
+            </a:r>
+            <a:r>
+              <a:rPr lang="en-US" dirty="0"/>
+              <a:t> </a:t>
+            </a:r>
+            <a:r>
+              <a:rPr lang="en-US" dirty="0" err="1"/>
+              <a:t>nghiệm</a:t>
+            </a:r>
+            <a:r>
+              <a:rPr lang="en-US" dirty="0"/>
+              <a:t> </a:t>
+            </a:r>
+            <a:r>
+              <a:rPr lang="en-US" dirty="0" err="1"/>
+              <a:t>thứ</a:t>
+            </a:r>
+            <a:r>
+              <a:rPr lang="en-US" dirty="0"/>
+              <a:t> </a:t>
+            </a:r>
+            <a:r>
+              <a:rPr lang="en-US" dirty="0" err="1"/>
+              <a:t>nhất</a:t>
+            </a:r>
+            <a:endParaRPr lang="en-US" dirty="0"/>
+          </a:p>
+        </p:txBody>
+      </p:sp>
+      <p:sp>
+        <p:nvSpPr>
+          <p:cNvPr id="14" name="Content Placeholder 13"/>
+          <p:cNvSpPr>
+            <a:spLocks noGrp="1"/>
+          </p:cNvSpPr>
+          <p:nvPr>
+            <p:ph idx="1"/>
+          </p:nvPr>
+        </p:nvSpPr>
+        <p:spPr/>
+        <p:txBody>
+          <a:bodyPr/>
+          <a:lstStyle/>
+          <a:p>
+            <a:r>
+              <a:rPr lang="en-US" dirty="0" err="1"/>
+              <a:t>Đơn</a:t>
+            </a:r>
+            <a:r>
+              <a:rPr lang="en-US" dirty="0"/>
+              <a:t> </a:t>
+            </a:r>
+            <a:r>
+              <a:rPr lang="en-US" dirty="0" err="1"/>
+              <a:t>hàng</a:t>
+            </a:r>
+            <a:r>
+              <a:rPr lang="en-US" dirty="0"/>
+              <a:t> </a:t>
+            </a:r>
+            <a:r>
+              <a:rPr lang="en-US" dirty="0" err="1"/>
+              <a:t>cần</a:t>
+            </a:r>
+            <a:r>
+              <a:rPr lang="en-US" dirty="0"/>
+              <a:t> 2000 </a:t>
+            </a:r>
+            <a:r>
+              <a:rPr lang="en-US" dirty="0" err="1"/>
+              <a:t>thanh</a:t>
+            </a:r>
+            <a:r>
+              <a:rPr lang="en-US" dirty="0"/>
+              <a:t> 2m </a:t>
+            </a:r>
+            <a:r>
+              <a:rPr lang="en-US" dirty="0" err="1"/>
+              <a:t>và</a:t>
+            </a:r>
+            <a:r>
+              <a:rPr lang="en-US" dirty="0"/>
+              <a:t> 1000 </a:t>
+            </a:r>
+            <a:r>
+              <a:rPr lang="en-US" dirty="0" err="1"/>
+              <a:t>thanh</a:t>
+            </a:r>
+            <a:r>
+              <a:rPr lang="en-US" dirty="0"/>
+              <a:t> 3m</a:t>
+            </a:r>
+          </a:p>
+          <a:p>
+            <a:r>
+              <a:rPr lang="en-US" dirty="0" err="1"/>
+              <a:t>Trong</a:t>
+            </a:r>
+            <a:r>
+              <a:rPr lang="en-US" dirty="0"/>
+              <a:t> </a:t>
+            </a:r>
+            <a:r>
+              <a:rPr lang="en-US" dirty="0" err="1"/>
+              <a:t>kho</a:t>
+            </a:r>
+            <a:r>
+              <a:rPr lang="en-US" dirty="0"/>
+              <a:t> có 10000 </a:t>
+            </a:r>
+            <a:r>
+              <a:rPr lang="en-US" dirty="0" err="1"/>
+              <a:t>thanh</a:t>
+            </a:r>
+            <a:r>
+              <a:rPr lang="en-US" dirty="0"/>
+              <a:t> 11.7m</a:t>
+            </a:r>
+          </a:p>
+          <a:p>
+            <a:r>
+              <a:rPr lang="en-US" dirty="0" err="1"/>
+              <a:t>Độ</a:t>
+            </a:r>
+            <a:r>
+              <a:rPr lang="en-US" dirty="0"/>
+              <a:t> </a:t>
+            </a:r>
+            <a:r>
+              <a:rPr lang="en-US" dirty="0" err="1"/>
+              <a:t>dày</a:t>
+            </a:r>
+            <a:r>
+              <a:rPr lang="en-US" dirty="0"/>
+              <a:t> </a:t>
+            </a:r>
+            <a:r>
+              <a:rPr lang="en-US" dirty="0" err="1"/>
+              <a:t>lưỡi</a:t>
+            </a:r>
+            <a:r>
+              <a:rPr lang="en-US" dirty="0"/>
+              <a:t> </a:t>
+            </a:r>
+            <a:r>
+              <a:rPr lang="en-US" dirty="0" err="1"/>
+              <a:t>cắt</a:t>
+            </a:r>
+            <a:r>
+              <a:rPr lang="en-US" dirty="0"/>
+              <a:t> </a:t>
+            </a:r>
+            <a:r>
+              <a:rPr lang="en-US" dirty="0" err="1"/>
+              <a:t>thép</a:t>
+            </a:r>
+            <a:r>
+              <a:rPr lang="en-US" dirty="0"/>
+              <a:t> 5mm</a:t>
+            </a:r>
+          </a:p>
+          <a:p>
+            <a:pPr>
+              <a:buFont typeface="Wingdings" panose="05000000000000000000" pitchFamily="2" charset="2"/>
+              <a:buChar char="Ø"/>
+            </a:pPr>
+            <a:r>
+              <a:rPr lang="en-US" dirty="0"/>
+              <a:t> </a:t>
+            </a:r>
+            <a:r>
+              <a:rPr lang="en-US" dirty="0" err="1"/>
+              <a:t>Kết</a:t>
+            </a:r>
+            <a:r>
+              <a:rPr lang="en-US" dirty="0"/>
+              <a:t> quả </a:t>
+            </a:r>
+            <a:r>
+              <a:rPr lang="en-US" dirty="0" err="1"/>
+              <a:t>của</a:t>
+            </a:r>
+            <a:r>
+              <a:rPr lang="en-US" dirty="0"/>
+              <a:t> </a:t>
+            </a:r>
+            <a:r>
+              <a:rPr lang="en-US" dirty="0" err="1"/>
+              <a:t>các</a:t>
+            </a:r>
+            <a:r>
+              <a:rPr lang="en-US" dirty="0"/>
+              <a:t> </a:t>
+            </a:r>
+            <a:r>
+              <a:rPr lang="en-US" dirty="0" err="1"/>
+              <a:t>thuật</a:t>
+            </a:r>
+            <a:r>
+              <a:rPr lang="en-US" dirty="0"/>
+              <a:t> </a:t>
+            </a:r>
+            <a:r>
+              <a:rPr lang="en-US" dirty="0" err="1"/>
+              <a:t>toán</a:t>
+            </a:r>
+            <a:r>
+              <a:rPr lang="en-US" dirty="0"/>
+              <a:t> </a:t>
+            </a:r>
+            <a:r>
+              <a:rPr lang="en-US" dirty="0" err="1"/>
+              <a:t>như</a:t>
+            </a:r>
+            <a:r>
+              <a:rPr lang="en-US" dirty="0"/>
+              <a:t> </a:t>
+            </a:r>
+            <a:r>
+              <a:rPr lang="en-US" dirty="0" err="1"/>
+              <a:t>sau</a:t>
+            </a:r>
+            <a:r>
+              <a:rPr lang="en-US" dirty="0"/>
+              <a:t>:</a:t>
+            </a:r>
+          </a:p>
+        </p:txBody>
+      </p:sp>
+      <p:graphicFrame>
+        <p:nvGraphicFramePr>
+          <p:cNvPr id="3" name="Table 2">
+            <a:extLst>
+              <a:ext uri="{FF2B5EF4-FFF2-40B4-BE49-F238E27FC236}">
+                <a16:creationId xmlns:a16="http://schemas.microsoft.com/office/drawing/2014/main" id="{0DA1E8D7-5061-494E-9CA3-BF9165B9BB7F}"/>
+              </a:ext>
+            </a:extLst>
+          </p:cNvPr>
+          <p:cNvGraphicFramePr>
+            <a:graphicFrameLocks noGrp="1"/>
+          </p:cNvGraphicFramePr>
+          <p:nvPr>
+            <p:extLst>
+              <p:ext uri="{D42A27DB-BD31-4B8C-83A1-F6EECF244321}">
+                <p14:modId xmlns:p14="http://schemas.microsoft.com/office/powerpoint/2010/main" val="836162023"/>
+              </p:ext>
+            </p:extLst>
+          </p:nvPr>
+        </p:nvGraphicFramePr>
+        <p:xfrm>
+          <a:off x="1413892" y="4365104"/>
+          <a:ext cx="9252158" cy="1512168"/>
+        </p:xfrm>
+        <a:graphic>
+          <a:graphicData uri="http://schemas.openxmlformats.org/drawingml/2006/table">
+            <a:tbl>
+              <a:tblPr firstRow="1" firstCol="1" bandRow="1">
+                <a:tableStyleId>{5C22544A-7EE6-4342-B048-85BDC9FD1C3A}</a:tableStyleId>
+              </a:tblPr>
+              <a:tblGrid>
+                <a:gridCol w="2659723">
+                  <a:extLst>
+                    <a:ext uri="{9D8B030D-6E8A-4147-A177-3AD203B41FA5}">
+                      <a16:colId xmlns:a16="http://schemas.microsoft.com/office/drawing/2014/main" val="98132786"/>
+                    </a:ext>
+                  </a:extLst>
+                </a:gridCol>
+                <a:gridCol w="3367928">
+                  <a:extLst>
+                    <a:ext uri="{9D8B030D-6E8A-4147-A177-3AD203B41FA5}">
+                      <a16:colId xmlns:a16="http://schemas.microsoft.com/office/drawing/2014/main" val="2586330646"/>
+                    </a:ext>
+                  </a:extLst>
+                </a:gridCol>
+                <a:gridCol w="3224507">
+                  <a:extLst>
+                    <a:ext uri="{9D8B030D-6E8A-4147-A177-3AD203B41FA5}">
+                      <a16:colId xmlns:a16="http://schemas.microsoft.com/office/drawing/2014/main" val="3610445939"/>
+                    </a:ext>
+                  </a:extLst>
+                </a:gridCol>
+              </a:tblGrid>
+              <a:tr h="378042">
+                <a:tc>
+                  <a:txBody>
+                    <a:bodyPr/>
+                    <a:lstStyle/>
+                    <a:p>
+                      <a:pPr algn="ctr">
+                        <a:lnSpc>
+                          <a:spcPct val="130000"/>
+                        </a:lnSpc>
+                        <a:spcAft>
+                          <a:spcPts val="800"/>
+                        </a:spcAft>
+                      </a:pPr>
+                      <a:r>
+                        <a:rPr lang="en-US" sz="1600" dirty="0" err="1">
+                          <a:effectLst/>
+                          <a:latin typeface="Arial" panose="020B0604020202020204" pitchFamily="34" charset="0"/>
+                          <a:cs typeface="Arial" panose="020B0604020202020204" pitchFamily="34" charset="0"/>
+                        </a:rPr>
+                        <a:t>Thuật</a:t>
+                      </a:r>
+                      <a:r>
+                        <a:rPr lang="en-US" sz="1600" dirty="0">
+                          <a:effectLst/>
+                          <a:latin typeface="Arial" panose="020B0604020202020204" pitchFamily="34" charset="0"/>
+                          <a:cs typeface="Arial" panose="020B0604020202020204" pitchFamily="34" charset="0"/>
+                        </a:rPr>
+                        <a:t> </a:t>
+                      </a:r>
+                      <a:r>
+                        <a:rPr lang="en-US" sz="1600" dirty="0" err="1">
+                          <a:effectLst/>
+                          <a:latin typeface="Arial" panose="020B0604020202020204" pitchFamily="34" charset="0"/>
+                          <a:cs typeface="Arial" panose="020B0604020202020204" pitchFamily="34" charset="0"/>
+                        </a:rPr>
+                        <a:t>toán</a:t>
+                      </a:r>
+                      <a:endParaRPr lang="en-US" sz="1600" dirty="0">
+                        <a:effectLst/>
+                        <a:latin typeface="Arial" panose="020B0604020202020204" pitchFamily="34" charset="0"/>
+                        <a:ea typeface="Calibri" panose="020F0502020204030204" pitchFamily="34" charset="0"/>
+                        <a:cs typeface="Arial" panose="020B0604020202020204" pitchFamily="34" charset="0"/>
+                      </a:endParaRPr>
+                    </a:p>
+                  </a:txBody>
+                  <a:tcPr marL="68580" marR="68580" marT="0" marB="0" anchor="ctr"/>
+                </a:tc>
+                <a:tc>
+                  <a:txBody>
+                    <a:bodyPr/>
+                    <a:lstStyle/>
+                    <a:p>
+                      <a:pPr algn="ctr">
+                        <a:lnSpc>
+                          <a:spcPct val="130000"/>
+                        </a:lnSpc>
+                        <a:spcAft>
+                          <a:spcPts val="800"/>
+                        </a:spcAft>
+                      </a:pPr>
+                      <a:r>
+                        <a:rPr lang="en-US" sz="1600" dirty="0" err="1">
+                          <a:effectLst/>
+                          <a:latin typeface="Arial" panose="020B0604020202020204" pitchFamily="34" charset="0"/>
+                          <a:cs typeface="Arial" panose="020B0604020202020204" pitchFamily="34" charset="0"/>
+                        </a:rPr>
+                        <a:t>Số</a:t>
+                      </a:r>
+                      <a:r>
+                        <a:rPr lang="en-US" sz="1600" dirty="0">
+                          <a:effectLst/>
+                          <a:latin typeface="Arial" panose="020B0604020202020204" pitchFamily="34" charset="0"/>
+                          <a:cs typeface="Arial" panose="020B0604020202020204" pitchFamily="34" charset="0"/>
+                        </a:rPr>
+                        <a:t> </a:t>
+                      </a:r>
+                      <a:r>
+                        <a:rPr lang="en-US" sz="1600" dirty="0" err="1">
+                          <a:effectLst/>
+                          <a:latin typeface="Arial" panose="020B0604020202020204" pitchFamily="34" charset="0"/>
+                          <a:cs typeface="Arial" panose="020B0604020202020204" pitchFamily="34" charset="0"/>
+                        </a:rPr>
+                        <a:t>lượng</a:t>
+                      </a:r>
+                      <a:r>
+                        <a:rPr lang="en-US" sz="1600" dirty="0">
+                          <a:effectLst/>
+                          <a:latin typeface="Arial" panose="020B0604020202020204" pitchFamily="34" charset="0"/>
+                          <a:cs typeface="Arial" panose="020B0604020202020204" pitchFamily="34" charset="0"/>
+                        </a:rPr>
+                        <a:t> </a:t>
+                      </a:r>
+                      <a:r>
+                        <a:rPr lang="en-US" sz="1600" dirty="0" err="1">
+                          <a:effectLst/>
+                          <a:latin typeface="Arial" panose="020B0604020202020204" pitchFamily="34" charset="0"/>
+                          <a:cs typeface="Arial" panose="020B0604020202020204" pitchFamily="34" charset="0"/>
+                        </a:rPr>
+                        <a:t>thanh</a:t>
+                      </a:r>
+                      <a:r>
+                        <a:rPr lang="en-US" sz="1600" dirty="0">
+                          <a:effectLst/>
+                          <a:latin typeface="Arial" panose="020B0604020202020204" pitchFamily="34" charset="0"/>
+                          <a:cs typeface="Arial" panose="020B0604020202020204" pitchFamily="34" charset="0"/>
+                        </a:rPr>
+                        <a:t> </a:t>
+                      </a:r>
+                      <a:r>
+                        <a:rPr lang="en-US" sz="1600" dirty="0" err="1">
+                          <a:effectLst/>
+                          <a:latin typeface="Arial" panose="020B0604020202020204" pitchFamily="34" charset="0"/>
+                          <a:cs typeface="Arial" panose="020B0604020202020204" pitchFamily="34" charset="0"/>
+                        </a:rPr>
+                        <a:t>sử</a:t>
+                      </a:r>
+                      <a:r>
+                        <a:rPr lang="en-US" sz="1600" dirty="0">
+                          <a:effectLst/>
+                          <a:latin typeface="Arial" panose="020B0604020202020204" pitchFamily="34" charset="0"/>
+                          <a:cs typeface="Arial" panose="020B0604020202020204" pitchFamily="34" charset="0"/>
+                        </a:rPr>
+                        <a:t> </a:t>
+                      </a:r>
+                      <a:r>
+                        <a:rPr lang="en-US" sz="1600" dirty="0" err="1">
+                          <a:effectLst/>
+                          <a:latin typeface="Arial" panose="020B0604020202020204" pitchFamily="34" charset="0"/>
+                          <a:cs typeface="Arial" panose="020B0604020202020204" pitchFamily="34" charset="0"/>
+                        </a:rPr>
+                        <a:t>dụng</a:t>
+                      </a:r>
+                      <a:endParaRPr lang="en-US" sz="1600" dirty="0">
+                        <a:effectLst/>
+                        <a:latin typeface="Arial" panose="020B0604020202020204" pitchFamily="34" charset="0"/>
+                        <a:ea typeface="Calibri" panose="020F0502020204030204" pitchFamily="34" charset="0"/>
+                        <a:cs typeface="Arial" panose="020B0604020202020204" pitchFamily="34" charset="0"/>
+                      </a:endParaRPr>
+                    </a:p>
+                  </a:txBody>
+                  <a:tcPr marL="68580" marR="68580" marT="0" marB="0" anchor="ctr"/>
+                </a:tc>
+                <a:tc>
+                  <a:txBody>
+                    <a:bodyPr/>
+                    <a:lstStyle/>
+                    <a:p>
+                      <a:pPr algn="ctr">
+                        <a:lnSpc>
+                          <a:spcPct val="130000"/>
+                        </a:lnSpc>
+                        <a:spcAft>
+                          <a:spcPts val="800"/>
+                        </a:spcAft>
+                      </a:pPr>
+                      <a:r>
+                        <a:rPr lang="en-US" sz="1600" dirty="0" err="1">
+                          <a:effectLst/>
+                          <a:latin typeface="Arial" panose="020B0604020202020204" pitchFamily="34" charset="0"/>
+                          <a:cs typeface="Arial" panose="020B0604020202020204" pitchFamily="34" charset="0"/>
+                        </a:rPr>
+                        <a:t>Tỉ</a:t>
+                      </a:r>
+                      <a:r>
+                        <a:rPr lang="en-US" sz="1600" dirty="0">
+                          <a:effectLst/>
+                          <a:latin typeface="Arial" panose="020B0604020202020204" pitchFamily="34" charset="0"/>
+                          <a:cs typeface="Arial" panose="020B0604020202020204" pitchFamily="34" charset="0"/>
+                        </a:rPr>
+                        <a:t> </a:t>
+                      </a:r>
+                      <a:r>
+                        <a:rPr lang="en-US" sz="1600" dirty="0" err="1">
+                          <a:effectLst/>
+                          <a:latin typeface="Arial" panose="020B0604020202020204" pitchFamily="34" charset="0"/>
+                          <a:cs typeface="Arial" panose="020B0604020202020204" pitchFamily="34" charset="0"/>
+                        </a:rPr>
+                        <a:t>lệ</a:t>
+                      </a:r>
+                      <a:r>
+                        <a:rPr lang="en-US" sz="1600" dirty="0">
+                          <a:effectLst/>
+                          <a:latin typeface="Arial" panose="020B0604020202020204" pitchFamily="34" charset="0"/>
+                          <a:cs typeface="Arial" panose="020B0604020202020204" pitchFamily="34" charset="0"/>
+                        </a:rPr>
+                        <a:t> </a:t>
+                      </a:r>
+                      <a:r>
+                        <a:rPr lang="en-US" sz="1600" dirty="0" err="1">
+                          <a:effectLst/>
+                          <a:latin typeface="Arial" panose="020B0604020202020204" pitchFamily="34" charset="0"/>
+                          <a:cs typeface="Arial" panose="020B0604020202020204" pitchFamily="34" charset="0"/>
+                        </a:rPr>
+                        <a:t>dư</a:t>
+                      </a:r>
+                      <a:r>
+                        <a:rPr lang="en-US" sz="1600" dirty="0">
+                          <a:effectLst/>
+                          <a:latin typeface="Arial" panose="020B0604020202020204" pitchFamily="34" charset="0"/>
+                          <a:cs typeface="Arial" panose="020B0604020202020204" pitchFamily="34" charset="0"/>
+                        </a:rPr>
+                        <a:t> </a:t>
+                      </a:r>
+                      <a:r>
+                        <a:rPr lang="en-US" sz="1600" dirty="0" err="1">
+                          <a:effectLst/>
+                          <a:latin typeface="Arial" panose="020B0604020202020204" pitchFamily="34" charset="0"/>
+                          <a:cs typeface="Arial" panose="020B0604020202020204" pitchFamily="34" charset="0"/>
+                        </a:rPr>
+                        <a:t>thừa</a:t>
+                      </a:r>
+                      <a:endParaRPr lang="en-US" sz="1600" dirty="0">
+                        <a:effectLst/>
+                        <a:latin typeface="Arial" panose="020B0604020202020204" pitchFamily="34" charset="0"/>
+                        <a:ea typeface="Calibri" panose="020F0502020204030204" pitchFamily="34" charset="0"/>
+                        <a:cs typeface="Arial" panose="020B0604020202020204" pitchFamily="34" charset="0"/>
+                      </a:endParaRPr>
+                    </a:p>
+                  </a:txBody>
+                  <a:tcPr marL="68580" marR="68580" marT="0" marB="0" anchor="ctr"/>
+                </a:tc>
+                <a:extLst>
+                  <a:ext uri="{0D108BD9-81ED-4DB2-BD59-A6C34878D82A}">
+                    <a16:rowId xmlns:a16="http://schemas.microsoft.com/office/drawing/2014/main" val="4095037186"/>
+                  </a:ext>
+                </a:extLst>
+              </a:tr>
+              <a:tr h="378042">
+                <a:tc>
+                  <a:txBody>
+                    <a:bodyPr/>
+                    <a:lstStyle/>
+                    <a:p>
+                      <a:pPr algn="ctr">
+                        <a:lnSpc>
+                          <a:spcPct val="130000"/>
+                        </a:lnSpc>
+                        <a:spcAft>
+                          <a:spcPts val="800"/>
+                        </a:spcAft>
+                      </a:pPr>
+                      <a:r>
+                        <a:rPr lang="en-US" sz="1600">
+                          <a:effectLst/>
+                          <a:latin typeface="Arial" panose="020B0604020202020204" pitchFamily="34" charset="0"/>
+                          <a:cs typeface="Arial" panose="020B0604020202020204" pitchFamily="34" charset="0"/>
+                        </a:rPr>
+                        <a:t>Quy hoạch tuyến tính</a:t>
+                      </a:r>
+                      <a:endParaRPr lang="en-US" sz="1600">
+                        <a:effectLst/>
+                        <a:latin typeface="Arial" panose="020B0604020202020204" pitchFamily="34" charset="0"/>
+                        <a:ea typeface="Calibri" panose="020F0502020204030204" pitchFamily="34" charset="0"/>
+                        <a:cs typeface="Arial" panose="020B0604020202020204" pitchFamily="34" charset="0"/>
+                      </a:endParaRPr>
+                    </a:p>
+                  </a:txBody>
+                  <a:tcPr marL="68580" marR="68580" marT="0" marB="0" anchor="ctr"/>
+                </a:tc>
+                <a:tc>
+                  <a:txBody>
+                    <a:bodyPr/>
+                    <a:lstStyle/>
+                    <a:p>
+                      <a:pPr algn="ctr">
+                        <a:lnSpc>
+                          <a:spcPct val="130000"/>
+                        </a:lnSpc>
+                        <a:spcAft>
+                          <a:spcPts val="800"/>
+                        </a:spcAft>
+                      </a:pPr>
+                      <a:r>
+                        <a:rPr lang="en-US" sz="1600" dirty="0">
+                          <a:effectLst/>
+                          <a:latin typeface="Arial" panose="020B0604020202020204" pitchFamily="34" charset="0"/>
+                          <a:cs typeface="Arial" panose="020B0604020202020204" pitchFamily="34" charset="0"/>
+                        </a:rPr>
+                        <a:t>700</a:t>
+                      </a:r>
+                      <a:endParaRPr lang="en-US" sz="1600" dirty="0">
+                        <a:effectLst/>
+                        <a:latin typeface="Arial" panose="020B0604020202020204" pitchFamily="34" charset="0"/>
+                        <a:ea typeface="Calibri" panose="020F0502020204030204" pitchFamily="34" charset="0"/>
+                        <a:cs typeface="Arial" panose="020B0604020202020204" pitchFamily="34" charset="0"/>
+                      </a:endParaRPr>
+                    </a:p>
+                  </a:txBody>
+                  <a:tcPr marL="68580" marR="68580" marT="0" marB="0" anchor="ctr"/>
+                </a:tc>
+                <a:tc>
+                  <a:txBody>
+                    <a:bodyPr/>
+                    <a:lstStyle/>
+                    <a:p>
+                      <a:pPr algn="ctr">
+                        <a:lnSpc>
+                          <a:spcPct val="130000"/>
+                        </a:lnSpc>
+                        <a:spcAft>
+                          <a:spcPts val="800"/>
+                        </a:spcAft>
+                      </a:pPr>
+                      <a:r>
+                        <a:rPr lang="en-US" sz="1600" dirty="0">
+                          <a:effectLst/>
+                          <a:latin typeface="Arial" panose="020B0604020202020204" pitchFamily="34" charset="0"/>
+                          <a:cs typeface="Arial" panose="020B0604020202020204" pitchFamily="34" charset="0"/>
+                        </a:rPr>
+                        <a:t>15%</a:t>
+                      </a:r>
+                      <a:endParaRPr lang="en-US" sz="1600" dirty="0">
+                        <a:effectLst/>
+                        <a:latin typeface="Arial" panose="020B0604020202020204" pitchFamily="34" charset="0"/>
+                        <a:ea typeface="Calibri" panose="020F0502020204030204" pitchFamily="34" charset="0"/>
+                        <a:cs typeface="Arial" panose="020B0604020202020204" pitchFamily="34" charset="0"/>
+                      </a:endParaRPr>
+                    </a:p>
+                  </a:txBody>
+                  <a:tcPr marL="68580" marR="68580" marT="0" marB="0" anchor="ctr"/>
+                </a:tc>
+                <a:extLst>
+                  <a:ext uri="{0D108BD9-81ED-4DB2-BD59-A6C34878D82A}">
+                    <a16:rowId xmlns:a16="http://schemas.microsoft.com/office/drawing/2014/main" val="2714357669"/>
+                  </a:ext>
+                </a:extLst>
+              </a:tr>
+              <a:tr h="378042">
+                <a:tc>
+                  <a:txBody>
+                    <a:bodyPr/>
+                    <a:lstStyle/>
+                    <a:p>
+                      <a:pPr algn="ctr">
+                        <a:lnSpc>
+                          <a:spcPct val="130000"/>
+                        </a:lnSpc>
+                        <a:spcAft>
+                          <a:spcPts val="800"/>
+                        </a:spcAft>
+                      </a:pPr>
+                      <a:r>
+                        <a:rPr lang="en-US" sz="1600">
+                          <a:effectLst/>
+                          <a:latin typeface="Arial" panose="020B0604020202020204" pitchFamily="34" charset="0"/>
+                          <a:cs typeface="Arial" panose="020B0604020202020204" pitchFamily="34" charset="0"/>
+                        </a:rPr>
+                        <a:t>Cắt nhanh</a:t>
+                      </a:r>
+                      <a:endParaRPr lang="en-US" sz="1600">
+                        <a:effectLst/>
+                        <a:latin typeface="Arial" panose="020B0604020202020204" pitchFamily="34" charset="0"/>
+                        <a:ea typeface="Calibri" panose="020F0502020204030204" pitchFamily="34" charset="0"/>
+                        <a:cs typeface="Arial" panose="020B0604020202020204" pitchFamily="34" charset="0"/>
+                      </a:endParaRPr>
+                    </a:p>
+                  </a:txBody>
+                  <a:tcPr marL="68580" marR="68580" marT="0" marB="0" anchor="ctr"/>
+                </a:tc>
+                <a:tc>
+                  <a:txBody>
+                    <a:bodyPr/>
+                    <a:lstStyle/>
+                    <a:p>
+                      <a:pPr algn="ctr">
+                        <a:lnSpc>
+                          <a:spcPct val="130000"/>
+                        </a:lnSpc>
+                        <a:spcAft>
+                          <a:spcPts val="800"/>
+                        </a:spcAft>
+                      </a:pPr>
+                      <a:r>
+                        <a:rPr lang="en-US" sz="1600">
+                          <a:effectLst/>
+                          <a:latin typeface="Arial" panose="020B0604020202020204" pitchFamily="34" charset="0"/>
+                          <a:cs typeface="Arial" panose="020B0604020202020204" pitchFamily="34" charset="0"/>
+                        </a:rPr>
+                        <a:t>700</a:t>
+                      </a:r>
+                      <a:endParaRPr lang="en-US" sz="1600">
+                        <a:effectLst/>
+                        <a:latin typeface="Arial" panose="020B0604020202020204" pitchFamily="34" charset="0"/>
+                        <a:ea typeface="Calibri" panose="020F0502020204030204" pitchFamily="34" charset="0"/>
+                        <a:cs typeface="Arial" panose="020B0604020202020204" pitchFamily="34" charset="0"/>
+                      </a:endParaRPr>
+                    </a:p>
+                  </a:txBody>
+                  <a:tcPr marL="68580" marR="68580" marT="0" marB="0" anchor="ctr"/>
+                </a:tc>
+                <a:tc>
+                  <a:txBody>
+                    <a:bodyPr/>
+                    <a:lstStyle/>
+                    <a:p>
+                      <a:pPr algn="ctr">
+                        <a:lnSpc>
+                          <a:spcPct val="130000"/>
+                        </a:lnSpc>
+                        <a:spcAft>
+                          <a:spcPts val="800"/>
+                        </a:spcAft>
+                      </a:pPr>
+                      <a:r>
+                        <a:rPr lang="en-US" sz="1600" dirty="0">
+                          <a:effectLst/>
+                          <a:latin typeface="Arial" panose="020B0604020202020204" pitchFamily="34" charset="0"/>
+                          <a:cs typeface="Arial" panose="020B0604020202020204" pitchFamily="34" charset="0"/>
+                        </a:rPr>
+                        <a:t>15%</a:t>
+                      </a:r>
+                      <a:endParaRPr lang="en-US" sz="1600" dirty="0">
+                        <a:effectLst/>
+                        <a:latin typeface="Arial" panose="020B0604020202020204" pitchFamily="34" charset="0"/>
+                        <a:ea typeface="Calibri" panose="020F0502020204030204" pitchFamily="34" charset="0"/>
+                        <a:cs typeface="Arial" panose="020B0604020202020204" pitchFamily="34" charset="0"/>
+                      </a:endParaRPr>
+                    </a:p>
+                  </a:txBody>
+                  <a:tcPr marL="68580" marR="68580" marT="0" marB="0" anchor="ctr"/>
+                </a:tc>
+                <a:extLst>
+                  <a:ext uri="{0D108BD9-81ED-4DB2-BD59-A6C34878D82A}">
+                    <a16:rowId xmlns:a16="http://schemas.microsoft.com/office/drawing/2014/main" val="4156842845"/>
+                  </a:ext>
+                </a:extLst>
+              </a:tr>
+              <a:tr h="378042">
+                <a:tc>
+                  <a:txBody>
+                    <a:bodyPr/>
+                    <a:lstStyle/>
+                    <a:p>
+                      <a:pPr algn="ctr">
+                        <a:lnSpc>
+                          <a:spcPct val="130000"/>
+                        </a:lnSpc>
+                        <a:spcAft>
+                          <a:spcPts val="800"/>
+                        </a:spcAft>
+                      </a:pPr>
+                      <a:r>
+                        <a:rPr lang="en-US" sz="1600">
+                          <a:effectLst/>
+                          <a:latin typeface="Arial" panose="020B0604020202020204" pitchFamily="34" charset="0"/>
+                          <a:cs typeface="Arial" panose="020B0604020202020204" pitchFamily="34" charset="0"/>
+                        </a:rPr>
+                        <a:t>Cắt tiết kiệm</a:t>
+                      </a:r>
+                      <a:endParaRPr lang="en-US" sz="1600">
+                        <a:effectLst/>
+                        <a:latin typeface="Arial" panose="020B0604020202020204" pitchFamily="34" charset="0"/>
+                        <a:ea typeface="Calibri" panose="020F0502020204030204" pitchFamily="34" charset="0"/>
+                        <a:cs typeface="Arial" panose="020B0604020202020204" pitchFamily="34" charset="0"/>
+                      </a:endParaRPr>
+                    </a:p>
+                  </a:txBody>
+                  <a:tcPr marL="68580" marR="68580" marT="0" marB="0" anchor="ctr"/>
+                </a:tc>
+                <a:tc>
+                  <a:txBody>
+                    <a:bodyPr/>
+                    <a:lstStyle/>
+                    <a:p>
+                      <a:pPr algn="ctr">
+                        <a:lnSpc>
+                          <a:spcPct val="130000"/>
+                        </a:lnSpc>
+                        <a:spcAft>
+                          <a:spcPts val="800"/>
+                        </a:spcAft>
+                      </a:pPr>
+                      <a:r>
+                        <a:rPr lang="en-US" sz="1600">
+                          <a:effectLst/>
+                          <a:latin typeface="Arial" panose="020B0604020202020204" pitchFamily="34" charset="0"/>
+                          <a:cs typeface="Arial" panose="020B0604020202020204" pitchFamily="34" charset="0"/>
+                        </a:rPr>
+                        <a:t>700</a:t>
+                      </a:r>
+                      <a:endParaRPr lang="en-US" sz="1600">
+                        <a:effectLst/>
+                        <a:latin typeface="Arial" panose="020B0604020202020204" pitchFamily="34" charset="0"/>
+                        <a:ea typeface="Calibri" panose="020F0502020204030204" pitchFamily="34" charset="0"/>
+                        <a:cs typeface="Arial" panose="020B0604020202020204" pitchFamily="34" charset="0"/>
+                      </a:endParaRPr>
+                    </a:p>
+                  </a:txBody>
+                  <a:tcPr marL="68580" marR="68580" marT="0" marB="0" anchor="ctr"/>
+                </a:tc>
+                <a:tc>
+                  <a:txBody>
+                    <a:bodyPr/>
+                    <a:lstStyle/>
+                    <a:p>
+                      <a:pPr algn="ctr">
+                        <a:lnSpc>
+                          <a:spcPct val="130000"/>
+                        </a:lnSpc>
+                        <a:spcAft>
+                          <a:spcPts val="800"/>
+                        </a:spcAft>
+                      </a:pPr>
+                      <a:r>
+                        <a:rPr lang="en-US" sz="1600" dirty="0">
+                          <a:effectLst/>
+                          <a:latin typeface="Arial" panose="020B0604020202020204" pitchFamily="34" charset="0"/>
+                          <a:cs typeface="Arial" panose="020B0604020202020204" pitchFamily="34" charset="0"/>
+                        </a:rPr>
+                        <a:t>15%</a:t>
+                      </a:r>
+                      <a:endParaRPr lang="en-US" sz="1600" dirty="0">
+                        <a:effectLst/>
+                        <a:latin typeface="Arial" panose="020B0604020202020204" pitchFamily="34" charset="0"/>
+                        <a:ea typeface="Calibri" panose="020F0502020204030204" pitchFamily="34" charset="0"/>
+                        <a:cs typeface="Arial" panose="020B0604020202020204" pitchFamily="34" charset="0"/>
+                      </a:endParaRPr>
+                    </a:p>
+                  </a:txBody>
+                  <a:tcPr marL="68580" marR="68580" marT="0" marB="0" anchor="ctr"/>
+                </a:tc>
+                <a:extLst>
+                  <a:ext uri="{0D108BD9-81ED-4DB2-BD59-A6C34878D82A}">
+                    <a16:rowId xmlns:a16="http://schemas.microsoft.com/office/drawing/2014/main" val="3164416298"/>
+                  </a:ext>
+                </a:extLst>
+              </a:tr>
+            </a:tbl>
+          </a:graphicData>
+        </a:graphic>
+      </p:graphicFrame>
+    </p:spTree>
+    <p:extLst>
+      <p:ext uri="{BB962C8B-B14F-4D97-AF65-F5344CB8AC3E}">
+        <p14:creationId xmlns:p14="http://schemas.microsoft.com/office/powerpoint/2010/main" val="238366309"/>
       </p:ext>
     </p:extLst>
   </p:cSld>
@@ -6032,7 +6861,3113 @@
 </p:sld>
 </file>
 
-<file path=ppt/slides/slide12.xml><?xml version="1.0" encoding="utf-8"?>
+<file path=ppt/slides/slide13.xml><?xml version="1.0" encoding="utf-8"?>
+<p:sld xmlns:a="http://schemas.openxmlformats.org/drawingml/2006/main" xmlns:r="http://schemas.openxmlformats.org/officeDocument/2006/relationships" xmlns:p="http://schemas.openxmlformats.org/presentationml/2006/main">
+  <p:cSld>
+    <p:spTree>
+      <p:nvGrpSpPr>
+        <p:cNvPr id="1" name=""/>
+        <p:cNvGrpSpPr/>
+        <p:nvPr/>
+      </p:nvGrpSpPr>
+      <p:grpSpPr>
+        <a:xfrm>
+          <a:off x="0" y="0"/>
+          <a:ext cx="0" cy="0"/>
+          <a:chOff x="0" y="0"/>
+          <a:chExt cx="0" cy="0"/>
+        </a:xfrm>
+      </p:grpSpPr>
+      <p:sp>
+        <p:nvSpPr>
+          <p:cNvPr id="13" name="Title 12"/>
+          <p:cNvSpPr>
+            <a:spLocks noGrp="1"/>
+          </p:cNvSpPr>
+          <p:nvPr>
+            <p:ph type="title"/>
+          </p:nvPr>
+        </p:nvSpPr>
+        <p:spPr/>
+        <p:txBody>
+          <a:bodyPr/>
+          <a:lstStyle/>
+          <a:p>
+            <a:r>
+              <a:rPr lang="en-US" dirty="0" err="1"/>
+              <a:t>Thử</a:t>
+            </a:r>
+            <a:r>
+              <a:rPr lang="en-US" dirty="0"/>
+              <a:t> </a:t>
+            </a:r>
+            <a:r>
+              <a:rPr lang="en-US" dirty="0" err="1"/>
+              <a:t>nghiệm</a:t>
+            </a:r>
+            <a:r>
+              <a:rPr lang="en-US" dirty="0"/>
+              <a:t> </a:t>
+            </a:r>
+            <a:r>
+              <a:rPr lang="en-US" dirty="0" err="1"/>
+              <a:t>thứ</a:t>
+            </a:r>
+            <a:r>
+              <a:rPr lang="en-US" dirty="0"/>
+              <a:t> </a:t>
+            </a:r>
+            <a:r>
+              <a:rPr lang="en-US" dirty="0" err="1"/>
+              <a:t>hai</a:t>
+            </a:r>
+            <a:endParaRPr lang="en-US" dirty="0"/>
+          </a:p>
+        </p:txBody>
+      </p:sp>
+      <p:sp>
+        <p:nvSpPr>
+          <p:cNvPr id="14" name="Content Placeholder 13"/>
+          <p:cNvSpPr>
+            <a:spLocks noGrp="1"/>
+          </p:cNvSpPr>
+          <p:nvPr>
+            <p:ph idx="1"/>
+          </p:nvPr>
+        </p:nvSpPr>
+        <p:spPr/>
+        <p:txBody>
+          <a:bodyPr/>
+          <a:lstStyle/>
+          <a:p>
+            <a:r>
+              <a:rPr lang="en-US" dirty="0" err="1"/>
+              <a:t>Đơn</a:t>
+            </a:r>
+            <a:r>
+              <a:rPr lang="en-US" dirty="0"/>
+              <a:t> </a:t>
+            </a:r>
+            <a:r>
+              <a:rPr lang="en-US" dirty="0" err="1"/>
+              <a:t>hàng</a:t>
+            </a:r>
+            <a:r>
+              <a:rPr lang="en-US" dirty="0"/>
+              <a:t> </a:t>
+            </a:r>
+            <a:r>
+              <a:rPr lang="en-US" dirty="0" err="1"/>
+              <a:t>cần</a:t>
+            </a:r>
+            <a:r>
+              <a:rPr lang="en-US" dirty="0"/>
+              <a:t> 2000 </a:t>
+            </a:r>
+            <a:r>
+              <a:rPr lang="en-US" dirty="0" err="1"/>
+              <a:t>thanh</a:t>
+            </a:r>
+            <a:r>
+              <a:rPr lang="en-US" dirty="0"/>
+              <a:t> 2m, 1000 </a:t>
+            </a:r>
+            <a:r>
+              <a:rPr lang="en-US" dirty="0" err="1"/>
+              <a:t>thanh</a:t>
+            </a:r>
+            <a:r>
+              <a:rPr lang="en-US" dirty="0"/>
+              <a:t> 3m, 3000 </a:t>
+            </a:r>
+            <a:r>
+              <a:rPr lang="en-US" dirty="0" err="1"/>
+              <a:t>thanh</a:t>
+            </a:r>
+            <a:r>
+              <a:rPr lang="en-US" dirty="0"/>
+              <a:t> 5m </a:t>
+            </a:r>
+            <a:r>
+              <a:rPr lang="en-US" dirty="0" err="1"/>
+              <a:t>và</a:t>
+            </a:r>
+            <a:r>
+              <a:rPr lang="en-US" dirty="0"/>
+              <a:t> 4000 </a:t>
+            </a:r>
+            <a:r>
+              <a:rPr lang="en-US" dirty="0" err="1"/>
+              <a:t>thanh</a:t>
+            </a:r>
+            <a:r>
+              <a:rPr lang="en-US" dirty="0"/>
+              <a:t> 7m</a:t>
+            </a:r>
+          </a:p>
+          <a:p>
+            <a:r>
+              <a:rPr lang="en-US" dirty="0" err="1"/>
+              <a:t>Trong</a:t>
+            </a:r>
+            <a:r>
+              <a:rPr lang="en-US" dirty="0"/>
+              <a:t> </a:t>
+            </a:r>
+            <a:r>
+              <a:rPr lang="en-US" dirty="0" err="1"/>
+              <a:t>kho</a:t>
+            </a:r>
+            <a:r>
+              <a:rPr lang="en-US" dirty="0"/>
+              <a:t> có 10000 </a:t>
+            </a:r>
+            <a:r>
+              <a:rPr lang="en-US" dirty="0" err="1"/>
+              <a:t>thanh</a:t>
+            </a:r>
+            <a:r>
+              <a:rPr lang="en-US" dirty="0"/>
+              <a:t> 11.7m</a:t>
+            </a:r>
+          </a:p>
+          <a:p>
+            <a:r>
+              <a:rPr lang="en-US" dirty="0" err="1"/>
+              <a:t>Độ</a:t>
+            </a:r>
+            <a:r>
+              <a:rPr lang="en-US" dirty="0"/>
+              <a:t> </a:t>
+            </a:r>
+            <a:r>
+              <a:rPr lang="en-US" dirty="0" err="1"/>
+              <a:t>dày</a:t>
+            </a:r>
+            <a:r>
+              <a:rPr lang="en-US" dirty="0"/>
+              <a:t> </a:t>
+            </a:r>
+            <a:r>
+              <a:rPr lang="en-US" dirty="0" err="1"/>
+              <a:t>lưỡi</a:t>
+            </a:r>
+            <a:r>
+              <a:rPr lang="en-US" dirty="0"/>
+              <a:t> </a:t>
+            </a:r>
+            <a:r>
+              <a:rPr lang="en-US" dirty="0" err="1"/>
+              <a:t>cắt</a:t>
+            </a:r>
+            <a:r>
+              <a:rPr lang="en-US" dirty="0"/>
+              <a:t> </a:t>
+            </a:r>
+            <a:r>
+              <a:rPr lang="en-US" dirty="0" err="1"/>
+              <a:t>thép</a:t>
+            </a:r>
+            <a:r>
+              <a:rPr lang="en-US" dirty="0"/>
+              <a:t> 5mm</a:t>
+            </a:r>
+          </a:p>
+          <a:p>
+            <a:pPr>
+              <a:buFont typeface="Wingdings" panose="05000000000000000000" pitchFamily="2" charset="2"/>
+              <a:buChar char="Ø"/>
+            </a:pPr>
+            <a:r>
+              <a:rPr lang="en-US" dirty="0"/>
+              <a:t> </a:t>
+            </a:r>
+            <a:r>
+              <a:rPr lang="en-US" dirty="0" err="1"/>
+              <a:t>Kết</a:t>
+            </a:r>
+            <a:r>
+              <a:rPr lang="en-US" dirty="0"/>
+              <a:t> quả </a:t>
+            </a:r>
+            <a:r>
+              <a:rPr lang="en-US" dirty="0" err="1"/>
+              <a:t>của</a:t>
+            </a:r>
+            <a:r>
+              <a:rPr lang="en-US" dirty="0"/>
+              <a:t> </a:t>
+            </a:r>
+            <a:r>
+              <a:rPr lang="en-US" dirty="0" err="1"/>
+              <a:t>các</a:t>
+            </a:r>
+            <a:r>
+              <a:rPr lang="en-US" dirty="0"/>
+              <a:t> </a:t>
+            </a:r>
+            <a:r>
+              <a:rPr lang="en-US" dirty="0" err="1"/>
+              <a:t>thuật</a:t>
+            </a:r>
+            <a:r>
+              <a:rPr lang="en-US" dirty="0"/>
+              <a:t> </a:t>
+            </a:r>
+            <a:r>
+              <a:rPr lang="en-US" dirty="0" err="1"/>
+              <a:t>toán</a:t>
+            </a:r>
+            <a:r>
+              <a:rPr lang="en-US" dirty="0"/>
+              <a:t> </a:t>
+            </a:r>
+            <a:r>
+              <a:rPr lang="en-US" dirty="0" err="1"/>
+              <a:t>như</a:t>
+            </a:r>
+            <a:r>
+              <a:rPr lang="en-US" dirty="0"/>
+              <a:t> </a:t>
+            </a:r>
+            <a:r>
+              <a:rPr lang="en-US" dirty="0" err="1"/>
+              <a:t>sau</a:t>
+            </a:r>
+            <a:r>
+              <a:rPr lang="en-US" dirty="0"/>
+              <a:t>:</a:t>
+            </a:r>
+          </a:p>
+        </p:txBody>
+      </p:sp>
+      <p:graphicFrame>
+        <p:nvGraphicFramePr>
+          <p:cNvPr id="3" name="Table 2">
+            <a:extLst>
+              <a:ext uri="{FF2B5EF4-FFF2-40B4-BE49-F238E27FC236}">
+                <a16:creationId xmlns:a16="http://schemas.microsoft.com/office/drawing/2014/main" id="{0DA1E8D7-5061-494E-9CA3-BF9165B9BB7F}"/>
+              </a:ext>
+            </a:extLst>
+          </p:cNvPr>
+          <p:cNvGraphicFramePr>
+            <a:graphicFrameLocks noGrp="1"/>
+          </p:cNvGraphicFramePr>
+          <p:nvPr>
+            <p:extLst>
+              <p:ext uri="{D42A27DB-BD31-4B8C-83A1-F6EECF244321}">
+                <p14:modId xmlns:p14="http://schemas.microsoft.com/office/powerpoint/2010/main" val="2293618085"/>
+              </p:ext>
+            </p:extLst>
+          </p:nvPr>
+        </p:nvGraphicFramePr>
+        <p:xfrm>
+          <a:off x="1413892" y="5085184"/>
+          <a:ext cx="9289032" cy="1512168"/>
+        </p:xfrm>
+        <a:graphic>
+          <a:graphicData uri="http://schemas.openxmlformats.org/drawingml/2006/table">
+            <a:tbl>
+              <a:tblPr firstRow="1" firstCol="1" bandRow="1">
+                <a:tableStyleId>{5C22544A-7EE6-4342-B048-85BDC9FD1C3A}</a:tableStyleId>
+              </a:tblPr>
+              <a:tblGrid>
+                <a:gridCol w="2659723">
+                  <a:extLst>
+                    <a:ext uri="{9D8B030D-6E8A-4147-A177-3AD203B41FA5}">
+                      <a16:colId xmlns:a16="http://schemas.microsoft.com/office/drawing/2014/main" val="98132786"/>
+                    </a:ext>
+                  </a:extLst>
+                </a:gridCol>
+                <a:gridCol w="3367928">
+                  <a:extLst>
+                    <a:ext uri="{9D8B030D-6E8A-4147-A177-3AD203B41FA5}">
+                      <a16:colId xmlns:a16="http://schemas.microsoft.com/office/drawing/2014/main" val="2586330646"/>
+                    </a:ext>
+                  </a:extLst>
+                </a:gridCol>
+                <a:gridCol w="3261381">
+                  <a:extLst>
+                    <a:ext uri="{9D8B030D-6E8A-4147-A177-3AD203B41FA5}">
+                      <a16:colId xmlns:a16="http://schemas.microsoft.com/office/drawing/2014/main" val="3610445939"/>
+                    </a:ext>
+                  </a:extLst>
+                </a:gridCol>
+              </a:tblGrid>
+              <a:tr h="378042">
+                <a:tc>
+                  <a:txBody>
+                    <a:bodyPr/>
+                    <a:lstStyle/>
+                    <a:p>
+                      <a:pPr algn="ctr">
+                        <a:lnSpc>
+                          <a:spcPct val="130000"/>
+                        </a:lnSpc>
+                        <a:spcAft>
+                          <a:spcPts val="800"/>
+                        </a:spcAft>
+                      </a:pPr>
+                      <a:r>
+                        <a:rPr lang="en-US" sz="1600" dirty="0" err="1">
+                          <a:effectLst/>
+                          <a:latin typeface="Arial" panose="020B0604020202020204" pitchFamily="34" charset="0"/>
+                          <a:cs typeface="Arial" panose="020B0604020202020204" pitchFamily="34" charset="0"/>
+                        </a:rPr>
+                        <a:t>Thuật</a:t>
+                      </a:r>
+                      <a:r>
+                        <a:rPr lang="en-US" sz="1600" dirty="0">
+                          <a:effectLst/>
+                          <a:latin typeface="Arial" panose="020B0604020202020204" pitchFamily="34" charset="0"/>
+                          <a:cs typeface="Arial" panose="020B0604020202020204" pitchFamily="34" charset="0"/>
+                        </a:rPr>
+                        <a:t> </a:t>
+                      </a:r>
+                      <a:r>
+                        <a:rPr lang="en-US" sz="1600" dirty="0" err="1">
+                          <a:effectLst/>
+                          <a:latin typeface="Arial" panose="020B0604020202020204" pitchFamily="34" charset="0"/>
+                          <a:cs typeface="Arial" panose="020B0604020202020204" pitchFamily="34" charset="0"/>
+                        </a:rPr>
+                        <a:t>toán</a:t>
+                      </a:r>
+                      <a:endParaRPr lang="en-US" sz="1600" dirty="0">
+                        <a:effectLst/>
+                        <a:latin typeface="Arial" panose="020B0604020202020204" pitchFamily="34" charset="0"/>
+                        <a:ea typeface="Calibri" panose="020F0502020204030204" pitchFamily="34" charset="0"/>
+                        <a:cs typeface="Arial" panose="020B0604020202020204" pitchFamily="34" charset="0"/>
+                      </a:endParaRPr>
+                    </a:p>
+                  </a:txBody>
+                  <a:tcPr marL="68580" marR="68580" marT="0" marB="0" anchor="ctr"/>
+                </a:tc>
+                <a:tc>
+                  <a:txBody>
+                    <a:bodyPr/>
+                    <a:lstStyle/>
+                    <a:p>
+                      <a:pPr algn="ctr">
+                        <a:lnSpc>
+                          <a:spcPct val="130000"/>
+                        </a:lnSpc>
+                        <a:spcAft>
+                          <a:spcPts val="800"/>
+                        </a:spcAft>
+                      </a:pPr>
+                      <a:r>
+                        <a:rPr lang="en-US" sz="1600" dirty="0" err="1">
+                          <a:effectLst/>
+                          <a:latin typeface="Arial" panose="020B0604020202020204" pitchFamily="34" charset="0"/>
+                          <a:cs typeface="Arial" panose="020B0604020202020204" pitchFamily="34" charset="0"/>
+                        </a:rPr>
+                        <a:t>Số</a:t>
+                      </a:r>
+                      <a:r>
+                        <a:rPr lang="en-US" sz="1600" dirty="0">
+                          <a:effectLst/>
+                          <a:latin typeface="Arial" panose="020B0604020202020204" pitchFamily="34" charset="0"/>
+                          <a:cs typeface="Arial" panose="020B0604020202020204" pitchFamily="34" charset="0"/>
+                        </a:rPr>
+                        <a:t> </a:t>
+                      </a:r>
+                      <a:r>
+                        <a:rPr lang="en-US" sz="1600" dirty="0" err="1">
+                          <a:effectLst/>
+                          <a:latin typeface="Arial" panose="020B0604020202020204" pitchFamily="34" charset="0"/>
+                          <a:cs typeface="Arial" panose="020B0604020202020204" pitchFamily="34" charset="0"/>
+                        </a:rPr>
+                        <a:t>lượng</a:t>
+                      </a:r>
+                      <a:r>
+                        <a:rPr lang="en-US" sz="1600" dirty="0">
+                          <a:effectLst/>
+                          <a:latin typeface="Arial" panose="020B0604020202020204" pitchFamily="34" charset="0"/>
+                          <a:cs typeface="Arial" panose="020B0604020202020204" pitchFamily="34" charset="0"/>
+                        </a:rPr>
+                        <a:t> </a:t>
+                      </a:r>
+                      <a:r>
+                        <a:rPr lang="en-US" sz="1600" dirty="0" err="1">
+                          <a:effectLst/>
+                          <a:latin typeface="Arial" panose="020B0604020202020204" pitchFamily="34" charset="0"/>
+                          <a:cs typeface="Arial" panose="020B0604020202020204" pitchFamily="34" charset="0"/>
+                        </a:rPr>
+                        <a:t>thanh</a:t>
+                      </a:r>
+                      <a:r>
+                        <a:rPr lang="en-US" sz="1600" dirty="0">
+                          <a:effectLst/>
+                          <a:latin typeface="Arial" panose="020B0604020202020204" pitchFamily="34" charset="0"/>
+                          <a:cs typeface="Arial" panose="020B0604020202020204" pitchFamily="34" charset="0"/>
+                        </a:rPr>
+                        <a:t> </a:t>
+                      </a:r>
+                      <a:r>
+                        <a:rPr lang="en-US" sz="1600" dirty="0" err="1">
+                          <a:effectLst/>
+                          <a:latin typeface="Arial" panose="020B0604020202020204" pitchFamily="34" charset="0"/>
+                          <a:cs typeface="Arial" panose="020B0604020202020204" pitchFamily="34" charset="0"/>
+                        </a:rPr>
+                        <a:t>sử</a:t>
+                      </a:r>
+                      <a:r>
+                        <a:rPr lang="en-US" sz="1600" dirty="0">
+                          <a:effectLst/>
+                          <a:latin typeface="Arial" panose="020B0604020202020204" pitchFamily="34" charset="0"/>
+                          <a:cs typeface="Arial" panose="020B0604020202020204" pitchFamily="34" charset="0"/>
+                        </a:rPr>
+                        <a:t> </a:t>
+                      </a:r>
+                      <a:r>
+                        <a:rPr lang="en-US" sz="1600" dirty="0" err="1">
+                          <a:effectLst/>
+                          <a:latin typeface="Arial" panose="020B0604020202020204" pitchFamily="34" charset="0"/>
+                          <a:cs typeface="Arial" panose="020B0604020202020204" pitchFamily="34" charset="0"/>
+                        </a:rPr>
+                        <a:t>dụng</a:t>
+                      </a:r>
+                      <a:endParaRPr lang="en-US" sz="1600" dirty="0">
+                        <a:effectLst/>
+                        <a:latin typeface="Arial" panose="020B0604020202020204" pitchFamily="34" charset="0"/>
+                        <a:ea typeface="Calibri" panose="020F0502020204030204" pitchFamily="34" charset="0"/>
+                        <a:cs typeface="Arial" panose="020B0604020202020204" pitchFamily="34" charset="0"/>
+                      </a:endParaRPr>
+                    </a:p>
+                  </a:txBody>
+                  <a:tcPr marL="68580" marR="68580" marT="0" marB="0" anchor="ctr"/>
+                </a:tc>
+                <a:tc>
+                  <a:txBody>
+                    <a:bodyPr/>
+                    <a:lstStyle/>
+                    <a:p>
+                      <a:pPr algn="ctr">
+                        <a:lnSpc>
+                          <a:spcPct val="130000"/>
+                        </a:lnSpc>
+                        <a:spcAft>
+                          <a:spcPts val="800"/>
+                        </a:spcAft>
+                      </a:pPr>
+                      <a:r>
+                        <a:rPr lang="en-US" sz="1600" dirty="0" err="1">
+                          <a:effectLst/>
+                          <a:latin typeface="Arial" panose="020B0604020202020204" pitchFamily="34" charset="0"/>
+                          <a:cs typeface="Arial" panose="020B0604020202020204" pitchFamily="34" charset="0"/>
+                        </a:rPr>
+                        <a:t>Tỉ</a:t>
+                      </a:r>
+                      <a:r>
+                        <a:rPr lang="en-US" sz="1600" dirty="0">
+                          <a:effectLst/>
+                          <a:latin typeface="Arial" panose="020B0604020202020204" pitchFamily="34" charset="0"/>
+                          <a:cs typeface="Arial" panose="020B0604020202020204" pitchFamily="34" charset="0"/>
+                        </a:rPr>
+                        <a:t> </a:t>
+                      </a:r>
+                      <a:r>
+                        <a:rPr lang="en-US" sz="1600" dirty="0" err="1">
+                          <a:effectLst/>
+                          <a:latin typeface="Arial" panose="020B0604020202020204" pitchFamily="34" charset="0"/>
+                          <a:cs typeface="Arial" panose="020B0604020202020204" pitchFamily="34" charset="0"/>
+                        </a:rPr>
+                        <a:t>lệ</a:t>
+                      </a:r>
+                      <a:r>
+                        <a:rPr lang="en-US" sz="1600" dirty="0">
+                          <a:effectLst/>
+                          <a:latin typeface="Arial" panose="020B0604020202020204" pitchFamily="34" charset="0"/>
+                          <a:cs typeface="Arial" panose="020B0604020202020204" pitchFamily="34" charset="0"/>
+                        </a:rPr>
+                        <a:t> </a:t>
+                      </a:r>
+                      <a:r>
+                        <a:rPr lang="en-US" sz="1600" dirty="0" err="1">
+                          <a:effectLst/>
+                          <a:latin typeface="Arial" panose="020B0604020202020204" pitchFamily="34" charset="0"/>
+                          <a:cs typeface="Arial" panose="020B0604020202020204" pitchFamily="34" charset="0"/>
+                        </a:rPr>
+                        <a:t>dư</a:t>
+                      </a:r>
+                      <a:r>
+                        <a:rPr lang="en-US" sz="1600" dirty="0">
+                          <a:effectLst/>
+                          <a:latin typeface="Arial" panose="020B0604020202020204" pitchFamily="34" charset="0"/>
+                          <a:cs typeface="Arial" panose="020B0604020202020204" pitchFamily="34" charset="0"/>
+                        </a:rPr>
+                        <a:t> </a:t>
+                      </a:r>
+                      <a:r>
+                        <a:rPr lang="en-US" sz="1600" dirty="0" err="1">
+                          <a:effectLst/>
+                          <a:latin typeface="Arial" panose="020B0604020202020204" pitchFamily="34" charset="0"/>
+                          <a:cs typeface="Arial" panose="020B0604020202020204" pitchFamily="34" charset="0"/>
+                        </a:rPr>
+                        <a:t>thừa</a:t>
+                      </a:r>
+                      <a:endParaRPr lang="en-US" sz="1600" dirty="0">
+                        <a:effectLst/>
+                        <a:latin typeface="Arial" panose="020B0604020202020204" pitchFamily="34" charset="0"/>
+                        <a:ea typeface="Calibri" panose="020F0502020204030204" pitchFamily="34" charset="0"/>
+                        <a:cs typeface="Arial" panose="020B0604020202020204" pitchFamily="34" charset="0"/>
+                      </a:endParaRPr>
+                    </a:p>
+                  </a:txBody>
+                  <a:tcPr marL="68580" marR="68580" marT="0" marB="0" anchor="ctr"/>
+                </a:tc>
+                <a:extLst>
+                  <a:ext uri="{0D108BD9-81ED-4DB2-BD59-A6C34878D82A}">
+                    <a16:rowId xmlns:a16="http://schemas.microsoft.com/office/drawing/2014/main" val="4095037186"/>
+                  </a:ext>
+                </a:extLst>
+              </a:tr>
+              <a:tr h="378042">
+                <a:tc>
+                  <a:txBody>
+                    <a:bodyPr/>
+                    <a:lstStyle/>
+                    <a:p>
+                      <a:pPr algn="ctr">
+                        <a:lnSpc>
+                          <a:spcPct val="130000"/>
+                        </a:lnSpc>
+                        <a:spcAft>
+                          <a:spcPts val="800"/>
+                        </a:spcAft>
+                      </a:pPr>
+                      <a:r>
+                        <a:rPr lang="en-US" sz="1600" dirty="0" err="1">
+                          <a:effectLst/>
+                          <a:latin typeface="Arial" panose="020B0604020202020204" pitchFamily="34" charset="0"/>
+                          <a:cs typeface="Arial" panose="020B0604020202020204" pitchFamily="34" charset="0"/>
+                        </a:rPr>
+                        <a:t>Quy</a:t>
+                      </a:r>
+                      <a:r>
+                        <a:rPr lang="en-US" sz="1600" dirty="0">
+                          <a:effectLst/>
+                          <a:latin typeface="Arial" panose="020B0604020202020204" pitchFamily="34" charset="0"/>
+                          <a:cs typeface="Arial" panose="020B0604020202020204" pitchFamily="34" charset="0"/>
+                        </a:rPr>
+                        <a:t> </a:t>
+                      </a:r>
+                      <a:r>
+                        <a:rPr lang="en-US" sz="1600" dirty="0" err="1">
+                          <a:effectLst/>
+                          <a:latin typeface="Arial" panose="020B0604020202020204" pitchFamily="34" charset="0"/>
+                          <a:cs typeface="Arial" panose="020B0604020202020204" pitchFamily="34" charset="0"/>
+                        </a:rPr>
+                        <a:t>hoạch</a:t>
+                      </a:r>
+                      <a:r>
+                        <a:rPr lang="en-US" sz="1600" dirty="0">
+                          <a:effectLst/>
+                          <a:latin typeface="Arial" panose="020B0604020202020204" pitchFamily="34" charset="0"/>
+                          <a:cs typeface="Arial" panose="020B0604020202020204" pitchFamily="34" charset="0"/>
+                        </a:rPr>
+                        <a:t> </a:t>
+                      </a:r>
+                      <a:r>
+                        <a:rPr lang="en-US" sz="1600" dirty="0" err="1">
+                          <a:effectLst/>
+                          <a:latin typeface="Arial" panose="020B0604020202020204" pitchFamily="34" charset="0"/>
+                          <a:cs typeface="Arial" panose="020B0604020202020204" pitchFamily="34" charset="0"/>
+                        </a:rPr>
+                        <a:t>tuyến</a:t>
+                      </a:r>
+                      <a:r>
+                        <a:rPr lang="en-US" sz="1600" dirty="0">
+                          <a:effectLst/>
+                          <a:latin typeface="Arial" panose="020B0604020202020204" pitchFamily="34" charset="0"/>
+                          <a:cs typeface="Arial" panose="020B0604020202020204" pitchFamily="34" charset="0"/>
+                        </a:rPr>
+                        <a:t> </a:t>
+                      </a:r>
+                      <a:r>
+                        <a:rPr lang="en-US" sz="1600" dirty="0" err="1">
+                          <a:effectLst/>
+                          <a:latin typeface="Arial" panose="020B0604020202020204" pitchFamily="34" charset="0"/>
+                          <a:cs typeface="Arial" panose="020B0604020202020204" pitchFamily="34" charset="0"/>
+                        </a:rPr>
+                        <a:t>tính</a:t>
+                      </a:r>
+                      <a:endParaRPr lang="en-US" sz="1600" dirty="0">
+                        <a:effectLst/>
+                        <a:latin typeface="Arial" panose="020B0604020202020204" pitchFamily="34" charset="0"/>
+                        <a:ea typeface="Calibri" panose="020F0502020204030204" pitchFamily="34" charset="0"/>
+                        <a:cs typeface="Arial" panose="020B0604020202020204" pitchFamily="34" charset="0"/>
+                      </a:endParaRPr>
+                    </a:p>
+                  </a:txBody>
+                  <a:tcPr marL="68580" marR="68580" marT="0" marB="0" anchor="ctr"/>
+                </a:tc>
+                <a:tc>
+                  <a:txBody>
+                    <a:bodyPr/>
+                    <a:lstStyle/>
+                    <a:p>
+                      <a:pPr algn="ctr">
+                        <a:lnSpc>
+                          <a:spcPct val="130000"/>
+                        </a:lnSpc>
+                        <a:spcAft>
+                          <a:spcPts val="800"/>
+                        </a:spcAft>
+                      </a:pPr>
+                      <a:r>
+                        <a:rPr lang="en-US" sz="1600" dirty="0">
+                          <a:effectLst/>
+                          <a:latin typeface="Arial" panose="020B0604020202020204" pitchFamily="34" charset="0"/>
+                          <a:cs typeface="Arial" panose="020B0604020202020204" pitchFamily="34" charset="0"/>
+                        </a:rPr>
+                        <a:t>5500</a:t>
+                      </a:r>
+                      <a:endParaRPr lang="en-US" sz="1600" dirty="0">
+                        <a:effectLst/>
+                        <a:latin typeface="Arial" panose="020B0604020202020204" pitchFamily="34" charset="0"/>
+                        <a:ea typeface="Calibri" panose="020F0502020204030204" pitchFamily="34" charset="0"/>
+                        <a:cs typeface="Arial" panose="020B0604020202020204" pitchFamily="34" charset="0"/>
+                      </a:endParaRPr>
+                    </a:p>
+                  </a:txBody>
+                  <a:tcPr marL="68580" marR="68580" marT="0" marB="0" anchor="ctr"/>
+                </a:tc>
+                <a:tc>
+                  <a:txBody>
+                    <a:bodyPr/>
+                    <a:lstStyle/>
+                    <a:p>
+                      <a:pPr algn="ctr">
+                        <a:lnSpc>
+                          <a:spcPct val="130000"/>
+                        </a:lnSpc>
+                        <a:spcAft>
+                          <a:spcPts val="800"/>
+                        </a:spcAft>
+                      </a:pPr>
+                      <a:r>
+                        <a:rPr lang="en-US" sz="1600" dirty="0">
+                          <a:effectLst/>
+                          <a:latin typeface="Arial" panose="020B0604020202020204" pitchFamily="34" charset="0"/>
+                          <a:cs typeface="Arial" panose="020B0604020202020204" pitchFamily="34" charset="0"/>
+                        </a:rPr>
+                        <a:t>22%</a:t>
+                      </a:r>
+                      <a:endParaRPr lang="en-US" sz="1600" dirty="0">
+                        <a:effectLst/>
+                        <a:latin typeface="Arial" panose="020B0604020202020204" pitchFamily="34" charset="0"/>
+                        <a:ea typeface="Calibri" panose="020F0502020204030204" pitchFamily="34" charset="0"/>
+                        <a:cs typeface="Arial" panose="020B0604020202020204" pitchFamily="34" charset="0"/>
+                      </a:endParaRPr>
+                    </a:p>
+                  </a:txBody>
+                  <a:tcPr marL="68580" marR="68580" marT="0" marB="0" anchor="ctr"/>
+                </a:tc>
+                <a:extLst>
+                  <a:ext uri="{0D108BD9-81ED-4DB2-BD59-A6C34878D82A}">
+                    <a16:rowId xmlns:a16="http://schemas.microsoft.com/office/drawing/2014/main" val="2714357669"/>
+                  </a:ext>
+                </a:extLst>
+              </a:tr>
+              <a:tr h="378042">
+                <a:tc>
+                  <a:txBody>
+                    <a:bodyPr/>
+                    <a:lstStyle/>
+                    <a:p>
+                      <a:pPr algn="ctr">
+                        <a:lnSpc>
+                          <a:spcPct val="130000"/>
+                        </a:lnSpc>
+                        <a:spcAft>
+                          <a:spcPts val="800"/>
+                        </a:spcAft>
+                      </a:pPr>
+                      <a:r>
+                        <a:rPr lang="en-US" sz="1600">
+                          <a:effectLst/>
+                          <a:latin typeface="Arial" panose="020B0604020202020204" pitchFamily="34" charset="0"/>
+                          <a:cs typeface="Arial" panose="020B0604020202020204" pitchFamily="34" charset="0"/>
+                        </a:rPr>
+                        <a:t>Cắt nhanh</a:t>
+                      </a:r>
+                      <a:endParaRPr lang="en-US" sz="1600">
+                        <a:effectLst/>
+                        <a:latin typeface="Arial" panose="020B0604020202020204" pitchFamily="34" charset="0"/>
+                        <a:ea typeface="Calibri" panose="020F0502020204030204" pitchFamily="34" charset="0"/>
+                        <a:cs typeface="Arial" panose="020B0604020202020204" pitchFamily="34" charset="0"/>
+                      </a:endParaRPr>
+                    </a:p>
+                  </a:txBody>
+                  <a:tcPr marL="68580" marR="68580" marT="0" marB="0" anchor="ctr"/>
+                </a:tc>
+                <a:tc>
+                  <a:txBody>
+                    <a:bodyPr/>
+                    <a:lstStyle/>
+                    <a:p>
+                      <a:pPr algn="ctr">
+                        <a:lnSpc>
+                          <a:spcPct val="130000"/>
+                        </a:lnSpc>
+                        <a:spcAft>
+                          <a:spcPts val="800"/>
+                        </a:spcAft>
+                      </a:pPr>
+                      <a:r>
+                        <a:rPr lang="en-US" sz="1600" dirty="0">
+                          <a:effectLst/>
+                          <a:latin typeface="Arial" panose="020B0604020202020204" pitchFamily="34" charset="0"/>
+                          <a:cs typeface="Arial" panose="020B0604020202020204" pitchFamily="34" charset="0"/>
+                        </a:rPr>
+                        <a:t>5500</a:t>
+                      </a:r>
+                      <a:endParaRPr lang="en-US" sz="1600" dirty="0">
+                        <a:effectLst/>
+                        <a:latin typeface="Arial" panose="020B0604020202020204" pitchFamily="34" charset="0"/>
+                        <a:ea typeface="Calibri" panose="020F0502020204030204" pitchFamily="34" charset="0"/>
+                        <a:cs typeface="Arial" panose="020B0604020202020204" pitchFamily="34" charset="0"/>
+                      </a:endParaRPr>
+                    </a:p>
+                  </a:txBody>
+                  <a:tcPr marL="68580" marR="68580" marT="0" marB="0" anchor="ctr"/>
+                </a:tc>
+                <a:tc>
+                  <a:txBody>
+                    <a:bodyPr/>
+                    <a:lstStyle/>
+                    <a:p>
+                      <a:pPr algn="ctr">
+                        <a:lnSpc>
+                          <a:spcPct val="130000"/>
+                        </a:lnSpc>
+                        <a:spcAft>
+                          <a:spcPts val="800"/>
+                        </a:spcAft>
+                      </a:pPr>
+                      <a:r>
+                        <a:rPr lang="en-US" sz="1600" dirty="0">
+                          <a:effectLst/>
+                          <a:latin typeface="Arial" panose="020B0604020202020204" pitchFamily="34" charset="0"/>
+                          <a:cs typeface="Arial" panose="020B0604020202020204" pitchFamily="34" charset="0"/>
+                        </a:rPr>
+                        <a:t>22%</a:t>
+                      </a:r>
+                      <a:endParaRPr lang="en-US" sz="1600" dirty="0">
+                        <a:effectLst/>
+                        <a:latin typeface="Arial" panose="020B0604020202020204" pitchFamily="34" charset="0"/>
+                        <a:ea typeface="Calibri" panose="020F0502020204030204" pitchFamily="34" charset="0"/>
+                        <a:cs typeface="Arial" panose="020B0604020202020204" pitchFamily="34" charset="0"/>
+                      </a:endParaRPr>
+                    </a:p>
+                  </a:txBody>
+                  <a:tcPr marL="68580" marR="68580" marT="0" marB="0" anchor="ctr"/>
+                </a:tc>
+                <a:extLst>
+                  <a:ext uri="{0D108BD9-81ED-4DB2-BD59-A6C34878D82A}">
+                    <a16:rowId xmlns:a16="http://schemas.microsoft.com/office/drawing/2014/main" val="4156842845"/>
+                  </a:ext>
+                </a:extLst>
+              </a:tr>
+              <a:tr h="378042">
+                <a:tc>
+                  <a:txBody>
+                    <a:bodyPr/>
+                    <a:lstStyle/>
+                    <a:p>
+                      <a:pPr algn="ctr">
+                        <a:lnSpc>
+                          <a:spcPct val="130000"/>
+                        </a:lnSpc>
+                        <a:spcAft>
+                          <a:spcPts val="800"/>
+                        </a:spcAft>
+                      </a:pPr>
+                      <a:r>
+                        <a:rPr lang="en-US" sz="1600">
+                          <a:effectLst/>
+                          <a:latin typeface="Arial" panose="020B0604020202020204" pitchFamily="34" charset="0"/>
+                          <a:cs typeface="Arial" panose="020B0604020202020204" pitchFamily="34" charset="0"/>
+                        </a:rPr>
+                        <a:t>Cắt tiết kiệm</a:t>
+                      </a:r>
+                      <a:endParaRPr lang="en-US" sz="1600">
+                        <a:effectLst/>
+                        <a:latin typeface="Arial" panose="020B0604020202020204" pitchFamily="34" charset="0"/>
+                        <a:ea typeface="Calibri" panose="020F0502020204030204" pitchFamily="34" charset="0"/>
+                        <a:cs typeface="Arial" panose="020B0604020202020204" pitchFamily="34" charset="0"/>
+                      </a:endParaRPr>
+                    </a:p>
+                  </a:txBody>
+                  <a:tcPr marL="68580" marR="68580" marT="0" marB="0" anchor="ctr"/>
+                </a:tc>
+                <a:tc>
+                  <a:txBody>
+                    <a:bodyPr/>
+                    <a:lstStyle/>
+                    <a:p>
+                      <a:pPr algn="ctr">
+                        <a:lnSpc>
+                          <a:spcPct val="130000"/>
+                        </a:lnSpc>
+                        <a:spcAft>
+                          <a:spcPts val="800"/>
+                        </a:spcAft>
+                      </a:pPr>
+                      <a:r>
+                        <a:rPr lang="en-US" sz="1600" dirty="0">
+                          <a:effectLst/>
+                          <a:latin typeface="Arial" panose="020B0604020202020204" pitchFamily="34" charset="0"/>
+                          <a:cs typeface="Arial" panose="020B0604020202020204" pitchFamily="34" charset="0"/>
+                        </a:rPr>
+                        <a:t>5500</a:t>
+                      </a:r>
+                      <a:endParaRPr lang="en-US" sz="1600" dirty="0">
+                        <a:effectLst/>
+                        <a:latin typeface="Arial" panose="020B0604020202020204" pitchFamily="34" charset="0"/>
+                        <a:ea typeface="Calibri" panose="020F0502020204030204" pitchFamily="34" charset="0"/>
+                        <a:cs typeface="Arial" panose="020B0604020202020204" pitchFamily="34" charset="0"/>
+                      </a:endParaRPr>
+                    </a:p>
+                  </a:txBody>
+                  <a:tcPr marL="68580" marR="68580" marT="0" marB="0" anchor="ctr"/>
+                </a:tc>
+                <a:tc>
+                  <a:txBody>
+                    <a:bodyPr/>
+                    <a:lstStyle/>
+                    <a:p>
+                      <a:pPr algn="ctr">
+                        <a:lnSpc>
+                          <a:spcPct val="130000"/>
+                        </a:lnSpc>
+                        <a:spcAft>
+                          <a:spcPts val="800"/>
+                        </a:spcAft>
+                      </a:pPr>
+                      <a:r>
+                        <a:rPr lang="en-US" sz="1600" dirty="0">
+                          <a:effectLst/>
+                          <a:latin typeface="Arial" panose="020B0604020202020204" pitchFamily="34" charset="0"/>
+                          <a:cs typeface="Arial" panose="020B0604020202020204" pitchFamily="34" charset="0"/>
+                        </a:rPr>
+                        <a:t>22%</a:t>
+                      </a:r>
+                      <a:endParaRPr lang="en-US" sz="1600" dirty="0">
+                        <a:effectLst/>
+                        <a:latin typeface="Arial" panose="020B0604020202020204" pitchFamily="34" charset="0"/>
+                        <a:ea typeface="Calibri" panose="020F0502020204030204" pitchFamily="34" charset="0"/>
+                        <a:cs typeface="Arial" panose="020B0604020202020204" pitchFamily="34" charset="0"/>
+                      </a:endParaRPr>
+                    </a:p>
+                  </a:txBody>
+                  <a:tcPr marL="68580" marR="68580" marT="0" marB="0" anchor="ctr"/>
+                </a:tc>
+                <a:extLst>
+                  <a:ext uri="{0D108BD9-81ED-4DB2-BD59-A6C34878D82A}">
+                    <a16:rowId xmlns:a16="http://schemas.microsoft.com/office/drawing/2014/main" val="3164416298"/>
+                  </a:ext>
+                </a:extLst>
+              </a:tr>
+            </a:tbl>
+          </a:graphicData>
+        </a:graphic>
+      </p:graphicFrame>
+    </p:spTree>
+    <p:extLst>
+      <p:ext uri="{BB962C8B-B14F-4D97-AF65-F5344CB8AC3E}">
+        <p14:creationId xmlns:p14="http://schemas.microsoft.com/office/powerpoint/2010/main" val="1048854484"/>
+      </p:ext>
+    </p:extLst>
+  </p:cSld>
+  <p:clrMapOvr>
+    <a:masterClrMapping/>
+  </p:clrMapOvr>
+  <mc:AlternateContent xmlns:mc="http://schemas.openxmlformats.org/markup-compatibility/2006">
+    <mc:Choice xmlns:p14="http://schemas.microsoft.com/office/powerpoint/2010/main" Requires="p14">
+      <p:transition spd="med" p14:dur="700">
+        <p:fade/>
+      </p:transition>
+    </mc:Choice>
+    <mc:Fallback>
+      <p:transition spd="med">
+        <p:fade/>
+      </p:transition>
+    </mc:Fallback>
+  </mc:AlternateContent>
+</p:sld>
+</file>
+
+<file path=ppt/slides/slide14.xml><?xml version="1.0" encoding="utf-8"?>
+<p:sld xmlns:a="http://schemas.openxmlformats.org/drawingml/2006/main" xmlns:r="http://schemas.openxmlformats.org/officeDocument/2006/relationships" xmlns:p="http://schemas.openxmlformats.org/presentationml/2006/main">
+  <p:cSld>
+    <p:spTree>
+      <p:nvGrpSpPr>
+        <p:cNvPr id="1" name=""/>
+        <p:cNvGrpSpPr/>
+        <p:nvPr/>
+      </p:nvGrpSpPr>
+      <p:grpSpPr>
+        <a:xfrm>
+          <a:off x="0" y="0"/>
+          <a:ext cx="0" cy="0"/>
+          <a:chOff x="0" y="0"/>
+          <a:chExt cx="0" cy="0"/>
+        </a:xfrm>
+      </p:grpSpPr>
+      <p:sp>
+        <p:nvSpPr>
+          <p:cNvPr id="13" name="Title 12"/>
+          <p:cNvSpPr>
+            <a:spLocks noGrp="1"/>
+          </p:cNvSpPr>
+          <p:nvPr>
+            <p:ph type="title"/>
+          </p:nvPr>
+        </p:nvSpPr>
+        <p:spPr/>
+        <p:txBody>
+          <a:bodyPr/>
+          <a:lstStyle/>
+          <a:p>
+            <a:r>
+              <a:rPr lang="en-US" dirty="0" err="1"/>
+              <a:t>Thử</a:t>
+            </a:r>
+            <a:r>
+              <a:rPr lang="en-US" dirty="0"/>
+              <a:t> </a:t>
+            </a:r>
+            <a:r>
+              <a:rPr lang="en-US" dirty="0" err="1"/>
+              <a:t>nghiệm</a:t>
+            </a:r>
+            <a:r>
+              <a:rPr lang="en-US" dirty="0"/>
+              <a:t> </a:t>
+            </a:r>
+            <a:r>
+              <a:rPr lang="en-US" dirty="0" err="1"/>
+              <a:t>thứ</a:t>
+            </a:r>
+            <a:r>
+              <a:rPr lang="en-US" dirty="0"/>
+              <a:t> </a:t>
+            </a:r>
+            <a:r>
+              <a:rPr lang="en-US" dirty="0" err="1"/>
+              <a:t>ba</a:t>
+            </a:r>
+            <a:endParaRPr lang="en-US" dirty="0"/>
+          </a:p>
+        </p:txBody>
+      </p:sp>
+      <p:sp>
+        <p:nvSpPr>
+          <p:cNvPr id="14" name="Content Placeholder 13"/>
+          <p:cNvSpPr>
+            <a:spLocks noGrp="1"/>
+          </p:cNvSpPr>
+          <p:nvPr>
+            <p:ph idx="1"/>
+          </p:nvPr>
+        </p:nvSpPr>
+        <p:spPr/>
+        <p:txBody>
+          <a:bodyPr/>
+          <a:lstStyle/>
+          <a:p>
+            <a:r>
+              <a:rPr lang="en-US" dirty="0" err="1"/>
+              <a:t>Đơn</a:t>
+            </a:r>
+            <a:r>
+              <a:rPr lang="en-US" dirty="0"/>
+              <a:t> </a:t>
+            </a:r>
+            <a:r>
+              <a:rPr lang="en-US" dirty="0" err="1"/>
+              <a:t>hàng</a:t>
+            </a:r>
+            <a:r>
+              <a:rPr lang="en-US" dirty="0"/>
+              <a:t> </a:t>
+            </a:r>
+            <a:r>
+              <a:rPr lang="en-US" dirty="0" err="1"/>
+              <a:t>cần</a:t>
+            </a:r>
+            <a:r>
+              <a:rPr lang="en-US" dirty="0"/>
+              <a:t> 200 </a:t>
+            </a:r>
+            <a:r>
+              <a:rPr lang="en-US" dirty="0" err="1"/>
+              <a:t>thanh</a:t>
+            </a:r>
+            <a:r>
+              <a:rPr lang="en-US" dirty="0"/>
+              <a:t> 1m, 300 </a:t>
+            </a:r>
+            <a:r>
+              <a:rPr lang="en-US" dirty="0" err="1"/>
+              <a:t>thanh</a:t>
+            </a:r>
+            <a:r>
+              <a:rPr lang="en-US" dirty="0"/>
+              <a:t> 2m, 700 </a:t>
+            </a:r>
+            <a:r>
+              <a:rPr lang="en-US" dirty="0" err="1"/>
+              <a:t>thanh</a:t>
+            </a:r>
+            <a:r>
+              <a:rPr lang="en-US" dirty="0"/>
+              <a:t> 4m </a:t>
+            </a:r>
+            <a:r>
+              <a:rPr lang="en-US" dirty="0" err="1"/>
+              <a:t>và</a:t>
+            </a:r>
+            <a:r>
+              <a:rPr lang="en-US" dirty="0"/>
+              <a:t> 500 </a:t>
+            </a:r>
+            <a:r>
+              <a:rPr lang="en-US" dirty="0" err="1"/>
+              <a:t>thanh</a:t>
+            </a:r>
+            <a:r>
+              <a:rPr lang="en-US" dirty="0"/>
+              <a:t> 8m</a:t>
+            </a:r>
+          </a:p>
+          <a:p>
+            <a:r>
+              <a:rPr lang="en-US" dirty="0" err="1"/>
+              <a:t>Trong</a:t>
+            </a:r>
+            <a:r>
+              <a:rPr lang="en-US" dirty="0"/>
+              <a:t> </a:t>
+            </a:r>
+            <a:r>
+              <a:rPr lang="en-US" dirty="0" err="1"/>
+              <a:t>kho</a:t>
+            </a:r>
+            <a:r>
+              <a:rPr lang="en-US" dirty="0"/>
+              <a:t> có 1000 </a:t>
+            </a:r>
+            <a:r>
+              <a:rPr lang="en-US" dirty="0" err="1"/>
+              <a:t>thanh</a:t>
+            </a:r>
+            <a:r>
+              <a:rPr lang="en-US" dirty="0"/>
+              <a:t> 11.7m, 150 </a:t>
+            </a:r>
+            <a:r>
+              <a:rPr lang="en-US" dirty="0" err="1"/>
+              <a:t>thanh</a:t>
+            </a:r>
+            <a:r>
+              <a:rPr lang="en-US" dirty="0"/>
+              <a:t> 8m, 300 </a:t>
+            </a:r>
+            <a:r>
+              <a:rPr lang="en-US" dirty="0" err="1"/>
+              <a:t>thanh</a:t>
+            </a:r>
+            <a:r>
+              <a:rPr lang="en-US" dirty="0"/>
+              <a:t> 7.995m</a:t>
+            </a:r>
+          </a:p>
+          <a:p>
+            <a:r>
+              <a:rPr lang="en-US" dirty="0" err="1"/>
+              <a:t>Độ</a:t>
+            </a:r>
+            <a:r>
+              <a:rPr lang="en-US" dirty="0"/>
+              <a:t> </a:t>
+            </a:r>
+            <a:r>
+              <a:rPr lang="en-US" dirty="0" err="1"/>
+              <a:t>dày</a:t>
+            </a:r>
+            <a:r>
+              <a:rPr lang="en-US" dirty="0"/>
+              <a:t> </a:t>
+            </a:r>
+            <a:r>
+              <a:rPr lang="en-US" dirty="0" err="1"/>
+              <a:t>lưỡi</a:t>
+            </a:r>
+            <a:r>
+              <a:rPr lang="en-US" dirty="0"/>
+              <a:t> </a:t>
+            </a:r>
+            <a:r>
+              <a:rPr lang="en-US" dirty="0" err="1"/>
+              <a:t>cắt</a:t>
+            </a:r>
+            <a:r>
+              <a:rPr lang="en-US" dirty="0"/>
+              <a:t> </a:t>
+            </a:r>
+            <a:r>
+              <a:rPr lang="en-US" dirty="0" err="1"/>
+              <a:t>thép</a:t>
+            </a:r>
+            <a:r>
+              <a:rPr lang="en-US" dirty="0"/>
+              <a:t> 5mm</a:t>
+            </a:r>
+          </a:p>
+          <a:p>
+            <a:pPr>
+              <a:buFont typeface="Wingdings" panose="05000000000000000000" pitchFamily="2" charset="2"/>
+              <a:buChar char="Ø"/>
+            </a:pPr>
+            <a:r>
+              <a:rPr lang="en-US" dirty="0"/>
+              <a:t> </a:t>
+            </a:r>
+            <a:r>
+              <a:rPr lang="en-US" dirty="0" err="1"/>
+              <a:t>Kết</a:t>
+            </a:r>
+            <a:r>
+              <a:rPr lang="en-US" dirty="0"/>
+              <a:t> quả </a:t>
+            </a:r>
+            <a:r>
+              <a:rPr lang="en-US" dirty="0" err="1"/>
+              <a:t>của</a:t>
+            </a:r>
+            <a:r>
+              <a:rPr lang="en-US" dirty="0"/>
+              <a:t> </a:t>
+            </a:r>
+            <a:r>
+              <a:rPr lang="en-US" dirty="0" err="1"/>
+              <a:t>các</a:t>
+            </a:r>
+            <a:r>
+              <a:rPr lang="en-US" dirty="0"/>
+              <a:t> </a:t>
+            </a:r>
+            <a:r>
+              <a:rPr lang="en-US" dirty="0" err="1"/>
+              <a:t>thuật</a:t>
+            </a:r>
+            <a:r>
+              <a:rPr lang="en-US" dirty="0"/>
+              <a:t> </a:t>
+            </a:r>
+            <a:r>
+              <a:rPr lang="en-US" dirty="0" err="1"/>
+              <a:t>toán</a:t>
+            </a:r>
+            <a:r>
+              <a:rPr lang="en-US" dirty="0"/>
+              <a:t> </a:t>
+            </a:r>
+            <a:r>
+              <a:rPr lang="en-US" dirty="0" err="1"/>
+              <a:t>như</a:t>
+            </a:r>
+            <a:r>
+              <a:rPr lang="en-US" dirty="0"/>
+              <a:t> </a:t>
+            </a:r>
+            <a:r>
+              <a:rPr lang="en-US" dirty="0" err="1"/>
+              <a:t>sau</a:t>
+            </a:r>
+            <a:r>
+              <a:rPr lang="en-US" dirty="0"/>
+              <a:t>:</a:t>
+            </a:r>
+          </a:p>
+        </p:txBody>
+      </p:sp>
+      <p:graphicFrame>
+        <p:nvGraphicFramePr>
+          <p:cNvPr id="3" name="Table 2">
+            <a:extLst>
+              <a:ext uri="{FF2B5EF4-FFF2-40B4-BE49-F238E27FC236}">
+                <a16:creationId xmlns:a16="http://schemas.microsoft.com/office/drawing/2014/main" id="{0DA1E8D7-5061-494E-9CA3-BF9165B9BB7F}"/>
+              </a:ext>
+            </a:extLst>
+          </p:cNvPr>
+          <p:cNvGraphicFramePr>
+            <a:graphicFrameLocks noGrp="1"/>
+          </p:cNvGraphicFramePr>
+          <p:nvPr>
+            <p:extLst>
+              <p:ext uri="{D42A27DB-BD31-4B8C-83A1-F6EECF244321}">
+                <p14:modId xmlns:p14="http://schemas.microsoft.com/office/powerpoint/2010/main" val="344443894"/>
+              </p:ext>
+            </p:extLst>
+          </p:nvPr>
+        </p:nvGraphicFramePr>
+        <p:xfrm>
+          <a:off x="1413892" y="5085184"/>
+          <a:ext cx="9289032" cy="1512168"/>
+        </p:xfrm>
+        <a:graphic>
+          <a:graphicData uri="http://schemas.openxmlformats.org/drawingml/2006/table">
+            <a:tbl>
+              <a:tblPr firstRow="1" firstCol="1" bandRow="1">
+                <a:tableStyleId>{5C22544A-7EE6-4342-B048-85BDC9FD1C3A}</a:tableStyleId>
+              </a:tblPr>
+              <a:tblGrid>
+                <a:gridCol w="2659723">
+                  <a:extLst>
+                    <a:ext uri="{9D8B030D-6E8A-4147-A177-3AD203B41FA5}">
+                      <a16:colId xmlns:a16="http://schemas.microsoft.com/office/drawing/2014/main" val="98132786"/>
+                    </a:ext>
+                  </a:extLst>
+                </a:gridCol>
+                <a:gridCol w="3367928">
+                  <a:extLst>
+                    <a:ext uri="{9D8B030D-6E8A-4147-A177-3AD203B41FA5}">
+                      <a16:colId xmlns:a16="http://schemas.microsoft.com/office/drawing/2014/main" val="2586330646"/>
+                    </a:ext>
+                  </a:extLst>
+                </a:gridCol>
+                <a:gridCol w="3261381">
+                  <a:extLst>
+                    <a:ext uri="{9D8B030D-6E8A-4147-A177-3AD203B41FA5}">
+                      <a16:colId xmlns:a16="http://schemas.microsoft.com/office/drawing/2014/main" val="3610445939"/>
+                    </a:ext>
+                  </a:extLst>
+                </a:gridCol>
+              </a:tblGrid>
+              <a:tr h="378042">
+                <a:tc>
+                  <a:txBody>
+                    <a:bodyPr/>
+                    <a:lstStyle/>
+                    <a:p>
+                      <a:pPr algn="ctr">
+                        <a:lnSpc>
+                          <a:spcPct val="130000"/>
+                        </a:lnSpc>
+                        <a:spcAft>
+                          <a:spcPts val="800"/>
+                        </a:spcAft>
+                      </a:pPr>
+                      <a:r>
+                        <a:rPr lang="en-US" sz="1600" dirty="0" err="1">
+                          <a:effectLst/>
+                          <a:latin typeface="Arial" panose="020B0604020202020204" pitchFamily="34" charset="0"/>
+                          <a:cs typeface="Arial" panose="020B0604020202020204" pitchFamily="34" charset="0"/>
+                        </a:rPr>
+                        <a:t>Thuật</a:t>
+                      </a:r>
+                      <a:r>
+                        <a:rPr lang="en-US" sz="1600" dirty="0">
+                          <a:effectLst/>
+                          <a:latin typeface="Arial" panose="020B0604020202020204" pitchFamily="34" charset="0"/>
+                          <a:cs typeface="Arial" panose="020B0604020202020204" pitchFamily="34" charset="0"/>
+                        </a:rPr>
+                        <a:t> </a:t>
+                      </a:r>
+                      <a:r>
+                        <a:rPr lang="en-US" sz="1600" dirty="0" err="1">
+                          <a:effectLst/>
+                          <a:latin typeface="Arial" panose="020B0604020202020204" pitchFamily="34" charset="0"/>
+                          <a:cs typeface="Arial" panose="020B0604020202020204" pitchFamily="34" charset="0"/>
+                        </a:rPr>
+                        <a:t>toán</a:t>
+                      </a:r>
+                      <a:endParaRPr lang="en-US" sz="1600" dirty="0">
+                        <a:effectLst/>
+                        <a:latin typeface="Arial" panose="020B0604020202020204" pitchFamily="34" charset="0"/>
+                        <a:ea typeface="Calibri" panose="020F0502020204030204" pitchFamily="34" charset="0"/>
+                        <a:cs typeface="Arial" panose="020B0604020202020204" pitchFamily="34" charset="0"/>
+                      </a:endParaRPr>
+                    </a:p>
+                  </a:txBody>
+                  <a:tcPr marL="68580" marR="68580" marT="0" marB="0" anchor="ctr"/>
+                </a:tc>
+                <a:tc>
+                  <a:txBody>
+                    <a:bodyPr/>
+                    <a:lstStyle/>
+                    <a:p>
+                      <a:pPr algn="ctr">
+                        <a:lnSpc>
+                          <a:spcPct val="130000"/>
+                        </a:lnSpc>
+                        <a:spcAft>
+                          <a:spcPts val="800"/>
+                        </a:spcAft>
+                      </a:pPr>
+                      <a:r>
+                        <a:rPr lang="en-US" sz="1600" dirty="0" err="1">
+                          <a:effectLst/>
+                          <a:latin typeface="Arial" panose="020B0604020202020204" pitchFamily="34" charset="0"/>
+                          <a:cs typeface="Arial" panose="020B0604020202020204" pitchFamily="34" charset="0"/>
+                        </a:rPr>
+                        <a:t>Số</a:t>
+                      </a:r>
+                      <a:r>
+                        <a:rPr lang="en-US" sz="1600" dirty="0">
+                          <a:effectLst/>
+                          <a:latin typeface="Arial" panose="020B0604020202020204" pitchFamily="34" charset="0"/>
+                          <a:cs typeface="Arial" panose="020B0604020202020204" pitchFamily="34" charset="0"/>
+                        </a:rPr>
+                        <a:t> </a:t>
+                      </a:r>
+                      <a:r>
+                        <a:rPr lang="en-US" sz="1600" dirty="0" err="1">
+                          <a:effectLst/>
+                          <a:latin typeface="Arial" panose="020B0604020202020204" pitchFamily="34" charset="0"/>
+                          <a:cs typeface="Arial" panose="020B0604020202020204" pitchFamily="34" charset="0"/>
+                        </a:rPr>
+                        <a:t>lượng</a:t>
+                      </a:r>
+                      <a:r>
+                        <a:rPr lang="en-US" sz="1600" dirty="0">
+                          <a:effectLst/>
+                          <a:latin typeface="Arial" panose="020B0604020202020204" pitchFamily="34" charset="0"/>
+                          <a:cs typeface="Arial" panose="020B0604020202020204" pitchFamily="34" charset="0"/>
+                        </a:rPr>
+                        <a:t> </a:t>
+                      </a:r>
+                      <a:r>
+                        <a:rPr lang="en-US" sz="1600" dirty="0" err="1">
+                          <a:effectLst/>
+                          <a:latin typeface="Arial" panose="020B0604020202020204" pitchFamily="34" charset="0"/>
+                          <a:cs typeface="Arial" panose="020B0604020202020204" pitchFamily="34" charset="0"/>
+                        </a:rPr>
+                        <a:t>thanh</a:t>
+                      </a:r>
+                      <a:r>
+                        <a:rPr lang="en-US" sz="1600" dirty="0">
+                          <a:effectLst/>
+                          <a:latin typeface="Arial" panose="020B0604020202020204" pitchFamily="34" charset="0"/>
+                          <a:cs typeface="Arial" panose="020B0604020202020204" pitchFamily="34" charset="0"/>
+                        </a:rPr>
+                        <a:t> </a:t>
+                      </a:r>
+                      <a:r>
+                        <a:rPr lang="en-US" sz="1600" dirty="0" err="1">
+                          <a:effectLst/>
+                          <a:latin typeface="Arial" panose="020B0604020202020204" pitchFamily="34" charset="0"/>
+                          <a:cs typeface="Arial" panose="020B0604020202020204" pitchFamily="34" charset="0"/>
+                        </a:rPr>
+                        <a:t>sử</a:t>
+                      </a:r>
+                      <a:r>
+                        <a:rPr lang="en-US" sz="1600" dirty="0">
+                          <a:effectLst/>
+                          <a:latin typeface="Arial" panose="020B0604020202020204" pitchFamily="34" charset="0"/>
+                          <a:cs typeface="Arial" panose="020B0604020202020204" pitchFamily="34" charset="0"/>
+                        </a:rPr>
+                        <a:t> </a:t>
+                      </a:r>
+                      <a:r>
+                        <a:rPr lang="en-US" sz="1600" dirty="0" err="1">
+                          <a:effectLst/>
+                          <a:latin typeface="Arial" panose="020B0604020202020204" pitchFamily="34" charset="0"/>
+                          <a:cs typeface="Arial" panose="020B0604020202020204" pitchFamily="34" charset="0"/>
+                        </a:rPr>
+                        <a:t>dụng</a:t>
+                      </a:r>
+                      <a:endParaRPr lang="en-US" sz="1600" dirty="0">
+                        <a:effectLst/>
+                        <a:latin typeface="Arial" panose="020B0604020202020204" pitchFamily="34" charset="0"/>
+                        <a:ea typeface="Calibri" panose="020F0502020204030204" pitchFamily="34" charset="0"/>
+                        <a:cs typeface="Arial" panose="020B0604020202020204" pitchFamily="34" charset="0"/>
+                      </a:endParaRPr>
+                    </a:p>
+                  </a:txBody>
+                  <a:tcPr marL="68580" marR="68580" marT="0" marB="0" anchor="ctr"/>
+                </a:tc>
+                <a:tc>
+                  <a:txBody>
+                    <a:bodyPr/>
+                    <a:lstStyle/>
+                    <a:p>
+                      <a:pPr algn="ctr">
+                        <a:lnSpc>
+                          <a:spcPct val="130000"/>
+                        </a:lnSpc>
+                        <a:spcAft>
+                          <a:spcPts val="800"/>
+                        </a:spcAft>
+                      </a:pPr>
+                      <a:r>
+                        <a:rPr lang="en-US" sz="1600" dirty="0" err="1">
+                          <a:effectLst/>
+                          <a:latin typeface="Arial" panose="020B0604020202020204" pitchFamily="34" charset="0"/>
+                          <a:cs typeface="Arial" panose="020B0604020202020204" pitchFamily="34" charset="0"/>
+                        </a:rPr>
+                        <a:t>Tỉ</a:t>
+                      </a:r>
+                      <a:r>
+                        <a:rPr lang="en-US" sz="1600" dirty="0">
+                          <a:effectLst/>
+                          <a:latin typeface="Arial" panose="020B0604020202020204" pitchFamily="34" charset="0"/>
+                          <a:cs typeface="Arial" panose="020B0604020202020204" pitchFamily="34" charset="0"/>
+                        </a:rPr>
+                        <a:t> </a:t>
+                      </a:r>
+                      <a:r>
+                        <a:rPr lang="en-US" sz="1600" dirty="0" err="1">
+                          <a:effectLst/>
+                          <a:latin typeface="Arial" panose="020B0604020202020204" pitchFamily="34" charset="0"/>
+                          <a:cs typeface="Arial" panose="020B0604020202020204" pitchFamily="34" charset="0"/>
+                        </a:rPr>
+                        <a:t>lệ</a:t>
+                      </a:r>
+                      <a:r>
+                        <a:rPr lang="en-US" sz="1600" dirty="0">
+                          <a:effectLst/>
+                          <a:latin typeface="Arial" panose="020B0604020202020204" pitchFamily="34" charset="0"/>
+                          <a:cs typeface="Arial" panose="020B0604020202020204" pitchFamily="34" charset="0"/>
+                        </a:rPr>
+                        <a:t> </a:t>
+                      </a:r>
+                      <a:r>
+                        <a:rPr lang="en-US" sz="1600" dirty="0" err="1">
+                          <a:effectLst/>
+                          <a:latin typeface="Arial" panose="020B0604020202020204" pitchFamily="34" charset="0"/>
+                          <a:cs typeface="Arial" panose="020B0604020202020204" pitchFamily="34" charset="0"/>
+                        </a:rPr>
+                        <a:t>dư</a:t>
+                      </a:r>
+                      <a:r>
+                        <a:rPr lang="en-US" sz="1600" dirty="0">
+                          <a:effectLst/>
+                          <a:latin typeface="Arial" panose="020B0604020202020204" pitchFamily="34" charset="0"/>
+                          <a:cs typeface="Arial" panose="020B0604020202020204" pitchFamily="34" charset="0"/>
+                        </a:rPr>
+                        <a:t> </a:t>
+                      </a:r>
+                      <a:r>
+                        <a:rPr lang="en-US" sz="1600" dirty="0" err="1">
+                          <a:effectLst/>
+                          <a:latin typeface="Arial" panose="020B0604020202020204" pitchFamily="34" charset="0"/>
+                          <a:cs typeface="Arial" panose="020B0604020202020204" pitchFamily="34" charset="0"/>
+                        </a:rPr>
+                        <a:t>thừa</a:t>
+                      </a:r>
+                      <a:endParaRPr lang="en-US" sz="1600" dirty="0">
+                        <a:effectLst/>
+                        <a:latin typeface="Arial" panose="020B0604020202020204" pitchFamily="34" charset="0"/>
+                        <a:ea typeface="Calibri" panose="020F0502020204030204" pitchFamily="34" charset="0"/>
+                        <a:cs typeface="Arial" panose="020B0604020202020204" pitchFamily="34" charset="0"/>
+                      </a:endParaRPr>
+                    </a:p>
+                  </a:txBody>
+                  <a:tcPr marL="68580" marR="68580" marT="0" marB="0" anchor="ctr"/>
+                </a:tc>
+                <a:extLst>
+                  <a:ext uri="{0D108BD9-81ED-4DB2-BD59-A6C34878D82A}">
+                    <a16:rowId xmlns:a16="http://schemas.microsoft.com/office/drawing/2014/main" val="4095037186"/>
+                  </a:ext>
+                </a:extLst>
+              </a:tr>
+              <a:tr h="378042">
+                <a:tc>
+                  <a:txBody>
+                    <a:bodyPr/>
+                    <a:lstStyle/>
+                    <a:p>
+                      <a:pPr algn="ctr">
+                        <a:lnSpc>
+                          <a:spcPct val="130000"/>
+                        </a:lnSpc>
+                        <a:spcAft>
+                          <a:spcPts val="800"/>
+                        </a:spcAft>
+                      </a:pPr>
+                      <a:r>
+                        <a:rPr lang="en-US" sz="1600">
+                          <a:effectLst/>
+                          <a:latin typeface="Arial" panose="020B0604020202020204" pitchFamily="34" charset="0"/>
+                          <a:cs typeface="Arial" panose="020B0604020202020204" pitchFamily="34" charset="0"/>
+                        </a:rPr>
+                        <a:t>Quy hoạch tuyến tính</a:t>
+                      </a:r>
+                      <a:endParaRPr lang="en-US" sz="1600">
+                        <a:effectLst/>
+                        <a:latin typeface="Arial" panose="020B0604020202020204" pitchFamily="34" charset="0"/>
+                        <a:ea typeface="Calibri" panose="020F0502020204030204" pitchFamily="34" charset="0"/>
+                        <a:cs typeface="Arial" panose="020B0604020202020204" pitchFamily="34" charset="0"/>
+                      </a:endParaRPr>
+                    </a:p>
+                  </a:txBody>
+                  <a:tcPr marL="68580" marR="68580" marT="0" marB="0" anchor="ctr"/>
+                </a:tc>
+                <a:tc>
+                  <a:txBody>
+                    <a:bodyPr/>
+                    <a:lstStyle/>
+                    <a:p>
+                      <a:pPr algn="ctr">
+                        <a:lnSpc>
+                          <a:spcPct val="130000"/>
+                        </a:lnSpc>
+                        <a:spcAft>
+                          <a:spcPts val="800"/>
+                        </a:spcAft>
+                      </a:pPr>
+                      <a:r>
+                        <a:rPr lang="en-US" sz="1600" dirty="0">
+                          <a:effectLst/>
+                          <a:latin typeface="Arial" panose="020B0604020202020204" pitchFamily="34" charset="0"/>
+                          <a:ea typeface="Calibri" panose="020F0502020204030204" pitchFamily="34" charset="0"/>
+                          <a:cs typeface="Arial" panose="020B0604020202020204" pitchFamily="34" charset="0"/>
+                        </a:rPr>
+                        <a:t>_</a:t>
+                      </a:r>
+                    </a:p>
+                  </a:txBody>
+                  <a:tcPr marL="68580" marR="68580" marT="0" marB="0" anchor="ctr"/>
+                </a:tc>
+                <a:tc>
+                  <a:txBody>
+                    <a:bodyPr/>
+                    <a:lstStyle/>
+                    <a:p>
+                      <a:pPr algn="ctr">
+                        <a:lnSpc>
+                          <a:spcPct val="130000"/>
+                        </a:lnSpc>
+                        <a:spcAft>
+                          <a:spcPts val="800"/>
+                        </a:spcAft>
+                      </a:pPr>
+                      <a:r>
+                        <a:rPr lang="en-US" sz="1600" dirty="0">
+                          <a:effectLst/>
+                          <a:latin typeface="Arial" panose="020B0604020202020204" pitchFamily="34" charset="0"/>
+                          <a:ea typeface="Calibri" panose="020F0502020204030204" pitchFamily="34" charset="0"/>
+                          <a:cs typeface="Arial" panose="020B0604020202020204" pitchFamily="34" charset="0"/>
+                        </a:rPr>
+                        <a:t>_</a:t>
+                      </a:r>
+                    </a:p>
+                  </a:txBody>
+                  <a:tcPr marL="68580" marR="68580" marT="0" marB="0" anchor="ctr"/>
+                </a:tc>
+                <a:extLst>
+                  <a:ext uri="{0D108BD9-81ED-4DB2-BD59-A6C34878D82A}">
+                    <a16:rowId xmlns:a16="http://schemas.microsoft.com/office/drawing/2014/main" val="2714357669"/>
+                  </a:ext>
+                </a:extLst>
+              </a:tr>
+              <a:tr h="378042">
+                <a:tc>
+                  <a:txBody>
+                    <a:bodyPr/>
+                    <a:lstStyle/>
+                    <a:p>
+                      <a:pPr algn="ctr">
+                        <a:lnSpc>
+                          <a:spcPct val="130000"/>
+                        </a:lnSpc>
+                        <a:spcAft>
+                          <a:spcPts val="800"/>
+                        </a:spcAft>
+                      </a:pPr>
+                      <a:r>
+                        <a:rPr lang="en-US" sz="1600">
+                          <a:effectLst/>
+                          <a:latin typeface="Arial" panose="020B0604020202020204" pitchFamily="34" charset="0"/>
+                          <a:cs typeface="Arial" panose="020B0604020202020204" pitchFamily="34" charset="0"/>
+                        </a:rPr>
+                        <a:t>Cắt nhanh</a:t>
+                      </a:r>
+                      <a:endParaRPr lang="en-US" sz="1600">
+                        <a:effectLst/>
+                        <a:latin typeface="Arial" panose="020B0604020202020204" pitchFamily="34" charset="0"/>
+                        <a:ea typeface="Calibri" panose="020F0502020204030204" pitchFamily="34" charset="0"/>
+                        <a:cs typeface="Arial" panose="020B0604020202020204" pitchFamily="34" charset="0"/>
+                      </a:endParaRPr>
+                    </a:p>
+                  </a:txBody>
+                  <a:tcPr marL="68580" marR="68580" marT="0" marB="0" anchor="ctr"/>
+                </a:tc>
+                <a:tc>
+                  <a:txBody>
+                    <a:bodyPr/>
+                    <a:lstStyle/>
+                    <a:p>
+                      <a:pPr algn="ctr">
+                        <a:lnSpc>
+                          <a:spcPct val="130000"/>
+                        </a:lnSpc>
+                        <a:spcAft>
+                          <a:spcPts val="800"/>
+                        </a:spcAft>
+                      </a:pPr>
+                      <a:r>
+                        <a:rPr lang="en-US" sz="1600" dirty="0">
+                          <a:effectLst/>
+                          <a:latin typeface="Arial" panose="020B0604020202020204" pitchFamily="34" charset="0"/>
+                          <a:cs typeface="Arial" panose="020B0604020202020204" pitchFamily="34" charset="0"/>
+                        </a:rPr>
+                        <a:t>850</a:t>
+                      </a:r>
+                      <a:endParaRPr lang="en-US" sz="1600" dirty="0">
+                        <a:effectLst/>
+                        <a:latin typeface="Arial" panose="020B0604020202020204" pitchFamily="34" charset="0"/>
+                        <a:ea typeface="Calibri" panose="020F0502020204030204" pitchFamily="34" charset="0"/>
+                        <a:cs typeface="Arial" panose="020B0604020202020204" pitchFamily="34" charset="0"/>
+                      </a:endParaRPr>
+                    </a:p>
+                  </a:txBody>
+                  <a:tcPr marL="68580" marR="68580" marT="0" marB="0" anchor="ctr"/>
+                </a:tc>
+                <a:tc>
+                  <a:txBody>
+                    <a:bodyPr/>
+                    <a:lstStyle/>
+                    <a:p>
+                      <a:pPr algn="ctr">
+                        <a:lnSpc>
+                          <a:spcPct val="130000"/>
+                        </a:lnSpc>
+                        <a:spcAft>
+                          <a:spcPts val="800"/>
+                        </a:spcAft>
+                      </a:pPr>
+                      <a:r>
+                        <a:rPr lang="en-US" sz="1600" dirty="0">
+                          <a:effectLst/>
+                          <a:latin typeface="Arial" panose="020B0604020202020204" pitchFamily="34" charset="0"/>
+                          <a:cs typeface="Arial" panose="020B0604020202020204" pitchFamily="34" charset="0"/>
+                        </a:rPr>
+                        <a:t>23,5%</a:t>
+                      </a:r>
+                      <a:endParaRPr lang="en-US" sz="1600" dirty="0">
+                        <a:effectLst/>
+                        <a:latin typeface="Arial" panose="020B0604020202020204" pitchFamily="34" charset="0"/>
+                        <a:ea typeface="Calibri" panose="020F0502020204030204" pitchFamily="34" charset="0"/>
+                        <a:cs typeface="Arial" panose="020B0604020202020204" pitchFamily="34" charset="0"/>
+                      </a:endParaRPr>
+                    </a:p>
+                  </a:txBody>
+                  <a:tcPr marL="68580" marR="68580" marT="0" marB="0" anchor="ctr"/>
+                </a:tc>
+                <a:extLst>
+                  <a:ext uri="{0D108BD9-81ED-4DB2-BD59-A6C34878D82A}">
+                    <a16:rowId xmlns:a16="http://schemas.microsoft.com/office/drawing/2014/main" val="4156842845"/>
+                  </a:ext>
+                </a:extLst>
+              </a:tr>
+              <a:tr h="378042">
+                <a:tc>
+                  <a:txBody>
+                    <a:bodyPr/>
+                    <a:lstStyle/>
+                    <a:p>
+                      <a:pPr algn="ctr">
+                        <a:lnSpc>
+                          <a:spcPct val="130000"/>
+                        </a:lnSpc>
+                        <a:spcAft>
+                          <a:spcPts val="800"/>
+                        </a:spcAft>
+                      </a:pPr>
+                      <a:r>
+                        <a:rPr lang="en-US" sz="1600">
+                          <a:effectLst/>
+                          <a:latin typeface="Arial" panose="020B0604020202020204" pitchFamily="34" charset="0"/>
+                          <a:cs typeface="Arial" panose="020B0604020202020204" pitchFamily="34" charset="0"/>
+                        </a:rPr>
+                        <a:t>Cắt tiết kiệm</a:t>
+                      </a:r>
+                      <a:endParaRPr lang="en-US" sz="1600">
+                        <a:effectLst/>
+                        <a:latin typeface="Arial" panose="020B0604020202020204" pitchFamily="34" charset="0"/>
+                        <a:ea typeface="Calibri" panose="020F0502020204030204" pitchFamily="34" charset="0"/>
+                        <a:cs typeface="Arial" panose="020B0604020202020204" pitchFamily="34" charset="0"/>
+                      </a:endParaRPr>
+                    </a:p>
+                  </a:txBody>
+                  <a:tcPr marL="68580" marR="68580" marT="0" marB="0" anchor="ctr"/>
+                </a:tc>
+                <a:tc>
+                  <a:txBody>
+                    <a:bodyPr/>
+                    <a:lstStyle/>
+                    <a:p>
+                      <a:pPr algn="ctr">
+                        <a:lnSpc>
+                          <a:spcPct val="130000"/>
+                        </a:lnSpc>
+                        <a:spcAft>
+                          <a:spcPts val="800"/>
+                        </a:spcAft>
+                      </a:pPr>
+                      <a:r>
+                        <a:rPr lang="en-US" sz="1600" dirty="0">
+                          <a:effectLst/>
+                          <a:latin typeface="Arial" panose="020B0604020202020204" pitchFamily="34" charset="0"/>
+                          <a:cs typeface="Arial" panose="020B0604020202020204" pitchFamily="34" charset="0"/>
+                        </a:rPr>
+                        <a:t>890</a:t>
+                      </a:r>
+                      <a:endParaRPr lang="en-US" sz="1600" dirty="0">
+                        <a:effectLst/>
+                        <a:latin typeface="Arial" panose="020B0604020202020204" pitchFamily="34" charset="0"/>
+                        <a:ea typeface="Calibri" panose="020F0502020204030204" pitchFamily="34" charset="0"/>
+                        <a:cs typeface="Arial" panose="020B0604020202020204" pitchFamily="34" charset="0"/>
+                      </a:endParaRPr>
+                    </a:p>
+                  </a:txBody>
+                  <a:tcPr marL="68580" marR="68580" marT="0" marB="0" anchor="ctr"/>
+                </a:tc>
+                <a:tc>
+                  <a:txBody>
+                    <a:bodyPr/>
+                    <a:lstStyle/>
+                    <a:p>
+                      <a:pPr algn="ctr">
+                        <a:lnSpc>
+                          <a:spcPct val="130000"/>
+                        </a:lnSpc>
+                        <a:spcAft>
+                          <a:spcPts val="800"/>
+                        </a:spcAft>
+                      </a:pPr>
+                      <a:r>
+                        <a:rPr lang="en-US" sz="1600" dirty="0">
+                          <a:effectLst/>
+                          <a:latin typeface="Arial" panose="020B0604020202020204" pitchFamily="34" charset="0"/>
+                          <a:cs typeface="Arial" panose="020B0604020202020204" pitchFamily="34" charset="0"/>
+                        </a:rPr>
+                        <a:t>22,4%</a:t>
+                      </a:r>
+                      <a:endParaRPr lang="en-US" sz="1600" dirty="0">
+                        <a:effectLst/>
+                        <a:latin typeface="Arial" panose="020B0604020202020204" pitchFamily="34" charset="0"/>
+                        <a:ea typeface="Calibri" panose="020F0502020204030204" pitchFamily="34" charset="0"/>
+                        <a:cs typeface="Arial" panose="020B0604020202020204" pitchFamily="34" charset="0"/>
+                      </a:endParaRPr>
+                    </a:p>
+                  </a:txBody>
+                  <a:tcPr marL="68580" marR="68580" marT="0" marB="0" anchor="ctr"/>
+                </a:tc>
+                <a:extLst>
+                  <a:ext uri="{0D108BD9-81ED-4DB2-BD59-A6C34878D82A}">
+                    <a16:rowId xmlns:a16="http://schemas.microsoft.com/office/drawing/2014/main" val="3164416298"/>
+                  </a:ext>
+                </a:extLst>
+              </a:tr>
+            </a:tbl>
+          </a:graphicData>
+        </a:graphic>
+      </p:graphicFrame>
+    </p:spTree>
+    <p:extLst>
+      <p:ext uri="{BB962C8B-B14F-4D97-AF65-F5344CB8AC3E}">
+        <p14:creationId xmlns:p14="http://schemas.microsoft.com/office/powerpoint/2010/main" val="3955603822"/>
+      </p:ext>
+    </p:extLst>
+  </p:cSld>
+  <p:clrMapOvr>
+    <a:masterClrMapping/>
+  </p:clrMapOvr>
+  <mc:AlternateContent xmlns:mc="http://schemas.openxmlformats.org/markup-compatibility/2006">
+    <mc:Choice xmlns:p14="http://schemas.microsoft.com/office/powerpoint/2010/main" Requires="p14">
+      <p:transition spd="med" p14:dur="700">
+        <p:fade/>
+      </p:transition>
+    </mc:Choice>
+    <mc:Fallback>
+      <p:transition spd="med">
+        <p:fade/>
+      </p:transition>
+    </mc:Fallback>
+  </mc:AlternateContent>
+</p:sld>
+</file>
+
+<file path=ppt/slides/slide15.xml><?xml version="1.0" encoding="utf-8"?>
+<p:sld xmlns:a="http://schemas.openxmlformats.org/drawingml/2006/main" xmlns:r="http://schemas.openxmlformats.org/officeDocument/2006/relationships" xmlns:p="http://schemas.openxmlformats.org/presentationml/2006/main">
+  <p:cSld>
+    <p:spTree>
+      <p:nvGrpSpPr>
+        <p:cNvPr id="1" name=""/>
+        <p:cNvGrpSpPr/>
+        <p:nvPr/>
+      </p:nvGrpSpPr>
+      <p:grpSpPr>
+        <a:xfrm>
+          <a:off x="0" y="0"/>
+          <a:ext cx="0" cy="0"/>
+          <a:chOff x="0" y="0"/>
+          <a:chExt cx="0" cy="0"/>
+        </a:xfrm>
+      </p:grpSpPr>
+      <p:sp>
+        <p:nvSpPr>
+          <p:cNvPr id="13" name="Title 12"/>
+          <p:cNvSpPr>
+            <a:spLocks noGrp="1"/>
+          </p:cNvSpPr>
+          <p:nvPr>
+            <p:ph type="title"/>
+          </p:nvPr>
+        </p:nvSpPr>
+        <p:spPr/>
+        <p:txBody>
+          <a:bodyPr/>
+          <a:lstStyle/>
+          <a:p>
+            <a:r>
+              <a:rPr lang="en-US" dirty="0" err="1"/>
+              <a:t>Thử</a:t>
+            </a:r>
+            <a:r>
+              <a:rPr lang="en-US" dirty="0"/>
+              <a:t> </a:t>
+            </a:r>
+            <a:r>
+              <a:rPr lang="en-US" dirty="0" err="1"/>
+              <a:t>nghiệm</a:t>
+            </a:r>
+            <a:r>
+              <a:rPr lang="en-US" dirty="0"/>
+              <a:t> </a:t>
+            </a:r>
+            <a:r>
+              <a:rPr lang="en-US" dirty="0" err="1"/>
+              <a:t>thứ</a:t>
+            </a:r>
+            <a:r>
+              <a:rPr lang="en-US" dirty="0"/>
+              <a:t> </a:t>
+            </a:r>
+            <a:r>
+              <a:rPr lang="en-US" dirty="0" err="1"/>
+              <a:t>tư</a:t>
+            </a:r>
+            <a:endParaRPr lang="en-US" dirty="0"/>
+          </a:p>
+        </p:txBody>
+      </p:sp>
+      <p:sp>
+        <p:nvSpPr>
+          <p:cNvPr id="14" name="Content Placeholder 13"/>
+          <p:cNvSpPr>
+            <a:spLocks noGrp="1"/>
+          </p:cNvSpPr>
+          <p:nvPr>
+            <p:ph idx="1"/>
+          </p:nvPr>
+        </p:nvSpPr>
+        <p:spPr/>
+        <p:txBody>
+          <a:bodyPr/>
+          <a:lstStyle/>
+          <a:p>
+            <a:r>
+              <a:rPr lang="en-US" dirty="0" err="1"/>
+              <a:t>Đơn</a:t>
+            </a:r>
+            <a:r>
+              <a:rPr lang="en-US" dirty="0"/>
+              <a:t> </a:t>
+            </a:r>
+            <a:r>
+              <a:rPr lang="en-US" dirty="0" err="1"/>
+              <a:t>hàng</a:t>
+            </a:r>
+            <a:r>
+              <a:rPr lang="en-US" dirty="0"/>
+              <a:t> </a:t>
+            </a:r>
+            <a:r>
+              <a:rPr lang="en-US" dirty="0" err="1"/>
+              <a:t>cần</a:t>
+            </a:r>
+            <a:r>
+              <a:rPr lang="en-US" dirty="0"/>
+              <a:t> 300 </a:t>
+            </a:r>
+            <a:r>
+              <a:rPr lang="en-US" dirty="0" err="1"/>
+              <a:t>thanh</a:t>
+            </a:r>
+            <a:r>
+              <a:rPr lang="en-US" dirty="0"/>
+              <a:t> 3m </a:t>
+            </a:r>
+            <a:r>
+              <a:rPr lang="en-US" dirty="0" err="1"/>
+              <a:t>và</a:t>
+            </a:r>
+            <a:r>
+              <a:rPr lang="en-US" dirty="0"/>
+              <a:t> 200 </a:t>
+            </a:r>
+            <a:r>
+              <a:rPr lang="en-US" dirty="0" err="1"/>
+              <a:t>thanh</a:t>
+            </a:r>
+            <a:r>
+              <a:rPr lang="en-US" dirty="0"/>
+              <a:t> 2m, 700 </a:t>
+            </a:r>
+            <a:r>
+              <a:rPr lang="en-US" dirty="0" err="1"/>
+              <a:t>thanh</a:t>
+            </a:r>
+            <a:r>
+              <a:rPr lang="en-US" dirty="0"/>
+              <a:t> 5m </a:t>
+            </a:r>
+            <a:r>
+              <a:rPr lang="en-US" dirty="0" err="1"/>
+              <a:t>và</a:t>
+            </a:r>
+            <a:r>
+              <a:rPr lang="en-US" dirty="0"/>
+              <a:t> 500 </a:t>
+            </a:r>
+            <a:r>
+              <a:rPr lang="en-US" dirty="0" err="1"/>
+              <a:t>thanh</a:t>
+            </a:r>
+            <a:r>
+              <a:rPr lang="en-US" dirty="0"/>
+              <a:t> 7m</a:t>
+            </a:r>
+          </a:p>
+          <a:p>
+            <a:r>
+              <a:rPr lang="en-US" dirty="0" err="1"/>
+              <a:t>Trong</a:t>
+            </a:r>
+            <a:r>
+              <a:rPr lang="en-US" dirty="0"/>
+              <a:t> </a:t>
+            </a:r>
+            <a:r>
+              <a:rPr lang="en-US" dirty="0" err="1"/>
+              <a:t>kho</a:t>
+            </a:r>
+            <a:r>
+              <a:rPr lang="en-US" dirty="0"/>
+              <a:t> có 2000 </a:t>
+            </a:r>
+            <a:r>
+              <a:rPr lang="en-US" dirty="0" err="1"/>
+              <a:t>thanh</a:t>
+            </a:r>
+            <a:r>
+              <a:rPr lang="en-US" dirty="0"/>
+              <a:t> 11.7m, 150 </a:t>
+            </a:r>
+            <a:r>
+              <a:rPr lang="en-US" dirty="0" err="1"/>
+              <a:t>thanh</a:t>
+            </a:r>
+            <a:r>
+              <a:rPr lang="en-US" dirty="0"/>
+              <a:t> 8m </a:t>
+            </a:r>
+            <a:r>
+              <a:rPr lang="en-US" dirty="0" err="1"/>
+              <a:t>và</a:t>
+            </a:r>
+            <a:r>
+              <a:rPr lang="en-US" dirty="0"/>
+              <a:t> 300 </a:t>
+            </a:r>
+            <a:r>
+              <a:rPr lang="en-US" dirty="0" err="1"/>
+              <a:t>thanh</a:t>
+            </a:r>
+            <a:r>
+              <a:rPr lang="en-US" dirty="0"/>
+              <a:t> 7.995m</a:t>
+            </a:r>
+          </a:p>
+          <a:p>
+            <a:r>
+              <a:rPr lang="en-US" dirty="0" err="1"/>
+              <a:t>Độ</a:t>
+            </a:r>
+            <a:r>
+              <a:rPr lang="en-US" dirty="0"/>
+              <a:t> </a:t>
+            </a:r>
+            <a:r>
+              <a:rPr lang="en-US" dirty="0" err="1"/>
+              <a:t>dày</a:t>
+            </a:r>
+            <a:r>
+              <a:rPr lang="en-US" dirty="0"/>
+              <a:t> </a:t>
+            </a:r>
+            <a:r>
+              <a:rPr lang="en-US" dirty="0" err="1"/>
+              <a:t>lưỡi</a:t>
+            </a:r>
+            <a:r>
+              <a:rPr lang="en-US" dirty="0"/>
+              <a:t> </a:t>
+            </a:r>
+            <a:r>
+              <a:rPr lang="en-US" dirty="0" err="1"/>
+              <a:t>cắt</a:t>
+            </a:r>
+            <a:r>
+              <a:rPr lang="en-US" dirty="0"/>
+              <a:t> </a:t>
+            </a:r>
+            <a:r>
+              <a:rPr lang="en-US" dirty="0" err="1"/>
+              <a:t>thép</a:t>
+            </a:r>
+            <a:r>
+              <a:rPr lang="en-US" dirty="0"/>
+              <a:t> 5mm</a:t>
+            </a:r>
+          </a:p>
+          <a:p>
+            <a:pPr>
+              <a:buFont typeface="Wingdings" panose="05000000000000000000" pitchFamily="2" charset="2"/>
+              <a:buChar char="Ø"/>
+            </a:pPr>
+            <a:r>
+              <a:rPr lang="en-US" dirty="0"/>
+              <a:t> </a:t>
+            </a:r>
+            <a:r>
+              <a:rPr lang="en-US" dirty="0" err="1"/>
+              <a:t>Kết</a:t>
+            </a:r>
+            <a:r>
+              <a:rPr lang="en-US" dirty="0"/>
+              <a:t> quả </a:t>
+            </a:r>
+            <a:r>
+              <a:rPr lang="en-US" dirty="0" err="1"/>
+              <a:t>của</a:t>
+            </a:r>
+            <a:r>
+              <a:rPr lang="en-US" dirty="0"/>
+              <a:t> </a:t>
+            </a:r>
+            <a:r>
+              <a:rPr lang="en-US" dirty="0" err="1"/>
+              <a:t>các</a:t>
+            </a:r>
+            <a:r>
+              <a:rPr lang="en-US" dirty="0"/>
+              <a:t> </a:t>
+            </a:r>
+            <a:r>
+              <a:rPr lang="en-US" dirty="0" err="1"/>
+              <a:t>thuật</a:t>
+            </a:r>
+            <a:r>
+              <a:rPr lang="en-US" dirty="0"/>
+              <a:t> </a:t>
+            </a:r>
+            <a:r>
+              <a:rPr lang="en-US" dirty="0" err="1"/>
+              <a:t>toán</a:t>
+            </a:r>
+            <a:r>
+              <a:rPr lang="en-US" dirty="0"/>
+              <a:t> </a:t>
+            </a:r>
+            <a:r>
+              <a:rPr lang="en-US" dirty="0" err="1"/>
+              <a:t>như</a:t>
+            </a:r>
+            <a:r>
+              <a:rPr lang="en-US" dirty="0"/>
+              <a:t> </a:t>
+            </a:r>
+            <a:r>
+              <a:rPr lang="en-US" dirty="0" err="1"/>
+              <a:t>sau</a:t>
+            </a:r>
+            <a:r>
+              <a:rPr lang="en-US" dirty="0"/>
+              <a:t>:</a:t>
+            </a:r>
+          </a:p>
+        </p:txBody>
+      </p:sp>
+      <p:graphicFrame>
+        <p:nvGraphicFramePr>
+          <p:cNvPr id="3" name="Table 2">
+            <a:extLst>
+              <a:ext uri="{FF2B5EF4-FFF2-40B4-BE49-F238E27FC236}">
+                <a16:creationId xmlns:a16="http://schemas.microsoft.com/office/drawing/2014/main" id="{0DA1E8D7-5061-494E-9CA3-BF9165B9BB7F}"/>
+              </a:ext>
+            </a:extLst>
+          </p:cNvPr>
+          <p:cNvGraphicFramePr>
+            <a:graphicFrameLocks noGrp="1"/>
+          </p:cNvGraphicFramePr>
+          <p:nvPr>
+            <p:extLst>
+              <p:ext uri="{D42A27DB-BD31-4B8C-83A1-F6EECF244321}">
+                <p14:modId xmlns:p14="http://schemas.microsoft.com/office/powerpoint/2010/main" val="1158979168"/>
+              </p:ext>
+            </p:extLst>
+          </p:nvPr>
+        </p:nvGraphicFramePr>
+        <p:xfrm>
+          <a:off x="1413892" y="5085184"/>
+          <a:ext cx="9289032" cy="1512168"/>
+        </p:xfrm>
+        <a:graphic>
+          <a:graphicData uri="http://schemas.openxmlformats.org/drawingml/2006/table">
+            <a:tbl>
+              <a:tblPr firstRow="1" firstCol="1" bandRow="1">
+                <a:tableStyleId>{5C22544A-7EE6-4342-B048-85BDC9FD1C3A}</a:tableStyleId>
+              </a:tblPr>
+              <a:tblGrid>
+                <a:gridCol w="2659723">
+                  <a:extLst>
+                    <a:ext uri="{9D8B030D-6E8A-4147-A177-3AD203B41FA5}">
+                      <a16:colId xmlns:a16="http://schemas.microsoft.com/office/drawing/2014/main" val="98132786"/>
+                    </a:ext>
+                  </a:extLst>
+                </a:gridCol>
+                <a:gridCol w="3367928">
+                  <a:extLst>
+                    <a:ext uri="{9D8B030D-6E8A-4147-A177-3AD203B41FA5}">
+                      <a16:colId xmlns:a16="http://schemas.microsoft.com/office/drawing/2014/main" val="2586330646"/>
+                    </a:ext>
+                  </a:extLst>
+                </a:gridCol>
+                <a:gridCol w="3261381">
+                  <a:extLst>
+                    <a:ext uri="{9D8B030D-6E8A-4147-A177-3AD203B41FA5}">
+                      <a16:colId xmlns:a16="http://schemas.microsoft.com/office/drawing/2014/main" val="3610445939"/>
+                    </a:ext>
+                  </a:extLst>
+                </a:gridCol>
+              </a:tblGrid>
+              <a:tr h="378042">
+                <a:tc>
+                  <a:txBody>
+                    <a:bodyPr/>
+                    <a:lstStyle/>
+                    <a:p>
+                      <a:pPr algn="ctr">
+                        <a:lnSpc>
+                          <a:spcPct val="130000"/>
+                        </a:lnSpc>
+                        <a:spcAft>
+                          <a:spcPts val="800"/>
+                        </a:spcAft>
+                      </a:pPr>
+                      <a:r>
+                        <a:rPr lang="en-US" sz="1600" dirty="0" err="1">
+                          <a:effectLst/>
+                          <a:latin typeface="Arial" panose="020B0604020202020204" pitchFamily="34" charset="0"/>
+                          <a:cs typeface="Arial" panose="020B0604020202020204" pitchFamily="34" charset="0"/>
+                        </a:rPr>
+                        <a:t>Thuật</a:t>
+                      </a:r>
+                      <a:r>
+                        <a:rPr lang="en-US" sz="1600" dirty="0">
+                          <a:effectLst/>
+                          <a:latin typeface="Arial" panose="020B0604020202020204" pitchFamily="34" charset="0"/>
+                          <a:cs typeface="Arial" panose="020B0604020202020204" pitchFamily="34" charset="0"/>
+                        </a:rPr>
+                        <a:t> </a:t>
+                      </a:r>
+                      <a:r>
+                        <a:rPr lang="en-US" sz="1600" dirty="0" err="1">
+                          <a:effectLst/>
+                          <a:latin typeface="Arial" panose="020B0604020202020204" pitchFamily="34" charset="0"/>
+                          <a:cs typeface="Arial" panose="020B0604020202020204" pitchFamily="34" charset="0"/>
+                        </a:rPr>
+                        <a:t>toán</a:t>
+                      </a:r>
+                      <a:endParaRPr lang="en-US" sz="1600" dirty="0">
+                        <a:effectLst/>
+                        <a:latin typeface="Arial" panose="020B0604020202020204" pitchFamily="34" charset="0"/>
+                        <a:ea typeface="Calibri" panose="020F0502020204030204" pitchFamily="34" charset="0"/>
+                        <a:cs typeface="Arial" panose="020B0604020202020204" pitchFamily="34" charset="0"/>
+                      </a:endParaRPr>
+                    </a:p>
+                  </a:txBody>
+                  <a:tcPr marL="68580" marR="68580" marT="0" marB="0" anchor="ctr"/>
+                </a:tc>
+                <a:tc>
+                  <a:txBody>
+                    <a:bodyPr/>
+                    <a:lstStyle/>
+                    <a:p>
+                      <a:pPr algn="ctr">
+                        <a:lnSpc>
+                          <a:spcPct val="130000"/>
+                        </a:lnSpc>
+                        <a:spcAft>
+                          <a:spcPts val="800"/>
+                        </a:spcAft>
+                      </a:pPr>
+                      <a:r>
+                        <a:rPr lang="en-US" sz="1600" dirty="0" err="1">
+                          <a:effectLst/>
+                          <a:latin typeface="Arial" panose="020B0604020202020204" pitchFamily="34" charset="0"/>
+                          <a:cs typeface="Arial" panose="020B0604020202020204" pitchFamily="34" charset="0"/>
+                        </a:rPr>
+                        <a:t>Số</a:t>
+                      </a:r>
+                      <a:r>
+                        <a:rPr lang="en-US" sz="1600" dirty="0">
+                          <a:effectLst/>
+                          <a:latin typeface="Arial" panose="020B0604020202020204" pitchFamily="34" charset="0"/>
+                          <a:cs typeface="Arial" panose="020B0604020202020204" pitchFamily="34" charset="0"/>
+                        </a:rPr>
+                        <a:t> </a:t>
+                      </a:r>
+                      <a:r>
+                        <a:rPr lang="en-US" sz="1600" dirty="0" err="1">
+                          <a:effectLst/>
+                          <a:latin typeface="Arial" panose="020B0604020202020204" pitchFamily="34" charset="0"/>
+                          <a:cs typeface="Arial" panose="020B0604020202020204" pitchFamily="34" charset="0"/>
+                        </a:rPr>
+                        <a:t>lượng</a:t>
+                      </a:r>
+                      <a:r>
+                        <a:rPr lang="en-US" sz="1600" dirty="0">
+                          <a:effectLst/>
+                          <a:latin typeface="Arial" panose="020B0604020202020204" pitchFamily="34" charset="0"/>
+                          <a:cs typeface="Arial" panose="020B0604020202020204" pitchFamily="34" charset="0"/>
+                        </a:rPr>
+                        <a:t> </a:t>
+                      </a:r>
+                      <a:r>
+                        <a:rPr lang="en-US" sz="1600" dirty="0" err="1">
+                          <a:effectLst/>
+                          <a:latin typeface="Arial" panose="020B0604020202020204" pitchFamily="34" charset="0"/>
+                          <a:cs typeface="Arial" panose="020B0604020202020204" pitchFamily="34" charset="0"/>
+                        </a:rPr>
+                        <a:t>thanh</a:t>
+                      </a:r>
+                      <a:r>
+                        <a:rPr lang="en-US" sz="1600" dirty="0">
+                          <a:effectLst/>
+                          <a:latin typeface="Arial" panose="020B0604020202020204" pitchFamily="34" charset="0"/>
+                          <a:cs typeface="Arial" panose="020B0604020202020204" pitchFamily="34" charset="0"/>
+                        </a:rPr>
+                        <a:t> </a:t>
+                      </a:r>
+                      <a:r>
+                        <a:rPr lang="en-US" sz="1600" dirty="0" err="1">
+                          <a:effectLst/>
+                          <a:latin typeface="Arial" panose="020B0604020202020204" pitchFamily="34" charset="0"/>
+                          <a:cs typeface="Arial" panose="020B0604020202020204" pitchFamily="34" charset="0"/>
+                        </a:rPr>
+                        <a:t>sử</a:t>
+                      </a:r>
+                      <a:r>
+                        <a:rPr lang="en-US" sz="1600" dirty="0">
+                          <a:effectLst/>
+                          <a:latin typeface="Arial" panose="020B0604020202020204" pitchFamily="34" charset="0"/>
+                          <a:cs typeface="Arial" panose="020B0604020202020204" pitchFamily="34" charset="0"/>
+                        </a:rPr>
+                        <a:t> </a:t>
+                      </a:r>
+                      <a:r>
+                        <a:rPr lang="en-US" sz="1600" dirty="0" err="1">
+                          <a:effectLst/>
+                          <a:latin typeface="Arial" panose="020B0604020202020204" pitchFamily="34" charset="0"/>
+                          <a:cs typeface="Arial" panose="020B0604020202020204" pitchFamily="34" charset="0"/>
+                        </a:rPr>
+                        <a:t>dụng</a:t>
+                      </a:r>
+                      <a:endParaRPr lang="en-US" sz="1600" dirty="0">
+                        <a:effectLst/>
+                        <a:latin typeface="Arial" panose="020B0604020202020204" pitchFamily="34" charset="0"/>
+                        <a:ea typeface="Calibri" panose="020F0502020204030204" pitchFamily="34" charset="0"/>
+                        <a:cs typeface="Arial" panose="020B0604020202020204" pitchFamily="34" charset="0"/>
+                      </a:endParaRPr>
+                    </a:p>
+                  </a:txBody>
+                  <a:tcPr marL="68580" marR="68580" marT="0" marB="0" anchor="ctr"/>
+                </a:tc>
+                <a:tc>
+                  <a:txBody>
+                    <a:bodyPr/>
+                    <a:lstStyle/>
+                    <a:p>
+                      <a:pPr algn="ctr">
+                        <a:lnSpc>
+                          <a:spcPct val="130000"/>
+                        </a:lnSpc>
+                        <a:spcAft>
+                          <a:spcPts val="800"/>
+                        </a:spcAft>
+                      </a:pPr>
+                      <a:r>
+                        <a:rPr lang="en-US" sz="1600" dirty="0" err="1">
+                          <a:effectLst/>
+                          <a:latin typeface="Arial" panose="020B0604020202020204" pitchFamily="34" charset="0"/>
+                          <a:cs typeface="Arial" panose="020B0604020202020204" pitchFamily="34" charset="0"/>
+                        </a:rPr>
+                        <a:t>Tỉ</a:t>
+                      </a:r>
+                      <a:r>
+                        <a:rPr lang="en-US" sz="1600" dirty="0">
+                          <a:effectLst/>
+                          <a:latin typeface="Arial" panose="020B0604020202020204" pitchFamily="34" charset="0"/>
+                          <a:cs typeface="Arial" panose="020B0604020202020204" pitchFamily="34" charset="0"/>
+                        </a:rPr>
+                        <a:t> </a:t>
+                      </a:r>
+                      <a:r>
+                        <a:rPr lang="en-US" sz="1600" dirty="0" err="1">
+                          <a:effectLst/>
+                          <a:latin typeface="Arial" panose="020B0604020202020204" pitchFamily="34" charset="0"/>
+                          <a:cs typeface="Arial" panose="020B0604020202020204" pitchFamily="34" charset="0"/>
+                        </a:rPr>
+                        <a:t>lệ</a:t>
+                      </a:r>
+                      <a:r>
+                        <a:rPr lang="en-US" sz="1600" dirty="0">
+                          <a:effectLst/>
+                          <a:latin typeface="Arial" panose="020B0604020202020204" pitchFamily="34" charset="0"/>
+                          <a:cs typeface="Arial" panose="020B0604020202020204" pitchFamily="34" charset="0"/>
+                        </a:rPr>
+                        <a:t> </a:t>
+                      </a:r>
+                      <a:r>
+                        <a:rPr lang="en-US" sz="1600" dirty="0" err="1">
+                          <a:effectLst/>
+                          <a:latin typeface="Arial" panose="020B0604020202020204" pitchFamily="34" charset="0"/>
+                          <a:cs typeface="Arial" panose="020B0604020202020204" pitchFamily="34" charset="0"/>
+                        </a:rPr>
+                        <a:t>dư</a:t>
+                      </a:r>
+                      <a:r>
+                        <a:rPr lang="en-US" sz="1600" dirty="0">
+                          <a:effectLst/>
+                          <a:latin typeface="Arial" panose="020B0604020202020204" pitchFamily="34" charset="0"/>
+                          <a:cs typeface="Arial" panose="020B0604020202020204" pitchFamily="34" charset="0"/>
+                        </a:rPr>
+                        <a:t> </a:t>
+                      </a:r>
+                      <a:r>
+                        <a:rPr lang="en-US" sz="1600" dirty="0" err="1">
+                          <a:effectLst/>
+                          <a:latin typeface="Arial" panose="020B0604020202020204" pitchFamily="34" charset="0"/>
+                          <a:cs typeface="Arial" panose="020B0604020202020204" pitchFamily="34" charset="0"/>
+                        </a:rPr>
+                        <a:t>thừa</a:t>
+                      </a:r>
+                      <a:endParaRPr lang="en-US" sz="1600" dirty="0">
+                        <a:effectLst/>
+                        <a:latin typeface="Arial" panose="020B0604020202020204" pitchFamily="34" charset="0"/>
+                        <a:ea typeface="Calibri" panose="020F0502020204030204" pitchFamily="34" charset="0"/>
+                        <a:cs typeface="Arial" panose="020B0604020202020204" pitchFamily="34" charset="0"/>
+                      </a:endParaRPr>
+                    </a:p>
+                  </a:txBody>
+                  <a:tcPr marL="68580" marR="68580" marT="0" marB="0" anchor="ctr"/>
+                </a:tc>
+                <a:extLst>
+                  <a:ext uri="{0D108BD9-81ED-4DB2-BD59-A6C34878D82A}">
+                    <a16:rowId xmlns:a16="http://schemas.microsoft.com/office/drawing/2014/main" val="4095037186"/>
+                  </a:ext>
+                </a:extLst>
+              </a:tr>
+              <a:tr h="378042">
+                <a:tc>
+                  <a:txBody>
+                    <a:bodyPr/>
+                    <a:lstStyle/>
+                    <a:p>
+                      <a:pPr algn="ctr">
+                        <a:lnSpc>
+                          <a:spcPct val="130000"/>
+                        </a:lnSpc>
+                        <a:spcAft>
+                          <a:spcPts val="800"/>
+                        </a:spcAft>
+                      </a:pPr>
+                      <a:r>
+                        <a:rPr lang="en-US" sz="1600">
+                          <a:effectLst/>
+                          <a:latin typeface="Arial" panose="020B0604020202020204" pitchFamily="34" charset="0"/>
+                          <a:cs typeface="Arial" panose="020B0604020202020204" pitchFamily="34" charset="0"/>
+                        </a:rPr>
+                        <a:t>Quy hoạch tuyến tính</a:t>
+                      </a:r>
+                      <a:endParaRPr lang="en-US" sz="1600">
+                        <a:effectLst/>
+                        <a:latin typeface="Arial" panose="020B0604020202020204" pitchFamily="34" charset="0"/>
+                        <a:ea typeface="Calibri" panose="020F0502020204030204" pitchFamily="34" charset="0"/>
+                        <a:cs typeface="Arial" panose="020B0604020202020204" pitchFamily="34" charset="0"/>
+                      </a:endParaRPr>
+                    </a:p>
+                  </a:txBody>
+                  <a:tcPr marL="68580" marR="68580" marT="0" marB="0" anchor="ctr"/>
+                </a:tc>
+                <a:tc>
+                  <a:txBody>
+                    <a:bodyPr/>
+                    <a:lstStyle/>
+                    <a:p>
+                      <a:pPr algn="ctr">
+                        <a:lnSpc>
+                          <a:spcPct val="130000"/>
+                        </a:lnSpc>
+                        <a:spcAft>
+                          <a:spcPts val="800"/>
+                        </a:spcAft>
+                      </a:pPr>
+                      <a:r>
+                        <a:rPr lang="en-US" sz="1600" dirty="0">
+                          <a:effectLst/>
+                          <a:latin typeface="Arial" panose="020B0604020202020204" pitchFamily="34" charset="0"/>
+                          <a:ea typeface="Calibri" panose="020F0502020204030204" pitchFamily="34" charset="0"/>
+                          <a:cs typeface="Arial" panose="020B0604020202020204" pitchFamily="34" charset="0"/>
+                        </a:rPr>
+                        <a:t>_</a:t>
+                      </a:r>
+                    </a:p>
+                  </a:txBody>
+                  <a:tcPr marL="68580" marR="68580" marT="0" marB="0" anchor="ctr"/>
+                </a:tc>
+                <a:tc>
+                  <a:txBody>
+                    <a:bodyPr/>
+                    <a:lstStyle/>
+                    <a:p>
+                      <a:pPr algn="ctr">
+                        <a:lnSpc>
+                          <a:spcPct val="130000"/>
+                        </a:lnSpc>
+                        <a:spcAft>
+                          <a:spcPts val="800"/>
+                        </a:spcAft>
+                      </a:pPr>
+                      <a:r>
+                        <a:rPr lang="en-US" sz="1600" dirty="0">
+                          <a:effectLst/>
+                          <a:latin typeface="Arial" panose="020B0604020202020204" pitchFamily="34" charset="0"/>
+                          <a:cs typeface="Arial" panose="020B0604020202020204" pitchFamily="34" charset="0"/>
+                        </a:rPr>
+                        <a:t>_</a:t>
+                      </a:r>
+                      <a:endParaRPr lang="en-US" sz="1600" dirty="0">
+                        <a:effectLst/>
+                        <a:latin typeface="Arial" panose="020B0604020202020204" pitchFamily="34" charset="0"/>
+                        <a:ea typeface="Calibri" panose="020F0502020204030204" pitchFamily="34" charset="0"/>
+                        <a:cs typeface="Arial" panose="020B0604020202020204" pitchFamily="34" charset="0"/>
+                      </a:endParaRPr>
+                    </a:p>
+                  </a:txBody>
+                  <a:tcPr marL="68580" marR="68580" marT="0" marB="0" anchor="ctr"/>
+                </a:tc>
+                <a:extLst>
+                  <a:ext uri="{0D108BD9-81ED-4DB2-BD59-A6C34878D82A}">
+                    <a16:rowId xmlns:a16="http://schemas.microsoft.com/office/drawing/2014/main" val="2714357669"/>
+                  </a:ext>
+                </a:extLst>
+              </a:tr>
+              <a:tr h="378042">
+                <a:tc>
+                  <a:txBody>
+                    <a:bodyPr/>
+                    <a:lstStyle/>
+                    <a:p>
+                      <a:pPr algn="ctr">
+                        <a:lnSpc>
+                          <a:spcPct val="130000"/>
+                        </a:lnSpc>
+                        <a:spcAft>
+                          <a:spcPts val="800"/>
+                        </a:spcAft>
+                      </a:pPr>
+                      <a:r>
+                        <a:rPr lang="en-US" sz="1600">
+                          <a:effectLst/>
+                          <a:latin typeface="Arial" panose="020B0604020202020204" pitchFamily="34" charset="0"/>
+                          <a:cs typeface="Arial" panose="020B0604020202020204" pitchFamily="34" charset="0"/>
+                        </a:rPr>
+                        <a:t>Cắt nhanh</a:t>
+                      </a:r>
+                      <a:endParaRPr lang="en-US" sz="1600">
+                        <a:effectLst/>
+                        <a:latin typeface="Arial" panose="020B0604020202020204" pitchFamily="34" charset="0"/>
+                        <a:ea typeface="Calibri" panose="020F0502020204030204" pitchFamily="34" charset="0"/>
+                        <a:cs typeface="Arial" panose="020B0604020202020204" pitchFamily="34" charset="0"/>
+                      </a:endParaRPr>
+                    </a:p>
+                  </a:txBody>
+                  <a:tcPr marL="68580" marR="68580" marT="0" marB="0" anchor="ctr"/>
+                </a:tc>
+                <a:tc>
+                  <a:txBody>
+                    <a:bodyPr/>
+                    <a:lstStyle/>
+                    <a:p>
+                      <a:pPr algn="ctr">
+                        <a:lnSpc>
+                          <a:spcPct val="130000"/>
+                        </a:lnSpc>
+                        <a:spcAft>
+                          <a:spcPts val="800"/>
+                        </a:spcAft>
+                      </a:pPr>
+                      <a:r>
+                        <a:rPr lang="en-US" sz="1600" dirty="0">
+                          <a:effectLst/>
+                          <a:latin typeface="Arial" panose="020B0604020202020204" pitchFamily="34" charset="0"/>
+                          <a:cs typeface="Arial" panose="020B0604020202020204" pitchFamily="34" charset="0"/>
+                        </a:rPr>
+                        <a:t>800</a:t>
+                      </a:r>
+                      <a:endParaRPr lang="en-US" sz="1600" dirty="0">
+                        <a:effectLst/>
+                        <a:latin typeface="Arial" panose="020B0604020202020204" pitchFamily="34" charset="0"/>
+                        <a:ea typeface="Calibri" panose="020F0502020204030204" pitchFamily="34" charset="0"/>
+                        <a:cs typeface="Arial" panose="020B0604020202020204" pitchFamily="34" charset="0"/>
+                      </a:endParaRPr>
+                    </a:p>
+                  </a:txBody>
+                  <a:tcPr marL="68580" marR="68580" marT="0" marB="0" anchor="ctr"/>
+                </a:tc>
+                <a:tc>
+                  <a:txBody>
+                    <a:bodyPr/>
+                    <a:lstStyle/>
+                    <a:p>
+                      <a:pPr algn="ctr">
+                        <a:lnSpc>
+                          <a:spcPct val="130000"/>
+                        </a:lnSpc>
+                        <a:spcAft>
+                          <a:spcPts val="800"/>
+                        </a:spcAft>
+                      </a:pPr>
+                      <a:r>
+                        <a:rPr lang="en-US" sz="1600" dirty="0">
+                          <a:effectLst/>
+                          <a:latin typeface="Arial" panose="020B0604020202020204" pitchFamily="34" charset="0"/>
+                          <a:cs typeface="Arial" panose="020B0604020202020204" pitchFamily="34" charset="0"/>
+                        </a:rPr>
+                        <a:t>17%</a:t>
+                      </a:r>
+                      <a:endParaRPr lang="en-US" sz="1600" dirty="0">
+                        <a:effectLst/>
+                        <a:latin typeface="Arial" panose="020B0604020202020204" pitchFamily="34" charset="0"/>
+                        <a:ea typeface="Calibri" panose="020F0502020204030204" pitchFamily="34" charset="0"/>
+                        <a:cs typeface="Arial" panose="020B0604020202020204" pitchFamily="34" charset="0"/>
+                      </a:endParaRPr>
+                    </a:p>
+                  </a:txBody>
+                  <a:tcPr marL="68580" marR="68580" marT="0" marB="0" anchor="ctr"/>
+                </a:tc>
+                <a:extLst>
+                  <a:ext uri="{0D108BD9-81ED-4DB2-BD59-A6C34878D82A}">
+                    <a16:rowId xmlns:a16="http://schemas.microsoft.com/office/drawing/2014/main" val="4156842845"/>
+                  </a:ext>
+                </a:extLst>
+              </a:tr>
+              <a:tr h="378042">
+                <a:tc>
+                  <a:txBody>
+                    <a:bodyPr/>
+                    <a:lstStyle/>
+                    <a:p>
+                      <a:pPr algn="ctr">
+                        <a:lnSpc>
+                          <a:spcPct val="130000"/>
+                        </a:lnSpc>
+                        <a:spcAft>
+                          <a:spcPts val="800"/>
+                        </a:spcAft>
+                      </a:pPr>
+                      <a:r>
+                        <a:rPr lang="en-US" sz="1600">
+                          <a:effectLst/>
+                          <a:latin typeface="Arial" panose="020B0604020202020204" pitchFamily="34" charset="0"/>
+                          <a:cs typeface="Arial" panose="020B0604020202020204" pitchFamily="34" charset="0"/>
+                        </a:rPr>
+                        <a:t>Cắt tiết kiệm</a:t>
+                      </a:r>
+                      <a:endParaRPr lang="en-US" sz="1600">
+                        <a:effectLst/>
+                        <a:latin typeface="Arial" panose="020B0604020202020204" pitchFamily="34" charset="0"/>
+                        <a:ea typeface="Calibri" panose="020F0502020204030204" pitchFamily="34" charset="0"/>
+                        <a:cs typeface="Arial" panose="020B0604020202020204" pitchFamily="34" charset="0"/>
+                      </a:endParaRPr>
+                    </a:p>
+                  </a:txBody>
+                  <a:tcPr marL="68580" marR="68580" marT="0" marB="0" anchor="ctr"/>
+                </a:tc>
+                <a:tc>
+                  <a:txBody>
+                    <a:bodyPr/>
+                    <a:lstStyle/>
+                    <a:p>
+                      <a:pPr algn="ctr">
+                        <a:lnSpc>
+                          <a:spcPct val="130000"/>
+                        </a:lnSpc>
+                        <a:spcAft>
+                          <a:spcPts val="800"/>
+                        </a:spcAft>
+                      </a:pPr>
+                      <a:r>
+                        <a:rPr lang="en-US" sz="1600" dirty="0">
+                          <a:effectLst/>
+                          <a:latin typeface="Arial" panose="020B0604020202020204" pitchFamily="34" charset="0"/>
+                          <a:cs typeface="Arial" panose="020B0604020202020204" pitchFamily="34" charset="0"/>
+                        </a:rPr>
+                        <a:t>920</a:t>
+                      </a:r>
+                      <a:endParaRPr lang="en-US" sz="1600" dirty="0">
+                        <a:effectLst/>
+                        <a:latin typeface="Arial" panose="020B0604020202020204" pitchFamily="34" charset="0"/>
+                        <a:ea typeface="Calibri" panose="020F0502020204030204" pitchFamily="34" charset="0"/>
+                        <a:cs typeface="Arial" panose="020B0604020202020204" pitchFamily="34" charset="0"/>
+                      </a:endParaRPr>
+                    </a:p>
+                  </a:txBody>
+                  <a:tcPr marL="68580" marR="68580" marT="0" marB="0" anchor="ctr"/>
+                </a:tc>
+                <a:tc>
+                  <a:txBody>
+                    <a:bodyPr/>
+                    <a:lstStyle/>
+                    <a:p>
+                      <a:pPr algn="ctr">
+                        <a:lnSpc>
+                          <a:spcPct val="130000"/>
+                        </a:lnSpc>
+                        <a:spcAft>
+                          <a:spcPts val="800"/>
+                        </a:spcAft>
+                      </a:pPr>
+                      <a:r>
+                        <a:rPr lang="en-US" sz="1600" dirty="0">
+                          <a:effectLst/>
+                          <a:latin typeface="Arial" panose="020B0604020202020204" pitchFamily="34" charset="0"/>
+                          <a:cs typeface="Arial" panose="020B0604020202020204" pitchFamily="34" charset="0"/>
+                        </a:rPr>
+                        <a:t>13%</a:t>
+                      </a:r>
+                      <a:endParaRPr lang="en-US" sz="1600" dirty="0">
+                        <a:effectLst/>
+                        <a:latin typeface="Arial" panose="020B0604020202020204" pitchFamily="34" charset="0"/>
+                        <a:ea typeface="Calibri" panose="020F0502020204030204" pitchFamily="34" charset="0"/>
+                        <a:cs typeface="Arial" panose="020B0604020202020204" pitchFamily="34" charset="0"/>
+                      </a:endParaRPr>
+                    </a:p>
+                  </a:txBody>
+                  <a:tcPr marL="68580" marR="68580" marT="0" marB="0" anchor="ctr"/>
+                </a:tc>
+                <a:extLst>
+                  <a:ext uri="{0D108BD9-81ED-4DB2-BD59-A6C34878D82A}">
+                    <a16:rowId xmlns:a16="http://schemas.microsoft.com/office/drawing/2014/main" val="3164416298"/>
+                  </a:ext>
+                </a:extLst>
+              </a:tr>
+            </a:tbl>
+          </a:graphicData>
+        </a:graphic>
+      </p:graphicFrame>
+    </p:spTree>
+    <p:extLst>
+      <p:ext uri="{BB962C8B-B14F-4D97-AF65-F5344CB8AC3E}">
+        <p14:creationId xmlns:p14="http://schemas.microsoft.com/office/powerpoint/2010/main" val="601490347"/>
+      </p:ext>
+    </p:extLst>
+  </p:cSld>
+  <p:clrMapOvr>
+    <a:masterClrMapping/>
+  </p:clrMapOvr>
+  <mc:AlternateContent xmlns:mc="http://schemas.openxmlformats.org/markup-compatibility/2006">
+    <mc:Choice xmlns:p14="http://schemas.microsoft.com/office/powerpoint/2010/main" Requires="p14">
+      <p:transition spd="med" p14:dur="700">
+        <p:fade/>
+      </p:transition>
+    </mc:Choice>
+    <mc:Fallback>
+      <p:transition spd="med">
+        <p:fade/>
+      </p:transition>
+    </mc:Fallback>
+  </mc:AlternateContent>
+</p:sld>
+</file>
+
+<file path=ppt/slides/slide16.xml><?xml version="1.0" encoding="utf-8"?>
+<p:sld xmlns:a="http://schemas.openxmlformats.org/drawingml/2006/main" xmlns:r="http://schemas.openxmlformats.org/officeDocument/2006/relationships" xmlns:p="http://schemas.openxmlformats.org/presentationml/2006/main">
+  <p:cSld>
+    <p:spTree>
+      <p:nvGrpSpPr>
+        <p:cNvPr id="1" name=""/>
+        <p:cNvGrpSpPr/>
+        <p:nvPr/>
+      </p:nvGrpSpPr>
+      <p:grpSpPr>
+        <a:xfrm>
+          <a:off x="0" y="0"/>
+          <a:ext cx="0" cy="0"/>
+          <a:chOff x="0" y="0"/>
+          <a:chExt cx="0" cy="0"/>
+        </a:xfrm>
+      </p:grpSpPr>
+      <p:sp>
+        <p:nvSpPr>
+          <p:cNvPr id="13" name="Title 12"/>
+          <p:cNvSpPr>
+            <a:spLocks noGrp="1"/>
+          </p:cNvSpPr>
+          <p:nvPr>
+            <p:ph type="title"/>
+          </p:nvPr>
+        </p:nvSpPr>
+        <p:spPr/>
+        <p:txBody>
+          <a:bodyPr/>
+          <a:lstStyle/>
+          <a:p>
+            <a:r>
+              <a:rPr lang="en-US" dirty="0" err="1"/>
+              <a:t>Kết</a:t>
+            </a:r>
+            <a:r>
+              <a:rPr lang="en-US" dirty="0"/>
+              <a:t> </a:t>
+            </a:r>
+            <a:r>
+              <a:rPr lang="en-US" dirty="0" err="1"/>
+              <a:t>luận</a:t>
+            </a:r>
+            <a:endParaRPr lang="en-US" dirty="0"/>
+          </a:p>
+        </p:txBody>
+      </p:sp>
+      <p:sp>
+        <p:nvSpPr>
+          <p:cNvPr id="14" name="Content Placeholder 13"/>
+          <p:cNvSpPr>
+            <a:spLocks noGrp="1"/>
+          </p:cNvSpPr>
+          <p:nvPr>
+            <p:ph idx="1"/>
+          </p:nvPr>
+        </p:nvSpPr>
+        <p:spPr/>
+        <p:txBody>
+          <a:bodyPr/>
+          <a:lstStyle/>
+          <a:p>
+            <a:r>
+              <a:rPr lang="en-US" dirty="0" err="1"/>
+              <a:t>Nếu</a:t>
+            </a:r>
+            <a:r>
+              <a:rPr lang="en-US" dirty="0"/>
+              <a:t> </a:t>
+            </a:r>
+            <a:r>
+              <a:rPr lang="en-US" dirty="0" err="1"/>
+              <a:t>cần</a:t>
+            </a:r>
+            <a:r>
+              <a:rPr lang="en-US" dirty="0"/>
+              <a:t> </a:t>
+            </a:r>
+            <a:r>
+              <a:rPr lang="en-US" dirty="0" err="1"/>
+              <a:t>tận</a:t>
+            </a:r>
+            <a:r>
+              <a:rPr lang="en-US" dirty="0"/>
+              <a:t> </a:t>
+            </a:r>
+            <a:r>
+              <a:rPr lang="en-US" dirty="0" err="1"/>
+              <a:t>dụng</a:t>
+            </a:r>
+            <a:r>
+              <a:rPr lang="en-US" dirty="0"/>
+              <a:t> </a:t>
+            </a:r>
+            <a:r>
+              <a:rPr lang="en-US" dirty="0" err="1"/>
+              <a:t>các</a:t>
+            </a:r>
+            <a:r>
+              <a:rPr lang="en-US" dirty="0"/>
+              <a:t> </a:t>
+            </a:r>
+            <a:r>
+              <a:rPr lang="en-US" dirty="0" err="1"/>
+              <a:t>thanh</a:t>
+            </a:r>
+            <a:r>
+              <a:rPr lang="en-US" dirty="0"/>
+              <a:t> </a:t>
+            </a:r>
+            <a:r>
+              <a:rPr lang="en-US" dirty="0" err="1"/>
+              <a:t>nguyên</a:t>
+            </a:r>
+            <a:r>
+              <a:rPr lang="en-US" dirty="0"/>
+              <a:t> </a:t>
+            </a:r>
+            <a:r>
+              <a:rPr lang="en-US" dirty="0" err="1"/>
+              <a:t>liệu</a:t>
+            </a:r>
+            <a:r>
+              <a:rPr lang="en-US" dirty="0"/>
+              <a:t> </a:t>
+            </a:r>
+            <a:r>
+              <a:rPr lang="en-US" dirty="0" err="1"/>
+              <a:t>dư</a:t>
+            </a:r>
+            <a:r>
+              <a:rPr lang="en-US" dirty="0"/>
+              <a:t> </a:t>
+            </a:r>
+            <a:r>
+              <a:rPr lang="en-US" dirty="0" err="1"/>
+              <a:t>thừa</a:t>
+            </a:r>
+            <a:r>
+              <a:rPr lang="en-US" dirty="0"/>
+              <a:t> </a:t>
+            </a:r>
+            <a:r>
+              <a:rPr lang="en-US" dirty="0" err="1"/>
+              <a:t>thì</a:t>
+            </a:r>
+            <a:r>
+              <a:rPr lang="en-US" dirty="0"/>
+              <a:t> </a:t>
+            </a:r>
+            <a:r>
+              <a:rPr lang="en-US" dirty="0" err="1"/>
+              <a:t>nên</a:t>
+            </a:r>
+            <a:r>
+              <a:rPr lang="en-US" dirty="0"/>
+              <a:t> </a:t>
+            </a:r>
+            <a:r>
+              <a:rPr lang="en-US" dirty="0" err="1"/>
+              <a:t>sử</a:t>
+            </a:r>
+            <a:r>
+              <a:rPr lang="en-US" dirty="0"/>
+              <a:t> </a:t>
+            </a:r>
+            <a:r>
+              <a:rPr lang="en-US" dirty="0" err="1"/>
+              <a:t>dụng</a:t>
+            </a:r>
+            <a:r>
+              <a:rPr lang="en-US" dirty="0"/>
+              <a:t> </a:t>
+            </a:r>
+            <a:r>
+              <a:rPr lang="en-US" dirty="0" err="1"/>
+              <a:t>giải</a:t>
+            </a:r>
+            <a:r>
+              <a:rPr lang="en-US" dirty="0"/>
+              <a:t> </a:t>
+            </a:r>
+            <a:r>
+              <a:rPr lang="en-US" dirty="0" err="1"/>
+              <a:t>thuật</a:t>
+            </a:r>
+            <a:r>
+              <a:rPr lang="en-US" dirty="0"/>
+              <a:t> </a:t>
+            </a:r>
+            <a:r>
+              <a:rPr lang="en-US" dirty="0" err="1"/>
+              <a:t>cắt</a:t>
+            </a:r>
+            <a:r>
+              <a:rPr lang="en-US" dirty="0"/>
+              <a:t> </a:t>
+            </a:r>
+            <a:r>
+              <a:rPr lang="en-US" dirty="0" err="1"/>
+              <a:t>tiết</a:t>
+            </a:r>
+            <a:r>
+              <a:rPr lang="en-US" dirty="0"/>
+              <a:t> </a:t>
+            </a:r>
+            <a:r>
+              <a:rPr lang="en-US" dirty="0" err="1"/>
+              <a:t>kiệm</a:t>
+            </a:r>
+            <a:endParaRPr lang="en-US" dirty="0"/>
+          </a:p>
+          <a:p>
+            <a:r>
+              <a:rPr lang="en-US" dirty="0"/>
+              <a:t>Chỉ </a:t>
+            </a:r>
+            <a:r>
+              <a:rPr lang="en-US" dirty="0" err="1"/>
+              <a:t>sử</a:t>
+            </a:r>
+            <a:r>
+              <a:rPr lang="en-US" dirty="0"/>
+              <a:t> </a:t>
+            </a:r>
+            <a:r>
+              <a:rPr lang="en-US" dirty="0" err="1"/>
+              <a:t>dụng</a:t>
+            </a:r>
+            <a:r>
+              <a:rPr lang="en-US" dirty="0"/>
+              <a:t> </a:t>
+            </a:r>
+            <a:r>
+              <a:rPr lang="en-US" dirty="0" err="1"/>
+              <a:t>các</a:t>
+            </a:r>
+            <a:r>
+              <a:rPr lang="en-US" dirty="0"/>
+              <a:t> </a:t>
+            </a:r>
+            <a:r>
+              <a:rPr lang="en-US" dirty="0" err="1"/>
+              <a:t>thanh</a:t>
+            </a:r>
+            <a:r>
+              <a:rPr lang="en-US" dirty="0"/>
+              <a:t> </a:t>
+            </a:r>
+            <a:r>
+              <a:rPr lang="en-US" dirty="0" err="1"/>
+              <a:t>nguyên</a:t>
+            </a:r>
+            <a:r>
+              <a:rPr lang="en-US" dirty="0"/>
+              <a:t> </a:t>
+            </a:r>
+            <a:r>
+              <a:rPr lang="en-US" dirty="0" err="1"/>
+              <a:t>liệu</a:t>
+            </a:r>
+            <a:r>
+              <a:rPr lang="en-US" dirty="0"/>
+              <a:t> </a:t>
+            </a:r>
+            <a:r>
+              <a:rPr lang="en-US" dirty="0" err="1"/>
+              <a:t>mới</a:t>
+            </a:r>
+            <a:r>
+              <a:rPr lang="en-US" dirty="0"/>
+              <a:t> </a:t>
+            </a:r>
+            <a:r>
+              <a:rPr lang="en-US" dirty="0" err="1"/>
+              <a:t>thì</a:t>
+            </a:r>
+            <a:r>
+              <a:rPr lang="en-US" dirty="0"/>
+              <a:t> </a:t>
+            </a:r>
+            <a:r>
+              <a:rPr lang="en-US" dirty="0" err="1"/>
+              <a:t>sử</a:t>
+            </a:r>
+            <a:r>
+              <a:rPr lang="en-US" dirty="0"/>
+              <a:t> </a:t>
+            </a:r>
+            <a:r>
+              <a:rPr lang="en-US" dirty="0" err="1"/>
+              <a:t>dụng</a:t>
+            </a:r>
+            <a:r>
+              <a:rPr lang="en-US" dirty="0"/>
+              <a:t> </a:t>
+            </a:r>
+            <a:r>
+              <a:rPr lang="en-US" dirty="0" err="1"/>
+              <a:t>giải</a:t>
+            </a:r>
+            <a:r>
+              <a:rPr lang="en-US" dirty="0"/>
+              <a:t> </a:t>
+            </a:r>
+            <a:r>
+              <a:rPr lang="en-US" dirty="0" err="1"/>
+              <a:t>thuật</a:t>
+            </a:r>
+            <a:r>
+              <a:rPr lang="en-US" dirty="0"/>
+              <a:t> </a:t>
+            </a:r>
+            <a:r>
+              <a:rPr lang="en-US" dirty="0" err="1"/>
+              <a:t>cắt</a:t>
+            </a:r>
+            <a:r>
+              <a:rPr lang="en-US" dirty="0"/>
+              <a:t> </a:t>
+            </a:r>
+            <a:r>
+              <a:rPr lang="en-US" dirty="0" err="1"/>
+              <a:t>nhanh</a:t>
+            </a:r>
+            <a:endParaRPr lang="en-US" dirty="0"/>
+          </a:p>
+        </p:txBody>
+      </p:sp>
+    </p:spTree>
+    <p:extLst>
+      <p:ext uri="{BB962C8B-B14F-4D97-AF65-F5344CB8AC3E}">
+        <p14:creationId xmlns:p14="http://schemas.microsoft.com/office/powerpoint/2010/main" val="3345718028"/>
+      </p:ext>
+    </p:extLst>
+  </p:cSld>
+  <p:clrMapOvr>
+    <a:masterClrMapping/>
+  </p:clrMapOvr>
+  <mc:AlternateContent xmlns:mc="http://schemas.openxmlformats.org/markup-compatibility/2006">
+    <mc:Choice xmlns:p14="http://schemas.microsoft.com/office/powerpoint/2010/main" Requires="p14">
+      <p:transition spd="med" p14:dur="700">
+        <p:fade/>
+      </p:transition>
+    </mc:Choice>
+    <mc:Fallback>
+      <p:transition spd="med">
+        <p:fade/>
+      </p:transition>
+    </mc:Fallback>
+  </mc:AlternateContent>
+</p:sld>
+</file>
+
+<file path=ppt/slides/slide17.xml><?xml version="1.0" encoding="utf-8"?>
 <p:sld xmlns:a="http://schemas.openxmlformats.org/drawingml/2006/main" xmlns:r="http://schemas.openxmlformats.org/officeDocument/2006/relationships" xmlns:p="http://schemas.openxmlformats.org/presentationml/2006/main">
   <p:cSld>
     <p:spTree>
@@ -6111,6 +10046,37 @@
 <file path=ppt/slides/slide2.xml><?xml version="1.0" encoding="utf-8"?>
 <p:sld xmlns:a="http://schemas.openxmlformats.org/drawingml/2006/main" xmlns:r="http://schemas.openxmlformats.org/officeDocument/2006/relationships" xmlns:p="http://schemas.openxmlformats.org/presentationml/2006/main">
   <p:cSld>
+    <p:bg>
+      <p:bgPr>
+        <a:gradFill flip="none" rotWithShape="1">
+          <a:gsLst>
+            <a:gs pos="0">
+              <a:schemeClr val="bg2">
+                <a:tint val="100000"/>
+                <a:shade val="0"/>
+                <a:satMod val="100000"/>
+              </a:schemeClr>
+            </a:gs>
+            <a:gs pos="89000">
+              <a:schemeClr val="bg2">
+                <a:tint val="100000"/>
+                <a:shade val="30000"/>
+                <a:satMod val="100000"/>
+              </a:schemeClr>
+            </a:gs>
+            <a:gs pos="100000">
+              <a:schemeClr val="bg2">
+                <a:shade val="60000"/>
+                <a:satMod val="100000"/>
+              </a:schemeClr>
+            </a:gs>
+          </a:gsLst>
+          <a:lin ang="2700000" scaled="1"/>
+          <a:tileRect/>
+        </a:gradFill>
+        <a:effectLst/>
+      </p:bgPr>
+    </p:bg>
     <p:spTree>
       <p:nvGrpSpPr>
         <p:cNvPr id="1" name=""/>
@@ -6297,7 +10263,10 @@
               <a:rPr lang="en-US" dirty="0" err="1"/>
               <a:t>luận</a:t>
             </a:r>
-            <a:endParaRPr lang="en-US" dirty="0"/>
+            <a:r>
+              <a:rPr lang="en-US" dirty="0"/>
+              <a:t>  </a:t>
+            </a:r>
           </a:p>
         </p:txBody>
       </p:sp>
@@ -6521,30 +10490,6 @@
             </a:r>
             <a:r>
               <a:rPr lang="en-US" dirty="0" err="1"/>
-              <a:t>và</a:t>
-            </a:r>
-            <a:r>
-              <a:rPr lang="en-US" dirty="0"/>
-              <a:t> </a:t>
-            </a:r>
-            <a:r>
-              <a:rPr lang="en-US" dirty="0" err="1"/>
-              <a:t>nhiệm</a:t>
-            </a:r>
-            <a:r>
-              <a:rPr lang="en-US" dirty="0"/>
-              <a:t> </a:t>
-            </a:r>
-            <a:r>
-              <a:rPr lang="en-US" dirty="0" err="1"/>
-              <a:t>vụ</a:t>
-            </a:r>
-            <a:r>
-              <a:rPr lang="en-US" dirty="0"/>
-              <a:t> </a:t>
-            </a:r>
-            <a:r>
-              <a:rPr lang="en-US" dirty="0" err="1"/>
               <a:t>nghiên</a:t>
             </a:r>
             <a:r>
@@ -6575,13 +10520,13 @@
   <p:clrMapOvr>
     <a:masterClrMapping/>
   </p:clrMapOvr>
-  <mc:AlternateContent xmlns:mc="http://schemas.openxmlformats.org/markup-compatibility/2006">
-    <mc:Choice xmlns:p14="http://schemas.microsoft.com/office/powerpoint/2010/main" Requires="p14">
+  <mc:AlternateContent xmlns:mc="http://schemas.openxmlformats.org/markup-compatibility/2006" xmlns:p14="http://schemas.microsoft.com/office/powerpoint/2010/main">
+    <mc:Choice Requires="p14">
       <p:transition spd="med" p14:dur="700">
         <p:fade/>
       </p:transition>
     </mc:Choice>
-    <mc:Fallback>
+    <mc:Fallback xmlns="">
       <p:transition spd="med">
         <p:fade/>
       </p:transition>
@@ -6777,13 +10722,13 @@
   <p:clrMapOvr>
     <a:masterClrMapping/>
   </p:clrMapOvr>
-  <mc:AlternateContent xmlns:mc="http://schemas.openxmlformats.org/markup-compatibility/2006">
-    <mc:Choice xmlns:p14="http://schemas.microsoft.com/office/powerpoint/2010/main" Requires="p14">
+  <mc:AlternateContent xmlns:mc="http://schemas.openxmlformats.org/markup-compatibility/2006" xmlns:p14="http://schemas.microsoft.com/office/powerpoint/2010/main">
+    <mc:Choice Requires="p14">
       <p:transition spd="med" p14:dur="700">
         <p:fade/>
       </p:transition>
     </mc:Choice>
-    <mc:Fallback>
+    <mc:Fallback xmlns="">
       <p:transition spd="med">
         <p:fade/>
       </p:transition>
@@ -7213,13 +11158,13 @@
   <p:clrMapOvr>
     <a:masterClrMapping/>
   </p:clrMapOvr>
-  <mc:AlternateContent xmlns:mc="http://schemas.openxmlformats.org/markup-compatibility/2006">
-    <mc:Choice xmlns:p14="http://schemas.microsoft.com/office/powerpoint/2010/main" Requires="p14">
+  <mc:AlternateContent xmlns:mc="http://schemas.openxmlformats.org/markup-compatibility/2006" xmlns:p14="http://schemas.microsoft.com/office/powerpoint/2010/main">
+    <mc:Choice Requires="p14">
       <p:transition spd="med" p14:dur="700">
         <p:fade/>
       </p:transition>
     </mc:Choice>
-    <mc:Fallback>
+    <mc:Fallback xmlns="">
       <p:transition spd="med">
         <p:fade/>
       </p:transition>
@@ -7552,13 +11497,13 @@
   <p:clrMapOvr>
     <a:masterClrMapping/>
   </p:clrMapOvr>
-  <mc:AlternateContent xmlns:mc="http://schemas.openxmlformats.org/markup-compatibility/2006">
-    <mc:Choice xmlns:p14="http://schemas.microsoft.com/office/powerpoint/2010/main" Requires="p14">
+  <mc:AlternateContent xmlns:mc="http://schemas.openxmlformats.org/markup-compatibility/2006" xmlns:p14="http://schemas.microsoft.com/office/powerpoint/2010/main">
+    <mc:Choice Requires="p14">
       <p:transition spd="med" p14:dur="700">
         <p:fade/>
       </p:transition>
     </mc:Choice>
-    <mc:Fallback>
+    <mc:Fallback xmlns="">
       <p:transition spd="med">
         <p:fade/>
       </p:transition>
@@ -7958,13 +11903,13 @@
   <p:clrMapOvr>
     <a:masterClrMapping/>
   </p:clrMapOvr>
-  <mc:AlternateContent xmlns:mc="http://schemas.openxmlformats.org/markup-compatibility/2006">
-    <mc:Choice xmlns:p14="http://schemas.microsoft.com/office/powerpoint/2010/main" Requires="p14">
+  <mc:AlternateContent xmlns:mc="http://schemas.openxmlformats.org/markup-compatibility/2006" xmlns:p14="http://schemas.microsoft.com/office/powerpoint/2010/main">
+    <mc:Choice Requires="p14">
       <p:transition spd="med" p14:dur="700">
         <p:fade/>
       </p:transition>
     </mc:Choice>
-    <mc:Fallback>
+    <mc:Fallback xmlns="">
       <p:transition spd="med">
         <p:fade/>
       </p:transition>
@@ -7974,8 +11919,39 @@
 </file>
 
 <file path=ppt/slides/slide8.xml><?xml version="1.0" encoding="utf-8"?>
-<p:sld xmlns:a="http://schemas.openxmlformats.org/drawingml/2006/main" xmlns:r="http://schemas.openxmlformats.org/officeDocument/2006/relationships" xmlns:p="http://schemas.openxmlformats.org/presentationml/2006/main">
+<p:sld xmlns:a="http://schemas.openxmlformats.org/drawingml/2006/main" xmlns:r="http://schemas.openxmlformats.org/officeDocument/2006/relationships" xmlns:p="http://schemas.openxmlformats.org/presentationml/2006/main" show="0">
   <p:cSld>
+    <p:bg>
+      <p:bgPr>
+        <a:gradFill flip="none" rotWithShape="1">
+          <a:gsLst>
+            <a:gs pos="70000">
+              <a:schemeClr val="bg2">
+                <a:tint val="100000"/>
+                <a:shade val="0"/>
+                <a:satMod val="100000"/>
+              </a:schemeClr>
+            </a:gs>
+            <a:gs pos="100000">
+              <a:schemeClr val="bg2">
+                <a:tint val="100000"/>
+                <a:shade val="30000"/>
+                <a:satMod val="100000"/>
+              </a:schemeClr>
+            </a:gs>
+            <a:gs pos="48000">
+              <a:schemeClr val="bg2">
+                <a:shade val="60000"/>
+                <a:satMod val="100000"/>
+              </a:schemeClr>
+            </a:gs>
+          </a:gsLst>
+          <a:lin ang="3600000" scaled="0"/>
+          <a:tileRect/>
+        </a:gradFill>
+        <a:effectLst/>
+      </p:bgPr>
+    </p:bg>
     <p:spTree>
       <p:nvGrpSpPr>
         <p:cNvPr id="1" name=""/>
@@ -8136,166 +12112,6 @@
               <a:rPr lang="en-US" dirty="0" err="1"/>
               <a:t>thể</a:t>
             </a:r>
-            <a:r>
-              <a:rPr lang="en-US" dirty="0"/>
-              <a:t>: </a:t>
-            </a:r>
-            <a:r>
-              <a:rPr lang="en-US" dirty="0" err="1"/>
-              <a:t>sức</a:t>
-            </a:r>
-            <a:r>
-              <a:rPr lang="en-US" dirty="0"/>
-              <a:t> </a:t>
-            </a:r>
-            <a:r>
-              <a:rPr lang="en-US" dirty="0" err="1"/>
-              <a:t>khỏe</a:t>
-            </a:r>
-            <a:r>
-              <a:rPr lang="en-US" dirty="0"/>
-              <a:t> </a:t>
-            </a:r>
-            <a:r>
-              <a:rPr lang="en-US" dirty="0" err="1"/>
-              <a:t>của</a:t>
-            </a:r>
-            <a:r>
-              <a:rPr lang="en-US" dirty="0"/>
-              <a:t> </a:t>
-            </a:r>
-            <a:r>
-              <a:rPr lang="en-US" dirty="0" err="1"/>
-              <a:t>quần</a:t>
-            </a:r>
-            <a:r>
-              <a:rPr lang="en-US" dirty="0"/>
-              <a:t> </a:t>
-            </a:r>
-            <a:r>
-              <a:rPr lang="en-US" dirty="0" err="1"/>
-              <a:t>thể</a:t>
-            </a:r>
-            <a:r>
-              <a:rPr lang="en-US" dirty="0"/>
-              <a:t> </a:t>
-            </a:r>
-            <a:r>
-              <a:rPr lang="en-US" dirty="0" err="1"/>
-              <a:t>chính</a:t>
-            </a:r>
-            <a:r>
-              <a:rPr lang="en-US" dirty="0"/>
-              <a:t> </a:t>
-            </a:r>
-            <a:r>
-              <a:rPr lang="en-US" dirty="0" err="1"/>
-              <a:t>là</a:t>
-            </a:r>
-            <a:r>
-              <a:rPr lang="en-US" dirty="0"/>
-              <a:t> </a:t>
-            </a:r>
-            <a:r>
-              <a:rPr lang="en-US" dirty="0" err="1"/>
-              <a:t>trung</a:t>
-            </a:r>
-            <a:r>
-              <a:rPr lang="en-US" dirty="0"/>
-              <a:t> </a:t>
-            </a:r>
-            <a:r>
-              <a:rPr lang="en-US" dirty="0" err="1"/>
-              <a:t>bình</a:t>
-            </a:r>
-            <a:r>
-              <a:rPr lang="en-US" dirty="0"/>
-              <a:t> </a:t>
-            </a:r>
-            <a:r>
-              <a:rPr lang="en-US" dirty="0" err="1"/>
-              <a:t>cộng</a:t>
-            </a:r>
-            <a:r>
-              <a:rPr lang="en-US" dirty="0"/>
-              <a:t> </a:t>
-            </a:r>
-            <a:r>
-              <a:rPr lang="en-US" dirty="0" err="1"/>
-              <a:t>sức</a:t>
-            </a:r>
-            <a:r>
-              <a:rPr lang="en-US" dirty="0"/>
-              <a:t> </a:t>
-            </a:r>
-            <a:r>
-              <a:rPr lang="en-US" dirty="0" err="1"/>
-              <a:t>khỏe</a:t>
-            </a:r>
-            <a:r>
-              <a:rPr lang="en-US" dirty="0"/>
-              <a:t> </a:t>
-            </a:r>
-            <a:r>
-              <a:rPr lang="en-US" dirty="0" err="1"/>
-              <a:t>của</a:t>
-            </a:r>
-            <a:r>
-              <a:rPr lang="en-US" dirty="0"/>
-              <a:t> </a:t>
-            </a:r>
-            <a:r>
-              <a:rPr lang="en-US" dirty="0" err="1"/>
-              <a:t>tất</a:t>
-            </a:r>
-            <a:r>
-              <a:rPr lang="en-US" dirty="0"/>
-              <a:t> cả </a:t>
-            </a:r>
-            <a:r>
-              <a:rPr lang="en-US" dirty="0" err="1"/>
-              <a:t>các</a:t>
-            </a:r>
-            <a:r>
-              <a:rPr lang="en-US" dirty="0"/>
-              <a:t> </a:t>
-            </a:r>
-            <a:r>
-              <a:rPr lang="en-US" dirty="0" err="1"/>
-              <a:t>cá</a:t>
-            </a:r>
-            <a:r>
-              <a:rPr lang="en-US" dirty="0"/>
-              <a:t> </a:t>
-            </a:r>
-            <a:r>
-              <a:rPr lang="en-US" dirty="0" err="1"/>
-              <a:t>thể</a:t>
-            </a:r>
-            <a:r>
-              <a:rPr lang="en-US" dirty="0"/>
-              <a:t> </a:t>
-            </a:r>
-            <a:r>
-              <a:rPr lang="en-US" dirty="0" err="1"/>
-              <a:t>trong</a:t>
-            </a:r>
-            <a:r>
-              <a:rPr lang="en-US" dirty="0"/>
-              <a:t> </a:t>
-            </a:r>
-            <a:r>
-              <a:rPr lang="en-US" dirty="0" err="1"/>
-              <a:t>quần</a:t>
-            </a:r>
-            <a:r>
-              <a:rPr lang="en-US" dirty="0"/>
-              <a:t> </a:t>
-            </a:r>
-            <a:r>
-              <a:rPr lang="en-US" dirty="0" err="1"/>
-              <a:t>thể</a:t>
-            </a:r>
             <a:endParaRPr lang="en-US" dirty="0"/>
           </a:p>
           <a:p>
@@ -8344,162 +12160,7 @@
               <a:rPr lang="en-US" dirty="0" err="1"/>
               <a:t>gồm</a:t>
             </a:r>
-            <a:r>
-              <a:rPr lang="en-US" dirty="0"/>
-              <a:t>: </a:t>
-            </a:r>
-            <a:r>
-              <a:rPr lang="en-US" dirty="0" err="1"/>
-              <a:t>thời</a:t>
-            </a:r>
-            <a:r>
-              <a:rPr lang="en-US" dirty="0"/>
-              <a:t> </a:t>
-            </a:r>
-            <a:r>
-              <a:rPr lang="en-US" dirty="0" err="1"/>
-              <a:t>gian</a:t>
-            </a:r>
-            <a:r>
-              <a:rPr lang="en-US" dirty="0"/>
-              <a:t> </a:t>
-            </a:r>
-            <a:r>
-              <a:rPr lang="en-US" dirty="0" err="1"/>
-              <a:t>chạy</a:t>
-            </a:r>
-            <a:r>
-              <a:rPr lang="en-US" dirty="0"/>
-              <a:t> </a:t>
-            </a:r>
-            <a:r>
-              <a:rPr lang="en-US" dirty="0" err="1"/>
-              <a:t>thuật</a:t>
-            </a:r>
-            <a:r>
-              <a:rPr lang="en-US" dirty="0"/>
-              <a:t> </a:t>
-            </a:r>
-            <a:r>
-              <a:rPr lang="en-US" dirty="0" err="1"/>
-              <a:t>toán</a:t>
-            </a:r>
-            <a:r>
-              <a:rPr lang="en-US" dirty="0"/>
-              <a:t>, </a:t>
-            </a:r>
-            <a:r>
-              <a:rPr lang="en-US" dirty="0" err="1"/>
-              <a:t>giới</a:t>
-            </a:r>
-            <a:r>
-              <a:rPr lang="en-US" dirty="0"/>
-              <a:t> </a:t>
-            </a:r>
-            <a:r>
-              <a:rPr lang="en-US" dirty="0" err="1"/>
-              <a:t>hạn</a:t>
-            </a:r>
-            <a:r>
-              <a:rPr lang="en-US" dirty="0"/>
-              <a:t> </a:t>
-            </a:r>
-            <a:r>
-              <a:rPr lang="en-US" dirty="0" err="1"/>
-              <a:t>số</a:t>
-            </a:r>
-            <a:r>
-              <a:rPr lang="en-US" dirty="0"/>
-              <a:t> </a:t>
-            </a:r>
-            <a:r>
-              <a:rPr lang="en-US" dirty="0" err="1"/>
-              <a:t>thế</a:t>
-            </a:r>
-            <a:r>
-              <a:rPr lang="en-US" dirty="0"/>
-              <a:t> </a:t>
-            </a:r>
-            <a:r>
-              <a:rPr lang="en-US" dirty="0" err="1"/>
-              <a:t>hệ</a:t>
-            </a:r>
-            <a:r>
-              <a:rPr lang="en-US" dirty="0"/>
-              <a:t> </a:t>
-            </a:r>
-            <a:r>
-              <a:rPr lang="en-US" dirty="0" err="1"/>
-              <a:t>được</a:t>
-            </a:r>
-            <a:r>
-              <a:rPr lang="en-US" dirty="0"/>
-              <a:t> </a:t>
-            </a:r>
-            <a:r>
-              <a:rPr lang="en-US" dirty="0" err="1"/>
-              <a:t>tạo</a:t>
-            </a:r>
-            <a:r>
-              <a:rPr lang="en-US" dirty="0"/>
-              <a:t> ra, </a:t>
-            </a:r>
-            <a:r>
-              <a:rPr lang="en-US" dirty="0" err="1"/>
-              <a:t>tốc</a:t>
-            </a:r>
-            <a:r>
-              <a:rPr lang="en-US" dirty="0"/>
-              <a:t> </a:t>
-            </a:r>
-            <a:r>
-              <a:rPr lang="en-US" dirty="0" err="1"/>
-              <a:t>độ</a:t>
-            </a:r>
-            <a:r>
-              <a:rPr lang="en-US" dirty="0"/>
-              <a:t> </a:t>
-            </a:r>
-            <a:r>
-              <a:rPr lang="en-US" dirty="0" err="1"/>
-              <a:t>phát</a:t>
-            </a:r>
-            <a:r>
-              <a:rPr lang="en-US" dirty="0"/>
-              <a:t> </a:t>
-            </a:r>
-            <a:r>
-              <a:rPr lang="en-US" dirty="0" err="1"/>
-              <a:t>triển</a:t>
-            </a:r>
-            <a:r>
-              <a:rPr lang="en-US" dirty="0"/>
-              <a:t> </a:t>
-            </a:r>
-            <a:r>
-              <a:rPr lang="en-US" dirty="0" err="1"/>
-              <a:t>của</a:t>
-            </a:r>
-            <a:r>
-              <a:rPr lang="en-US" dirty="0"/>
-              <a:t> </a:t>
-            </a:r>
-            <a:r>
-              <a:rPr lang="en-US" dirty="0" err="1"/>
-              <a:t>các</a:t>
-            </a:r>
-            <a:r>
-              <a:rPr lang="en-US" dirty="0"/>
-              <a:t> </a:t>
-            </a:r>
-            <a:r>
-              <a:rPr lang="en-US" dirty="0" err="1"/>
-              <a:t>đời</a:t>
-            </a:r>
-            <a:r>
-              <a:rPr lang="en-US" dirty="0"/>
-              <a:t> con</a:t>
-            </a:r>
+            <a:endParaRPr lang="en-US" dirty="0"/>
           </a:p>
           <a:p>
             <a:pPr algn="just"/>
@@ -8530,142 +12191,6 @@
             <a:r>
               <a:rPr lang="en-US" dirty="0" err="1"/>
               <a:t>nhiên</a:t>
-            </a:r>
-            <a:r>
-              <a:rPr lang="en-US" dirty="0"/>
-              <a:t>: </a:t>
-            </a:r>
-            <a:r>
-              <a:rPr lang="en-US" dirty="0" err="1"/>
-              <a:t>các</a:t>
-            </a:r>
-            <a:r>
-              <a:rPr lang="en-US" dirty="0"/>
-              <a:t> </a:t>
-            </a:r>
-            <a:r>
-              <a:rPr lang="en-US" dirty="0" err="1"/>
-              <a:t>cá</a:t>
-            </a:r>
-            <a:r>
-              <a:rPr lang="en-US" dirty="0"/>
-              <a:t> </a:t>
-            </a:r>
-            <a:r>
-              <a:rPr lang="en-US" dirty="0" err="1"/>
-              <a:t>thể</a:t>
-            </a:r>
-            <a:r>
-              <a:rPr lang="en-US" dirty="0"/>
-              <a:t> có </a:t>
-            </a:r>
-            <a:r>
-              <a:rPr lang="en-US" dirty="0" err="1"/>
-              <a:t>khả</a:t>
-            </a:r>
-            <a:r>
-              <a:rPr lang="en-US" dirty="0"/>
-              <a:t> </a:t>
-            </a:r>
-            <a:r>
-              <a:rPr lang="en-US" dirty="0" err="1"/>
-              <a:t>năng</a:t>
-            </a:r>
-            <a:r>
-              <a:rPr lang="en-US" dirty="0"/>
-              <a:t> </a:t>
-            </a:r>
-            <a:r>
-              <a:rPr lang="en-US" dirty="0" err="1"/>
-              <a:t>sinh</a:t>
-            </a:r>
-            <a:r>
-              <a:rPr lang="en-US" dirty="0"/>
-              <a:t> </a:t>
-            </a:r>
-            <a:r>
-              <a:rPr lang="en-US" dirty="0" err="1"/>
-              <a:t>tồn</a:t>
-            </a:r>
-            <a:r>
-              <a:rPr lang="en-US" dirty="0"/>
-              <a:t> </a:t>
-            </a:r>
-            <a:r>
-              <a:rPr lang="en-US" dirty="0" err="1"/>
-              <a:t>tốt</a:t>
-            </a:r>
-            <a:r>
-              <a:rPr lang="en-US" dirty="0"/>
-              <a:t> hơn </a:t>
-            </a:r>
-            <a:r>
-              <a:rPr lang="en-US" dirty="0" err="1"/>
-              <a:t>sẽ</a:t>
-            </a:r>
-            <a:r>
-              <a:rPr lang="en-US" dirty="0"/>
-              <a:t> </a:t>
-            </a:r>
-            <a:r>
-              <a:rPr lang="en-US" dirty="0" err="1"/>
-              <a:t>được</a:t>
-            </a:r>
-            <a:r>
-              <a:rPr lang="en-US" dirty="0"/>
-              <a:t> </a:t>
-            </a:r>
-            <a:r>
-              <a:rPr lang="en-US" dirty="0" err="1"/>
-              <a:t>ưu</a:t>
-            </a:r>
-            <a:r>
-              <a:rPr lang="en-US" dirty="0"/>
-              <a:t> </a:t>
-            </a:r>
-            <a:r>
-              <a:rPr lang="en-US" dirty="0" err="1"/>
-              <a:t>tiên</a:t>
-            </a:r>
-            <a:r>
-              <a:rPr lang="en-US" dirty="0"/>
-              <a:t> </a:t>
-            </a:r>
-            <a:r>
-              <a:rPr lang="en-US" dirty="0" err="1"/>
-              <a:t>giữ</a:t>
-            </a:r>
-            <a:r>
-              <a:rPr lang="en-US" dirty="0"/>
-              <a:t> </a:t>
-            </a:r>
-            <a:r>
-              <a:rPr lang="en-US" dirty="0" err="1"/>
-              <a:t>lại</a:t>
-            </a:r>
-            <a:r>
-              <a:rPr lang="en-US" dirty="0"/>
-              <a:t> </a:t>
-            </a:r>
-            <a:r>
-              <a:rPr lang="en-US" dirty="0" err="1"/>
-              <a:t>trong</a:t>
-            </a:r>
-            <a:r>
-              <a:rPr lang="en-US" dirty="0"/>
-              <a:t> </a:t>
-            </a:r>
-            <a:r>
-              <a:rPr lang="en-US" dirty="0" err="1"/>
-              <a:t>quần</a:t>
-            </a:r>
-            <a:r>
-              <a:rPr lang="en-US" dirty="0"/>
-              <a:t> </a:t>
-            </a:r>
-            <a:r>
-              <a:rPr lang="en-US" dirty="0" err="1"/>
-              <a:t>thể</a:t>
             </a:r>
             <a:endParaRPr lang="en-US" dirty="0"/>
           </a:p>
@@ -9019,13 +12544,13 @@
   <p:clrMapOvr>
     <a:masterClrMapping/>
   </p:clrMapOvr>
-  <mc:AlternateContent xmlns:mc="http://schemas.openxmlformats.org/markup-compatibility/2006">
-    <mc:Choice xmlns:p14="http://schemas.microsoft.com/office/powerpoint/2010/main" Requires="p14">
+  <mc:AlternateContent xmlns:mc="http://schemas.openxmlformats.org/markup-compatibility/2006" xmlns:p14="http://schemas.microsoft.com/office/powerpoint/2010/main">
+    <mc:Choice Requires="p14">
       <p:transition spd="med" p14:dur="700">
         <p:fade/>
       </p:transition>
     </mc:Choice>
-    <mc:Fallback>
+    <mc:Fallback xmlns="">
       <p:transition spd="med">
         <p:fade/>
       </p:transition>
@@ -9985,15 +13510,6 @@
 </file>
 
 <file path=customXml/item1.xml><?xml version="1.0" encoding="utf-8"?>
-<?mso-contentType ?>
-<FormTemplates xmlns="http://schemas.microsoft.com/sharepoint/v3/contenttype/forms">
-  <Display>DocumentLibraryForm</Display>
-  <Edit>AssetEditForm</Edit>
-  <New>DocumentLibraryForm</New>
-</FormTemplates>
-</file>
-
-<file path=customXml/item2.xml><?xml version="1.0" encoding="utf-8"?>
 <p:properties xmlns:p="http://schemas.microsoft.com/office/2006/metadata/properties" xmlns:xsi="http://www.w3.org/2001/XMLSchema-instance" xmlns:pc="http://schemas.microsoft.com/office/infopath/2007/PartnerControls">
   <documentManagement>
     <LocPublishedLinkedAssetsLookup xmlns="4873beb7-5857-4685-be1f-d57550cc96cc" xsi:nil="true"/>
@@ -10127,6 +13643,15 @@
     <LocMarketGroupTiers2 xmlns="4873beb7-5857-4685-be1f-d57550cc96cc" xsi:nil="true"/>
   </documentManagement>
 </p:properties>
+</file>
+
+<file path=customXml/item2.xml><?xml version="1.0" encoding="utf-8"?>
+<?mso-contentType ?>
+<FormTemplates xmlns="http://schemas.microsoft.com/sharepoint/v3/contenttype/forms">
+  <Display>DocumentLibraryForm</Display>
+  <Edit>AssetEditForm</Edit>
+  <New>DocumentLibraryForm</New>
+</FormTemplates>
 </file>
 
 <file path=customXml/item3.xml><?xml version="1.0" encoding="utf-8"?>
@@ -11170,14 +14695,6 @@
 </file>
 
 <file path=customXml/itemProps1.xml><?xml version="1.0" encoding="utf-8"?>
-<ds:datastoreItem xmlns:ds="http://schemas.openxmlformats.org/officeDocument/2006/customXml" ds:itemID="{3836F65B-1B07-41EE-A0E8-BC6EF3855225}">
-  <ds:schemaRefs>
-    <ds:schemaRef ds:uri="http://schemas.microsoft.com/sharepoint/v3/contenttype/forms"/>
-  </ds:schemaRefs>
-</ds:datastoreItem>
-</file>
-
-<file path=customXml/itemProps2.xml><?xml version="1.0" encoding="utf-8"?>
 <ds:datastoreItem xmlns:ds="http://schemas.openxmlformats.org/officeDocument/2006/customXml" ds:itemID="{60C67BEE-D13F-4BD2-98A5-34D8A0977F68}">
   <ds:schemaRefs>
     <ds:schemaRef ds:uri="4873beb7-5857-4685-be1f-d57550cc96cc"/>
@@ -11189,6 +14706,14 @@
     <ds:schemaRef ds:uri="http://schemas.microsoft.com/office/infopath/2007/PartnerControls"/>
     <ds:schemaRef ds:uri="http://www.w3.org/XML/1998/namespace"/>
     <ds:schemaRef ds:uri="http://purl.org/dc/dcmitype/"/>
+  </ds:schemaRefs>
+</ds:datastoreItem>
+</file>
+
+<file path=customXml/itemProps2.xml><?xml version="1.0" encoding="utf-8"?>
+<ds:datastoreItem xmlns:ds="http://schemas.openxmlformats.org/officeDocument/2006/customXml" ds:itemID="{3836F65B-1B07-41EE-A0E8-BC6EF3855225}">
+  <ds:schemaRefs>
+    <ds:schemaRef ds:uri="http://schemas.microsoft.com/sharepoint/v3/contenttype/forms"/>
   </ds:schemaRefs>
 </ds:datastoreItem>
 </file>

--- a/src/com/duykypaul/kltn/docs/TỰ ĐỘNG LẬP KẾ HOẠCH GIA CÔNG CẮT.pptx
+++ b/src/com/duykypaul/kltn/docs/TỰ ĐỘNG LẬP KẾ HOẠCH GIA CÔNG CẮT.pptx
@@ -5,29 +5,32 @@
     <p:sldMasterId id="2147483660" r:id="rId4"/>
   </p:sldMasterIdLst>
   <p:notesMasterIdLst>
-    <p:notesMasterId r:id="rId22"/>
+    <p:notesMasterId r:id="rId25"/>
   </p:notesMasterIdLst>
   <p:handoutMasterIdLst>
-    <p:handoutMasterId r:id="rId23"/>
+    <p:handoutMasterId r:id="rId26"/>
   </p:handoutMasterIdLst>
   <p:sldIdLst>
     <p:sldId id="257" r:id="rId5"/>
     <p:sldId id="268" r:id="rId6"/>
-    <p:sldId id="272" r:id="rId7"/>
-    <p:sldId id="273" r:id="rId8"/>
-    <p:sldId id="274" r:id="rId9"/>
-    <p:sldId id="275" r:id="rId10"/>
-    <p:sldId id="276" r:id="rId11"/>
-    <p:sldId id="277" r:id="rId12"/>
-    <p:sldId id="280" r:id="rId13"/>
-    <p:sldId id="279" r:id="rId14"/>
-    <p:sldId id="281" r:id="rId15"/>
-    <p:sldId id="283" r:id="rId16"/>
-    <p:sldId id="284" r:id="rId17"/>
-    <p:sldId id="285" r:id="rId18"/>
-    <p:sldId id="286" r:id="rId19"/>
-    <p:sldId id="287" r:id="rId20"/>
-    <p:sldId id="282" r:id="rId21"/>
+    <p:sldId id="288" r:id="rId7"/>
+    <p:sldId id="289" r:id="rId8"/>
+    <p:sldId id="273" r:id="rId9"/>
+    <p:sldId id="274" r:id="rId10"/>
+    <p:sldId id="291" r:id="rId11"/>
+    <p:sldId id="275" r:id="rId12"/>
+    <p:sldId id="276" r:id="rId13"/>
+    <p:sldId id="277" r:id="rId14"/>
+    <p:sldId id="280" r:id="rId15"/>
+    <p:sldId id="279" r:id="rId16"/>
+    <p:sldId id="281" r:id="rId17"/>
+    <p:sldId id="283" r:id="rId18"/>
+    <p:sldId id="284" r:id="rId19"/>
+    <p:sldId id="285" r:id="rId20"/>
+    <p:sldId id="286" r:id="rId21"/>
+    <p:sldId id="287" r:id="rId22"/>
+    <p:sldId id="292" r:id="rId23"/>
+    <p:sldId id="282" r:id="rId24"/>
   </p:sldIdLst>
   <p:sldSz cx="12188825" cy="6858000"/>
   <p:notesSz cx="6858000" cy="9144000"/>
@@ -241,7 +244,7 @@
           <a:p>
             <a:fld id="{FE5B4EDC-59C0-49C7-8ADA-5A781B329E02}" type="datetimeFigureOut">
               <a:rPr lang="en-US"/>
-              <a:t>5/27/2021</a:t>
+              <a:t>6/7/2021</a:t>
             </a:fld>
             <a:endParaRPr/>
           </a:p>
@@ -406,7 +409,7 @@
           <a:p>
             <a:fld id="{F2D8D46A-B586-417D-BFBD-8C8FE0AAF762}" type="datetimeFigureOut">
               <a:rPr lang="en-US"/>
-              <a:t>5/27/2021</a:t>
+              <a:t>6/7/2021</a:t>
             </a:fld>
             <a:endParaRPr/>
           </a:p>
@@ -1424,7 +1427,7 @@
           <a:p>
             <a:fld id="{F0DFD029-FB74-4578-B929-F66AA97659CA}" type="datetimeFigureOut">
               <a:rPr lang="en-US" smtClean="0"/>
-              <a:t>5/27/2021</a:t>
+              <a:t>6/7/2021</a:t>
             </a:fld>
             <a:endParaRPr/>
           </a:p>
@@ -1622,7 +1625,7 @@
           <a:p>
             <a:fld id="{F0DFD029-FB74-4578-B929-F66AA97659CA}" type="datetimeFigureOut">
               <a:rPr lang="en-US" smtClean="0"/>
-              <a:t>5/27/2021</a:t>
+              <a:t>6/7/2021</a:t>
             </a:fld>
             <a:endParaRPr/>
           </a:p>
@@ -1830,7 +1833,7 @@
           <a:p>
             <a:fld id="{F0DFD029-FB74-4578-B929-F66AA97659CA}" type="datetimeFigureOut">
               <a:rPr lang="en-US" smtClean="0"/>
-              <a:t>5/27/2021</a:t>
+              <a:t>6/7/2021</a:t>
             </a:fld>
             <a:endParaRPr/>
           </a:p>
@@ -2028,7 +2031,7 @@
           <a:p>
             <a:fld id="{F0DFD029-FB74-4578-B929-F66AA97659CA}" type="datetimeFigureOut">
               <a:rPr lang="en-US" smtClean="0"/>
-              <a:t>5/27/2021</a:t>
+              <a:t>6/7/2021</a:t>
             </a:fld>
             <a:endParaRPr/>
           </a:p>
@@ -2460,7 +2463,7 @@
           <a:p>
             <a:fld id="{F0DFD029-FB74-4578-B929-F66AA97659CA}" type="datetimeFigureOut">
               <a:rPr lang="en-US" smtClean="0"/>
-              <a:t>5/27/2021</a:t>
+              <a:t>6/7/2021</a:t>
             </a:fld>
             <a:endParaRPr/>
           </a:p>
@@ -2764,7 +2767,7 @@
           <a:p>
             <a:fld id="{F0DFD029-FB74-4578-B929-F66AA97659CA}" type="datetimeFigureOut">
               <a:rPr lang="en-US" smtClean="0"/>
-              <a:t>5/27/2021</a:t>
+              <a:t>6/7/2021</a:t>
             </a:fld>
             <a:endParaRPr/>
           </a:p>
@@ -3220,7 +3223,7 @@
           <a:p>
             <a:fld id="{F0DFD029-FB74-4578-B929-F66AA97659CA}" type="datetimeFigureOut">
               <a:rPr lang="en-US" smtClean="0"/>
-              <a:t>5/27/2021</a:t>
+              <a:t>6/7/2021</a:t>
             </a:fld>
             <a:endParaRPr/>
           </a:p>
@@ -3350,7 +3353,7 @@
           <a:p>
             <a:fld id="{F0DFD029-FB74-4578-B929-F66AA97659CA}" type="datetimeFigureOut">
               <a:rPr lang="en-US" smtClean="0"/>
-              <a:t>5/27/2021</a:t>
+              <a:t>6/7/2021</a:t>
             </a:fld>
             <a:endParaRPr/>
           </a:p>
@@ -3457,7 +3460,7 @@
           <a:p>
             <a:fld id="{F0DFD029-FB74-4578-B929-F66AA97659CA}" type="datetimeFigureOut">
               <a:rPr lang="en-US" smtClean="0"/>
-              <a:t>5/27/2021</a:t>
+              <a:t>6/7/2021</a:t>
             </a:fld>
             <a:endParaRPr/>
           </a:p>
@@ -3756,7 +3759,7 @@
           <a:p>
             <a:fld id="{F0DFD029-FB74-4578-B929-F66AA97659CA}" type="datetimeFigureOut">
               <a:rPr lang="en-US" smtClean="0"/>
-              <a:t>5/27/2021</a:t>
+              <a:t>6/7/2021</a:t>
             </a:fld>
             <a:endParaRPr/>
           </a:p>
@@ -4044,7 +4047,7 @@
           <a:p>
             <a:fld id="{F0DFD029-FB74-4578-B929-F66AA97659CA}" type="datetimeFigureOut">
               <a:rPr lang="en-US" smtClean="0"/>
-              <a:t>5/27/2021</a:t>
+              <a:t>6/7/2021</a:t>
             </a:fld>
             <a:endParaRPr/>
           </a:p>
@@ -4667,7 +4670,7 @@
             <a:fld id="{F0DFD029-FB74-4578-B929-F66AA97659CA}" type="datetimeFigureOut">
               <a:rPr lang="en-US" smtClean="0"/>
               <a:pPr/>
-              <a:t>5/27/2021</a:t>
+              <a:t>6/7/2021</a:t>
             </a:fld>
             <a:endParaRPr/>
           </a:p>
@@ -5147,7 +5150,12 @@
             <p:ph type="ctrTitle"/>
           </p:nvPr>
         </p:nvSpPr>
-        <p:spPr/>
+        <p:spPr>
+          <a:xfrm>
+            <a:off x="1773932" y="2060848"/>
+            <a:ext cx="8735325" cy="2000251"/>
+          </a:xfrm>
+        </p:spPr>
         <p:txBody>
           <a:bodyPr/>
           <a:lstStyle/>
@@ -5173,7 +5181,7 @@
         </p:nvSpPr>
         <p:spPr>
           <a:xfrm>
-            <a:off x="6310436" y="3803650"/>
+            <a:off x="6238428" y="4869160"/>
             <a:ext cx="4757267" cy="1209526"/>
           </a:xfrm>
         </p:spPr>
@@ -5408,6 +5416,177 @@
                 <a:cs typeface="Arial" panose="020B0604020202020204" pitchFamily="34" charset="0"/>
               </a:rPr>
               <a:t> Thanh</a:t>
+            </a:r>
+          </a:p>
+        </p:txBody>
+      </p:sp>
+      <p:sp>
+        <p:nvSpPr>
+          <p:cNvPr id="3" name="TextBox 2">
+            <a:extLst>
+              <a:ext uri="{FF2B5EF4-FFF2-40B4-BE49-F238E27FC236}">
+                <a16:creationId xmlns:a16="http://schemas.microsoft.com/office/drawing/2014/main" id="{CD6FAA0C-5DF9-4201-8D49-DB717CAC5052}"/>
+              </a:ext>
+            </a:extLst>
+          </p:cNvPr>
+          <p:cNvSpPr txBox="1"/>
+          <p:nvPr/>
+        </p:nvSpPr>
+        <p:spPr>
+          <a:xfrm>
+            <a:off x="1" y="116632"/>
+            <a:ext cx="12188824" cy="1321131"/>
+          </a:xfrm>
+          <a:prstGeom prst="rect">
+            <a:avLst/>
+          </a:prstGeom>
+          <a:noFill/>
+        </p:spPr>
+        <p:txBody>
+          <a:bodyPr wrap="square" rtlCol="0">
+            <a:spAutoFit/>
+          </a:bodyPr>
+          <a:lstStyle/>
+          <a:p>
+            <a:pPr algn="ctr">
+              <a:lnSpc>
+                <a:spcPct val="107000"/>
+              </a:lnSpc>
+              <a:spcAft>
+                <a:spcPts val="800"/>
+              </a:spcAft>
+            </a:pPr>
+            <a:r>
+              <a:rPr lang="en-US" sz="1800" b="1" dirty="0">
+                <a:effectLst/>
+                <a:latin typeface="Times New Roman" panose="02020603050405020304" pitchFamily="18" charset="0"/>
+                <a:ea typeface="Calibri" panose="020F0502020204030204" pitchFamily="34" charset="0"/>
+                <a:cs typeface="Times New Roman" panose="02020603050405020304" pitchFamily="18" charset="0"/>
+              </a:rPr>
+              <a:t>ĐẠI HỌC QUỐC GIA HÀ NỘI</a:t>
+            </a:r>
+            <a:endParaRPr lang="en-US" sz="1800" dirty="0">
+              <a:effectLst/>
+              <a:latin typeface="Arial" panose="020B0604020202020204" pitchFamily="34" charset="0"/>
+              <a:ea typeface="Calibri" panose="020F0502020204030204" pitchFamily="34" charset="0"/>
+              <a:cs typeface="Times New Roman" panose="02020603050405020304" pitchFamily="18" charset="0"/>
+            </a:endParaRPr>
+          </a:p>
+          <a:p>
+            <a:pPr algn="ctr">
+              <a:lnSpc>
+                <a:spcPct val="107000"/>
+              </a:lnSpc>
+              <a:spcAft>
+                <a:spcPts val="800"/>
+              </a:spcAft>
+              <a:tabLst>
+                <a:tab pos="2806700" algn="l"/>
+              </a:tabLst>
+            </a:pPr>
+            <a:r>
+              <a:rPr lang="en-US" sz="1800" b="1" dirty="0">
+                <a:effectLst/>
+                <a:latin typeface="Times New Roman" panose="02020603050405020304" pitchFamily="18" charset="0"/>
+                <a:ea typeface="Calibri" panose="020F0502020204030204" pitchFamily="34" charset="0"/>
+                <a:cs typeface="Times New Roman" panose="02020603050405020304" pitchFamily="18" charset="0"/>
+              </a:rPr>
+              <a:t>TRƯỜNG ĐẠI HỌC CÔNG NGHỆ</a:t>
+            </a:r>
+            <a:endParaRPr lang="en-US" sz="1800" dirty="0">
+              <a:effectLst/>
+              <a:latin typeface="Arial" panose="020B0604020202020204" pitchFamily="34" charset="0"/>
+              <a:ea typeface="Calibri" panose="020F0502020204030204" pitchFamily="34" charset="0"/>
+              <a:cs typeface="Times New Roman" panose="02020603050405020304" pitchFamily="18" charset="0"/>
+            </a:endParaRPr>
+          </a:p>
+          <a:p>
+            <a:endParaRPr lang="en-US" sz="2800" dirty="0"/>
+          </a:p>
+        </p:txBody>
+      </p:sp>
+      <p:pic>
+        <p:nvPicPr>
+          <p:cNvPr id="6" name="Picture 5" descr="Káº¿t quáº£ hÃ¬nh áº£nh cho Äáº¡i há»c cÃ´ng nghá»">
+            <a:extLst>
+              <a:ext uri="{FF2B5EF4-FFF2-40B4-BE49-F238E27FC236}">
+                <a16:creationId xmlns:a16="http://schemas.microsoft.com/office/drawing/2014/main" id="{1C4A623E-736B-461A-98E3-011CCEE47573}"/>
+              </a:ext>
+            </a:extLst>
+          </p:cNvPr>
+          <p:cNvPicPr/>
+          <p:nvPr/>
+        </p:nvPicPr>
+        <p:blipFill>
+          <a:blip r:embed="rId2">
+            <a:extLst>
+              <a:ext uri="{28A0092B-C50C-407E-A947-70E740481C1C}">
+                <a14:useLocalDpi xmlns:a14="http://schemas.microsoft.com/office/drawing/2010/main" val="0"/>
+              </a:ext>
+            </a:extLst>
+          </a:blip>
+          <a:srcRect/>
+          <a:stretch>
+            <a:fillRect/>
+          </a:stretch>
+        </p:blipFill>
+        <p:spPr bwMode="auto">
+          <a:xfrm>
+            <a:off x="5446340" y="908720"/>
+            <a:ext cx="1440159" cy="1368152"/>
+          </a:xfrm>
+          <a:prstGeom prst="rect">
+            <a:avLst/>
+          </a:prstGeom>
+          <a:noFill/>
+          <a:ln>
+            <a:noFill/>
+          </a:ln>
+        </p:spPr>
+      </p:pic>
+      <p:sp>
+        <p:nvSpPr>
+          <p:cNvPr id="7" name="TextBox 6">
+            <a:extLst>
+              <a:ext uri="{FF2B5EF4-FFF2-40B4-BE49-F238E27FC236}">
+                <a16:creationId xmlns:a16="http://schemas.microsoft.com/office/drawing/2014/main" id="{DBCC8F5B-C80C-4E60-967C-EBDBD49618D5}"/>
+              </a:ext>
+            </a:extLst>
+          </p:cNvPr>
+          <p:cNvSpPr txBox="1"/>
+          <p:nvPr/>
+        </p:nvSpPr>
+        <p:spPr>
+          <a:xfrm>
+            <a:off x="4366220" y="6237312"/>
+            <a:ext cx="2024913" cy="523220"/>
+          </a:xfrm>
+          <a:prstGeom prst="rect">
+            <a:avLst/>
+          </a:prstGeom>
+          <a:noFill/>
+        </p:spPr>
+        <p:txBody>
+          <a:bodyPr wrap="none" rtlCol="0">
+            <a:spAutoFit/>
+          </a:bodyPr>
+          <a:lstStyle/>
+          <a:p>
+            <a:r>
+              <a:rPr lang="en-US" sz="2800" dirty="0" err="1"/>
+              <a:t>Hà</a:t>
+            </a:r>
+            <a:r>
+              <a:rPr lang="en-US" sz="2800" dirty="0"/>
+              <a:t> </a:t>
+            </a:r>
+            <a:r>
+              <a:rPr lang="en-US" sz="2800" dirty="0" err="1"/>
+              <a:t>nội</a:t>
+            </a:r>
+            <a:r>
+              <a:rPr lang="en-US" sz="2800" dirty="0"/>
+              <a:t>, 2021</a:t>
             </a:r>
           </a:p>
         </p:txBody>
@@ -5438,8 +5617,39 @@
 </file>
 
 <file path=ppt/slides/slide10.xml><?xml version="1.0" encoding="utf-8"?>
-<p:sld xmlns:a="http://schemas.openxmlformats.org/drawingml/2006/main" xmlns:r="http://schemas.openxmlformats.org/officeDocument/2006/relationships" xmlns:p="http://schemas.openxmlformats.org/presentationml/2006/main">
+<p:sld xmlns:a="http://schemas.openxmlformats.org/drawingml/2006/main" xmlns:r="http://schemas.openxmlformats.org/officeDocument/2006/relationships" xmlns:p="http://schemas.openxmlformats.org/presentationml/2006/main" show="0">
   <p:cSld>
+    <p:bg>
+      <p:bgPr>
+        <a:gradFill flip="none" rotWithShape="1">
+          <a:gsLst>
+            <a:gs pos="70000">
+              <a:schemeClr val="bg2">
+                <a:tint val="100000"/>
+                <a:shade val="0"/>
+                <a:satMod val="100000"/>
+              </a:schemeClr>
+            </a:gs>
+            <a:gs pos="100000">
+              <a:schemeClr val="bg2">
+                <a:tint val="100000"/>
+                <a:shade val="30000"/>
+                <a:satMod val="100000"/>
+              </a:schemeClr>
+            </a:gs>
+            <a:gs pos="48000">
+              <a:schemeClr val="bg2">
+                <a:shade val="60000"/>
+                <a:satMod val="100000"/>
+              </a:schemeClr>
+            </a:gs>
+          </a:gsLst>
+          <a:lin ang="3600000" scaled="0"/>
+          <a:tileRect/>
+        </a:gradFill>
+        <a:effectLst/>
+      </p:bgPr>
+    </p:bg>
     <p:spTree>
       <p:nvGrpSpPr>
         <p:cNvPr id="1" name=""/>
@@ -5532,7 +5742,7 @@
         <p:spPr>
           <a:xfrm>
             <a:off x="1218883" y="1556792"/>
-            <a:ext cx="5078677" cy="4615408"/>
+            <a:ext cx="10276129" cy="4615408"/>
           </a:xfrm>
         </p:spPr>
         <p:txBody>
@@ -5542,55 +5752,55 @@
             <a:pPr algn="just"/>
             <a:r>
               <a:rPr lang="en-US" dirty="0" err="1"/>
-              <a:t>Đột</a:t>
-            </a:r>
-            <a:r>
-              <a:rPr lang="en-US" dirty="0"/>
-              <a:t> </a:t>
-            </a:r>
-            <a:r>
-              <a:rPr lang="en-US" dirty="0" err="1"/>
-              <a:t>biến</a:t>
-            </a:r>
-            <a:r>
-              <a:rPr lang="en-US" dirty="0"/>
-              <a:t>: </a:t>
-            </a:r>
-            <a:r>
-              <a:rPr lang="en-US" dirty="0" err="1"/>
-              <a:t>Mong</a:t>
-            </a:r>
-            <a:r>
-              <a:rPr lang="en-US" dirty="0"/>
-              <a:t> </a:t>
-            </a:r>
-            <a:r>
-              <a:rPr lang="en-US" dirty="0" err="1"/>
-              <a:t>muốn</a:t>
-            </a:r>
-            <a:r>
-              <a:rPr lang="en-US" dirty="0"/>
-              <a:t> </a:t>
-            </a:r>
-            <a:r>
-              <a:rPr lang="en-US" dirty="0" err="1"/>
-              <a:t>tạo</a:t>
-            </a:r>
-            <a:r>
-              <a:rPr lang="en-US" dirty="0"/>
-              <a:t> ra </a:t>
-            </a:r>
-            <a:r>
-              <a:rPr lang="en-US" dirty="0" err="1"/>
-              <a:t>một</a:t>
-            </a:r>
-            <a:r>
-              <a:rPr lang="en-US" dirty="0"/>
-              <a:t> </a:t>
-            </a:r>
-            <a:r>
-              <a:rPr lang="en-US" dirty="0" err="1"/>
-              <a:t>cá</a:t>
+              <a:t>Đánh</a:t>
+            </a:r>
+            <a:r>
+              <a:rPr lang="en-US" dirty="0"/>
+              <a:t> </a:t>
+            </a:r>
+            <a:r>
+              <a:rPr lang="en-US" dirty="0" err="1"/>
+              <a:t>giá</a:t>
+            </a:r>
+            <a:r>
+              <a:rPr lang="en-US" dirty="0"/>
+              <a:t> </a:t>
+            </a:r>
+            <a:r>
+              <a:rPr lang="en-US" dirty="0" err="1"/>
+              <a:t>độ</a:t>
+            </a:r>
+            <a:r>
+              <a:rPr lang="en-US" dirty="0"/>
+              <a:t> </a:t>
+            </a:r>
+            <a:r>
+              <a:rPr lang="en-US" dirty="0" err="1"/>
+              <a:t>thích</a:t>
+            </a:r>
+            <a:r>
+              <a:rPr lang="en-US" dirty="0"/>
+              <a:t> </a:t>
+            </a:r>
+            <a:r>
+              <a:rPr lang="en-US" dirty="0" err="1"/>
+              <a:t>nghi</a:t>
+            </a:r>
+            <a:r>
+              <a:rPr lang="en-US" dirty="0"/>
+              <a:t> </a:t>
+            </a:r>
+            <a:r>
+              <a:rPr lang="en-US" dirty="0" err="1"/>
+              <a:t>của</a:t>
+            </a:r>
+            <a:r>
+              <a:rPr lang="en-US" dirty="0"/>
+              <a:t> </a:t>
+            </a:r>
+            <a:r>
+              <a:rPr lang="en-US" dirty="0" err="1"/>
+              <a:t>quần</a:t>
             </a:r>
             <a:r>
               <a:rPr lang="en-US" dirty="0"/>
@@ -5600,108 +5810,86 @@
               <a:rPr lang="en-US" dirty="0" err="1"/>
               <a:t>thể</a:t>
             </a:r>
-            <a:r>
-              <a:rPr lang="en-US" dirty="0"/>
-              <a:t> </a:t>
-            </a:r>
-            <a:r>
-              <a:rPr lang="en-US" dirty="0" err="1"/>
-              <a:t>mới</a:t>
-            </a:r>
-            <a:r>
-              <a:rPr lang="en-US" dirty="0"/>
-              <a:t> có </a:t>
-            </a:r>
-            <a:r>
-              <a:rPr lang="en-US" dirty="0" err="1"/>
-              <a:t>sức</a:t>
-            </a:r>
-            <a:r>
-              <a:rPr lang="en-US" dirty="0"/>
-              <a:t> </a:t>
-            </a:r>
-            <a:r>
-              <a:rPr lang="en-US" dirty="0" err="1"/>
-              <a:t>khỏe</a:t>
-            </a:r>
-            <a:r>
-              <a:rPr lang="en-US" dirty="0"/>
-              <a:t> </a:t>
-            </a:r>
-            <a:r>
-              <a:rPr lang="en-US" dirty="0" err="1"/>
-              <a:t>tốt</a:t>
-            </a:r>
-            <a:r>
-              <a:rPr lang="en-US" dirty="0"/>
-              <a:t> hơn </a:t>
-            </a:r>
-            <a:r>
-              <a:rPr lang="en-US" dirty="0" err="1"/>
-              <a:t>cá</a:t>
-            </a:r>
-            <a:r>
-              <a:rPr lang="en-US" dirty="0"/>
-              <a:t> </a:t>
-            </a:r>
-            <a:r>
-              <a:rPr lang="en-US" dirty="0" err="1"/>
-              <a:t>thể</a:t>
-            </a:r>
-            <a:r>
-              <a:rPr lang="en-US" dirty="0"/>
-              <a:t> </a:t>
-            </a:r>
-            <a:r>
-              <a:rPr lang="en-US" dirty="0" err="1"/>
-              <a:t>cũ</a:t>
-            </a:r>
-            <a:r>
-              <a:rPr lang="en-US" dirty="0"/>
-              <a:t>.</a:t>
-            </a:r>
+            <a:endParaRPr lang="en-US" dirty="0"/>
+          </a:p>
+          <a:p>
+            <a:pPr algn="just"/>
+            <a:r>
+              <a:rPr lang="en-US" dirty="0" err="1"/>
+              <a:t>Điều</a:t>
+            </a:r>
+            <a:r>
+              <a:rPr lang="en-US" dirty="0"/>
+              <a:t> </a:t>
+            </a:r>
+            <a:r>
+              <a:rPr lang="en-US" dirty="0" err="1"/>
+              <a:t>kiện</a:t>
+            </a:r>
+            <a:r>
+              <a:rPr lang="en-US" dirty="0"/>
+              <a:t> </a:t>
+            </a:r>
+            <a:r>
+              <a:rPr lang="en-US" dirty="0" err="1"/>
+              <a:t>dừng</a:t>
+            </a:r>
+            <a:r>
+              <a:rPr lang="en-US" dirty="0"/>
+              <a:t> </a:t>
+            </a:r>
+            <a:r>
+              <a:rPr lang="en-US" dirty="0" err="1"/>
+              <a:t>thuật</a:t>
+            </a:r>
+            <a:r>
+              <a:rPr lang="en-US" dirty="0"/>
+              <a:t> </a:t>
+            </a:r>
+            <a:r>
+              <a:rPr lang="en-US" dirty="0" err="1"/>
+              <a:t>toán</a:t>
+            </a:r>
+            <a:endParaRPr lang="en-US" dirty="0"/>
+          </a:p>
+          <a:p>
+            <a:pPr algn="just"/>
+            <a:r>
+              <a:rPr lang="en-US" dirty="0" err="1"/>
+              <a:t>Chọn</a:t>
+            </a:r>
+            <a:r>
+              <a:rPr lang="en-US" dirty="0"/>
+              <a:t> </a:t>
+            </a:r>
+            <a:r>
+              <a:rPr lang="en-US" dirty="0" err="1"/>
+              <a:t>lọc</a:t>
+            </a:r>
+            <a:r>
+              <a:rPr lang="en-US" dirty="0"/>
+              <a:t> </a:t>
+            </a:r>
+            <a:r>
+              <a:rPr lang="en-US" dirty="0" err="1"/>
+              <a:t>tự</a:t>
+            </a:r>
+            <a:r>
+              <a:rPr lang="en-US" dirty="0"/>
+              <a:t> </a:t>
+            </a:r>
+            <a:r>
+              <a:rPr lang="en-US" dirty="0" err="1"/>
+              <a:t>nhiên</a:t>
+            </a:r>
+            <a:endParaRPr lang="en-US" dirty="0"/>
           </a:p>
         </p:txBody>
       </p:sp>
-      <p:pic>
-        <p:nvPicPr>
-          <p:cNvPr id="6" name="Content Placeholder 5">
-            <a:extLst>
-              <a:ext uri="{FF2B5EF4-FFF2-40B4-BE49-F238E27FC236}">
-                <a16:creationId xmlns:a16="http://schemas.microsoft.com/office/drawing/2014/main" id="{D75F4610-7E12-438F-83EB-3B5BE68E153D}"/>
-              </a:ext>
-            </a:extLst>
-          </p:cNvPr>
-          <p:cNvPicPr>
-            <a:picLocks noGrp="1" noChangeAspect="1"/>
-          </p:cNvPicPr>
-          <p:nvPr>
-            <p:ph sz="quarter" idx="4"/>
-          </p:nvPr>
-        </p:nvPicPr>
-        <p:blipFill>
-          <a:blip r:embed="rId2">
-            <a:extLst>
-              <a:ext uri="{28A0092B-C50C-407E-A947-70E740481C1C}">
-                <a14:useLocalDpi xmlns:a14="http://schemas.microsoft.com/office/drawing/2010/main" val="0"/>
-              </a:ext>
-            </a:extLst>
-          </a:blip>
-          <a:stretch>
-            <a:fillRect/>
-          </a:stretch>
-        </p:blipFill>
-        <p:spPr>
-          <a:xfrm>
-            <a:off x="6827096" y="1700808"/>
-            <a:ext cx="4235868" cy="4471392"/>
-          </a:xfrm>
-        </p:spPr>
-      </p:pic>
     </p:spTree>
     <p:extLst>
       <p:ext uri="{BB962C8B-B14F-4D97-AF65-F5344CB8AC3E}">
-        <p14:creationId xmlns:p14="http://schemas.microsoft.com/office/powerpoint/2010/main" val="185859060"/>
+        <p14:creationId xmlns:p14="http://schemas.microsoft.com/office/powerpoint/2010/main" val="4097645453"/>
       </p:ext>
     </p:extLst>
   </p:cSld>
@@ -5750,222 +5938,67 @@
             <p:ph type="title"/>
           </p:nvPr>
         </p:nvSpPr>
-        <p:spPr/>
+        <p:spPr>
+          <a:xfrm>
+            <a:off x="909835" y="44624"/>
+            <a:ext cx="4104457" cy="1223963"/>
+          </a:xfrm>
+        </p:spPr>
         <p:txBody>
           <a:bodyPr/>
           <a:lstStyle/>
           <a:p>
             <a:r>
-              <a:rPr lang="en-US" dirty="0" err="1"/>
-              <a:t>Phần</a:t>
-            </a:r>
-            <a:r>
-              <a:rPr lang="en-US" dirty="0"/>
-              <a:t> 3. </a:t>
-            </a:r>
-            <a:r>
-              <a:rPr lang="en-US" dirty="0" err="1"/>
-              <a:t>Thử</a:t>
-            </a:r>
-            <a:r>
-              <a:rPr lang="en-US" dirty="0"/>
-              <a:t> </a:t>
-            </a:r>
-            <a:r>
-              <a:rPr lang="en-US" dirty="0" err="1"/>
-              <a:t>nghiệm</a:t>
-            </a:r>
-            <a:r>
-              <a:rPr lang="en-US" dirty="0"/>
-              <a:t> </a:t>
-            </a:r>
-            <a:r>
-              <a:rPr lang="en-US" dirty="0" err="1"/>
-              <a:t>và</a:t>
-            </a:r>
-            <a:r>
-              <a:rPr lang="en-US" dirty="0"/>
-              <a:t> </a:t>
-            </a:r>
-            <a:r>
-              <a:rPr lang="en-US" dirty="0" err="1"/>
-              <a:t>kết</a:t>
-            </a:r>
-            <a:r>
-              <a:rPr lang="en-US" dirty="0"/>
-              <a:t> </a:t>
-            </a:r>
-            <a:r>
-              <a:rPr lang="en-US" dirty="0" err="1"/>
-              <a:t>luận</a:t>
+              <a:rPr lang="en-US" dirty="0"/>
+              <a:t>Lai </a:t>
+            </a:r>
+            <a:r>
+              <a:rPr lang="en-US" dirty="0" err="1"/>
+              <a:t>tạo</a:t>
             </a:r>
             <a:endParaRPr lang="en-US" dirty="0"/>
           </a:p>
         </p:txBody>
       </p:sp>
-      <p:sp>
-        <p:nvSpPr>
-          <p:cNvPr id="14" name="Content Placeholder 13"/>
-          <p:cNvSpPr>
-            <a:spLocks noGrp="1"/>
-          </p:cNvSpPr>
+      <p:pic>
+        <p:nvPicPr>
+          <p:cNvPr id="6" name="Content Placeholder 5">
+            <a:extLst>
+              <a:ext uri="{FF2B5EF4-FFF2-40B4-BE49-F238E27FC236}">
+                <a16:creationId xmlns:a16="http://schemas.microsoft.com/office/drawing/2014/main" id="{C8E11ADD-724A-4DED-8B19-174C3E523F31}"/>
+              </a:ext>
+            </a:extLst>
+          </p:cNvPr>
+          <p:cNvPicPr>
+            <a:picLocks noGrp="1" noChangeAspect="1"/>
+          </p:cNvPicPr>
           <p:nvPr>
-            <p:ph idx="1"/>
+            <p:ph sz="quarter" idx="4"/>
           </p:nvPr>
-        </p:nvSpPr>
-        <p:spPr/>
-        <p:txBody>
-          <a:bodyPr/>
-          <a:lstStyle/>
-          <a:p>
-            <a:pPr marL="514350" indent="-514350">
-              <a:buFont typeface="+mj-lt"/>
-              <a:buAutoNum type="arabicPeriod"/>
-            </a:pPr>
-            <a:r>
-              <a:rPr lang="en-US" dirty="0" err="1"/>
-              <a:t>Giải</a:t>
-            </a:r>
-            <a:r>
-              <a:rPr lang="en-US" dirty="0"/>
-              <a:t> </a:t>
-            </a:r>
-            <a:r>
-              <a:rPr lang="en-US" dirty="0" err="1"/>
-              <a:t>thuật</a:t>
-            </a:r>
-            <a:r>
-              <a:rPr lang="en-US" dirty="0"/>
-              <a:t> </a:t>
-            </a:r>
-            <a:r>
-              <a:rPr lang="en-US" dirty="0" err="1"/>
-              <a:t>cắt</a:t>
-            </a:r>
-            <a:r>
-              <a:rPr lang="en-US" dirty="0"/>
-              <a:t> </a:t>
-            </a:r>
-            <a:r>
-              <a:rPr lang="en-US" dirty="0" err="1"/>
-              <a:t>nhanh</a:t>
-            </a:r>
-            <a:endParaRPr lang="en-US" dirty="0"/>
-          </a:p>
-          <a:p>
-            <a:pPr marL="514350" indent="-514350">
-              <a:buFont typeface="+mj-lt"/>
-              <a:buAutoNum type="arabicPeriod"/>
-            </a:pPr>
-            <a:r>
-              <a:rPr lang="en-US" dirty="0" err="1"/>
-              <a:t>Giải</a:t>
-            </a:r>
-            <a:r>
-              <a:rPr lang="en-US" dirty="0"/>
-              <a:t> </a:t>
-            </a:r>
-            <a:r>
-              <a:rPr lang="en-US" dirty="0" err="1"/>
-              <a:t>thuật</a:t>
-            </a:r>
-            <a:r>
-              <a:rPr lang="en-US" dirty="0"/>
-              <a:t> </a:t>
-            </a:r>
-            <a:r>
-              <a:rPr lang="en-US" dirty="0" err="1"/>
-              <a:t>cắt</a:t>
-            </a:r>
-            <a:r>
-              <a:rPr lang="en-US" dirty="0"/>
-              <a:t> </a:t>
-            </a:r>
-            <a:r>
-              <a:rPr lang="en-US" dirty="0" err="1"/>
-              <a:t>tiết</a:t>
-            </a:r>
-            <a:r>
-              <a:rPr lang="en-US" dirty="0"/>
-              <a:t> </a:t>
-            </a:r>
-            <a:r>
-              <a:rPr lang="en-US" dirty="0" err="1"/>
-              <a:t>kiệm</a:t>
-            </a:r>
-            <a:endParaRPr lang="en-US" dirty="0"/>
-          </a:p>
-          <a:p>
-            <a:pPr marL="514350" indent="-514350">
-              <a:buFont typeface="+mj-lt"/>
-              <a:buAutoNum type="arabicPeriod"/>
-            </a:pPr>
-            <a:r>
-              <a:rPr lang="en-US" dirty="0" err="1"/>
-              <a:t>Giải</a:t>
-            </a:r>
-            <a:r>
-              <a:rPr lang="en-US" dirty="0"/>
-              <a:t> </a:t>
-            </a:r>
-            <a:r>
-              <a:rPr lang="en-US" dirty="0" err="1"/>
-              <a:t>thuật</a:t>
-            </a:r>
-            <a:r>
-              <a:rPr lang="en-US" dirty="0"/>
-              <a:t> </a:t>
-            </a:r>
-            <a:r>
-              <a:rPr lang="en-US" dirty="0" err="1"/>
-              <a:t>quy</a:t>
-            </a:r>
-            <a:r>
-              <a:rPr lang="en-US" dirty="0"/>
-              <a:t> </a:t>
-            </a:r>
-            <a:r>
-              <a:rPr lang="en-US" dirty="0" err="1"/>
-              <a:t>hoạch</a:t>
-            </a:r>
-            <a:r>
-              <a:rPr lang="en-US" dirty="0"/>
-              <a:t> </a:t>
-            </a:r>
-            <a:r>
-              <a:rPr lang="en-US" dirty="0" err="1"/>
-              <a:t>tuyến</a:t>
-            </a:r>
-            <a:r>
-              <a:rPr lang="en-US" dirty="0"/>
-              <a:t> </a:t>
-            </a:r>
-            <a:r>
-              <a:rPr lang="en-US" dirty="0" err="1"/>
-              <a:t>tính</a:t>
-            </a:r>
-            <a:r>
-              <a:rPr lang="en-US" dirty="0"/>
-              <a:t>(so </a:t>
-            </a:r>
-            <a:r>
-              <a:rPr lang="en-US" dirty="0" err="1"/>
-              <a:t>sánh</a:t>
-            </a:r>
-            <a:r>
-              <a:rPr lang="en-US" dirty="0"/>
-              <a:t>)</a:t>
-            </a:r>
-          </a:p>
-          <a:p>
-            <a:endParaRPr lang="en-US" dirty="0"/>
-          </a:p>
-        </p:txBody>
-      </p:sp>
+        </p:nvPicPr>
+        <p:blipFill>
+          <a:blip r:embed="rId2">
+            <a:extLst>
+              <a:ext uri="{28A0092B-C50C-407E-A947-70E740481C1C}">
+                <a14:useLocalDpi xmlns:a14="http://schemas.microsoft.com/office/drawing/2010/main" val="0"/>
+              </a:ext>
+            </a:extLst>
+          </a:blip>
+          <a:stretch>
+            <a:fillRect/>
+          </a:stretch>
+        </p:blipFill>
+        <p:spPr>
+          <a:xfrm>
+            <a:off x="5059163" y="0"/>
+            <a:ext cx="7129661" cy="6858000"/>
+          </a:xfrm>
+        </p:spPr>
+      </p:pic>
     </p:spTree>
     <p:extLst>
       <p:ext uri="{BB962C8B-B14F-4D97-AF65-F5344CB8AC3E}">
-        <p14:creationId xmlns:p14="http://schemas.microsoft.com/office/powerpoint/2010/main" val="3675889040"/>
+        <p14:creationId xmlns:p14="http://schemas.microsoft.com/office/powerpoint/2010/main" val="1652429280"/>
       </p:ext>
     </p:extLst>
   </p:cSld>
@@ -6014,6 +6047,119 @@
             <p:ph type="title"/>
           </p:nvPr>
         </p:nvSpPr>
+        <p:spPr>
+          <a:xfrm>
+            <a:off x="1218883" y="274637"/>
+            <a:ext cx="2067217" cy="1223963"/>
+          </a:xfrm>
+        </p:spPr>
+        <p:txBody>
+          <a:bodyPr/>
+          <a:lstStyle/>
+          <a:p>
+            <a:r>
+              <a:rPr lang="en-US" dirty="0" err="1"/>
+              <a:t>Đột</a:t>
+            </a:r>
+            <a:r>
+              <a:rPr lang="en-US" dirty="0"/>
+              <a:t> </a:t>
+            </a:r>
+            <a:r>
+              <a:rPr lang="en-US" dirty="0" err="1"/>
+              <a:t>biến</a:t>
+            </a:r>
+            <a:endParaRPr lang="en-US" dirty="0"/>
+          </a:p>
+        </p:txBody>
+      </p:sp>
+      <p:pic>
+        <p:nvPicPr>
+          <p:cNvPr id="6" name="Content Placeholder 5">
+            <a:extLst>
+              <a:ext uri="{FF2B5EF4-FFF2-40B4-BE49-F238E27FC236}">
+                <a16:creationId xmlns:a16="http://schemas.microsoft.com/office/drawing/2014/main" id="{D75F4610-7E12-438F-83EB-3B5BE68E153D}"/>
+              </a:ext>
+            </a:extLst>
+          </p:cNvPr>
+          <p:cNvPicPr>
+            <a:picLocks noGrp="1" noChangeAspect="1"/>
+          </p:cNvPicPr>
+          <p:nvPr>
+            <p:ph sz="quarter" idx="4"/>
+          </p:nvPr>
+        </p:nvPicPr>
+        <p:blipFill>
+          <a:blip r:embed="rId2">
+            <a:extLst>
+              <a:ext uri="{28A0092B-C50C-407E-A947-70E740481C1C}">
+                <a14:useLocalDpi xmlns:a14="http://schemas.microsoft.com/office/drawing/2010/main" val="0"/>
+              </a:ext>
+            </a:extLst>
+          </a:blip>
+          <a:stretch>
+            <a:fillRect/>
+          </a:stretch>
+        </p:blipFill>
+        <p:spPr>
+          <a:xfrm>
+            <a:off x="5086300" y="16986"/>
+            <a:ext cx="7102525" cy="6841013"/>
+          </a:xfrm>
+        </p:spPr>
+      </p:pic>
+    </p:spTree>
+    <p:extLst>
+      <p:ext uri="{BB962C8B-B14F-4D97-AF65-F5344CB8AC3E}">
+        <p14:creationId xmlns:p14="http://schemas.microsoft.com/office/powerpoint/2010/main" val="185859060"/>
+      </p:ext>
+    </p:extLst>
+  </p:cSld>
+  <p:clrMapOvr>
+    <a:masterClrMapping/>
+  </p:clrMapOvr>
+  <mc:AlternateContent xmlns:mc="http://schemas.openxmlformats.org/markup-compatibility/2006" xmlns:p14="http://schemas.microsoft.com/office/powerpoint/2010/main">
+    <mc:Choice Requires="p14">
+      <p:transition spd="med" p14:dur="700">
+        <p:fade/>
+      </p:transition>
+    </mc:Choice>
+    <mc:Fallback xmlns="">
+      <p:transition spd="med">
+        <p:fade/>
+      </p:transition>
+    </mc:Fallback>
+  </mc:AlternateContent>
+</p:sld>
+</file>
+
+<file path=ppt/slides/slide13.xml><?xml version="1.0" encoding="utf-8"?>
+<p:sld xmlns:a="http://schemas.openxmlformats.org/drawingml/2006/main" xmlns:r="http://schemas.openxmlformats.org/officeDocument/2006/relationships" xmlns:p="http://schemas.openxmlformats.org/presentationml/2006/main">
+  <p:cSld>
+    <p:spTree>
+      <p:nvGrpSpPr>
+        <p:cNvPr id="1" name=""/>
+        <p:cNvGrpSpPr/>
+        <p:nvPr/>
+      </p:nvGrpSpPr>
+      <p:grpSpPr>
+        <a:xfrm>
+          <a:off x="0" y="0"/>
+          <a:ext cx="0" cy="0"/>
+          <a:chOff x="0" y="0"/>
+          <a:chExt cx="0" cy="0"/>
+        </a:xfrm>
+      </p:grpSpPr>
+      <p:sp>
+        <p:nvSpPr>
+          <p:cNvPr id="13" name="Title 12"/>
+          <p:cNvSpPr>
+            <a:spLocks noGrp="1"/>
+          </p:cNvSpPr>
+          <p:nvPr>
+            <p:ph type="title"/>
+          </p:nvPr>
+        </p:nvSpPr>
         <p:spPr/>
         <p:txBody>
           <a:bodyPr/>
@@ -6021,6 +6167,14 @@
           <a:p>
             <a:r>
               <a:rPr lang="en-US" dirty="0" err="1"/>
+              <a:t>Phần</a:t>
+            </a:r>
+            <a:r>
+              <a:rPr lang="en-US" dirty="0"/>
+              <a:t> 3. </a:t>
+            </a:r>
+            <a:r>
+              <a:rPr lang="en-US" dirty="0" err="1"/>
               <a:t>Thử</a:t>
             </a:r>
             <a:r>
@@ -6030,22 +6184,6 @@
             <a:r>
               <a:rPr lang="en-US" dirty="0" err="1"/>
               <a:t>nghiệm</a:t>
-            </a:r>
-            <a:r>
-              <a:rPr lang="en-US" dirty="0"/>
-              <a:t> </a:t>
-            </a:r>
-            <a:r>
-              <a:rPr lang="en-US" dirty="0" err="1"/>
-              <a:t>thứ</a:t>
-            </a:r>
-            <a:r>
-              <a:rPr lang="en-US" dirty="0"/>
-              <a:t> </a:t>
-            </a:r>
-            <a:r>
-              <a:rPr lang="en-US" dirty="0" err="1"/>
-              <a:t>nhất</a:t>
             </a:r>
             <a:endParaRPr lang="en-US" dirty="0"/>
           </a:p>
@@ -6066,6 +6204,243 @@
           <a:bodyPr/>
           <a:lstStyle/>
           <a:p>
+            <a:pPr marL="514350" indent="-514350">
+              <a:buFont typeface="+mj-lt"/>
+              <a:buAutoNum type="arabicPeriod"/>
+            </a:pPr>
+            <a:r>
+              <a:rPr lang="en-US" dirty="0" err="1"/>
+              <a:t>Giải</a:t>
+            </a:r>
+            <a:r>
+              <a:rPr lang="en-US" dirty="0"/>
+              <a:t> </a:t>
+            </a:r>
+            <a:r>
+              <a:rPr lang="en-US" dirty="0" err="1"/>
+              <a:t>thuật</a:t>
+            </a:r>
+            <a:r>
+              <a:rPr lang="en-US" dirty="0"/>
+              <a:t> </a:t>
+            </a:r>
+            <a:r>
+              <a:rPr lang="en-US" dirty="0" err="1"/>
+              <a:t>cắt</a:t>
+            </a:r>
+            <a:r>
+              <a:rPr lang="en-US" dirty="0"/>
+              <a:t> </a:t>
+            </a:r>
+            <a:r>
+              <a:rPr lang="en-US" dirty="0" err="1"/>
+              <a:t>nhanh</a:t>
+            </a:r>
+            <a:endParaRPr lang="en-US" dirty="0"/>
+          </a:p>
+          <a:p>
+            <a:pPr marL="514350" indent="-514350">
+              <a:buFont typeface="+mj-lt"/>
+              <a:buAutoNum type="arabicPeriod"/>
+            </a:pPr>
+            <a:r>
+              <a:rPr lang="en-US" dirty="0" err="1"/>
+              <a:t>Giải</a:t>
+            </a:r>
+            <a:r>
+              <a:rPr lang="en-US" dirty="0"/>
+              <a:t> </a:t>
+            </a:r>
+            <a:r>
+              <a:rPr lang="en-US" dirty="0" err="1"/>
+              <a:t>thuật</a:t>
+            </a:r>
+            <a:r>
+              <a:rPr lang="en-US" dirty="0"/>
+              <a:t> </a:t>
+            </a:r>
+            <a:r>
+              <a:rPr lang="en-US" dirty="0" err="1"/>
+              <a:t>cắt</a:t>
+            </a:r>
+            <a:r>
+              <a:rPr lang="en-US" dirty="0"/>
+              <a:t> </a:t>
+            </a:r>
+            <a:r>
+              <a:rPr lang="en-US" dirty="0" err="1"/>
+              <a:t>tiết</a:t>
+            </a:r>
+            <a:r>
+              <a:rPr lang="en-US" dirty="0"/>
+              <a:t> </a:t>
+            </a:r>
+            <a:r>
+              <a:rPr lang="en-US" dirty="0" err="1"/>
+              <a:t>kiệm</a:t>
+            </a:r>
+            <a:endParaRPr lang="en-US" dirty="0"/>
+          </a:p>
+          <a:p>
+            <a:pPr marL="514350" indent="-514350">
+              <a:buFont typeface="+mj-lt"/>
+              <a:buAutoNum type="arabicPeriod"/>
+            </a:pPr>
+            <a:r>
+              <a:rPr lang="en-US" dirty="0" err="1"/>
+              <a:t>Giải</a:t>
+            </a:r>
+            <a:r>
+              <a:rPr lang="en-US" dirty="0"/>
+              <a:t> </a:t>
+            </a:r>
+            <a:r>
+              <a:rPr lang="en-US" dirty="0" err="1"/>
+              <a:t>thuật</a:t>
+            </a:r>
+            <a:r>
+              <a:rPr lang="en-US" dirty="0"/>
+              <a:t> </a:t>
+            </a:r>
+            <a:r>
+              <a:rPr lang="en-US" dirty="0" err="1"/>
+              <a:t>quy</a:t>
+            </a:r>
+            <a:r>
+              <a:rPr lang="en-US" dirty="0"/>
+              <a:t> </a:t>
+            </a:r>
+            <a:r>
+              <a:rPr lang="en-US" dirty="0" err="1"/>
+              <a:t>hoạch</a:t>
+            </a:r>
+            <a:r>
+              <a:rPr lang="en-US" dirty="0"/>
+              <a:t> </a:t>
+            </a:r>
+            <a:r>
+              <a:rPr lang="en-US" dirty="0" err="1"/>
+              <a:t>tuyến</a:t>
+            </a:r>
+            <a:r>
+              <a:rPr lang="en-US" dirty="0"/>
+              <a:t> </a:t>
+            </a:r>
+            <a:r>
+              <a:rPr lang="en-US" dirty="0" err="1"/>
+              <a:t>tính</a:t>
+            </a:r>
+            <a:endParaRPr lang="en-US" dirty="0"/>
+          </a:p>
+          <a:p>
+            <a:endParaRPr lang="en-US" dirty="0"/>
+          </a:p>
+        </p:txBody>
+      </p:sp>
+    </p:spTree>
+    <p:extLst>
+      <p:ext uri="{BB962C8B-B14F-4D97-AF65-F5344CB8AC3E}">
+        <p14:creationId xmlns:p14="http://schemas.microsoft.com/office/powerpoint/2010/main" val="3675889040"/>
+      </p:ext>
+    </p:extLst>
+  </p:cSld>
+  <p:clrMapOvr>
+    <a:masterClrMapping/>
+  </p:clrMapOvr>
+  <mc:AlternateContent xmlns:mc="http://schemas.openxmlformats.org/markup-compatibility/2006" xmlns:p14="http://schemas.microsoft.com/office/powerpoint/2010/main">
+    <mc:Choice Requires="p14">
+      <p:transition spd="med" p14:dur="700">
+        <p:fade/>
+      </p:transition>
+    </mc:Choice>
+    <mc:Fallback xmlns="">
+      <p:transition spd="med">
+        <p:fade/>
+      </p:transition>
+    </mc:Fallback>
+  </mc:AlternateContent>
+</p:sld>
+</file>
+
+<file path=ppt/slides/slide14.xml><?xml version="1.0" encoding="utf-8"?>
+<p:sld xmlns:a="http://schemas.openxmlformats.org/drawingml/2006/main" xmlns:r="http://schemas.openxmlformats.org/officeDocument/2006/relationships" xmlns:p="http://schemas.openxmlformats.org/presentationml/2006/main">
+  <p:cSld>
+    <p:spTree>
+      <p:nvGrpSpPr>
+        <p:cNvPr id="1" name=""/>
+        <p:cNvGrpSpPr/>
+        <p:nvPr/>
+      </p:nvGrpSpPr>
+      <p:grpSpPr>
+        <a:xfrm>
+          <a:off x="0" y="0"/>
+          <a:ext cx="0" cy="0"/>
+          <a:chOff x="0" y="0"/>
+          <a:chExt cx="0" cy="0"/>
+        </a:xfrm>
+      </p:grpSpPr>
+      <p:sp>
+        <p:nvSpPr>
+          <p:cNvPr id="13" name="Title 12"/>
+          <p:cNvSpPr>
+            <a:spLocks noGrp="1"/>
+          </p:cNvSpPr>
+          <p:nvPr>
+            <p:ph type="title"/>
+          </p:nvPr>
+        </p:nvSpPr>
+        <p:spPr/>
+        <p:txBody>
+          <a:bodyPr/>
+          <a:lstStyle/>
+          <a:p>
+            <a:r>
+              <a:rPr lang="en-US" dirty="0" err="1"/>
+              <a:t>Thử</a:t>
+            </a:r>
+            <a:r>
+              <a:rPr lang="en-US" dirty="0"/>
+              <a:t> </a:t>
+            </a:r>
+            <a:r>
+              <a:rPr lang="en-US" dirty="0" err="1"/>
+              <a:t>nghiệm</a:t>
+            </a:r>
+            <a:r>
+              <a:rPr lang="en-US" dirty="0"/>
+              <a:t> </a:t>
+            </a:r>
+            <a:r>
+              <a:rPr lang="en-US" dirty="0" err="1"/>
+              <a:t>thứ</a:t>
+            </a:r>
+            <a:r>
+              <a:rPr lang="en-US" dirty="0"/>
+              <a:t> </a:t>
+            </a:r>
+            <a:r>
+              <a:rPr lang="en-US" dirty="0" err="1"/>
+              <a:t>nhất</a:t>
+            </a:r>
+            <a:endParaRPr lang="en-US" dirty="0"/>
+          </a:p>
+        </p:txBody>
+      </p:sp>
+      <p:sp>
+        <p:nvSpPr>
+          <p:cNvPr id="14" name="Content Placeholder 13"/>
+          <p:cNvSpPr>
+            <a:spLocks noGrp="1"/>
+          </p:cNvSpPr>
+          <p:nvPr>
+            <p:ph idx="1"/>
+          </p:nvPr>
+        </p:nvSpPr>
+        <p:spPr/>
+        <p:txBody>
+          <a:bodyPr/>
+          <a:lstStyle/>
+          <a:p>
             <a:r>
               <a:rPr lang="en-US" dirty="0" err="1"/>
               <a:t>Đơn</a:t>
@@ -6139,114 +6514,6 @@
             <a:r>
               <a:rPr lang="en-US" dirty="0"/>
               <a:t> 11.7m</a:t>
-            </a:r>
-          </a:p>
-          <a:p>
-            <a:r>
-              <a:rPr lang="en-US" dirty="0" err="1"/>
-              <a:t>Độ</a:t>
-            </a:r>
-            <a:r>
-              <a:rPr lang="en-US" dirty="0"/>
-              <a:t> </a:t>
-            </a:r>
-            <a:r>
-              <a:rPr lang="en-US" dirty="0" err="1"/>
-              <a:t>dày</a:t>
-            </a:r>
-            <a:r>
-              <a:rPr lang="en-US" dirty="0"/>
-              <a:t> </a:t>
-            </a:r>
-            <a:r>
-              <a:rPr lang="en-US" dirty="0" err="1"/>
-              <a:t>lưỡi</a:t>
-            </a:r>
-            <a:r>
-              <a:rPr lang="en-US" dirty="0"/>
-              <a:t> </a:t>
-            </a:r>
-            <a:r>
-              <a:rPr lang="en-US" dirty="0" err="1"/>
-              <a:t>cắt</a:t>
-            </a:r>
-            <a:r>
-              <a:rPr lang="en-US" dirty="0"/>
-              <a:t> </a:t>
-            </a:r>
-            <a:r>
-              <a:rPr lang="en-US" dirty="0" err="1"/>
-              <a:t>thép</a:t>
-            </a:r>
-            <a:r>
-              <a:rPr lang="en-US" dirty="0"/>
-              <a:t> 5mm</a:t>
-            </a:r>
-          </a:p>
-          <a:p>
-            <a:pPr>
-              <a:buFont typeface="Wingdings" panose="05000000000000000000" pitchFamily="2" charset="2"/>
-              <a:buChar char="Ø"/>
-            </a:pPr>
-            <a:r>
-              <a:rPr lang="en-US" dirty="0"/>
-              <a:t> </a:t>
-            </a:r>
-            <a:r>
-              <a:rPr lang="en-US" dirty="0" err="1"/>
-              <a:t>Kết</a:t>
-            </a:r>
-            <a:r>
-              <a:rPr lang="en-US" dirty="0"/>
-              <a:t> quả </a:t>
-            </a:r>
-            <a:r>
-              <a:rPr lang="en-US" dirty="0" err="1"/>
-              <a:t>của</a:t>
-            </a:r>
-            <a:r>
-              <a:rPr lang="en-US" dirty="0"/>
-              <a:t> </a:t>
-            </a:r>
-            <a:r>
-              <a:rPr lang="en-US" dirty="0" err="1"/>
-              <a:t>các</a:t>
-            </a:r>
-            <a:r>
-              <a:rPr lang="en-US" dirty="0"/>
-              <a:t> </a:t>
-            </a:r>
-            <a:r>
-              <a:rPr lang="en-US" dirty="0" err="1"/>
-              <a:t>thuật</a:t>
-            </a:r>
-            <a:r>
-              <a:rPr lang="en-US" dirty="0"/>
-              <a:t> </a:t>
-            </a:r>
-            <a:r>
-              <a:rPr lang="en-US" dirty="0" err="1"/>
-              <a:t>toán</a:t>
-            </a:r>
-            <a:r>
-              <a:rPr lang="en-US" dirty="0"/>
-              <a:t> </a:t>
-            </a:r>
-            <a:r>
-              <a:rPr lang="en-US" dirty="0" err="1"/>
-              <a:t>như</a:t>
-            </a:r>
-            <a:r>
-              <a:rPr lang="en-US" dirty="0"/>
-              <a:t> </a:t>
-            </a:r>
-            <a:r>
-              <a:rPr lang="en-US" dirty="0" err="1"/>
-              <a:t>sau</a:t>
-            </a:r>
-            <a:r>
-              <a:rPr lang="en-US" dirty="0"/>
-              <a:t>:</a:t>
             </a:r>
           </a:p>
         </p:txBody>
@@ -6266,7 +6533,7 @@
           <p:nvPr>
             <p:extLst>
               <p:ext uri="{D42A27DB-BD31-4B8C-83A1-F6EECF244321}">
-                <p14:modId xmlns:p14="http://schemas.microsoft.com/office/powerpoint/2010/main" val="836162023"/>
+                <p14:modId xmlns:p14="http://schemas.microsoft.com/office/powerpoint/2010/main" val="3008970755"/>
               </p:ext>
             </p:extLst>
           </p:nvPr>
@@ -6547,14 +6814,62 @@
                         </a:spcAft>
                       </a:pPr>
                       <a:r>
-                        <a:rPr lang="en-US" sz="1600">
+                        <a:rPr lang="en-US" sz="1600" dirty="0" err="1">
                           <a:effectLst/>
                           <a:latin typeface="Arial" panose="020B0604020202020204" pitchFamily="34" charset="0"/>
                           <a:cs typeface="Arial" panose="020B0604020202020204" pitchFamily="34" charset="0"/>
                         </a:rPr>
-                        <a:t>Quy hoạch tuyến tính</a:t>
+                        <a:t>Quy</a:t>
                       </a:r>
-                      <a:endParaRPr lang="en-US" sz="1600">
+                      <a:r>
+                        <a:rPr lang="en-US" sz="1600" dirty="0">
+                          <a:effectLst/>
+                          <a:latin typeface="Arial" panose="020B0604020202020204" pitchFamily="34" charset="0"/>
+                          <a:cs typeface="Arial" panose="020B0604020202020204" pitchFamily="34" charset="0"/>
+                        </a:rPr>
+                        <a:t> </a:t>
+                      </a:r>
+                      <a:r>
+                        <a:rPr lang="en-US" sz="1600" dirty="0" err="1">
+                          <a:effectLst/>
+                          <a:latin typeface="Arial" panose="020B0604020202020204" pitchFamily="34" charset="0"/>
+                          <a:cs typeface="Arial" panose="020B0604020202020204" pitchFamily="34" charset="0"/>
+                        </a:rPr>
+                        <a:t>hoạch</a:t>
+                      </a:r>
+                      <a:r>
+                        <a:rPr lang="en-US" sz="1600" dirty="0">
+                          <a:effectLst/>
+                          <a:latin typeface="Arial" panose="020B0604020202020204" pitchFamily="34" charset="0"/>
+                          <a:cs typeface="Arial" panose="020B0604020202020204" pitchFamily="34" charset="0"/>
+                        </a:rPr>
+                        <a:t> </a:t>
+                      </a:r>
+                      <a:r>
+                        <a:rPr lang="en-US" sz="1600" dirty="0" err="1">
+                          <a:effectLst/>
+                          <a:latin typeface="Arial" panose="020B0604020202020204" pitchFamily="34" charset="0"/>
+                          <a:cs typeface="Arial" panose="020B0604020202020204" pitchFamily="34" charset="0"/>
+                        </a:rPr>
+                        <a:t>tuyến</a:t>
+                      </a:r>
+                      <a:r>
+                        <a:rPr lang="en-US" sz="1600" dirty="0">
+                          <a:effectLst/>
+                          <a:latin typeface="Arial" panose="020B0604020202020204" pitchFamily="34" charset="0"/>
+                          <a:cs typeface="Arial" panose="020B0604020202020204" pitchFamily="34" charset="0"/>
+                        </a:rPr>
+                        <a:t> </a:t>
+                      </a:r>
+                      <a:r>
+                        <a:rPr lang="en-US" sz="1600" dirty="0" err="1">
+                          <a:effectLst/>
+                          <a:latin typeface="Arial" panose="020B0604020202020204" pitchFamily="34" charset="0"/>
+                          <a:cs typeface="Arial" panose="020B0604020202020204" pitchFamily="34" charset="0"/>
+                        </a:rPr>
+                        <a:t>tính</a:t>
+                      </a:r>
+                      <a:endParaRPr lang="en-US" sz="1600" dirty="0">
                         <a:effectLst/>
                         <a:latin typeface="Arial" panose="020B0604020202020204" pitchFamily="34" charset="0"/>
                         <a:ea typeface="Calibri" panose="020F0502020204030204" pitchFamily="34" charset="0"/>
@@ -6778,14 +7093,14 @@
                         </a:spcAft>
                       </a:pPr>
                       <a:r>
-                        <a:rPr lang="en-US" sz="1600">
+                        <a:rPr lang="en-US" sz="1600" dirty="0">
                           <a:effectLst/>
                           <a:latin typeface="Arial" panose="020B0604020202020204" pitchFamily="34" charset="0"/>
                           <a:cs typeface="Arial" panose="020B0604020202020204" pitchFamily="34" charset="0"/>
                         </a:rPr>
                         <a:t>700</a:t>
                       </a:r>
-                      <a:endParaRPr lang="en-US" sz="1600">
+                      <a:endParaRPr lang="en-US" sz="1600" dirty="0">
                         <a:effectLst/>
                         <a:latin typeface="Arial" panose="020B0604020202020204" pitchFamily="34" charset="0"/>
                         <a:ea typeface="Calibri" panose="020F0502020204030204" pitchFamily="34" charset="0"/>
@@ -6846,13 +7161,13 @@
   <p:clrMapOvr>
     <a:masterClrMapping/>
   </p:clrMapOvr>
-  <mc:AlternateContent xmlns:mc="http://schemas.openxmlformats.org/markup-compatibility/2006">
-    <mc:Choice xmlns:p14="http://schemas.microsoft.com/office/powerpoint/2010/main" Requires="p14">
+  <mc:AlternateContent xmlns:mc="http://schemas.openxmlformats.org/markup-compatibility/2006" xmlns:p14="http://schemas.microsoft.com/office/powerpoint/2010/main">
+    <mc:Choice Requires="p14">
       <p:transition spd="med" p14:dur="700">
         <p:fade/>
       </p:transition>
     </mc:Choice>
-    <mc:Fallback>
+    <mc:Fallback xmlns="">
       <p:transition spd="med">
         <p:fade/>
       </p:transition>
@@ -6861,7 +7176,7 @@
 </p:sld>
 </file>
 
-<file path=ppt/slides/slide13.xml><?xml version="1.0" encoding="utf-8"?>
+<file path=ppt/slides/slide15.xml><?xml version="1.0" encoding="utf-8"?>
 <p:sld xmlns:a="http://schemas.openxmlformats.org/drawingml/2006/main" xmlns:r="http://schemas.openxmlformats.org/officeDocument/2006/relationships" xmlns:p="http://schemas.openxmlformats.org/presentationml/2006/main">
   <p:cSld>
     <p:spTree>
@@ -7031,114 +7346,6 @@
               <a:t> 11.7m</a:t>
             </a:r>
           </a:p>
-          <a:p>
-            <a:r>
-              <a:rPr lang="en-US" dirty="0" err="1"/>
-              <a:t>Độ</a:t>
-            </a:r>
-            <a:r>
-              <a:rPr lang="en-US" dirty="0"/>
-              <a:t> </a:t>
-            </a:r>
-            <a:r>
-              <a:rPr lang="en-US" dirty="0" err="1"/>
-              <a:t>dày</a:t>
-            </a:r>
-            <a:r>
-              <a:rPr lang="en-US" dirty="0"/>
-              <a:t> </a:t>
-            </a:r>
-            <a:r>
-              <a:rPr lang="en-US" dirty="0" err="1"/>
-              <a:t>lưỡi</a:t>
-            </a:r>
-            <a:r>
-              <a:rPr lang="en-US" dirty="0"/>
-              <a:t> </a:t>
-            </a:r>
-            <a:r>
-              <a:rPr lang="en-US" dirty="0" err="1"/>
-              <a:t>cắt</a:t>
-            </a:r>
-            <a:r>
-              <a:rPr lang="en-US" dirty="0"/>
-              <a:t> </a:t>
-            </a:r>
-            <a:r>
-              <a:rPr lang="en-US" dirty="0" err="1"/>
-              <a:t>thép</a:t>
-            </a:r>
-            <a:r>
-              <a:rPr lang="en-US" dirty="0"/>
-              <a:t> 5mm</a:t>
-            </a:r>
-          </a:p>
-          <a:p>
-            <a:pPr>
-              <a:buFont typeface="Wingdings" panose="05000000000000000000" pitchFamily="2" charset="2"/>
-              <a:buChar char="Ø"/>
-            </a:pPr>
-            <a:r>
-              <a:rPr lang="en-US" dirty="0"/>
-              <a:t> </a:t>
-            </a:r>
-            <a:r>
-              <a:rPr lang="en-US" dirty="0" err="1"/>
-              <a:t>Kết</a:t>
-            </a:r>
-            <a:r>
-              <a:rPr lang="en-US" dirty="0"/>
-              <a:t> quả </a:t>
-            </a:r>
-            <a:r>
-              <a:rPr lang="en-US" dirty="0" err="1"/>
-              <a:t>của</a:t>
-            </a:r>
-            <a:r>
-              <a:rPr lang="en-US" dirty="0"/>
-              <a:t> </a:t>
-            </a:r>
-            <a:r>
-              <a:rPr lang="en-US" dirty="0" err="1"/>
-              <a:t>các</a:t>
-            </a:r>
-            <a:r>
-              <a:rPr lang="en-US" dirty="0"/>
-              <a:t> </a:t>
-            </a:r>
-            <a:r>
-              <a:rPr lang="en-US" dirty="0" err="1"/>
-              <a:t>thuật</a:t>
-            </a:r>
-            <a:r>
-              <a:rPr lang="en-US" dirty="0"/>
-              <a:t> </a:t>
-            </a:r>
-            <a:r>
-              <a:rPr lang="en-US" dirty="0" err="1"/>
-              <a:t>toán</a:t>
-            </a:r>
-            <a:r>
-              <a:rPr lang="en-US" dirty="0"/>
-              <a:t> </a:t>
-            </a:r>
-            <a:r>
-              <a:rPr lang="en-US" dirty="0" err="1"/>
-              <a:t>như</a:t>
-            </a:r>
-            <a:r>
-              <a:rPr lang="en-US" dirty="0"/>
-              <a:t> </a:t>
-            </a:r>
-            <a:r>
-              <a:rPr lang="en-US" dirty="0" err="1"/>
-              <a:t>sau</a:t>
-            </a:r>
-            <a:r>
-              <a:rPr lang="en-US" dirty="0"/>
-              <a:t>:</a:t>
-            </a:r>
-          </a:p>
         </p:txBody>
       </p:sp>
       <p:graphicFrame>
@@ -7156,13 +7363,13 @@
           <p:nvPr>
             <p:extLst>
               <p:ext uri="{D42A27DB-BD31-4B8C-83A1-F6EECF244321}">
-                <p14:modId xmlns:p14="http://schemas.microsoft.com/office/powerpoint/2010/main" val="2293618085"/>
+                <p14:modId xmlns:p14="http://schemas.microsoft.com/office/powerpoint/2010/main" val="3647698934"/>
               </p:ext>
             </p:extLst>
           </p:nvPr>
         </p:nvGraphicFramePr>
         <p:xfrm>
-          <a:off x="1413892" y="5085184"/>
+          <a:off x="1413892" y="4221088"/>
           <a:ext cx="9289032" cy="1512168"/>
         </p:xfrm>
         <a:graphic>
@@ -7784,13 +7991,13 @@
   <p:clrMapOvr>
     <a:masterClrMapping/>
   </p:clrMapOvr>
-  <mc:AlternateContent xmlns:mc="http://schemas.openxmlformats.org/markup-compatibility/2006">
-    <mc:Choice xmlns:p14="http://schemas.microsoft.com/office/powerpoint/2010/main" Requires="p14">
+  <mc:AlternateContent xmlns:mc="http://schemas.openxmlformats.org/markup-compatibility/2006" xmlns:p14="http://schemas.microsoft.com/office/powerpoint/2010/main">
+    <mc:Choice Requires="p14">
       <p:transition spd="med" p14:dur="700">
         <p:fade/>
       </p:transition>
     </mc:Choice>
-    <mc:Fallback>
+    <mc:Fallback xmlns="">
       <p:transition spd="med">
         <p:fade/>
       </p:transition>
@@ -7799,7 +8006,7 @@
 </p:sld>
 </file>
 
-<file path=ppt/slides/slide14.xml><?xml version="1.0" encoding="utf-8"?>
+<file path=ppt/slides/slide16.xml><?xml version="1.0" encoding="utf-8"?>
 <p:sld xmlns:a="http://schemas.openxmlformats.org/drawingml/2006/main" xmlns:r="http://schemas.openxmlformats.org/officeDocument/2006/relationships" xmlns:p="http://schemas.openxmlformats.org/presentationml/2006/main">
   <p:cSld>
     <p:spTree>
@@ -7982,115 +8189,7 @@
             </a:r>
             <a:r>
               <a:rPr lang="en-US" dirty="0"/>
-              <a:t> 7.995m</a:t>
-            </a:r>
-          </a:p>
-          <a:p>
-            <a:r>
-              <a:rPr lang="en-US" dirty="0" err="1"/>
-              <a:t>Độ</a:t>
-            </a:r>
-            <a:r>
-              <a:rPr lang="en-US" dirty="0"/>
-              <a:t> </a:t>
-            </a:r>
-            <a:r>
-              <a:rPr lang="en-US" dirty="0" err="1"/>
-              <a:t>dày</a:t>
-            </a:r>
-            <a:r>
-              <a:rPr lang="en-US" dirty="0"/>
-              <a:t> </a:t>
-            </a:r>
-            <a:r>
-              <a:rPr lang="en-US" dirty="0" err="1"/>
-              <a:t>lưỡi</a:t>
-            </a:r>
-            <a:r>
-              <a:rPr lang="en-US" dirty="0"/>
-              <a:t> </a:t>
-            </a:r>
-            <a:r>
-              <a:rPr lang="en-US" dirty="0" err="1"/>
-              <a:t>cắt</a:t>
-            </a:r>
-            <a:r>
-              <a:rPr lang="en-US" dirty="0"/>
-              <a:t> </a:t>
-            </a:r>
-            <a:r>
-              <a:rPr lang="en-US" dirty="0" err="1"/>
-              <a:t>thép</a:t>
-            </a:r>
-            <a:r>
-              <a:rPr lang="en-US" dirty="0"/>
-              <a:t> 5mm</a:t>
-            </a:r>
-          </a:p>
-          <a:p>
-            <a:pPr>
-              <a:buFont typeface="Wingdings" panose="05000000000000000000" pitchFamily="2" charset="2"/>
-              <a:buChar char="Ø"/>
-            </a:pPr>
-            <a:r>
-              <a:rPr lang="en-US" dirty="0"/>
-              <a:t> </a:t>
-            </a:r>
-            <a:r>
-              <a:rPr lang="en-US" dirty="0" err="1"/>
-              <a:t>Kết</a:t>
-            </a:r>
-            <a:r>
-              <a:rPr lang="en-US" dirty="0"/>
-              <a:t> quả </a:t>
-            </a:r>
-            <a:r>
-              <a:rPr lang="en-US" dirty="0" err="1"/>
-              <a:t>của</a:t>
-            </a:r>
-            <a:r>
-              <a:rPr lang="en-US" dirty="0"/>
-              <a:t> </a:t>
-            </a:r>
-            <a:r>
-              <a:rPr lang="en-US" dirty="0" err="1"/>
-              <a:t>các</a:t>
-            </a:r>
-            <a:r>
-              <a:rPr lang="en-US" dirty="0"/>
-              <a:t> </a:t>
-            </a:r>
-            <a:r>
-              <a:rPr lang="en-US" dirty="0" err="1"/>
-              <a:t>thuật</a:t>
-            </a:r>
-            <a:r>
-              <a:rPr lang="en-US" dirty="0"/>
-              <a:t> </a:t>
-            </a:r>
-            <a:r>
-              <a:rPr lang="en-US" dirty="0" err="1"/>
-              <a:t>toán</a:t>
-            </a:r>
-            <a:r>
-              <a:rPr lang="en-US" dirty="0"/>
-              <a:t> </a:t>
-            </a:r>
-            <a:r>
-              <a:rPr lang="en-US" dirty="0" err="1"/>
-              <a:t>như</a:t>
-            </a:r>
-            <a:r>
-              <a:rPr lang="en-US" dirty="0"/>
-              <a:t> </a:t>
-            </a:r>
-            <a:r>
-              <a:rPr lang="en-US" dirty="0" err="1"/>
-              <a:t>sau</a:t>
-            </a:r>
-            <a:r>
-              <a:rPr lang="en-US" dirty="0"/>
-              <a:t>:</a:t>
+              <a:t> 7.9m</a:t>
             </a:r>
           </a:p>
         </p:txBody>
@@ -8110,13 +8209,13 @@
           <p:nvPr>
             <p:extLst>
               <p:ext uri="{D42A27DB-BD31-4B8C-83A1-F6EECF244321}">
-                <p14:modId xmlns:p14="http://schemas.microsoft.com/office/powerpoint/2010/main" val="344443894"/>
+                <p14:modId xmlns:p14="http://schemas.microsoft.com/office/powerpoint/2010/main" val="3167007430"/>
               </p:ext>
             </p:extLst>
           </p:nvPr>
         </p:nvGraphicFramePr>
         <p:xfrm>
-          <a:off x="1413892" y="5085184"/>
+          <a:off x="1413892" y="4149080"/>
           <a:ext cx="9289032" cy="1512168"/>
         </p:xfrm>
         <a:graphic>
@@ -8680,13 +8779,13 @@
   <p:clrMapOvr>
     <a:masterClrMapping/>
   </p:clrMapOvr>
-  <mc:AlternateContent xmlns:mc="http://schemas.openxmlformats.org/markup-compatibility/2006">
-    <mc:Choice xmlns:p14="http://schemas.microsoft.com/office/powerpoint/2010/main" Requires="p14">
+  <mc:AlternateContent xmlns:mc="http://schemas.openxmlformats.org/markup-compatibility/2006" xmlns:p14="http://schemas.microsoft.com/office/powerpoint/2010/main">
+    <mc:Choice Requires="p14">
       <p:transition spd="med" p14:dur="700">
         <p:fade/>
       </p:transition>
     </mc:Choice>
-    <mc:Fallback>
+    <mc:Fallback xmlns="">
       <p:transition spd="med">
         <p:fade/>
       </p:transition>
@@ -8695,7 +8794,7 @@
 </p:sld>
 </file>
 
-<file path=ppt/slides/slide15.xml><?xml version="1.0" encoding="utf-8"?>
+<file path=ppt/slides/slide17.xml><?xml version="1.0" encoding="utf-8"?>
 <p:sld xmlns:a="http://schemas.openxmlformats.org/drawingml/2006/main" xmlns:r="http://schemas.openxmlformats.org/officeDocument/2006/relationships" xmlns:p="http://schemas.openxmlformats.org/presentationml/2006/main">
   <p:cSld>
     <p:spTree>
@@ -8894,115 +8993,7 @@
             </a:r>
             <a:r>
               <a:rPr lang="en-US" dirty="0"/>
-              <a:t> 7.995m</a:t>
-            </a:r>
-          </a:p>
-          <a:p>
-            <a:r>
-              <a:rPr lang="en-US" dirty="0" err="1"/>
-              <a:t>Độ</a:t>
-            </a:r>
-            <a:r>
-              <a:rPr lang="en-US" dirty="0"/>
-              <a:t> </a:t>
-            </a:r>
-            <a:r>
-              <a:rPr lang="en-US" dirty="0" err="1"/>
-              <a:t>dày</a:t>
-            </a:r>
-            <a:r>
-              <a:rPr lang="en-US" dirty="0"/>
-              <a:t> </a:t>
-            </a:r>
-            <a:r>
-              <a:rPr lang="en-US" dirty="0" err="1"/>
-              <a:t>lưỡi</a:t>
-            </a:r>
-            <a:r>
-              <a:rPr lang="en-US" dirty="0"/>
-              <a:t> </a:t>
-            </a:r>
-            <a:r>
-              <a:rPr lang="en-US" dirty="0" err="1"/>
-              <a:t>cắt</a:t>
-            </a:r>
-            <a:r>
-              <a:rPr lang="en-US" dirty="0"/>
-              <a:t> </a:t>
-            </a:r>
-            <a:r>
-              <a:rPr lang="en-US" dirty="0" err="1"/>
-              <a:t>thép</a:t>
-            </a:r>
-            <a:r>
-              <a:rPr lang="en-US" dirty="0"/>
-              <a:t> 5mm</a:t>
-            </a:r>
-          </a:p>
-          <a:p>
-            <a:pPr>
-              <a:buFont typeface="Wingdings" panose="05000000000000000000" pitchFamily="2" charset="2"/>
-              <a:buChar char="Ø"/>
-            </a:pPr>
-            <a:r>
-              <a:rPr lang="en-US" dirty="0"/>
-              <a:t> </a:t>
-            </a:r>
-            <a:r>
-              <a:rPr lang="en-US" dirty="0" err="1"/>
-              <a:t>Kết</a:t>
-            </a:r>
-            <a:r>
-              <a:rPr lang="en-US" dirty="0"/>
-              <a:t> quả </a:t>
-            </a:r>
-            <a:r>
-              <a:rPr lang="en-US" dirty="0" err="1"/>
-              <a:t>của</a:t>
-            </a:r>
-            <a:r>
-              <a:rPr lang="en-US" dirty="0"/>
-              <a:t> </a:t>
-            </a:r>
-            <a:r>
-              <a:rPr lang="en-US" dirty="0" err="1"/>
-              <a:t>các</a:t>
-            </a:r>
-            <a:r>
-              <a:rPr lang="en-US" dirty="0"/>
-              <a:t> </a:t>
-            </a:r>
-            <a:r>
-              <a:rPr lang="en-US" dirty="0" err="1"/>
-              <a:t>thuật</a:t>
-            </a:r>
-            <a:r>
-              <a:rPr lang="en-US" dirty="0"/>
-              <a:t> </a:t>
-            </a:r>
-            <a:r>
-              <a:rPr lang="en-US" dirty="0" err="1"/>
-              <a:t>toán</a:t>
-            </a:r>
-            <a:r>
-              <a:rPr lang="en-US" dirty="0"/>
-              <a:t> </a:t>
-            </a:r>
-            <a:r>
-              <a:rPr lang="en-US" dirty="0" err="1"/>
-              <a:t>như</a:t>
-            </a:r>
-            <a:r>
-              <a:rPr lang="en-US" dirty="0"/>
-              <a:t> </a:t>
-            </a:r>
-            <a:r>
-              <a:rPr lang="en-US" dirty="0" err="1"/>
-              <a:t>sau</a:t>
-            </a:r>
-            <a:r>
-              <a:rPr lang="en-US" dirty="0"/>
-              <a:t>:</a:t>
+              <a:t> 7.9m</a:t>
             </a:r>
           </a:p>
         </p:txBody>
@@ -9022,13 +9013,13 @@
           <p:nvPr>
             <p:extLst>
               <p:ext uri="{D42A27DB-BD31-4B8C-83A1-F6EECF244321}">
-                <p14:modId xmlns:p14="http://schemas.microsoft.com/office/powerpoint/2010/main" val="1158979168"/>
+                <p14:modId xmlns:p14="http://schemas.microsoft.com/office/powerpoint/2010/main" val="1293770873"/>
               </p:ext>
             </p:extLst>
           </p:nvPr>
         </p:nvGraphicFramePr>
         <p:xfrm>
-          <a:off x="1413892" y="5085184"/>
+          <a:off x="1413892" y="4365104"/>
           <a:ext cx="9289032" cy="1512168"/>
         </p:xfrm>
         <a:graphic>
@@ -9597,13 +9588,13 @@
   <p:clrMapOvr>
     <a:masterClrMapping/>
   </p:clrMapOvr>
-  <mc:AlternateContent xmlns:mc="http://schemas.openxmlformats.org/markup-compatibility/2006">
-    <mc:Choice xmlns:p14="http://schemas.microsoft.com/office/powerpoint/2010/main" Requires="p14">
+  <mc:AlternateContent xmlns:mc="http://schemas.openxmlformats.org/markup-compatibility/2006" xmlns:p14="http://schemas.microsoft.com/office/powerpoint/2010/main">
+    <mc:Choice Requires="p14">
       <p:transition spd="med" p14:dur="700">
         <p:fade/>
       </p:transition>
     </mc:Choice>
-    <mc:Fallback>
+    <mc:Fallback xmlns="">
       <p:transition spd="med">
         <p:fade/>
       </p:transition>
@@ -9612,7 +9603,7 @@
 </p:sld>
 </file>
 
-<file path=ppt/slides/slide16.xml><?xml version="1.0" encoding="utf-8"?>
+<file path=ppt/slides/slide18.xml><?xml version="1.0" encoding="utf-8"?>
 <p:sld xmlns:a="http://schemas.openxmlformats.org/drawingml/2006/main" xmlns:r="http://schemas.openxmlformats.org/officeDocument/2006/relationships" xmlns:p="http://schemas.openxmlformats.org/presentationml/2006/main">
   <p:cSld>
     <p:spTree>
@@ -9646,15 +9637,15 @@
           <a:p>
             <a:r>
               <a:rPr lang="en-US" dirty="0" err="1"/>
-              <a:t>Kết</a:t>
-            </a:r>
-            <a:r>
-              <a:rPr lang="en-US" dirty="0"/>
-              <a:t> </a:t>
-            </a:r>
-            <a:r>
-              <a:rPr lang="en-US" dirty="0" err="1"/>
-              <a:t>luận</a:t>
+              <a:t>Nhận</a:t>
+            </a:r>
+            <a:r>
+              <a:rPr lang="en-US" dirty="0"/>
+              <a:t> </a:t>
+            </a:r>
+            <a:r>
+              <a:rPr lang="en-US" dirty="0" err="1"/>
+              <a:t>xét</a:t>
             </a:r>
             <a:endParaRPr lang="en-US" dirty="0"/>
           </a:p>
@@ -9940,6 +9931,277 @@
             </a:r>
             <a:endParaRPr lang="en-US" dirty="0"/>
           </a:p>
+          <a:p>
+            <a:r>
+              <a:rPr lang="en-US" dirty="0" err="1"/>
+              <a:t>Nếu</a:t>
+            </a:r>
+            <a:r>
+              <a:rPr lang="en-US" dirty="0"/>
+              <a:t> </a:t>
+            </a:r>
+            <a:r>
+              <a:rPr lang="en-US" dirty="0" err="1"/>
+              <a:t>khối</a:t>
+            </a:r>
+            <a:r>
+              <a:rPr lang="en-US" dirty="0"/>
+              <a:t> </a:t>
+            </a:r>
+            <a:r>
+              <a:rPr lang="en-US" dirty="0" err="1"/>
+              <a:t>lượng</a:t>
+            </a:r>
+            <a:r>
+              <a:rPr lang="en-US" dirty="0"/>
+              <a:t> </a:t>
+            </a:r>
+            <a:r>
+              <a:rPr lang="en-US" dirty="0" err="1"/>
+              <a:t>đơn</a:t>
+            </a:r>
+            <a:r>
+              <a:rPr lang="en-US" dirty="0"/>
+              <a:t> </a:t>
+            </a:r>
+            <a:r>
+              <a:rPr lang="en-US" dirty="0" err="1"/>
+              <a:t>hàng</a:t>
+            </a:r>
+            <a:r>
+              <a:rPr lang="en-US" dirty="0"/>
+              <a:t> </a:t>
+            </a:r>
+            <a:r>
+              <a:rPr lang="en-US" dirty="0" err="1"/>
+              <a:t>nhỏ</a:t>
+            </a:r>
+            <a:r>
+              <a:rPr lang="en-US" dirty="0"/>
+              <a:t> </a:t>
+            </a:r>
+            <a:r>
+              <a:rPr lang="en-US" dirty="0" err="1"/>
+              <a:t>thì</a:t>
+            </a:r>
+            <a:r>
+              <a:rPr lang="en-US" dirty="0"/>
+              <a:t> </a:t>
+            </a:r>
+            <a:r>
+              <a:rPr lang="en-US" dirty="0" err="1"/>
+              <a:t>sự</a:t>
+            </a:r>
+            <a:r>
+              <a:rPr lang="en-US" dirty="0"/>
+              <a:t> </a:t>
+            </a:r>
+            <a:r>
+              <a:rPr lang="en-US" dirty="0" err="1"/>
+              <a:t>khác</a:t>
+            </a:r>
+            <a:r>
+              <a:rPr lang="en-US" dirty="0"/>
+              <a:t> </a:t>
+            </a:r>
+            <a:r>
+              <a:rPr lang="en-US" dirty="0" err="1"/>
+              <a:t>biệt</a:t>
+            </a:r>
+            <a:r>
+              <a:rPr lang="en-US" dirty="0"/>
+              <a:t> </a:t>
+            </a:r>
+            <a:r>
+              <a:rPr lang="en-US" dirty="0" err="1"/>
+              <a:t>giữa</a:t>
+            </a:r>
+            <a:r>
+              <a:rPr lang="en-US" dirty="0"/>
+              <a:t> </a:t>
+            </a:r>
+            <a:r>
+              <a:rPr lang="en-US" dirty="0" err="1"/>
+              <a:t>cắt</a:t>
+            </a:r>
+            <a:r>
+              <a:rPr lang="en-US" dirty="0"/>
+              <a:t> </a:t>
+            </a:r>
+            <a:r>
+              <a:rPr lang="en-US" dirty="0" err="1"/>
+              <a:t>nhanh</a:t>
+            </a:r>
+            <a:r>
+              <a:rPr lang="en-US" dirty="0"/>
+              <a:t> </a:t>
+            </a:r>
+            <a:r>
+              <a:rPr lang="en-US" dirty="0" err="1"/>
+              <a:t>và</a:t>
+            </a:r>
+            <a:r>
+              <a:rPr lang="en-US" dirty="0"/>
+              <a:t> </a:t>
+            </a:r>
+            <a:r>
+              <a:rPr lang="en-US" dirty="0" err="1"/>
+              <a:t>cắt</a:t>
+            </a:r>
+            <a:r>
+              <a:rPr lang="en-US" dirty="0"/>
+              <a:t> </a:t>
+            </a:r>
+            <a:r>
+              <a:rPr lang="en-US" dirty="0" err="1"/>
+              <a:t>tiết</a:t>
+            </a:r>
+            <a:r>
+              <a:rPr lang="en-US" dirty="0"/>
+              <a:t> </a:t>
+            </a:r>
+            <a:r>
+              <a:rPr lang="en-US" dirty="0" err="1"/>
+              <a:t>kiệm</a:t>
+            </a:r>
+            <a:r>
+              <a:rPr lang="en-US" dirty="0"/>
+              <a:t> </a:t>
+            </a:r>
+            <a:r>
+              <a:rPr lang="en-US" dirty="0" err="1"/>
+              <a:t>là</a:t>
+            </a:r>
+            <a:r>
+              <a:rPr lang="en-US" dirty="0"/>
+              <a:t> </a:t>
+            </a:r>
+            <a:r>
+              <a:rPr lang="en-US" dirty="0" err="1"/>
+              <a:t>không</a:t>
+            </a:r>
+            <a:r>
+              <a:rPr lang="en-US" dirty="0"/>
+              <a:t> </a:t>
+            </a:r>
+            <a:r>
+              <a:rPr lang="en-US" dirty="0" err="1"/>
+              <a:t>đáng</a:t>
+            </a:r>
+            <a:r>
+              <a:rPr lang="en-US" dirty="0"/>
+              <a:t> </a:t>
+            </a:r>
+            <a:r>
+              <a:rPr lang="en-US" dirty="0" err="1"/>
+              <a:t>kể</a:t>
+            </a:r>
+            <a:r>
+              <a:rPr lang="en-US" dirty="0"/>
+              <a:t>, </a:t>
+            </a:r>
+            <a:r>
+              <a:rPr lang="en-US" dirty="0" err="1"/>
+              <a:t>sự</a:t>
+            </a:r>
+            <a:r>
+              <a:rPr lang="en-US" dirty="0"/>
+              <a:t> </a:t>
+            </a:r>
+            <a:r>
+              <a:rPr lang="en-US" dirty="0" err="1"/>
+              <a:t>khác</a:t>
+            </a:r>
+            <a:r>
+              <a:rPr lang="en-US" dirty="0"/>
+              <a:t> </a:t>
+            </a:r>
+            <a:r>
+              <a:rPr lang="en-US" dirty="0" err="1"/>
+              <a:t>biệt</a:t>
+            </a:r>
+            <a:r>
+              <a:rPr lang="en-US" dirty="0"/>
+              <a:t> </a:t>
+            </a:r>
+            <a:r>
+              <a:rPr lang="en-US" dirty="0" err="1"/>
+              <a:t>này</a:t>
+            </a:r>
+            <a:r>
+              <a:rPr lang="en-US" dirty="0"/>
+              <a:t> </a:t>
+            </a:r>
+            <a:r>
+              <a:rPr lang="en-US" dirty="0" err="1"/>
+              <a:t>càng</a:t>
+            </a:r>
+            <a:r>
+              <a:rPr lang="en-US" dirty="0"/>
+              <a:t> </a:t>
+            </a:r>
+            <a:r>
+              <a:rPr lang="en-US" dirty="0" err="1"/>
+              <a:t>rõ</a:t>
+            </a:r>
+            <a:r>
+              <a:rPr lang="en-US" dirty="0"/>
+              <a:t> </a:t>
+            </a:r>
+            <a:r>
+              <a:rPr lang="en-US" dirty="0" err="1"/>
+              <a:t>ràng</a:t>
+            </a:r>
+            <a:r>
+              <a:rPr lang="en-US" dirty="0"/>
+              <a:t> </a:t>
+            </a:r>
+            <a:r>
+              <a:rPr lang="en-US" dirty="0" err="1"/>
+              <a:t>khi</a:t>
+            </a:r>
+            <a:r>
+              <a:rPr lang="en-US" dirty="0"/>
+              <a:t> </a:t>
+            </a:r>
+            <a:r>
+              <a:rPr lang="en-US" dirty="0" err="1"/>
+              <a:t>mà</a:t>
+            </a:r>
+            <a:r>
+              <a:rPr lang="en-US" dirty="0"/>
+              <a:t> </a:t>
+            </a:r>
+            <a:r>
+              <a:rPr lang="en-US" dirty="0" err="1"/>
+              <a:t>đơn</a:t>
+            </a:r>
+            <a:r>
+              <a:rPr lang="en-US" dirty="0"/>
+              <a:t> </a:t>
+            </a:r>
+            <a:r>
+              <a:rPr lang="en-US" dirty="0" err="1"/>
+              <a:t>hàng</a:t>
+            </a:r>
+            <a:r>
+              <a:rPr lang="en-US" dirty="0"/>
+              <a:t> </a:t>
+            </a:r>
+            <a:r>
+              <a:rPr lang="en-US" dirty="0" err="1"/>
+              <a:t>càng</a:t>
+            </a:r>
+            <a:r>
+              <a:rPr lang="en-US" dirty="0"/>
+              <a:t> </a:t>
+            </a:r>
+            <a:r>
+              <a:rPr lang="en-US" dirty="0" err="1"/>
+              <a:t>lớn</a:t>
+            </a:r>
+            <a:endParaRPr lang="en-US" dirty="0"/>
+          </a:p>
         </p:txBody>
       </p:sp>
     </p:spTree>
@@ -9952,13 +10214,13 @@
   <p:clrMapOvr>
     <a:masterClrMapping/>
   </p:clrMapOvr>
-  <mc:AlternateContent xmlns:mc="http://schemas.openxmlformats.org/markup-compatibility/2006">
-    <mc:Choice xmlns:p14="http://schemas.microsoft.com/office/powerpoint/2010/main" Requires="p14">
+  <mc:AlternateContent xmlns:mc="http://schemas.openxmlformats.org/markup-compatibility/2006" xmlns:p14="http://schemas.microsoft.com/office/powerpoint/2010/main">
+    <mc:Choice Requires="p14">
       <p:transition spd="med" p14:dur="700">
         <p:fade/>
       </p:transition>
     </mc:Choice>
-    <mc:Fallback>
+    <mc:Fallback xmlns="">
       <p:transition spd="med">
         <p:fade/>
       </p:transition>
@@ -9967,7 +10229,7 @@
 </p:sld>
 </file>
 
-<file path=ppt/slides/slide17.xml><?xml version="1.0" encoding="utf-8"?>
+<file path=ppt/slides/slide19.xml><?xml version="1.0" encoding="utf-8"?>
 <p:sld xmlns:a="http://schemas.openxmlformats.org/drawingml/2006/main" xmlns:r="http://schemas.openxmlformats.org/officeDocument/2006/relationships" xmlns:p="http://schemas.openxmlformats.org/presentationml/2006/main">
   <p:cSld>
     <p:spTree>
@@ -9986,13 +10248,7 @@
       </p:grpSpPr>
       <p:sp>
         <p:nvSpPr>
-          <p:cNvPr id="2" name="Title 1">
-            <a:extLst>
-              <a:ext uri="{FF2B5EF4-FFF2-40B4-BE49-F238E27FC236}">
-                <a16:creationId xmlns:a16="http://schemas.microsoft.com/office/drawing/2014/main" id="{74E01D7E-5FDB-41C2-9D20-7C9077ACA07D}"/>
-              </a:ext>
-            </a:extLst>
-          </p:cNvPr>
+          <p:cNvPr id="13" name="Title 12"/>
           <p:cNvSpPr>
             <a:spLocks noGrp="1"/>
           </p:cNvSpPr>
@@ -10000,28 +10256,149 @@
             <p:ph type="title"/>
           </p:nvPr>
         </p:nvSpPr>
-        <p:spPr>
-          <a:xfrm>
-            <a:off x="1218883" y="274637"/>
-            <a:ext cx="9484041" cy="2938339"/>
-          </a:xfrm>
-        </p:spPr>
+        <p:spPr/>
         <p:txBody>
           <a:bodyPr/>
           <a:lstStyle/>
           <a:p>
-            <a:pPr algn="ctr"/>
-            <a:r>
-              <a:rPr lang="en-US" dirty="0"/>
-              <a:t>THANKS YOU!</a:t>
-            </a:r>
+            <a:r>
+              <a:rPr lang="en-US" dirty="0" err="1"/>
+              <a:t>Kết</a:t>
+            </a:r>
+            <a:r>
+              <a:rPr lang="en-US" dirty="0"/>
+              <a:t> </a:t>
+            </a:r>
+            <a:r>
+              <a:rPr lang="en-US" dirty="0" err="1"/>
+              <a:t>luận</a:t>
+            </a:r>
+            <a:r>
+              <a:rPr lang="en-US" dirty="0"/>
+              <a:t> </a:t>
+            </a:r>
+            <a:r>
+              <a:rPr lang="en-US" dirty="0" err="1"/>
+              <a:t>và</a:t>
+            </a:r>
+            <a:r>
+              <a:rPr lang="en-US" dirty="0"/>
+              <a:t> </a:t>
+            </a:r>
+            <a:r>
+              <a:rPr lang="en-US" dirty="0" err="1"/>
+              <a:t>hướng</a:t>
+            </a:r>
+            <a:r>
+              <a:rPr lang="en-US" dirty="0"/>
+              <a:t> </a:t>
+            </a:r>
+            <a:r>
+              <a:rPr lang="en-US" dirty="0" err="1"/>
+              <a:t>phát</a:t>
+            </a:r>
+            <a:r>
+              <a:rPr lang="en-US" dirty="0"/>
+              <a:t> </a:t>
+            </a:r>
+            <a:r>
+              <a:rPr lang="en-US" dirty="0" err="1"/>
+              <a:t>triển</a:t>
+            </a:r>
+            <a:endParaRPr lang="en-US" dirty="0"/>
+          </a:p>
+        </p:txBody>
+      </p:sp>
+      <p:sp>
+        <p:nvSpPr>
+          <p:cNvPr id="14" name="Content Placeholder 13"/>
+          <p:cNvSpPr>
+            <a:spLocks noGrp="1"/>
+          </p:cNvSpPr>
+          <p:nvPr>
+            <p:ph idx="1"/>
+          </p:nvPr>
+        </p:nvSpPr>
+        <p:spPr/>
+        <p:txBody>
+          <a:bodyPr/>
+          <a:lstStyle/>
+          <a:p>
+            <a:r>
+              <a:rPr lang="en-US" dirty="0" err="1"/>
+              <a:t>Khóa</a:t>
+            </a:r>
+            <a:r>
+              <a:rPr lang="en-US" dirty="0"/>
+              <a:t> </a:t>
+            </a:r>
+            <a:r>
+              <a:rPr lang="en-US" dirty="0" err="1"/>
+              <a:t>luận</a:t>
+            </a:r>
+            <a:r>
+              <a:rPr lang="en-US" dirty="0"/>
+              <a:t> </a:t>
+            </a:r>
+            <a:r>
+              <a:rPr lang="en-US" dirty="0" err="1"/>
+              <a:t>đã</a:t>
+            </a:r>
+            <a:r>
+              <a:rPr lang="en-US" dirty="0"/>
+              <a:t> </a:t>
+            </a:r>
+            <a:r>
+              <a:rPr lang="en-US" dirty="0" err="1"/>
+              <a:t>làm</a:t>
+            </a:r>
+            <a:r>
+              <a:rPr lang="en-US" dirty="0"/>
+              <a:t> </a:t>
+            </a:r>
+            <a:r>
+              <a:rPr lang="en-US" dirty="0" err="1"/>
+              <a:t>được</a:t>
+            </a:r>
+            <a:r>
+              <a:rPr lang="en-US" dirty="0"/>
+              <a:t> </a:t>
+            </a:r>
+            <a:r>
+              <a:rPr lang="en-US" dirty="0" err="1"/>
+              <a:t>gì</a:t>
+            </a:r>
+            <a:endParaRPr lang="en-US" dirty="0"/>
+          </a:p>
+          <a:p>
+            <a:r>
+              <a:rPr lang="en-US" dirty="0" err="1"/>
+              <a:t>Kết</a:t>
+            </a:r>
+            <a:r>
+              <a:rPr lang="en-US" dirty="0"/>
+              <a:t> quả </a:t>
+            </a:r>
+            <a:r>
+              <a:rPr lang="en-US" dirty="0" err="1"/>
+              <a:t>khóa</a:t>
+            </a:r>
+            <a:r>
+              <a:rPr lang="en-US" dirty="0"/>
+              <a:t> </a:t>
+            </a:r>
+            <a:r>
+              <a:rPr lang="en-US" dirty="0" err="1"/>
+              <a:t>luận</a:t>
+            </a:r>
+            <a:endParaRPr lang="en-US" dirty="0"/>
           </a:p>
         </p:txBody>
       </p:sp>
     </p:spTree>
     <p:extLst>
       <p:ext uri="{BB962C8B-B14F-4D97-AF65-F5344CB8AC3E}">
-        <p14:creationId xmlns:p14="http://schemas.microsoft.com/office/powerpoint/2010/main" val="2401278850"/>
+        <p14:creationId xmlns:p14="http://schemas.microsoft.com/office/powerpoint/2010/main" val="1501989062"/>
       </p:ext>
     </p:extLst>
   </p:cSld>
@@ -10210,15 +10587,23 @@
             </a:r>
             <a:r>
               <a:rPr lang="en-US" dirty="0" err="1"/>
-              <a:t>cắt</a:t>
-            </a:r>
-            <a:r>
-              <a:rPr lang="en-US" dirty="0"/>
-              <a:t> </a:t>
-            </a:r>
-            <a:r>
-              <a:rPr lang="en-US" dirty="0" err="1"/>
-              <a:t>thép</a:t>
+              <a:t>được</a:t>
+            </a:r>
+            <a:r>
+              <a:rPr lang="en-US" dirty="0"/>
+              <a:t> </a:t>
+            </a:r>
+            <a:r>
+              <a:rPr lang="en-US" dirty="0" err="1"/>
+              <a:t>đề</a:t>
+            </a:r>
+            <a:r>
+              <a:rPr lang="en-US" dirty="0"/>
+              <a:t> </a:t>
+            </a:r>
+            <a:r>
+              <a:rPr lang="en-US" dirty="0" err="1"/>
+              <a:t>xuất</a:t>
             </a:r>
             <a:endParaRPr lang="en-US" dirty="0"/>
           </a:p>
@@ -10239,18 +10624,13 @@
               <a:rPr lang="en-US" dirty="0" err="1"/>
               <a:t>nghiệm</a:t>
             </a:r>
-            <a:r>
-              <a:rPr lang="en-US" dirty="0"/>
-              <a:t> </a:t>
-            </a:r>
-            <a:r>
-              <a:rPr lang="en-US" dirty="0" err="1"/>
-              <a:t>và</a:t>
-            </a:r>
-            <a:r>
-              <a:rPr lang="en-US" dirty="0"/>
-              <a:t> </a:t>
-            </a:r>
+            <a:endParaRPr lang="en-US" dirty="0"/>
+          </a:p>
+          <a:p>
+            <a:pPr marL="514350" indent="-514350">
+              <a:buFont typeface="+mj-lt"/>
+              <a:buAutoNum type="arabicPeriod"/>
+            </a:pPr>
             <a:r>
               <a:rPr lang="en-US" dirty="0" err="1"/>
               <a:t>Kết</a:t>
@@ -10263,10 +10643,28 @@
               <a:rPr lang="en-US" dirty="0" err="1"/>
               <a:t>luận</a:t>
             </a:r>
-            <a:r>
-              <a:rPr lang="en-US" dirty="0"/>
-              <a:t>  </a:t>
-            </a:r>
+            <a:endParaRPr lang="en-US" dirty="0"/>
+          </a:p>
+          <a:p>
+            <a:pPr marL="514350" indent="-514350">
+              <a:buFont typeface="+mj-lt"/>
+              <a:buAutoNum type="arabicPeriod"/>
+            </a:pPr>
+            <a:endParaRPr lang="en-US" dirty="0"/>
+          </a:p>
+          <a:p>
+            <a:pPr marL="514350" indent="-514350">
+              <a:buFont typeface="+mj-lt"/>
+              <a:buAutoNum type="arabicPeriod"/>
+            </a:pPr>
+            <a:endParaRPr lang="en-US" dirty="0"/>
+          </a:p>
+          <a:p>
+            <a:pPr marL="514350" indent="-514350">
+              <a:buFont typeface="+mj-lt"/>
+              <a:buAutoNum type="arabicPeriod"/>
+            </a:pPr>
+            <a:endParaRPr lang="en-US" dirty="0"/>
           </a:p>
         </p:txBody>
       </p:sp>
@@ -10274,6 +10672,82 @@
     <p:extLst>
       <p:ext uri="{BB962C8B-B14F-4D97-AF65-F5344CB8AC3E}">
         <p14:creationId xmlns:p14="http://schemas.microsoft.com/office/powerpoint/2010/main" val="3529114326"/>
+      </p:ext>
+    </p:extLst>
+  </p:cSld>
+  <p:clrMapOvr>
+    <a:masterClrMapping/>
+  </p:clrMapOvr>
+  <mc:AlternateContent xmlns:mc="http://schemas.openxmlformats.org/markup-compatibility/2006" xmlns:p14="http://schemas.microsoft.com/office/powerpoint/2010/main">
+    <mc:Choice Requires="p14">
+      <p:transition spd="med" p14:dur="700">
+        <p:fade/>
+      </p:transition>
+    </mc:Choice>
+    <mc:Fallback xmlns="">
+      <p:transition spd="med">
+        <p:fade/>
+      </p:transition>
+    </mc:Fallback>
+  </mc:AlternateContent>
+</p:sld>
+</file>
+
+<file path=ppt/slides/slide20.xml><?xml version="1.0" encoding="utf-8"?>
+<p:sld xmlns:a="http://schemas.openxmlformats.org/drawingml/2006/main" xmlns:r="http://schemas.openxmlformats.org/officeDocument/2006/relationships" xmlns:p="http://schemas.openxmlformats.org/presentationml/2006/main">
+  <p:cSld>
+    <p:spTree>
+      <p:nvGrpSpPr>
+        <p:cNvPr id="1" name=""/>
+        <p:cNvGrpSpPr/>
+        <p:nvPr/>
+      </p:nvGrpSpPr>
+      <p:grpSpPr>
+        <a:xfrm>
+          <a:off x="0" y="0"/>
+          <a:ext cx="0" cy="0"/>
+          <a:chOff x="0" y="0"/>
+          <a:chExt cx="0" cy="0"/>
+        </a:xfrm>
+      </p:grpSpPr>
+      <p:sp>
+        <p:nvSpPr>
+          <p:cNvPr id="2" name="Title 1">
+            <a:extLst>
+              <a:ext uri="{FF2B5EF4-FFF2-40B4-BE49-F238E27FC236}">
+                <a16:creationId xmlns:a16="http://schemas.microsoft.com/office/drawing/2014/main" id="{74E01D7E-5FDB-41C2-9D20-7C9077ACA07D}"/>
+              </a:ext>
+            </a:extLst>
+          </p:cNvPr>
+          <p:cNvSpPr>
+            <a:spLocks noGrp="1"/>
+          </p:cNvSpPr>
+          <p:nvPr>
+            <p:ph type="title"/>
+          </p:nvPr>
+        </p:nvSpPr>
+        <p:spPr>
+          <a:xfrm>
+            <a:off x="1218883" y="274637"/>
+            <a:ext cx="9484041" cy="2938339"/>
+          </a:xfrm>
+        </p:spPr>
+        <p:txBody>
+          <a:bodyPr/>
+          <a:lstStyle/>
+          <a:p>
+            <a:pPr algn="ctr"/>
+            <a:r>
+              <a:rPr lang="en-US" dirty="0"/>
+              <a:t>THANKS YOU!</a:t>
+            </a:r>
+          </a:p>
+        </p:txBody>
+      </p:sp>
+    </p:spTree>
+    <p:extLst>
+      <p:ext uri="{BB962C8B-B14F-4D97-AF65-F5344CB8AC3E}">
+        <p14:creationId xmlns:p14="http://schemas.microsoft.com/office/powerpoint/2010/main" val="2401278850"/>
       </p:ext>
     </p:extLst>
   </p:cSld>
@@ -10329,39 +10803,15 @@
           <a:p>
             <a:r>
               <a:rPr lang="en-US" dirty="0" err="1"/>
-              <a:t>Phần</a:t>
-            </a:r>
-            <a:r>
-              <a:rPr lang="en-US" dirty="0"/>
-              <a:t> 1. </a:t>
-            </a:r>
-            <a:r>
-              <a:rPr lang="en-US" dirty="0" err="1"/>
-              <a:t>Giới</a:t>
-            </a:r>
-            <a:r>
-              <a:rPr lang="en-US" dirty="0"/>
-              <a:t> </a:t>
-            </a:r>
-            <a:r>
-              <a:rPr lang="en-US" dirty="0" err="1"/>
-              <a:t>thiệu</a:t>
-            </a:r>
-            <a:r>
-              <a:rPr lang="en-US" dirty="0"/>
-              <a:t> </a:t>
-            </a:r>
-            <a:r>
-              <a:rPr lang="en-US" dirty="0" err="1"/>
-              <a:t>đề</a:t>
-            </a:r>
-            <a:r>
-              <a:rPr lang="en-US" dirty="0"/>
-              <a:t> </a:t>
-            </a:r>
-            <a:r>
-              <a:rPr lang="en-US" dirty="0" err="1"/>
-              <a:t>tài</a:t>
+              <a:t>Bài</a:t>
+            </a:r>
+            <a:r>
+              <a:rPr lang="en-US" dirty="0"/>
+              <a:t> </a:t>
+            </a:r>
+            <a:r>
+              <a:rPr lang="en-US" dirty="0" err="1"/>
+              <a:t>toán</a:t>
             </a:r>
             <a:endParaRPr lang="en-US" dirty="0"/>
           </a:p>
@@ -10382,128 +10832,1061 @@
           <a:bodyPr/>
           <a:lstStyle/>
           <a:p>
-            <a:pPr marL="514350" indent="-514350">
-              <a:buFont typeface="+mj-lt"/>
-              <a:buAutoNum type="arabicPeriod"/>
-            </a:pPr>
-            <a:r>
-              <a:rPr lang="en-US" dirty="0" err="1"/>
-              <a:t>Lí</a:t>
-            </a:r>
-            <a:r>
-              <a:rPr lang="en-US" dirty="0"/>
-              <a:t> do </a:t>
-            </a:r>
-            <a:r>
-              <a:rPr lang="en-US" dirty="0" err="1"/>
-              <a:t>chọn</a:t>
-            </a:r>
-            <a:r>
-              <a:rPr lang="en-US" dirty="0"/>
-              <a:t> </a:t>
-            </a:r>
-            <a:r>
-              <a:rPr lang="en-US" dirty="0" err="1"/>
-              <a:t>đề</a:t>
-            </a:r>
-            <a:r>
-              <a:rPr lang="en-US" dirty="0"/>
-              <a:t> </a:t>
-            </a:r>
-            <a:r>
-              <a:rPr lang="en-US" dirty="0" err="1"/>
-              <a:t>tài</a:t>
+            <a:r>
+              <a:rPr lang="en-US" dirty="0" err="1"/>
+              <a:t>Đầu</a:t>
+            </a:r>
+            <a:r>
+              <a:rPr lang="en-US" dirty="0"/>
+              <a:t> </a:t>
+            </a:r>
+            <a:r>
+              <a:rPr lang="en-US" dirty="0" err="1"/>
+              <a:t>vào</a:t>
+            </a:r>
+            <a:r>
+              <a:rPr lang="en-US" dirty="0"/>
+              <a:t>: </a:t>
+            </a:r>
+            <a:r>
+              <a:rPr lang="en-US" sz="2800" dirty="0" err="1">
+                <a:effectLst/>
+                <a:latin typeface="Times New Roman" panose="02020603050405020304" pitchFamily="18" charset="0"/>
+                <a:ea typeface="Calibri" panose="020F0502020204030204" pitchFamily="34" charset="0"/>
+                <a:cs typeface="Times New Roman" panose="02020603050405020304" pitchFamily="18" charset="0"/>
+              </a:rPr>
+              <a:t>Đầu</a:t>
+            </a:r>
+            <a:r>
+              <a:rPr lang="en-US" sz="2800" dirty="0">
+                <a:effectLst/>
+                <a:latin typeface="Times New Roman" panose="02020603050405020304" pitchFamily="18" charset="0"/>
+                <a:ea typeface="Calibri" panose="020F0502020204030204" pitchFamily="34" charset="0"/>
+                <a:cs typeface="Times New Roman" panose="02020603050405020304" pitchFamily="18" charset="0"/>
+              </a:rPr>
+              <a:t> </a:t>
+            </a:r>
+            <a:r>
+              <a:rPr lang="en-US" sz="2800" dirty="0" err="1">
+                <a:effectLst/>
+                <a:latin typeface="Times New Roman" panose="02020603050405020304" pitchFamily="18" charset="0"/>
+                <a:ea typeface="Calibri" panose="020F0502020204030204" pitchFamily="34" charset="0"/>
+                <a:cs typeface="Times New Roman" panose="02020603050405020304" pitchFamily="18" charset="0"/>
+              </a:rPr>
+              <a:t>vào</a:t>
+            </a:r>
+            <a:r>
+              <a:rPr lang="en-US" sz="2800" dirty="0">
+                <a:effectLst/>
+                <a:latin typeface="Times New Roman" panose="02020603050405020304" pitchFamily="18" charset="0"/>
+                <a:ea typeface="Calibri" panose="020F0502020204030204" pitchFamily="34" charset="0"/>
+                <a:cs typeface="Times New Roman" panose="02020603050405020304" pitchFamily="18" charset="0"/>
+              </a:rPr>
+              <a:t> </a:t>
+            </a:r>
+            <a:r>
+              <a:rPr lang="en-US" sz="2800" dirty="0" err="1">
+                <a:effectLst/>
+                <a:latin typeface="Times New Roman" panose="02020603050405020304" pitchFamily="18" charset="0"/>
+                <a:ea typeface="Calibri" panose="020F0502020204030204" pitchFamily="34" charset="0"/>
+                <a:cs typeface="Times New Roman" panose="02020603050405020304" pitchFamily="18" charset="0"/>
+              </a:rPr>
+              <a:t>của</a:t>
+            </a:r>
+            <a:r>
+              <a:rPr lang="en-US" sz="2800" dirty="0">
+                <a:effectLst/>
+                <a:latin typeface="Times New Roman" panose="02020603050405020304" pitchFamily="18" charset="0"/>
+                <a:ea typeface="Calibri" panose="020F0502020204030204" pitchFamily="34" charset="0"/>
+                <a:cs typeface="Times New Roman" panose="02020603050405020304" pitchFamily="18" charset="0"/>
+              </a:rPr>
+              <a:t> </a:t>
+            </a:r>
+            <a:r>
+              <a:rPr lang="en-US" sz="2800" dirty="0" err="1">
+                <a:effectLst/>
+                <a:latin typeface="Times New Roman" panose="02020603050405020304" pitchFamily="18" charset="0"/>
+                <a:ea typeface="Calibri" panose="020F0502020204030204" pitchFamily="34" charset="0"/>
+                <a:cs typeface="Times New Roman" panose="02020603050405020304" pitchFamily="18" charset="0"/>
+              </a:rPr>
+              <a:t>bài</a:t>
+            </a:r>
+            <a:r>
+              <a:rPr lang="en-US" sz="2800" dirty="0">
+                <a:effectLst/>
+                <a:latin typeface="Times New Roman" panose="02020603050405020304" pitchFamily="18" charset="0"/>
+                <a:ea typeface="Calibri" panose="020F0502020204030204" pitchFamily="34" charset="0"/>
+                <a:cs typeface="Times New Roman" panose="02020603050405020304" pitchFamily="18" charset="0"/>
+              </a:rPr>
+              <a:t> </a:t>
+            </a:r>
+            <a:r>
+              <a:rPr lang="en-US" sz="2800" dirty="0" err="1">
+                <a:effectLst/>
+                <a:latin typeface="Times New Roman" panose="02020603050405020304" pitchFamily="18" charset="0"/>
+                <a:ea typeface="Calibri" panose="020F0502020204030204" pitchFamily="34" charset="0"/>
+                <a:cs typeface="Times New Roman" panose="02020603050405020304" pitchFamily="18" charset="0"/>
+              </a:rPr>
+              <a:t>toán</a:t>
+            </a:r>
+            <a:r>
+              <a:rPr lang="en-US" sz="2800" dirty="0">
+                <a:effectLst/>
+                <a:latin typeface="Times New Roman" panose="02020603050405020304" pitchFamily="18" charset="0"/>
+                <a:ea typeface="Calibri" panose="020F0502020204030204" pitchFamily="34" charset="0"/>
+                <a:cs typeface="Times New Roman" panose="02020603050405020304" pitchFamily="18" charset="0"/>
+              </a:rPr>
+              <a:t> </a:t>
+            </a:r>
+            <a:r>
+              <a:rPr lang="en-US" sz="2800" dirty="0" err="1">
+                <a:effectLst/>
+                <a:latin typeface="Times New Roman" panose="02020603050405020304" pitchFamily="18" charset="0"/>
+                <a:ea typeface="Calibri" panose="020F0502020204030204" pitchFamily="34" charset="0"/>
+                <a:cs typeface="Times New Roman" panose="02020603050405020304" pitchFamily="18" charset="0"/>
+              </a:rPr>
+              <a:t>gia</a:t>
+            </a:r>
+            <a:r>
+              <a:rPr lang="en-US" sz="2800" dirty="0">
+                <a:effectLst/>
+                <a:latin typeface="Times New Roman" panose="02020603050405020304" pitchFamily="18" charset="0"/>
+                <a:ea typeface="Calibri" panose="020F0502020204030204" pitchFamily="34" charset="0"/>
+                <a:cs typeface="Times New Roman" panose="02020603050405020304" pitchFamily="18" charset="0"/>
+              </a:rPr>
+              <a:t> </a:t>
+            </a:r>
+            <a:r>
+              <a:rPr lang="en-US" sz="2800" dirty="0" err="1">
+                <a:effectLst/>
+                <a:latin typeface="Times New Roman" panose="02020603050405020304" pitchFamily="18" charset="0"/>
+                <a:ea typeface="Calibri" panose="020F0502020204030204" pitchFamily="34" charset="0"/>
+                <a:cs typeface="Times New Roman" panose="02020603050405020304" pitchFamily="18" charset="0"/>
+              </a:rPr>
+              <a:t>công</a:t>
+            </a:r>
+            <a:r>
+              <a:rPr lang="en-US" sz="2800" dirty="0">
+                <a:effectLst/>
+                <a:latin typeface="Times New Roman" panose="02020603050405020304" pitchFamily="18" charset="0"/>
+                <a:ea typeface="Calibri" panose="020F0502020204030204" pitchFamily="34" charset="0"/>
+                <a:cs typeface="Times New Roman" panose="02020603050405020304" pitchFamily="18" charset="0"/>
+              </a:rPr>
+              <a:t> </a:t>
+            </a:r>
+            <a:r>
+              <a:rPr lang="en-US" sz="2800" dirty="0" err="1">
+                <a:effectLst/>
+                <a:latin typeface="Times New Roman" panose="02020603050405020304" pitchFamily="18" charset="0"/>
+                <a:ea typeface="Calibri" panose="020F0502020204030204" pitchFamily="34" charset="0"/>
+                <a:cs typeface="Times New Roman" panose="02020603050405020304" pitchFamily="18" charset="0"/>
+              </a:rPr>
+              <a:t>cắt</a:t>
+            </a:r>
+            <a:r>
+              <a:rPr lang="en-US" sz="2800" dirty="0">
+                <a:effectLst/>
+                <a:latin typeface="Times New Roman" panose="02020603050405020304" pitchFamily="18" charset="0"/>
+                <a:ea typeface="Calibri" panose="020F0502020204030204" pitchFamily="34" charset="0"/>
+                <a:cs typeface="Times New Roman" panose="02020603050405020304" pitchFamily="18" charset="0"/>
+              </a:rPr>
+              <a:t> </a:t>
+            </a:r>
+            <a:r>
+              <a:rPr lang="en-US" sz="2800" dirty="0" err="1">
+                <a:effectLst/>
+                <a:latin typeface="Times New Roman" panose="02020603050405020304" pitchFamily="18" charset="0"/>
+                <a:ea typeface="Calibri" panose="020F0502020204030204" pitchFamily="34" charset="0"/>
+                <a:cs typeface="Times New Roman" panose="02020603050405020304" pitchFamily="18" charset="0"/>
+              </a:rPr>
+              <a:t>thép</a:t>
+            </a:r>
+            <a:r>
+              <a:rPr lang="en-US" sz="2800" dirty="0">
+                <a:effectLst/>
+                <a:latin typeface="Times New Roman" panose="02020603050405020304" pitchFamily="18" charset="0"/>
+                <a:ea typeface="Calibri" panose="020F0502020204030204" pitchFamily="34" charset="0"/>
+                <a:cs typeface="Times New Roman" panose="02020603050405020304" pitchFamily="18" charset="0"/>
+              </a:rPr>
+              <a:t> </a:t>
+            </a:r>
+            <a:r>
+              <a:rPr lang="en-US" sz="2800" dirty="0" err="1">
+                <a:effectLst/>
+                <a:latin typeface="Times New Roman" panose="02020603050405020304" pitchFamily="18" charset="0"/>
+                <a:ea typeface="Calibri" panose="020F0502020204030204" pitchFamily="34" charset="0"/>
+                <a:cs typeface="Times New Roman" panose="02020603050405020304" pitchFamily="18" charset="0"/>
+              </a:rPr>
+              <a:t>gồm</a:t>
+            </a:r>
+            <a:r>
+              <a:rPr lang="en-US" sz="2800" dirty="0">
+                <a:effectLst/>
+                <a:latin typeface="Times New Roman" panose="02020603050405020304" pitchFamily="18" charset="0"/>
+                <a:ea typeface="Calibri" panose="020F0502020204030204" pitchFamily="34" charset="0"/>
+                <a:cs typeface="Times New Roman" panose="02020603050405020304" pitchFamily="18" charset="0"/>
+              </a:rPr>
+              <a:t> </a:t>
+            </a:r>
+            <a:r>
+              <a:rPr lang="en-US" sz="2800" dirty="0" err="1">
+                <a:effectLst/>
+                <a:latin typeface="Times New Roman" panose="02020603050405020304" pitchFamily="18" charset="0"/>
+                <a:ea typeface="Calibri" panose="020F0502020204030204" pitchFamily="34" charset="0"/>
+                <a:cs typeface="Times New Roman" panose="02020603050405020304" pitchFamily="18" charset="0"/>
+              </a:rPr>
+              <a:t>hai</a:t>
+            </a:r>
+            <a:r>
+              <a:rPr lang="en-US" sz="2800" dirty="0">
+                <a:effectLst/>
+                <a:latin typeface="Times New Roman" panose="02020603050405020304" pitchFamily="18" charset="0"/>
+                <a:ea typeface="Calibri" panose="020F0502020204030204" pitchFamily="34" charset="0"/>
+                <a:cs typeface="Times New Roman" panose="02020603050405020304" pitchFamily="18" charset="0"/>
+              </a:rPr>
+              <a:t> </a:t>
+            </a:r>
+            <a:r>
+              <a:rPr lang="en-US" sz="2800" dirty="0" err="1">
+                <a:effectLst/>
+                <a:latin typeface="Times New Roman" panose="02020603050405020304" pitchFamily="18" charset="0"/>
+                <a:ea typeface="Calibri" panose="020F0502020204030204" pitchFamily="34" charset="0"/>
+                <a:cs typeface="Times New Roman" panose="02020603050405020304" pitchFamily="18" charset="0"/>
+              </a:rPr>
+              <a:t>phần</a:t>
+            </a:r>
+            <a:r>
+              <a:rPr lang="en-US" sz="2800" dirty="0">
+                <a:effectLst/>
+                <a:latin typeface="Times New Roman" panose="02020603050405020304" pitchFamily="18" charset="0"/>
+                <a:ea typeface="Calibri" panose="020F0502020204030204" pitchFamily="34" charset="0"/>
+                <a:cs typeface="Times New Roman" panose="02020603050405020304" pitchFamily="18" charset="0"/>
+              </a:rPr>
+              <a:t>. </a:t>
+            </a:r>
+            <a:r>
+              <a:rPr lang="en-US" sz="2800" dirty="0" err="1">
+                <a:effectLst/>
+                <a:latin typeface="Times New Roman" panose="02020603050405020304" pitchFamily="18" charset="0"/>
+                <a:ea typeface="Calibri" panose="020F0502020204030204" pitchFamily="34" charset="0"/>
+                <a:cs typeface="Times New Roman" panose="02020603050405020304" pitchFamily="18" charset="0"/>
+              </a:rPr>
+              <a:t>Phần</a:t>
+            </a:r>
+            <a:r>
+              <a:rPr lang="en-US" sz="2800" dirty="0">
+                <a:effectLst/>
+                <a:latin typeface="Times New Roman" panose="02020603050405020304" pitchFamily="18" charset="0"/>
+                <a:ea typeface="Calibri" panose="020F0502020204030204" pitchFamily="34" charset="0"/>
+                <a:cs typeface="Times New Roman" panose="02020603050405020304" pitchFamily="18" charset="0"/>
+              </a:rPr>
+              <a:t> </a:t>
+            </a:r>
+            <a:r>
+              <a:rPr lang="en-US" sz="2800" dirty="0" err="1">
+                <a:effectLst/>
+                <a:latin typeface="Times New Roman" panose="02020603050405020304" pitchFamily="18" charset="0"/>
+                <a:ea typeface="Calibri" panose="020F0502020204030204" pitchFamily="34" charset="0"/>
+                <a:cs typeface="Times New Roman" panose="02020603050405020304" pitchFamily="18" charset="0"/>
+              </a:rPr>
+              <a:t>đầu</a:t>
+            </a:r>
+            <a:r>
+              <a:rPr lang="en-US" sz="2800" dirty="0">
+                <a:effectLst/>
+                <a:latin typeface="Times New Roman" panose="02020603050405020304" pitchFamily="18" charset="0"/>
+                <a:ea typeface="Calibri" panose="020F0502020204030204" pitchFamily="34" charset="0"/>
+                <a:cs typeface="Times New Roman" panose="02020603050405020304" pitchFamily="18" charset="0"/>
+              </a:rPr>
+              <a:t> </a:t>
+            </a:r>
+            <a:r>
+              <a:rPr lang="en-US" sz="2800" dirty="0" err="1">
+                <a:effectLst/>
+                <a:latin typeface="Times New Roman" panose="02020603050405020304" pitchFamily="18" charset="0"/>
+                <a:ea typeface="Calibri" panose="020F0502020204030204" pitchFamily="34" charset="0"/>
+                <a:cs typeface="Times New Roman" panose="02020603050405020304" pitchFamily="18" charset="0"/>
+              </a:rPr>
+              <a:t>tiên</a:t>
+            </a:r>
+            <a:r>
+              <a:rPr lang="en-US" sz="2800" dirty="0">
+                <a:effectLst/>
+                <a:latin typeface="Times New Roman" panose="02020603050405020304" pitchFamily="18" charset="0"/>
+                <a:ea typeface="Calibri" panose="020F0502020204030204" pitchFamily="34" charset="0"/>
+                <a:cs typeface="Times New Roman" panose="02020603050405020304" pitchFamily="18" charset="0"/>
+              </a:rPr>
+              <a:t> </a:t>
+            </a:r>
+            <a:r>
+              <a:rPr lang="en-US" sz="2800" dirty="0" err="1">
+                <a:effectLst/>
+                <a:latin typeface="Times New Roman" panose="02020603050405020304" pitchFamily="18" charset="0"/>
+                <a:ea typeface="Calibri" panose="020F0502020204030204" pitchFamily="34" charset="0"/>
+                <a:cs typeface="Times New Roman" panose="02020603050405020304" pitchFamily="18" charset="0"/>
+              </a:rPr>
+              <a:t>là</a:t>
+            </a:r>
+            <a:r>
+              <a:rPr lang="en-US" sz="2800" dirty="0">
+                <a:effectLst/>
+                <a:latin typeface="Times New Roman" panose="02020603050405020304" pitchFamily="18" charset="0"/>
+                <a:ea typeface="Calibri" panose="020F0502020204030204" pitchFamily="34" charset="0"/>
+                <a:cs typeface="Times New Roman" panose="02020603050405020304" pitchFamily="18" charset="0"/>
+              </a:rPr>
+              <a:t> </a:t>
+            </a:r>
+            <a:r>
+              <a:rPr lang="en-US" sz="2800" dirty="0" err="1">
+                <a:effectLst/>
+                <a:latin typeface="Times New Roman" panose="02020603050405020304" pitchFamily="18" charset="0"/>
+                <a:ea typeface="Calibri" panose="020F0502020204030204" pitchFamily="34" charset="0"/>
+                <a:cs typeface="Times New Roman" panose="02020603050405020304" pitchFamily="18" charset="0"/>
+              </a:rPr>
+              <a:t>danh</a:t>
+            </a:r>
+            <a:r>
+              <a:rPr lang="en-US" sz="2800" dirty="0">
+                <a:effectLst/>
+                <a:latin typeface="Times New Roman" panose="02020603050405020304" pitchFamily="18" charset="0"/>
+                <a:ea typeface="Calibri" panose="020F0502020204030204" pitchFamily="34" charset="0"/>
+                <a:cs typeface="Times New Roman" panose="02020603050405020304" pitchFamily="18" charset="0"/>
+              </a:rPr>
+              <a:t> </a:t>
+            </a:r>
+            <a:r>
+              <a:rPr lang="en-US" sz="2800" dirty="0" err="1">
+                <a:effectLst/>
+                <a:latin typeface="Times New Roman" panose="02020603050405020304" pitchFamily="18" charset="0"/>
+                <a:ea typeface="Calibri" panose="020F0502020204030204" pitchFamily="34" charset="0"/>
+                <a:cs typeface="Times New Roman" panose="02020603050405020304" pitchFamily="18" charset="0"/>
+              </a:rPr>
+              <a:t>sách</a:t>
+            </a:r>
+            <a:r>
+              <a:rPr lang="en-US" sz="2800" dirty="0">
+                <a:effectLst/>
+                <a:latin typeface="Times New Roman" panose="02020603050405020304" pitchFamily="18" charset="0"/>
+                <a:ea typeface="Calibri" panose="020F0502020204030204" pitchFamily="34" charset="0"/>
+                <a:cs typeface="Times New Roman" panose="02020603050405020304" pitchFamily="18" charset="0"/>
+              </a:rPr>
+              <a:t> </a:t>
+            </a:r>
+            <a:r>
+              <a:rPr lang="en-US" sz="2800" dirty="0" err="1">
+                <a:effectLst/>
+                <a:latin typeface="Times New Roman" panose="02020603050405020304" pitchFamily="18" charset="0"/>
+                <a:ea typeface="Calibri" panose="020F0502020204030204" pitchFamily="34" charset="0"/>
+                <a:cs typeface="Times New Roman" panose="02020603050405020304" pitchFamily="18" charset="0"/>
+              </a:rPr>
+              <a:t>lô</a:t>
+            </a:r>
+            <a:r>
+              <a:rPr lang="en-US" sz="2800" dirty="0">
+                <a:effectLst/>
+                <a:latin typeface="Times New Roman" panose="02020603050405020304" pitchFamily="18" charset="0"/>
+                <a:ea typeface="Calibri" panose="020F0502020204030204" pitchFamily="34" charset="0"/>
+                <a:cs typeface="Times New Roman" panose="02020603050405020304" pitchFamily="18" charset="0"/>
+              </a:rPr>
+              <a:t> </a:t>
+            </a:r>
+            <a:r>
+              <a:rPr lang="en-US" sz="2800" dirty="0" err="1">
+                <a:effectLst/>
+                <a:latin typeface="Times New Roman" panose="02020603050405020304" pitchFamily="18" charset="0"/>
+                <a:ea typeface="Calibri" panose="020F0502020204030204" pitchFamily="34" charset="0"/>
+                <a:cs typeface="Times New Roman" panose="02020603050405020304" pitchFamily="18" charset="0"/>
+              </a:rPr>
+              <a:t>hàng</a:t>
+            </a:r>
+            <a:r>
+              <a:rPr lang="en-US" sz="2800" dirty="0">
+                <a:effectLst/>
+                <a:latin typeface="Times New Roman" panose="02020603050405020304" pitchFamily="18" charset="0"/>
+                <a:ea typeface="Calibri" panose="020F0502020204030204" pitchFamily="34" charset="0"/>
+                <a:cs typeface="Times New Roman" panose="02020603050405020304" pitchFamily="18" charset="0"/>
+              </a:rPr>
+              <a:t> (</a:t>
+            </a:r>
+            <a:r>
+              <a:rPr lang="en-US" sz="2800" dirty="0" err="1">
+                <a:effectLst/>
+                <a:latin typeface="Times New Roman" panose="02020603050405020304" pitchFamily="18" charset="0"/>
+                <a:ea typeface="Calibri" panose="020F0502020204030204" pitchFamily="34" charset="0"/>
+                <a:cs typeface="Times New Roman" panose="02020603050405020304" pitchFamily="18" charset="0"/>
+              </a:rPr>
+              <a:t>danh</a:t>
+            </a:r>
+            <a:r>
+              <a:rPr lang="en-US" sz="2800" dirty="0">
+                <a:effectLst/>
+                <a:latin typeface="Times New Roman" panose="02020603050405020304" pitchFamily="18" charset="0"/>
+                <a:ea typeface="Calibri" panose="020F0502020204030204" pitchFamily="34" charset="0"/>
+                <a:cs typeface="Times New Roman" panose="02020603050405020304" pitchFamily="18" charset="0"/>
+              </a:rPr>
+              <a:t> </a:t>
+            </a:r>
+            <a:r>
+              <a:rPr lang="en-US" sz="2800" dirty="0" err="1">
+                <a:effectLst/>
+                <a:latin typeface="Times New Roman" panose="02020603050405020304" pitchFamily="18" charset="0"/>
+                <a:ea typeface="Calibri" panose="020F0502020204030204" pitchFamily="34" charset="0"/>
+                <a:cs typeface="Times New Roman" panose="02020603050405020304" pitchFamily="18" charset="0"/>
+              </a:rPr>
+              <a:t>sách</a:t>
+            </a:r>
+            <a:r>
+              <a:rPr lang="en-US" sz="2800" dirty="0">
+                <a:effectLst/>
+                <a:latin typeface="Times New Roman" panose="02020603050405020304" pitchFamily="18" charset="0"/>
+                <a:ea typeface="Calibri" panose="020F0502020204030204" pitchFamily="34" charset="0"/>
+                <a:cs typeface="Times New Roman" panose="02020603050405020304" pitchFamily="18" charset="0"/>
+              </a:rPr>
+              <a:t> </a:t>
+            </a:r>
+            <a:r>
+              <a:rPr lang="en-US" sz="2800" dirty="0" err="1">
+                <a:effectLst/>
+                <a:latin typeface="Times New Roman" panose="02020603050405020304" pitchFamily="18" charset="0"/>
+                <a:ea typeface="Calibri" panose="020F0502020204030204" pitchFamily="34" charset="0"/>
+                <a:cs typeface="Times New Roman" panose="02020603050405020304" pitchFamily="18" charset="0"/>
+              </a:rPr>
+              <a:t>các</a:t>
+            </a:r>
+            <a:r>
+              <a:rPr lang="en-US" sz="2800" dirty="0">
+                <a:effectLst/>
+                <a:latin typeface="Times New Roman" panose="02020603050405020304" pitchFamily="18" charset="0"/>
+                <a:ea typeface="Calibri" panose="020F0502020204030204" pitchFamily="34" charset="0"/>
+                <a:cs typeface="Times New Roman" panose="02020603050405020304" pitchFamily="18" charset="0"/>
+              </a:rPr>
+              <a:t> </a:t>
+            </a:r>
+            <a:r>
+              <a:rPr lang="en-US" sz="2800" dirty="0" err="1">
+                <a:effectLst/>
+                <a:latin typeface="Times New Roman" panose="02020603050405020304" pitchFamily="18" charset="0"/>
+                <a:ea typeface="Calibri" panose="020F0502020204030204" pitchFamily="34" charset="0"/>
+                <a:cs typeface="Times New Roman" panose="02020603050405020304" pitchFamily="18" charset="0"/>
+              </a:rPr>
+              <a:t>loại</a:t>
+            </a:r>
+            <a:r>
+              <a:rPr lang="en-US" sz="2800" dirty="0">
+                <a:effectLst/>
+                <a:latin typeface="Times New Roman" panose="02020603050405020304" pitchFamily="18" charset="0"/>
+                <a:ea typeface="Calibri" panose="020F0502020204030204" pitchFamily="34" charset="0"/>
+                <a:cs typeface="Times New Roman" panose="02020603050405020304" pitchFamily="18" charset="0"/>
+              </a:rPr>
+              <a:t> </a:t>
+            </a:r>
+            <a:r>
+              <a:rPr lang="en-US" sz="2800" dirty="0" err="1">
+                <a:effectLst/>
+                <a:latin typeface="Times New Roman" panose="02020603050405020304" pitchFamily="18" charset="0"/>
+                <a:ea typeface="Calibri" panose="020F0502020204030204" pitchFamily="34" charset="0"/>
+                <a:cs typeface="Times New Roman" panose="02020603050405020304" pitchFamily="18" charset="0"/>
+              </a:rPr>
+              <a:t>sắt</a:t>
+            </a:r>
+            <a:r>
+              <a:rPr lang="en-US" sz="2800" dirty="0">
+                <a:effectLst/>
+                <a:latin typeface="Times New Roman" panose="02020603050405020304" pitchFamily="18" charset="0"/>
+                <a:ea typeface="Calibri" panose="020F0502020204030204" pitchFamily="34" charset="0"/>
+                <a:cs typeface="Times New Roman" panose="02020603050405020304" pitchFamily="18" charset="0"/>
+              </a:rPr>
+              <a:t>, </a:t>
+            </a:r>
+            <a:r>
+              <a:rPr lang="en-US" sz="2800" dirty="0" err="1">
+                <a:effectLst/>
+                <a:latin typeface="Times New Roman" panose="02020603050405020304" pitchFamily="18" charset="0"/>
+                <a:ea typeface="Calibri" panose="020F0502020204030204" pitchFamily="34" charset="0"/>
+                <a:cs typeface="Times New Roman" panose="02020603050405020304" pitchFamily="18" charset="0"/>
+              </a:rPr>
+              <a:t>chiều</a:t>
+            </a:r>
+            <a:r>
+              <a:rPr lang="en-US" sz="2800" dirty="0">
+                <a:effectLst/>
+                <a:latin typeface="Times New Roman" panose="02020603050405020304" pitchFamily="18" charset="0"/>
+                <a:ea typeface="Calibri" panose="020F0502020204030204" pitchFamily="34" charset="0"/>
+                <a:cs typeface="Times New Roman" panose="02020603050405020304" pitchFamily="18" charset="0"/>
+              </a:rPr>
+              <a:t> </a:t>
+            </a:r>
+            <a:r>
+              <a:rPr lang="en-US" sz="2800" dirty="0" err="1">
+                <a:effectLst/>
+                <a:latin typeface="Times New Roman" panose="02020603050405020304" pitchFamily="18" charset="0"/>
+                <a:ea typeface="Calibri" panose="020F0502020204030204" pitchFamily="34" charset="0"/>
+                <a:cs typeface="Times New Roman" panose="02020603050405020304" pitchFamily="18" charset="0"/>
+              </a:rPr>
+              <a:t>dài</a:t>
+            </a:r>
+            <a:r>
+              <a:rPr lang="en-US" sz="2800" dirty="0">
+                <a:effectLst/>
+                <a:latin typeface="Times New Roman" panose="02020603050405020304" pitchFamily="18" charset="0"/>
+                <a:ea typeface="Calibri" panose="020F0502020204030204" pitchFamily="34" charset="0"/>
+                <a:cs typeface="Times New Roman" panose="02020603050405020304" pitchFamily="18" charset="0"/>
+              </a:rPr>
+              <a:t> </a:t>
+            </a:r>
+            <a:r>
+              <a:rPr lang="en-US" sz="2800" dirty="0" err="1">
+                <a:effectLst/>
+                <a:latin typeface="Times New Roman" panose="02020603050405020304" pitchFamily="18" charset="0"/>
+                <a:ea typeface="Calibri" panose="020F0502020204030204" pitchFamily="34" charset="0"/>
+                <a:cs typeface="Times New Roman" panose="02020603050405020304" pitchFamily="18" charset="0"/>
+              </a:rPr>
+              <a:t>và</a:t>
+            </a:r>
+            <a:r>
+              <a:rPr lang="en-US" sz="2800" dirty="0">
+                <a:effectLst/>
+                <a:latin typeface="Times New Roman" panose="02020603050405020304" pitchFamily="18" charset="0"/>
+                <a:ea typeface="Calibri" panose="020F0502020204030204" pitchFamily="34" charset="0"/>
+                <a:cs typeface="Times New Roman" panose="02020603050405020304" pitchFamily="18" charset="0"/>
+              </a:rPr>
+              <a:t> </a:t>
+            </a:r>
+            <a:r>
+              <a:rPr lang="en-US" sz="2800" dirty="0" err="1">
+                <a:effectLst/>
+                <a:latin typeface="Times New Roman" panose="02020603050405020304" pitchFamily="18" charset="0"/>
+                <a:ea typeface="Calibri" panose="020F0502020204030204" pitchFamily="34" charset="0"/>
+                <a:cs typeface="Times New Roman" panose="02020603050405020304" pitchFamily="18" charset="0"/>
+              </a:rPr>
+              <a:t>số</a:t>
+            </a:r>
+            <a:r>
+              <a:rPr lang="en-US" sz="2800" dirty="0">
+                <a:effectLst/>
+                <a:latin typeface="Times New Roman" panose="02020603050405020304" pitchFamily="18" charset="0"/>
+                <a:ea typeface="Calibri" panose="020F0502020204030204" pitchFamily="34" charset="0"/>
+                <a:cs typeface="Times New Roman" panose="02020603050405020304" pitchFamily="18" charset="0"/>
+              </a:rPr>
+              <a:t> </a:t>
+            </a:r>
+            <a:r>
+              <a:rPr lang="en-US" sz="2800" dirty="0" err="1">
+                <a:effectLst/>
+                <a:latin typeface="Times New Roman" panose="02020603050405020304" pitchFamily="18" charset="0"/>
+                <a:ea typeface="Calibri" panose="020F0502020204030204" pitchFamily="34" charset="0"/>
+                <a:cs typeface="Times New Roman" panose="02020603050405020304" pitchFamily="18" charset="0"/>
+              </a:rPr>
+              <a:t>lượng</a:t>
+            </a:r>
+            <a:r>
+              <a:rPr lang="en-US" sz="2800" dirty="0">
+                <a:effectLst/>
+                <a:latin typeface="Times New Roman" panose="02020603050405020304" pitchFamily="18" charset="0"/>
+                <a:ea typeface="Calibri" panose="020F0502020204030204" pitchFamily="34" charset="0"/>
+                <a:cs typeface="Times New Roman" panose="02020603050405020304" pitchFamily="18" charset="0"/>
+              </a:rPr>
+              <a:t> </a:t>
+            </a:r>
+            <a:r>
+              <a:rPr lang="en-US" sz="2800" dirty="0" err="1">
+                <a:effectLst/>
+                <a:latin typeface="Times New Roman" panose="02020603050405020304" pitchFamily="18" charset="0"/>
+                <a:ea typeface="Calibri" panose="020F0502020204030204" pitchFamily="34" charset="0"/>
+                <a:cs typeface="Times New Roman" panose="02020603050405020304" pitchFamily="18" charset="0"/>
+              </a:rPr>
+              <a:t>cần</a:t>
+            </a:r>
+            <a:r>
+              <a:rPr lang="en-US" sz="2800" dirty="0">
+                <a:effectLst/>
+                <a:latin typeface="Times New Roman" panose="02020603050405020304" pitchFamily="18" charset="0"/>
+                <a:ea typeface="Calibri" panose="020F0502020204030204" pitchFamily="34" charset="0"/>
+                <a:cs typeface="Times New Roman" panose="02020603050405020304" pitchFamily="18" charset="0"/>
+              </a:rPr>
+              <a:t> </a:t>
+            </a:r>
+            <a:r>
+              <a:rPr lang="en-US" sz="2800" dirty="0" err="1">
+                <a:effectLst/>
+                <a:latin typeface="Times New Roman" panose="02020603050405020304" pitchFamily="18" charset="0"/>
+                <a:ea typeface="Calibri" panose="020F0502020204030204" pitchFamily="34" charset="0"/>
+                <a:cs typeface="Times New Roman" panose="02020603050405020304" pitchFamily="18" charset="0"/>
+              </a:rPr>
+              <a:t>cắt</a:t>
+            </a:r>
+            <a:r>
+              <a:rPr lang="en-US" sz="2800" dirty="0">
+                <a:effectLst/>
+                <a:latin typeface="Times New Roman" panose="02020603050405020304" pitchFamily="18" charset="0"/>
+                <a:ea typeface="Calibri" panose="020F0502020204030204" pitchFamily="34" charset="0"/>
+                <a:cs typeface="Times New Roman" panose="02020603050405020304" pitchFamily="18" charset="0"/>
+              </a:rPr>
+              <a:t>). </a:t>
+            </a:r>
+            <a:r>
+              <a:rPr lang="en-US" sz="2800" dirty="0" err="1">
+                <a:effectLst/>
+                <a:latin typeface="Times New Roman" panose="02020603050405020304" pitchFamily="18" charset="0"/>
+                <a:ea typeface="Calibri" panose="020F0502020204030204" pitchFamily="34" charset="0"/>
+                <a:cs typeface="Times New Roman" panose="02020603050405020304" pitchFamily="18" charset="0"/>
+              </a:rPr>
+              <a:t>Tiếp</a:t>
+            </a:r>
+            <a:r>
+              <a:rPr lang="en-US" sz="2800" dirty="0">
+                <a:effectLst/>
+                <a:latin typeface="Times New Roman" panose="02020603050405020304" pitchFamily="18" charset="0"/>
+                <a:ea typeface="Calibri" panose="020F0502020204030204" pitchFamily="34" charset="0"/>
+                <a:cs typeface="Times New Roman" panose="02020603050405020304" pitchFamily="18" charset="0"/>
+              </a:rPr>
+              <a:t> </a:t>
+            </a:r>
+            <a:r>
+              <a:rPr lang="en-US" sz="2800" dirty="0" err="1">
+                <a:effectLst/>
+                <a:latin typeface="Times New Roman" panose="02020603050405020304" pitchFamily="18" charset="0"/>
+                <a:ea typeface="Calibri" panose="020F0502020204030204" pitchFamily="34" charset="0"/>
+                <a:cs typeface="Times New Roman" panose="02020603050405020304" pitchFamily="18" charset="0"/>
+              </a:rPr>
+              <a:t>đến</a:t>
+            </a:r>
+            <a:r>
+              <a:rPr lang="en-US" sz="2800" dirty="0">
+                <a:effectLst/>
+                <a:latin typeface="Times New Roman" panose="02020603050405020304" pitchFamily="18" charset="0"/>
+                <a:ea typeface="Calibri" panose="020F0502020204030204" pitchFamily="34" charset="0"/>
+                <a:cs typeface="Times New Roman" panose="02020603050405020304" pitchFamily="18" charset="0"/>
+              </a:rPr>
+              <a:t> </a:t>
+            </a:r>
+            <a:r>
+              <a:rPr lang="en-US" sz="2800" dirty="0" err="1">
+                <a:effectLst/>
+                <a:latin typeface="Times New Roman" panose="02020603050405020304" pitchFamily="18" charset="0"/>
+                <a:ea typeface="Calibri" panose="020F0502020204030204" pitchFamily="34" charset="0"/>
+                <a:cs typeface="Times New Roman" panose="02020603050405020304" pitchFamily="18" charset="0"/>
+              </a:rPr>
+              <a:t>là</a:t>
+            </a:r>
+            <a:r>
+              <a:rPr lang="en-US" sz="2800" dirty="0">
+                <a:effectLst/>
+                <a:latin typeface="Times New Roman" panose="02020603050405020304" pitchFamily="18" charset="0"/>
+                <a:ea typeface="Calibri" panose="020F0502020204030204" pitchFamily="34" charset="0"/>
+                <a:cs typeface="Times New Roman" panose="02020603050405020304" pitchFamily="18" charset="0"/>
+              </a:rPr>
+              <a:t> </a:t>
+            </a:r>
+            <a:r>
+              <a:rPr lang="en-US" sz="2800" dirty="0" err="1">
+                <a:effectLst/>
+                <a:latin typeface="Times New Roman" panose="02020603050405020304" pitchFamily="18" charset="0"/>
+                <a:ea typeface="Calibri" panose="020F0502020204030204" pitchFamily="34" charset="0"/>
+                <a:cs typeface="Times New Roman" panose="02020603050405020304" pitchFamily="18" charset="0"/>
+              </a:rPr>
+              <a:t>danh</a:t>
+            </a:r>
+            <a:r>
+              <a:rPr lang="en-US" sz="2800" dirty="0">
+                <a:effectLst/>
+                <a:latin typeface="Times New Roman" panose="02020603050405020304" pitchFamily="18" charset="0"/>
+                <a:ea typeface="Calibri" panose="020F0502020204030204" pitchFamily="34" charset="0"/>
+                <a:cs typeface="Times New Roman" panose="02020603050405020304" pitchFamily="18" charset="0"/>
+              </a:rPr>
+              <a:t> </a:t>
+            </a:r>
+            <a:r>
+              <a:rPr lang="en-US" sz="2800" dirty="0" err="1">
+                <a:effectLst/>
+                <a:latin typeface="Times New Roman" panose="02020603050405020304" pitchFamily="18" charset="0"/>
+                <a:ea typeface="Calibri" panose="020F0502020204030204" pitchFamily="34" charset="0"/>
+                <a:cs typeface="Times New Roman" panose="02020603050405020304" pitchFamily="18" charset="0"/>
+              </a:rPr>
+              <a:t>sách</a:t>
+            </a:r>
+            <a:r>
+              <a:rPr lang="en-US" sz="2800" dirty="0">
+                <a:effectLst/>
+                <a:latin typeface="Times New Roman" panose="02020603050405020304" pitchFamily="18" charset="0"/>
+                <a:ea typeface="Calibri" panose="020F0502020204030204" pitchFamily="34" charset="0"/>
+                <a:cs typeface="Times New Roman" panose="02020603050405020304" pitchFamily="18" charset="0"/>
+              </a:rPr>
+              <a:t> </a:t>
+            </a:r>
+            <a:r>
+              <a:rPr lang="en-US" sz="2800" dirty="0" err="1">
+                <a:effectLst/>
+                <a:latin typeface="Times New Roman" panose="02020603050405020304" pitchFamily="18" charset="0"/>
+                <a:ea typeface="Calibri" panose="020F0502020204030204" pitchFamily="34" charset="0"/>
+                <a:cs typeface="Times New Roman" panose="02020603050405020304" pitchFamily="18" charset="0"/>
+              </a:rPr>
+              <a:t>số</a:t>
+            </a:r>
+            <a:r>
+              <a:rPr lang="en-US" sz="2800" dirty="0">
+                <a:effectLst/>
+                <a:latin typeface="Times New Roman" panose="02020603050405020304" pitchFamily="18" charset="0"/>
+                <a:ea typeface="Calibri" panose="020F0502020204030204" pitchFamily="34" charset="0"/>
+                <a:cs typeface="Times New Roman" panose="02020603050405020304" pitchFamily="18" charset="0"/>
+              </a:rPr>
+              <a:t> </a:t>
+            </a:r>
+            <a:r>
+              <a:rPr lang="en-US" sz="2800" dirty="0" err="1">
+                <a:effectLst/>
+                <a:latin typeface="Times New Roman" panose="02020603050405020304" pitchFamily="18" charset="0"/>
+                <a:ea typeface="Calibri" panose="020F0502020204030204" pitchFamily="34" charset="0"/>
+                <a:cs typeface="Times New Roman" panose="02020603050405020304" pitchFamily="18" charset="0"/>
+              </a:rPr>
+              <a:t>lượng</a:t>
+            </a:r>
+            <a:r>
+              <a:rPr lang="en-US" sz="2800" dirty="0">
+                <a:effectLst/>
+                <a:latin typeface="Times New Roman" panose="02020603050405020304" pitchFamily="18" charset="0"/>
+                <a:ea typeface="Calibri" panose="020F0502020204030204" pitchFamily="34" charset="0"/>
+                <a:cs typeface="Times New Roman" panose="02020603050405020304" pitchFamily="18" charset="0"/>
+              </a:rPr>
+              <a:t> </a:t>
+            </a:r>
+            <a:r>
+              <a:rPr lang="en-US" sz="2800" dirty="0" err="1">
+                <a:effectLst/>
+                <a:latin typeface="Times New Roman" panose="02020603050405020304" pitchFamily="18" charset="0"/>
+                <a:ea typeface="Calibri" panose="020F0502020204030204" pitchFamily="34" charset="0"/>
+                <a:cs typeface="Times New Roman" panose="02020603050405020304" pitchFamily="18" charset="0"/>
+              </a:rPr>
+              <a:t>các</a:t>
+            </a:r>
+            <a:r>
+              <a:rPr lang="en-US" sz="2800" dirty="0">
+                <a:effectLst/>
+                <a:latin typeface="Times New Roman" panose="02020603050405020304" pitchFamily="18" charset="0"/>
+                <a:ea typeface="Calibri" panose="020F0502020204030204" pitchFamily="34" charset="0"/>
+                <a:cs typeface="Times New Roman" panose="02020603050405020304" pitchFamily="18" charset="0"/>
+              </a:rPr>
+              <a:t> </a:t>
+            </a:r>
+            <a:r>
+              <a:rPr lang="en-US" sz="2800" dirty="0" err="1">
+                <a:effectLst/>
+                <a:latin typeface="Times New Roman" panose="02020603050405020304" pitchFamily="18" charset="0"/>
+                <a:ea typeface="Calibri" panose="020F0502020204030204" pitchFamily="34" charset="0"/>
+                <a:cs typeface="Times New Roman" panose="02020603050405020304" pitchFamily="18" charset="0"/>
+              </a:rPr>
+              <a:t>loại</a:t>
+            </a:r>
+            <a:r>
+              <a:rPr lang="en-US" sz="2800" dirty="0">
+                <a:effectLst/>
+                <a:latin typeface="Times New Roman" panose="02020603050405020304" pitchFamily="18" charset="0"/>
+                <a:ea typeface="Calibri" panose="020F0502020204030204" pitchFamily="34" charset="0"/>
+                <a:cs typeface="Times New Roman" panose="02020603050405020304" pitchFamily="18" charset="0"/>
+              </a:rPr>
+              <a:t> </a:t>
+            </a:r>
+            <a:r>
+              <a:rPr lang="en-US" sz="2800" dirty="0" err="1">
+                <a:effectLst/>
+                <a:latin typeface="Times New Roman" panose="02020603050405020304" pitchFamily="18" charset="0"/>
+                <a:ea typeface="Calibri" panose="020F0502020204030204" pitchFamily="34" charset="0"/>
+                <a:cs typeface="Times New Roman" panose="02020603050405020304" pitchFamily="18" charset="0"/>
+              </a:rPr>
+              <a:t>vật</a:t>
+            </a:r>
+            <a:r>
+              <a:rPr lang="en-US" sz="2800" dirty="0">
+                <a:effectLst/>
+                <a:latin typeface="Times New Roman" panose="02020603050405020304" pitchFamily="18" charset="0"/>
+                <a:ea typeface="Calibri" panose="020F0502020204030204" pitchFamily="34" charset="0"/>
+                <a:cs typeface="Times New Roman" panose="02020603050405020304" pitchFamily="18" charset="0"/>
+              </a:rPr>
+              <a:t> </a:t>
+            </a:r>
+            <a:r>
+              <a:rPr lang="en-US" sz="2800" dirty="0" err="1">
+                <a:effectLst/>
+                <a:latin typeface="Times New Roman" panose="02020603050405020304" pitchFamily="18" charset="0"/>
+                <a:ea typeface="Calibri" panose="020F0502020204030204" pitchFamily="34" charset="0"/>
+                <a:cs typeface="Times New Roman" panose="02020603050405020304" pitchFamily="18" charset="0"/>
+              </a:rPr>
+              <a:t>liệu</a:t>
+            </a:r>
+            <a:r>
+              <a:rPr lang="en-US" sz="2800" dirty="0">
+                <a:effectLst/>
+                <a:latin typeface="Times New Roman" panose="02020603050405020304" pitchFamily="18" charset="0"/>
+                <a:ea typeface="Calibri" panose="020F0502020204030204" pitchFamily="34" charset="0"/>
+                <a:cs typeface="Times New Roman" panose="02020603050405020304" pitchFamily="18" charset="0"/>
+              </a:rPr>
+              <a:t> </a:t>
+            </a:r>
+            <a:r>
+              <a:rPr lang="en-US" sz="2800" dirty="0" err="1">
+                <a:effectLst/>
+                <a:latin typeface="Times New Roman" panose="02020603050405020304" pitchFamily="18" charset="0"/>
+                <a:ea typeface="Calibri" panose="020F0502020204030204" pitchFamily="34" charset="0"/>
+                <a:cs typeface="Times New Roman" panose="02020603050405020304" pitchFamily="18" charset="0"/>
+              </a:rPr>
+              <a:t>thô</a:t>
+            </a:r>
+            <a:r>
+              <a:rPr lang="en-US" sz="2800" dirty="0">
+                <a:effectLst/>
+                <a:latin typeface="Times New Roman" panose="02020603050405020304" pitchFamily="18" charset="0"/>
+                <a:ea typeface="Calibri" panose="020F0502020204030204" pitchFamily="34" charset="0"/>
+                <a:cs typeface="Times New Roman" panose="02020603050405020304" pitchFamily="18" charset="0"/>
+              </a:rPr>
+              <a:t> </a:t>
+            </a:r>
+            <a:r>
+              <a:rPr lang="en-US" sz="2800" dirty="0" err="1">
+                <a:effectLst/>
+                <a:latin typeface="Times New Roman" panose="02020603050405020304" pitchFamily="18" charset="0"/>
+                <a:ea typeface="Calibri" panose="020F0502020204030204" pitchFamily="34" charset="0"/>
+                <a:cs typeface="Times New Roman" panose="02020603050405020304" pitchFamily="18" charset="0"/>
+              </a:rPr>
+              <a:t>là</a:t>
+            </a:r>
+            <a:r>
+              <a:rPr lang="en-US" sz="2800" dirty="0">
+                <a:effectLst/>
+                <a:latin typeface="Times New Roman" panose="02020603050405020304" pitchFamily="18" charset="0"/>
+                <a:ea typeface="Calibri" panose="020F0502020204030204" pitchFamily="34" charset="0"/>
+                <a:cs typeface="Times New Roman" panose="02020603050405020304" pitchFamily="18" charset="0"/>
+              </a:rPr>
+              <a:t> </a:t>
+            </a:r>
+            <a:r>
+              <a:rPr lang="en-US" sz="2800" dirty="0" err="1">
+                <a:effectLst/>
+                <a:latin typeface="Times New Roman" panose="02020603050405020304" pitchFamily="18" charset="0"/>
+                <a:ea typeface="Calibri" panose="020F0502020204030204" pitchFamily="34" charset="0"/>
+                <a:cs typeface="Times New Roman" panose="02020603050405020304" pitchFamily="18" charset="0"/>
+              </a:rPr>
+              <a:t>những</a:t>
+            </a:r>
+            <a:r>
+              <a:rPr lang="en-US" sz="2800" dirty="0">
+                <a:effectLst/>
+                <a:latin typeface="Times New Roman" panose="02020603050405020304" pitchFamily="18" charset="0"/>
+                <a:ea typeface="Calibri" panose="020F0502020204030204" pitchFamily="34" charset="0"/>
+                <a:cs typeface="Times New Roman" panose="02020603050405020304" pitchFamily="18" charset="0"/>
+              </a:rPr>
+              <a:t> </a:t>
+            </a:r>
+            <a:r>
+              <a:rPr lang="en-US" sz="2800" dirty="0" err="1">
+                <a:effectLst/>
+                <a:latin typeface="Times New Roman" panose="02020603050405020304" pitchFamily="18" charset="0"/>
+                <a:ea typeface="Calibri" panose="020F0502020204030204" pitchFamily="34" charset="0"/>
+                <a:cs typeface="Times New Roman" panose="02020603050405020304" pitchFamily="18" charset="0"/>
+              </a:rPr>
+              <a:t>thanh</a:t>
+            </a:r>
+            <a:r>
+              <a:rPr lang="en-US" sz="2800" dirty="0">
+                <a:effectLst/>
+                <a:latin typeface="Times New Roman" panose="02020603050405020304" pitchFamily="18" charset="0"/>
+                <a:ea typeface="Calibri" panose="020F0502020204030204" pitchFamily="34" charset="0"/>
+                <a:cs typeface="Times New Roman" panose="02020603050405020304" pitchFamily="18" charset="0"/>
+              </a:rPr>
+              <a:t> </a:t>
+            </a:r>
+            <a:r>
+              <a:rPr lang="en-US" sz="2800" dirty="0" err="1">
+                <a:effectLst/>
+                <a:latin typeface="Times New Roman" panose="02020603050405020304" pitchFamily="18" charset="0"/>
+                <a:ea typeface="Calibri" panose="020F0502020204030204" pitchFamily="34" charset="0"/>
+                <a:cs typeface="Times New Roman" panose="02020603050405020304" pitchFamily="18" charset="0"/>
+              </a:rPr>
+              <a:t>sắt</a:t>
+            </a:r>
+            <a:r>
+              <a:rPr lang="en-US" sz="2800" dirty="0">
+                <a:effectLst/>
+                <a:latin typeface="Times New Roman" panose="02020603050405020304" pitchFamily="18" charset="0"/>
+                <a:ea typeface="Calibri" panose="020F0502020204030204" pitchFamily="34" charset="0"/>
+                <a:cs typeface="Times New Roman" panose="02020603050405020304" pitchFamily="18" charset="0"/>
+              </a:rPr>
+              <a:t> có ở </a:t>
+            </a:r>
+            <a:r>
+              <a:rPr lang="en-US" sz="2800" dirty="0" err="1">
+                <a:effectLst/>
+                <a:latin typeface="Times New Roman" panose="02020603050405020304" pitchFamily="18" charset="0"/>
+                <a:ea typeface="Calibri" panose="020F0502020204030204" pitchFamily="34" charset="0"/>
+                <a:cs typeface="Times New Roman" panose="02020603050405020304" pitchFamily="18" charset="0"/>
+              </a:rPr>
+              <a:t>trong</a:t>
+            </a:r>
+            <a:r>
+              <a:rPr lang="en-US" sz="2800" dirty="0">
+                <a:effectLst/>
+                <a:latin typeface="Times New Roman" panose="02020603050405020304" pitchFamily="18" charset="0"/>
+                <a:ea typeface="Calibri" panose="020F0502020204030204" pitchFamily="34" charset="0"/>
+                <a:cs typeface="Times New Roman" panose="02020603050405020304" pitchFamily="18" charset="0"/>
+              </a:rPr>
+              <a:t> </a:t>
+            </a:r>
+            <a:r>
+              <a:rPr lang="en-US" sz="2800" dirty="0" err="1">
+                <a:effectLst/>
+                <a:latin typeface="Times New Roman" panose="02020603050405020304" pitchFamily="18" charset="0"/>
+                <a:ea typeface="Calibri" panose="020F0502020204030204" pitchFamily="34" charset="0"/>
+                <a:cs typeface="Times New Roman" panose="02020603050405020304" pitchFamily="18" charset="0"/>
+              </a:rPr>
+              <a:t>kho</a:t>
+            </a:r>
+            <a:r>
+              <a:rPr lang="en-US" sz="2800" dirty="0">
+                <a:effectLst/>
+                <a:latin typeface="Times New Roman" panose="02020603050405020304" pitchFamily="18" charset="0"/>
+                <a:ea typeface="Calibri" panose="020F0502020204030204" pitchFamily="34" charset="0"/>
+                <a:cs typeface="Times New Roman" panose="02020603050405020304" pitchFamily="18" charset="0"/>
+              </a:rPr>
+              <a:t> </a:t>
+            </a:r>
+            <a:r>
+              <a:rPr lang="en-US" sz="2800" dirty="0" err="1">
+                <a:effectLst/>
+                <a:latin typeface="Times New Roman" panose="02020603050405020304" pitchFamily="18" charset="0"/>
+                <a:ea typeface="Calibri" panose="020F0502020204030204" pitchFamily="34" charset="0"/>
+                <a:cs typeface="Times New Roman" panose="02020603050405020304" pitchFamily="18" charset="0"/>
+              </a:rPr>
+              <a:t>được</a:t>
+            </a:r>
+            <a:r>
+              <a:rPr lang="en-US" sz="2800" dirty="0">
+                <a:effectLst/>
+                <a:latin typeface="Times New Roman" panose="02020603050405020304" pitchFamily="18" charset="0"/>
+                <a:ea typeface="Calibri" panose="020F0502020204030204" pitchFamily="34" charset="0"/>
+                <a:cs typeface="Times New Roman" panose="02020603050405020304" pitchFamily="18" charset="0"/>
+              </a:rPr>
+              <a:t> chia </a:t>
+            </a:r>
+            <a:r>
+              <a:rPr lang="en-US" sz="2800" dirty="0" err="1">
+                <a:effectLst/>
+                <a:latin typeface="Times New Roman" panose="02020603050405020304" pitchFamily="18" charset="0"/>
+                <a:ea typeface="Calibri" panose="020F0502020204030204" pitchFamily="34" charset="0"/>
+                <a:cs typeface="Times New Roman" panose="02020603050405020304" pitchFamily="18" charset="0"/>
+              </a:rPr>
+              <a:t>thành</a:t>
+            </a:r>
+            <a:r>
+              <a:rPr lang="en-US" sz="2800" dirty="0">
+                <a:effectLst/>
+                <a:latin typeface="Times New Roman" panose="02020603050405020304" pitchFamily="18" charset="0"/>
+                <a:ea typeface="Calibri" panose="020F0502020204030204" pitchFamily="34" charset="0"/>
+                <a:cs typeface="Times New Roman" panose="02020603050405020304" pitchFamily="18" charset="0"/>
+              </a:rPr>
+              <a:t> </a:t>
+            </a:r>
+            <a:r>
+              <a:rPr lang="en-US" sz="2800" dirty="0" err="1">
+                <a:effectLst/>
+                <a:latin typeface="Times New Roman" panose="02020603050405020304" pitchFamily="18" charset="0"/>
+                <a:ea typeface="Calibri" panose="020F0502020204030204" pitchFamily="34" charset="0"/>
+                <a:cs typeface="Times New Roman" panose="02020603050405020304" pitchFamily="18" charset="0"/>
+              </a:rPr>
+              <a:t>nhiều</a:t>
+            </a:r>
+            <a:r>
+              <a:rPr lang="en-US" sz="2800" dirty="0">
+                <a:effectLst/>
+                <a:latin typeface="Times New Roman" panose="02020603050405020304" pitchFamily="18" charset="0"/>
+                <a:ea typeface="Calibri" panose="020F0502020204030204" pitchFamily="34" charset="0"/>
+                <a:cs typeface="Times New Roman" panose="02020603050405020304" pitchFamily="18" charset="0"/>
+              </a:rPr>
+              <a:t> </a:t>
+            </a:r>
+            <a:r>
+              <a:rPr lang="en-US" sz="2800" dirty="0" err="1">
+                <a:effectLst/>
+                <a:latin typeface="Times New Roman" panose="02020603050405020304" pitchFamily="18" charset="0"/>
+                <a:ea typeface="Calibri" panose="020F0502020204030204" pitchFamily="34" charset="0"/>
+                <a:cs typeface="Times New Roman" panose="02020603050405020304" pitchFamily="18" charset="0"/>
+              </a:rPr>
+              <a:t>kiểu</a:t>
+            </a:r>
+            <a:r>
+              <a:rPr lang="en-US" sz="2800" dirty="0">
+                <a:effectLst/>
+                <a:latin typeface="Times New Roman" panose="02020603050405020304" pitchFamily="18" charset="0"/>
+                <a:ea typeface="Calibri" panose="020F0502020204030204" pitchFamily="34" charset="0"/>
+                <a:cs typeface="Times New Roman" panose="02020603050405020304" pitchFamily="18" charset="0"/>
+              </a:rPr>
+              <a:t> </a:t>
+            </a:r>
+            <a:r>
+              <a:rPr lang="en-US" sz="2800" dirty="0" err="1">
+                <a:effectLst/>
+                <a:latin typeface="Times New Roman" panose="02020603050405020304" pitchFamily="18" charset="0"/>
+                <a:ea typeface="Calibri" panose="020F0502020204030204" pitchFamily="34" charset="0"/>
+                <a:cs typeface="Times New Roman" panose="02020603050405020304" pitchFamily="18" charset="0"/>
+              </a:rPr>
+              <a:t>vật</a:t>
+            </a:r>
+            <a:r>
+              <a:rPr lang="en-US" sz="2800" dirty="0">
+                <a:effectLst/>
+                <a:latin typeface="Times New Roman" panose="02020603050405020304" pitchFamily="18" charset="0"/>
+                <a:ea typeface="Calibri" panose="020F0502020204030204" pitchFamily="34" charset="0"/>
+                <a:cs typeface="Times New Roman" panose="02020603050405020304" pitchFamily="18" charset="0"/>
+              </a:rPr>
+              <a:t> </a:t>
+            </a:r>
+            <a:r>
+              <a:rPr lang="en-US" sz="2800" dirty="0" err="1">
+                <a:effectLst/>
+                <a:latin typeface="Times New Roman" panose="02020603050405020304" pitchFamily="18" charset="0"/>
+                <a:ea typeface="Calibri" panose="020F0502020204030204" pitchFamily="34" charset="0"/>
+                <a:cs typeface="Times New Roman" panose="02020603050405020304" pitchFamily="18" charset="0"/>
+              </a:rPr>
+              <a:t>liệu</a:t>
             </a:r>
             <a:endParaRPr lang="en-US" dirty="0"/>
           </a:p>
           <a:p>
-            <a:pPr marL="514350" indent="-514350">
-              <a:buFont typeface="+mj-lt"/>
-              <a:buAutoNum type="arabicPeriod"/>
-            </a:pPr>
-            <a:r>
-              <a:rPr lang="en-US" dirty="0" err="1"/>
-              <a:t>Tổng</a:t>
-            </a:r>
-            <a:r>
-              <a:rPr lang="en-US" dirty="0"/>
-              <a:t> </a:t>
-            </a:r>
-            <a:r>
-              <a:rPr lang="en-US" dirty="0" err="1"/>
-              <a:t>quan</a:t>
-            </a:r>
-            <a:r>
-              <a:rPr lang="en-US" dirty="0"/>
-              <a:t> </a:t>
-            </a:r>
-            <a:r>
-              <a:rPr lang="en-US" dirty="0" err="1"/>
-              <a:t>tình</a:t>
-            </a:r>
-            <a:r>
-              <a:rPr lang="en-US" dirty="0"/>
-              <a:t> </a:t>
-            </a:r>
-            <a:r>
-              <a:rPr lang="en-US" dirty="0" err="1"/>
-              <a:t>hình</a:t>
-            </a:r>
-            <a:r>
-              <a:rPr lang="en-US" dirty="0"/>
-              <a:t> </a:t>
-            </a:r>
-            <a:r>
-              <a:rPr lang="en-US" dirty="0" err="1"/>
-              <a:t>nghiên</a:t>
-            </a:r>
-            <a:r>
-              <a:rPr lang="en-US" dirty="0"/>
-              <a:t> </a:t>
-            </a:r>
-            <a:r>
-              <a:rPr lang="en-US" dirty="0" err="1"/>
-              <a:t>cứu</a:t>
+            <a:r>
+              <a:rPr lang="en-US" sz="2800" dirty="0" err="1">
+                <a:effectLst/>
+                <a:latin typeface="Times New Roman" panose="02020603050405020304" pitchFamily="18" charset="0"/>
+                <a:ea typeface="Calibri" panose="020F0502020204030204" pitchFamily="34" charset="0"/>
+                <a:cs typeface="Times New Roman" panose="02020603050405020304" pitchFamily="18" charset="0"/>
+              </a:rPr>
+              <a:t>Đầu</a:t>
+            </a:r>
+            <a:r>
+              <a:rPr lang="en-US" sz="2800" dirty="0">
+                <a:effectLst/>
+                <a:latin typeface="Times New Roman" panose="02020603050405020304" pitchFamily="18" charset="0"/>
+                <a:ea typeface="Calibri" panose="020F0502020204030204" pitchFamily="34" charset="0"/>
+                <a:cs typeface="Times New Roman" panose="02020603050405020304" pitchFamily="18" charset="0"/>
+              </a:rPr>
+              <a:t> ra: …</a:t>
             </a:r>
             <a:endParaRPr lang="en-US" dirty="0"/>
           </a:p>
           <a:p>
-            <a:pPr marL="514350" indent="-514350">
-              <a:buFont typeface="+mj-lt"/>
-              <a:buAutoNum type="arabicPeriod"/>
-            </a:pPr>
-            <a:r>
-              <a:rPr lang="en-US" dirty="0" err="1"/>
-              <a:t>Mục</a:t>
-            </a:r>
-            <a:r>
-              <a:rPr lang="en-US" dirty="0"/>
-              <a:t> </a:t>
-            </a:r>
-            <a:r>
-              <a:rPr lang="en-US" dirty="0" err="1"/>
-              <a:t>đích</a:t>
-            </a:r>
-            <a:r>
-              <a:rPr lang="en-US" dirty="0"/>
-              <a:t> </a:t>
-            </a:r>
-            <a:r>
-              <a:rPr lang="en-US" dirty="0" err="1"/>
-              <a:t>nghiên</a:t>
-            </a:r>
-            <a:r>
-              <a:rPr lang="en-US" dirty="0"/>
-              <a:t> </a:t>
-            </a:r>
-            <a:r>
-              <a:rPr lang="en-US" dirty="0" err="1"/>
-              <a:t>cứu</a:t>
-            </a:r>
-            <a:endParaRPr lang="en-US" dirty="0"/>
-          </a:p>
-          <a:p>
-            <a:endParaRPr lang="en-US" dirty="0"/>
+            <a:r>
+              <a:rPr lang="en-US" dirty="0" err="1"/>
+              <a:t>Tiêu</a:t>
+            </a:r>
+            <a:r>
+              <a:rPr lang="en-US" dirty="0"/>
+              <a:t> </a:t>
+            </a:r>
+            <a:r>
+              <a:rPr lang="en-US" dirty="0" err="1"/>
+              <a:t>chí</a:t>
+            </a:r>
+            <a:r>
+              <a:rPr lang="en-US" dirty="0"/>
+              <a:t>: …</a:t>
+            </a:r>
           </a:p>
           <a:p>
             <a:endParaRPr lang="en-US" dirty="0"/>
@@ -10513,7 +11896,7 @@
     </p:spTree>
     <p:extLst>
       <p:ext uri="{BB962C8B-B14F-4D97-AF65-F5344CB8AC3E}">
-        <p14:creationId xmlns:p14="http://schemas.microsoft.com/office/powerpoint/2010/main" val="4186182097"/>
+        <p14:creationId xmlns:p14="http://schemas.microsoft.com/office/powerpoint/2010/main" val="661076644"/>
       </p:ext>
     </p:extLst>
   </p:cSld>
@@ -10569,14 +11952,6 @@
           <a:p>
             <a:r>
               <a:rPr lang="en-US" dirty="0" err="1"/>
-              <a:t>Phần</a:t>
-            </a:r>
-            <a:r>
-              <a:rPr lang="en-US" dirty="0"/>
-              <a:t> 2. </a:t>
-            </a:r>
-            <a:r>
-              <a:rPr lang="en-US" dirty="0" err="1"/>
               <a:t>Các</a:t>
             </a:r>
             <a:r>
@@ -10585,31 +11960,31 @@
             </a:r>
             <a:r>
               <a:rPr lang="en-US" dirty="0" err="1"/>
-              <a:t>giải</a:t>
-            </a:r>
-            <a:r>
-              <a:rPr lang="en-US" dirty="0"/>
-              <a:t> </a:t>
-            </a:r>
-            <a:r>
-              <a:rPr lang="en-US" dirty="0" err="1"/>
-              <a:t>thuật</a:t>
-            </a:r>
-            <a:r>
-              <a:rPr lang="en-US" dirty="0"/>
-              <a:t> </a:t>
-            </a:r>
-            <a:r>
-              <a:rPr lang="en-US" dirty="0" err="1"/>
-              <a:t>cắt</a:t>
-            </a:r>
-            <a:r>
-              <a:rPr lang="en-US" dirty="0"/>
-              <a:t> </a:t>
-            </a:r>
-            <a:r>
-              <a:rPr lang="en-US" dirty="0" err="1"/>
-              <a:t>thép</a:t>
+              <a:t>công</a:t>
+            </a:r>
+            <a:r>
+              <a:rPr lang="en-US" dirty="0"/>
+              <a:t> </a:t>
+            </a:r>
+            <a:r>
+              <a:rPr lang="en-US" dirty="0" err="1"/>
+              <a:t>trình</a:t>
+            </a:r>
+            <a:r>
+              <a:rPr lang="en-US" dirty="0"/>
+              <a:t> </a:t>
+            </a:r>
+            <a:r>
+              <a:rPr lang="en-US" dirty="0" err="1"/>
+              <a:t>liên</a:t>
+            </a:r>
+            <a:r>
+              <a:rPr lang="en-US" dirty="0"/>
+              <a:t> </a:t>
+            </a:r>
+            <a:r>
+              <a:rPr lang="en-US" dirty="0" err="1"/>
+              <a:t>quan</a:t>
             </a:r>
             <a:endParaRPr lang="en-US" dirty="0"/>
           </a:p>
@@ -10630,21 +12005,17 @@
           <a:bodyPr/>
           <a:lstStyle/>
           <a:p>
-            <a:pPr marL="514350" indent="-514350">
-              <a:buFont typeface="+mj-lt"/>
-              <a:buAutoNum type="arabicPeriod"/>
-            </a:pPr>
-            <a:r>
-              <a:rPr lang="en-US" dirty="0" err="1"/>
-              <a:t>Giải</a:t>
-            </a:r>
-            <a:r>
-              <a:rPr lang="en-US" dirty="0"/>
-              <a:t> </a:t>
-            </a:r>
-            <a:r>
-              <a:rPr lang="en-US" dirty="0" err="1"/>
-              <a:t>thuật</a:t>
+            <a:r>
+              <a:rPr lang="en-US" dirty="0" err="1"/>
+              <a:t>Nghiên</a:t>
+            </a:r>
+            <a:r>
+              <a:rPr lang="en-US" dirty="0"/>
+              <a:t> </a:t>
+            </a:r>
+            <a:r>
+              <a:rPr lang="en-US" dirty="0" err="1"/>
+              <a:t>cứu</a:t>
             </a:r>
             <a:r>
               <a:rPr lang="en-US" dirty="0"/>
@@ -10660,26 +12031,89 @@
             </a:r>
             <a:r>
               <a:rPr lang="en-US" dirty="0" err="1"/>
-              <a:t>nhanh</a:t>
-            </a:r>
-            <a:endParaRPr lang="en-US" dirty="0"/>
-          </a:p>
-          <a:p>
-            <a:pPr marL="514350" indent="-514350">
-              <a:buFont typeface="+mj-lt"/>
-              <a:buAutoNum type="arabicPeriod"/>
-            </a:pPr>
-            <a:r>
-              <a:rPr lang="en-US" dirty="0" err="1"/>
-              <a:t>Giải</a:t>
-            </a:r>
-            <a:r>
-              <a:rPr lang="en-US" dirty="0"/>
-              <a:t> </a:t>
-            </a:r>
-            <a:r>
-              <a:rPr lang="en-US" dirty="0" err="1"/>
-              <a:t>thuật</a:t>
+              <a:t>vật</a:t>
+            </a:r>
+            <a:r>
+              <a:rPr lang="en-US" dirty="0"/>
+              <a:t> </a:t>
+            </a:r>
+            <a:r>
+              <a:rPr lang="en-US" dirty="0" err="1"/>
+              <a:t>liệu</a:t>
+            </a:r>
+            <a:r>
+              <a:rPr lang="en-US" dirty="0"/>
+              <a:t> </a:t>
+            </a:r>
+            <a:r>
+              <a:rPr lang="en-US" dirty="0" err="1"/>
+              <a:t>dạng</a:t>
+            </a:r>
+            <a:r>
+              <a:rPr lang="en-US" dirty="0"/>
+              <a:t> </a:t>
+            </a:r>
+            <a:r>
+              <a:rPr lang="en-US" dirty="0" err="1"/>
+              <a:t>thanh</a:t>
+            </a:r>
+            <a:r>
+              <a:rPr lang="en-US" dirty="0"/>
+              <a:t> </a:t>
+            </a:r>
+            <a:r>
+              <a:rPr lang="en-US" dirty="0" err="1"/>
+              <a:t>đồng</a:t>
+            </a:r>
+            <a:r>
+              <a:rPr lang="en-US" dirty="0"/>
+              <a:t> </a:t>
+            </a:r>
+            <a:r>
+              <a:rPr lang="en-US" dirty="0" err="1"/>
+              <a:t>nhất</a:t>
+            </a:r>
+            <a:r>
+              <a:rPr lang="en-US" dirty="0"/>
+              <a:t>: </a:t>
+            </a:r>
+            <a:r>
+              <a:rPr lang="en-US" dirty="0" err="1"/>
+              <a:t>Trần</a:t>
+            </a:r>
+            <a:r>
+              <a:rPr lang="en-US" dirty="0"/>
+              <a:t> </a:t>
+            </a:r>
+            <a:r>
+              <a:rPr lang="en-US" dirty="0" err="1"/>
+              <a:t>Ngọc</a:t>
+            </a:r>
+            <a:r>
+              <a:rPr lang="en-US" dirty="0"/>
+              <a:t> </a:t>
+            </a:r>
+            <a:r>
+              <a:rPr lang="en-US" dirty="0" err="1"/>
+              <a:t>Hải</a:t>
+            </a:r>
+            <a:r>
+              <a:rPr lang="en-US" dirty="0"/>
+              <a:t> (2017)</a:t>
+            </a:r>
+          </a:p>
+          <a:p>
+            <a:r>
+              <a:rPr lang="en-US" dirty="0" err="1"/>
+              <a:t>Nghiên</a:t>
+            </a:r>
+            <a:r>
+              <a:rPr lang="en-US" dirty="0"/>
+              <a:t> </a:t>
+            </a:r>
+            <a:r>
+              <a:rPr lang="en-US" dirty="0" err="1"/>
+              <a:t>cứu</a:t>
             </a:r>
             <a:r>
               <a:rPr lang="en-US" dirty="0"/>
@@ -10695,17 +12129,63 @@
             </a:r>
             <a:r>
               <a:rPr lang="en-US" dirty="0" err="1"/>
-              <a:t>tiết</a:t>
-            </a:r>
-            <a:r>
-              <a:rPr lang="en-US" dirty="0"/>
-              <a:t> </a:t>
-            </a:r>
-            <a:r>
-              <a:rPr lang="en-US" dirty="0" err="1"/>
-              <a:t>kiệm</a:t>
-            </a:r>
-            <a:endParaRPr lang="en-US" dirty="0"/>
+              <a:t>vật</a:t>
+            </a:r>
+            <a:r>
+              <a:rPr lang="en-US" dirty="0"/>
+              <a:t> </a:t>
+            </a:r>
+            <a:r>
+              <a:rPr lang="en-US" dirty="0" err="1"/>
+              <a:t>liệu</a:t>
+            </a:r>
+            <a:r>
+              <a:rPr lang="en-US" dirty="0"/>
+              <a:t> </a:t>
+            </a:r>
+            <a:r>
+              <a:rPr lang="en-US" dirty="0" err="1"/>
+              <a:t>dạng</a:t>
+            </a:r>
+            <a:r>
+              <a:rPr lang="en-US" dirty="0"/>
+              <a:t> </a:t>
+            </a:r>
+            <a:r>
+              <a:rPr lang="en-US" dirty="0" err="1"/>
+              <a:t>thanh</a:t>
+            </a:r>
+            <a:r>
+              <a:rPr lang="en-US" dirty="0"/>
+              <a:t> </a:t>
+            </a:r>
+            <a:r>
+              <a:rPr lang="en-US" dirty="0" err="1"/>
+              <a:t>không</a:t>
+            </a:r>
+            <a:r>
+              <a:rPr lang="en-US" dirty="0"/>
+              <a:t> </a:t>
+            </a:r>
+            <a:r>
+              <a:rPr lang="en-US" dirty="0" err="1"/>
+              <a:t>đồng</a:t>
+            </a:r>
+            <a:r>
+              <a:rPr lang="en-US" dirty="0"/>
+              <a:t> </a:t>
+            </a:r>
+            <a:r>
+              <a:rPr lang="en-US" dirty="0" err="1"/>
+              <a:t>nhất</a:t>
+            </a:r>
+            <a:r>
+              <a:rPr lang="vi-VN" dirty="0">
+                <a:sym typeface="Wingdings" panose="05000000000000000000" pitchFamily="2" charset="2"/>
+              </a:rPr>
+              <a:t>:()</a:t>
+            </a:r>
+            <a:endParaRPr lang="vi-VN" dirty="0"/>
           </a:p>
           <a:p>
             <a:endParaRPr lang="en-US" dirty="0"/>
@@ -10715,7 +12195,7 @@
     </p:spTree>
     <p:extLst>
       <p:ext uri="{BB962C8B-B14F-4D97-AF65-F5344CB8AC3E}">
-        <p14:creationId xmlns:p14="http://schemas.microsoft.com/office/powerpoint/2010/main" val="1293879784"/>
+        <p14:creationId xmlns:p14="http://schemas.microsoft.com/office/powerpoint/2010/main" val="599395796"/>
       </p:ext>
     </p:extLst>
   </p:cSld>
@@ -10764,23 +12244,30 @@
             <p:ph type="title"/>
           </p:nvPr>
         </p:nvSpPr>
-        <p:spPr>
-          <a:xfrm>
-            <a:off x="1218883" y="274637"/>
-            <a:ext cx="10360501" cy="634083"/>
-          </a:xfrm>
-        </p:spPr>
+        <p:spPr/>
         <p:txBody>
           <a:bodyPr/>
           <a:lstStyle/>
           <a:p>
             <a:r>
-              <a:rPr lang="en-US" dirty="0"/>
-              <a:t>1. </a:t>
-            </a:r>
-            <a:r>
-              <a:rPr lang="en-US" dirty="0" err="1"/>
-              <a:t>Giải</a:t>
+              <a:rPr lang="en-US" dirty="0" err="1"/>
+              <a:t>Phần</a:t>
+            </a:r>
+            <a:r>
+              <a:rPr lang="en-US" dirty="0"/>
+              <a:t> 2. </a:t>
+            </a:r>
+            <a:r>
+              <a:rPr lang="en-US" dirty="0" err="1"/>
+              <a:t>Các</a:t>
+            </a:r>
+            <a:r>
+              <a:rPr lang="en-US" dirty="0"/>
+              <a:t> </a:t>
+            </a:r>
+            <a:r>
+              <a:rPr lang="en-US" dirty="0" err="1"/>
+              <a:t>giải</a:t>
             </a:r>
             <a:r>
               <a:rPr lang="en-US" dirty="0"/>
@@ -10796,15 +12283,23 @@
             </a:r>
             <a:r>
               <a:rPr lang="en-US" dirty="0" err="1"/>
-              <a:t>cắt</a:t>
-            </a:r>
-            <a:r>
-              <a:rPr lang="en-US" dirty="0"/>
-              <a:t> </a:t>
-            </a:r>
-            <a:r>
-              <a:rPr lang="en-US" dirty="0" err="1"/>
-              <a:t>nhanh</a:t>
+              <a:t>được</a:t>
+            </a:r>
+            <a:r>
+              <a:rPr lang="en-US" dirty="0"/>
+              <a:t> </a:t>
+            </a:r>
+            <a:r>
+              <a:rPr lang="en-US" dirty="0" err="1"/>
+              <a:t>đề</a:t>
+            </a:r>
+            <a:r>
+              <a:rPr lang="en-US" dirty="0"/>
+              <a:t> </a:t>
+            </a:r>
+            <a:r>
+              <a:rPr lang="en-US" dirty="0" err="1"/>
+              <a:t>xuất</a:t>
             </a:r>
             <a:endParaRPr lang="en-US" dirty="0"/>
           </a:p>
@@ -10812,346 +12307,105 @@
       </p:sp>
       <p:sp>
         <p:nvSpPr>
-          <p:cNvPr id="5" name="Text Placeholder 4">
-            <a:extLst>
-              <a:ext uri="{FF2B5EF4-FFF2-40B4-BE49-F238E27FC236}">
-                <a16:creationId xmlns:a16="http://schemas.microsoft.com/office/drawing/2014/main" id="{E9EBB063-221E-4D3B-87FB-97383FC5A491}"/>
-              </a:ext>
-            </a:extLst>
-          </p:cNvPr>
+          <p:cNvPr id="14" name="Content Placeholder 13"/>
           <p:cNvSpPr>
             <a:spLocks noGrp="1"/>
           </p:cNvSpPr>
           <p:nvPr>
-            <p:ph type="body" idx="1"/>
+            <p:ph idx="1"/>
           </p:nvPr>
         </p:nvSpPr>
-        <p:spPr>
-          <a:xfrm>
-            <a:off x="1341884" y="6021288"/>
-            <a:ext cx="4680520" cy="359048"/>
-          </a:xfrm>
-        </p:spPr>
+        <p:spPr/>
         <p:txBody>
-          <a:bodyPr>
-            <a:normAutofit fontScale="92500" lnSpcReduction="20000"/>
-          </a:bodyPr>
+          <a:bodyPr/>
           <a:lstStyle/>
           <a:p>
-            <a:pPr algn="ctr"/>
-            <a:r>
-              <a:rPr lang="en-US" sz="2000" cap="none" dirty="0" err="1"/>
-              <a:t>Sơ</a:t>
-            </a:r>
-            <a:r>
-              <a:rPr lang="en-US" sz="2000" cap="none" dirty="0"/>
-              <a:t> </a:t>
-            </a:r>
-            <a:r>
-              <a:rPr lang="en-US" sz="2000" cap="none" dirty="0" err="1"/>
-              <a:t>đồ</a:t>
-            </a:r>
-            <a:r>
-              <a:rPr lang="en-US" sz="2000" cap="none" dirty="0"/>
-              <a:t> </a:t>
-            </a:r>
-            <a:r>
-              <a:rPr lang="en-US" sz="2000" cap="none" dirty="0" err="1"/>
-              <a:t>khối</a:t>
-            </a:r>
-            <a:r>
-              <a:rPr lang="en-US" sz="2000" cap="none" dirty="0"/>
-              <a:t> </a:t>
-            </a:r>
-            <a:r>
-              <a:rPr lang="en-US" sz="2000" cap="none" dirty="0" err="1"/>
-              <a:t>giải</a:t>
-            </a:r>
-            <a:r>
-              <a:rPr lang="en-US" sz="2000" cap="none" dirty="0"/>
-              <a:t> </a:t>
-            </a:r>
-            <a:r>
-              <a:rPr lang="en-US" sz="2000" cap="none" dirty="0" err="1"/>
+            <a:pPr marL="514350" indent="-514350">
+              <a:buFont typeface="+mj-lt"/>
+              <a:buAutoNum type="arabicPeriod"/>
+            </a:pPr>
+            <a:r>
+              <a:rPr lang="en-US" dirty="0" err="1"/>
+              <a:t>Giải</a:t>
+            </a:r>
+            <a:r>
+              <a:rPr lang="en-US" dirty="0"/>
+              <a:t> </a:t>
+            </a:r>
+            <a:r>
+              <a:rPr lang="en-US" dirty="0" err="1"/>
               <a:t>thuật</a:t>
             </a:r>
             <a:r>
-              <a:rPr lang="en-US" sz="2000" cap="none" dirty="0"/>
-              <a:t> </a:t>
-            </a:r>
-            <a:r>
-              <a:rPr lang="en-US" sz="2000" cap="none" dirty="0" err="1"/>
+              <a:rPr lang="en-US" dirty="0"/>
+              <a:t> </a:t>
+            </a:r>
+            <a:r>
+              <a:rPr lang="en-US" dirty="0" err="1"/>
               <a:t>cắt</a:t>
             </a:r>
             <a:r>
-              <a:rPr lang="en-US" sz="2000" cap="none" dirty="0"/>
-              <a:t> </a:t>
-            </a:r>
-            <a:r>
-              <a:rPr lang="en-US" sz="2000" cap="none" dirty="0" err="1"/>
+              <a:rPr lang="en-US" dirty="0"/>
+              <a:t> </a:t>
+            </a:r>
+            <a:r>
+              <a:rPr lang="en-US" dirty="0" err="1"/>
               <a:t>nhanh</a:t>
             </a:r>
-            <a:endParaRPr lang="en-US" sz="2000" cap="none" dirty="0"/>
-          </a:p>
-        </p:txBody>
-      </p:sp>
-      <p:pic>
-        <p:nvPicPr>
-          <p:cNvPr id="10" name="Content Placeholder 9">
-            <a:extLst>
-              <a:ext uri="{FF2B5EF4-FFF2-40B4-BE49-F238E27FC236}">
-                <a16:creationId xmlns:a16="http://schemas.microsoft.com/office/drawing/2014/main" id="{80F672B5-7584-4A7C-AA11-55D9EF696048}"/>
-              </a:ext>
-            </a:extLst>
-          </p:cNvPr>
-          <p:cNvPicPr>
-            <a:picLocks noGrp="1" noChangeAspect="1"/>
-          </p:cNvPicPr>
-          <p:nvPr>
-            <p:ph sz="half" idx="2"/>
-          </p:nvPr>
-        </p:nvPicPr>
-        <p:blipFill>
-          <a:blip r:embed="rId2">
-            <a:extLst>
-              <a:ext uri="{28A0092B-C50C-407E-A947-70E740481C1C}">
-                <a14:useLocalDpi xmlns:a14="http://schemas.microsoft.com/office/drawing/2010/main" val="0"/>
-              </a:ext>
-            </a:extLst>
-          </a:blip>
-          <a:stretch>
-            <a:fillRect/>
-          </a:stretch>
-        </p:blipFill>
-        <p:spPr>
-          <a:xfrm>
-            <a:off x="1341884" y="1772816"/>
-            <a:ext cx="4608512" cy="3967336"/>
-          </a:xfrm>
-        </p:spPr>
-      </p:pic>
-      <p:sp>
-        <p:nvSpPr>
-          <p:cNvPr id="6" name="Text Placeholder 5">
-            <a:extLst>
-              <a:ext uri="{FF2B5EF4-FFF2-40B4-BE49-F238E27FC236}">
-                <a16:creationId xmlns:a16="http://schemas.microsoft.com/office/drawing/2014/main" id="{8BECC485-2A4F-47A6-8E45-0B312067D8B8}"/>
-              </a:ext>
-            </a:extLst>
-          </p:cNvPr>
-          <p:cNvSpPr>
-            <a:spLocks noGrp="1"/>
-          </p:cNvSpPr>
-          <p:nvPr>
-            <p:ph type="body" sz="quarter" idx="3"/>
-          </p:nvPr>
-        </p:nvSpPr>
-        <p:spPr>
-          <a:xfrm>
-            <a:off x="6526460" y="5949280"/>
-            <a:ext cx="4824536" cy="359048"/>
-          </a:xfrm>
-        </p:spPr>
-        <p:txBody>
-          <a:bodyPr>
-            <a:normAutofit fontScale="92500" lnSpcReduction="20000"/>
-          </a:bodyPr>
-          <a:lstStyle/>
-          <a:p>
-            <a:pPr algn="ctr"/>
-            <a:r>
-              <a:rPr lang="en-US" sz="2000" cap="none" dirty="0" err="1"/>
-              <a:t>Tìm</a:t>
-            </a:r>
-            <a:r>
-              <a:rPr lang="en-US" sz="2000" cap="none" dirty="0"/>
-              <a:t> </a:t>
-            </a:r>
-            <a:r>
-              <a:rPr lang="en-US" sz="2000" cap="none" dirty="0" err="1"/>
-              <a:t>phương</a:t>
-            </a:r>
-            <a:r>
-              <a:rPr lang="en-US" sz="2000" cap="none" dirty="0"/>
-              <a:t> </a:t>
-            </a:r>
-            <a:r>
-              <a:rPr lang="en-US" sz="2000" cap="none" dirty="0" err="1"/>
-              <a:t>án</a:t>
-            </a:r>
-            <a:r>
-              <a:rPr lang="en-US" sz="2000" cap="none" dirty="0"/>
-              <a:t> </a:t>
-            </a:r>
-            <a:r>
-              <a:rPr lang="en-US" sz="2000" cap="none" dirty="0" err="1"/>
+            <a:endParaRPr lang="en-US" dirty="0"/>
+          </a:p>
+          <a:p>
+            <a:pPr marL="514350" indent="-514350">
+              <a:buFont typeface="+mj-lt"/>
+              <a:buAutoNum type="arabicPeriod"/>
+            </a:pPr>
+            <a:r>
+              <a:rPr lang="en-US" dirty="0" err="1"/>
+              <a:t>Giải</a:t>
+            </a:r>
+            <a:r>
+              <a:rPr lang="en-US" dirty="0"/>
+              <a:t> </a:t>
+            </a:r>
+            <a:r>
+              <a:rPr lang="en-US" dirty="0" err="1"/>
+              <a:t>thuật</a:t>
+            </a:r>
+            <a:r>
+              <a:rPr lang="en-US" dirty="0"/>
+              <a:t> </a:t>
+            </a:r>
+            <a:r>
+              <a:rPr lang="en-US" dirty="0" err="1"/>
               <a:t>cắt</a:t>
             </a:r>
             <a:r>
-              <a:rPr lang="en-US" sz="2000" cap="none" dirty="0"/>
-              <a:t> </a:t>
-            </a:r>
-            <a:r>
-              <a:rPr lang="en-US" sz="2000" cap="none" dirty="0" err="1"/>
-              <a:t>nhanh</a:t>
-            </a:r>
-            <a:endParaRPr lang="en-US" sz="2000" cap="none" dirty="0"/>
-          </a:p>
-        </p:txBody>
-      </p:sp>
-      <p:pic>
-        <p:nvPicPr>
-          <p:cNvPr id="12" name="Content Placeholder 11">
-            <a:extLst>
-              <a:ext uri="{FF2B5EF4-FFF2-40B4-BE49-F238E27FC236}">
-                <a16:creationId xmlns:a16="http://schemas.microsoft.com/office/drawing/2014/main" id="{60806179-7E27-4C41-84E7-3A2F0891A594}"/>
-              </a:ext>
-            </a:extLst>
-          </p:cNvPr>
-          <p:cNvPicPr>
-            <a:picLocks noGrp="1" noChangeAspect="1"/>
-          </p:cNvPicPr>
-          <p:nvPr>
-            <p:ph sz="quarter" idx="4"/>
-          </p:nvPr>
-        </p:nvPicPr>
-        <p:blipFill>
-          <a:blip r:embed="rId3">
-            <a:extLst>
-              <a:ext uri="{28A0092B-C50C-407E-A947-70E740481C1C}">
-                <a14:useLocalDpi xmlns:a14="http://schemas.microsoft.com/office/drawing/2010/main" val="0"/>
-              </a:ext>
-            </a:extLst>
-          </a:blip>
-          <a:stretch>
-            <a:fillRect/>
-          </a:stretch>
-        </p:blipFill>
-        <p:spPr>
-          <a:xfrm>
-            <a:off x="6526460" y="1772816"/>
-            <a:ext cx="4752528" cy="3960440"/>
-          </a:xfrm>
-        </p:spPr>
-      </p:pic>
-      <p:sp>
-        <p:nvSpPr>
-          <p:cNvPr id="8" name="TextBox 7">
-            <a:extLst>
-              <a:ext uri="{FF2B5EF4-FFF2-40B4-BE49-F238E27FC236}">
-                <a16:creationId xmlns:a16="http://schemas.microsoft.com/office/drawing/2014/main" id="{99DBCB53-E6C3-4E63-9000-101D0E6F6385}"/>
-              </a:ext>
-            </a:extLst>
-          </p:cNvPr>
-          <p:cNvSpPr txBox="1"/>
-          <p:nvPr/>
-        </p:nvSpPr>
-        <p:spPr>
-          <a:xfrm>
-            <a:off x="1218883" y="1010320"/>
-            <a:ext cx="9124002" cy="1015663"/>
-          </a:xfrm>
-          <a:prstGeom prst="rect">
-            <a:avLst/>
-          </a:prstGeom>
-          <a:noFill/>
-        </p:spPr>
-        <p:txBody>
-          <a:bodyPr wrap="square" rtlCol="0">
-            <a:spAutoFit/>
-          </a:bodyPr>
-          <a:lstStyle/>
-          <a:p>
-            <a:r>
-              <a:rPr lang="en-US" sz="3200" dirty="0" err="1"/>
-              <a:t>Ứng</a:t>
-            </a:r>
-            <a:r>
-              <a:rPr lang="en-US" sz="3200" dirty="0"/>
-              <a:t> </a:t>
-            </a:r>
-            <a:r>
-              <a:rPr lang="en-US" sz="3200" dirty="0" err="1"/>
-              <a:t>dụng</a:t>
-            </a:r>
-            <a:r>
-              <a:rPr lang="en-US" sz="3200" dirty="0"/>
-              <a:t> </a:t>
-            </a:r>
-            <a:r>
-              <a:rPr lang="en-US" sz="3200" dirty="0" err="1"/>
-              <a:t>giải</a:t>
-            </a:r>
-            <a:r>
-              <a:rPr lang="en-US" sz="3200" dirty="0"/>
-              <a:t> </a:t>
-            </a:r>
-            <a:r>
-              <a:rPr lang="en-US" sz="3200" dirty="0" err="1"/>
-              <a:t>thuật</a:t>
-            </a:r>
-            <a:r>
-              <a:rPr lang="en-US" sz="3200" dirty="0"/>
-              <a:t> </a:t>
-            </a:r>
-            <a:r>
-              <a:rPr lang="en-US" sz="3200" dirty="0" err="1"/>
-              <a:t>tham</a:t>
-            </a:r>
-            <a:r>
-              <a:rPr lang="en-US" sz="3200" dirty="0"/>
-              <a:t> lam </a:t>
-            </a:r>
-            <a:r>
-              <a:rPr lang="en-US" sz="3200" dirty="0" err="1"/>
-              <a:t>để</a:t>
-            </a:r>
-            <a:r>
-              <a:rPr lang="en-US" sz="3200" dirty="0"/>
-              <a:t> </a:t>
-            </a:r>
-            <a:r>
-              <a:rPr lang="en-US" sz="3200" dirty="0" err="1"/>
-              <a:t>giải</a:t>
-            </a:r>
-            <a:r>
-              <a:rPr lang="en-US" sz="3200" dirty="0"/>
-              <a:t> </a:t>
-            </a:r>
-            <a:r>
-              <a:rPr lang="en-US" sz="3200" dirty="0" err="1"/>
-              <a:t>quyết</a:t>
-            </a:r>
-            <a:r>
-              <a:rPr lang="en-US" sz="3200" dirty="0"/>
-              <a:t> </a:t>
-            </a:r>
-            <a:r>
-              <a:rPr lang="en-US" sz="3200" dirty="0" err="1"/>
-              <a:t>vấn</a:t>
-            </a:r>
-            <a:r>
-              <a:rPr lang="en-US" sz="3200" dirty="0"/>
-              <a:t> </a:t>
-            </a:r>
-            <a:r>
-              <a:rPr lang="en-US" sz="3200" dirty="0" err="1"/>
-              <a:t>đề</a:t>
-            </a:r>
-            <a:r>
-              <a:rPr lang="en-US" sz="3200" dirty="0"/>
-              <a:t> </a:t>
-            </a:r>
-          </a:p>
-          <a:p>
-            <a:endParaRPr lang="en-US" sz="2800" dirty="0"/>
+              <a:rPr lang="en-US" dirty="0"/>
+              <a:t> </a:t>
+            </a:r>
+            <a:r>
+              <a:rPr lang="en-US" dirty="0" err="1"/>
+              <a:t>tiết</a:t>
+            </a:r>
+            <a:r>
+              <a:rPr lang="en-US" dirty="0"/>
+              <a:t> </a:t>
+            </a:r>
+            <a:r>
+              <a:rPr lang="en-US" dirty="0" err="1"/>
+              <a:t>kiệm</a:t>
+            </a:r>
+            <a:endParaRPr lang="en-US" dirty="0"/>
+          </a:p>
+          <a:p>
+            <a:endParaRPr lang="en-US" dirty="0"/>
           </a:p>
         </p:txBody>
       </p:sp>
     </p:spTree>
     <p:extLst>
       <p:ext uri="{BB962C8B-B14F-4D97-AF65-F5344CB8AC3E}">
-        <p14:creationId xmlns:p14="http://schemas.microsoft.com/office/powerpoint/2010/main" val="4049725623"/>
+        <p14:creationId xmlns:p14="http://schemas.microsoft.com/office/powerpoint/2010/main" val="1293879784"/>
       </p:ext>
     </p:extLst>
   </p:cSld>
@@ -11200,14 +12454,19 @@
             <p:ph type="title"/>
           </p:nvPr>
         </p:nvSpPr>
-        <p:spPr/>
+        <p:spPr>
+          <a:xfrm>
+            <a:off x="-15227" y="188640"/>
+            <a:ext cx="4525463" cy="634083"/>
+          </a:xfrm>
+        </p:spPr>
         <p:txBody>
           <a:bodyPr/>
           <a:lstStyle/>
           <a:p>
             <a:r>
               <a:rPr lang="en-US" dirty="0"/>
-              <a:t>2. </a:t>
+              <a:t>1. </a:t>
             </a:r>
             <a:r>
               <a:rPr lang="en-US" dirty="0" err="1"/>
@@ -11235,15 +12494,7 @@
             </a:r>
             <a:r>
               <a:rPr lang="en-US" dirty="0" err="1"/>
-              <a:t>tiết</a:t>
-            </a:r>
-            <a:r>
-              <a:rPr lang="en-US" dirty="0"/>
-              <a:t> </a:t>
-            </a:r>
-            <a:r>
-              <a:rPr lang="en-US" dirty="0" err="1"/>
-              <a:t>kiệm</a:t>
+              <a:t>nhanh</a:t>
             </a:r>
             <a:endParaRPr lang="en-US" dirty="0"/>
           </a:p>
@@ -11251,10 +12502,10 @@
       </p:sp>
       <p:sp>
         <p:nvSpPr>
-          <p:cNvPr id="27" name="Content Placeholder 26">
+          <p:cNvPr id="5" name="Text Placeholder 4">
             <a:extLst>
               <a:ext uri="{FF2B5EF4-FFF2-40B4-BE49-F238E27FC236}">
-                <a16:creationId xmlns:a16="http://schemas.microsoft.com/office/drawing/2014/main" id="{DBFA792C-DCEE-4086-91E6-33E70EB22BEB}"/>
+                <a16:creationId xmlns:a16="http://schemas.microsoft.com/office/drawing/2014/main" id="{E9EBB063-221E-4D3B-87FB-97383FC5A491}"/>
               </a:ext>
             </a:extLst>
           </p:cNvPr>
@@ -11262,202 +12513,84 @@
             <a:spLocks noGrp="1"/>
           </p:cNvSpPr>
           <p:nvPr>
-            <p:ph sz="half" idx="2"/>
+            <p:ph type="body" idx="1"/>
           </p:nvPr>
         </p:nvSpPr>
         <p:spPr>
           <a:xfrm>
-            <a:off x="1218883" y="1556792"/>
-            <a:ext cx="5078677" cy="4615408"/>
+            <a:off x="-170284" y="5949280"/>
+            <a:ext cx="4680520" cy="359048"/>
           </a:xfrm>
         </p:spPr>
         <p:txBody>
-          <a:bodyPr/>
+          <a:bodyPr>
+            <a:normAutofit fontScale="92500" lnSpcReduction="20000"/>
+          </a:bodyPr>
           <a:lstStyle/>
           <a:p>
-            <a:pPr algn="just"/>
-            <a:r>
-              <a:rPr lang="en-US" dirty="0" err="1"/>
-              <a:t>Giải</a:t>
-            </a:r>
-            <a:r>
-              <a:rPr lang="en-US" dirty="0"/>
-              <a:t> </a:t>
-            </a:r>
-            <a:r>
-              <a:rPr lang="en-US" dirty="0" err="1"/>
+            <a:pPr algn="ctr"/>
+            <a:r>
+              <a:rPr lang="en-US" sz="2000" cap="none" dirty="0" err="1"/>
+              <a:t>Sơ</a:t>
+            </a:r>
+            <a:r>
+              <a:rPr lang="en-US" sz="2000" cap="none" dirty="0"/>
+              <a:t> </a:t>
+            </a:r>
+            <a:r>
+              <a:rPr lang="en-US" sz="2000" cap="none" dirty="0" err="1"/>
+              <a:t>đồ</a:t>
+            </a:r>
+            <a:r>
+              <a:rPr lang="en-US" sz="2000" cap="none" dirty="0"/>
+              <a:t> </a:t>
+            </a:r>
+            <a:r>
+              <a:rPr lang="en-US" sz="2000" cap="none" dirty="0" err="1"/>
+              <a:t>khối</a:t>
+            </a:r>
+            <a:r>
+              <a:rPr lang="en-US" sz="2000" cap="none" dirty="0"/>
+              <a:t> </a:t>
+            </a:r>
+            <a:r>
+              <a:rPr lang="en-US" sz="2000" cap="none" dirty="0" err="1"/>
+              <a:t>giải</a:t>
+            </a:r>
+            <a:r>
+              <a:rPr lang="en-US" sz="2000" cap="none" dirty="0"/>
+              <a:t> </a:t>
+            </a:r>
+            <a:r>
+              <a:rPr lang="en-US" sz="2000" cap="none" dirty="0" err="1"/>
               <a:t>thuật</a:t>
             </a:r>
             <a:r>
-              <a:rPr lang="en-US" dirty="0"/>
-              <a:t> di </a:t>
-            </a:r>
-            <a:r>
-              <a:rPr lang="en-US" dirty="0" err="1"/>
-              <a:t>truyền</a:t>
-            </a:r>
-            <a:r>
-              <a:rPr lang="en-US" dirty="0"/>
-              <a:t> </a:t>
-            </a:r>
-            <a:r>
-              <a:rPr lang="en-US" dirty="0" err="1"/>
-              <a:t>là</a:t>
-            </a:r>
-            <a:r>
-              <a:rPr lang="en-US" dirty="0"/>
-              <a:t> </a:t>
-            </a:r>
-            <a:r>
-              <a:rPr lang="en-US" dirty="0" err="1"/>
-              <a:t>ứng</a:t>
-            </a:r>
-            <a:r>
-              <a:rPr lang="en-US" dirty="0"/>
-              <a:t> </a:t>
-            </a:r>
-            <a:r>
-              <a:rPr lang="en-US" dirty="0" err="1"/>
-              <a:t>cử</a:t>
-            </a:r>
-            <a:r>
-              <a:rPr lang="en-US" dirty="0"/>
-              <a:t> </a:t>
-            </a:r>
-            <a:r>
-              <a:rPr lang="en-US" dirty="0" err="1"/>
-              <a:t>viên</a:t>
-            </a:r>
-            <a:r>
-              <a:rPr lang="en-US" dirty="0"/>
-              <a:t> </a:t>
-            </a:r>
-            <a:r>
-              <a:rPr lang="en-US" dirty="0" err="1"/>
-              <a:t>tốt</a:t>
-            </a:r>
-            <a:r>
-              <a:rPr lang="en-US" dirty="0"/>
-              <a:t> </a:t>
-            </a:r>
-            <a:r>
-              <a:rPr lang="en-US" dirty="0" err="1"/>
-              <a:t>để</a:t>
-            </a:r>
-            <a:r>
-              <a:rPr lang="en-US" dirty="0"/>
-              <a:t> </a:t>
-            </a:r>
-            <a:r>
-              <a:rPr lang="en-US" dirty="0" err="1"/>
-              <a:t>giải</a:t>
-            </a:r>
-            <a:r>
-              <a:rPr lang="en-US" dirty="0"/>
-              <a:t> </a:t>
-            </a:r>
-            <a:r>
-              <a:rPr lang="en-US" dirty="0" err="1"/>
-              <a:t>quyết</a:t>
-            </a:r>
-            <a:r>
-              <a:rPr lang="en-US" dirty="0"/>
-              <a:t> </a:t>
-            </a:r>
-            <a:r>
-              <a:rPr lang="en-US" dirty="0" err="1"/>
-              <a:t>vấn</a:t>
-            </a:r>
-            <a:r>
-              <a:rPr lang="en-US" dirty="0"/>
-              <a:t> </a:t>
-            </a:r>
-            <a:r>
-              <a:rPr lang="en-US" dirty="0" err="1"/>
-              <a:t>đề</a:t>
-            </a:r>
-            <a:r>
-              <a:rPr lang="en-US" dirty="0"/>
-              <a:t> </a:t>
-            </a:r>
-            <a:r>
-              <a:rPr lang="en-US" dirty="0" err="1"/>
+              <a:rPr lang="en-US" sz="2000" cap="none" dirty="0"/>
+              <a:t> </a:t>
+            </a:r>
+            <a:r>
+              <a:rPr lang="en-US" sz="2000" cap="none" dirty="0" err="1"/>
               <a:t>cắt</a:t>
             </a:r>
             <a:r>
-              <a:rPr lang="en-US" dirty="0"/>
-              <a:t> </a:t>
-            </a:r>
-            <a:r>
-              <a:rPr lang="en-US" dirty="0" err="1"/>
-              <a:t>tiết</a:t>
-            </a:r>
-            <a:r>
-              <a:rPr lang="en-US" dirty="0"/>
-              <a:t> </a:t>
-            </a:r>
-            <a:r>
-              <a:rPr lang="en-US" dirty="0" err="1"/>
-              <a:t>kiệm</a:t>
-            </a:r>
-            <a:r>
-              <a:rPr lang="en-US" dirty="0"/>
-              <a:t> </a:t>
-            </a:r>
-            <a:r>
-              <a:rPr lang="en-US" dirty="0" err="1"/>
-              <a:t>với</a:t>
-            </a:r>
-            <a:r>
-              <a:rPr lang="en-US" dirty="0"/>
-              <a:t> </a:t>
-            </a:r>
-            <a:r>
-              <a:rPr lang="en-US" dirty="0" err="1"/>
-              <a:t>không</a:t>
-            </a:r>
-            <a:r>
-              <a:rPr lang="en-US" dirty="0"/>
-              <a:t> </a:t>
-            </a:r>
-            <a:r>
-              <a:rPr lang="en-US" dirty="0" err="1"/>
-              <a:t>gian</a:t>
-            </a:r>
-            <a:r>
-              <a:rPr lang="en-US" dirty="0"/>
-              <a:t> </a:t>
-            </a:r>
-            <a:r>
-              <a:rPr lang="en-US" dirty="0" err="1"/>
-              <a:t>tìm</a:t>
-            </a:r>
-            <a:r>
-              <a:rPr lang="en-US" dirty="0"/>
-              <a:t> </a:t>
-            </a:r>
-            <a:r>
-              <a:rPr lang="en-US" dirty="0" err="1"/>
-              <a:t>kiếm</a:t>
-            </a:r>
-            <a:r>
-              <a:rPr lang="en-US" dirty="0"/>
-              <a:t> </a:t>
-            </a:r>
-            <a:r>
-              <a:rPr lang="en-US" dirty="0" err="1"/>
-              <a:t>rộng</a:t>
-            </a:r>
-            <a:endParaRPr lang="en-US" dirty="0"/>
+              <a:rPr lang="en-US" sz="2000" cap="none" dirty="0"/>
+              <a:t> </a:t>
+            </a:r>
+            <a:r>
+              <a:rPr lang="en-US" sz="2000" cap="none" dirty="0" err="1"/>
+              <a:t>nhanh</a:t>
+            </a:r>
+            <a:endParaRPr lang="en-US" sz="2000" cap="none" dirty="0"/>
           </a:p>
         </p:txBody>
       </p:sp>
       <p:pic>
         <p:nvPicPr>
-          <p:cNvPr id="31" name="Content Placeholder 30">
+          <p:cNvPr id="10" name="Content Placeholder 9">
             <a:extLst>
               <a:ext uri="{FF2B5EF4-FFF2-40B4-BE49-F238E27FC236}">
-                <a16:creationId xmlns:a16="http://schemas.microsoft.com/office/drawing/2014/main" id="{97B521A0-F0F9-470E-9946-73601286AC2B}"/>
+                <a16:creationId xmlns:a16="http://schemas.microsoft.com/office/drawing/2014/main" id="{80F672B5-7584-4A7C-AA11-55D9EF696048}"/>
               </a:ext>
             </a:extLst>
           </p:cNvPr>
@@ -11465,7 +12598,7 @@
             <a:picLocks noGrp="1" noChangeAspect="1"/>
           </p:cNvPicPr>
           <p:nvPr>
-            <p:ph sz="quarter" idx="4"/>
+            <p:ph sz="half" idx="2"/>
           </p:nvPr>
         </p:nvPicPr>
         <p:blipFill>
@@ -11482,15 +12615,15 @@
         </p:blipFill>
         <p:spPr>
           <a:xfrm>
-            <a:off x="7168029" y="1557338"/>
-            <a:ext cx="3743980" cy="4614862"/>
+            <a:off x="4294212" y="0"/>
+            <a:ext cx="7992888" cy="6880848"/>
           </a:xfrm>
         </p:spPr>
       </p:pic>
     </p:spTree>
     <p:extLst>
       <p:ext uri="{BB962C8B-B14F-4D97-AF65-F5344CB8AC3E}">
-        <p14:creationId xmlns:p14="http://schemas.microsoft.com/office/powerpoint/2010/main" val="3853744751"/>
+        <p14:creationId xmlns:p14="http://schemas.microsoft.com/office/powerpoint/2010/main" val="4049725623"/>
       </p:ext>
     </p:extLst>
   </p:cSld>
@@ -11539,14 +12672,19 @@
             <p:ph type="title"/>
           </p:nvPr>
         </p:nvSpPr>
-        <p:spPr/>
+        <p:spPr>
+          <a:xfrm>
+            <a:off x="0" y="116632"/>
+            <a:ext cx="10360501" cy="634083"/>
+          </a:xfrm>
+        </p:spPr>
         <p:txBody>
           <a:bodyPr/>
           <a:lstStyle/>
           <a:p>
             <a:r>
               <a:rPr lang="en-US" dirty="0"/>
-              <a:t>2. </a:t>
+              <a:t>1. </a:t>
             </a:r>
             <a:r>
               <a:rPr lang="en-US" dirty="0" err="1"/>
@@ -11574,15 +12712,7 @@
             </a:r>
             <a:r>
               <a:rPr lang="en-US" dirty="0" err="1"/>
-              <a:t>tiết</a:t>
-            </a:r>
-            <a:r>
-              <a:rPr lang="en-US" dirty="0"/>
-              <a:t> </a:t>
-            </a:r>
-            <a:r>
-              <a:rPr lang="en-US" dirty="0" err="1"/>
-              <a:t>kiệm</a:t>
+              <a:t>nhanh</a:t>
             </a:r>
             <a:endParaRPr lang="en-US" dirty="0"/>
           </a:p>
@@ -11590,10 +12720,10 @@
       </p:sp>
       <p:sp>
         <p:nvSpPr>
-          <p:cNvPr id="27" name="Content Placeholder 26">
+          <p:cNvPr id="6" name="Text Placeholder 5">
             <a:extLst>
               <a:ext uri="{FF2B5EF4-FFF2-40B4-BE49-F238E27FC236}">
-                <a16:creationId xmlns:a16="http://schemas.microsoft.com/office/drawing/2014/main" id="{DBFA792C-DCEE-4086-91E6-33E70EB22BEB}"/>
+                <a16:creationId xmlns:a16="http://schemas.microsoft.com/office/drawing/2014/main" id="{8BECC485-2A4F-47A6-8E45-0B312067D8B8}"/>
               </a:ext>
             </a:extLst>
           </p:cNvPr>
@@ -11601,269 +12731,68 @@
             <a:spLocks noGrp="1"/>
           </p:cNvSpPr>
           <p:nvPr>
-            <p:ph sz="half" idx="2"/>
+            <p:ph type="body" sz="quarter" idx="3"/>
           </p:nvPr>
         </p:nvSpPr>
         <p:spPr>
           <a:xfrm>
-            <a:off x="1218883" y="1556792"/>
-            <a:ext cx="5078677" cy="4615408"/>
+            <a:off x="-98276" y="5877272"/>
+            <a:ext cx="4824536" cy="504056"/>
           </a:xfrm>
         </p:spPr>
         <p:txBody>
-          <a:bodyPr/>
+          <a:bodyPr>
+            <a:normAutofit/>
+          </a:bodyPr>
           <a:lstStyle/>
           <a:p>
-            <a:pPr algn="just"/>
-            <a:r>
-              <a:rPr lang="en-US" dirty="0" err="1"/>
-              <a:t>Khởi</a:t>
-            </a:r>
-            <a:r>
-              <a:rPr lang="en-US" dirty="0"/>
-              <a:t> </a:t>
-            </a:r>
-            <a:r>
-              <a:rPr lang="en-US" dirty="0" err="1"/>
-              <a:t>tạo</a:t>
-            </a:r>
-            <a:r>
-              <a:rPr lang="en-US" dirty="0"/>
-              <a:t> </a:t>
-            </a:r>
-            <a:r>
-              <a:rPr lang="en-US" dirty="0" err="1"/>
-              <a:t>quần</a:t>
-            </a:r>
-            <a:r>
-              <a:rPr lang="en-US" dirty="0"/>
-              <a:t> </a:t>
-            </a:r>
-            <a:r>
-              <a:rPr lang="en-US" dirty="0" err="1"/>
-              <a:t>thể</a:t>
-            </a:r>
-            <a:r>
-              <a:rPr lang="en-US" dirty="0"/>
-              <a:t>: </a:t>
-            </a:r>
-            <a:r>
-              <a:rPr lang="en-US" dirty="0" err="1"/>
-              <a:t>sử</a:t>
-            </a:r>
-            <a:r>
-              <a:rPr lang="en-US" dirty="0"/>
-              <a:t> </a:t>
-            </a:r>
-            <a:r>
-              <a:rPr lang="en-US" dirty="0" err="1"/>
-              <a:t>dụng</a:t>
-            </a:r>
-            <a:r>
-              <a:rPr lang="en-US" dirty="0"/>
-              <a:t> </a:t>
-            </a:r>
-            <a:r>
-              <a:rPr lang="en-US" dirty="0" err="1"/>
-              <a:t>giải</a:t>
-            </a:r>
-            <a:r>
-              <a:rPr lang="en-US" dirty="0"/>
-              <a:t> </a:t>
-            </a:r>
-            <a:r>
-              <a:rPr lang="en-US" dirty="0" err="1"/>
-              <a:t>thuật</a:t>
-            </a:r>
-            <a:r>
-              <a:rPr lang="en-US" dirty="0"/>
-              <a:t> quay </a:t>
-            </a:r>
-            <a:r>
-              <a:rPr lang="en-US" dirty="0" err="1"/>
-              <a:t>lui</a:t>
-            </a:r>
-            <a:r>
-              <a:rPr lang="en-US" dirty="0"/>
-              <a:t> </a:t>
-            </a:r>
-            <a:r>
-              <a:rPr lang="en-US" dirty="0" err="1"/>
-              <a:t>vét</a:t>
-            </a:r>
-            <a:r>
-              <a:rPr lang="en-US" dirty="0"/>
-              <a:t> </a:t>
-            </a:r>
-            <a:r>
-              <a:rPr lang="en-US" dirty="0" err="1"/>
-              <a:t>cạn</a:t>
-            </a:r>
-            <a:r>
-              <a:rPr lang="en-US" dirty="0"/>
-              <a:t> </a:t>
-            </a:r>
-            <a:r>
-              <a:rPr lang="en-US" dirty="0" err="1"/>
-              <a:t>để</a:t>
-            </a:r>
-            <a:r>
-              <a:rPr lang="en-US" dirty="0"/>
-              <a:t> </a:t>
-            </a:r>
-            <a:r>
-              <a:rPr lang="en-US" dirty="0" err="1"/>
-              <a:t>tìm</a:t>
-            </a:r>
-            <a:r>
-              <a:rPr lang="en-US" dirty="0"/>
-              <a:t> </a:t>
-            </a:r>
-            <a:r>
-              <a:rPr lang="en-US" dirty="0" err="1"/>
-              <a:t>kiếm</a:t>
-            </a:r>
-            <a:r>
-              <a:rPr lang="en-US" dirty="0"/>
-              <a:t> </a:t>
-            </a:r>
-            <a:r>
-              <a:rPr lang="en-US" dirty="0" err="1"/>
-              <a:t>các</a:t>
-            </a:r>
-            <a:r>
-              <a:rPr lang="en-US" dirty="0"/>
-              <a:t> </a:t>
-            </a:r>
-            <a:r>
-              <a:rPr lang="en-US" dirty="0" err="1"/>
-              <a:t>cá</a:t>
-            </a:r>
-            <a:r>
-              <a:rPr lang="en-US" dirty="0"/>
-              <a:t> </a:t>
-            </a:r>
-            <a:r>
-              <a:rPr lang="en-US" dirty="0" err="1"/>
-              <a:t>thể</a:t>
-            </a:r>
-            <a:r>
-              <a:rPr lang="en-US" dirty="0"/>
-              <a:t> </a:t>
-            </a:r>
-            <a:r>
-              <a:rPr lang="en-US" dirty="0" err="1"/>
-              <a:t>và</a:t>
-            </a:r>
-            <a:r>
-              <a:rPr lang="en-US" dirty="0"/>
-              <a:t> </a:t>
-            </a:r>
-            <a:r>
-              <a:rPr lang="en-US" dirty="0" err="1"/>
-              <a:t>đưa</a:t>
-            </a:r>
-            <a:r>
-              <a:rPr lang="en-US" dirty="0"/>
-              <a:t> </a:t>
-            </a:r>
-            <a:r>
-              <a:rPr lang="en-US" dirty="0" err="1"/>
-              <a:t>chúng</a:t>
-            </a:r>
-            <a:r>
-              <a:rPr lang="en-US" dirty="0"/>
-              <a:t> </a:t>
-            </a:r>
-            <a:r>
-              <a:rPr lang="en-US" dirty="0" err="1"/>
-              <a:t>vào</a:t>
-            </a:r>
-            <a:r>
-              <a:rPr lang="en-US" dirty="0"/>
-              <a:t> </a:t>
-            </a:r>
-            <a:r>
-              <a:rPr lang="en-US" dirty="0" err="1"/>
-              <a:t>quần</a:t>
-            </a:r>
-            <a:r>
-              <a:rPr lang="en-US" dirty="0"/>
-              <a:t> </a:t>
-            </a:r>
-            <a:r>
-              <a:rPr lang="en-US" dirty="0" err="1"/>
-              <a:t>thể</a:t>
-            </a:r>
-            <a:r>
-              <a:rPr lang="en-US" dirty="0"/>
-              <a:t> </a:t>
-            </a:r>
-            <a:r>
-              <a:rPr lang="en-US" dirty="0" err="1"/>
-              <a:t>trong</a:t>
-            </a:r>
-            <a:r>
-              <a:rPr lang="en-US" dirty="0"/>
-              <a:t> </a:t>
-            </a:r>
-            <a:r>
-              <a:rPr lang="en-US" dirty="0" err="1"/>
-              <a:t>một</a:t>
-            </a:r>
-            <a:r>
-              <a:rPr lang="en-US" dirty="0"/>
-              <a:t> </a:t>
-            </a:r>
-            <a:r>
-              <a:rPr lang="en-US" dirty="0" err="1"/>
-              <a:t>khoảng</a:t>
-            </a:r>
-            <a:r>
-              <a:rPr lang="en-US" dirty="0"/>
-              <a:t> </a:t>
-            </a:r>
-            <a:r>
-              <a:rPr lang="en-US" dirty="0" err="1"/>
-              <a:t>thời</a:t>
-            </a:r>
-            <a:r>
-              <a:rPr lang="en-US" dirty="0"/>
-              <a:t> </a:t>
-            </a:r>
-            <a:r>
-              <a:rPr lang="en-US" dirty="0" err="1"/>
-              <a:t>gian</a:t>
-            </a:r>
-            <a:r>
-              <a:rPr lang="en-US" dirty="0"/>
-              <a:t> </a:t>
-            </a:r>
-            <a:r>
-              <a:rPr lang="en-US" dirty="0" err="1"/>
-              <a:t>nhất</a:t>
-            </a:r>
-            <a:r>
-              <a:rPr lang="en-US" dirty="0"/>
-              <a:t> </a:t>
-            </a:r>
-            <a:r>
-              <a:rPr lang="en-US" dirty="0" err="1"/>
-              <a:t>định</a:t>
-            </a:r>
-            <a:r>
-              <a:rPr lang="en-US" dirty="0"/>
-              <a:t>.</a:t>
-            </a:r>
+            <a:pPr algn="ctr"/>
+            <a:r>
+              <a:rPr lang="en-US" sz="2000" cap="none" dirty="0" err="1"/>
+              <a:t>Tìm</a:t>
+            </a:r>
+            <a:r>
+              <a:rPr lang="en-US" sz="2000" cap="none" dirty="0"/>
+              <a:t> </a:t>
+            </a:r>
+            <a:r>
+              <a:rPr lang="en-US" sz="2000" cap="none" dirty="0" err="1"/>
+              <a:t>phương</a:t>
+            </a:r>
+            <a:r>
+              <a:rPr lang="en-US" sz="2000" cap="none" dirty="0"/>
+              <a:t> </a:t>
+            </a:r>
+            <a:r>
+              <a:rPr lang="en-US" sz="2000" cap="none" dirty="0" err="1"/>
+              <a:t>án</a:t>
+            </a:r>
+            <a:r>
+              <a:rPr lang="en-US" sz="2000" cap="none" dirty="0"/>
+              <a:t> </a:t>
+            </a:r>
+            <a:r>
+              <a:rPr lang="en-US" sz="2000" cap="none" dirty="0" err="1"/>
+              <a:t>cắt</a:t>
+            </a:r>
+            <a:r>
+              <a:rPr lang="en-US" sz="2000" cap="none" dirty="0"/>
+              <a:t> </a:t>
+            </a:r>
+            <a:r>
+              <a:rPr lang="en-US" sz="2000" cap="none" dirty="0" err="1"/>
+              <a:t>nhanh</a:t>
+            </a:r>
+            <a:endParaRPr lang="en-US" sz="2000" cap="none" dirty="0"/>
           </a:p>
         </p:txBody>
       </p:sp>
       <p:pic>
         <p:nvPicPr>
-          <p:cNvPr id="5" name="Content Placeholder 4">
+          <p:cNvPr id="12" name="Content Placeholder 11">
             <a:extLst>
               <a:ext uri="{FF2B5EF4-FFF2-40B4-BE49-F238E27FC236}">
-                <a16:creationId xmlns:a16="http://schemas.microsoft.com/office/drawing/2014/main" id="{45BB4EF7-EAD2-45FA-B64F-99A62FB5DD2E}"/>
+                <a16:creationId xmlns:a16="http://schemas.microsoft.com/office/drawing/2014/main" id="{60806179-7E27-4C41-84E7-3A2F0891A594}"/>
               </a:ext>
             </a:extLst>
           </p:cNvPr>
@@ -11888,15 +12817,15 @@
         </p:blipFill>
         <p:spPr>
           <a:xfrm>
-            <a:off x="6807420" y="1484313"/>
-            <a:ext cx="4465198" cy="4687887"/>
+            <a:off x="4438228" y="0"/>
+            <a:ext cx="7750597" cy="6858000"/>
           </a:xfrm>
         </p:spPr>
       </p:pic>
     </p:spTree>
     <p:extLst>
       <p:ext uri="{BB962C8B-B14F-4D97-AF65-F5344CB8AC3E}">
-        <p14:creationId xmlns:p14="http://schemas.microsoft.com/office/powerpoint/2010/main" val="1769573283"/>
+        <p14:creationId xmlns:p14="http://schemas.microsoft.com/office/powerpoint/2010/main" val="3973814488"/>
       </p:ext>
     </p:extLst>
   </p:cSld>
@@ -11919,39 +12848,8 @@
 </file>
 
 <file path=ppt/slides/slide8.xml><?xml version="1.0" encoding="utf-8"?>
-<p:sld xmlns:a="http://schemas.openxmlformats.org/drawingml/2006/main" xmlns:r="http://schemas.openxmlformats.org/officeDocument/2006/relationships" xmlns:p="http://schemas.openxmlformats.org/presentationml/2006/main" show="0">
+<p:sld xmlns:a="http://schemas.openxmlformats.org/drawingml/2006/main" xmlns:r="http://schemas.openxmlformats.org/officeDocument/2006/relationships" xmlns:p="http://schemas.openxmlformats.org/presentationml/2006/main">
   <p:cSld>
-    <p:bg>
-      <p:bgPr>
-        <a:gradFill flip="none" rotWithShape="1">
-          <a:gsLst>
-            <a:gs pos="70000">
-              <a:schemeClr val="bg2">
-                <a:tint val="100000"/>
-                <a:shade val="0"/>
-                <a:satMod val="100000"/>
-              </a:schemeClr>
-            </a:gs>
-            <a:gs pos="100000">
-              <a:schemeClr val="bg2">
-                <a:tint val="100000"/>
-                <a:shade val="30000"/>
-                <a:satMod val="100000"/>
-              </a:schemeClr>
-            </a:gs>
-            <a:gs pos="48000">
-              <a:schemeClr val="bg2">
-                <a:shade val="60000"/>
-                <a:satMod val="100000"/>
-              </a:schemeClr>
-            </a:gs>
-          </a:gsLst>
-          <a:lin ang="3600000" scaled="0"/>
-          <a:tileRect/>
-        </a:gradFill>
-        <a:effectLst/>
-      </p:bgPr>
-    </p:bg>
     <p:spTree>
       <p:nvGrpSpPr>
         <p:cNvPr id="1" name=""/>
@@ -11976,165 +12874,23 @@
             <p:ph type="title"/>
           </p:nvPr>
         </p:nvSpPr>
-        <p:spPr/>
-        <p:txBody>
-          <a:bodyPr/>
-          <a:lstStyle/>
-          <a:p>
-            <a:r>
-              <a:rPr lang="en-US" dirty="0"/>
-              <a:t>2. </a:t>
-            </a:r>
-            <a:r>
-              <a:rPr lang="en-US" dirty="0" err="1"/>
-              <a:t>Giải</a:t>
-            </a:r>
-            <a:r>
-              <a:rPr lang="en-US" dirty="0"/>
-              <a:t> </a:t>
-            </a:r>
-            <a:r>
-              <a:rPr lang="en-US" dirty="0" err="1"/>
-              <a:t>thuật</a:t>
-            </a:r>
-            <a:r>
-              <a:rPr lang="en-US" dirty="0"/>
-              <a:t> </a:t>
-            </a:r>
-            <a:r>
-              <a:rPr lang="en-US" dirty="0" err="1"/>
-              <a:t>cắt</a:t>
-            </a:r>
-            <a:r>
-              <a:rPr lang="en-US" dirty="0"/>
-              <a:t> </a:t>
-            </a:r>
-            <a:r>
-              <a:rPr lang="en-US" dirty="0" err="1"/>
-              <a:t>tiết</a:t>
-            </a:r>
-            <a:r>
-              <a:rPr lang="en-US" dirty="0"/>
-              <a:t> </a:t>
-            </a:r>
-            <a:r>
-              <a:rPr lang="en-US" dirty="0" err="1"/>
-              <a:t>kiệm</a:t>
-            </a:r>
-            <a:endParaRPr lang="en-US" dirty="0"/>
-          </a:p>
-        </p:txBody>
-      </p:sp>
-      <p:sp>
-        <p:nvSpPr>
-          <p:cNvPr id="27" name="Content Placeholder 26">
-            <a:extLst>
-              <a:ext uri="{FF2B5EF4-FFF2-40B4-BE49-F238E27FC236}">
-                <a16:creationId xmlns:a16="http://schemas.microsoft.com/office/drawing/2014/main" id="{DBFA792C-DCEE-4086-91E6-33E70EB22BEB}"/>
-              </a:ext>
-            </a:extLst>
-          </p:cNvPr>
-          <p:cNvSpPr>
-            <a:spLocks noGrp="1"/>
-          </p:cNvSpPr>
-          <p:nvPr>
-            <p:ph sz="half" idx="2"/>
-          </p:nvPr>
-        </p:nvSpPr>
         <p:spPr>
           <a:xfrm>
-            <a:off x="1218883" y="1556792"/>
-            <a:ext cx="10276129" cy="4615408"/>
+            <a:off x="21001" y="-5432"/>
+            <a:ext cx="4921283" cy="1223963"/>
           </a:xfrm>
         </p:spPr>
         <p:txBody>
           <a:bodyPr/>
           <a:lstStyle/>
           <a:p>
-            <a:pPr algn="just"/>
-            <a:r>
-              <a:rPr lang="en-US" dirty="0" err="1"/>
-              <a:t>Đánh</a:t>
-            </a:r>
-            <a:r>
-              <a:rPr lang="en-US" dirty="0"/>
-              <a:t> </a:t>
-            </a:r>
-            <a:r>
-              <a:rPr lang="en-US" dirty="0" err="1"/>
-              <a:t>giá</a:t>
-            </a:r>
-            <a:r>
-              <a:rPr lang="en-US" dirty="0"/>
-              <a:t> </a:t>
-            </a:r>
-            <a:r>
-              <a:rPr lang="en-US" dirty="0" err="1"/>
-              <a:t>độ</a:t>
-            </a:r>
-            <a:r>
-              <a:rPr lang="en-US" dirty="0"/>
-              <a:t> </a:t>
-            </a:r>
-            <a:r>
-              <a:rPr lang="en-US" dirty="0" err="1"/>
-              <a:t>thích</a:t>
-            </a:r>
-            <a:r>
-              <a:rPr lang="en-US" dirty="0"/>
-              <a:t> </a:t>
-            </a:r>
-            <a:r>
-              <a:rPr lang="en-US" dirty="0" err="1"/>
-              <a:t>nghi</a:t>
-            </a:r>
-            <a:r>
-              <a:rPr lang="en-US" dirty="0"/>
-              <a:t> </a:t>
-            </a:r>
-            <a:r>
-              <a:rPr lang="en-US" dirty="0" err="1"/>
-              <a:t>của</a:t>
-            </a:r>
-            <a:r>
-              <a:rPr lang="en-US" dirty="0"/>
-              <a:t> </a:t>
-            </a:r>
-            <a:r>
-              <a:rPr lang="en-US" dirty="0" err="1"/>
-              <a:t>quần</a:t>
-            </a:r>
-            <a:r>
-              <a:rPr lang="en-US" dirty="0"/>
-              <a:t> </a:t>
-            </a:r>
-            <a:r>
-              <a:rPr lang="en-US" dirty="0" err="1"/>
-              <a:t>thể</a:t>
-            </a:r>
-            <a:endParaRPr lang="en-US" dirty="0"/>
-          </a:p>
-          <a:p>
-            <a:pPr algn="just"/>
-            <a:r>
-              <a:rPr lang="en-US" dirty="0" err="1"/>
-              <a:t>Điều</a:t>
-            </a:r>
-            <a:r>
-              <a:rPr lang="en-US" dirty="0"/>
-              <a:t> </a:t>
-            </a:r>
-            <a:r>
-              <a:rPr lang="en-US" dirty="0" err="1"/>
-              <a:t>kiện</a:t>
-            </a:r>
-            <a:r>
-              <a:rPr lang="en-US" dirty="0"/>
-              <a:t> </a:t>
-            </a:r>
-            <a:r>
-              <a:rPr lang="en-US" dirty="0" err="1"/>
-              <a:t>dừng</a:t>
+            <a:r>
+              <a:rPr lang="en-US" dirty="0"/>
+              <a:t>2. </a:t>
+            </a:r>
+            <a:r>
+              <a:rPr lang="en-US" dirty="0" err="1"/>
+              <a:t>Giải</a:t>
             </a:r>
             <a:r>
               <a:rPr lang="en-US" dirty="0"/>
@@ -12150,69 +12906,80 @@
             </a:r>
             <a:r>
               <a:rPr lang="en-US" dirty="0" err="1"/>
-              <a:t>toán</a:t>
-            </a:r>
-            <a:r>
-              <a:rPr lang="en-US" dirty="0"/>
-              <a:t> bao </a:t>
-            </a:r>
-            <a:r>
-              <a:rPr lang="en-US" dirty="0" err="1"/>
-              <a:t>gồm</a:t>
-            </a:r>
-            <a:endParaRPr lang="en-US" dirty="0"/>
-          </a:p>
-          <a:p>
-            <a:pPr algn="just"/>
-            <a:r>
-              <a:rPr lang="en-US" dirty="0" err="1"/>
-              <a:t>Chọn</a:t>
-            </a:r>
-            <a:r>
-              <a:rPr lang="en-US" dirty="0"/>
-              <a:t> </a:t>
-            </a:r>
-            <a:r>
-              <a:rPr lang="en-US" dirty="0" err="1"/>
-              <a:t>lọc</a:t>
-            </a:r>
-            <a:r>
-              <a:rPr lang="en-US" dirty="0"/>
-              <a:t> </a:t>
-            </a:r>
-            <a:r>
-              <a:rPr lang="en-US" dirty="0" err="1"/>
-              <a:t>tự</a:t>
-            </a:r>
-            <a:r>
-              <a:rPr lang="en-US" dirty="0"/>
-              <a:t> </a:t>
-            </a:r>
-            <a:r>
-              <a:rPr lang="en-US" dirty="0" err="1"/>
-              <a:t>nhiên</a:t>
+              <a:t>cắt</a:t>
+            </a:r>
+            <a:r>
+              <a:rPr lang="en-US" dirty="0"/>
+              <a:t> </a:t>
+            </a:r>
+            <a:r>
+              <a:rPr lang="en-US" dirty="0" err="1"/>
+              <a:t>tiết</a:t>
+            </a:r>
+            <a:r>
+              <a:rPr lang="en-US" dirty="0"/>
+              <a:t> </a:t>
+            </a:r>
+            <a:r>
+              <a:rPr lang="en-US" dirty="0" err="1"/>
+              <a:t>kiệm</a:t>
             </a:r>
             <a:endParaRPr lang="en-US" dirty="0"/>
           </a:p>
         </p:txBody>
       </p:sp>
+      <p:pic>
+        <p:nvPicPr>
+          <p:cNvPr id="31" name="Content Placeholder 30">
+            <a:extLst>
+              <a:ext uri="{FF2B5EF4-FFF2-40B4-BE49-F238E27FC236}">
+                <a16:creationId xmlns:a16="http://schemas.microsoft.com/office/drawing/2014/main" id="{97B521A0-F0F9-470E-9946-73601286AC2B}"/>
+              </a:ext>
+            </a:extLst>
+          </p:cNvPr>
+          <p:cNvPicPr>
+            <a:picLocks noGrp="1" noChangeAspect="1"/>
+          </p:cNvPicPr>
+          <p:nvPr>
+            <p:ph sz="quarter" idx="4"/>
+          </p:nvPr>
+        </p:nvPicPr>
+        <p:blipFill>
+          <a:blip r:embed="rId2">
+            <a:extLst>
+              <a:ext uri="{28A0092B-C50C-407E-A947-70E740481C1C}">
+                <a14:useLocalDpi xmlns:a14="http://schemas.microsoft.com/office/drawing/2010/main" val="0"/>
+              </a:ext>
+            </a:extLst>
+          </a:blip>
+          <a:stretch>
+            <a:fillRect/>
+          </a:stretch>
+        </p:blipFill>
+        <p:spPr>
+          <a:xfrm>
+            <a:off x="5158308" y="1"/>
+            <a:ext cx="7030517" cy="6858000"/>
+          </a:xfrm>
+        </p:spPr>
+      </p:pic>
     </p:spTree>
     <p:extLst>
       <p:ext uri="{BB962C8B-B14F-4D97-AF65-F5344CB8AC3E}">
-        <p14:creationId xmlns:p14="http://schemas.microsoft.com/office/powerpoint/2010/main" val="4097645453"/>
+        <p14:creationId xmlns:p14="http://schemas.microsoft.com/office/powerpoint/2010/main" val="3853744751"/>
       </p:ext>
     </p:extLst>
   </p:cSld>
   <p:clrMapOvr>
     <a:masterClrMapping/>
   </p:clrMapOvr>
-  <mc:AlternateContent xmlns:mc="http://schemas.openxmlformats.org/markup-compatibility/2006">
-    <mc:Choice xmlns:p14="http://schemas.microsoft.com/office/powerpoint/2010/main" Requires="p14">
+  <mc:AlternateContent xmlns:mc="http://schemas.openxmlformats.org/markup-compatibility/2006" xmlns:p14="http://schemas.microsoft.com/office/powerpoint/2010/main">
+    <mc:Choice Requires="p14">
       <p:transition spd="med" p14:dur="700">
         <p:fade/>
       </p:transition>
     </mc:Choice>
-    <mc:Fallback>
+    <mc:Fallback xmlns="">
       <p:transition spd="med">
         <p:fade/>
       </p:transition>
@@ -12248,85 +13015,25 @@
             <p:ph type="title"/>
           </p:nvPr>
         </p:nvSpPr>
-        <p:spPr/>
-        <p:txBody>
-          <a:bodyPr/>
-          <a:lstStyle/>
-          <a:p>
-            <a:r>
-              <a:rPr lang="en-US" dirty="0"/>
-              <a:t>2. </a:t>
-            </a:r>
-            <a:r>
-              <a:rPr lang="en-US" dirty="0" err="1"/>
-              <a:t>Giải</a:t>
-            </a:r>
-            <a:r>
-              <a:rPr lang="en-US" dirty="0"/>
-              <a:t> </a:t>
-            </a:r>
-            <a:r>
-              <a:rPr lang="en-US" dirty="0" err="1"/>
-              <a:t>thuật</a:t>
-            </a:r>
-            <a:r>
-              <a:rPr lang="en-US" dirty="0"/>
-              <a:t> </a:t>
-            </a:r>
-            <a:r>
-              <a:rPr lang="en-US" dirty="0" err="1"/>
-              <a:t>cắt</a:t>
-            </a:r>
-            <a:r>
-              <a:rPr lang="en-US" dirty="0"/>
-              <a:t> </a:t>
-            </a:r>
-            <a:r>
-              <a:rPr lang="en-US" dirty="0" err="1"/>
-              <a:t>tiết</a:t>
-            </a:r>
-            <a:r>
-              <a:rPr lang="en-US" dirty="0"/>
-              <a:t> </a:t>
-            </a:r>
-            <a:r>
-              <a:rPr lang="en-US" dirty="0" err="1"/>
-              <a:t>kiệm</a:t>
-            </a:r>
-            <a:endParaRPr lang="en-US" dirty="0"/>
-          </a:p>
-        </p:txBody>
-      </p:sp>
-      <p:sp>
-        <p:nvSpPr>
-          <p:cNvPr id="27" name="Content Placeholder 26">
-            <a:extLst>
-              <a:ext uri="{FF2B5EF4-FFF2-40B4-BE49-F238E27FC236}">
-                <a16:creationId xmlns:a16="http://schemas.microsoft.com/office/drawing/2014/main" id="{DBFA792C-DCEE-4086-91E6-33E70EB22BEB}"/>
-              </a:ext>
-            </a:extLst>
-          </p:cNvPr>
-          <p:cNvSpPr>
-            <a:spLocks noGrp="1"/>
-          </p:cNvSpPr>
-          <p:nvPr>
-            <p:ph sz="half" idx="2"/>
-          </p:nvPr>
-        </p:nvSpPr>
         <p:spPr>
           <a:xfrm>
-            <a:off x="1218883" y="1556792"/>
-            <a:ext cx="5078677" cy="4615408"/>
+            <a:off x="909837" y="548680"/>
+            <a:ext cx="3600400" cy="936104"/>
           </a:xfrm>
         </p:spPr>
         <p:txBody>
-          <a:bodyPr/>
+          <a:bodyPr>
+            <a:normAutofit fontScale="90000"/>
+          </a:bodyPr>
           <a:lstStyle/>
           <a:p>
-            <a:pPr algn="just"/>
-            <a:r>
-              <a:rPr lang="en-US" dirty="0"/>
-              <a:t>Lai </a:t>
+            <a:r>
+              <a:rPr lang="en-US" dirty="0" err="1"/>
+              <a:t>Khởi</a:t>
+            </a:r>
+            <a:r>
+              <a:rPr lang="en-US" dirty="0"/>
+              <a:t> </a:t>
             </a:r>
             <a:r>
               <a:rPr lang="en-US" dirty="0" err="1"/>
@@ -12334,67 +13041,11 @@
             </a:r>
             <a:r>
               <a:rPr lang="en-US" dirty="0"/>
-              <a:t>: </a:t>
-            </a:r>
-            <a:r>
-              <a:rPr lang="en-US" dirty="0" err="1"/>
-              <a:t>áp</a:t>
-            </a:r>
-            <a:r>
-              <a:rPr lang="en-US" dirty="0"/>
-              <a:t> </a:t>
-            </a:r>
-            <a:r>
-              <a:rPr lang="en-US" dirty="0" err="1"/>
-              <a:t>dụng</a:t>
-            </a:r>
-            <a:r>
-              <a:rPr lang="en-US" dirty="0"/>
-              <a:t> </a:t>
-            </a:r>
-            <a:r>
-              <a:rPr lang="en-US" dirty="0" err="1"/>
-              <a:t>phép</a:t>
-            </a:r>
-            <a:r>
-              <a:rPr lang="en-US" dirty="0"/>
-              <a:t> </a:t>
-            </a:r>
-            <a:r>
-              <a:rPr lang="en-US" dirty="0" err="1"/>
-              <a:t>lai</a:t>
-            </a:r>
-            <a:r>
-              <a:rPr lang="en-US" dirty="0"/>
-              <a:t> </a:t>
-            </a:r>
-            <a:r>
-              <a:rPr lang="en-US" dirty="0" err="1"/>
-              <a:t>chéo</a:t>
-            </a:r>
-            <a:r>
-              <a:rPr lang="en-US" dirty="0"/>
-              <a:t> </a:t>
-            </a:r>
-            <a:r>
-              <a:rPr lang="en-US" dirty="0" err="1"/>
-              <a:t>giữa</a:t>
-            </a:r>
-            <a:r>
-              <a:rPr lang="en-US" dirty="0"/>
-              <a:t> </a:t>
-            </a:r>
-            <a:r>
-              <a:rPr lang="en-US" dirty="0" err="1"/>
-              <a:t>các</a:t>
-            </a:r>
-            <a:r>
-              <a:rPr lang="en-US" dirty="0"/>
-              <a:t> </a:t>
-            </a:r>
-            <a:r>
-              <a:rPr lang="en-US" dirty="0" err="1"/>
-              <a:t>cá</a:t>
+              <a:t> </a:t>
+            </a:r>
+            <a:r>
+              <a:rPr lang="en-US" dirty="0" err="1"/>
+              <a:t>quần</a:t>
             </a:r>
             <a:r>
               <a:rPr lang="en-US" dirty="0"/>
@@ -12404,107 +13055,19 @@
               <a:rPr lang="en-US" dirty="0" err="1"/>
               <a:t>thể</a:t>
             </a:r>
-            <a:r>
-              <a:rPr lang="en-US" dirty="0"/>
-              <a:t> </a:t>
-            </a:r>
-            <a:r>
-              <a:rPr lang="en-US" dirty="0" err="1"/>
-              <a:t>trong</a:t>
-            </a:r>
-            <a:r>
-              <a:rPr lang="en-US" dirty="0"/>
-              <a:t> </a:t>
-            </a:r>
-            <a:r>
-              <a:rPr lang="en-US" dirty="0" err="1"/>
-              <a:t>quần</a:t>
-            </a:r>
-            <a:r>
-              <a:rPr lang="en-US" dirty="0"/>
-              <a:t> </a:t>
-            </a:r>
-            <a:r>
-              <a:rPr lang="en-US" dirty="0" err="1"/>
-              <a:t>thể</a:t>
-            </a:r>
-            <a:r>
-              <a:rPr lang="en-US" dirty="0"/>
-              <a:t> </a:t>
-            </a:r>
-            <a:r>
-              <a:rPr lang="en-US" dirty="0" err="1"/>
-              <a:t>để</a:t>
-            </a:r>
-            <a:r>
-              <a:rPr lang="en-US" dirty="0"/>
-              <a:t> </a:t>
-            </a:r>
-            <a:r>
-              <a:rPr lang="en-US" dirty="0" err="1"/>
-              <a:t>tạo</a:t>
-            </a:r>
-            <a:r>
-              <a:rPr lang="en-US" dirty="0"/>
-              <a:t> ra </a:t>
-            </a:r>
-            <a:r>
-              <a:rPr lang="en-US" dirty="0" err="1"/>
-              <a:t>các</a:t>
-            </a:r>
-            <a:r>
-              <a:rPr lang="en-US" dirty="0"/>
-              <a:t> </a:t>
-            </a:r>
-            <a:r>
-              <a:rPr lang="en-US" dirty="0" err="1"/>
-              <a:t>cá</a:t>
-            </a:r>
-            <a:r>
-              <a:rPr lang="en-US" dirty="0"/>
-              <a:t> </a:t>
-            </a:r>
-            <a:r>
-              <a:rPr lang="en-US" dirty="0" err="1"/>
-              <a:t>thể</a:t>
-            </a:r>
-            <a:r>
-              <a:rPr lang="en-US" dirty="0"/>
-              <a:t> có </a:t>
-            </a:r>
-            <a:r>
-              <a:rPr lang="en-US" dirty="0" err="1"/>
-              <a:t>sức</a:t>
-            </a:r>
-            <a:r>
-              <a:rPr lang="en-US" dirty="0"/>
-              <a:t> </a:t>
-            </a:r>
-            <a:r>
-              <a:rPr lang="en-US" dirty="0" err="1"/>
-              <a:t>khỏe</a:t>
-            </a:r>
-            <a:r>
-              <a:rPr lang="en-US" dirty="0"/>
-              <a:t> </a:t>
-            </a:r>
-            <a:r>
-              <a:rPr lang="en-US" dirty="0" err="1"/>
-              <a:t>tốt</a:t>
-            </a:r>
-            <a:r>
-              <a:rPr lang="en-US" dirty="0"/>
-              <a:t> hơn</a:t>
-            </a:r>
+            <a:br>
+              <a:rPr lang="en-US" dirty="0"/>
+            </a:br>
+            <a:endParaRPr lang="en-US" dirty="0"/>
           </a:p>
         </p:txBody>
       </p:sp>
       <p:pic>
         <p:nvPicPr>
-          <p:cNvPr id="6" name="Content Placeholder 5">
+          <p:cNvPr id="5" name="Content Placeholder 4">
             <a:extLst>
               <a:ext uri="{FF2B5EF4-FFF2-40B4-BE49-F238E27FC236}">
-                <a16:creationId xmlns:a16="http://schemas.microsoft.com/office/drawing/2014/main" id="{C8E11ADD-724A-4DED-8B19-174C3E523F31}"/>
+                <a16:creationId xmlns:a16="http://schemas.microsoft.com/office/drawing/2014/main" id="{45BB4EF7-EAD2-45FA-B64F-99A62FB5DD2E}"/>
               </a:ext>
             </a:extLst>
           </p:cNvPr>
@@ -12529,15 +13092,15 @@
         </p:blipFill>
         <p:spPr>
           <a:xfrm>
-            <a:off x="6740280" y="1700808"/>
-            <a:ext cx="4538707" cy="4471392"/>
+            <a:off x="5230317" y="1"/>
+            <a:ext cx="6958508" cy="6859280"/>
           </a:xfrm>
         </p:spPr>
       </p:pic>
     </p:spTree>
     <p:extLst>
       <p:ext uri="{BB962C8B-B14F-4D97-AF65-F5344CB8AC3E}">
-        <p14:creationId xmlns:p14="http://schemas.microsoft.com/office/powerpoint/2010/main" val="1652429280"/>
+        <p14:creationId xmlns:p14="http://schemas.microsoft.com/office/powerpoint/2010/main" val="1769573283"/>
       </p:ext>
     </p:extLst>
   </p:cSld>

--- a/src/com/duykypaul/kltn/docs/TỰ ĐỘNG LẬP KẾ HOẠCH GIA CÔNG CẮT.pptx
+++ b/src/com/duykypaul/kltn/docs/TỰ ĐỘNG LẬP KẾ HOẠCH GIA CÔNG CẮT.pptx
@@ -243,7 +243,7 @@
           <a:p>
             <a:fld id="{FE5B4EDC-59C0-49C7-8ADA-5A781B329E02}" type="datetimeFigureOut">
               <a:rPr lang="en-US"/>
-              <a:t>6/13/2021</a:t>
+              <a:t>6/15/2021</a:t>
             </a:fld>
             <a:endParaRPr/>
           </a:p>
@@ -408,7 +408,7 @@
           <a:p>
             <a:fld id="{F2D8D46A-B586-417D-BFBD-8C8FE0AAF762}" type="datetimeFigureOut">
               <a:rPr lang="en-US"/>
-              <a:t>6/13/2021</a:t>
+              <a:t>6/15/2021</a:t>
             </a:fld>
             <a:endParaRPr/>
           </a:p>
@@ -3477,7 +3477,7 @@
           <a:p>
             <a:fld id="{05AE0484-0237-4D80-BC95-0C8D6071B344}" type="datetime1">
               <a:rPr lang="en-US" smtClean="0"/>
-              <a:t>6/13/2021</a:t>
+              <a:t>6/15/2021</a:t>
             </a:fld>
             <a:endParaRPr/>
           </a:p>
@@ -3667,7 +3667,7 @@
           <a:p>
             <a:fld id="{8C8237DD-9166-4319-9443-3DB67D67CB14}" type="datetime1">
               <a:rPr lang="en-US" smtClean="0"/>
-              <a:t>6/13/2021</a:t>
+              <a:t>6/15/2021</a:t>
             </a:fld>
             <a:endParaRPr/>
           </a:p>
@@ -3867,7 +3867,7 @@
           <a:p>
             <a:fld id="{F4AF2B96-79D9-4EAF-892E-9CA1B8523A0F}" type="datetime1">
               <a:rPr lang="en-US" smtClean="0"/>
-              <a:t>6/13/2021</a:t>
+              <a:t>6/15/2021</a:t>
             </a:fld>
             <a:endParaRPr/>
           </a:p>
@@ -4057,7 +4057,7 @@
           <a:p>
             <a:fld id="{98EDF72A-D8CA-4843-9FB5-BFAA23462BCB}" type="datetime1">
               <a:rPr lang="en-US" smtClean="0"/>
-              <a:t>6/13/2021</a:t>
+              <a:t>6/15/2021</a:t>
             </a:fld>
             <a:endParaRPr/>
           </a:p>
@@ -4481,7 +4481,7 @@
           <a:p>
             <a:fld id="{6FA33EFA-B4D7-47DD-8898-06C32A8E8A6F}" type="datetime1">
               <a:rPr lang="en-US" smtClean="0"/>
-              <a:t>6/13/2021</a:t>
+              <a:t>6/15/2021</a:t>
             </a:fld>
             <a:endParaRPr/>
           </a:p>
@@ -4777,7 +4777,7 @@
           <a:p>
             <a:fld id="{1614EF5B-22E3-491C-9734-29CD9B7D2CFF}" type="datetime1">
               <a:rPr lang="en-US" smtClean="0"/>
-              <a:t>6/13/2021</a:t>
+              <a:t>6/15/2021</a:t>
             </a:fld>
             <a:endParaRPr/>
           </a:p>
@@ -5225,7 +5225,7 @@
           <a:p>
             <a:fld id="{7843DEE8-DA7E-4B6A-96CB-7785E0197B7C}" type="datetime1">
               <a:rPr lang="en-US" smtClean="0"/>
-              <a:t>6/13/2021</a:t>
+              <a:t>6/15/2021</a:t>
             </a:fld>
             <a:endParaRPr/>
           </a:p>
@@ -5347,7 +5347,7 @@
           <a:p>
             <a:fld id="{C7A72359-6575-4468-BDA3-18B144C4206F}" type="datetime1">
               <a:rPr lang="en-US" smtClean="0"/>
-              <a:t>6/13/2021</a:t>
+              <a:t>6/15/2021</a:t>
             </a:fld>
             <a:endParaRPr/>
           </a:p>
@@ -5446,7 +5446,7 @@
           <a:p>
             <a:fld id="{8E7F01EE-22E0-488C-B4FB-D17ACE4E3328}" type="datetime1">
               <a:rPr lang="en-US" smtClean="0"/>
-              <a:t>6/13/2021</a:t>
+              <a:t>6/15/2021</a:t>
             </a:fld>
             <a:endParaRPr/>
           </a:p>
@@ -5737,7 +5737,7 @@
           <a:p>
             <a:fld id="{CF40F7D9-69E9-47DE-97B3-FDCEA4C300E8}" type="datetime1">
               <a:rPr lang="en-US" smtClean="0"/>
-              <a:t>6/13/2021</a:t>
+              <a:t>6/15/2021</a:t>
             </a:fld>
             <a:endParaRPr/>
           </a:p>
@@ -6017,7 +6017,7 @@
           <a:p>
             <a:fld id="{1BE1865E-E7AE-4B5B-B280-6D61B5B96C51}" type="datetime1">
               <a:rPr lang="en-US" smtClean="0"/>
-              <a:t>6/13/2021</a:t>
+              <a:t>6/15/2021</a:t>
             </a:fld>
             <a:endParaRPr/>
           </a:p>
@@ -6612,7 +6612,7 @@
           <a:p>
             <a:fld id="{3AA6D4E8-288E-4D5E-B486-21D0E4533958}" type="datetime1">
               <a:rPr lang="en-US" smtClean="0"/>
-              <a:t>6/13/2021</a:t>
+              <a:t>6/15/2021</a:t>
             </a:fld>
             <a:endParaRPr/>
           </a:p>
@@ -14475,148 +14475,26 @@
               <a:buClrTx/>
             </a:pPr>
             <a:r>
-              <a:rPr lang="en-US" sz="3000" err="1">
-                <a:solidFill>
-                  <a:schemeClr val="bg1"/>
-                </a:solidFill>
-              </a:rPr>
-              <a:t>Khóa</a:t>
-            </a:r>
-            <a:r>
               <a:rPr lang="en-US" sz="3000">
                 <a:solidFill>
                   <a:schemeClr val="bg1"/>
                 </a:solidFill>
               </a:rPr>
-              <a:t> </a:t>
-            </a:r>
-            <a:r>
-              <a:rPr lang="en-US" sz="3000" err="1">
-                <a:solidFill>
-                  <a:schemeClr val="bg1"/>
-                </a:solidFill>
-              </a:rPr>
-              <a:t>luận</a:t>
-            </a:r>
-            <a:r>
-              <a:rPr lang="en-US" sz="3000">
-                <a:solidFill>
-                  <a:schemeClr val="bg1"/>
-                </a:solidFill>
-              </a:rPr>
-              <a:t> </a:t>
-            </a:r>
-            <a:r>
-              <a:rPr lang="en-US" sz="3000" err="1">
-                <a:solidFill>
-                  <a:schemeClr val="bg1"/>
-                </a:solidFill>
-              </a:rPr>
-              <a:t>đã</a:t>
-            </a:r>
-            <a:r>
-              <a:rPr lang="en-US" sz="3000">
-                <a:solidFill>
-                  <a:schemeClr val="bg1"/>
-                </a:solidFill>
-              </a:rPr>
-              <a:t> </a:t>
-            </a:r>
-            <a:r>
-              <a:rPr lang="en-US" sz="3000" err="1">
-                <a:solidFill>
-                  <a:schemeClr val="bg1"/>
-                </a:solidFill>
-              </a:rPr>
-              <a:t>làm</a:t>
-            </a:r>
-            <a:r>
-              <a:rPr lang="en-US" sz="3000">
-                <a:solidFill>
-                  <a:schemeClr val="bg1"/>
-                </a:solidFill>
-              </a:rPr>
-              <a:t> </a:t>
-            </a:r>
-            <a:r>
-              <a:rPr lang="en-US" sz="3000" err="1">
-                <a:solidFill>
-                  <a:schemeClr val="bg1"/>
-                </a:solidFill>
-              </a:rPr>
-              <a:t>được</a:t>
-            </a:r>
-            <a:r>
-              <a:rPr lang="en-US" sz="3000">
-                <a:solidFill>
-                  <a:schemeClr val="bg1"/>
-                </a:solidFill>
-              </a:rPr>
-              <a:t> </a:t>
-            </a:r>
-            <a:r>
-              <a:rPr lang="en-US" sz="3000" err="1">
-                <a:solidFill>
-                  <a:schemeClr val="bg1"/>
-                </a:solidFill>
-              </a:rPr>
-              <a:t>gì</a:t>
-            </a:r>
-            <a:endParaRPr lang="en-US" sz="3000">
-              <a:solidFill>
-                <a:schemeClr val="bg1"/>
-              </a:solidFill>
-            </a:endParaRPr>
+              <a:t>Kết quả đạt được của khóa luận</a:t>
+            </a:r>
           </a:p>
           <a:p>
             <a:pPr>
               <a:buClrTx/>
             </a:pPr>
             <a:r>
-              <a:rPr lang="en-US" sz="3000" err="1">
-                <a:solidFill>
-                  <a:schemeClr val="bg1"/>
-                </a:solidFill>
-              </a:rPr>
-              <a:t>Kết</a:t>
-            </a:r>
-            <a:r>
               <a:rPr lang="en-US" sz="3000">
                 <a:solidFill>
                   <a:schemeClr val="bg1"/>
                 </a:solidFill>
               </a:rPr>
-              <a:t> quả </a:t>
-            </a:r>
-            <a:r>
-              <a:rPr lang="en-US" sz="3000" err="1">
-                <a:solidFill>
-                  <a:schemeClr val="bg1"/>
-                </a:solidFill>
-              </a:rPr>
-              <a:t>khóa</a:t>
-            </a:r>
-            <a:r>
-              <a:rPr lang="en-US" sz="3000">
-                <a:solidFill>
-                  <a:schemeClr val="bg1"/>
-                </a:solidFill>
-              </a:rPr>
-              <a:t> </a:t>
-            </a:r>
-            <a:r>
-              <a:rPr lang="en-US" sz="3000" err="1">
-                <a:solidFill>
-                  <a:schemeClr val="bg1"/>
-                </a:solidFill>
-              </a:rPr>
-              <a:t>luận</a:t>
-            </a:r>
-            <a:endParaRPr lang="en-US" sz="3000">
-              <a:solidFill>
-                <a:schemeClr val="bg1"/>
-              </a:solidFill>
-            </a:endParaRPr>
+              <a:t>Hướng phát triển trong tương lai</a:t>
+            </a:r>
           </a:p>
         </p:txBody>
       </p:sp>
@@ -17375,7 +17253,7 @@
                 <a:latin typeface="Times New Roman" panose="02020603050405020304" pitchFamily="18" charset="0"/>
                 <a:cs typeface="Times New Roman" panose="02020603050405020304" pitchFamily="18" charset="0"/>
               </a:rPr>
-              <a:t> hang </a:t>
+              <a:t> hàng </a:t>
             </a:r>
             <a:r>
               <a:rPr lang="en-US" sz="3000" err="1">
@@ -20282,6 +20160,15 @@
 </file>
 
 <file path=customXml/item1.xml><?xml version="1.0" encoding="utf-8"?>
+<?mso-contentType ?>
+<FormTemplates xmlns="http://schemas.microsoft.com/sharepoint/v3/contenttype/forms">
+  <Display>DocumentLibraryForm</Display>
+  <Edit>AssetEditForm</Edit>
+  <New>DocumentLibraryForm</New>
+</FormTemplates>
+</file>
+
+<file path=customXml/item2.xml><?xml version="1.0" encoding="utf-8"?>
 <ct:contentTypeSchema xmlns:ct="http://schemas.microsoft.com/office/2006/metadata/contentType" xmlns:ma="http://schemas.microsoft.com/office/2006/metadata/properties/metaAttributes" ct:_="" ma:_="" ma:contentTypeName="TemplateFile" ma:contentTypeID="0x0101006EDDDB5EE6D98C44930B742096920B300400F5B6D36B3EF94B4E9A635CDF2A18F5B8" ma:contentTypeVersion="72" ma:contentTypeDescription="Create a new document." ma:contentTypeScope="" ma:versionID="a23e56308344d904b51738559c3d67c9">
   <xsd:schema xmlns:xsd="http://www.w3.org/2001/XMLSchema" xmlns:xs="http://www.w3.org/2001/XMLSchema" xmlns:p="http://schemas.microsoft.com/office/2006/metadata/properties" xmlns:ns2="4873beb7-5857-4685-be1f-d57550cc96cc" targetNamespace="http://schemas.microsoft.com/office/2006/metadata/properties" ma:root="true" ma:fieldsID="cd0908cc4600e77bf5da051303e00c8d" ns2:_="">
     <xsd:import namespace="4873beb7-5857-4685-be1f-d57550cc96cc"/>
@@ -21321,15 +21208,6 @@
 </ct:contentTypeSchema>
 </file>
 
-<file path=customXml/item2.xml><?xml version="1.0" encoding="utf-8"?>
-<?mso-contentType ?>
-<FormTemplates xmlns="http://schemas.microsoft.com/sharepoint/v3/contenttype/forms">
-  <Display>DocumentLibraryForm</Display>
-  <Edit>AssetEditForm</Edit>
-  <New>DocumentLibraryForm</New>
-</FormTemplates>
-</file>
-
 <file path=customXml/item3.xml><?xml version="1.0" encoding="utf-8"?>
 <p:properties xmlns:p="http://schemas.microsoft.com/office/2006/metadata/properties" xmlns:xsi="http://www.w3.org/2001/XMLSchema-instance" xmlns:pc="http://schemas.microsoft.com/office/infopath/2007/PartnerControls">
   <documentManagement>
@@ -21467,6 +21345,14 @@
 </file>
 
 <file path=customXml/itemProps1.xml><?xml version="1.0" encoding="utf-8"?>
+<ds:datastoreItem xmlns:ds="http://schemas.openxmlformats.org/officeDocument/2006/customXml" ds:itemID="{3836F65B-1B07-41EE-A0E8-BC6EF3855225}">
+  <ds:schemaRefs>
+    <ds:schemaRef ds:uri="http://schemas.microsoft.com/sharepoint/v3/contenttype/forms"/>
+  </ds:schemaRefs>
+</ds:datastoreItem>
+</file>
+
+<file path=customXml/itemProps2.xml><?xml version="1.0" encoding="utf-8"?>
 <ds:datastoreItem xmlns:ds="http://schemas.openxmlformats.org/officeDocument/2006/customXml" ds:itemID="{A09BF4D4-EF60-4196-BFC3-9462D607978C}">
   <ds:schemaRefs>
     <ds:schemaRef ds:uri="http://schemas.microsoft.com/office/2006/metadata/contentType"/>
@@ -21480,14 +21366,6 @@
     <ds:schemaRef ds:uri="http://purl.org/dc/elements/1.1/"/>
     <ds:schemaRef ds:uri="http://purl.org/dc/terms/"/>
     <ds:schemaRef ds:uri="http://schemas.microsoft.com/internal/obd"/>
-  </ds:schemaRefs>
-</ds:datastoreItem>
-</file>
-
-<file path=customXml/itemProps2.xml><?xml version="1.0" encoding="utf-8"?>
-<ds:datastoreItem xmlns:ds="http://schemas.openxmlformats.org/officeDocument/2006/customXml" ds:itemID="{3836F65B-1B07-41EE-A0E8-BC6EF3855225}">
-  <ds:schemaRefs>
-    <ds:schemaRef ds:uri="http://schemas.microsoft.com/sharepoint/v3/contenttype/forms"/>
   </ds:schemaRefs>
 </ds:datastoreItem>
 </file>

--- a/src/com/duykypaul/kltn/docs/TỰ ĐỘNG LẬP KẾ HOẠCH GIA CÔNG CẮT.pptx
+++ b/src/com/duykypaul/kltn/docs/TỰ ĐỘNG LẬP KẾ HOẠCH GIA CÔNG CẮT.pptx
@@ -244,7 +244,7 @@
           <a:p>
             <a:fld id="{FE5B4EDC-59C0-49C7-8ADA-5A781B329E02}" type="datetimeFigureOut">
               <a:rPr lang="en-US"/>
-              <a:t>6/15/2021</a:t>
+              <a:t>6/16/2021</a:t>
             </a:fld>
             <a:endParaRPr/>
           </a:p>
@@ -409,7 +409,7 @@
           <a:p>
             <a:fld id="{F2D8D46A-B586-417D-BFBD-8C8FE0AAF762}" type="datetimeFigureOut">
               <a:rPr lang="en-US"/>
-              <a:t>6/15/2021</a:t>
+              <a:t>6/16/2021</a:t>
             </a:fld>
             <a:endParaRPr/>
           </a:p>
@@ -853,7 +853,7 @@
           <a:p>
             <a:r>
               <a:rPr lang="en-US"/>
-              <a:t>Về việc khởi tạo quần thể. E áp dụng thuật toán quay lui để tạo ra các cá thể khác nhau.</a:t>
+              <a:t>Về việc khởi tạo quần thể. E áp dụng thuật toán quay lui để tạo ra các cá thể khác nhau. Đối với bài toán này vì số lượng đầu vào của thuật toán là khá lớn nên ko thể sử dụng thuật toán quay lui để vét cạn hết mọi trường hợp mà thay vào đó ta sẽ giới hạn thời gian chạy thuật toán và giới hạn số lượng các cá thể trong quần thể để có thể kết thúc thuật toán.</a:t>
             </a:r>
           </a:p>
           <a:p>
@@ -4369,7 +4369,7 @@
           <a:p>
             <a:fld id="{05AE0484-0237-4D80-BC95-0C8D6071B344}" type="datetime1">
               <a:rPr lang="en-US" smtClean="0"/>
-              <a:t>6/15/2021</a:t>
+              <a:t>6/16/2021</a:t>
             </a:fld>
             <a:endParaRPr/>
           </a:p>
@@ -4559,7 +4559,7 @@
           <a:p>
             <a:fld id="{8C8237DD-9166-4319-9443-3DB67D67CB14}" type="datetime1">
               <a:rPr lang="en-US" smtClean="0"/>
-              <a:t>6/15/2021</a:t>
+              <a:t>6/16/2021</a:t>
             </a:fld>
             <a:endParaRPr/>
           </a:p>
@@ -4759,7 +4759,7 @@
           <a:p>
             <a:fld id="{F4AF2B96-79D9-4EAF-892E-9CA1B8523A0F}" type="datetime1">
               <a:rPr lang="en-US" smtClean="0"/>
-              <a:t>6/15/2021</a:t>
+              <a:t>6/16/2021</a:t>
             </a:fld>
             <a:endParaRPr/>
           </a:p>
@@ -4949,7 +4949,7 @@
           <a:p>
             <a:fld id="{98EDF72A-D8CA-4843-9FB5-BFAA23462BCB}" type="datetime1">
               <a:rPr lang="en-US" smtClean="0"/>
-              <a:t>6/15/2021</a:t>
+              <a:t>6/16/2021</a:t>
             </a:fld>
             <a:endParaRPr/>
           </a:p>
@@ -5373,7 +5373,7 @@
           <a:p>
             <a:fld id="{6FA33EFA-B4D7-47DD-8898-06C32A8E8A6F}" type="datetime1">
               <a:rPr lang="en-US" smtClean="0"/>
-              <a:t>6/15/2021</a:t>
+              <a:t>6/16/2021</a:t>
             </a:fld>
             <a:endParaRPr/>
           </a:p>
@@ -5669,7 +5669,7 @@
           <a:p>
             <a:fld id="{1614EF5B-22E3-491C-9734-29CD9B7D2CFF}" type="datetime1">
               <a:rPr lang="en-US" smtClean="0"/>
-              <a:t>6/15/2021</a:t>
+              <a:t>6/16/2021</a:t>
             </a:fld>
             <a:endParaRPr/>
           </a:p>
@@ -6117,7 +6117,7 @@
           <a:p>
             <a:fld id="{7843DEE8-DA7E-4B6A-96CB-7785E0197B7C}" type="datetime1">
               <a:rPr lang="en-US" smtClean="0"/>
-              <a:t>6/15/2021</a:t>
+              <a:t>6/16/2021</a:t>
             </a:fld>
             <a:endParaRPr/>
           </a:p>
@@ -6239,7 +6239,7 @@
           <a:p>
             <a:fld id="{C7A72359-6575-4468-BDA3-18B144C4206F}" type="datetime1">
               <a:rPr lang="en-US" smtClean="0"/>
-              <a:t>6/15/2021</a:t>
+              <a:t>6/16/2021</a:t>
             </a:fld>
             <a:endParaRPr/>
           </a:p>
@@ -6338,7 +6338,7 @@
           <a:p>
             <a:fld id="{8E7F01EE-22E0-488C-B4FB-D17ACE4E3328}" type="datetime1">
               <a:rPr lang="en-US" smtClean="0"/>
-              <a:t>6/15/2021</a:t>
+              <a:t>6/16/2021</a:t>
             </a:fld>
             <a:endParaRPr/>
           </a:p>
@@ -6629,7 +6629,7 @@
           <a:p>
             <a:fld id="{CF40F7D9-69E9-47DE-97B3-FDCEA4C300E8}" type="datetime1">
               <a:rPr lang="en-US" smtClean="0"/>
-              <a:t>6/15/2021</a:t>
+              <a:t>6/16/2021</a:t>
             </a:fld>
             <a:endParaRPr/>
           </a:p>
@@ -6909,7 +6909,7 @@
           <a:p>
             <a:fld id="{1BE1865E-E7AE-4B5B-B280-6D61B5B96C51}" type="datetime1">
               <a:rPr lang="en-US" smtClean="0"/>
-              <a:t>6/15/2021</a:t>
+              <a:t>6/16/2021</a:t>
             </a:fld>
             <a:endParaRPr/>
           </a:p>
@@ -7504,7 +7504,7 @@
           <a:p>
             <a:fld id="{3AA6D4E8-288E-4D5E-B486-21D0E4533958}" type="datetime1">
               <a:rPr lang="en-US" smtClean="0"/>
-              <a:t>6/15/2021</a:t>
+              <a:t>6/16/2021</a:t>
             </a:fld>
             <a:endParaRPr/>
           </a:p>
@@ -20687,6 +20687,15 @@
 </file>
 
 <file path=customXml/item1.xml><?xml version="1.0" encoding="utf-8"?>
+<?mso-contentType ?>
+<FormTemplates xmlns="http://schemas.microsoft.com/sharepoint/v3/contenttype/forms">
+  <Display>DocumentLibraryForm</Display>
+  <Edit>AssetEditForm</Edit>
+  <New>DocumentLibraryForm</New>
+</FormTemplates>
+</file>
+
+<file path=customXml/item2.xml><?xml version="1.0" encoding="utf-8"?>
 <ct:contentTypeSchema xmlns:ct="http://schemas.microsoft.com/office/2006/metadata/contentType" xmlns:ma="http://schemas.microsoft.com/office/2006/metadata/properties/metaAttributes" ct:_="" ma:_="" ma:contentTypeName="TemplateFile" ma:contentTypeID="0x0101006EDDDB5EE6D98C44930B742096920B300400F5B6D36B3EF94B4E9A635CDF2A18F5B8" ma:contentTypeVersion="72" ma:contentTypeDescription="Create a new document." ma:contentTypeScope="" ma:versionID="a23e56308344d904b51738559c3d67c9">
   <xsd:schema xmlns:xsd="http://www.w3.org/2001/XMLSchema" xmlns:xs="http://www.w3.org/2001/XMLSchema" xmlns:p="http://schemas.microsoft.com/office/2006/metadata/properties" xmlns:ns2="4873beb7-5857-4685-be1f-d57550cc96cc" targetNamespace="http://schemas.microsoft.com/office/2006/metadata/properties" ma:root="true" ma:fieldsID="cd0908cc4600e77bf5da051303e00c8d" ns2:_="">
     <xsd:import namespace="4873beb7-5857-4685-be1f-d57550cc96cc"/>
@@ -21726,15 +21735,6 @@
 </ct:contentTypeSchema>
 </file>
 
-<file path=customXml/item2.xml><?xml version="1.0" encoding="utf-8"?>
-<?mso-contentType ?>
-<FormTemplates xmlns="http://schemas.microsoft.com/sharepoint/v3/contenttype/forms">
-  <Display>DocumentLibraryForm</Display>
-  <Edit>AssetEditForm</Edit>
-  <New>DocumentLibraryForm</New>
-</FormTemplates>
-</file>
-
 <file path=customXml/item3.xml><?xml version="1.0" encoding="utf-8"?>
 <p:properties xmlns:p="http://schemas.microsoft.com/office/2006/metadata/properties" xmlns:xsi="http://www.w3.org/2001/XMLSchema-instance" xmlns:pc="http://schemas.microsoft.com/office/infopath/2007/PartnerControls">
   <documentManagement>
@@ -21872,6 +21872,14 @@
 </file>
 
 <file path=customXml/itemProps1.xml><?xml version="1.0" encoding="utf-8"?>
+<ds:datastoreItem xmlns:ds="http://schemas.openxmlformats.org/officeDocument/2006/customXml" ds:itemID="{3836F65B-1B07-41EE-A0E8-BC6EF3855225}">
+  <ds:schemaRefs>
+    <ds:schemaRef ds:uri="http://schemas.microsoft.com/sharepoint/v3/contenttype/forms"/>
+  </ds:schemaRefs>
+</ds:datastoreItem>
+</file>
+
+<file path=customXml/itemProps2.xml><?xml version="1.0" encoding="utf-8"?>
 <ds:datastoreItem xmlns:ds="http://schemas.openxmlformats.org/officeDocument/2006/customXml" ds:itemID="{A09BF4D4-EF60-4196-BFC3-9462D607978C}">
   <ds:schemaRefs>
     <ds:schemaRef ds:uri="http://schemas.microsoft.com/office/2006/metadata/contentType"/>
@@ -21885,14 +21893,6 @@
     <ds:schemaRef ds:uri="http://purl.org/dc/elements/1.1/"/>
     <ds:schemaRef ds:uri="http://purl.org/dc/terms/"/>
     <ds:schemaRef ds:uri="http://schemas.microsoft.com/internal/obd"/>
-  </ds:schemaRefs>
-</ds:datastoreItem>
-</file>
-
-<file path=customXml/itemProps2.xml><?xml version="1.0" encoding="utf-8"?>
-<ds:datastoreItem xmlns:ds="http://schemas.openxmlformats.org/officeDocument/2006/customXml" ds:itemID="{3836F65B-1B07-41EE-A0E8-BC6EF3855225}">
-  <ds:schemaRefs>
-    <ds:schemaRef ds:uri="http://schemas.microsoft.com/sharepoint/v3/contenttype/forms"/>
   </ds:schemaRefs>
 </ds:datastoreItem>
 </file>

--- a/src/com/duykypaul/kltn/docs/TỰ ĐỘNG LẬP KẾ HOẠCH GIA CÔNG CẮT.pptx
+++ b/src/com/duykypaul/kltn/docs/TỰ ĐỘNG LẬP KẾ HOẠCH GIA CÔNG CẮT.pptx
@@ -5,32 +5,31 @@
     <p:sldMasterId id="2147483660" r:id="rId4"/>
   </p:sldMasterIdLst>
   <p:notesMasterIdLst>
-    <p:notesMasterId r:id="rId25"/>
+    <p:notesMasterId r:id="rId24"/>
   </p:notesMasterIdLst>
   <p:handoutMasterIdLst>
-    <p:handoutMasterId r:id="rId26"/>
+    <p:handoutMasterId r:id="rId25"/>
   </p:handoutMasterIdLst>
   <p:sldIdLst>
     <p:sldId id="257" r:id="rId5"/>
     <p:sldId id="268" r:id="rId6"/>
     <p:sldId id="296" r:id="rId7"/>
     <p:sldId id="288" r:id="rId8"/>
-    <p:sldId id="273" r:id="rId9"/>
-    <p:sldId id="297" r:id="rId10"/>
-    <p:sldId id="274" r:id="rId11"/>
-    <p:sldId id="291" r:id="rId12"/>
-    <p:sldId id="275" r:id="rId13"/>
-    <p:sldId id="276" r:id="rId14"/>
-    <p:sldId id="280" r:id="rId15"/>
-    <p:sldId id="279" r:id="rId16"/>
-    <p:sldId id="281" r:id="rId17"/>
-    <p:sldId id="283" r:id="rId18"/>
-    <p:sldId id="293" r:id="rId19"/>
-    <p:sldId id="294" r:id="rId20"/>
-    <p:sldId id="295" r:id="rId21"/>
-    <p:sldId id="287" r:id="rId22"/>
-    <p:sldId id="292" r:id="rId23"/>
-    <p:sldId id="282" r:id="rId24"/>
+    <p:sldId id="297" r:id="rId9"/>
+    <p:sldId id="274" r:id="rId10"/>
+    <p:sldId id="291" r:id="rId11"/>
+    <p:sldId id="275" r:id="rId12"/>
+    <p:sldId id="276" r:id="rId13"/>
+    <p:sldId id="280" r:id="rId14"/>
+    <p:sldId id="279" r:id="rId15"/>
+    <p:sldId id="281" r:id="rId16"/>
+    <p:sldId id="283" r:id="rId17"/>
+    <p:sldId id="293" r:id="rId18"/>
+    <p:sldId id="294" r:id="rId19"/>
+    <p:sldId id="295" r:id="rId20"/>
+    <p:sldId id="287" r:id="rId21"/>
+    <p:sldId id="292" r:id="rId22"/>
+    <p:sldId id="282" r:id="rId23"/>
   </p:sldIdLst>
   <p:sldSz cx="12188825" cy="6858000"/>
   <p:notesSz cx="6858000" cy="9144000"/>
@@ -852,21 +851,36 @@
           <a:lstStyle/>
           <a:p>
             <a:r>
-              <a:rPr lang="en-US"/>
-              <a:t>Về việc khởi tạo quần thể. E áp dụng thuật toán quay lui để tạo ra các cá thể khác nhau. Đối với bài toán này vì số lượng đầu vào của thuật toán là khá lớn nên ko thể sử dụng thuật toán quay lui để vét cạn hết mọi trường hợp mà thay vào đó ta sẽ giới hạn thời gian chạy thuật toán và giới hạn số lượng các cá thể trong quần thể để có thể kết thúc thuật toán.</a:t>
-            </a:r>
-          </a:p>
-          <a:p>
-            <a:r>
-              <a:rPr lang="en-US"/>
-              <a:t>Theo sơ đồ khối trên màn hình thì ban đầu e tạo ra một quần thể rỗng và 1 phương án rỗng sau đó, sẽ duyệt qua danh sách đơn hàng và danh sách nguyên liệu để chọn nguyên liệu cắt cho các thanh đơnhàng,  tìm được thanh Nguyên liệu phù hợp sẽ cập nhật phương án hiện tại, cứ như vậy cho dến khi phương án hiện tại có độ dài bằng số lượng các thanh đơn hang thì tiến hành thêm vào quần thể.</a:t>
-            </a:r>
-          </a:p>
-          <a:p>
-            <a:r>
-              <a:rPr lang="en-US"/>
-              <a:t>Sau đó sẽ xóa phần tử cuối cùng của phương án hiện tại r lại tiếp tục vòng lặp chọn nguyên liệu cho thanh đơn hang tại vị trí hiện tại</a:t>
-            </a:r>
+              <a:rPr lang="en-US" sz="1800">
+                <a:effectLst/>
+                <a:latin typeface="Times New Roman" panose="02020603050405020304" pitchFamily="18" charset="0"/>
+                <a:ea typeface="Calibri" panose="020F0502020204030204" pitchFamily="34" charset="0"/>
+              </a:rPr>
+              <a:t>-Kế tiếp là giai đoạn lai tạo. Áp dụng phép lai chéo với quần thể, được coi là “Giao phối”, chọn lọc các cá thể cha mẹ và lai tạo chúng để tạo ra các cá thể con. Trên màn hình là chi tiết sơ đồ khối minh họa quá trình lai tạo giữa hai cá thể cha mẹ</a:t>
+            </a:r>
+          </a:p>
+          <a:p>
+            <a:endParaRPr lang="en-US" sz="1800">
+              <a:effectLst/>
+              <a:latin typeface="Times New Roman" panose="02020603050405020304" pitchFamily="18" charset="0"/>
+            </a:endParaRPr>
+          </a:p>
+          <a:p>
+            <a:r>
+              <a:rPr lang="en-US" sz="1800">
+                <a:effectLst/>
+                <a:latin typeface="Times New Roman" panose="02020603050405020304" pitchFamily="18" charset="0"/>
+              </a:rPr>
+              <a:t>Đầu tiên là chọn cá thể cha mẹ là hai cá thể có sức khỏe tốt hơn sức khỏe trung bình của quần thể. Sau đó gán luôn bộ gene của cha cho cá thể con. -&gt; tiếp theo là Tìm Kiếm Choỗi Gene Liên Tục Trong Con Mà Khác Của Mẹ -&gt; nếu tìm thấy thì  THỬ THAY BẰNG ĐOẠN GENE TƯƠNG ỨNG CỦA MẸ và kiểm tra xem có tạo ra CÁ THỂ CON TỐT HƠN không -&gt; nếu không thì quay lại tìm kiếm choỗi gene liên tục khác nhau cứ như vậy cho đến khi </a:t>
+            </a:r>
+            <a:r>
+              <a:rPr lang="en-US" sz="1600">
+                <a:effectLst/>
+                <a:latin typeface="Times New Roman" panose="02020603050405020304" pitchFamily="18" charset="0"/>
+              </a:rPr>
+              <a:t>TẠO RA CÁ THỂ CON TỐT HƠN  thì ghi nhận PHÉP LAI, TẠO RA CÁ THỂ MỚI và KẾT THÚC hoặc không tìm thấy cá thể con lai nào tốt hơn thì cũng kết thúc.</a:t>
+            </a:r>
+            <a:endParaRPr lang="en-US"/>
           </a:p>
         </p:txBody>
       </p:sp>
@@ -896,7 +910,7 @@
     </p:spTree>
     <p:extLst>
       <p:ext uri="{BB962C8B-B14F-4D97-AF65-F5344CB8AC3E}">
-        <p14:creationId xmlns:p14="http://schemas.microsoft.com/office/powerpoint/2010/main" val="1309533622"/>
+        <p14:creationId xmlns:p14="http://schemas.microsoft.com/office/powerpoint/2010/main" val="3336316299"/>
       </p:ext>
     </p:extLst>
   </p:cSld>
@@ -950,7 +964,10 @@
           <a:bodyPr/>
           <a:lstStyle/>
           <a:p>
-            <a:endParaRPr lang="en-US"/>
+            <a:r>
+              <a:rPr lang="en-US"/>
+              <a:t>Cuối cùng là phương pháp đột biến. </a:t>
+            </a:r>
           </a:p>
         </p:txBody>
       </p:sp>
@@ -980,7 +997,7 @@
     </p:spTree>
     <p:extLst>
       <p:ext uri="{BB962C8B-B14F-4D97-AF65-F5344CB8AC3E}">
-        <p14:creationId xmlns:p14="http://schemas.microsoft.com/office/powerpoint/2010/main" val="3336316299"/>
+        <p14:creationId xmlns:p14="http://schemas.microsoft.com/office/powerpoint/2010/main" val="3663648272"/>
       </p:ext>
     </p:extLst>
   </p:cSld>
@@ -1055,7 +1072,7 @@
           <a:p>
             <a:fld id="{3EBA5BD7-F043-4D1B-AA17-CD412FC534DE}" type="slidenum">
               <a:rPr lang="en-US" smtClean="0"/>
-              <a:t>17</a:t>
+              <a:t>15</a:t>
             </a:fld>
             <a:endParaRPr lang="en-US"/>
           </a:p>
@@ -1064,7 +1081,7 @@
     </p:spTree>
     <p:extLst>
       <p:ext uri="{BB962C8B-B14F-4D97-AF65-F5344CB8AC3E}">
-        <p14:creationId xmlns:p14="http://schemas.microsoft.com/office/powerpoint/2010/main" val="1522881556"/>
+        <p14:creationId xmlns:p14="http://schemas.microsoft.com/office/powerpoint/2010/main" val="438591541"/>
       </p:ext>
     </p:extLst>
   </p:cSld>
@@ -1139,7 +1156,7 @@
           <a:p>
             <a:fld id="{3EBA5BD7-F043-4D1B-AA17-CD412FC534DE}" type="slidenum">
               <a:rPr lang="en-US" smtClean="0"/>
-              <a:t>18</a:t>
+              <a:t>16</a:t>
             </a:fld>
             <a:endParaRPr lang="en-US"/>
           </a:p>
@@ -1148,7 +1165,7 @@
     </p:spTree>
     <p:extLst>
       <p:ext uri="{BB962C8B-B14F-4D97-AF65-F5344CB8AC3E}">
-        <p14:creationId xmlns:p14="http://schemas.microsoft.com/office/powerpoint/2010/main" val="2020563263"/>
+        <p14:creationId xmlns:p14="http://schemas.microsoft.com/office/powerpoint/2010/main" val="1522881556"/>
       </p:ext>
     </p:extLst>
   </p:cSld>
@@ -1202,28 +1219,6 @@
           <a:bodyPr/>
           <a:lstStyle/>
           <a:p>
-            <a:endParaRPr lang="vi-VN"/>
-          </a:p>
-          <a:p>
-            <a:r>
-              <a:rPr lang="vi-VN"/>
-              <a:t>vừa rồi là phần trình bày khóa luận của em, cảm ơn các thầy cô và các bạn đã lắng nghe, </a:t>
-            </a:r>
-          </a:p>
-          <a:p>
-            <a:r>
-              <a:rPr lang="vi-VN"/>
-              <a:t>và đặc biệt xin cảm ơn sự hướng dẫn của TS. Lê đình thanh đã giúp e thực hiện khóa luận này </a:t>
-            </a:r>
-          </a:p>
-          <a:p>
-            <a:endParaRPr lang="vi-VN"/>
-          </a:p>
-          <a:p>
-            <a:r>
-              <a:rPr lang="vi-VN"/>
-              <a:t>em xin lắng nghe các câu hỏi cùng các lời nhận xét của các thầy cô trong hội đồng chấm ạ</a:t>
-            </a:r>
             <a:endParaRPr lang="en-US"/>
           </a:p>
         </p:txBody>
@@ -1245,7 +1240,357 @@
           <a:p>
             <a:fld id="{3EBA5BD7-F043-4D1B-AA17-CD412FC534DE}" type="slidenum">
               <a:rPr lang="en-US" smtClean="0"/>
-              <a:t>20</a:t>
+              <a:t>17</a:t>
+            </a:fld>
+            <a:endParaRPr lang="en-US"/>
+          </a:p>
+        </p:txBody>
+      </p:sp>
+    </p:spTree>
+    <p:extLst>
+      <p:ext uri="{BB962C8B-B14F-4D97-AF65-F5344CB8AC3E}">
+        <p14:creationId xmlns:p14="http://schemas.microsoft.com/office/powerpoint/2010/main" val="2020563263"/>
+      </p:ext>
+    </p:extLst>
+  </p:cSld>
+  <p:clrMapOvr>
+    <a:masterClrMapping/>
+  </p:clrMapOvr>
+</p:notes>
+</file>
+
+<file path=ppt/notesSlides/notesSlide15.xml><?xml version="1.0" encoding="utf-8"?>
+<p:notes xmlns:a="http://schemas.openxmlformats.org/drawingml/2006/main" xmlns:r="http://schemas.openxmlformats.org/officeDocument/2006/relationships" xmlns:p="http://schemas.openxmlformats.org/presentationml/2006/main">
+  <p:cSld>
+    <p:spTree>
+      <p:nvGrpSpPr>
+        <p:cNvPr id="1" name=""/>
+        <p:cNvGrpSpPr/>
+        <p:nvPr/>
+      </p:nvGrpSpPr>
+      <p:grpSpPr>
+        <a:xfrm>
+          <a:off x="0" y="0"/>
+          <a:ext cx="0" cy="0"/>
+          <a:chOff x="0" y="0"/>
+          <a:chExt cx="0" cy="0"/>
+        </a:xfrm>
+      </p:grpSpPr>
+      <p:sp>
+        <p:nvSpPr>
+          <p:cNvPr id="2" name="Slide Image Placeholder 1"/>
+          <p:cNvSpPr>
+            <a:spLocks noGrp="1" noRot="1" noChangeAspect="1"/>
+          </p:cNvSpPr>
+          <p:nvPr>
+            <p:ph type="sldImg"/>
+          </p:nvPr>
+        </p:nvSpPr>
+        <p:spPr/>
+      </p:sp>
+      <p:sp>
+        <p:nvSpPr>
+          <p:cNvPr id="3" name="Notes Placeholder 2"/>
+          <p:cNvSpPr>
+            <a:spLocks noGrp="1"/>
+          </p:cNvSpPr>
+          <p:nvPr>
+            <p:ph type="body" idx="1"/>
+          </p:nvPr>
+        </p:nvSpPr>
+        <p:spPr/>
+        <p:txBody>
+          <a:bodyPr/>
+          <a:lstStyle/>
+          <a:p>
+            <a:pPr marL="285750" indent="-285750">
+              <a:buClr>
+                <a:srgbClr val="00B050"/>
+              </a:buClr>
+              <a:buFont typeface="Wingdings" panose="05000000000000000000" pitchFamily="2" charset="2"/>
+              <a:buChar char="v"/>
+            </a:pPr>
+            <a:r>
+              <a:rPr lang="en-US"/>
+              <a:t>Khóa luận đã đóng góp </a:t>
+            </a:r>
+            <a:r>
+              <a:rPr lang="en-US" sz="1800">
+                <a:effectLst/>
+                <a:latin typeface="Times New Roman" panose="02020603050405020304" pitchFamily="18" charset="0"/>
+                <a:ea typeface="Calibri" panose="020F0502020204030204" pitchFamily="34" charset="0"/>
+              </a:rPr>
+              <a:t>một phương pháp hiệu quả để giải bài toán cắt vật liệu dạng thanh với điều kiện nguồn nguyên liệu giới hạn</a:t>
+            </a:r>
+          </a:p>
+          <a:p>
+            <a:pPr marL="285750" marR="0" lvl="0" indent="-285750" algn="l" defTabSz="1218987" rtl="0" eaLnBrk="1" fontAlgn="auto" latinLnBrk="0" hangingPunct="1">
+              <a:lnSpc>
+                <a:spcPct val="100000"/>
+              </a:lnSpc>
+              <a:spcBef>
+                <a:spcPts val="0"/>
+              </a:spcBef>
+              <a:spcAft>
+                <a:spcPts val="0"/>
+              </a:spcAft>
+              <a:buClr>
+                <a:srgbClr val="00B050"/>
+              </a:buClr>
+              <a:buSzTx/>
+              <a:buFont typeface="Wingdings" panose="05000000000000000000" pitchFamily="2" charset="2"/>
+              <a:buChar char="v"/>
+              <a:tabLst/>
+              <a:defRPr/>
+            </a:pPr>
+            <a:r>
+              <a:rPr lang="en-US" sz="1800">
+                <a:effectLst/>
+                <a:latin typeface="Times New Roman" panose="02020603050405020304" pitchFamily="18" charset="0"/>
+              </a:rPr>
+              <a:t>Các đóng góp bao gồm: </a:t>
+            </a:r>
+            <a:r>
+              <a:rPr lang="en-US" sz="1800">
+                <a:effectLst/>
+                <a:latin typeface="Times New Roman" panose="02020603050405020304" pitchFamily="18" charset="0"/>
+                <a:ea typeface="Calibri" panose="020F0502020204030204" pitchFamily="34" charset="0"/>
+                <a:cs typeface="Times New Roman" panose="02020603050405020304" pitchFamily="18" charset="0"/>
+              </a:rPr>
+              <a:t>Tiến hành phân tích và phát biểu phân loại bài toán thành hai kiểu cắt chính dựa theo hai tiêu chí cắt nhanh và cắt tiết kiệm.</a:t>
+            </a:r>
+            <a:endParaRPr lang="en-US" sz="1800">
+              <a:effectLst/>
+              <a:latin typeface="Arial" panose="020B0604020202020204" pitchFamily="34" charset="0"/>
+              <a:ea typeface="Calibri" panose="020F0502020204030204" pitchFamily="34" charset="0"/>
+              <a:cs typeface="Times New Roman" panose="02020603050405020304" pitchFamily="18" charset="0"/>
+            </a:endParaRPr>
+          </a:p>
+          <a:p>
+            <a:pPr marL="895243" lvl="1" indent="-285750">
+              <a:buClr>
+                <a:srgbClr val="00B050"/>
+              </a:buClr>
+              <a:buFont typeface="Wingdings" panose="05000000000000000000" pitchFamily="2" charset="2"/>
+              <a:buChar char="v"/>
+            </a:pPr>
+            <a:r>
+              <a:rPr lang="en-US" sz="1800">
+                <a:effectLst/>
+                <a:latin typeface="Times New Roman" panose="02020603050405020304" pitchFamily="18" charset="0"/>
+                <a:ea typeface="Calibri" panose="020F0502020204030204" pitchFamily="34" charset="0"/>
+              </a:rPr>
+              <a:t>khóa luận đề xuất dùng giải thuật di truyền để giải bài toán với tiêu chí tiết kiệm vật liệu dư, giải thuật tham lam đối với tiêu chí cắt nhanh</a:t>
+            </a:r>
+          </a:p>
+          <a:p>
+            <a:pPr marL="895243" lvl="1" indent="-285750">
+              <a:buClr>
+                <a:srgbClr val="00B050"/>
+              </a:buClr>
+              <a:buFont typeface="Wingdings" panose="05000000000000000000" pitchFamily="2" charset="2"/>
+              <a:buChar char="v"/>
+            </a:pPr>
+            <a:r>
+              <a:rPr lang="en-US" sz="1800">
+                <a:effectLst/>
+                <a:latin typeface="Times New Roman" panose="02020603050405020304" pitchFamily="18" charset="0"/>
+                <a:ea typeface="Calibri" panose="020F0502020204030204" pitchFamily="34" charset="0"/>
+              </a:rPr>
+              <a:t>Hiệu quả của các thuật toán đã được kiểm nghiệm qua các thử nghiệm. Ngoài ra, các thuật toán cũng đã được triển khai một cách hiệu quả trong môi trường công nghiệp</a:t>
+            </a:r>
+          </a:p>
+          <a:p>
+            <a:pPr marL="895243" lvl="1" indent="-285750">
+              <a:buClr>
+                <a:srgbClr val="00B050"/>
+              </a:buClr>
+              <a:buFont typeface="Wingdings" panose="05000000000000000000" pitchFamily="2" charset="2"/>
+              <a:buChar char="v"/>
+            </a:pPr>
+            <a:endParaRPr lang="en-US" sz="1800">
+              <a:effectLst/>
+              <a:latin typeface="Times New Roman" panose="02020603050405020304" pitchFamily="18" charset="0"/>
+              <a:ea typeface="Calibri" panose="020F0502020204030204" pitchFamily="34" charset="0"/>
+            </a:endParaRPr>
+          </a:p>
+          <a:p>
+            <a:pPr marL="285750" lvl="0" indent="-285750">
+              <a:buClr>
+                <a:srgbClr val="00B050"/>
+              </a:buClr>
+              <a:buFont typeface="Wingdings" panose="05000000000000000000" pitchFamily="2" charset="2"/>
+              <a:buChar char="v"/>
+            </a:pPr>
+            <a:r>
+              <a:rPr lang="en-US" sz="1800">
+                <a:effectLst/>
+                <a:latin typeface="Times New Roman" panose="02020603050405020304" pitchFamily="18" charset="0"/>
+                <a:ea typeface="Calibri" panose="020F0502020204030204" pitchFamily="34" charset="0"/>
+              </a:rPr>
+              <a:t>Hướng phát triển trong tương lai</a:t>
+            </a:r>
+          </a:p>
+          <a:p>
+            <a:pPr marL="895243" lvl="1" indent="-285750">
+              <a:buClr>
+                <a:srgbClr val="00B050"/>
+              </a:buClr>
+              <a:buFont typeface="Wingdings" panose="05000000000000000000" pitchFamily="2" charset="2"/>
+              <a:buChar char="v"/>
+            </a:pPr>
+            <a:r>
+              <a:rPr lang="en-US" sz="1800">
+                <a:effectLst/>
+                <a:latin typeface="Times New Roman" panose="02020603050405020304" pitchFamily="18" charset="0"/>
+                <a:ea typeface="Calibri" panose="020F0502020204030204" pitchFamily="34" charset="0"/>
+              </a:rPr>
+              <a:t>Nghiên cứu và tối ưu hóa giải thuật di truyền hiện tại</a:t>
+            </a:r>
+          </a:p>
+          <a:p>
+            <a:pPr marL="895243" lvl="1" indent="-285750">
+              <a:buClr>
+                <a:srgbClr val="00B050"/>
+              </a:buClr>
+              <a:buFont typeface="Wingdings" panose="05000000000000000000" pitchFamily="2" charset="2"/>
+              <a:buChar char="v"/>
+            </a:pPr>
+            <a:r>
+              <a:rPr lang="en-US" sz="1800">
+                <a:effectLst/>
+                <a:latin typeface="Times New Roman" panose="02020603050405020304" pitchFamily="18" charset="0"/>
+                <a:ea typeface="Calibri" panose="020F0502020204030204" pitchFamily="34" charset="0"/>
+              </a:rPr>
+              <a:t>Nghiên cứu phương pháp giải các biến thể với những ràng buộc khác của bài toán cắt vật liệu tư. Các phương pháp giải các biến thể mới sẽ được bổ sung vào thuật toán hiện tại để tạo nên sản phẩm có khả năng ứng dụng cao trong thực tế.</a:t>
+            </a:r>
+          </a:p>
+        </p:txBody>
+      </p:sp>
+      <p:sp>
+        <p:nvSpPr>
+          <p:cNvPr id="4" name="Slide Number Placeholder 3"/>
+          <p:cNvSpPr>
+            <a:spLocks noGrp="1"/>
+          </p:cNvSpPr>
+          <p:nvPr>
+            <p:ph type="sldNum" sz="quarter" idx="5"/>
+          </p:nvPr>
+        </p:nvSpPr>
+        <p:spPr/>
+        <p:txBody>
+          <a:bodyPr/>
+          <a:lstStyle/>
+          <a:p>
+            <a:fld id="{3EBA5BD7-F043-4D1B-AA17-CD412FC534DE}" type="slidenum">
+              <a:rPr lang="en-US" smtClean="0"/>
+              <a:t>18</a:t>
+            </a:fld>
+            <a:endParaRPr lang="en-US"/>
+          </a:p>
+        </p:txBody>
+      </p:sp>
+    </p:spTree>
+    <p:extLst>
+      <p:ext uri="{BB962C8B-B14F-4D97-AF65-F5344CB8AC3E}">
+        <p14:creationId xmlns:p14="http://schemas.microsoft.com/office/powerpoint/2010/main" val="3977164541"/>
+      </p:ext>
+    </p:extLst>
+  </p:cSld>
+  <p:clrMapOvr>
+    <a:masterClrMapping/>
+  </p:clrMapOvr>
+</p:notes>
+</file>
+
+<file path=ppt/notesSlides/notesSlide16.xml><?xml version="1.0" encoding="utf-8"?>
+<p:notes xmlns:a="http://schemas.openxmlformats.org/drawingml/2006/main" xmlns:r="http://schemas.openxmlformats.org/officeDocument/2006/relationships" xmlns:p="http://schemas.openxmlformats.org/presentationml/2006/main">
+  <p:cSld>
+    <p:spTree>
+      <p:nvGrpSpPr>
+        <p:cNvPr id="1" name=""/>
+        <p:cNvGrpSpPr/>
+        <p:nvPr/>
+      </p:nvGrpSpPr>
+      <p:grpSpPr>
+        <a:xfrm>
+          <a:off x="0" y="0"/>
+          <a:ext cx="0" cy="0"/>
+          <a:chOff x="0" y="0"/>
+          <a:chExt cx="0" cy="0"/>
+        </a:xfrm>
+      </p:grpSpPr>
+      <p:sp>
+        <p:nvSpPr>
+          <p:cNvPr id="2" name="Slide Image Placeholder 1"/>
+          <p:cNvSpPr>
+            <a:spLocks noGrp="1" noRot="1" noChangeAspect="1"/>
+          </p:cNvSpPr>
+          <p:nvPr>
+            <p:ph type="sldImg"/>
+          </p:nvPr>
+        </p:nvSpPr>
+        <p:spPr/>
+      </p:sp>
+      <p:sp>
+        <p:nvSpPr>
+          <p:cNvPr id="3" name="Notes Placeholder 2"/>
+          <p:cNvSpPr>
+            <a:spLocks noGrp="1"/>
+          </p:cNvSpPr>
+          <p:nvPr>
+            <p:ph type="body" idx="1"/>
+          </p:nvPr>
+        </p:nvSpPr>
+        <p:spPr/>
+        <p:txBody>
+          <a:bodyPr/>
+          <a:lstStyle/>
+          <a:p>
+            <a:endParaRPr lang="vi-VN"/>
+          </a:p>
+          <a:p>
+            <a:r>
+              <a:rPr lang="vi-VN"/>
+              <a:t>vừa rồi là phần trình bày khóa luận của em, cảm ơn các thầy cô và các bạn đã lắng nghe, </a:t>
+            </a:r>
+          </a:p>
+          <a:p>
+            <a:r>
+              <a:rPr lang="vi-VN"/>
+              <a:t>và đặc biệt xin cảm ơn sự hướng dẫn của TS. Lê đình thanh đã giúp e thực hiện khóa luận này </a:t>
+            </a:r>
+          </a:p>
+          <a:p>
+            <a:endParaRPr lang="vi-VN"/>
+          </a:p>
+          <a:p>
+            <a:r>
+              <a:rPr lang="vi-VN"/>
+              <a:t>em xin lắng nghe các câu hỏi cùng các lời nhận xét của các thầy cô trong hội đồng chấm ạ</a:t>
+            </a:r>
+            <a:endParaRPr lang="en-US"/>
+          </a:p>
+        </p:txBody>
+      </p:sp>
+      <p:sp>
+        <p:nvSpPr>
+          <p:cNvPr id="4" name="Slide Number Placeholder 3"/>
+          <p:cNvSpPr>
+            <a:spLocks noGrp="1"/>
+          </p:cNvSpPr>
+          <p:nvPr>
+            <p:ph type="sldNum" sz="quarter" idx="5"/>
+          </p:nvPr>
+        </p:nvSpPr>
+        <p:spPr/>
+        <p:txBody>
+          <a:bodyPr/>
+          <a:lstStyle/>
+          <a:p>
+            <a:fld id="{3EBA5BD7-F043-4D1B-AA17-CD412FC534DE}" type="slidenum">
+              <a:rPr lang="en-US" smtClean="0"/>
+              <a:t>19</a:t>
             </a:fld>
             <a:endParaRPr lang="en-US"/>
           </a:p>
@@ -2946,7 +3291,7 @@
     </p:spTree>
     <p:extLst>
       <p:ext uri="{BB962C8B-B14F-4D97-AF65-F5344CB8AC3E}">
-        <p14:creationId xmlns:p14="http://schemas.microsoft.com/office/powerpoint/2010/main" val="195536344"/>
+        <p14:creationId xmlns:p14="http://schemas.microsoft.com/office/powerpoint/2010/main" val="4205212783"/>
       </p:ext>
     </p:extLst>
   </p:cSld>
@@ -3002,13 +3347,52 @@
           <a:p>
             <a:r>
               <a:rPr lang="en-US"/>
-              <a:t>15s</a:t>
+              <a:t>Đầu tiên ta sắp xếp các thanh nguyên liệu và các thanh đơnhàng theo chiều dài giảm dần, </a:t>
             </a:r>
           </a:p>
           <a:p>
             <a:r>
               <a:rPr lang="en-US"/>
-              <a:t>Với bài toán trên thì em đưa ra hai giải thuật tương ứng với hai tiêu chí của bài toán  đó là giải thuật cắt nhanh và giải thuật cắt tiết kiệm</a:t>
+              <a:t>sau đó kiểm tra xem có thanh nguyên liệu nào dài hơn thanh đơn hàng dài nhất, </a:t>
+            </a:r>
+          </a:p>
+          <a:p>
+            <a:r>
+              <a:rPr lang="en-US"/>
+              <a:t>nếu có sẽ tiến hành đẩy hết toàn bộ các thanh nguyên liệu vào chức năng TÌM PHƯƠNG ÁN CẮT, </a:t>
+            </a:r>
+          </a:p>
+          <a:p>
+            <a:r>
+              <a:rPr lang="en-US"/>
+              <a:t>sau khi tìm phương án cắt xong, ta bỏ 1 thanh nguyên liệu dài nhất ra khỏi danh sách vật liệu, </a:t>
+            </a:r>
+          </a:p>
+          <a:p>
+            <a:r>
+              <a:rPr lang="en-US"/>
+              <a:t>sau đó lại quay lại bước tìm kiếm THANH NGUYÊN LIỆU DÀI HƠN THANH ĐƠN HÀNG DÀI NHẤT, </a:t>
+            </a:r>
+          </a:p>
+          <a:p>
+            <a:r>
+              <a:rPr lang="en-US"/>
+              <a:t>cứ như vậy cho đến khi không tìm kiếm được nữa, khi đó ta đã có một danh sách các phương án</a:t>
+            </a:r>
+          </a:p>
+          <a:p>
+            <a:r>
+              <a:rPr lang="en-US"/>
+              <a:t>và tiếp tục bước cuối cùng là chọn một phương án tốt nhất chính là phương án sử dụng ít thanh thép nhất.</a:t>
+            </a:r>
+          </a:p>
+          <a:p>
+            <a:endParaRPr lang="en-US"/>
+          </a:p>
+          <a:p>
+            <a:r>
+              <a:rPr lang="en-US"/>
+              <a:t>Về chức năng  TÌM PHƯƠNG ÁN CẮT</a:t>
             </a:r>
           </a:p>
         </p:txBody>
@@ -3039,7 +3423,7 @@
     </p:spTree>
     <p:extLst>
       <p:ext uri="{BB962C8B-B14F-4D97-AF65-F5344CB8AC3E}">
-        <p14:creationId xmlns:p14="http://schemas.microsoft.com/office/powerpoint/2010/main" val="4205212783"/>
+        <p14:creationId xmlns:p14="http://schemas.microsoft.com/office/powerpoint/2010/main" val="2765390062"/>
       </p:ext>
     </p:extLst>
   </p:cSld>
@@ -3095,53 +3479,53 @@
           <a:p>
             <a:r>
               <a:rPr lang="en-US"/>
-              <a:t>Đầu tiên ta sắp xếp các thanh nguyên liệu và các thanh đơnhàng theo chiều dài giảm dần, </a:t>
+              <a:t>Thì em sử dụng giải thuật tham lam để tìm kiếm phương án.</a:t>
             </a:r>
           </a:p>
           <a:p>
             <a:r>
               <a:rPr lang="en-US"/>
-              <a:t>sau đó kiểm tra xem có thanh nguyên liệu nào dài hơn thanh đơn hàng dài nhất, </a:t>
+              <a:t>Đầu tiên là Đưa Thanh Nguyên Liệu Dài Nhất Lên Máy </a:t>
             </a:r>
           </a:p>
           <a:p>
             <a:r>
               <a:rPr lang="en-US"/>
-              <a:t>nếu có sẽ tiến hành đẩy hết toàn bộ các thanh nguyên liệu vào chức năng TÌM PHƯƠNG ÁN CẮT, </a:t>
+              <a:t>-&gt; sau đó kiểm tra xem Có Thanh Đơn Hàngnào Ngắn Hơn thanh nguyên liệu trên máy hay không</a:t>
             </a:r>
           </a:p>
           <a:p>
             <a:r>
               <a:rPr lang="en-US"/>
-              <a:t>sau khi tìm phương án cắt xong, ta bỏ 1 thanh nguyên liệu dài nhất ra khỏi danh sách vật liệu, </a:t>
+              <a:t>-&gt; nếu có thì tiến hành cắt theo thanh đơn hang dài nhất có thể; cứ tiếp tục như vậy cho đến khi thanh nguyên liệu trên máy </a:t>
             </a:r>
           </a:p>
           <a:p>
             <a:r>
               <a:rPr lang="en-US"/>
-              <a:t>sau đó lại quay lại bước tìm kiếm THANH NGUYÊN LIỆU DÀI HƠN THANH ĐƠN HÀNG DÀI NHẤT, </a:t>
+              <a:t>không thể cắt cho thanh đơn hàngnào nữa thì bỏ thanh nguyên liệu đó ra khỏi máy; </a:t>
             </a:r>
           </a:p>
           <a:p>
             <a:r>
               <a:rPr lang="en-US"/>
-              <a:t>cứ như vậy cho đến khi không tìm kiếm được nữa, khi đó ta đã có một danh sách các phương án</a:t>
+              <a:t>rồi tiếp đó kiểm tra xem ĐÃ HẾT ĐƠN HANG HOẶC KHÔNG CÒN THANH NGUYÊN LIỆU NÀO ĐỦ DÀI</a:t>
             </a:r>
           </a:p>
           <a:p>
             <a:r>
               <a:rPr lang="en-US"/>
-              <a:t>và tiếp tục bước cuối cùng là chọn một phương án tốt nhất chính là phương án sử dụng ít thanh thép nhất.</a:t>
+              <a:t>Nếu sai thì tiếp tục đưa thanh nguyên liệu dài nhất lên máy rồi cứ tiếp tục vòng tuần hoàn như vậy cho đến khi </a:t>
+            </a:r>
+          </a:p>
+          <a:p>
+            <a:r>
+              <a:rPr lang="en-US"/>
+              <a:t>ĐÃ HẾT ĐƠN HANG HOẶC KHÔNG CÒN THANH NGUYÊN LIỆU NÀO ĐỦ DÀI thì sẽ đến bước ghi nhận phương án mới và kết thúc</a:t>
             </a:r>
           </a:p>
           <a:p>
             <a:endParaRPr lang="en-US"/>
-          </a:p>
-          <a:p>
-            <a:r>
-              <a:rPr lang="en-US"/>
-              <a:t>Về chức năng  TÌM PHƯƠNG ÁN CẮT</a:t>
-            </a:r>
           </a:p>
         </p:txBody>
       </p:sp>
@@ -3171,7 +3555,7 @@
     </p:spTree>
     <p:extLst>
       <p:ext uri="{BB962C8B-B14F-4D97-AF65-F5344CB8AC3E}">
-        <p14:creationId xmlns:p14="http://schemas.microsoft.com/office/powerpoint/2010/main" val="2765390062"/>
+        <p14:creationId xmlns:p14="http://schemas.microsoft.com/office/powerpoint/2010/main" val="689748832"/>
       </p:ext>
     </p:extLst>
   </p:cSld>
@@ -3227,53 +3611,233 @@
           <a:p>
             <a:r>
               <a:rPr lang="en-US"/>
-              <a:t>Thì em sử dụng giải thuật tham lam để tìm kiếm phương án.</a:t>
+              <a:t>- Với bài toán cắt tiết kiệm thì e chọn giải thuật di truyền để giải quyết vì bài toán này có không gian tìm kiếm rất rộng, </a:t>
             </a:r>
           </a:p>
           <a:p>
             <a:r>
               <a:rPr lang="en-US"/>
-              <a:t>Đầu tiên là Đưa Thanh Nguyên Liệu Dài Nhất Lên Máy </a:t>
+              <a:t>ta không thể một phát chọn được phương án hợp lý ngay mà phải làm thế nào để các phương án ban đầu tốt dần lên;</a:t>
             </a:r>
           </a:p>
           <a:p>
             <a:r>
               <a:rPr lang="en-US"/>
-              <a:t>-&gt; sau đó kiểm tra xem Có Thanh Đơn Hàngnào Ngắn Hơn thanh nguyên liệu trên máy hay không</a:t>
-            </a:r>
+              <a:t>mà đây chính là tính chất và ưu điểm của giải thuật di truyền. Và kết quả chính là 1 cá thể có sức khỏe tốt nhất trong quần thể.</a:t>
+            </a:r>
+          </a:p>
+          <a:p>
+            <a:endParaRPr lang="en-US"/>
           </a:p>
           <a:p>
             <a:r>
               <a:rPr lang="en-US"/>
-              <a:t>-&gt; nếu có thì tiến hành cắt theo thanh đơn hang dài nhất có thể; cứ tiếp tục như vậy cho đến khi thanh nguyên liệu trên máy </a:t>
+              <a:t>- Mỗi cá thể có hai thông tin chính đó chính là bộ nhiễm sắc thể, và chỉ số sức khỏe hay còn gọi là thể lực của cá thể đó.</a:t>
             </a:r>
           </a:p>
           <a:p>
             <a:r>
               <a:rPr lang="en-US"/>
-              <a:t>không thể cắt cho thanh đơn hàngnào nữa thì bỏ thanh nguyên liệu đó ra khỏi máy; </a:t>
+              <a:t>Nhiễm sắc thể là một mảng số nguyên có chiều dài chính bằng số lượng các thanh đơnhàng. chính là đầu ra của thuật toán,</a:t>
             </a:r>
           </a:p>
           <a:p>
             <a:r>
               <a:rPr lang="en-US"/>
-              <a:t>rồi tiếp đó kiểm tra xem ĐÃ HẾT ĐƠN HANG HOẶC KHÔNG CÒN THANH NGUYÊN LIỆU NÀO ĐỦ DÀI</a:t>
+              <a:t>Mỗi vị trí trong nhiễm sắc thể được gọi là gene là một số nguyên có giá trị là vị trí của thanh nguyên liệu</a:t>
             </a:r>
           </a:p>
           <a:p>
             <a:r>
               <a:rPr lang="en-US"/>
-              <a:t>Nếu sai thì tiếp tục đưa thanh nguyên liệu dài nhất lên máy rồi cứ tiếp tục vòng tuần hoàn như vậy cho đến khi </a:t>
+              <a:t> trong mảng các thanh nguyên liệu được đưa vào thuật toán</a:t>
             </a:r>
           </a:p>
           <a:p>
             <a:r>
               <a:rPr lang="en-US"/>
-              <a:t>ĐÃ HẾT ĐƠN HANG HOẶC KHÔNG CÒN THANH NGUYÊN LIỆU NÀO ĐỦ DÀI thì sẽ đến bước ghi nhận phương án mới và kết thúc</a:t>
+              <a:t>SỨC KHỎE của cá thể đươc suy ra từ bộ nhiễm sắc thể, Chính là tỉ lệ dư thừa: Là tổng chiều dài phần thừa / tổng chiều dài ban đầu của các thanh nguyên liệu được đem đi gia công</a:t>
             </a:r>
           </a:p>
           <a:p>
             <a:endParaRPr lang="en-US"/>
+          </a:p>
+          <a:p>
+            <a:r>
+              <a:rPr lang="en-US"/>
+              <a:t>Trên màn hình là sơ đồ sơ lược về giải thuật cắt tiết kiệm.</a:t>
+            </a:r>
+          </a:p>
+          <a:p>
+            <a:endParaRPr lang="en-US"/>
+          </a:p>
+          <a:p>
+            <a:r>
+              <a:rPr lang="en-US"/>
+              <a:t>- Đầu tiên là KHỞI TẠO QUẦN THỂ -&gt; sẽ tạo ra các cá thể và đưa vào quần thể.</a:t>
+            </a:r>
+          </a:p>
+          <a:p>
+            <a:pPr marL="0" indent="0">
+              <a:buFontTx/>
+              <a:buNone/>
+            </a:pPr>
+            <a:r>
+              <a:rPr lang="en-US" sz="1800">
+                <a:effectLst/>
+                <a:latin typeface="Times New Roman" panose="02020603050405020304" pitchFamily="18" charset="0"/>
+                <a:ea typeface="Calibri" panose="020F0502020204030204" pitchFamily="34" charset="0"/>
+                <a:cs typeface="Times New Roman" panose="02020603050405020304" pitchFamily="18" charset="0"/>
+              </a:rPr>
+              <a:t>- Sau khi tạo ra một quần thể, ta tiến hành đánh giá lại quần thể đó, dựa vào thể lực của các cá thể trong quần thể, độ thích nghi của của quần thể chính là tổng sức khỏe (fitness) của mỗi cá thể trên tổng dân số của quần thể.</a:t>
+            </a:r>
+          </a:p>
+          <a:p>
+            <a:pPr marL="0" indent="0">
+              <a:buFontTx/>
+              <a:buNone/>
+            </a:pPr>
+            <a:r>
+              <a:rPr lang="en-US" sz="1800">
+                <a:effectLst/>
+                <a:latin typeface="Times New Roman" panose="02020603050405020304" pitchFamily="18" charset="0"/>
+                <a:ea typeface="Calibri" panose="020F0502020204030204" pitchFamily="34" charset="0"/>
+                <a:cs typeface="Times New Roman" panose="02020603050405020304" pitchFamily="18" charset="0"/>
+              </a:rPr>
+              <a:t>- Tiếp theo là kiểm tra điều kiện dừng của thuật toán: sẽ áp dụng một số phương pháp để giảm bớt thời gian chạy thuật toán</a:t>
+            </a:r>
+          </a:p>
+          <a:p>
+            <a:pPr marL="0" indent="0">
+              <a:buFontTx/>
+              <a:buNone/>
+            </a:pPr>
+            <a:r>
+              <a:rPr lang="en-US" sz="1800">
+                <a:effectLst/>
+                <a:latin typeface="Times New Roman" panose="02020603050405020304" pitchFamily="18" charset="0"/>
+                <a:ea typeface="Calibri" panose="020F0502020204030204" pitchFamily="34" charset="0"/>
+                <a:cs typeface="Times New Roman" panose="02020603050405020304" pitchFamily="18" charset="0"/>
+              </a:rPr>
+              <a:t>1. giới hạn thời gian chạy thuật toán. Nếu thời gian chạy thuật toán đạt đến ngưỡng quy định thì dừng và trả về kết quả.</a:t>
+            </a:r>
+          </a:p>
+          <a:p>
+            <a:pPr marL="0" indent="0">
+              <a:buFontTx/>
+              <a:buNone/>
+            </a:pPr>
+            <a:r>
+              <a:rPr lang="en-US" sz="1800">
+                <a:effectLst/>
+                <a:latin typeface="Times New Roman" panose="02020603050405020304" pitchFamily="18" charset="0"/>
+                <a:ea typeface="Calibri" panose="020F0502020204030204" pitchFamily="34" charset="0"/>
+                <a:cs typeface="Times New Roman" panose="02020603050405020304" pitchFamily="18" charset="0"/>
+              </a:rPr>
+              <a:t>2. Giới hạn số thế hệ di truyền: Nếu số đời di truyền đạt đến ngưỡng quy định thì dừng và trả kết quả.</a:t>
+            </a:r>
+          </a:p>
+          <a:p>
+            <a:pPr marL="0" indent="0">
+              <a:buFontTx/>
+              <a:buNone/>
+            </a:pPr>
+            <a:r>
+              <a:rPr lang="en-US" sz="1800">
+                <a:effectLst/>
+                <a:latin typeface="Times New Roman" panose="02020603050405020304" pitchFamily="18" charset="0"/>
+                <a:ea typeface="Calibri" panose="020F0502020204030204" pitchFamily="34" charset="0"/>
+                <a:cs typeface="Times New Roman" panose="02020603050405020304" pitchFamily="18" charset="0"/>
+              </a:rPr>
+              <a:t>3. Dựa vào tốc độ phát triển của đời con: sau n thế hệ nhất định nếu các cá thể đời sau không xuất hiện nhân vật tốt hơn cá thể mạnh nhất của các thế hệ trước thì tiến hành dừng và trả về kết quả.</a:t>
+            </a:r>
+          </a:p>
+          <a:p>
+            <a:pPr marL="285750" indent="-285750">
+              <a:buFontTx/>
+              <a:buChar char="-"/>
+            </a:pPr>
+            <a:r>
+              <a:rPr lang="en-US" sz="1800">
+                <a:effectLst/>
+                <a:latin typeface="Times New Roman" panose="02020603050405020304" pitchFamily="18" charset="0"/>
+                <a:ea typeface="Calibri" panose="020F0502020204030204" pitchFamily="34" charset="0"/>
+              </a:rPr>
+              <a:t>Sau khi </a:t>
+            </a:r>
+            <a:r>
+              <a:rPr lang="en-US" sz="1800" u="sng">
+                <a:effectLst/>
+                <a:latin typeface="Times New Roman" panose="02020603050405020304" pitchFamily="18" charset="0"/>
+                <a:ea typeface="Calibri" panose="020F0502020204030204" pitchFamily="34" charset="0"/>
+              </a:rPr>
+              <a:t>ĐÃ ĐÁNH GIÁ ĐƯỢC QUẦN THỂ</a:t>
+            </a:r>
+            <a:r>
+              <a:rPr lang="en-US" sz="1800">
+                <a:effectLst/>
+                <a:latin typeface="Times New Roman" panose="02020603050405020304" pitchFamily="18" charset="0"/>
+                <a:ea typeface="Calibri" panose="020F0502020204030204" pitchFamily="34" charset="0"/>
+              </a:rPr>
+              <a:t>, các cá thể có khả năng sinh tồn tốt hơn sẽ có cơ hội được chọn lọc và sinh sản nhiều hơn các cá thể còn lại. Ta tiến hành chọn lựa chúng để bước vào giai đoạn tiếp theo.</a:t>
+            </a:r>
+          </a:p>
+          <a:p>
+            <a:pPr marL="285750" indent="-285750">
+              <a:buFontTx/>
+              <a:buChar char="-"/>
+            </a:pPr>
+            <a:r>
+              <a:rPr lang="en-US" sz="1800">
+                <a:effectLst/>
+                <a:latin typeface="Times New Roman" panose="02020603050405020304" pitchFamily="18" charset="0"/>
+                <a:ea typeface="Calibri" panose="020F0502020204030204" pitchFamily="34" charset="0"/>
+                <a:cs typeface="Times New Roman" panose="02020603050405020304" pitchFamily="18" charset="0"/>
+              </a:rPr>
+              <a:t>Kế tiếp là giai đoạn LAI TẠO, Ta chọn các cá thể có sức khỏe tốt để đem đi lai tạo nhằm tạo ra các cá thể tốt hơn </a:t>
+            </a:r>
+          </a:p>
+          <a:p>
+            <a:pPr marL="285750" indent="-285750">
+              <a:buFontTx/>
+              <a:buChar char="-"/>
+            </a:pPr>
+            <a:r>
+              <a:rPr lang="en-US" sz="1800">
+                <a:effectLst/>
+                <a:latin typeface="Times New Roman" panose="02020603050405020304" pitchFamily="18" charset="0"/>
+                <a:ea typeface="Calibri" panose="020F0502020204030204" pitchFamily="34" charset="0"/>
+                <a:cs typeface="Times New Roman" panose="02020603050405020304" pitchFamily="18" charset="0"/>
+              </a:rPr>
+              <a:t>Sau đó là bước đột biến: Đột biến chính là bước quan trọng nhất là bước khuếch đại sức khỏe của một cá thể và biến nó trở nên mạnh mẽ hơn.</a:t>
+            </a:r>
+          </a:p>
+          <a:p>
+            <a:pPr marL="285750" indent="-285750">
+              <a:buFontTx/>
+              <a:buChar char="-"/>
+            </a:pPr>
+            <a:r>
+              <a:rPr lang="en-US" sz="1800">
+                <a:effectLst/>
+                <a:latin typeface="Times New Roman" panose="02020603050405020304" pitchFamily="18" charset="0"/>
+                <a:ea typeface="Calibri" panose="020F0502020204030204" pitchFamily="34" charset="0"/>
+                <a:cs typeface="Times New Roman" panose="02020603050405020304" pitchFamily="18" charset="0"/>
+              </a:rPr>
+              <a:t>SAU ĐÓ lại quay về bước ĐÁNH GIÁ ĐỘ THÍCH NGHI CỦA QUẦN THỂ. Rồi lại Kiểm Tra Điều Kiện Dừng cứ như vậy cho đến khi bắt được điều kiện dừng thì chọn phương án tốt nhất và kết thúc</a:t>
+            </a:r>
+          </a:p>
+          <a:p>
+            <a:pPr marL="285750" indent="-285750">
+              <a:buFontTx/>
+              <a:buChar char="-"/>
+            </a:pPr>
+            <a:endParaRPr lang="en-US" sz="1800">
+              <a:effectLst/>
+              <a:latin typeface="Times New Roman" panose="02020603050405020304" pitchFamily="18" charset="0"/>
+              <a:ea typeface="Calibri" panose="020F0502020204030204" pitchFamily="34" charset="0"/>
+              <a:cs typeface="Times New Roman" panose="02020603050405020304" pitchFamily="18" charset="0"/>
+            </a:endParaRPr>
           </a:p>
         </p:txBody>
       </p:sp>
@@ -3303,7 +3867,7 @@
     </p:spTree>
     <p:extLst>
       <p:ext uri="{BB962C8B-B14F-4D97-AF65-F5344CB8AC3E}">
-        <p14:creationId xmlns:p14="http://schemas.microsoft.com/office/powerpoint/2010/main" val="689748832"/>
+        <p14:creationId xmlns:p14="http://schemas.microsoft.com/office/powerpoint/2010/main" val="3910749103"/>
       </p:ext>
     </p:extLst>
   </p:cSld>
@@ -3359,217 +3923,20 @@
           <a:p>
             <a:r>
               <a:rPr lang="en-US"/>
-              <a:t>- Với bài toán cắt tiết kiệm thì e chọn giải thuật di truyền để giải quyết vì bài toán này có không gian tìm kiếm rất rộng, </a:t>
+              <a:t>Về việc khởi tạo quần thể. E áp dụng thuật toán quay lui để tạo ra các cá thể khác nhau. Đối với bài toán này vì số lượng đầu vào của thuật toán là khá lớn nên ko thể sử dụng thuật toán quay lui để vét cạn hết mọi trường hợp mà thay vào đó ta sẽ giới hạn thời gian chạy thuật toán và giới hạn số lượng các cá thể trong quần thể để có thể kết thúc thuật toán.</a:t>
             </a:r>
           </a:p>
           <a:p>
             <a:r>
               <a:rPr lang="en-US"/>
-              <a:t>ta không thể một phát chọn được phương án hợp lý ngay mà phải làm thế nào để các phương án ban đầu tốt dần lên;</a:t>
+              <a:t>Theo sơ đồ khối trên màn hình thì ban đầu e tạo ra một quần thể rỗng và 1 phương án rỗng sau đó, sẽ duyệt qua danh sách đơn hàng và danh sách nguyên liệu để chọn nguyên liệu cắt cho các thanh đơnhàng,  tìm được thanh Nguyên liệu phù hợp sẽ cập nhật phương án hiện tại, cứ như vậy cho dến khi phương án hiện tại có độ dài bằng số lượng các thanh đơn hang thì tiến hành thêm vào quần thể.</a:t>
             </a:r>
           </a:p>
           <a:p>
             <a:r>
               <a:rPr lang="en-US"/>
-              <a:t>mà đây chính là tính chất và ưu điểm của giải thuật di truyền. Và kết quả chính là 1 cá thể có sức khỏe tốt nhất trong quần thể.</a:t>
-            </a:r>
-          </a:p>
-          <a:p>
-            <a:endParaRPr lang="en-US"/>
-          </a:p>
-          <a:p>
-            <a:r>
-              <a:rPr lang="en-US"/>
-              <a:t>- Mỗi cá thể có hai thông tin chính đó chính là bộ nhiễm sắc thể, và chỉ số sức khỏe hay còn gọi là thể lực của cá thể đó.</a:t>
-            </a:r>
-          </a:p>
-          <a:p>
-            <a:r>
-              <a:rPr lang="en-US"/>
-              <a:t>Nhiễm sắc thể là một mảng số nguyên có chiều dài chính bằng số lượng các thanh đơnhàng. chính là đầu ra của thuật toán,</a:t>
-            </a:r>
-          </a:p>
-          <a:p>
-            <a:r>
-              <a:rPr lang="en-US"/>
-              <a:t>Mỗi vị trí trong nhiễm sắc thể được gọi là gene là một số nguyên có giá trị là vị trí của thanh nguyên liệu</a:t>
-            </a:r>
-          </a:p>
-          <a:p>
-            <a:r>
-              <a:rPr lang="en-US"/>
-              <a:t> trong mảng các thanh nguyên liệu được đưa vào thuật toán</a:t>
-            </a:r>
-          </a:p>
-          <a:p>
-            <a:r>
-              <a:rPr lang="en-US"/>
-              <a:t>SỨC KHỎE của cá thể đươc suy ra từ bộ nhiễm sắc thể, Chính là tỉ lệ dư thừa: Là tổng chiều dài phần thừa / tổng chiều dài ban đầu của các thanh nguyên liệu được đem đi gia công</a:t>
-            </a:r>
-          </a:p>
-          <a:p>
-            <a:endParaRPr lang="en-US"/>
-          </a:p>
-          <a:p>
-            <a:r>
-              <a:rPr lang="en-US"/>
-              <a:t>Trên màn hình là sơ đồ sơ lược về giải thuật cắt tiết kiệm.</a:t>
-            </a:r>
-          </a:p>
-          <a:p>
-            <a:endParaRPr lang="en-US"/>
-          </a:p>
-          <a:p>
-            <a:r>
-              <a:rPr lang="en-US"/>
-              <a:t>- Đầu tiên là KHỞI TẠO QUẦN THỂ -&gt; sẽ tạo ra các cá thể và đưa vào quần thể.</a:t>
-            </a:r>
-          </a:p>
-          <a:p>
-            <a:pPr marL="0" indent="0">
-              <a:buFontTx/>
-              <a:buNone/>
-            </a:pPr>
-            <a:r>
-              <a:rPr lang="en-US" sz="1800">
-                <a:effectLst/>
-                <a:latin typeface="Times New Roman" panose="02020603050405020304" pitchFamily="18" charset="0"/>
-                <a:ea typeface="Calibri" panose="020F0502020204030204" pitchFamily="34" charset="0"/>
-                <a:cs typeface="Times New Roman" panose="02020603050405020304" pitchFamily="18" charset="0"/>
-              </a:rPr>
-              <a:t>- Sau khi tạo ra một quần thể, ta tiến hành đánh giá lại quần thể đó, dựa vào thể lực của các cá thể trong quần thể, độ thích nghi của của quần thể chính là tổng sức khỏe (fitness) của mỗi cá thể trên tổng dân số của quần thể.</a:t>
-            </a:r>
-          </a:p>
-          <a:p>
-            <a:pPr marL="0" indent="0">
-              <a:buFontTx/>
-              <a:buNone/>
-            </a:pPr>
-            <a:r>
-              <a:rPr lang="en-US" sz="1800">
-                <a:effectLst/>
-                <a:latin typeface="Times New Roman" panose="02020603050405020304" pitchFamily="18" charset="0"/>
-                <a:ea typeface="Calibri" panose="020F0502020204030204" pitchFamily="34" charset="0"/>
-                <a:cs typeface="Times New Roman" panose="02020603050405020304" pitchFamily="18" charset="0"/>
-              </a:rPr>
-              <a:t>- Tiếp theo là kiểm tra điều kiện dừng của thuật toán: sẽ áp dụng một số phương pháp để giảm bớt thời gian chạy thuật toán</a:t>
-            </a:r>
-          </a:p>
-          <a:p>
-            <a:pPr marL="0" indent="0">
-              <a:buFontTx/>
-              <a:buNone/>
-            </a:pPr>
-            <a:r>
-              <a:rPr lang="en-US" sz="1800">
-                <a:effectLst/>
-                <a:latin typeface="Times New Roman" panose="02020603050405020304" pitchFamily="18" charset="0"/>
-                <a:ea typeface="Calibri" panose="020F0502020204030204" pitchFamily="34" charset="0"/>
-                <a:cs typeface="Times New Roman" panose="02020603050405020304" pitchFamily="18" charset="0"/>
-              </a:rPr>
-              <a:t>1. giới hạn thời gian chạy thuật toán. Nếu thời gian chạy thuật toán đạt đến ngưỡng quy định thì dừng và trả về kết quả.</a:t>
-            </a:r>
-          </a:p>
-          <a:p>
-            <a:pPr marL="0" indent="0">
-              <a:buFontTx/>
-              <a:buNone/>
-            </a:pPr>
-            <a:r>
-              <a:rPr lang="en-US" sz="1800">
-                <a:effectLst/>
-                <a:latin typeface="Times New Roman" panose="02020603050405020304" pitchFamily="18" charset="0"/>
-                <a:ea typeface="Calibri" panose="020F0502020204030204" pitchFamily="34" charset="0"/>
-                <a:cs typeface="Times New Roman" panose="02020603050405020304" pitchFamily="18" charset="0"/>
-              </a:rPr>
-              <a:t>2. Giới hạn số thế hệ di truyền: Nếu số đời di truyền đạt đến ngưỡng quy định thì dừng và trả kết quả.</a:t>
-            </a:r>
-          </a:p>
-          <a:p>
-            <a:pPr marL="0" indent="0">
-              <a:buFontTx/>
-              <a:buNone/>
-            </a:pPr>
-            <a:r>
-              <a:rPr lang="en-US" sz="1800">
-                <a:effectLst/>
-                <a:latin typeface="Times New Roman" panose="02020603050405020304" pitchFamily="18" charset="0"/>
-                <a:ea typeface="Calibri" panose="020F0502020204030204" pitchFamily="34" charset="0"/>
-                <a:cs typeface="Times New Roman" panose="02020603050405020304" pitchFamily="18" charset="0"/>
-              </a:rPr>
-              <a:t>3. Dựa vào tốc độ phát triển của đời con: sau n thế hệ nhất định nếu các cá thể đời sau không xuất hiện nhân vật xuất chúng và tốt hơn cá thể mạnh nhất của các thế hệ trước thì tiến hành dừng và trả về kết quả.</a:t>
-            </a:r>
-          </a:p>
-          <a:p>
-            <a:pPr marL="285750" indent="-285750">
-              <a:buFontTx/>
-              <a:buChar char="-"/>
-            </a:pPr>
-            <a:r>
-              <a:rPr lang="en-US" sz="1800">
-                <a:effectLst/>
-                <a:latin typeface="Times New Roman" panose="02020603050405020304" pitchFamily="18" charset="0"/>
-                <a:ea typeface="Calibri" panose="020F0502020204030204" pitchFamily="34" charset="0"/>
-              </a:rPr>
-              <a:t>Sau khi đã đánh giá được quần thể, các cá thể có khả năng sinh tồn tốt hơn sẽ có cơ hội được chọn lọc và sinh sản nhiều hơn các cá thể còn lại. Ta tiến hành chọn lựa chúng để bước vào giai đoạn tiếp theo.</a:t>
-            </a:r>
-          </a:p>
-          <a:p>
-            <a:pPr marL="285750" indent="-285750">
-              <a:buFontTx/>
-              <a:buChar char="-"/>
-            </a:pPr>
-            <a:r>
-              <a:rPr lang="en-US" sz="1800">
-                <a:effectLst/>
-                <a:latin typeface="Times New Roman" panose="02020603050405020304" pitchFamily="18" charset="0"/>
-                <a:ea typeface="Calibri" panose="020F0502020204030204" pitchFamily="34" charset="0"/>
-                <a:cs typeface="Times New Roman" panose="02020603050405020304" pitchFamily="18" charset="0"/>
-              </a:rPr>
-              <a:t>Kế tiếp là giai đoạn lai tạo, Ta chọn các cá thể có sức khỏe tốt để đem đi lai tạo nhằm tạo ra các cá thể tốt hơn </a:t>
-            </a:r>
-          </a:p>
-          <a:p>
-            <a:pPr marL="285750" indent="-285750">
-              <a:buFontTx/>
-              <a:buChar char="-"/>
-            </a:pPr>
-            <a:r>
-              <a:rPr lang="en-US" sz="1800">
-                <a:effectLst/>
-                <a:latin typeface="Times New Roman" panose="02020603050405020304" pitchFamily="18" charset="0"/>
-                <a:ea typeface="Calibri" panose="020F0502020204030204" pitchFamily="34" charset="0"/>
-                <a:cs typeface="Times New Roman" panose="02020603050405020304" pitchFamily="18" charset="0"/>
-              </a:rPr>
-              <a:t>Sau đó là bước đột biến: Đột biến chính là bước quan trọng nhất là bước khuếch đại sức khỏe của một cá thể và biến nó trở nên mạnh mẽ hơn.</a:t>
-            </a:r>
-          </a:p>
-          <a:p>
-            <a:pPr marL="285750" indent="-285750">
-              <a:buFontTx/>
-              <a:buChar char="-"/>
-            </a:pPr>
-            <a:r>
-              <a:rPr lang="en-US" sz="1800">
-                <a:effectLst/>
-                <a:latin typeface="Times New Roman" panose="02020603050405020304" pitchFamily="18" charset="0"/>
-                <a:ea typeface="Calibri" panose="020F0502020204030204" pitchFamily="34" charset="0"/>
-                <a:cs typeface="Times New Roman" panose="02020603050405020304" pitchFamily="18" charset="0"/>
-              </a:rPr>
-              <a:t>SAU ĐÓ lại quay về bước ĐÁNH GIÁ ĐỘ THÍCH NGHI CỦA QUẦN THỂ. Rồi lại kiểm tra điều kiện dừng cứ như vậy cho đến khi bắt được điều kiện dừng thì chọn phương án tốt nhất và kết thúc</a:t>
-            </a:r>
-          </a:p>
-          <a:p>
-            <a:pPr marL="285750" indent="-285750">
-              <a:buFontTx/>
-              <a:buChar char="-"/>
-            </a:pPr>
-            <a:endParaRPr lang="en-US" sz="1800">
-              <a:effectLst/>
-              <a:latin typeface="Times New Roman" panose="02020603050405020304" pitchFamily="18" charset="0"/>
-              <a:ea typeface="Calibri" panose="020F0502020204030204" pitchFamily="34" charset="0"/>
-              <a:cs typeface="Times New Roman" panose="02020603050405020304" pitchFamily="18" charset="0"/>
-            </a:endParaRPr>
+              <a:t>Sau đó sẽ xóa phần tử cuối cùng của phương án hiện tại r lại tiếp tục vòng lặp chọn nguyên liệu cho thanh đơn hang tại vị trí hiện tại</a:t>
+            </a:r>
           </a:p>
         </p:txBody>
       </p:sp>
@@ -3599,7 +3966,7 @@
     </p:spTree>
     <p:extLst>
       <p:ext uri="{BB962C8B-B14F-4D97-AF65-F5344CB8AC3E}">
-        <p14:creationId xmlns:p14="http://schemas.microsoft.com/office/powerpoint/2010/main" val="3910749103"/>
+        <p14:creationId xmlns:p14="http://schemas.microsoft.com/office/powerpoint/2010/main" val="1309533622"/>
       </p:ext>
     </p:extLst>
   </p:cSld>
@@ -8452,214 +8819,6 @@
         </p:nvSpPr>
         <p:spPr>
           <a:xfrm>
-            <a:off x="4672" y="0"/>
-            <a:ext cx="4145524" cy="648072"/>
-          </a:xfrm>
-        </p:spPr>
-        <p:txBody>
-          <a:bodyPr>
-            <a:noAutofit/>
-          </a:bodyPr>
-          <a:lstStyle/>
-          <a:p>
-            <a:r>
-              <a:rPr lang="en-US" sz="4000" err="1">
-                <a:solidFill>
-                  <a:schemeClr val="bg1"/>
-                </a:solidFill>
-              </a:rPr>
-              <a:t>Khởi</a:t>
-            </a:r>
-            <a:r>
-              <a:rPr lang="en-US" sz="4000">
-                <a:solidFill>
-                  <a:schemeClr val="bg1"/>
-                </a:solidFill>
-              </a:rPr>
-              <a:t> </a:t>
-            </a:r>
-            <a:r>
-              <a:rPr lang="en-US" sz="4000" err="1">
-                <a:solidFill>
-                  <a:schemeClr val="bg1"/>
-                </a:solidFill>
-              </a:rPr>
-              <a:t>tạo</a:t>
-            </a:r>
-            <a:r>
-              <a:rPr lang="en-US" sz="4000">
-                <a:solidFill>
-                  <a:schemeClr val="bg1"/>
-                </a:solidFill>
-              </a:rPr>
-              <a:t> </a:t>
-            </a:r>
-            <a:r>
-              <a:rPr lang="en-US" sz="4000" err="1">
-                <a:solidFill>
-                  <a:schemeClr val="bg1"/>
-                </a:solidFill>
-              </a:rPr>
-              <a:t>quần</a:t>
-            </a:r>
-            <a:r>
-              <a:rPr lang="en-US" sz="4000">
-                <a:solidFill>
-                  <a:schemeClr val="bg1"/>
-                </a:solidFill>
-              </a:rPr>
-              <a:t> </a:t>
-            </a:r>
-            <a:r>
-              <a:rPr lang="en-US" sz="4000" err="1">
-                <a:solidFill>
-                  <a:schemeClr val="bg1"/>
-                </a:solidFill>
-              </a:rPr>
-              <a:t>thể</a:t>
-            </a:r>
-            <a:endParaRPr lang="en-US" sz="4000">
-              <a:solidFill>
-                <a:schemeClr val="bg1"/>
-              </a:solidFill>
-            </a:endParaRPr>
-          </a:p>
-        </p:txBody>
-      </p:sp>
-      <p:sp>
-        <p:nvSpPr>
-          <p:cNvPr id="2" name="Footer Placeholder 1">
-            <a:extLst>
-              <a:ext uri="{FF2B5EF4-FFF2-40B4-BE49-F238E27FC236}">
-                <a16:creationId xmlns:a16="http://schemas.microsoft.com/office/drawing/2014/main" id="{A8734708-86BC-44B1-993B-9F592D812F92}"/>
-              </a:ext>
-            </a:extLst>
-          </p:cNvPr>
-          <p:cNvSpPr>
-            <a:spLocks noGrp="1"/>
-          </p:cNvSpPr>
-          <p:nvPr>
-            <p:ph type="ftr" sz="quarter" idx="11"/>
-          </p:nvPr>
-        </p:nvSpPr>
-        <p:spPr/>
-        <p:txBody>
-          <a:bodyPr/>
-          <a:lstStyle/>
-          <a:p>
-            <a:r>
-              <a:rPr lang="en-US"/>
-              <a:t>1</a:t>
-            </a:r>
-          </a:p>
-        </p:txBody>
-      </p:sp>
-      <p:sp>
-        <p:nvSpPr>
-          <p:cNvPr id="3" name="Slide Number Placeholder 2">
-            <a:extLst>
-              <a:ext uri="{FF2B5EF4-FFF2-40B4-BE49-F238E27FC236}">
-                <a16:creationId xmlns:a16="http://schemas.microsoft.com/office/drawing/2014/main" id="{0D8F240C-737A-42E4-876C-4C19D5EFF922}"/>
-              </a:ext>
-            </a:extLst>
-          </p:cNvPr>
-          <p:cNvSpPr>
-            <a:spLocks noGrp="1"/>
-          </p:cNvSpPr>
-          <p:nvPr>
-            <p:ph type="sldNum" sz="quarter" idx="12"/>
-          </p:nvPr>
-        </p:nvSpPr>
-        <p:spPr/>
-        <p:txBody>
-          <a:bodyPr/>
-          <a:lstStyle/>
-          <a:p>
-            <a:fld id="{C014DD1E-5D91-48A3-AD6D-45FBA980D106}" type="slidenum">
-              <a:rPr lang="en-US" smtClean="0"/>
-              <a:t>10</a:t>
-            </a:fld>
-            <a:endParaRPr lang="en-US"/>
-          </a:p>
-        </p:txBody>
-      </p:sp>
-      <p:pic>
-        <p:nvPicPr>
-          <p:cNvPr id="8" name="Content Placeholder 7">
-            <a:extLst>
-              <a:ext uri="{FF2B5EF4-FFF2-40B4-BE49-F238E27FC236}">
-                <a16:creationId xmlns:a16="http://schemas.microsoft.com/office/drawing/2014/main" id="{78D790F0-D841-4593-B87C-9C3E29B170FD}"/>
-              </a:ext>
-            </a:extLst>
-          </p:cNvPr>
-          <p:cNvPicPr>
-            <a:picLocks noGrp="1" noChangeAspect="1"/>
-          </p:cNvPicPr>
-          <p:nvPr>
-            <p:ph sz="quarter" idx="4"/>
-          </p:nvPr>
-        </p:nvPicPr>
-        <p:blipFill>
-          <a:blip r:embed="rId3">
-            <a:extLst>
-              <a:ext uri="{28A0092B-C50C-407E-A947-70E740481C1C}">
-                <a14:useLocalDpi xmlns:a14="http://schemas.microsoft.com/office/drawing/2010/main" val="0"/>
-              </a:ext>
-            </a:extLst>
-          </a:blip>
-          <a:stretch>
-            <a:fillRect/>
-          </a:stretch>
-        </p:blipFill>
-        <p:spPr>
-          <a:xfrm>
-            <a:off x="3934173" y="0"/>
-            <a:ext cx="8208912" cy="6669360"/>
-          </a:xfrm>
-        </p:spPr>
-      </p:pic>
-    </p:spTree>
-    <p:extLst>
-      <p:ext uri="{BB962C8B-B14F-4D97-AF65-F5344CB8AC3E}">
-        <p14:creationId xmlns:p14="http://schemas.microsoft.com/office/powerpoint/2010/main" val="1769573283"/>
-      </p:ext>
-    </p:extLst>
-  </p:cSld>
-  <p:clrMapOvr>
-    <a:masterClrMapping/>
-  </p:clrMapOvr>
-</p:sld>
-</file>
-
-<file path=ppt/slides/slide11.xml><?xml version="1.0" encoding="utf-8"?>
-<p:sld xmlns:a="http://schemas.openxmlformats.org/drawingml/2006/main" xmlns:r="http://schemas.openxmlformats.org/officeDocument/2006/relationships" xmlns:p="http://schemas.openxmlformats.org/presentationml/2006/main" showMasterSp="0">
-  <p:cSld>
-    <p:spTree>
-      <p:nvGrpSpPr>
-        <p:cNvPr id="1" name=""/>
-        <p:cNvGrpSpPr/>
-        <p:nvPr/>
-      </p:nvGrpSpPr>
-      <p:grpSpPr>
-        <a:xfrm>
-          <a:off x="0" y="0"/>
-          <a:ext cx="0" cy="0"/>
-          <a:chOff x="0" y="0"/>
-          <a:chExt cx="0" cy="0"/>
-        </a:xfrm>
-      </p:grpSpPr>
-      <p:sp>
-        <p:nvSpPr>
-          <p:cNvPr id="13" name="Title 12"/>
-          <p:cNvSpPr>
-            <a:spLocks noGrp="1"/>
-          </p:cNvSpPr>
-          <p:nvPr>
-            <p:ph type="title"/>
-          </p:nvPr>
-        </p:nvSpPr>
-        <p:spPr>
-          <a:xfrm>
             <a:off x="0" y="0"/>
             <a:ext cx="4104457" cy="576064"/>
           </a:xfrm>
@@ -8745,7 +8904,7 @@
           <a:p>
             <a:fld id="{C014DD1E-5D91-48A3-AD6D-45FBA980D106}" type="slidenum">
               <a:rPr lang="en-US" smtClean="0"/>
-              <a:t>11</a:t>
+              <a:t>10</a:t>
             </a:fld>
             <a:endParaRPr lang="en-US"/>
           </a:p>
@@ -8799,7 +8958,7 @@
 </p:sld>
 </file>
 
-<file path=ppt/slides/slide12.xml><?xml version="1.0" encoding="utf-8"?>
+<file path=ppt/slides/slide11.xml><?xml version="1.0" encoding="utf-8"?>
 <p:sld xmlns:a="http://schemas.openxmlformats.org/drawingml/2006/main" xmlns:r="http://schemas.openxmlformats.org/officeDocument/2006/relationships" xmlns:p="http://schemas.openxmlformats.org/presentationml/2006/main" showMasterSp="0">
   <p:cSld>
     <p:spTree>
@@ -8893,7 +9052,7 @@
           <a:p>
             <a:fld id="{C014DD1E-5D91-48A3-AD6D-45FBA980D106}" type="slidenum">
               <a:rPr lang="en-US" smtClean="0"/>
-              <a:t>12</a:t>
+              <a:t>11</a:t>
             </a:fld>
             <a:endParaRPr lang="en-US"/>
           </a:p>
@@ -8914,7 +9073,7 @@
           <p:nvPr/>
         </p:nvPicPr>
         <p:blipFill>
-          <a:blip r:embed="rId2">
+          <a:blip r:embed="rId3">
             <a:extLst>
               <a:ext uri="{28A0092B-C50C-407E-A947-70E740481C1C}">
                 <a14:useLocalDpi xmlns:a14="http://schemas.microsoft.com/office/drawing/2010/main" val="0"/>
@@ -8948,7 +9107,7 @@
 </p:sld>
 </file>
 
-<file path=ppt/slides/slide13.xml><?xml version="1.0" encoding="utf-8"?>
+<file path=ppt/slides/slide12.xml><?xml version="1.0" encoding="utf-8"?>
 <p:sld xmlns:a="http://schemas.openxmlformats.org/drawingml/2006/main" xmlns:r="http://schemas.openxmlformats.org/officeDocument/2006/relationships" xmlns:p="http://schemas.openxmlformats.org/presentationml/2006/main" showMasterSp="0">
   <p:cSld>
     <p:spTree>
@@ -9333,7 +9492,7 @@
           <a:p>
             <a:fld id="{C014DD1E-5D91-48A3-AD6D-45FBA980D106}" type="slidenum">
               <a:rPr lang="en-US" smtClean="0"/>
-              <a:t>13</a:t>
+              <a:t>12</a:t>
             </a:fld>
             <a:endParaRPr lang="en-US"/>
           </a:p>
@@ -9352,7 +9511,7 @@
 </p:sld>
 </file>
 
-<file path=ppt/slides/slide14.xml><?xml version="1.0" encoding="utf-8"?>
+<file path=ppt/slides/slide13.xml><?xml version="1.0" encoding="utf-8"?>
 <p:sld xmlns:a="http://schemas.openxmlformats.org/drawingml/2006/main" xmlns:r="http://schemas.openxmlformats.org/officeDocument/2006/relationships" xmlns:p="http://schemas.openxmlformats.org/presentationml/2006/main" showMasterSp="0">
   <p:cSld>
     <p:spTree>
@@ -10496,7 +10655,7 @@
           <a:p>
             <a:fld id="{C014DD1E-5D91-48A3-AD6D-45FBA980D106}" type="slidenum">
               <a:rPr lang="en-US" smtClean="0"/>
-              <a:t>14</a:t>
+              <a:t>13</a:t>
             </a:fld>
             <a:endParaRPr lang="en-US"/>
           </a:p>
@@ -10515,7 +10674,7 @@
 </p:sld>
 </file>
 
-<file path=ppt/slides/slide15.xml><?xml version="1.0" encoding="utf-8"?>
+<file path=ppt/slides/slide14.xml><?xml version="1.0" encoding="utf-8"?>
 <p:sld xmlns:a="http://schemas.openxmlformats.org/drawingml/2006/main" xmlns:r="http://schemas.openxmlformats.org/officeDocument/2006/relationships" xmlns:p="http://schemas.openxmlformats.org/presentationml/2006/main" showMasterSp="0">
   <p:cSld>
     <p:spTree>
@@ -11691,7 +11850,7 @@
           <a:p>
             <a:fld id="{C014DD1E-5D91-48A3-AD6D-45FBA980D106}" type="slidenum">
               <a:rPr lang="en-US" smtClean="0"/>
-              <a:t>15</a:t>
+              <a:t>14</a:t>
             </a:fld>
             <a:endParaRPr lang="en-US"/>
           </a:p>
@@ -11710,7 +11869,7 @@
 </p:sld>
 </file>
 
-<file path=ppt/slides/slide16.xml><?xml version="1.0" encoding="utf-8"?>
+<file path=ppt/slides/slide15.xml><?xml version="1.0" encoding="utf-8"?>
 <p:sld xmlns:a="http://schemas.openxmlformats.org/drawingml/2006/main" xmlns:r="http://schemas.openxmlformats.org/officeDocument/2006/relationships" xmlns:p="http://schemas.openxmlformats.org/presentationml/2006/main" showMasterSp="0">
   <p:cSld>
     <p:spTree>
@@ -12898,7 +13057,7 @@
           <a:p>
             <a:fld id="{C014DD1E-5D91-48A3-AD6D-45FBA980D106}" type="slidenum">
               <a:rPr lang="en-US" smtClean="0"/>
-              <a:t>16</a:t>
+              <a:t>15</a:t>
             </a:fld>
             <a:endParaRPr lang="en-US"/>
           </a:p>
@@ -12917,7 +13076,7 @@
 </p:sld>
 </file>
 
-<file path=ppt/slides/slide17.xml><?xml version="1.0" encoding="utf-8"?>
+<file path=ppt/slides/slide16.xml><?xml version="1.0" encoding="utf-8"?>
 <p:sld xmlns:a="http://schemas.openxmlformats.org/drawingml/2006/main" xmlns:r="http://schemas.openxmlformats.org/officeDocument/2006/relationships" xmlns:p="http://schemas.openxmlformats.org/presentationml/2006/main" showMasterSp="0">
   <p:cSld>
     <p:spTree>
@@ -14145,7 +14304,7 @@
           <a:p>
             <a:fld id="{C014DD1E-5D91-48A3-AD6D-45FBA980D106}" type="slidenum">
               <a:rPr lang="en-US" smtClean="0"/>
-              <a:t>17</a:t>
+              <a:t>16</a:t>
             </a:fld>
             <a:endParaRPr lang="en-US"/>
           </a:p>
@@ -14155,6 +14314,1256 @@
     <p:extLst>
       <p:ext uri="{BB962C8B-B14F-4D97-AF65-F5344CB8AC3E}">
         <p14:creationId xmlns:p14="http://schemas.microsoft.com/office/powerpoint/2010/main" val="1876947559"/>
+      </p:ext>
+    </p:extLst>
+  </p:cSld>
+  <p:clrMapOvr>
+    <a:masterClrMapping/>
+  </p:clrMapOvr>
+</p:sld>
+</file>
+
+<file path=ppt/slides/slide17.xml><?xml version="1.0" encoding="utf-8"?>
+<p:sld xmlns:a="http://schemas.openxmlformats.org/drawingml/2006/main" xmlns:r="http://schemas.openxmlformats.org/officeDocument/2006/relationships" xmlns:p="http://schemas.openxmlformats.org/presentationml/2006/main" showMasterSp="0">
+  <p:cSld>
+    <p:spTree>
+      <p:nvGrpSpPr>
+        <p:cNvPr id="1" name=""/>
+        <p:cNvGrpSpPr/>
+        <p:nvPr/>
+      </p:nvGrpSpPr>
+      <p:grpSpPr>
+        <a:xfrm>
+          <a:off x="0" y="0"/>
+          <a:ext cx="0" cy="0"/>
+          <a:chOff x="0" y="0"/>
+          <a:chExt cx="0" cy="0"/>
+        </a:xfrm>
+      </p:grpSpPr>
+      <p:sp>
+        <p:nvSpPr>
+          <p:cNvPr id="13" name="Title 12"/>
+          <p:cNvSpPr>
+            <a:spLocks noGrp="1"/>
+          </p:cNvSpPr>
+          <p:nvPr>
+            <p:ph type="title"/>
+          </p:nvPr>
+        </p:nvSpPr>
+        <p:spPr>
+          <a:xfrm>
+            <a:off x="25962" y="1"/>
+            <a:ext cx="10360501" cy="692696"/>
+          </a:xfrm>
+        </p:spPr>
+        <p:txBody>
+          <a:bodyPr>
+            <a:normAutofit/>
+          </a:bodyPr>
+          <a:lstStyle/>
+          <a:p>
+            <a:r>
+              <a:rPr lang="en-US" sz="4000" err="1">
+                <a:solidFill>
+                  <a:schemeClr val="bg1"/>
+                </a:solidFill>
+              </a:rPr>
+              <a:t>Nhận</a:t>
+            </a:r>
+            <a:r>
+              <a:rPr lang="en-US" sz="4000">
+                <a:solidFill>
+                  <a:schemeClr val="bg1"/>
+                </a:solidFill>
+              </a:rPr>
+              <a:t> </a:t>
+            </a:r>
+            <a:r>
+              <a:rPr lang="en-US" sz="4000" err="1">
+                <a:solidFill>
+                  <a:schemeClr val="bg1"/>
+                </a:solidFill>
+              </a:rPr>
+              <a:t>xét</a:t>
+            </a:r>
+            <a:endParaRPr lang="en-US" sz="4000">
+              <a:solidFill>
+                <a:schemeClr val="bg1"/>
+              </a:solidFill>
+            </a:endParaRPr>
+          </a:p>
+        </p:txBody>
+      </p:sp>
+      <p:sp>
+        <p:nvSpPr>
+          <p:cNvPr id="14" name="Content Placeholder 13"/>
+          <p:cNvSpPr>
+            <a:spLocks noGrp="1"/>
+          </p:cNvSpPr>
+          <p:nvPr>
+            <p:ph idx="1"/>
+          </p:nvPr>
+        </p:nvSpPr>
+        <p:spPr>
+          <a:xfrm>
+            <a:off x="189757" y="764704"/>
+            <a:ext cx="11389628" cy="5399365"/>
+          </a:xfrm>
+        </p:spPr>
+        <p:txBody>
+          <a:bodyPr>
+            <a:normAutofit/>
+          </a:bodyPr>
+          <a:lstStyle/>
+          <a:p>
+            <a:pPr algn="just">
+              <a:buClrTx/>
+            </a:pPr>
+            <a:r>
+              <a:rPr lang="en-US" sz="3000" err="1">
+                <a:solidFill>
+                  <a:schemeClr val="bg1"/>
+                </a:solidFill>
+              </a:rPr>
+              <a:t>Nếu</a:t>
+            </a:r>
+            <a:r>
+              <a:rPr lang="en-US" sz="3000">
+                <a:solidFill>
+                  <a:schemeClr val="bg1"/>
+                </a:solidFill>
+              </a:rPr>
+              <a:t> </a:t>
+            </a:r>
+            <a:r>
+              <a:rPr lang="en-US" sz="3000" err="1">
+                <a:solidFill>
+                  <a:schemeClr val="bg1"/>
+                </a:solidFill>
+              </a:rPr>
+              <a:t>cần</a:t>
+            </a:r>
+            <a:r>
+              <a:rPr lang="en-US" sz="3000">
+                <a:solidFill>
+                  <a:schemeClr val="bg1"/>
+                </a:solidFill>
+              </a:rPr>
+              <a:t> </a:t>
+            </a:r>
+            <a:r>
+              <a:rPr lang="en-US" sz="3000" err="1">
+                <a:solidFill>
+                  <a:schemeClr val="bg1"/>
+                </a:solidFill>
+              </a:rPr>
+              <a:t>tận</a:t>
+            </a:r>
+            <a:r>
+              <a:rPr lang="en-US" sz="3000">
+                <a:solidFill>
+                  <a:schemeClr val="bg1"/>
+                </a:solidFill>
+              </a:rPr>
+              <a:t> </a:t>
+            </a:r>
+            <a:r>
+              <a:rPr lang="en-US" sz="3000" err="1">
+                <a:solidFill>
+                  <a:schemeClr val="bg1"/>
+                </a:solidFill>
+              </a:rPr>
+              <a:t>dụng</a:t>
+            </a:r>
+            <a:r>
+              <a:rPr lang="en-US" sz="3000">
+                <a:solidFill>
+                  <a:schemeClr val="bg1"/>
+                </a:solidFill>
+              </a:rPr>
+              <a:t> </a:t>
+            </a:r>
+            <a:r>
+              <a:rPr lang="en-US" sz="3000" err="1">
+                <a:solidFill>
+                  <a:schemeClr val="bg1"/>
+                </a:solidFill>
+              </a:rPr>
+              <a:t>các</a:t>
+            </a:r>
+            <a:r>
+              <a:rPr lang="en-US" sz="3000">
+                <a:solidFill>
+                  <a:schemeClr val="bg1"/>
+                </a:solidFill>
+              </a:rPr>
+              <a:t> </a:t>
+            </a:r>
+            <a:r>
+              <a:rPr lang="en-US" sz="3000" err="1">
+                <a:solidFill>
+                  <a:schemeClr val="bg1"/>
+                </a:solidFill>
+              </a:rPr>
+              <a:t>thanh</a:t>
+            </a:r>
+            <a:r>
+              <a:rPr lang="en-US" sz="3000">
+                <a:solidFill>
+                  <a:schemeClr val="bg1"/>
+                </a:solidFill>
+              </a:rPr>
+              <a:t> </a:t>
+            </a:r>
+            <a:r>
+              <a:rPr lang="en-US" sz="3000" err="1">
+                <a:solidFill>
+                  <a:schemeClr val="bg1"/>
+                </a:solidFill>
+              </a:rPr>
+              <a:t>nguyên</a:t>
+            </a:r>
+            <a:r>
+              <a:rPr lang="en-US" sz="3000">
+                <a:solidFill>
+                  <a:schemeClr val="bg1"/>
+                </a:solidFill>
+              </a:rPr>
+              <a:t> </a:t>
+            </a:r>
+            <a:r>
+              <a:rPr lang="en-US" sz="3000" err="1">
+                <a:solidFill>
+                  <a:schemeClr val="bg1"/>
+                </a:solidFill>
+              </a:rPr>
+              <a:t>liệu</a:t>
+            </a:r>
+            <a:r>
+              <a:rPr lang="en-US" sz="3000">
+                <a:solidFill>
+                  <a:schemeClr val="bg1"/>
+                </a:solidFill>
+              </a:rPr>
+              <a:t> </a:t>
+            </a:r>
+            <a:r>
+              <a:rPr lang="en-US" sz="3000" err="1">
+                <a:solidFill>
+                  <a:schemeClr val="bg1"/>
+                </a:solidFill>
+              </a:rPr>
+              <a:t>dư</a:t>
+            </a:r>
+            <a:r>
+              <a:rPr lang="en-US" sz="3000">
+                <a:solidFill>
+                  <a:schemeClr val="bg1"/>
+                </a:solidFill>
+              </a:rPr>
+              <a:t> </a:t>
+            </a:r>
+            <a:r>
+              <a:rPr lang="en-US" sz="3000" err="1">
+                <a:solidFill>
+                  <a:schemeClr val="bg1"/>
+                </a:solidFill>
+              </a:rPr>
+              <a:t>thừa</a:t>
+            </a:r>
+            <a:r>
+              <a:rPr lang="en-US" sz="3000">
+                <a:solidFill>
+                  <a:schemeClr val="bg1"/>
+                </a:solidFill>
+              </a:rPr>
+              <a:t> </a:t>
+            </a:r>
+            <a:r>
+              <a:rPr lang="en-US" sz="3000" err="1">
+                <a:solidFill>
+                  <a:schemeClr val="bg1"/>
+                </a:solidFill>
+              </a:rPr>
+              <a:t>thì</a:t>
+            </a:r>
+            <a:r>
+              <a:rPr lang="en-US" sz="3000">
+                <a:solidFill>
+                  <a:schemeClr val="bg1"/>
+                </a:solidFill>
+              </a:rPr>
+              <a:t> </a:t>
+            </a:r>
+            <a:r>
+              <a:rPr lang="en-US" sz="3000" err="1">
+                <a:solidFill>
+                  <a:schemeClr val="bg1"/>
+                </a:solidFill>
+              </a:rPr>
+              <a:t>nên</a:t>
+            </a:r>
+            <a:r>
+              <a:rPr lang="en-US" sz="3000">
+                <a:solidFill>
+                  <a:schemeClr val="bg1"/>
+                </a:solidFill>
+              </a:rPr>
+              <a:t> </a:t>
+            </a:r>
+            <a:r>
+              <a:rPr lang="en-US" sz="3000" err="1">
+                <a:solidFill>
+                  <a:schemeClr val="bg1"/>
+                </a:solidFill>
+              </a:rPr>
+              <a:t>sử</a:t>
+            </a:r>
+            <a:r>
+              <a:rPr lang="en-US" sz="3000">
+                <a:solidFill>
+                  <a:schemeClr val="bg1"/>
+                </a:solidFill>
+              </a:rPr>
+              <a:t> </a:t>
+            </a:r>
+            <a:r>
+              <a:rPr lang="en-US" sz="3000" err="1">
+                <a:solidFill>
+                  <a:schemeClr val="bg1"/>
+                </a:solidFill>
+              </a:rPr>
+              <a:t>dụng</a:t>
+            </a:r>
+            <a:r>
+              <a:rPr lang="en-US" sz="3000">
+                <a:solidFill>
+                  <a:schemeClr val="bg1"/>
+                </a:solidFill>
+              </a:rPr>
+              <a:t> </a:t>
+            </a:r>
+            <a:r>
+              <a:rPr lang="en-US" sz="3000" err="1">
+                <a:solidFill>
+                  <a:schemeClr val="bg1"/>
+                </a:solidFill>
+              </a:rPr>
+              <a:t>giải</a:t>
+            </a:r>
+            <a:r>
+              <a:rPr lang="en-US" sz="3000">
+                <a:solidFill>
+                  <a:schemeClr val="bg1"/>
+                </a:solidFill>
+              </a:rPr>
+              <a:t> </a:t>
+            </a:r>
+            <a:r>
+              <a:rPr lang="en-US" sz="3000" err="1">
+                <a:solidFill>
+                  <a:schemeClr val="bg1"/>
+                </a:solidFill>
+              </a:rPr>
+              <a:t>thuật</a:t>
+            </a:r>
+            <a:r>
+              <a:rPr lang="en-US" sz="3000">
+                <a:solidFill>
+                  <a:schemeClr val="bg1"/>
+                </a:solidFill>
+              </a:rPr>
+              <a:t> </a:t>
+            </a:r>
+            <a:r>
+              <a:rPr lang="en-US" sz="3000" err="1">
+                <a:solidFill>
+                  <a:schemeClr val="bg1"/>
+                </a:solidFill>
+              </a:rPr>
+              <a:t>cắt</a:t>
+            </a:r>
+            <a:r>
+              <a:rPr lang="en-US" sz="3000">
+                <a:solidFill>
+                  <a:schemeClr val="bg1"/>
+                </a:solidFill>
+              </a:rPr>
+              <a:t> </a:t>
+            </a:r>
+            <a:r>
+              <a:rPr lang="en-US" sz="3000" err="1">
+                <a:solidFill>
+                  <a:schemeClr val="bg1"/>
+                </a:solidFill>
+              </a:rPr>
+              <a:t>tiết</a:t>
+            </a:r>
+            <a:r>
+              <a:rPr lang="en-US" sz="3000">
+                <a:solidFill>
+                  <a:schemeClr val="bg1"/>
+                </a:solidFill>
+              </a:rPr>
+              <a:t> </a:t>
+            </a:r>
+            <a:r>
+              <a:rPr lang="en-US" sz="3000" err="1">
+                <a:solidFill>
+                  <a:schemeClr val="bg1"/>
+                </a:solidFill>
+              </a:rPr>
+              <a:t>kiệm</a:t>
+            </a:r>
+            <a:endParaRPr lang="en-US" sz="3000">
+              <a:solidFill>
+                <a:schemeClr val="bg1"/>
+              </a:solidFill>
+            </a:endParaRPr>
+          </a:p>
+          <a:p>
+            <a:pPr algn="just">
+              <a:buClrTx/>
+            </a:pPr>
+            <a:r>
+              <a:rPr lang="en-US" sz="3000">
+                <a:solidFill>
+                  <a:schemeClr val="bg1"/>
+                </a:solidFill>
+              </a:rPr>
+              <a:t>Chỉ </a:t>
+            </a:r>
+            <a:r>
+              <a:rPr lang="en-US" sz="3000" err="1">
+                <a:solidFill>
+                  <a:schemeClr val="bg1"/>
+                </a:solidFill>
+              </a:rPr>
+              <a:t>sử</a:t>
+            </a:r>
+            <a:r>
+              <a:rPr lang="en-US" sz="3000">
+                <a:solidFill>
+                  <a:schemeClr val="bg1"/>
+                </a:solidFill>
+              </a:rPr>
+              <a:t> </a:t>
+            </a:r>
+            <a:r>
+              <a:rPr lang="en-US" sz="3000" err="1">
+                <a:solidFill>
+                  <a:schemeClr val="bg1"/>
+                </a:solidFill>
+              </a:rPr>
+              <a:t>dụng</a:t>
+            </a:r>
+            <a:r>
+              <a:rPr lang="en-US" sz="3000">
+                <a:solidFill>
+                  <a:schemeClr val="bg1"/>
+                </a:solidFill>
+              </a:rPr>
+              <a:t> </a:t>
+            </a:r>
+            <a:r>
+              <a:rPr lang="en-US" sz="3000" err="1">
+                <a:solidFill>
+                  <a:schemeClr val="bg1"/>
+                </a:solidFill>
+              </a:rPr>
+              <a:t>các</a:t>
+            </a:r>
+            <a:r>
+              <a:rPr lang="en-US" sz="3000">
+                <a:solidFill>
+                  <a:schemeClr val="bg1"/>
+                </a:solidFill>
+              </a:rPr>
+              <a:t> </a:t>
+            </a:r>
+            <a:r>
+              <a:rPr lang="en-US" sz="3000" err="1">
+                <a:solidFill>
+                  <a:schemeClr val="bg1"/>
+                </a:solidFill>
+              </a:rPr>
+              <a:t>thanh</a:t>
+            </a:r>
+            <a:r>
+              <a:rPr lang="en-US" sz="3000">
+                <a:solidFill>
+                  <a:schemeClr val="bg1"/>
+                </a:solidFill>
+              </a:rPr>
+              <a:t> </a:t>
+            </a:r>
+            <a:r>
+              <a:rPr lang="en-US" sz="3000" err="1">
+                <a:solidFill>
+                  <a:schemeClr val="bg1"/>
+                </a:solidFill>
+              </a:rPr>
+              <a:t>nguyên</a:t>
+            </a:r>
+            <a:r>
+              <a:rPr lang="en-US" sz="3000">
+                <a:solidFill>
+                  <a:schemeClr val="bg1"/>
+                </a:solidFill>
+              </a:rPr>
+              <a:t> </a:t>
+            </a:r>
+            <a:r>
+              <a:rPr lang="en-US" sz="3000" err="1">
+                <a:solidFill>
+                  <a:schemeClr val="bg1"/>
+                </a:solidFill>
+              </a:rPr>
+              <a:t>liệu</a:t>
+            </a:r>
+            <a:r>
+              <a:rPr lang="en-US" sz="3000">
+                <a:solidFill>
+                  <a:schemeClr val="bg1"/>
+                </a:solidFill>
+              </a:rPr>
+              <a:t> </a:t>
+            </a:r>
+            <a:r>
+              <a:rPr lang="en-US" sz="3000" err="1">
+                <a:solidFill>
+                  <a:schemeClr val="bg1"/>
+                </a:solidFill>
+              </a:rPr>
+              <a:t>mới</a:t>
+            </a:r>
+            <a:r>
+              <a:rPr lang="en-US" sz="3000">
+                <a:solidFill>
+                  <a:schemeClr val="bg1"/>
+                </a:solidFill>
+              </a:rPr>
+              <a:t> </a:t>
+            </a:r>
+            <a:r>
+              <a:rPr lang="en-US" sz="3000" err="1">
+                <a:solidFill>
+                  <a:schemeClr val="bg1"/>
+                </a:solidFill>
+              </a:rPr>
+              <a:t>thì</a:t>
+            </a:r>
+            <a:r>
+              <a:rPr lang="en-US" sz="3000">
+                <a:solidFill>
+                  <a:schemeClr val="bg1"/>
+                </a:solidFill>
+              </a:rPr>
+              <a:t> </a:t>
+            </a:r>
+            <a:r>
+              <a:rPr lang="en-US" sz="3000" err="1">
+                <a:solidFill>
+                  <a:schemeClr val="bg1"/>
+                </a:solidFill>
+              </a:rPr>
+              <a:t>sử</a:t>
+            </a:r>
+            <a:r>
+              <a:rPr lang="en-US" sz="3000">
+                <a:solidFill>
+                  <a:schemeClr val="bg1"/>
+                </a:solidFill>
+              </a:rPr>
+              <a:t> </a:t>
+            </a:r>
+            <a:r>
+              <a:rPr lang="en-US" sz="3000" err="1">
+                <a:solidFill>
+                  <a:schemeClr val="bg1"/>
+                </a:solidFill>
+              </a:rPr>
+              <a:t>dụng</a:t>
+            </a:r>
+            <a:r>
+              <a:rPr lang="en-US" sz="3000">
+                <a:solidFill>
+                  <a:schemeClr val="bg1"/>
+                </a:solidFill>
+              </a:rPr>
+              <a:t> </a:t>
+            </a:r>
+            <a:r>
+              <a:rPr lang="en-US" sz="3000" err="1">
+                <a:solidFill>
+                  <a:schemeClr val="bg1"/>
+                </a:solidFill>
+              </a:rPr>
+              <a:t>giải</a:t>
+            </a:r>
+            <a:r>
+              <a:rPr lang="en-US" sz="3000">
+                <a:solidFill>
+                  <a:schemeClr val="bg1"/>
+                </a:solidFill>
+              </a:rPr>
+              <a:t> </a:t>
+            </a:r>
+            <a:r>
+              <a:rPr lang="en-US" sz="3000" err="1">
+                <a:solidFill>
+                  <a:schemeClr val="bg1"/>
+                </a:solidFill>
+              </a:rPr>
+              <a:t>thuật</a:t>
+            </a:r>
+            <a:r>
+              <a:rPr lang="en-US" sz="3000">
+                <a:solidFill>
+                  <a:schemeClr val="bg1"/>
+                </a:solidFill>
+              </a:rPr>
+              <a:t> </a:t>
+            </a:r>
+            <a:r>
+              <a:rPr lang="en-US" sz="3000" err="1">
+                <a:solidFill>
+                  <a:schemeClr val="bg1"/>
+                </a:solidFill>
+              </a:rPr>
+              <a:t>cắt</a:t>
+            </a:r>
+            <a:r>
+              <a:rPr lang="en-US" sz="3000">
+                <a:solidFill>
+                  <a:schemeClr val="bg1"/>
+                </a:solidFill>
+              </a:rPr>
+              <a:t> </a:t>
+            </a:r>
+            <a:r>
+              <a:rPr lang="en-US" sz="3000" err="1">
+                <a:solidFill>
+                  <a:schemeClr val="bg1"/>
+                </a:solidFill>
+              </a:rPr>
+              <a:t>nhanh</a:t>
+            </a:r>
+            <a:endParaRPr lang="en-US" sz="3000">
+              <a:solidFill>
+                <a:schemeClr val="bg1"/>
+              </a:solidFill>
+            </a:endParaRPr>
+          </a:p>
+          <a:p>
+            <a:pPr algn="just">
+              <a:buClrTx/>
+            </a:pPr>
+            <a:r>
+              <a:rPr lang="en-US" sz="3000" err="1">
+                <a:solidFill>
+                  <a:schemeClr val="bg1"/>
+                </a:solidFill>
+              </a:rPr>
+              <a:t>Nếu</a:t>
+            </a:r>
+            <a:r>
+              <a:rPr lang="en-US" sz="3000">
+                <a:solidFill>
+                  <a:schemeClr val="bg1"/>
+                </a:solidFill>
+              </a:rPr>
+              <a:t> </a:t>
+            </a:r>
+            <a:r>
+              <a:rPr lang="en-US" sz="3000" err="1">
+                <a:solidFill>
+                  <a:schemeClr val="bg1"/>
+                </a:solidFill>
+              </a:rPr>
+              <a:t>khối</a:t>
+            </a:r>
+            <a:r>
+              <a:rPr lang="en-US" sz="3000">
+                <a:solidFill>
+                  <a:schemeClr val="bg1"/>
+                </a:solidFill>
+              </a:rPr>
+              <a:t> </a:t>
+            </a:r>
+            <a:r>
+              <a:rPr lang="en-US" sz="3000" err="1">
+                <a:solidFill>
+                  <a:schemeClr val="bg1"/>
+                </a:solidFill>
+              </a:rPr>
+              <a:t>lượng</a:t>
+            </a:r>
+            <a:r>
+              <a:rPr lang="en-US" sz="3000">
+                <a:solidFill>
+                  <a:schemeClr val="bg1"/>
+                </a:solidFill>
+              </a:rPr>
+              <a:t> </a:t>
+            </a:r>
+            <a:r>
+              <a:rPr lang="en-US" sz="3000" err="1">
+                <a:solidFill>
+                  <a:schemeClr val="bg1"/>
+                </a:solidFill>
+              </a:rPr>
+              <a:t>đơn</a:t>
+            </a:r>
+            <a:r>
+              <a:rPr lang="en-US" sz="3000">
+                <a:solidFill>
+                  <a:schemeClr val="bg1"/>
+                </a:solidFill>
+              </a:rPr>
+              <a:t> </a:t>
+            </a:r>
+            <a:r>
+              <a:rPr lang="en-US" sz="3000" err="1">
+                <a:solidFill>
+                  <a:schemeClr val="bg1"/>
+                </a:solidFill>
+              </a:rPr>
+              <a:t>hàng</a:t>
+            </a:r>
+            <a:r>
+              <a:rPr lang="en-US" sz="3000">
+                <a:solidFill>
+                  <a:schemeClr val="bg1"/>
+                </a:solidFill>
+              </a:rPr>
+              <a:t> </a:t>
+            </a:r>
+            <a:r>
+              <a:rPr lang="en-US" sz="3000" err="1">
+                <a:solidFill>
+                  <a:schemeClr val="bg1"/>
+                </a:solidFill>
+              </a:rPr>
+              <a:t>nhỏ</a:t>
+            </a:r>
+            <a:r>
+              <a:rPr lang="en-US" sz="3000">
+                <a:solidFill>
+                  <a:schemeClr val="bg1"/>
+                </a:solidFill>
+              </a:rPr>
+              <a:t> </a:t>
+            </a:r>
+            <a:r>
+              <a:rPr lang="en-US" sz="3000" err="1">
+                <a:solidFill>
+                  <a:schemeClr val="bg1"/>
+                </a:solidFill>
+              </a:rPr>
+              <a:t>thì</a:t>
+            </a:r>
+            <a:r>
+              <a:rPr lang="en-US" sz="3000">
+                <a:solidFill>
+                  <a:schemeClr val="bg1"/>
+                </a:solidFill>
+              </a:rPr>
+              <a:t> </a:t>
+            </a:r>
+            <a:r>
+              <a:rPr lang="en-US" sz="3000" err="1">
+                <a:solidFill>
+                  <a:schemeClr val="bg1"/>
+                </a:solidFill>
+              </a:rPr>
+              <a:t>sự</a:t>
+            </a:r>
+            <a:r>
+              <a:rPr lang="en-US" sz="3000">
+                <a:solidFill>
+                  <a:schemeClr val="bg1"/>
+                </a:solidFill>
+              </a:rPr>
+              <a:t> </a:t>
+            </a:r>
+            <a:r>
+              <a:rPr lang="en-US" sz="3000" err="1">
+                <a:solidFill>
+                  <a:schemeClr val="bg1"/>
+                </a:solidFill>
+              </a:rPr>
+              <a:t>khác</a:t>
+            </a:r>
+            <a:r>
+              <a:rPr lang="en-US" sz="3000">
+                <a:solidFill>
+                  <a:schemeClr val="bg1"/>
+                </a:solidFill>
+              </a:rPr>
+              <a:t> </a:t>
+            </a:r>
+            <a:r>
+              <a:rPr lang="en-US" sz="3000" err="1">
+                <a:solidFill>
+                  <a:schemeClr val="bg1"/>
+                </a:solidFill>
+              </a:rPr>
+              <a:t>biệt</a:t>
+            </a:r>
+            <a:r>
+              <a:rPr lang="en-US" sz="3000">
+                <a:solidFill>
+                  <a:schemeClr val="bg1"/>
+                </a:solidFill>
+              </a:rPr>
+              <a:t> </a:t>
+            </a:r>
+            <a:r>
+              <a:rPr lang="en-US" sz="3000" err="1">
+                <a:solidFill>
+                  <a:schemeClr val="bg1"/>
+                </a:solidFill>
+              </a:rPr>
+              <a:t>giữa</a:t>
+            </a:r>
+            <a:r>
+              <a:rPr lang="en-US" sz="3000">
+                <a:solidFill>
+                  <a:schemeClr val="bg1"/>
+                </a:solidFill>
+              </a:rPr>
+              <a:t> </a:t>
+            </a:r>
+            <a:r>
+              <a:rPr lang="en-US" sz="3000" err="1">
+                <a:solidFill>
+                  <a:schemeClr val="bg1"/>
+                </a:solidFill>
+              </a:rPr>
+              <a:t>cắt</a:t>
+            </a:r>
+            <a:r>
+              <a:rPr lang="en-US" sz="3000">
+                <a:solidFill>
+                  <a:schemeClr val="bg1"/>
+                </a:solidFill>
+              </a:rPr>
+              <a:t> </a:t>
+            </a:r>
+            <a:r>
+              <a:rPr lang="en-US" sz="3000" err="1">
+                <a:solidFill>
+                  <a:schemeClr val="bg1"/>
+                </a:solidFill>
+              </a:rPr>
+              <a:t>nhanh</a:t>
+            </a:r>
+            <a:r>
+              <a:rPr lang="en-US" sz="3000">
+                <a:solidFill>
+                  <a:schemeClr val="bg1"/>
+                </a:solidFill>
+              </a:rPr>
+              <a:t> </a:t>
+            </a:r>
+            <a:r>
+              <a:rPr lang="en-US" sz="3000" err="1">
+                <a:solidFill>
+                  <a:schemeClr val="bg1"/>
+                </a:solidFill>
+              </a:rPr>
+              <a:t>và</a:t>
+            </a:r>
+            <a:r>
+              <a:rPr lang="en-US" sz="3000">
+                <a:solidFill>
+                  <a:schemeClr val="bg1"/>
+                </a:solidFill>
+              </a:rPr>
+              <a:t> </a:t>
+            </a:r>
+            <a:r>
+              <a:rPr lang="en-US" sz="3000" err="1">
+                <a:solidFill>
+                  <a:schemeClr val="bg1"/>
+                </a:solidFill>
+              </a:rPr>
+              <a:t>cắt</a:t>
+            </a:r>
+            <a:r>
+              <a:rPr lang="en-US" sz="3000">
+                <a:solidFill>
+                  <a:schemeClr val="bg1"/>
+                </a:solidFill>
+              </a:rPr>
+              <a:t> </a:t>
+            </a:r>
+            <a:r>
+              <a:rPr lang="en-US" sz="3000" err="1">
+                <a:solidFill>
+                  <a:schemeClr val="bg1"/>
+                </a:solidFill>
+              </a:rPr>
+              <a:t>tiết</a:t>
+            </a:r>
+            <a:r>
+              <a:rPr lang="en-US" sz="3000">
+                <a:solidFill>
+                  <a:schemeClr val="bg1"/>
+                </a:solidFill>
+              </a:rPr>
+              <a:t> </a:t>
+            </a:r>
+            <a:r>
+              <a:rPr lang="en-US" sz="3000" err="1">
+                <a:solidFill>
+                  <a:schemeClr val="bg1"/>
+                </a:solidFill>
+              </a:rPr>
+              <a:t>kiệm</a:t>
+            </a:r>
+            <a:r>
+              <a:rPr lang="en-US" sz="3000">
+                <a:solidFill>
+                  <a:schemeClr val="bg1"/>
+                </a:solidFill>
+              </a:rPr>
+              <a:t> </a:t>
+            </a:r>
+            <a:r>
+              <a:rPr lang="en-US" sz="3000" err="1">
+                <a:solidFill>
+                  <a:schemeClr val="bg1"/>
+                </a:solidFill>
+              </a:rPr>
+              <a:t>là</a:t>
+            </a:r>
+            <a:r>
+              <a:rPr lang="en-US" sz="3000">
+                <a:solidFill>
+                  <a:schemeClr val="bg1"/>
+                </a:solidFill>
+              </a:rPr>
+              <a:t> </a:t>
+            </a:r>
+            <a:r>
+              <a:rPr lang="en-US" sz="3000" err="1">
+                <a:solidFill>
+                  <a:schemeClr val="bg1"/>
+                </a:solidFill>
+              </a:rPr>
+              <a:t>không</a:t>
+            </a:r>
+            <a:r>
+              <a:rPr lang="en-US" sz="3000">
+                <a:solidFill>
+                  <a:schemeClr val="bg1"/>
+                </a:solidFill>
+              </a:rPr>
+              <a:t> </a:t>
+            </a:r>
+            <a:r>
+              <a:rPr lang="en-US" sz="3000" err="1">
+                <a:solidFill>
+                  <a:schemeClr val="bg1"/>
+                </a:solidFill>
+              </a:rPr>
+              <a:t>đáng</a:t>
+            </a:r>
+            <a:r>
+              <a:rPr lang="en-US" sz="3000">
+                <a:solidFill>
+                  <a:schemeClr val="bg1"/>
+                </a:solidFill>
+              </a:rPr>
+              <a:t> </a:t>
+            </a:r>
+            <a:r>
+              <a:rPr lang="en-US" sz="3000" err="1">
+                <a:solidFill>
+                  <a:schemeClr val="bg1"/>
+                </a:solidFill>
+              </a:rPr>
+              <a:t>kể</a:t>
+            </a:r>
+            <a:r>
+              <a:rPr lang="en-US" sz="3000">
+                <a:solidFill>
+                  <a:schemeClr val="bg1"/>
+                </a:solidFill>
+              </a:rPr>
+              <a:t>, </a:t>
+            </a:r>
+            <a:r>
+              <a:rPr lang="en-US" sz="3000" err="1">
+                <a:solidFill>
+                  <a:schemeClr val="bg1"/>
+                </a:solidFill>
+              </a:rPr>
+              <a:t>sự</a:t>
+            </a:r>
+            <a:r>
+              <a:rPr lang="en-US" sz="3000">
+                <a:solidFill>
+                  <a:schemeClr val="bg1"/>
+                </a:solidFill>
+              </a:rPr>
+              <a:t> </a:t>
+            </a:r>
+            <a:r>
+              <a:rPr lang="en-US" sz="3000" err="1">
+                <a:solidFill>
+                  <a:schemeClr val="bg1"/>
+                </a:solidFill>
+              </a:rPr>
+              <a:t>khác</a:t>
+            </a:r>
+            <a:r>
+              <a:rPr lang="en-US" sz="3000">
+                <a:solidFill>
+                  <a:schemeClr val="bg1"/>
+                </a:solidFill>
+              </a:rPr>
+              <a:t> </a:t>
+            </a:r>
+            <a:r>
+              <a:rPr lang="en-US" sz="3000" err="1">
+                <a:solidFill>
+                  <a:schemeClr val="bg1"/>
+                </a:solidFill>
+              </a:rPr>
+              <a:t>biệt</a:t>
+            </a:r>
+            <a:r>
+              <a:rPr lang="en-US" sz="3000">
+                <a:solidFill>
+                  <a:schemeClr val="bg1"/>
+                </a:solidFill>
+              </a:rPr>
+              <a:t> </a:t>
+            </a:r>
+            <a:r>
+              <a:rPr lang="en-US" sz="3000" err="1">
+                <a:solidFill>
+                  <a:schemeClr val="bg1"/>
+                </a:solidFill>
+              </a:rPr>
+              <a:t>này</a:t>
+            </a:r>
+            <a:r>
+              <a:rPr lang="en-US" sz="3000">
+                <a:solidFill>
+                  <a:schemeClr val="bg1"/>
+                </a:solidFill>
+              </a:rPr>
+              <a:t> </a:t>
+            </a:r>
+            <a:r>
+              <a:rPr lang="en-US" sz="3000" err="1">
+                <a:solidFill>
+                  <a:schemeClr val="bg1"/>
+                </a:solidFill>
+              </a:rPr>
+              <a:t>càng</a:t>
+            </a:r>
+            <a:r>
+              <a:rPr lang="en-US" sz="3000">
+                <a:solidFill>
+                  <a:schemeClr val="bg1"/>
+                </a:solidFill>
+              </a:rPr>
+              <a:t> </a:t>
+            </a:r>
+            <a:r>
+              <a:rPr lang="en-US" sz="3000" err="1">
+                <a:solidFill>
+                  <a:schemeClr val="bg1"/>
+                </a:solidFill>
+              </a:rPr>
+              <a:t>rõ</a:t>
+            </a:r>
+            <a:r>
+              <a:rPr lang="en-US" sz="3000">
+                <a:solidFill>
+                  <a:schemeClr val="bg1"/>
+                </a:solidFill>
+              </a:rPr>
+              <a:t> </a:t>
+            </a:r>
+            <a:r>
+              <a:rPr lang="en-US" sz="3000" err="1">
+                <a:solidFill>
+                  <a:schemeClr val="bg1"/>
+                </a:solidFill>
+              </a:rPr>
+              <a:t>ràng</a:t>
+            </a:r>
+            <a:r>
+              <a:rPr lang="en-US" sz="3000">
+                <a:solidFill>
+                  <a:schemeClr val="bg1"/>
+                </a:solidFill>
+              </a:rPr>
+              <a:t> </a:t>
+            </a:r>
+            <a:r>
+              <a:rPr lang="en-US" sz="3000" err="1">
+                <a:solidFill>
+                  <a:schemeClr val="bg1"/>
+                </a:solidFill>
+              </a:rPr>
+              <a:t>khi</a:t>
+            </a:r>
+            <a:r>
+              <a:rPr lang="en-US" sz="3000">
+                <a:solidFill>
+                  <a:schemeClr val="bg1"/>
+                </a:solidFill>
+              </a:rPr>
+              <a:t> </a:t>
+            </a:r>
+            <a:r>
+              <a:rPr lang="en-US" sz="3000" err="1">
+                <a:solidFill>
+                  <a:schemeClr val="bg1"/>
+                </a:solidFill>
+              </a:rPr>
+              <a:t>mà</a:t>
+            </a:r>
+            <a:r>
+              <a:rPr lang="en-US" sz="3000">
+                <a:solidFill>
+                  <a:schemeClr val="bg1"/>
+                </a:solidFill>
+              </a:rPr>
+              <a:t> </a:t>
+            </a:r>
+            <a:r>
+              <a:rPr lang="en-US" sz="3000" err="1">
+                <a:solidFill>
+                  <a:schemeClr val="bg1"/>
+                </a:solidFill>
+              </a:rPr>
+              <a:t>đơn</a:t>
+            </a:r>
+            <a:r>
+              <a:rPr lang="en-US" sz="3000">
+                <a:solidFill>
+                  <a:schemeClr val="bg1"/>
+                </a:solidFill>
+              </a:rPr>
+              <a:t> </a:t>
+            </a:r>
+            <a:r>
+              <a:rPr lang="en-US" sz="3000" err="1">
+                <a:solidFill>
+                  <a:schemeClr val="bg1"/>
+                </a:solidFill>
+              </a:rPr>
+              <a:t>hàng</a:t>
+            </a:r>
+            <a:r>
+              <a:rPr lang="en-US" sz="3000">
+                <a:solidFill>
+                  <a:schemeClr val="bg1"/>
+                </a:solidFill>
+              </a:rPr>
+              <a:t> </a:t>
+            </a:r>
+            <a:r>
+              <a:rPr lang="en-US" sz="3000" err="1">
+                <a:solidFill>
+                  <a:schemeClr val="bg1"/>
+                </a:solidFill>
+              </a:rPr>
+              <a:t>càng</a:t>
+            </a:r>
+            <a:r>
+              <a:rPr lang="en-US" sz="3000">
+                <a:solidFill>
+                  <a:schemeClr val="bg1"/>
+                </a:solidFill>
+              </a:rPr>
+              <a:t> </a:t>
+            </a:r>
+            <a:r>
+              <a:rPr lang="en-US" sz="3000" err="1">
+                <a:solidFill>
+                  <a:schemeClr val="bg1"/>
+                </a:solidFill>
+              </a:rPr>
+              <a:t>lớn</a:t>
+            </a:r>
+            <a:endParaRPr lang="en-US" sz="3000">
+              <a:solidFill>
+                <a:schemeClr val="bg1"/>
+              </a:solidFill>
+            </a:endParaRPr>
+          </a:p>
+        </p:txBody>
+      </p:sp>
+      <p:sp>
+        <p:nvSpPr>
+          <p:cNvPr id="2" name="Footer Placeholder 1">
+            <a:extLst>
+              <a:ext uri="{FF2B5EF4-FFF2-40B4-BE49-F238E27FC236}">
+                <a16:creationId xmlns:a16="http://schemas.microsoft.com/office/drawing/2014/main" id="{39BE3744-D259-4558-9D1A-68073C502916}"/>
+              </a:ext>
+            </a:extLst>
+          </p:cNvPr>
+          <p:cNvSpPr>
+            <a:spLocks noGrp="1"/>
+          </p:cNvSpPr>
+          <p:nvPr>
+            <p:ph type="ftr" sz="quarter" idx="11"/>
+          </p:nvPr>
+        </p:nvSpPr>
+        <p:spPr/>
+        <p:txBody>
+          <a:bodyPr/>
+          <a:lstStyle/>
+          <a:p>
+            <a:r>
+              <a:rPr lang="en-US"/>
+              <a:t>1</a:t>
+            </a:r>
+          </a:p>
+        </p:txBody>
+      </p:sp>
+      <p:sp>
+        <p:nvSpPr>
+          <p:cNvPr id="3" name="Slide Number Placeholder 2">
+            <a:extLst>
+              <a:ext uri="{FF2B5EF4-FFF2-40B4-BE49-F238E27FC236}">
+                <a16:creationId xmlns:a16="http://schemas.microsoft.com/office/drawing/2014/main" id="{E906A2FC-64E4-40A5-A5CE-4206759ACD76}"/>
+              </a:ext>
+            </a:extLst>
+          </p:cNvPr>
+          <p:cNvSpPr>
+            <a:spLocks noGrp="1"/>
+          </p:cNvSpPr>
+          <p:nvPr>
+            <p:ph type="sldNum" sz="quarter" idx="12"/>
+          </p:nvPr>
+        </p:nvSpPr>
+        <p:spPr/>
+        <p:txBody>
+          <a:bodyPr/>
+          <a:lstStyle/>
+          <a:p>
+            <a:fld id="{C014DD1E-5D91-48A3-AD6D-45FBA980D106}" type="slidenum">
+              <a:rPr lang="en-US" smtClean="0"/>
+              <a:t>17</a:t>
+            </a:fld>
+            <a:endParaRPr lang="en-US"/>
+          </a:p>
+        </p:txBody>
+      </p:sp>
+    </p:spTree>
+    <p:extLst>
+      <p:ext uri="{BB962C8B-B14F-4D97-AF65-F5344CB8AC3E}">
+        <p14:creationId xmlns:p14="http://schemas.microsoft.com/office/powerpoint/2010/main" val="3345718028"/>
       </p:ext>
     </p:extLst>
   </p:cSld>
@@ -14193,13 +15602,13 @@
         </p:nvSpPr>
         <p:spPr>
           <a:xfrm>
-            <a:off x="25962" y="1"/>
-            <a:ext cx="10360501" cy="692696"/>
+            <a:off x="0" y="0"/>
+            <a:ext cx="10360501" cy="634083"/>
           </a:xfrm>
         </p:spPr>
         <p:txBody>
           <a:bodyPr>
-            <a:normAutofit/>
+            <a:noAutofit/>
           </a:bodyPr>
           <a:lstStyle/>
           <a:p>
@@ -14209,7 +15618,7 @@
                   <a:schemeClr val="bg1"/>
                 </a:solidFill>
               </a:rPr>
-              <a:t>Nhận</a:t>
+              <a:t>Kết</a:t>
             </a:r>
             <a:r>
               <a:rPr lang="en-US" sz="4000">
@@ -14225,7 +15634,71 @@
                   <a:schemeClr val="bg1"/>
                 </a:solidFill>
               </a:rPr>
-              <a:t>xét</a:t>
+              <a:t>luận</a:t>
+            </a:r>
+            <a:r>
+              <a:rPr lang="en-US" sz="4000">
+                <a:solidFill>
+                  <a:schemeClr val="bg1"/>
+                </a:solidFill>
+              </a:rPr>
+              <a:t> </a:t>
+            </a:r>
+            <a:r>
+              <a:rPr lang="en-US" sz="4000" err="1">
+                <a:solidFill>
+                  <a:schemeClr val="bg1"/>
+                </a:solidFill>
+              </a:rPr>
+              <a:t>và</a:t>
+            </a:r>
+            <a:r>
+              <a:rPr lang="en-US" sz="4000">
+                <a:solidFill>
+                  <a:schemeClr val="bg1"/>
+                </a:solidFill>
+              </a:rPr>
+              <a:t> </a:t>
+            </a:r>
+            <a:r>
+              <a:rPr lang="en-US" sz="4000" err="1">
+                <a:solidFill>
+                  <a:schemeClr val="bg1"/>
+                </a:solidFill>
+              </a:rPr>
+              <a:t>hướng</a:t>
+            </a:r>
+            <a:r>
+              <a:rPr lang="en-US" sz="4000">
+                <a:solidFill>
+                  <a:schemeClr val="bg1"/>
+                </a:solidFill>
+              </a:rPr>
+              <a:t> </a:t>
+            </a:r>
+            <a:r>
+              <a:rPr lang="en-US" sz="4000" err="1">
+                <a:solidFill>
+                  <a:schemeClr val="bg1"/>
+                </a:solidFill>
+              </a:rPr>
+              <a:t>phát</a:t>
+            </a:r>
+            <a:r>
+              <a:rPr lang="en-US" sz="4000">
+                <a:solidFill>
+                  <a:schemeClr val="bg1"/>
+                </a:solidFill>
+              </a:rPr>
+              <a:t> </a:t>
+            </a:r>
+            <a:r>
+              <a:rPr lang="en-US" sz="4000" err="1">
+                <a:solidFill>
+                  <a:schemeClr val="bg1"/>
+                </a:solidFill>
+              </a:rPr>
+              <a:t>triển</a:t>
             </a:r>
             <a:endParaRPr lang="en-US" sz="4000">
               <a:solidFill>
@@ -14247,8 +15720,8 @@
         </p:nvSpPr>
         <p:spPr>
           <a:xfrm>
-            <a:off x="189757" y="764704"/>
-            <a:ext cx="11389628" cy="5399365"/>
+            <a:off x="117749" y="692696"/>
+            <a:ext cx="11461636" cy="5471373"/>
           </a:xfrm>
         </p:spPr>
         <p:txBody>
@@ -14257,313 +15730,20 @@
           </a:bodyPr>
           <a:lstStyle/>
           <a:p>
-            <a:pPr algn="just">
+            <a:pPr>
               <a:buClrTx/>
             </a:pPr>
             <a:r>
-              <a:rPr lang="en-US" sz="3000" err="1">
-                <a:solidFill>
-                  <a:schemeClr val="bg1"/>
-                </a:solidFill>
-              </a:rPr>
-              <a:t>Nếu</a:t>
-            </a:r>
-            <a:r>
               <a:rPr lang="en-US" sz="3000">
                 <a:solidFill>
                   <a:schemeClr val="bg1"/>
                 </a:solidFill>
               </a:rPr>
-              <a:t> </a:t>
-            </a:r>
-            <a:r>
-              <a:rPr lang="en-US" sz="3000" err="1">
-                <a:solidFill>
-                  <a:schemeClr val="bg1"/>
-                </a:solidFill>
-              </a:rPr>
-              <a:t>cần</a:t>
-            </a:r>
-            <a:r>
-              <a:rPr lang="en-US" sz="3000">
-                <a:solidFill>
-                  <a:schemeClr val="bg1"/>
-                </a:solidFill>
-              </a:rPr>
-              <a:t> </a:t>
-            </a:r>
-            <a:r>
-              <a:rPr lang="en-US" sz="3000" err="1">
-                <a:solidFill>
-                  <a:schemeClr val="bg1"/>
-                </a:solidFill>
-              </a:rPr>
-              <a:t>tận</a:t>
-            </a:r>
-            <a:r>
-              <a:rPr lang="en-US" sz="3000">
-                <a:solidFill>
-                  <a:schemeClr val="bg1"/>
-                </a:solidFill>
-              </a:rPr>
-              <a:t> </a:t>
-            </a:r>
-            <a:r>
-              <a:rPr lang="en-US" sz="3000" err="1">
-                <a:solidFill>
-                  <a:schemeClr val="bg1"/>
-                </a:solidFill>
-              </a:rPr>
-              <a:t>dụng</a:t>
-            </a:r>
-            <a:r>
-              <a:rPr lang="en-US" sz="3000">
-                <a:solidFill>
-                  <a:schemeClr val="bg1"/>
-                </a:solidFill>
-              </a:rPr>
-              <a:t> </a:t>
-            </a:r>
-            <a:r>
-              <a:rPr lang="en-US" sz="3000" err="1">
-                <a:solidFill>
-                  <a:schemeClr val="bg1"/>
-                </a:solidFill>
-              </a:rPr>
-              <a:t>các</a:t>
-            </a:r>
-            <a:r>
-              <a:rPr lang="en-US" sz="3000">
-                <a:solidFill>
-                  <a:schemeClr val="bg1"/>
-                </a:solidFill>
-              </a:rPr>
-              <a:t> </a:t>
-            </a:r>
-            <a:r>
-              <a:rPr lang="en-US" sz="3000" err="1">
-                <a:solidFill>
-                  <a:schemeClr val="bg1"/>
-                </a:solidFill>
-              </a:rPr>
-              <a:t>thanh</a:t>
-            </a:r>
-            <a:r>
-              <a:rPr lang="en-US" sz="3000">
-                <a:solidFill>
-                  <a:schemeClr val="bg1"/>
-                </a:solidFill>
-              </a:rPr>
-              <a:t> </a:t>
-            </a:r>
-            <a:r>
-              <a:rPr lang="en-US" sz="3000" err="1">
-                <a:solidFill>
-                  <a:schemeClr val="bg1"/>
-                </a:solidFill>
-              </a:rPr>
-              <a:t>nguyên</a:t>
-            </a:r>
-            <a:r>
-              <a:rPr lang="en-US" sz="3000">
-                <a:solidFill>
-                  <a:schemeClr val="bg1"/>
-                </a:solidFill>
-              </a:rPr>
-              <a:t> </a:t>
-            </a:r>
-            <a:r>
-              <a:rPr lang="en-US" sz="3000" err="1">
-                <a:solidFill>
-                  <a:schemeClr val="bg1"/>
-                </a:solidFill>
-              </a:rPr>
-              <a:t>liệu</a:t>
-            </a:r>
-            <a:r>
-              <a:rPr lang="en-US" sz="3000">
-                <a:solidFill>
-                  <a:schemeClr val="bg1"/>
-                </a:solidFill>
-              </a:rPr>
-              <a:t> </a:t>
-            </a:r>
-            <a:r>
-              <a:rPr lang="en-US" sz="3000" err="1">
-                <a:solidFill>
-                  <a:schemeClr val="bg1"/>
-                </a:solidFill>
-              </a:rPr>
-              <a:t>dư</a:t>
-            </a:r>
-            <a:r>
-              <a:rPr lang="en-US" sz="3000">
-                <a:solidFill>
-                  <a:schemeClr val="bg1"/>
-                </a:solidFill>
-              </a:rPr>
-              <a:t> </a:t>
-            </a:r>
-            <a:r>
-              <a:rPr lang="en-US" sz="3000" err="1">
-                <a:solidFill>
-                  <a:schemeClr val="bg1"/>
-                </a:solidFill>
-              </a:rPr>
-              <a:t>thừa</a:t>
-            </a:r>
-            <a:r>
-              <a:rPr lang="en-US" sz="3000">
-                <a:solidFill>
-                  <a:schemeClr val="bg1"/>
-                </a:solidFill>
-              </a:rPr>
-              <a:t> </a:t>
-            </a:r>
-            <a:r>
-              <a:rPr lang="en-US" sz="3000" err="1">
-                <a:solidFill>
-                  <a:schemeClr val="bg1"/>
-                </a:solidFill>
-              </a:rPr>
-              <a:t>thì</a:t>
-            </a:r>
-            <a:r>
-              <a:rPr lang="en-US" sz="3000">
-                <a:solidFill>
-                  <a:schemeClr val="bg1"/>
-                </a:solidFill>
-              </a:rPr>
-              <a:t> </a:t>
-            </a:r>
-            <a:r>
-              <a:rPr lang="en-US" sz="3000" err="1">
-                <a:solidFill>
-                  <a:schemeClr val="bg1"/>
-                </a:solidFill>
-              </a:rPr>
-              <a:t>nên</a:t>
-            </a:r>
-            <a:r>
-              <a:rPr lang="en-US" sz="3000">
-                <a:solidFill>
-                  <a:schemeClr val="bg1"/>
-                </a:solidFill>
-              </a:rPr>
-              <a:t> </a:t>
-            </a:r>
-            <a:r>
-              <a:rPr lang="en-US" sz="3000" err="1">
-                <a:solidFill>
-                  <a:schemeClr val="bg1"/>
-                </a:solidFill>
-              </a:rPr>
-              <a:t>sử</a:t>
-            </a:r>
-            <a:r>
-              <a:rPr lang="en-US" sz="3000">
-                <a:solidFill>
-                  <a:schemeClr val="bg1"/>
-                </a:solidFill>
-              </a:rPr>
-              <a:t> </a:t>
-            </a:r>
-            <a:r>
-              <a:rPr lang="en-US" sz="3000" err="1">
-                <a:solidFill>
-                  <a:schemeClr val="bg1"/>
-                </a:solidFill>
-              </a:rPr>
-              <a:t>dụng</a:t>
-            </a:r>
-            <a:r>
-              <a:rPr lang="en-US" sz="3000">
-                <a:solidFill>
-                  <a:schemeClr val="bg1"/>
-                </a:solidFill>
-              </a:rPr>
-              <a:t> </a:t>
-            </a:r>
-            <a:r>
-              <a:rPr lang="en-US" sz="3000" err="1">
-                <a:solidFill>
-                  <a:schemeClr val="bg1"/>
-                </a:solidFill>
-              </a:rPr>
-              <a:t>giải</a:t>
-            </a:r>
-            <a:r>
-              <a:rPr lang="en-US" sz="3000">
-                <a:solidFill>
-                  <a:schemeClr val="bg1"/>
-                </a:solidFill>
-              </a:rPr>
-              <a:t> </a:t>
-            </a:r>
-            <a:r>
-              <a:rPr lang="en-US" sz="3000" err="1">
-                <a:solidFill>
-                  <a:schemeClr val="bg1"/>
-                </a:solidFill>
-              </a:rPr>
-              <a:t>thuật</a:t>
-            </a:r>
-            <a:r>
-              <a:rPr lang="en-US" sz="3000">
-                <a:solidFill>
-                  <a:schemeClr val="bg1"/>
-                </a:solidFill>
-              </a:rPr>
-              <a:t> </a:t>
-            </a:r>
-            <a:r>
-              <a:rPr lang="en-US" sz="3000" err="1">
-                <a:solidFill>
-                  <a:schemeClr val="bg1"/>
-                </a:solidFill>
-              </a:rPr>
-              <a:t>cắt</a:t>
-            </a:r>
-            <a:r>
-              <a:rPr lang="en-US" sz="3000">
-                <a:solidFill>
-                  <a:schemeClr val="bg1"/>
-                </a:solidFill>
-              </a:rPr>
-              <a:t> </a:t>
-            </a:r>
-            <a:r>
-              <a:rPr lang="en-US" sz="3000" err="1">
-                <a:solidFill>
-                  <a:schemeClr val="bg1"/>
-                </a:solidFill>
-              </a:rPr>
-              <a:t>tiết</a:t>
-            </a:r>
-            <a:r>
-              <a:rPr lang="en-US" sz="3000">
-                <a:solidFill>
-                  <a:schemeClr val="bg1"/>
-                </a:solidFill>
-              </a:rPr>
-              <a:t> </a:t>
-            </a:r>
-            <a:r>
-              <a:rPr lang="en-US" sz="3000" err="1">
-                <a:solidFill>
-                  <a:schemeClr val="bg1"/>
-                </a:solidFill>
-              </a:rPr>
-              <a:t>kiệm</a:t>
-            </a:r>
-            <a:endParaRPr lang="en-US" sz="3000">
-              <a:solidFill>
-                <a:schemeClr val="bg1"/>
-              </a:solidFill>
-            </a:endParaRPr>
-          </a:p>
-          <a:p>
-            <a:pPr algn="just">
+              <a:t>Kết quả đạt được của khóa luận</a:t>
+            </a:r>
+          </a:p>
+          <a:p>
+            <a:pPr>
               <a:buClrTx/>
             </a:pPr>
             <a:r>
@@ -14572,775 +15752,8 @@
                   <a:schemeClr val="bg1"/>
                 </a:solidFill>
               </a:rPr>
-              <a:t>Chỉ </a:t>
-            </a:r>
-            <a:r>
-              <a:rPr lang="en-US" sz="3000" err="1">
-                <a:solidFill>
-                  <a:schemeClr val="bg1"/>
-                </a:solidFill>
-              </a:rPr>
-              <a:t>sử</a:t>
-            </a:r>
-            <a:r>
-              <a:rPr lang="en-US" sz="3000">
-                <a:solidFill>
-                  <a:schemeClr val="bg1"/>
-                </a:solidFill>
-              </a:rPr>
-              <a:t> </a:t>
-            </a:r>
-            <a:r>
-              <a:rPr lang="en-US" sz="3000" err="1">
-                <a:solidFill>
-                  <a:schemeClr val="bg1"/>
-                </a:solidFill>
-              </a:rPr>
-              <a:t>dụng</a:t>
-            </a:r>
-            <a:r>
-              <a:rPr lang="en-US" sz="3000">
-                <a:solidFill>
-                  <a:schemeClr val="bg1"/>
-                </a:solidFill>
-              </a:rPr>
-              <a:t> </a:t>
-            </a:r>
-            <a:r>
-              <a:rPr lang="en-US" sz="3000" err="1">
-                <a:solidFill>
-                  <a:schemeClr val="bg1"/>
-                </a:solidFill>
-              </a:rPr>
-              <a:t>các</a:t>
-            </a:r>
-            <a:r>
-              <a:rPr lang="en-US" sz="3000">
-                <a:solidFill>
-                  <a:schemeClr val="bg1"/>
-                </a:solidFill>
-              </a:rPr>
-              <a:t> </a:t>
-            </a:r>
-            <a:r>
-              <a:rPr lang="en-US" sz="3000" err="1">
-                <a:solidFill>
-                  <a:schemeClr val="bg1"/>
-                </a:solidFill>
-              </a:rPr>
-              <a:t>thanh</a:t>
-            </a:r>
-            <a:r>
-              <a:rPr lang="en-US" sz="3000">
-                <a:solidFill>
-                  <a:schemeClr val="bg1"/>
-                </a:solidFill>
-              </a:rPr>
-              <a:t> </a:t>
-            </a:r>
-            <a:r>
-              <a:rPr lang="en-US" sz="3000" err="1">
-                <a:solidFill>
-                  <a:schemeClr val="bg1"/>
-                </a:solidFill>
-              </a:rPr>
-              <a:t>nguyên</a:t>
-            </a:r>
-            <a:r>
-              <a:rPr lang="en-US" sz="3000">
-                <a:solidFill>
-                  <a:schemeClr val="bg1"/>
-                </a:solidFill>
-              </a:rPr>
-              <a:t> </a:t>
-            </a:r>
-            <a:r>
-              <a:rPr lang="en-US" sz="3000" err="1">
-                <a:solidFill>
-                  <a:schemeClr val="bg1"/>
-                </a:solidFill>
-              </a:rPr>
-              <a:t>liệu</a:t>
-            </a:r>
-            <a:r>
-              <a:rPr lang="en-US" sz="3000">
-                <a:solidFill>
-                  <a:schemeClr val="bg1"/>
-                </a:solidFill>
-              </a:rPr>
-              <a:t> </a:t>
-            </a:r>
-            <a:r>
-              <a:rPr lang="en-US" sz="3000" err="1">
-                <a:solidFill>
-                  <a:schemeClr val="bg1"/>
-                </a:solidFill>
-              </a:rPr>
-              <a:t>mới</a:t>
-            </a:r>
-            <a:r>
-              <a:rPr lang="en-US" sz="3000">
-                <a:solidFill>
-                  <a:schemeClr val="bg1"/>
-                </a:solidFill>
-              </a:rPr>
-              <a:t> </a:t>
-            </a:r>
-            <a:r>
-              <a:rPr lang="en-US" sz="3000" err="1">
-                <a:solidFill>
-                  <a:schemeClr val="bg1"/>
-                </a:solidFill>
-              </a:rPr>
-              <a:t>thì</a:t>
-            </a:r>
-            <a:r>
-              <a:rPr lang="en-US" sz="3000">
-                <a:solidFill>
-                  <a:schemeClr val="bg1"/>
-                </a:solidFill>
-              </a:rPr>
-              <a:t> </a:t>
-            </a:r>
-            <a:r>
-              <a:rPr lang="en-US" sz="3000" err="1">
-                <a:solidFill>
-                  <a:schemeClr val="bg1"/>
-                </a:solidFill>
-              </a:rPr>
-              <a:t>sử</a:t>
-            </a:r>
-            <a:r>
-              <a:rPr lang="en-US" sz="3000">
-                <a:solidFill>
-                  <a:schemeClr val="bg1"/>
-                </a:solidFill>
-              </a:rPr>
-              <a:t> </a:t>
-            </a:r>
-            <a:r>
-              <a:rPr lang="en-US" sz="3000" err="1">
-                <a:solidFill>
-                  <a:schemeClr val="bg1"/>
-                </a:solidFill>
-              </a:rPr>
-              <a:t>dụng</a:t>
-            </a:r>
-            <a:r>
-              <a:rPr lang="en-US" sz="3000">
-                <a:solidFill>
-                  <a:schemeClr val="bg1"/>
-                </a:solidFill>
-              </a:rPr>
-              <a:t> </a:t>
-            </a:r>
-            <a:r>
-              <a:rPr lang="en-US" sz="3000" err="1">
-                <a:solidFill>
-                  <a:schemeClr val="bg1"/>
-                </a:solidFill>
-              </a:rPr>
-              <a:t>giải</a:t>
-            </a:r>
-            <a:r>
-              <a:rPr lang="en-US" sz="3000">
-                <a:solidFill>
-                  <a:schemeClr val="bg1"/>
-                </a:solidFill>
-              </a:rPr>
-              <a:t> </a:t>
-            </a:r>
-            <a:r>
-              <a:rPr lang="en-US" sz="3000" err="1">
-                <a:solidFill>
-                  <a:schemeClr val="bg1"/>
-                </a:solidFill>
-              </a:rPr>
-              <a:t>thuật</a:t>
-            </a:r>
-            <a:r>
-              <a:rPr lang="en-US" sz="3000">
-                <a:solidFill>
-                  <a:schemeClr val="bg1"/>
-                </a:solidFill>
-              </a:rPr>
-              <a:t> </a:t>
-            </a:r>
-            <a:r>
-              <a:rPr lang="en-US" sz="3000" err="1">
-                <a:solidFill>
-                  <a:schemeClr val="bg1"/>
-                </a:solidFill>
-              </a:rPr>
-              <a:t>cắt</a:t>
-            </a:r>
-            <a:r>
-              <a:rPr lang="en-US" sz="3000">
-                <a:solidFill>
-                  <a:schemeClr val="bg1"/>
-                </a:solidFill>
-              </a:rPr>
-              <a:t> </a:t>
-            </a:r>
-            <a:r>
-              <a:rPr lang="en-US" sz="3000" err="1">
-                <a:solidFill>
-                  <a:schemeClr val="bg1"/>
-                </a:solidFill>
-              </a:rPr>
-              <a:t>nhanh</a:t>
-            </a:r>
-            <a:endParaRPr lang="en-US" sz="3000">
-              <a:solidFill>
-                <a:schemeClr val="bg1"/>
-              </a:solidFill>
-            </a:endParaRPr>
-          </a:p>
-          <a:p>
-            <a:pPr algn="just">
-              <a:buClrTx/>
-            </a:pPr>
-            <a:r>
-              <a:rPr lang="en-US" sz="3000" err="1">
-                <a:solidFill>
-                  <a:schemeClr val="bg1"/>
-                </a:solidFill>
-              </a:rPr>
-              <a:t>Nếu</a:t>
-            </a:r>
-            <a:r>
-              <a:rPr lang="en-US" sz="3000">
-                <a:solidFill>
-                  <a:schemeClr val="bg1"/>
-                </a:solidFill>
-              </a:rPr>
-              <a:t> </a:t>
-            </a:r>
-            <a:r>
-              <a:rPr lang="en-US" sz="3000" err="1">
-                <a:solidFill>
-                  <a:schemeClr val="bg1"/>
-                </a:solidFill>
-              </a:rPr>
-              <a:t>khối</a:t>
-            </a:r>
-            <a:r>
-              <a:rPr lang="en-US" sz="3000">
-                <a:solidFill>
-                  <a:schemeClr val="bg1"/>
-                </a:solidFill>
-              </a:rPr>
-              <a:t> </a:t>
-            </a:r>
-            <a:r>
-              <a:rPr lang="en-US" sz="3000" err="1">
-                <a:solidFill>
-                  <a:schemeClr val="bg1"/>
-                </a:solidFill>
-              </a:rPr>
-              <a:t>lượng</a:t>
-            </a:r>
-            <a:r>
-              <a:rPr lang="en-US" sz="3000">
-                <a:solidFill>
-                  <a:schemeClr val="bg1"/>
-                </a:solidFill>
-              </a:rPr>
-              <a:t> </a:t>
-            </a:r>
-            <a:r>
-              <a:rPr lang="en-US" sz="3000" err="1">
-                <a:solidFill>
-                  <a:schemeClr val="bg1"/>
-                </a:solidFill>
-              </a:rPr>
-              <a:t>đơn</a:t>
-            </a:r>
-            <a:r>
-              <a:rPr lang="en-US" sz="3000">
-                <a:solidFill>
-                  <a:schemeClr val="bg1"/>
-                </a:solidFill>
-              </a:rPr>
-              <a:t> </a:t>
-            </a:r>
-            <a:r>
-              <a:rPr lang="en-US" sz="3000" err="1">
-                <a:solidFill>
-                  <a:schemeClr val="bg1"/>
-                </a:solidFill>
-              </a:rPr>
-              <a:t>hàng</a:t>
-            </a:r>
-            <a:r>
-              <a:rPr lang="en-US" sz="3000">
-                <a:solidFill>
-                  <a:schemeClr val="bg1"/>
-                </a:solidFill>
-              </a:rPr>
-              <a:t> </a:t>
-            </a:r>
-            <a:r>
-              <a:rPr lang="en-US" sz="3000" err="1">
-                <a:solidFill>
-                  <a:schemeClr val="bg1"/>
-                </a:solidFill>
-              </a:rPr>
-              <a:t>nhỏ</a:t>
-            </a:r>
-            <a:r>
-              <a:rPr lang="en-US" sz="3000">
-                <a:solidFill>
-                  <a:schemeClr val="bg1"/>
-                </a:solidFill>
-              </a:rPr>
-              <a:t> </a:t>
-            </a:r>
-            <a:r>
-              <a:rPr lang="en-US" sz="3000" err="1">
-                <a:solidFill>
-                  <a:schemeClr val="bg1"/>
-                </a:solidFill>
-              </a:rPr>
-              <a:t>thì</a:t>
-            </a:r>
-            <a:r>
-              <a:rPr lang="en-US" sz="3000">
-                <a:solidFill>
-                  <a:schemeClr val="bg1"/>
-                </a:solidFill>
-              </a:rPr>
-              <a:t> </a:t>
-            </a:r>
-            <a:r>
-              <a:rPr lang="en-US" sz="3000" err="1">
-                <a:solidFill>
-                  <a:schemeClr val="bg1"/>
-                </a:solidFill>
-              </a:rPr>
-              <a:t>sự</a:t>
-            </a:r>
-            <a:r>
-              <a:rPr lang="en-US" sz="3000">
-                <a:solidFill>
-                  <a:schemeClr val="bg1"/>
-                </a:solidFill>
-              </a:rPr>
-              <a:t> </a:t>
-            </a:r>
-            <a:r>
-              <a:rPr lang="en-US" sz="3000" err="1">
-                <a:solidFill>
-                  <a:schemeClr val="bg1"/>
-                </a:solidFill>
-              </a:rPr>
-              <a:t>khác</a:t>
-            </a:r>
-            <a:r>
-              <a:rPr lang="en-US" sz="3000">
-                <a:solidFill>
-                  <a:schemeClr val="bg1"/>
-                </a:solidFill>
-              </a:rPr>
-              <a:t> </a:t>
-            </a:r>
-            <a:r>
-              <a:rPr lang="en-US" sz="3000" err="1">
-                <a:solidFill>
-                  <a:schemeClr val="bg1"/>
-                </a:solidFill>
-              </a:rPr>
-              <a:t>biệt</a:t>
-            </a:r>
-            <a:r>
-              <a:rPr lang="en-US" sz="3000">
-                <a:solidFill>
-                  <a:schemeClr val="bg1"/>
-                </a:solidFill>
-              </a:rPr>
-              <a:t> </a:t>
-            </a:r>
-            <a:r>
-              <a:rPr lang="en-US" sz="3000" err="1">
-                <a:solidFill>
-                  <a:schemeClr val="bg1"/>
-                </a:solidFill>
-              </a:rPr>
-              <a:t>giữa</a:t>
-            </a:r>
-            <a:r>
-              <a:rPr lang="en-US" sz="3000">
-                <a:solidFill>
-                  <a:schemeClr val="bg1"/>
-                </a:solidFill>
-              </a:rPr>
-              <a:t> </a:t>
-            </a:r>
-            <a:r>
-              <a:rPr lang="en-US" sz="3000" err="1">
-                <a:solidFill>
-                  <a:schemeClr val="bg1"/>
-                </a:solidFill>
-              </a:rPr>
-              <a:t>cắt</a:t>
-            </a:r>
-            <a:r>
-              <a:rPr lang="en-US" sz="3000">
-                <a:solidFill>
-                  <a:schemeClr val="bg1"/>
-                </a:solidFill>
-              </a:rPr>
-              <a:t> </a:t>
-            </a:r>
-            <a:r>
-              <a:rPr lang="en-US" sz="3000" err="1">
-                <a:solidFill>
-                  <a:schemeClr val="bg1"/>
-                </a:solidFill>
-              </a:rPr>
-              <a:t>nhanh</a:t>
-            </a:r>
-            <a:r>
-              <a:rPr lang="en-US" sz="3000">
-                <a:solidFill>
-                  <a:schemeClr val="bg1"/>
-                </a:solidFill>
-              </a:rPr>
-              <a:t> </a:t>
-            </a:r>
-            <a:r>
-              <a:rPr lang="en-US" sz="3000" err="1">
-                <a:solidFill>
-                  <a:schemeClr val="bg1"/>
-                </a:solidFill>
-              </a:rPr>
-              <a:t>và</a:t>
-            </a:r>
-            <a:r>
-              <a:rPr lang="en-US" sz="3000">
-                <a:solidFill>
-                  <a:schemeClr val="bg1"/>
-                </a:solidFill>
-              </a:rPr>
-              <a:t> </a:t>
-            </a:r>
-            <a:r>
-              <a:rPr lang="en-US" sz="3000" err="1">
-                <a:solidFill>
-                  <a:schemeClr val="bg1"/>
-                </a:solidFill>
-              </a:rPr>
-              <a:t>cắt</a:t>
-            </a:r>
-            <a:r>
-              <a:rPr lang="en-US" sz="3000">
-                <a:solidFill>
-                  <a:schemeClr val="bg1"/>
-                </a:solidFill>
-              </a:rPr>
-              <a:t> </a:t>
-            </a:r>
-            <a:r>
-              <a:rPr lang="en-US" sz="3000" err="1">
-                <a:solidFill>
-                  <a:schemeClr val="bg1"/>
-                </a:solidFill>
-              </a:rPr>
-              <a:t>tiết</a:t>
-            </a:r>
-            <a:r>
-              <a:rPr lang="en-US" sz="3000">
-                <a:solidFill>
-                  <a:schemeClr val="bg1"/>
-                </a:solidFill>
-              </a:rPr>
-              <a:t> </a:t>
-            </a:r>
-            <a:r>
-              <a:rPr lang="en-US" sz="3000" err="1">
-                <a:solidFill>
-                  <a:schemeClr val="bg1"/>
-                </a:solidFill>
-              </a:rPr>
-              <a:t>kiệm</a:t>
-            </a:r>
-            <a:r>
-              <a:rPr lang="en-US" sz="3000">
-                <a:solidFill>
-                  <a:schemeClr val="bg1"/>
-                </a:solidFill>
-              </a:rPr>
-              <a:t> </a:t>
-            </a:r>
-            <a:r>
-              <a:rPr lang="en-US" sz="3000" err="1">
-                <a:solidFill>
-                  <a:schemeClr val="bg1"/>
-                </a:solidFill>
-              </a:rPr>
-              <a:t>là</a:t>
-            </a:r>
-            <a:r>
-              <a:rPr lang="en-US" sz="3000">
-                <a:solidFill>
-                  <a:schemeClr val="bg1"/>
-                </a:solidFill>
-              </a:rPr>
-              <a:t> </a:t>
-            </a:r>
-            <a:r>
-              <a:rPr lang="en-US" sz="3000" err="1">
-                <a:solidFill>
-                  <a:schemeClr val="bg1"/>
-                </a:solidFill>
-              </a:rPr>
-              <a:t>không</a:t>
-            </a:r>
-            <a:r>
-              <a:rPr lang="en-US" sz="3000">
-                <a:solidFill>
-                  <a:schemeClr val="bg1"/>
-                </a:solidFill>
-              </a:rPr>
-              <a:t> </a:t>
-            </a:r>
-            <a:r>
-              <a:rPr lang="en-US" sz="3000" err="1">
-                <a:solidFill>
-                  <a:schemeClr val="bg1"/>
-                </a:solidFill>
-              </a:rPr>
-              <a:t>đáng</a:t>
-            </a:r>
-            <a:r>
-              <a:rPr lang="en-US" sz="3000">
-                <a:solidFill>
-                  <a:schemeClr val="bg1"/>
-                </a:solidFill>
-              </a:rPr>
-              <a:t> </a:t>
-            </a:r>
-            <a:r>
-              <a:rPr lang="en-US" sz="3000" err="1">
-                <a:solidFill>
-                  <a:schemeClr val="bg1"/>
-                </a:solidFill>
-              </a:rPr>
-              <a:t>kể</a:t>
-            </a:r>
-            <a:r>
-              <a:rPr lang="en-US" sz="3000">
-                <a:solidFill>
-                  <a:schemeClr val="bg1"/>
-                </a:solidFill>
-              </a:rPr>
-              <a:t>, </a:t>
-            </a:r>
-            <a:r>
-              <a:rPr lang="en-US" sz="3000" err="1">
-                <a:solidFill>
-                  <a:schemeClr val="bg1"/>
-                </a:solidFill>
-              </a:rPr>
-              <a:t>sự</a:t>
-            </a:r>
-            <a:r>
-              <a:rPr lang="en-US" sz="3000">
-                <a:solidFill>
-                  <a:schemeClr val="bg1"/>
-                </a:solidFill>
-              </a:rPr>
-              <a:t> </a:t>
-            </a:r>
-            <a:r>
-              <a:rPr lang="en-US" sz="3000" err="1">
-                <a:solidFill>
-                  <a:schemeClr val="bg1"/>
-                </a:solidFill>
-              </a:rPr>
-              <a:t>khác</a:t>
-            </a:r>
-            <a:r>
-              <a:rPr lang="en-US" sz="3000">
-                <a:solidFill>
-                  <a:schemeClr val="bg1"/>
-                </a:solidFill>
-              </a:rPr>
-              <a:t> </a:t>
-            </a:r>
-            <a:r>
-              <a:rPr lang="en-US" sz="3000" err="1">
-                <a:solidFill>
-                  <a:schemeClr val="bg1"/>
-                </a:solidFill>
-              </a:rPr>
-              <a:t>biệt</a:t>
-            </a:r>
-            <a:r>
-              <a:rPr lang="en-US" sz="3000">
-                <a:solidFill>
-                  <a:schemeClr val="bg1"/>
-                </a:solidFill>
-              </a:rPr>
-              <a:t> </a:t>
-            </a:r>
-            <a:r>
-              <a:rPr lang="en-US" sz="3000" err="1">
-                <a:solidFill>
-                  <a:schemeClr val="bg1"/>
-                </a:solidFill>
-              </a:rPr>
-              <a:t>này</a:t>
-            </a:r>
-            <a:r>
-              <a:rPr lang="en-US" sz="3000">
-                <a:solidFill>
-                  <a:schemeClr val="bg1"/>
-                </a:solidFill>
-              </a:rPr>
-              <a:t> </a:t>
-            </a:r>
-            <a:r>
-              <a:rPr lang="en-US" sz="3000" err="1">
-                <a:solidFill>
-                  <a:schemeClr val="bg1"/>
-                </a:solidFill>
-              </a:rPr>
-              <a:t>càng</a:t>
-            </a:r>
-            <a:r>
-              <a:rPr lang="en-US" sz="3000">
-                <a:solidFill>
-                  <a:schemeClr val="bg1"/>
-                </a:solidFill>
-              </a:rPr>
-              <a:t> </a:t>
-            </a:r>
-            <a:r>
-              <a:rPr lang="en-US" sz="3000" err="1">
-                <a:solidFill>
-                  <a:schemeClr val="bg1"/>
-                </a:solidFill>
-              </a:rPr>
-              <a:t>rõ</a:t>
-            </a:r>
-            <a:r>
-              <a:rPr lang="en-US" sz="3000">
-                <a:solidFill>
-                  <a:schemeClr val="bg1"/>
-                </a:solidFill>
-              </a:rPr>
-              <a:t> </a:t>
-            </a:r>
-            <a:r>
-              <a:rPr lang="en-US" sz="3000" err="1">
-                <a:solidFill>
-                  <a:schemeClr val="bg1"/>
-                </a:solidFill>
-              </a:rPr>
-              <a:t>ràng</a:t>
-            </a:r>
-            <a:r>
-              <a:rPr lang="en-US" sz="3000">
-                <a:solidFill>
-                  <a:schemeClr val="bg1"/>
-                </a:solidFill>
-              </a:rPr>
-              <a:t> </a:t>
-            </a:r>
-            <a:r>
-              <a:rPr lang="en-US" sz="3000" err="1">
-                <a:solidFill>
-                  <a:schemeClr val="bg1"/>
-                </a:solidFill>
-              </a:rPr>
-              <a:t>khi</a:t>
-            </a:r>
-            <a:r>
-              <a:rPr lang="en-US" sz="3000">
-                <a:solidFill>
-                  <a:schemeClr val="bg1"/>
-                </a:solidFill>
-              </a:rPr>
-              <a:t> </a:t>
-            </a:r>
-            <a:r>
-              <a:rPr lang="en-US" sz="3000" err="1">
-                <a:solidFill>
-                  <a:schemeClr val="bg1"/>
-                </a:solidFill>
-              </a:rPr>
-              <a:t>mà</a:t>
-            </a:r>
-            <a:r>
-              <a:rPr lang="en-US" sz="3000">
-                <a:solidFill>
-                  <a:schemeClr val="bg1"/>
-                </a:solidFill>
-              </a:rPr>
-              <a:t> </a:t>
-            </a:r>
-            <a:r>
-              <a:rPr lang="en-US" sz="3000" err="1">
-                <a:solidFill>
-                  <a:schemeClr val="bg1"/>
-                </a:solidFill>
-              </a:rPr>
-              <a:t>đơn</a:t>
-            </a:r>
-            <a:r>
-              <a:rPr lang="en-US" sz="3000">
-                <a:solidFill>
-                  <a:schemeClr val="bg1"/>
-                </a:solidFill>
-              </a:rPr>
-              <a:t> </a:t>
-            </a:r>
-            <a:r>
-              <a:rPr lang="en-US" sz="3000" err="1">
-                <a:solidFill>
-                  <a:schemeClr val="bg1"/>
-                </a:solidFill>
-              </a:rPr>
-              <a:t>hàng</a:t>
-            </a:r>
-            <a:r>
-              <a:rPr lang="en-US" sz="3000">
-                <a:solidFill>
-                  <a:schemeClr val="bg1"/>
-                </a:solidFill>
-              </a:rPr>
-              <a:t> </a:t>
-            </a:r>
-            <a:r>
-              <a:rPr lang="en-US" sz="3000" err="1">
-                <a:solidFill>
-                  <a:schemeClr val="bg1"/>
-                </a:solidFill>
-              </a:rPr>
-              <a:t>càng</a:t>
-            </a:r>
-            <a:r>
-              <a:rPr lang="en-US" sz="3000">
-                <a:solidFill>
-                  <a:schemeClr val="bg1"/>
-                </a:solidFill>
-              </a:rPr>
-              <a:t> </a:t>
-            </a:r>
-            <a:r>
-              <a:rPr lang="en-US" sz="3000" err="1">
-                <a:solidFill>
-                  <a:schemeClr val="bg1"/>
-                </a:solidFill>
-              </a:rPr>
-              <a:t>lớn</a:t>
-            </a:r>
-            <a:endParaRPr lang="en-US" sz="3000">
-              <a:solidFill>
-                <a:schemeClr val="bg1"/>
-              </a:solidFill>
-            </a:endParaRPr>
+              <a:t>Hướng phát triển trong tương lai</a:t>
+            </a:r>
           </a:p>
         </p:txBody>
       </p:sp>
@@ -15349,7 +15762,7 @@
           <p:cNvPr id="2" name="Footer Placeholder 1">
             <a:extLst>
               <a:ext uri="{FF2B5EF4-FFF2-40B4-BE49-F238E27FC236}">
-                <a16:creationId xmlns:a16="http://schemas.microsoft.com/office/drawing/2014/main" id="{39BE3744-D259-4558-9D1A-68073C502916}"/>
+                <a16:creationId xmlns:a16="http://schemas.microsoft.com/office/drawing/2014/main" id="{B2A09814-3C6C-4D28-BA59-3AAF55F558C3}"/>
               </a:ext>
             </a:extLst>
           </p:cNvPr>
@@ -15377,7 +15790,7 @@
           <p:cNvPr id="3" name="Slide Number Placeholder 2">
             <a:extLst>
               <a:ext uri="{FF2B5EF4-FFF2-40B4-BE49-F238E27FC236}">
-                <a16:creationId xmlns:a16="http://schemas.microsoft.com/office/drawing/2014/main" id="{E906A2FC-64E4-40A5-A5CE-4206759ACD76}"/>
+                <a16:creationId xmlns:a16="http://schemas.microsoft.com/office/drawing/2014/main" id="{8B5179A0-5EEA-4202-95E2-0A5BEC2975CB}"/>
               </a:ext>
             </a:extLst>
           </p:cNvPr>
@@ -15404,7 +15817,7 @@
     </p:spTree>
     <p:extLst>
       <p:ext uri="{BB962C8B-B14F-4D97-AF65-F5344CB8AC3E}">
-        <p14:creationId xmlns:p14="http://schemas.microsoft.com/office/powerpoint/2010/main" val="3345718028"/>
+        <p14:creationId xmlns:p14="http://schemas.microsoft.com/office/powerpoint/2010/main" val="1501989062"/>
       </p:ext>
     </p:extLst>
   </p:cSld>
@@ -15433,7 +15846,13 @@
       </p:grpSpPr>
       <p:sp>
         <p:nvSpPr>
-          <p:cNvPr id="13" name="Title 12"/>
+          <p:cNvPr id="2" name="Title 1">
+            <a:extLst>
+              <a:ext uri="{FF2B5EF4-FFF2-40B4-BE49-F238E27FC236}">
+                <a16:creationId xmlns:a16="http://schemas.microsoft.com/office/drawing/2014/main" id="{74E01D7E-5FDB-41C2-9D20-7C9077ACA07D}"/>
+              </a:ext>
+            </a:extLst>
+          </p:cNvPr>
           <p:cNvSpPr>
             <a:spLocks noGrp="1"/>
           </p:cNvSpPr>
@@ -15443,105 +15862,168 @@
         </p:nvSpPr>
         <p:spPr>
           <a:xfrm>
-            <a:off x="0" y="0"/>
-            <a:ext cx="10360501" cy="634083"/>
+            <a:off x="0" y="2348880"/>
+            <a:ext cx="12188825" cy="864096"/>
           </a:xfrm>
         </p:spPr>
         <p:txBody>
-          <a:bodyPr>
-            <a:noAutofit/>
-          </a:bodyPr>
+          <a:bodyPr/>
           <a:lstStyle/>
           <a:p>
-            <a:r>
-              <a:rPr lang="en-US" sz="4000" err="1">
-                <a:solidFill>
-                  <a:schemeClr val="bg1"/>
-                </a:solidFill>
-              </a:rPr>
-              <a:t>Kết</a:t>
-            </a:r>
-            <a:r>
-              <a:rPr lang="en-US" sz="4000">
-                <a:solidFill>
-                  <a:schemeClr val="bg1"/>
-                </a:solidFill>
-              </a:rPr>
-              <a:t> </a:t>
-            </a:r>
-            <a:r>
-              <a:rPr lang="en-US" sz="4000" err="1">
-                <a:solidFill>
-                  <a:schemeClr val="bg1"/>
-                </a:solidFill>
-              </a:rPr>
-              <a:t>luận</a:t>
-            </a:r>
-            <a:r>
-              <a:rPr lang="en-US" sz="4000">
-                <a:solidFill>
-                  <a:schemeClr val="bg1"/>
-                </a:solidFill>
-              </a:rPr>
-              <a:t> </a:t>
-            </a:r>
-            <a:r>
-              <a:rPr lang="en-US" sz="4000" err="1">
-                <a:solidFill>
-                  <a:schemeClr val="bg1"/>
-                </a:solidFill>
-              </a:rPr>
-              <a:t>và</a:t>
-            </a:r>
-            <a:r>
-              <a:rPr lang="en-US" sz="4000">
-                <a:solidFill>
-                  <a:schemeClr val="bg1"/>
-                </a:solidFill>
-              </a:rPr>
-              <a:t> </a:t>
-            </a:r>
-            <a:r>
-              <a:rPr lang="en-US" sz="4000" err="1">
-                <a:solidFill>
-                  <a:schemeClr val="bg1"/>
-                </a:solidFill>
-              </a:rPr>
-              <a:t>hướng</a:t>
-            </a:r>
-            <a:r>
-              <a:rPr lang="en-US" sz="4000">
-                <a:solidFill>
-                  <a:schemeClr val="bg1"/>
-                </a:solidFill>
-              </a:rPr>
-              <a:t> </a:t>
-            </a:r>
-            <a:r>
-              <a:rPr lang="en-US" sz="4000" err="1">
-                <a:solidFill>
-                  <a:schemeClr val="bg1"/>
-                </a:solidFill>
-              </a:rPr>
-              <a:t>phát</a:t>
-            </a:r>
-            <a:r>
-              <a:rPr lang="en-US" sz="4000">
-                <a:solidFill>
-                  <a:schemeClr val="bg1"/>
-                </a:solidFill>
-              </a:rPr>
-              <a:t> </a:t>
-            </a:r>
-            <a:r>
-              <a:rPr lang="en-US" sz="4000" err="1">
-                <a:solidFill>
-                  <a:schemeClr val="bg1"/>
-                </a:solidFill>
-              </a:rPr>
-              <a:t>triển</a:t>
-            </a:r>
-            <a:endParaRPr lang="en-US" sz="4000">
+            <a:pPr algn="ctr"/>
+            <a:r>
+              <a:rPr lang="en-US" err="1">
+                <a:solidFill>
+                  <a:schemeClr val="bg1"/>
+                </a:solidFill>
+              </a:rPr>
+              <a:t>Em</a:t>
+            </a:r>
+            <a:r>
+              <a:rPr lang="en-US">
+                <a:solidFill>
+                  <a:schemeClr val="bg1"/>
+                </a:solidFill>
+              </a:rPr>
+              <a:t> </a:t>
+            </a:r>
+            <a:r>
+              <a:rPr lang="en-US" err="1">
+                <a:solidFill>
+                  <a:schemeClr val="bg1"/>
+                </a:solidFill>
+              </a:rPr>
+              <a:t>xin</a:t>
+            </a:r>
+            <a:r>
+              <a:rPr lang="en-US">
+                <a:solidFill>
+                  <a:schemeClr val="bg1"/>
+                </a:solidFill>
+              </a:rPr>
+              <a:t> </a:t>
+            </a:r>
+            <a:r>
+              <a:rPr lang="en-US" err="1">
+                <a:solidFill>
+                  <a:schemeClr val="bg1"/>
+                </a:solidFill>
+              </a:rPr>
+              <a:t>cảm</a:t>
+            </a:r>
+            <a:r>
+              <a:rPr lang="en-US">
+                <a:solidFill>
+                  <a:schemeClr val="bg1"/>
+                </a:solidFill>
+              </a:rPr>
+              <a:t> </a:t>
+            </a:r>
+            <a:r>
+              <a:rPr lang="en-US" err="1">
+                <a:solidFill>
+                  <a:schemeClr val="bg1"/>
+                </a:solidFill>
+              </a:rPr>
+              <a:t>ơn</a:t>
+            </a:r>
+            <a:r>
+              <a:rPr lang="en-US">
+                <a:solidFill>
+                  <a:schemeClr val="bg1"/>
+                </a:solidFill>
+              </a:rPr>
+              <a:t> </a:t>
+            </a:r>
+            <a:r>
+              <a:rPr lang="en-US" err="1">
+                <a:solidFill>
+                  <a:schemeClr val="bg1"/>
+                </a:solidFill>
+              </a:rPr>
+              <a:t>các</a:t>
+            </a:r>
+            <a:r>
+              <a:rPr lang="en-US">
+                <a:solidFill>
+                  <a:schemeClr val="bg1"/>
+                </a:solidFill>
+              </a:rPr>
+              <a:t> </a:t>
+            </a:r>
+            <a:r>
+              <a:rPr lang="en-US" err="1">
+                <a:solidFill>
+                  <a:schemeClr val="bg1"/>
+                </a:solidFill>
+              </a:rPr>
+              <a:t>thầy</a:t>
+            </a:r>
+            <a:r>
+              <a:rPr lang="en-US">
+                <a:solidFill>
+                  <a:schemeClr val="bg1"/>
+                </a:solidFill>
+              </a:rPr>
+              <a:t> </a:t>
+            </a:r>
+            <a:r>
+              <a:rPr lang="en-US" err="1">
+                <a:solidFill>
+                  <a:schemeClr val="bg1"/>
+                </a:solidFill>
+              </a:rPr>
+              <a:t>cô</a:t>
+            </a:r>
+            <a:r>
+              <a:rPr lang="en-US">
+                <a:solidFill>
+                  <a:schemeClr val="bg1"/>
+                </a:solidFill>
+              </a:rPr>
+              <a:t> </a:t>
+            </a:r>
+            <a:r>
+              <a:rPr lang="en-US" err="1">
+                <a:solidFill>
+                  <a:schemeClr val="bg1"/>
+                </a:solidFill>
+              </a:rPr>
+              <a:t>đã</a:t>
+            </a:r>
+            <a:r>
+              <a:rPr lang="en-US">
+                <a:solidFill>
+                  <a:schemeClr val="bg1"/>
+                </a:solidFill>
+              </a:rPr>
+              <a:t> </a:t>
+            </a:r>
+            <a:r>
+              <a:rPr lang="en-US" err="1">
+                <a:solidFill>
+                  <a:schemeClr val="bg1"/>
+                </a:solidFill>
+              </a:rPr>
+              <a:t>lắng</a:t>
+            </a:r>
+            <a:r>
+              <a:rPr lang="en-US">
+                <a:solidFill>
+                  <a:schemeClr val="bg1"/>
+                </a:solidFill>
+              </a:rPr>
+              <a:t> </a:t>
+            </a:r>
+            <a:r>
+              <a:rPr lang="en-US" err="1">
+                <a:solidFill>
+                  <a:schemeClr val="bg1"/>
+                </a:solidFill>
+              </a:rPr>
+              <a:t>nghe</a:t>
+            </a:r>
+            <a:endParaRPr lang="en-US">
               <a:solidFill>
                 <a:schemeClr val="bg1"/>
               </a:solidFill>
@@ -15551,59 +16033,10 @@
       </p:sp>
       <p:sp>
         <p:nvSpPr>
-          <p:cNvPr id="14" name="Content Placeholder 13"/>
-          <p:cNvSpPr>
-            <a:spLocks noGrp="1"/>
-          </p:cNvSpPr>
-          <p:nvPr>
-            <p:ph idx="1"/>
-          </p:nvPr>
-        </p:nvSpPr>
-        <p:spPr>
-          <a:xfrm>
-            <a:off x="117749" y="692696"/>
-            <a:ext cx="11461636" cy="5471373"/>
-          </a:xfrm>
-        </p:spPr>
-        <p:txBody>
-          <a:bodyPr>
-            <a:normAutofit/>
-          </a:bodyPr>
-          <a:lstStyle/>
-          <a:p>
-            <a:pPr>
-              <a:buClrTx/>
-            </a:pPr>
-            <a:r>
-              <a:rPr lang="en-US" sz="3000">
-                <a:solidFill>
-                  <a:schemeClr val="bg1"/>
-                </a:solidFill>
-              </a:rPr>
-              <a:t>Kết quả đạt được của khóa luận</a:t>
-            </a:r>
-          </a:p>
-          <a:p>
-            <a:pPr>
-              <a:buClrTx/>
-            </a:pPr>
-            <a:r>
-              <a:rPr lang="en-US" sz="3000">
-                <a:solidFill>
-                  <a:schemeClr val="bg1"/>
-                </a:solidFill>
-              </a:rPr>
-              <a:t>Hướng phát triển trong tương lai</a:t>
-            </a:r>
-          </a:p>
-        </p:txBody>
-      </p:sp>
-      <p:sp>
-        <p:nvSpPr>
-          <p:cNvPr id="2" name="Footer Placeholder 1">
+          <p:cNvPr id="3" name="Footer Placeholder 2">
             <a:extLst>
               <a:ext uri="{FF2B5EF4-FFF2-40B4-BE49-F238E27FC236}">
-                <a16:creationId xmlns:a16="http://schemas.microsoft.com/office/drawing/2014/main" id="{B2A09814-3C6C-4D28-BA59-3AAF55F558C3}"/>
+                <a16:creationId xmlns:a16="http://schemas.microsoft.com/office/drawing/2014/main" id="{2AE4247F-75FF-4FF1-B783-BE6A8761251B}"/>
               </a:ext>
             </a:extLst>
           </p:cNvPr>
@@ -15628,10 +16061,10 @@
       </p:sp>
       <p:sp>
         <p:nvSpPr>
-          <p:cNvPr id="3" name="Slide Number Placeholder 2">
+          <p:cNvPr id="4" name="Slide Number Placeholder 3">
             <a:extLst>
               <a:ext uri="{FF2B5EF4-FFF2-40B4-BE49-F238E27FC236}">
-                <a16:creationId xmlns:a16="http://schemas.microsoft.com/office/drawing/2014/main" id="{8B5179A0-5EEA-4202-95E2-0A5BEC2975CB}"/>
+                <a16:creationId xmlns:a16="http://schemas.microsoft.com/office/drawing/2014/main" id="{9CB1071B-E4FF-4188-9B70-5487327997E9}"/>
               </a:ext>
             </a:extLst>
           </p:cNvPr>
@@ -15655,10 +16088,93 @@
           </a:p>
         </p:txBody>
       </p:sp>
+      <p:sp>
+        <p:nvSpPr>
+          <p:cNvPr id="5" name="TextBox 4">
+            <a:extLst>
+              <a:ext uri="{FF2B5EF4-FFF2-40B4-BE49-F238E27FC236}">
+                <a16:creationId xmlns:a16="http://schemas.microsoft.com/office/drawing/2014/main" id="{CF69EE41-401E-49EA-8041-37AE67150AD6}"/>
+              </a:ext>
+            </a:extLst>
+          </p:cNvPr>
+          <p:cNvSpPr txBox="1"/>
+          <p:nvPr/>
+        </p:nvSpPr>
+        <p:spPr>
+          <a:xfrm>
+            <a:off x="8110636" y="3573016"/>
+            <a:ext cx="3096344" cy="830997"/>
+          </a:xfrm>
+          <a:prstGeom prst="rect">
+            <a:avLst/>
+          </a:prstGeom>
+          <a:noFill/>
+        </p:spPr>
+        <p:txBody>
+          <a:bodyPr wrap="square" rtlCol="0">
+            <a:spAutoFit/>
+          </a:bodyPr>
+          <a:lstStyle/>
+          <a:p>
+            <a:r>
+              <a:rPr lang="en-US" sz="2000" err="1">
+                <a:solidFill>
+                  <a:schemeClr val="bg1"/>
+                </a:solidFill>
+              </a:rPr>
+              <a:t>Sinh</a:t>
+            </a:r>
+            <a:r>
+              <a:rPr lang="en-US" sz="2000">
+                <a:solidFill>
+                  <a:schemeClr val="bg1"/>
+                </a:solidFill>
+              </a:rPr>
+              <a:t> </a:t>
+            </a:r>
+            <a:r>
+              <a:rPr lang="en-US" sz="2000" err="1">
+                <a:solidFill>
+                  <a:schemeClr val="bg1"/>
+                </a:solidFill>
+              </a:rPr>
+              <a:t>viên</a:t>
+            </a:r>
+            <a:br>
+              <a:rPr lang="en-US" sz="2800">
+                <a:solidFill>
+                  <a:schemeClr val="bg1"/>
+                </a:solidFill>
+              </a:rPr>
+            </a:br>
+            <a:r>
+              <a:rPr lang="en-US" sz="2800">
+                <a:solidFill>
+                  <a:schemeClr val="bg1"/>
+                </a:solidFill>
+              </a:rPr>
+              <a:t>Lê Công </a:t>
+            </a:r>
+            <a:r>
+              <a:rPr lang="en-US" sz="2800" err="1">
+                <a:solidFill>
+                  <a:schemeClr val="bg1"/>
+                </a:solidFill>
+              </a:rPr>
+              <a:t>Kỳ</a:t>
+            </a:r>
+            <a:endParaRPr lang="en-US" sz="2800">
+              <a:solidFill>
+                <a:schemeClr val="bg1"/>
+              </a:solidFill>
+            </a:endParaRPr>
+          </a:p>
+        </p:txBody>
+      </p:sp>
     </p:spTree>
     <p:extLst>
       <p:ext uri="{BB962C8B-B14F-4D97-AF65-F5344CB8AC3E}">
-        <p14:creationId xmlns:p14="http://schemas.microsoft.com/office/powerpoint/2010/main" val="1501989062"/>
+        <p14:creationId xmlns:p14="http://schemas.microsoft.com/office/powerpoint/2010/main" val="2401278850"/>
       </p:ext>
     </p:extLst>
   </p:cSld>
@@ -16101,363 +16617,6 @@
     <p:extLst>
       <p:ext uri="{BB962C8B-B14F-4D97-AF65-F5344CB8AC3E}">
         <p14:creationId xmlns:p14="http://schemas.microsoft.com/office/powerpoint/2010/main" val="3529114326"/>
-      </p:ext>
-    </p:extLst>
-  </p:cSld>
-  <p:clrMapOvr>
-    <a:masterClrMapping/>
-  </p:clrMapOvr>
-</p:sld>
-</file>
-
-<file path=ppt/slides/slide20.xml><?xml version="1.0" encoding="utf-8"?>
-<p:sld xmlns:a="http://schemas.openxmlformats.org/drawingml/2006/main" xmlns:r="http://schemas.openxmlformats.org/officeDocument/2006/relationships" xmlns:p="http://schemas.openxmlformats.org/presentationml/2006/main" showMasterSp="0">
-  <p:cSld>
-    <p:spTree>
-      <p:nvGrpSpPr>
-        <p:cNvPr id="1" name=""/>
-        <p:cNvGrpSpPr/>
-        <p:nvPr/>
-      </p:nvGrpSpPr>
-      <p:grpSpPr>
-        <a:xfrm>
-          <a:off x="0" y="0"/>
-          <a:ext cx="0" cy="0"/>
-          <a:chOff x="0" y="0"/>
-          <a:chExt cx="0" cy="0"/>
-        </a:xfrm>
-      </p:grpSpPr>
-      <p:sp>
-        <p:nvSpPr>
-          <p:cNvPr id="2" name="Title 1">
-            <a:extLst>
-              <a:ext uri="{FF2B5EF4-FFF2-40B4-BE49-F238E27FC236}">
-                <a16:creationId xmlns:a16="http://schemas.microsoft.com/office/drawing/2014/main" id="{74E01D7E-5FDB-41C2-9D20-7C9077ACA07D}"/>
-              </a:ext>
-            </a:extLst>
-          </p:cNvPr>
-          <p:cNvSpPr>
-            <a:spLocks noGrp="1"/>
-          </p:cNvSpPr>
-          <p:nvPr>
-            <p:ph type="title"/>
-          </p:nvPr>
-        </p:nvSpPr>
-        <p:spPr>
-          <a:xfrm>
-            <a:off x="0" y="2348880"/>
-            <a:ext cx="12188825" cy="864096"/>
-          </a:xfrm>
-        </p:spPr>
-        <p:txBody>
-          <a:bodyPr/>
-          <a:lstStyle/>
-          <a:p>
-            <a:pPr algn="ctr"/>
-            <a:r>
-              <a:rPr lang="en-US" err="1">
-                <a:solidFill>
-                  <a:schemeClr val="bg1"/>
-                </a:solidFill>
-              </a:rPr>
-              <a:t>Em</a:t>
-            </a:r>
-            <a:r>
-              <a:rPr lang="en-US">
-                <a:solidFill>
-                  <a:schemeClr val="bg1"/>
-                </a:solidFill>
-              </a:rPr>
-              <a:t> </a:t>
-            </a:r>
-            <a:r>
-              <a:rPr lang="en-US" err="1">
-                <a:solidFill>
-                  <a:schemeClr val="bg1"/>
-                </a:solidFill>
-              </a:rPr>
-              <a:t>xin</a:t>
-            </a:r>
-            <a:r>
-              <a:rPr lang="en-US">
-                <a:solidFill>
-                  <a:schemeClr val="bg1"/>
-                </a:solidFill>
-              </a:rPr>
-              <a:t> </a:t>
-            </a:r>
-            <a:r>
-              <a:rPr lang="en-US" err="1">
-                <a:solidFill>
-                  <a:schemeClr val="bg1"/>
-                </a:solidFill>
-              </a:rPr>
-              <a:t>cảm</a:t>
-            </a:r>
-            <a:r>
-              <a:rPr lang="en-US">
-                <a:solidFill>
-                  <a:schemeClr val="bg1"/>
-                </a:solidFill>
-              </a:rPr>
-              <a:t> </a:t>
-            </a:r>
-            <a:r>
-              <a:rPr lang="en-US" err="1">
-                <a:solidFill>
-                  <a:schemeClr val="bg1"/>
-                </a:solidFill>
-              </a:rPr>
-              <a:t>ơn</a:t>
-            </a:r>
-            <a:r>
-              <a:rPr lang="en-US">
-                <a:solidFill>
-                  <a:schemeClr val="bg1"/>
-                </a:solidFill>
-              </a:rPr>
-              <a:t> </a:t>
-            </a:r>
-            <a:r>
-              <a:rPr lang="en-US" err="1">
-                <a:solidFill>
-                  <a:schemeClr val="bg1"/>
-                </a:solidFill>
-              </a:rPr>
-              <a:t>các</a:t>
-            </a:r>
-            <a:r>
-              <a:rPr lang="en-US">
-                <a:solidFill>
-                  <a:schemeClr val="bg1"/>
-                </a:solidFill>
-              </a:rPr>
-              <a:t> </a:t>
-            </a:r>
-            <a:r>
-              <a:rPr lang="en-US" err="1">
-                <a:solidFill>
-                  <a:schemeClr val="bg1"/>
-                </a:solidFill>
-              </a:rPr>
-              <a:t>thầy</a:t>
-            </a:r>
-            <a:r>
-              <a:rPr lang="en-US">
-                <a:solidFill>
-                  <a:schemeClr val="bg1"/>
-                </a:solidFill>
-              </a:rPr>
-              <a:t> </a:t>
-            </a:r>
-            <a:r>
-              <a:rPr lang="en-US" err="1">
-                <a:solidFill>
-                  <a:schemeClr val="bg1"/>
-                </a:solidFill>
-              </a:rPr>
-              <a:t>cô</a:t>
-            </a:r>
-            <a:r>
-              <a:rPr lang="en-US">
-                <a:solidFill>
-                  <a:schemeClr val="bg1"/>
-                </a:solidFill>
-              </a:rPr>
-              <a:t> </a:t>
-            </a:r>
-            <a:r>
-              <a:rPr lang="en-US" err="1">
-                <a:solidFill>
-                  <a:schemeClr val="bg1"/>
-                </a:solidFill>
-              </a:rPr>
-              <a:t>đã</a:t>
-            </a:r>
-            <a:r>
-              <a:rPr lang="en-US">
-                <a:solidFill>
-                  <a:schemeClr val="bg1"/>
-                </a:solidFill>
-              </a:rPr>
-              <a:t> </a:t>
-            </a:r>
-            <a:r>
-              <a:rPr lang="en-US" err="1">
-                <a:solidFill>
-                  <a:schemeClr val="bg1"/>
-                </a:solidFill>
-              </a:rPr>
-              <a:t>lắng</a:t>
-            </a:r>
-            <a:r>
-              <a:rPr lang="en-US">
-                <a:solidFill>
-                  <a:schemeClr val="bg1"/>
-                </a:solidFill>
-              </a:rPr>
-              <a:t> </a:t>
-            </a:r>
-            <a:r>
-              <a:rPr lang="en-US" err="1">
-                <a:solidFill>
-                  <a:schemeClr val="bg1"/>
-                </a:solidFill>
-              </a:rPr>
-              <a:t>nghe</a:t>
-            </a:r>
-            <a:endParaRPr lang="en-US">
-              <a:solidFill>
-                <a:schemeClr val="bg1"/>
-              </a:solidFill>
-            </a:endParaRPr>
-          </a:p>
-        </p:txBody>
-      </p:sp>
-      <p:sp>
-        <p:nvSpPr>
-          <p:cNvPr id="3" name="Footer Placeholder 2">
-            <a:extLst>
-              <a:ext uri="{FF2B5EF4-FFF2-40B4-BE49-F238E27FC236}">
-                <a16:creationId xmlns:a16="http://schemas.microsoft.com/office/drawing/2014/main" id="{2AE4247F-75FF-4FF1-B783-BE6A8761251B}"/>
-              </a:ext>
-            </a:extLst>
-          </p:cNvPr>
-          <p:cNvSpPr>
-            <a:spLocks noGrp="1"/>
-          </p:cNvSpPr>
-          <p:nvPr>
-            <p:ph type="ftr" sz="quarter" idx="11"/>
-          </p:nvPr>
-        </p:nvSpPr>
-        <p:spPr/>
-        <p:txBody>
-          <a:bodyPr/>
-          <a:lstStyle/>
-          <a:p>
-            <a:r>
-              <a:rPr lang="en-US"/>
-              <a:t>1</a:t>
-            </a:r>
-          </a:p>
-        </p:txBody>
-      </p:sp>
-      <p:sp>
-        <p:nvSpPr>
-          <p:cNvPr id="4" name="Slide Number Placeholder 3">
-            <a:extLst>
-              <a:ext uri="{FF2B5EF4-FFF2-40B4-BE49-F238E27FC236}">
-                <a16:creationId xmlns:a16="http://schemas.microsoft.com/office/drawing/2014/main" id="{9CB1071B-E4FF-4188-9B70-5487327997E9}"/>
-              </a:ext>
-            </a:extLst>
-          </p:cNvPr>
-          <p:cNvSpPr>
-            <a:spLocks noGrp="1"/>
-          </p:cNvSpPr>
-          <p:nvPr>
-            <p:ph type="sldNum" sz="quarter" idx="12"/>
-          </p:nvPr>
-        </p:nvSpPr>
-        <p:spPr/>
-        <p:txBody>
-          <a:bodyPr/>
-          <a:lstStyle/>
-          <a:p>
-            <a:fld id="{C014DD1E-5D91-48A3-AD6D-45FBA980D106}" type="slidenum">
-              <a:rPr lang="en-US" smtClean="0"/>
-              <a:t>20</a:t>
-            </a:fld>
-            <a:endParaRPr lang="en-US"/>
-          </a:p>
-        </p:txBody>
-      </p:sp>
-      <p:sp>
-        <p:nvSpPr>
-          <p:cNvPr id="5" name="TextBox 4">
-            <a:extLst>
-              <a:ext uri="{FF2B5EF4-FFF2-40B4-BE49-F238E27FC236}">
-                <a16:creationId xmlns:a16="http://schemas.microsoft.com/office/drawing/2014/main" id="{CF69EE41-401E-49EA-8041-37AE67150AD6}"/>
-              </a:ext>
-            </a:extLst>
-          </p:cNvPr>
-          <p:cNvSpPr txBox="1"/>
-          <p:nvPr/>
-        </p:nvSpPr>
-        <p:spPr>
-          <a:xfrm>
-            <a:off x="8110636" y="3573016"/>
-            <a:ext cx="3096344" cy="830997"/>
-          </a:xfrm>
-          <a:prstGeom prst="rect">
-            <a:avLst/>
-          </a:prstGeom>
-          <a:noFill/>
-        </p:spPr>
-        <p:txBody>
-          <a:bodyPr wrap="square" rtlCol="0">
-            <a:spAutoFit/>
-          </a:bodyPr>
-          <a:lstStyle/>
-          <a:p>
-            <a:r>
-              <a:rPr lang="en-US" sz="2000" err="1">
-                <a:solidFill>
-                  <a:schemeClr val="bg1"/>
-                </a:solidFill>
-              </a:rPr>
-              <a:t>Sinh</a:t>
-            </a:r>
-            <a:r>
-              <a:rPr lang="en-US" sz="2000">
-                <a:solidFill>
-                  <a:schemeClr val="bg1"/>
-                </a:solidFill>
-              </a:rPr>
-              <a:t> </a:t>
-            </a:r>
-            <a:r>
-              <a:rPr lang="en-US" sz="2000" err="1">
-                <a:solidFill>
-                  <a:schemeClr val="bg1"/>
-                </a:solidFill>
-              </a:rPr>
-              <a:t>viên</a:t>
-            </a:r>
-            <a:br>
-              <a:rPr lang="en-US" sz="2800">
-                <a:solidFill>
-                  <a:schemeClr val="bg1"/>
-                </a:solidFill>
-              </a:rPr>
-            </a:br>
-            <a:r>
-              <a:rPr lang="en-US" sz="2800">
-                <a:solidFill>
-                  <a:schemeClr val="bg1"/>
-                </a:solidFill>
-              </a:rPr>
-              <a:t>Lê Công </a:t>
-            </a:r>
-            <a:r>
-              <a:rPr lang="en-US" sz="2800" err="1">
-                <a:solidFill>
-                  <a:schemeClr val="bg1"/>
-                </a:solidFill>
-              </a:rPr>
-              <a:t>Kỳ</a:t>
-            </a:r>
-            <a:endParaRPr lang="en-US" sz="2800">
-              <a:solidFill>
-                <a:schemeClr val="bg1"/>
-              </a:solidFill>
-            </a:endParaRPr>
-          </a:p>
-        </p:txBody>
-      </p:sp>
-    </p:spTree>
-    <p:extLst>
-      <p:ext uri="{BB962C8B-B14F-4D97-AF65-F5344CB8AC3E}">
-        <p14:creationId xmlns:p14="http://schemas.microsoft.com/office/powerpoint/2010/main" val="2401278850"/>
       </p:ext>
     </p:extLst>
   </p:cSld>
@@ -18501,8 +18660,8 @@
         </p:nvSpPr>
         <p:spPr>
           <a:xfrm>
-            <a:off x="4175721" y="2636912"/>
-            <a:ext cx="7992888" cy="720080"/>
+            <a:off x="28095" y="0"/>
+            <a:ext cx="10741556" cy="720080"/>
           </a:xfrm>
         </p:spPr>
         <p:txBody>
@@ -18616,6 +18775,185 @@
               <a:t>xuất</a:t>
             </a:r>
             <a:endParaRPr lang="en-US" sz="4000">
+              <a:solidFill>
+                <a:schemeClr val="bg1"/>
+              </a:solidFill>
+            </a:endParaRPr>
+          </a:p>
+        </p:txBody>
+      </p:sp>
+      <p:sp>
+        <p:nvSpPr>
+          <p:cNvPr id="14" name="Content Placeholder 13"/>
+          <p:cNvSpPr>
+            <a:spLocks noGrp="1"/>
+          </p:cNvSpPr>
+          <p:nvPr>
+            <p:ph idx="1"/>
+          </p:nvPr>
+        </p:nvSpPr>
+        <p:spPr>
+          <a:xfrm>
+            <a:off x="189756" y="836712"/>
+            <a:ext cx="10360501" cy="1728192"/>
+          </a:xfrm>
+        </p:spPr>
+        <p:txBody>
+          <a:bodyPr>
+            <a:normAutofit/>
+          </a:bodyPr>
+          <a:lstStyle/>
+          <a:p>
+            <a:pPr marL="514350" indent="-514350">
+              <a:buClr>
+                <a:schemeClr val="bg1"/>
+              </a:buClr>
+              <a:buFont typeface="+mj-lt"/>
+              <a:buAutoNum type="arabicPeriod"/>
+            </a:pPr>
+            <a:r>
+              <a:rPr lang="en-US" sz="3000" err="1">
+                <a:solidFill>
+                  <a:schemeClr val="bg1"/>
+                </a:solidFill>
+              </a:rPr>
+              <a:t>Giải</a:t>
+            </a:r>
+            <a:r>
+              <a:rPr lang="en-US" sz="3000">
+                <a:solidFill>
+                  <a:schemeClr val="bg1"/>
+                </a:solidFill>
+              </a:rPr>
+              <a:t> </a:t>
+            </a:r>
+            <a:r>
+              <a:rPr lang="en-US" sz="3000" err="1">
+                <a:solidFill>
+                  <a:schemeClr val="bg1"/>
+                </a:solidFill>
+              </a:rPr>
+              <a:t>thuật</a:t>
+            </a:r>
+            <a:r>
+              <a:rPr lang="en-US" sz="3000">
+                <a:solidFill>
+                  <a:schemeClr val="bg1"/>
+                </a:solidFill>
+              </a:rPr>
+              <a:t> </a:t>
+            </a:r>
+            <a:r>
+              <a:rPr lang="en-US" sz="3000" err="1">
+                <a:solidFill>
+                  <a:schemeClr val="bg1"/>
+                </a:solidFill>
+              </a:rPr>
+              <a:t>cắt</a:t>
+            </a:r>
+            <a:r>
+              <a:rPr lang="en-US" sz="3000">
+                <a:solidFill>
+                  <a:schemeClr val="bg1"/>
+                </a:solidFill>
+              </a:rPr>
+              <a:t> </a:t>
+            </a:r>
+            <a:r>
+              <a:rPr lang="en-US" sz="3000" err="1">
+                <a:solidFill>
+                  <a:schemeClr val="bg1"/>
+                </a:solidFill>
+              </a:rPr>
+              <a:t>nhanh</a:t>
+            </a:r>
+            <a:endParaRPr lang="en-US" sz="3000">
+              <a:solidFill>
+                <a:schemeClr val="bg1"/>
+              </a:solidFill>
+            </a:endParaRPr>
+          </a:p>
+          <a:p>
+            <a:pPr marL="514350" indent="-514350">
+              <a:buClr>
+                <a:schemeClr val="bg1"/>
+              </a:buClr>
+              <a:buFont typeface="+mj-lt"/>
+              <a:buAutoNum type="arabicPeriod"/>
+            </a:pPr>
+            <a:r>
+              <a:rPr lang="en-US" sz="3000" err="1">
+                <a:solidFill>
+                  <a:schemeClr val="bg1"/>
+                </a:solidFill>
+              </a:rPr>
+              <a:t>Giải</a:t>
+            </a:r>
+            <a:r>
+              <a:rPr lang="en-US" sz="3000">
+                <a:solidFill>
+                  <a:schemeClr val="bg1"/>
+                </a:solidFill>
+              </a:rPr>
+              <a:t> </a:t>
+            </a:r>
+            <a:r>
+              <a:rPr lang="en-US" sz="3000" err="1">
+                <a:solidFill>
+                  <a:schemeClr val="bg1"/>
+                </a:solidFill>
+              </a:rPr>
+              <a:t>thuật</a:t>
+            </a:r>
+            <a:r>
+              <a:rPr lang="en-US" sz="3000">
+                <a:solidFill>
+                  <a:schemeClr val="bg1"/>
+                </a:solidFill>
+              </a:rPr>
+              <a:t> </a:t>
+            </a:r>
+            <a:r>
+              <a:rPr lang="en-US" sz="3000" err="1">
+                <a:solidFill>
+                  <a:schemeClr val="bg1"/>
+                </a:solidFill>
+              </a:rPr>
+              <a:t>cắt</a:t>
+            </a:r>
+            <a:r>
+              <a:rPr lang="en-US" sz="3000">
+                <a:solidFill>
+                  <a:schemeClr val="bg1"/>
+                </a:solidFill>
+              </a:rPr>
+              <a:t> </a:t>
+            </a:r>
+            <a:r>
+              <a:rPr lang="en-US" sz="3000" err="1">
+                <a:solidFill>
+                  <a:schemeClr val="bg1"/>
+                </a:solidFill>
+              </a:rPr>
+              <a:t>tiết</a:t>
+            </a:r>
+            <a:r>
+              <a:rPr lang="en-US" sz="3000">
+                <a:solidFill>
+                  <a:schemeClr val="bg1"/>
+                </a:solidFill>
+              </a:rPr>
+              <a:t> </a:t>
+            </a:r>
+            <a:r>
+              <a:rPr lang="en-US" sz="3000" err="1">
+                <a:solidFill>
+                  <a:schemeClr val="bg1"/>
+                </a:solidFill>
+              </a:rPr>
+              <a:t>kiệm</a:t>
+            </a:r>
+            <a:endParaRPr lang="en-US" sz="3000">
               <a:solidFill>
                 <a:schemeClr val="bg1"/>
               </a:solidFill>
@@ -18683,7 +19021,7 @@
     </p:spTree>
     <p:extLst>
       <p:ext uri="{BB962C8B-B14F-4D97-AF65-F5344CB8AC3E}">
-        <p14:creationId xmlns:p14="http://schemas.microsoft.com/office/powerpoint/2010/main" val="1293879784"/>
+        <p14:creationId xmlns:p14="http://schemas.microsoft.com/office/powerpoint/2010/main" val="1322178010"/>
       </p:ext>
     </p:extLst>
   </p:cSld>
@@ -18722,406 +19060,6 @@
         </p:nvSpPr>
         <p:spPr>
           <a:xfrm>
-            <a:off x="28095" y="0"/>
-            <a:ext cx="10741556" cy="720080"/>
-          </a:xfrm>
-        </p:spPr>
-        <p:txBody>
-          <a:bodyPr>
-            <a:normAutofit/>
-          </a:bodyPr>
-          <a:lstStyle/>
-          <a:p>
-            <a:r>
-              <a:rPr lang="en-US" sz="4000" err="1">
-                <a:solidFill>
-                  <a:schemeClr val="bg1"/>
-                </a:solidFill>
-              </a:rPr>
-              <a:t>Phần</a:t>
-            </a:r>
-            <a:r>
-              <a:rPr lang="en-US" sz="4000">
-                <a:solidFill>
-                  <a:schemeClr val="bg1"/>
-                </a:solidFill>
-              </a:rPr>
-              <a:t> 2. </a:t>
-            </a:r>
-            <a:r>
-              <a:rPr lang="en-US" sz="4000" err="1">
-                <a:solidFill>
-                  <a:schemeClr val="bg1"/>
-                </a:solidFill>
-              </a:rPr>
-              <a:t>Các</a:t>
-            </a:r>
-            <a:r>
-              <a:rPr lang="en-US" sz="4000">
-                <a:solidFill>
-                  <a:schemeClr val="bg1"/>
-                </a:solidFill>
-              </a:rPr>
-              <a:t> </a:t>
-            </a:r>
-            <a:r>
-              <a:rPr lang="en-US" sz="4000" err="1">
-                <a:solidFill>
-                  <a:schemeClr val="bg1"/>
-                </a:solidFill>
-              </a:rPr>
-              <a:t>giải</a:t>
-            </a:r>
-            <a:r>
-              <a:rPr lang="en-US" sz="4000">
-                <a:solidFill>
-                  <a:schemeClr val="bg1"/>
-                </a:solidFill>
-              </a:rPr>
-              <a:t> </a:t>
-            </a:r>
-            <a:r>
-              <a:rPr lang="en-US" sz="4000" err="1">
-                <a:solidFill>
-                  <a:schemeClr val="bg1"/>
-                </a:solidFill>
-              </a:rPr>
-              <a:t>thuật</a:t>
-            </a:r>
-            <a:r>
-              <a:rPr lang="en-US" sz="4000">
-                <a:solidFill>
-                  <a:schemeClr val="bg1"/>
-                </a:solidFill>
-              </a:rPr>
-              <a:t> </a:t>
-            </a:r>
-            <a:r>
-              <a:rPr lang="en-US" sz="4000" err="1">
-                <a:solidFill>
-                  <a:schemeClr val="bg1"/>
-                </a:solidFill>
-              </a:rPr>
-              <a:t>được</a:t>
-            </a:r>
-            <a:r>
-              <a:rPr lang="en-US" sz="4000">
-                <a:solidFill>
-                  <a:schemeClr val="bg1"/>
-                </a:solidFill>
-              </a:rPr>
-              <a:t> </a:t>
-            </a:r>
-            <a:r>
-              <a:rPr lang="en-US" sz="4000" err="1">
-                <a:solidFill>
-                  <a:schemeClr val="bg1"/>
-                </a:solidFill>
-              </a:rPr>
-              <a:t>đề</a:t>
-            </a:r>
-            <a:r>
-              <a:rPr lang="en-US" sz="4000">
-                <a:solidFill>
-                  <a:schemeClr val="bg1"/>
-                </a:solidFill>
-              </a:rPr>
-              <a:t> </a:t>
-            </a:r>
-            <a:r>
-              <a:rPr lang="en-US" sz="4000" err="1">
-                <a:solidFill>
-                  <a:schemeClr val="bg1"/>
-                </a:solidFill>
-              </a:rPr>
-              <a:t>xuất</a:t>
-            </a:r>
-            <a:endParaRPr lang="en-US" sz="4000">
-              <a:solidFill>
-                <a:schemeClr val="bg1"/>
-              </a:solidFill>
-            </a:endParaRPr>
-          </a:p>
-        </p:txBody>
-      </p:sp>
-      <p:sp>
-        <p:nvSpPr>
-          <p:cNvPr id="14" name="Content Placeholder 13"/>
-          <p:cNvSpPr>
-            <a:spLocks noGrp="1"/>
-          </p:cNvSpPr>
-          <p:nvPr>
-            <p:ph idx="1"/>
-          </p:nvPr>
-        </p:nvSpPr>
-        <p:spPr>
-          <a:xfrm>
-            <a:off x="189756" y="836712"/>
-            <a:ext cx="10360501" cy="1728192"/>
-          </a:xfrm>
-        </p:spPr>
-        <p:txBody>
-          <a:bodyPr>
-            <a:normAutofit/>
-          </a:bodyPr>
-          <a:lstStyle/>
-          <a:p>
-            <a:pPr marL="514350" indent="-514350">
-              <a:buClr>
-                <a:schemeClr val="bg1"/>
-              </a:buClr>
-              <a:buFont typeface="+mj-lt"/>
-              <a:buAutoNum type="arabicPeriod"/>
-            </a:pPr>
-            <a:r>
-              <a:rPr lang="en-US" sz="3000" err="1">
-                <a:solidFill>
-                  <a:schemeClr val="bg1"/>
-                </a:solidFill>
-              </a:rPr>
-              <a:t>Giải</a:t>
-            </a:r>
-            <a:r>
-              <a:rPr lang="en-US" sz="3000">
-                <a:solidFill>
-                  <a:schemeClr val="bg1"/>
-                </a:solidFill>
-              </a:rPr>
-              <a:t> </a:t>
-            </a:r>
-            <a:r>
-              <a:rPr lang="en-US" sz="3000" err="1">
-                <a:solidFill>
-                  <a:schemeClr val="bg1"/>
-                </a:solidFill>
-              </a:rPr>
-              <a:t>thuật</a:t>
-            </a:r>
-            <a:r>
-              <a:rPr lang="en-US" sz="3000">
-                <a:solidFill>
-                  <a:schemeClr val="bg1"/>
-                </a:solidFill>
-              </a:rPr>
-              <a:t> </a:t>
-            </a:r>
-            <a:r>
-              <a:rPr lang="en-US" sz="3000" err="1">
-                <a:solidFill>
-                  <a:schemeClr val="bg1"/>
-                </a:solidFill>
-              </a:rPr>
-              <a:t>cắt</a:t>
-            </a:r>
-            <a:r>
-              <a:rPr lang="en-US" sz="3000">
-                <a:solidFill>
-                  <a:schemeClr val="bg1"/>
-                </a:solidFill>
-              </a:rPr>
-              <a:t> </a:t>
-            </a:r>
-            <a:r>
-              <a:rPr lang="en-US" sz="3000" err="1">
-                <a:solidFill>
-                  <a:schemeClr val="bg1"/>
-                </a:solidFill>
-              </a:rPr>
-              <a:t>nhanh</a:t>
-            </a:r>
-            <a:endParaRPr lang="en-US" sz="3000">
-              <a:solidFill>
-                <a:schemeClr val="bg1"/>
-              </a:solidFill>
-            </a:endParaRPr>
-          </a:p>
-          <a:p>
-            <a:pPr marL="514350" indent="-514350">
-              <a:buClr>
-                <a:schemeClr val="bg1"/>
-              </a:buClr>
-              <a:buFont typeface="+mj-lt"/>
-              <a:buAutoNum type="arabicPeriod"/>
-            </a:pPr>
-            <a:r>
-              <a:rPr lang="en-US" sz="3000" err="1">
-                <a:solidFill>
-                  <a:schemeClr val="bg1"/>
-                </a:solidFill>
-              </a:rPr>
-              <a:t>Giải</a:t>
-            </a:r>
-            <a:r>
-              <a:rPr lang="en-US" sz="3000">
-                <a:solidFill>
-                  <a:schemeClr val="bg1"/>
-                </a:solidFill>
-              </a:rPr>
-              <a:t> </a:t>
-            </a:r>
-            <a:r>
-              <a:rPr lang="en-US" sz="3000" err="1">
-                <a:solidFill>
-                  <a:schemeClr val="bg1"/>
-                </a:solidFill>
-              </a:rPr>
-              <a:t>thuật</a:t>
-            </a:r>
-            <a:r>
-              <a:rPr lang="en-US" sz="3000">
-                <a:solidFill>
-                  <a:schemeClr val="bg1"/>
-                </a:solidFill>
-              </a:rPr>
-              <a:t> </a:t>
-            </a:r>
-            <a:r>
-              <a:rPr lang="en-US" sz="3000" err="1">
-                <a:solidFill>
-                  <a:schemeClr val="bg1"/>
-                </a:solidFill>
-              </a:rPr>
-              <a:t>cắt</a:t>
-            </a:r>
-            <a:r>
-              <a:rPr lang="en-US" sz="3000">
-                <a:solidFill>
-                  <a:schemeClr val="bg1"/>
-                </a:solidFill>
-              </a:rPr>
-              <a:t> </a:t>
-            </a:r>
-            <a:r>
-              <a:rPr lang="en-US" sz="3000" err="1">
-                <a:solidFill>
-                  <a:schemeClr val="bg1"/>
-                </a:solidFill>
-              </a:rPr>
-              <a:t>tiết</a:t>
-            </a:r>
-            <a:r>
-              <a:rPr lang="en-US" sz="3000">
-                <a:solidFill>
-                  <a:schemeClr val="bg1"/>
-                </a:solidFill>
-              </a:rPr>
-              <a:t> </a:t>
-            </a:r>
-            <a:r>
-              <a:rPr lang="en-US" sz="3000" err="1">
-                <a:solidFill>
-                  <a:schemeClr val="bg1"/>
-                </a:solidFill>
-              </a:rPr>
-              <a:t>kiệm</a:t>
-            </a:r>
-            <a:endParaRPr lang="en-US" sz="3000">
-              <a:solidFill>
-                <a:schemeClr val="bg1"/>
-              </a:solidFill>
-            </a:endParaRPr>
-          </a:p>
-        </p:txBody>
-      </p:sp>
-      <p:sp>
-        <p:nvSpPr>
-          <p:cNvPr id="2" name="Footer Placeholder 1">
-            <a:extLst>
-              <a:ext uri="{FF2B5EF4-FFF2-40B4-BE49-F238E27FC236}">
-                <a16:creationId xmlns:a16="http://schemas.microsoft.com/office/drawing/2014/main" id="{A3E348B3-806D-44F6-B33B-31D25F1D9CED}"/>
-              </a:ext>
-            </a:extLst>
-          </p:cNvPr>
-          <p:cNvSpPr>
-            <a:spLocks noGrp="1"/>
-          </p:cNvSpPr>
-          <p:nvPr>
-            <p:ph type="ftr" sz="quarter" idx="11"/>
-          </p:nvPr>
-        </p:nvSpPr>
-        <p:spPr/>
-        <p:txBody>
-          <a:bodyPr/>
-          <a:lstStyle/>
-          <a:p>
-            <a:r>
-              <a:rPr lang="en-US"/>
-              <a:t>1</a:t>
-            </a:r>
-          </a:p>
-        </p:txBody>
-      </p:sp>
-      <p:sp>
-        <p:nvSpPr>
-          <p:cNvPr id="3" name="Slide Number Placeholder 2">
-            <a:extLst>
-              <a:ext uri="{FF2B5EF4-FFF2-40B4-BE49-F238E27FC236}">
-                <a16:creationId xmlns:a16="http://schemas.microsoft.com/office/drawing/2014/main" id="{06453EC8-E244-4FF2-839A-F6D9DEE9171C}"/>
-              </a:ext>
-            </a:extLst>
-          </p:cNvPr>
-          <p:cNvSpPr>
-            <a:spLocks noGrp="1"/>
-          </p:cNvSpPr>
-          <p:nvPr>
-            <p:ph type="sldNum" sz="quarter" idx="12"/>
-          </p:nvPr>
-        </p:nvSpPr>
-        <p:spPr/>
-        <p:txBody>
-          <a:bodyPr/>
-          <a:lstStyle/>
-          <a:p>
-            <a:fld id="{C014DD1E-5D91-48A3-AD6D-45FBA980D106}" type="slidenum">
-              <a:rPr lang="en-US" smtClean="0"/>
-              <a:t>6</a:t>
-            </a:fld>
-            <a:endParaRPr lang="en-US"/>
-          </a:p>
-        </p:txBody>
-      </p:sp>
-    </p:spTree>
-    <p:extLst>
-      <p:ext uri="{BB962C8B-B14F-4D97-AF65-F5344CB8AC3E}">
-        <p14:creationId xmlns:p14="http://schemas.microsoft.com/office/powerpoint/2010/main" val="1322178010"/>
-      </p:ext>
-    </p:extLst>
-  </p:cSld>
-  <p:clrMapOvr>
-    <a:masterClrMapping/>
-  </p:clrMapOvr>
-</p:sld>
-</file>
-
-<file path=ppt/slides/slide7.xml><?xml version="1.0" encoding="utf-8"?>
-<p:sld xmlns:a="http://schemas.openxmlformats.org/drawingml/2006/main" xmlns:r="http://schemas.openxmlformats.org/officeDocument/2006/relationships" xmlns:p="http://schemas.openxmlformats.org/presentationml/2006/main" showMasterSp="0">
-  <p:cSld>
-    <p:spTree>
-      <p:nvGrpSpPr>
-        <p:cNvPr id="1" name=""/>
-        <p:cNvGrpSpPr/>
-        <p:nvPr/>
-      </p:nvGrpSpPr>
-      <p:grpSpPr>
-        <a:xfrm>
-          <a:off x="0" y="0"/>
-          <a:ext cx="0" cy="0"/>
-          <a:chOff x="0" y="0"/>
-          <a:chExt cx="0" cy="0"/>
-        </a:xfrm>
-      </p:grpSpPr>
-      <p:sp>
-        <p:nvSpPr>
-          <p:cNvPr id="13" name="Title 12"/>
-          <p:cNvSpPr>
-            <a:spLocks noGrp="1"/>
-          </p:cNvSpPr>
-          <p:nvPr>
-            <p:ph type="title"/>
-          </p:nvPr>
-        </p:nvSpPr>
-        <p:spPr>
-          <a:xfrm>
             <a:off x="-15227" y="0"/>
             <a:ext cx="6541687" cy="1196751"/>
           </a:xfrm>
@@ -19278,7 +19216,7 @@
           <a:p>
             <a:fld id="{C014DD1E-5D91-48A3-AD6D-45FBA980D106}" type="slidenum">
               <a:rPr lang="en-US" smtClean="0"/>
-              <a:t>7</a:t>
+              <a:t>6</a:t>
             </a:fld>
             <a:endParaRPr lang="en-US"/>
           </a:p>
@@ -19333,7 +19271,7 @@
 </p:sld>
 </file>
 
-<file path=ppt/slides/slide8.xml><?xml version="1.0" encoding="utf-8"?>
+<file path=ppt/slides/slide7.xml><?xml version="1.0" encoding="utf-8"?>
 <p:sld xmlns:a="http://schemas.openxmlformats.org/drawingml/2006/main" xmlns:r="http://schemas.openxmlformats.org/officeDocument/2006/relationships" xmlns:p="http://schemas.openxmlformats.org/presentationml/2006/main" showMasterSp="0">
   <p:cSld>
     <p:spTree>
@@ -19446,7 +19384,7 @@
           <a:p>
             <a:fld id="{C014DD1E-5D91-48A3-AD6D-45FBA980D106}" type="slidenum">
               <a:rPr lang="en-US" smtClean="0"/>
-              <a:t>8</a:t>
+              <a:t>7</a:t>
             </a:fld>
             <a:endParaRPr lang="en-US"/>
           </a:p>
@@ -19501,7 +19439,7 @@
 </p:sld>
 </file>
 
-<file path=ppt/slides/slide9.xml><?xml version="1.0" encoding="utf-8"?>
+<file path=ppt/slides/slide8.xml><?xml version="1.0" encoding="utf-8"?>
 <p:sld xmlns:a="http://schemas.openxmlformats.org/drawingml/2006/main" xmlns:r="http://schemas.openxmlformats.org/officeDocument/2006/relationships" xmlns:p="http://schemas.openxmlformats.org/presentationml/2006/main" showMasterSp="0">
   <p:cSld>
     <p:spTree>
@@ -19682,7 +19620,7 @@
           <a:p>
             <a:fld id="{C014DD1E-5D91-48A3-AD6D-45FBA980D106}" type="slidenum">
               <a:rPr lang="en-US" smtClean="0"/>
-              <a:t>9</a:t>
+              <a:t>8</a:t>
             </a:fld>
             <a:endParaRPr lang="en-US"/>
           </a:p>
@@ -19727,6 +19665,214 @@
     <p:extLst>
       <p:ext uri="{BB962C8B-B14F-4D97-AF65-F5344CB8AC3E}">
         <p14:creationId xmlns:p14="http://schemas.microsoft.com/office/powerpoint/2010/main" val="3853744751"/>
+      </p:ext>
+    </p:extLst>
+  </p:cSld>
+  <p:clrMapOvr>
+    <a:masterClrMapping/>
+  </p:clrMapOvr>
+</p:sld>
+</file>
+
+<file path=ppt/slides/slide9.xml><?xml version="1.0" encoding="utf-8"?>
+<p:sld xmlns:a="http://schemas.openxmlformats.org/drawingml/2006/main" xmlns:r="http://schemas.openxmlformats.org/officeDocument/2006/relationships" xmlns:p="http://schemas.openxmlformats.org/presentationml/2006/main" showMasterSp="0">
+  <p:cSld>
+    <p:spTree>
+      <p:nvGrpSpPr>
+        <p:cNvPr id="1" name=""/>
+        <p:cNvGrpSpPr/>
+        <p:nvPr/>
+      </p:nvGrpSpPr>
+      <p:grpSpPr>
+        <a:xfrm>
+          <a:off x="0" y="0"/>
+          <a:ext cx="0" cy="0"/>
+          <a:chOff x="0" y="0"/>
+          <a:chExt cx="0" cy="0"/>
+        </a:xfrm>
+      </p:grpSpPr>
+      <p:sp>
+        <p:nvSpPr>
+          <p:cNvPr id="13" name="Title 12"/>
+          <p:cNvSpPr>
+            <a:spLocks noGrp="1"/>
+          </p:cNvSpPr>
+          <p:nvPr>
+            <p:ph type="title"/>
+          </p:nvPr>
+        </p:nvSpPr>
+        <p:spPr>
+          <a:xfrm>
+            <a:off x="4672" y="0"/>
+            <a:ext cx="4145524" cy="648072"/>
+          </a:xfrm>
+        </p:spPr>
+        <p:txBody>
+          <a:bodyPr>
+            <a:noAutofit/>
+          </a:bodyPr>
+          <a:lstStyle/>
+          <a:p>
+            <a:r>
+              <a:rPr lang="en-US" sz="4000" err="1">
+                <a:solidFill>
+                  <a:schemeClr val="bg1"/>
+                </a:solidFill>
+              </a:rPr>
+              <a:t>Khởi</a:t>
+            </a:r>
+            <a:r>
+              <a:rPr lang="en-US" sz="4000">
+                <a:solidFill>
+                  <a:schemeClr val="bg1"/>
+                </a:solidFill>
+              </a:rPr>
+              <a:t> </a:t>
+            </a:r>
+            <a:r>
+              <a:rPr lang="en-US" sz="4000" err="1">
+                <a:solidFill>
+                  <a:schemeClr val="bg1"/>
+                </a:solidFill>
+              </a:rPr>
+              <a:t>tạo</a:t>
+            </a:r>
+            <a:r>
+              <a:rPr lang="en-US" sz="4000">
+                <a:solidFill>
+                  <a:schemeClr val="bg1"/>
+                </a:solidFill>
+              </a:rPr>
+              <a:t> </a:t>
+            </a:r>
+            <a:r>
+              <a:rPr lang="en-US" sz="4000" err="1">
+                <a:solidFill>
+                  <a:schemeClr val="bg1"/>
+                </a:solidFill>
+              </a:rPr>
+              <a:t>quần</a:t>
+            </a:r>
+            <a:r>
+              <a:rPr lang="en-US" sz="4000">
+                <a:solidFill>
+                  <a:schemeClr val="bg1"/>
+                </a:solidFill>
+              </a:rPr>
+              <a:t> </a:t>
+            </a:r>
+            <a:r>
+              <a:rPr lang="en-US" sz="4000" err="1">
+                <a:solidFill>
+                  <a:schemeClr val="bg1"/>
+                </a:solidFill>
+              </a:rPr>
+              <a:t>thể</a:t>
+            </a:r>
+            <a:endParaRPr lang="en-US" sz="4000">
+              <a:solidFill>
+                <a:schemeClr val="bg1"/>
+              </a:solidFill>
+            </a:endParaRPr>
+          </a:p>
+        </p:txBody>
+      </p:sp>
+      <p:sp>
+        <p:nvSpPr>
+          <p:cNvPr id="2" name="Footer Placeholder 1">
+            <a:extLst>
+              <a:ext uri="{FF2B5EF4-FFF2-40B4-BE49-F238E27FC236}">
+                <a16:creationId xmlns:a16="http://schemas.microsoft.com/office/drawing/2014/main" id="{A8734708-86BC-44B1-993B-9F592D812F92}"/>
+              </a:ext>
+            </a:extLst>
+          </p:cNvPr>
+          <p:cNvSpPr>
+            <a:spLocks noGrp="1"/>
+          </p:cNvSpPr>
+          <p:nvPr>
+            <p:ph type="ftr" sz="quarter" idx="11"/>
+          </p:nvPr>
+        </p:nvSpPr>
+        <p:spPr/>
+        <p:txBody>
+          <a:bodyPr/>
+          <a:lstStyle/>
+          <a:p>
+            <a:r>
+              <a:rPr lang="en-US"/>
+              <a:t>1</a:t>
+            </a:r>
+          </a:p>
+        </p:txBody>
+      </p:sp>
+      <p:sp>
+        <p:nvSpPr>
+          <p:cNvPr id="3" name="Slide Number Placeholder 2">
+            <a:extLst>
+              <a:ext uri="{FF2B5EF4-FFF2-40B4-BE49-F238E27FC236}">
+                <a16:creationId xmlns:a16="http://schemas.microsoft.com/office/drawing/2014/main" id="{0D8F240C-737A-42E4-876C-4C19D5EFF922}"/>
+              </a:ext>
+            </a:extLst>
+          </p:cNvPr>
+          <p:cNvSpPr>
+            <a:spLocks noGrp="1"/>
+          </p:cNvSpPr>
+          <p:nvPr>
+            <p:ph type="sldNum" sz="quarter" idx="12"/>
+          </p:nvPr>
+        </p:nvSpPr>
+        <p:spPr/>
+        <p:txBody>
+          <a:bodyPr/>
+          <a:lstStyle/>
+          <a:p>
+            <a:fld id="{C014DD1E-5D91-48A3-AD6D-45FBA980D106}" type="slidenum">
+              <a:rPr lang="en-US" smtClean="0"/>
+              <a:t>9</a:t>
+            </a:fld>
+            <a:endParaRPr lang="en-US"/>
+          </a:p>
+        </p:txBody>
+      </p:sp>
+      <p:pic>
+        <p:nvPicPr>
+          <p:cNvPr id="8" name="Content Placeholder 7">
+            <a:extLst>
+              <a:ext uri="{FF2B5EF4-FFF2-40B4-BE49-F238E27FC236}">
+                <a16:creationId xmlns:a16="http://schemas.microsoft.com/office/drawing/2014/main" id="{78D790F0-D841-4593-B87C-9C3E29B170FD}"/>
+              </a:ext>
+            </a:extLst>
+          </p:cNvPr>
+          <p:cNvPicPr>
+            <a:picLocks noGrp="1" noChangeAspect="1"/>
+          </p:cNvPicPr>
+          <p:nvPr>
+            <p:ph sz="quarter" idx="4"/>
+          </p:nvPr>
+        </p:nvPicPr>
+        <p:blipFill>
+          <a:blip r:embed="rId3">
+            <a:extLst>
+              <a:ext uri="{28A0092B-C50C-407E-A947-70E740481C1C}">
+                <a14:useLocalDpi xmlns:a14="http://schemas.microsoft.com/office/drawing/2010/main" val="0"/>
+              </a:ext>
+            </a:extLst>
+          </a:blip>
+          <a:stretch>
+            <a:fillRect/>
+          </a:stretch>
+        </p:blipFill>
+        <p:spPr>
+          <a:xfrm>
+            <a:off x="3934173" y="0"/>
+            <a:ext cx="8208912" cy="6669360"/>
+          </a:xfrm>
+        </p:spPr>
+      </p:pic>
+    </p:spTree>
+    <p:extLst>
+      <p:ext uri="{BB962C8B-B14F-4D97-AF65-F5344CB8AC3E}">
+        <p14:creationId xmlns:p14="http://schemas.microsoft.com/office/powerpoint/2010/main" val="1769573283"/>
       </p:ext>
     </p:extLst>
   </p:cSld>
@@ -20687,15 +20833,6 @@
 </file>
 
 <file path=customXml/item1.xml><?xml version="1.0" encoding="utf-8"?>
-<?mso-contentType ?>
-<FormTemplates xmlns="http://schemas.microsoft.com/sharepoint/v3/contenttype/forms">
-  <Display>DocumentLibraryForm</Display>
-  <Edit>AssetEditForm</Edit>
-  <New>DocumentLibraryForm</New>
-</FormTemplates>
-</file>
-
-<file path=customXml/item2.xml><?xml version="1.0" encoding="utf-8"?>
 <ct:contentTypeSchema xmlns:ct="http://schemas.microsoft.com/office/2006/metadata/contentType" xmlns:ma="http://schemas.microsoft.com/office/2006/metadata/properties/metaAttributes" ct:_="" ma:_="" ma:contentTypeName="TemplateFile" ma:contentTypeID="0x0101006EDDDB5EE6D98C44930B742096920B300400F5B6D36B3EF94B4E9A635CDF2A18F5B8" ma:contentTypeVersion="72" ma:contentTypeDescription="Create a new document." ma:contentTypeScope="" ma:versionID="a23e56308344d904b51738559c3d67c9">
   <xsd:schema xmlns:xsd="http://www.w3.org/2001/XMLSchema" xmlns:xs="http://www.w3.org/2001/XMLSchema" xmlns:p="http://schemas.microsoft.com/office/2006/metadata/properties" xmlns:ns2="4873beb7-5857-4685-be1f-d57550cc96cc" targetNamespace="http://schemas.microsoft.com/office/2006/metadata/properties" ma:root="true" ma:fieldsID="cd0908cc4600e77bf5da051303e00c8d" ns2:_="">
     <xsd:import namespace="4873beb7-5857-4685-be1f-d57550cc96cc"/>
@@ -21735,6 +21872,15 @@
 </ct:contentTypeSchema>
 </file>
 
+<file path=customXml/item2.xml><?xml version="1.0" encoding="utf-8"?>
+<?mso-contentType ?>
+<FormTemplates xmlns="http://schemas.microsoft.com/sharepoint/v3/contenttype/forms">
+  <Display>DocumentLibraryForm</Display>
+  <Edit>AssetEditForm</Edit>
+  <New>DocumentLibraryForm</New>
+</FormTemplates>
+</file>
+
 <file path=customXml/item3.xml><?xml version="1.0" encoding="utf-8"?>
 <p:properties xmlns:p="http://schemas.microsoft.com/office/2006/metadata/properties" xmlns:xsi="http://www.w3.org/2001/XMLSchema-instance" xmlns:pc="http://schemas.microsoft.com/office/infopath/2007/PartnerControls">
   <documentManagement>
@@ -21872,14 +22018,6 @@
 </file>
 
 <file path=customXml/itemProps1.xml><?xml version="1.0" encoding="utf-8"?>
-<ds:datastoreItem xmlns:ds="http://schemas.openxmlformats.org/officeDocument/2006/customXml" ds:itemID="{3836F65B-1B07-41EE-A0E8-BC6EF3855225}">
-  <ds:schemaRefs>
-    <ds:schemaRef ds:uri="http://schemas.microsoft.com/sharepoint/v3/contenttype/forms"/>
-  </ds:schemaRefs>
-</ds:datastoreItem>
-</file>
-
-<file path=customXml/itemProps2.xml><?xml version="1.0" encoding="utf-8"?>
 <ds:datastoreItem xmlns:ds="http://schemas.openxmlformats.org/officeDocument/2006/customXml" ds:itemID="{A09BF4D4-EF60-4196-BFC3-9462D607978C}">
   <ds:schemaRefs>
     <ds:schemaRef ds:uri="http://schemas.microsoft.com/office/2006/metadata/contentType"/>
@@ -21893,6 +22031,14 @@
     <ds:schemaRef ds:uri="http://purl.org/dc/elements/1.1/"/>
     <ds:schemaRef ds:uri="http://purl.org/dc/terms/"/>
     <ds:schemaRef ds:uri="http://schemas.microsoft.com/internal/obd"/>
+  </ds:schemaRefs>
+</ds:datastoreItem>
+</file>
+
+<file path=customXml/itemProps2.xml><?xml version="1.0" encoding="utf-8"?>
+<ds:datastoreItem xmlns:ds="http://schemas.openxmlformats.org/officeDocument/2006/customXml" ds:itemID="{3836F65B-1B07-41EE-A0E8-BC6EF3855225}">
+  <ds:schemaRefs>
+    <ds:schemaRef ds:uri="http://schemas.microsoft.com/sharepoint/v3/contenttype/forms"/>
   </ds:schemaRefs>
 </ds:datastoreItem>
 </file>

--- a/src/com/duykypaul/kltn/docs/TỰ ĐỘNG LẬP KẾ HOẠCH GIA CÔNG CẮT.pptx
+++ b/src/com/duykypaul/kltn/docs/TỰ ĐỘNG LẬP KẾ HOẠCH GIA CÔNG CẮT.pptx
@@ -5,31 +5,32 @@
     <p:sldMasterId id="2147483660" r:id="rId4"/>
   </p:sldMasterIdLst>
   <p:notesMasterIdLst>
-    <p:notesMasterId r:id="rId24"/>
+    <p:notesMasterId r:id="rId25"/>
   </p:notesMasterIdLst>
   <p:handoutMasterIdLst>
-    <p:handoutMasterId r:id="rId25"/>
+    <p:handoutMasterId r:id="rId26"/>
   </p:handoutMasterIdLst>
   <p:sldIdLst>
     <p:sldId id="257" r:id="rId5"/>
     <p:sldId id="268" r:id="rId6"/>
     <p:sldId id="296" r:id="rId7"/>
     <p:sldId id="288" r:id="rId8"/>
-    <p:sldId id="297" r:id="rId9"/>
-    <p:sldId id="274" r:id="rId10"/>
-    <p:sldId id="291" r:id="rId11"/>
-    <p:sldId id="275" r:id="rId12"/>
-    <p:sldId id="276" r:id="rId13"/>
-    <p:sldId id="280" r:id="rId14"/>
-    <p:sldId id="279" r:id="rId15"/>
-    <p:sldId id="281" r:id="rId16"/>
-    <p:sldId id="283" r:id="rId17"/>
-    <p:sldId id="293" r:id="rId18"/>
-    <p:sldId id="294" r:id="rId19"/>
-    <p:sldId id="295" r:id="rId20"/>
-    <p:sldId id="287" r:id="rId21"/>
-    <p:sldId id="292" r:id="rId22"/>
-    <p:sldId id="282" r:id="rId23"/>
+    <p:sldId id="298" r:id="rId9"/>
+    <p:sldId id="297" r:id="rId10"/>
+    <p:sldId id="274" r:id="rId11"/>
+    <p:sldId id="291" r:id="rId12"/>
+    <p:sldId id="275" r:id="rId13"/>
+    <p:sldId id="276" r:id="rId14"/>
+    <p:sldId id="280" r:id="rId15"/>
+    <p:sldId id="279" r:id="rId16"/>
+    <p:sldId id="281" r:id="rId17"/>
+    <p:sldId id="283" r:id="rId18"/>
+    <p:sldId id="293" r:id="rId19"/>
+    <p:sldId id="294" r:id="rId20"/>
+    <p:sldId id="295" r:id="rId21"/>
+    <p:sldId id="287" r:id="rId22"/>
+    <p:sldId id="292" r:id="rId23"/>
+    <p:sldId id="282" r:id="rId24"/>
   </p:sldIdLst>
   <p:sldSz cx="12188825" cy="6858000"/>
   <p:notesSz cx="6858000" cy="9144000"/>
@@ -243,7 +244,7 @@
           <a:p>
             <a:fld id="{FE5B4EDC-59C0-49C7-8ADA-5A781B329E02}" type="datetimeFigureOut">
               <a:rPr lang="en-US"/>
-              <a:t>6/16/2021</a:t>
+              <a:t>6/17/2021</a:t>
             </a:fld>
             <a:endParaRPr/>
           </a:p>
@@ -408,7 +409,7 @@
           <a:p>
             <a:fld id="{F2D8D46A-B586-417D-BFBD-8C8FE0AAF762}" type="datetimeFigureOut">
               <a:rPr lang="en-US"/>
-              <a:t>6/16/2021</a:t>
+              <a:t>6/17/2021</a:t>
             </a:fld>
             <a:endParaRPr/>
           </a:p>
@@ -851,36 +852,21 @@
           <a:lstStyle/>
           <a:p>
             <a:r>
-              <a:rPr lang="en-US" sz="1800">
-                <a:effectLst/>
-                <a:latin typeface="Times New Roman" panose="02020603050405020304" pitchFamily="18" charset="0"/>
-                <a:ea typeface="Calibri" panose="020F0502020204030204" pitchFamily="34" charset="0"/>
-              </a:rPr>
-              <a:t>-Kế tiếp là giai đoạn lai tạo. Áp dụng phép lai chéo với quần thể, được coi là “Giao phối”, chọn lọc các cá thể cha mẹ và lai tạo chúng để tạo ra các cá thể con. Trên màn hình là chi tiết sơ đồ khối minh họa quá trình lai tạo giữa hai cá thể cha mẹ</a:t>
-            </a:r>
-          </a:p>
-          <a:p>
-            <a:endParaRPr lang="en-US" sz="1800">
-              <a:effectLst/>
-              <a:latin typeface="Times New Roman" panose="02020603050405020304" pitchFamily="18" charset="0"/>
-            </a:endParaRPr>
-          </a:p>
-          <a:p>
-            <a:r>
-              <a:rPr lang="en-US" sz="1800">
-                <a:effectLst/>
-                <a:latin typeface="Times New Roman" panose="02020603050405020304" pitchFamily="18" charset="0"/>
-              </a:rPr>
-              <a:t>Đầu tiên là chọn cá thể cha mẹ là hai cá thể có sức khỏe tốt hơn sức khỏe trung bình của quần thể. Sau đó gán luôn bộ gene của cha cho cá thể con. -&gt; tiếp theo là Tìm Kiếm Choỗi Gene Liên Tục Trong Con Mà Khác Của Mẹ -&gt; nếu tìm thấy thì  THỬ THAY BẰNG ĐOẠN GENE TƯƠNG ỨNG CỦA MẸ và kiểm tra xem có tạo ra CÁ THỂ CON TỐT HƠN không -&gt; nếu không thì quay lại tìm kiếm choỗi gene liên tục khác nhau cứ như vậy cho đến khi </a:t>
-            </a:r>
-            <a:r>
-              <a:rPr lang="en-US" sz="1600">
-                <a:effectLst/>
-                <a:latin typeface="Times New Roman" panose="02020603050405020304" pitchFamily="18" charset="0"/>
-              </a:rPr>
-              <a:t>TẠO RA CÁ THỂ CON TỐT HƠN  thì ghi nhận PHÉP LAI, TẠO RA CÁ THỂ MỚI và KẾT THÚC hoặc không tìm thấy cá thể con lai nào tốt hơn thì cũng kết thúc.</a:t>
-            </a:r>
-            <a:endParaRPr lang="en-US"/>
+              <a:rPr lang="en-US"/>
+              <a:t>Về việc khởi tạo quần thể. E áp dụng thuật toán quay lui để tạo ra các cá thể khác nhau. Đối với bài toán này vì số lượng đầu vào của thuật toán là khá lớn nên ko thể sử dụng thuật toán quay lui để vét cạn hết mọi trường hợp mà thay vào đó ta sẽ giới hạn thời gian chạy thuật toán và giới hạn số lượng các cá thể trong quần thể để có thể kết thúc thuật toán.</a:t>
+            </a:r>
+          </a:p>
+          <a:p>
+            <a:r>
+              <a:rPr lang="en-US"/>
+              <a:t>Theo sơ đồ khối trên màn hình thì ban đầu e tạo ra một quần thể rỗng và 1 phương án rỗng sau đó, sẽ duyệt qua danh sách đơn hàng và danh sách nguyên liệu để chọn nguyên liệu cắt cho các thanh đơnhàng,  tìm được thanh Nguyên liệu phù hợp sẽ cập nhật phương án hiện tại, cứ như vậy cho dến khi phương án hiện tại có độ dài bằng số lượng các thanh đơn hang thì tiến hành thêm vào quần thể.</a:t>
+            </a:r>
+          </a:p>
+          <a:p>
+            <a:r>
+              <a:rPr lang="en-US"/>
+              <a:t>Sau đó sẽ xóa phần tử cuối cùng của phương án hiện tại r lại tiếp tục vòng lặp chọn nguyên liệu cho thanh đơn hang tại vị trí hiện tại</a:t>
+            </a:r>
           </a:p>
         </p:txBody>
       </p:sp>
@@ -910,7 +896,7 @@
     </p:spTree>
     <p:extLst>
       <p:ext uri="{BB962C8B-B14F-4D97-AF65-F5344CB8AC3E}">
-        <p14:creationId xmlns:p14="http://schemas.microsoft.com/office/powerpoint/2010/main" val="3336316299"/>
+        <p14:creationId xmlns:p14="http://schemas.microsoft.com/office/powerpoint/2010/main" val="1309533622"/>
       </p:ext>
     </p:extLst>
   </p:cSld>
@@ -965,9 +951,36 @@
           <a:lstStyle/>
           <a:p>
             <a:r>
-              <a:rPr lang="en-US"/>
-              <a:t>Cuối cùng là phương pháp đột biến. </a:t>
-            </a:r>
+              <a:rPr lang="en-US" sz="1800">
+                <a:effectLst/>
+                <a:latin typeface="Times New Roman" panose="02020603050405020304" pitchFamily="18" charset="0"/>
+                <a:ea typeface="Calibri" panose="020F0502020204030204" pitchFamily="34" charset="0"/>
+              </a:rPr>
+              <a:t>-Kế tiếp là giai đoạn lai tạo. Áp dụng phép lai chéo với quần thể, được coi là “Giao phối”, chọn lọc các cá thể cha mẹ và lai tạo chúng để tạo ra các cá thể con. Trên màn hình là chi tiết sơ đồ khối minh họa quá trình lai tạo giữa hai cá thể cha mẹ</a:t>
+            </a:r>
+          </a:p>
+          <a:p>
+            <a:endParaRPr lang="en-US" sz="1800">
+              <a:effectLst/>
+              <a:latin typeface="Times New Roman" panose="02020603050405020304" pitchFamily="18" charset="0"/>
+            </a:endParaRPr>
+          </a:p>
+          <a:p>
+            <a:r>
+              <a:rPr lang="en-US" sz="1800">
+                <a:effectLst/>
+                <a:latin typeface="Times New Roman" panose="02020603050405020304" pitchFamily="18" charset="0"/>
+              </a:rPr>
+              <a:t>Đầu tiên là chọn cá thể cha mẹ là hai cá thể có sức khỏe tốt hơn sức khỏe trung bình của quần thể. Sau đó gán luôn bộ gene của cha cho cá thể con. -&gt; tiếp theo là Tìm Kiếm Choỗi Gene Liên Tục Trong Con Mà Khác Của Mẹ -&gt; nếu tìm thấy thì  THỬ THAY BẰNG ĐOẠN GENE TƯƠNG ỨNG CỦA MẸ và kiểm tra xem có tạo ra CÁ THỂ CON TỐT HƠN không -&gt; nếu không thì quay lại tìm kiếm choỗi gene liên tục khác nhau cứ như vậy cho đến khi </a:t>
+            </a:r>
+            <a:r>
+              <a:rPr lang="en-US" sz="1600">
+                <a:effectLst/>
+                <a:latin typeface="Times New Roman" panose="02020603050405020304" pitchFamily="18" charset="0"/>
+              </a:rPr>
+              <a:t>TẠO RA CÁ THỂ CON TỐT HƠN  thì ghi nhận PHÉP LAI, TẠO RA CÁ THỂ MỚI và KẾT THÚC hoặc không tìm thấy cá thể con lai nào tốt hơn thì cũng kết thúc.</a:t>
+            </a:r>
+            <a:endParaRPr lang="en-US"/>
           </a:p>
         </p:txBody>
       </p:sp>
@@ -997,7 +1010,7 @@
     </p:spTree>
     <p:extLst>
       <p:ext uri="{BB962C8B-B14F-4D97-AF65-F5344CB8AC3E}">
-        <p14:creationId xmlns:p14="http://schemas.microsoft.com/office/powerpoint/2010/main" val="3663648272"/>
+        <p14:creationId xmlns:p14="http://schemas.microsoft.com/office/powerpoint/2010/main" val="3336316299"/>
       </p:ext>
     </p:extLst>
   </p:cSld>
@@ -1051,7 +1064,22 @@
           <a:bodyPr/>
           <a:lstStyle/>
           <a:p>
-            <a:endParaRPr lang="en-US"/>
+            <a:r>
+              <a:rPr lang="en-US"/>
+              <a:t>Cuối cùng là phương pháp đột biến. Đây là phần quan trọng nhất của giải thuật cắt tiết kiệm. Đầu tiên là cần chọn một cá thể để đem đi đột biến sau dó sẽ phải tính toán lại lượng nguyên liệu còn lại tương ứng với bộ nhiễm sắc thể của cá thể đó.</a:t>
+            </a:r>
+          </a:p>
+          <a:p>
+            <a:r>
+              <a:rPr lang="en-US"/>
+              <a:t>Sau đó sẽ duyệt qua toàn bộ vị trí gene của cá thể đó cùng với đó là duyệt qua tất cả các thanh nguên liệu còn lại sau đó sẽ tạo phương án mới bằng cách thay thế thanh nguyên liệu vào vị trí gene hiện tại. Như vậy sau khi duyệt qua toàn bộ các vị trí gene thì có thể ta sẽ có được một danh sách các phương án mới</a:t>
+            </a:r>
+          </a:p>
+          <a:p>
+            <a:r>
+              <a:rPr lang="en-US"/>
+              <a:t>Sau đó sẽ chọn phương án thay thế tốt nhất cho cá thể ban đầu. Và kết thúc quá trình đột biến.</a:t>
+            </a:r>
           </a:p>
         </p:txBody>
       </p:sp>
@@ -1072,7 +1100,7 @@
           <a:p>
             <a:fld id="{3EBA5BD7-F043-4D1B-AA17-CD412FC534DE}" type="slidenum">
               <a:rPr lang="en-US" smtClean="0"/>
-              <a:t>15</a:t>
+              <a:t>12</a:t>
             </a:fld>
             <a:endParaRPr lang="en-US"/>
           </a:p>
@@ -1081,7 +1109,7 @@
     </p:spTree>
     <p:extLst>
       <p:ext uri="{BB962C8B-B14F-4D97-AF65-F5344CB8AC3E}">
-        <p14:creationId xmlns:p14="http://schemas.microsoft.com/office/powerpoint/2010/main" val="438591541"/>
+        <p14:creationId xmlns:p14="http://schemas.microsoft.com/office/powerpoint/2010/main" val="3663648272"/>
       </p:ext>
     </p:extLst>
   </p:cSld>
@@ -1165,7 +1193,7 @@
     </p:spTree>
     <p:extLst>
       <p:ext uri="{BB962C8B-B14F-4D97-AF65-F5344CB8AC3E}">
-        <p14:creationId xmlns:p14="http://schemas.microsoft.com/office/powerpoint/2010/main" val="1522881556"/>
+        <p14:creationId xmlns:p14="http://schemas.microsoft.com/office/powerpoint/2010/main" val="438591541"/>
       </p:ext>
     </p:extLst>
   </p:cSld>
@@ -1249,7 +1277,7 @@
     </p:spTree>
     <p:extLst>
       <p:ext uri="{BB962C8B-B14F-4D97-AF65-F5344CB8AC3E}">
-        <p14:creationId xmlns:p14="http://schemas.microsoft.com/office/powerpoint/2010/main" val="2020563263"/>
+        <p14:creationId xmlns:p14="http://schemas.microsoft.com/office/powerpoint/2010/main" val="1522881556"/>
       </p:ext>
     </p:extLst>
   </p:cSld>
@@ -1303,167 +1331,7 @@
           <a:bodyPr/>
           <a:lstStyle/>
           <a:p>
-            <a:pPr marL="285750" indent="-285750">
-              <a:buClr>
-                <a:srgbClr val="00B050"/>
-              </a:buClr>
-              <a:buFont typeface="Wingdings" panose="05000000000000000000" pitchFamily="2" charset="2"/>
-              <a:buChar char="v"/>
-            </a:pPr>
-            <a:r>
-              <a:rPr lang="en-US"/>
-              <a:t>Khóa luận đã đóng góp </a:t>
-            </a:r>
-            <a:r>
-              <a:rPr lang="en-US" sz="1800">
-                <a:effectLst/>
-                <a:latin typeface="Times New Roman" panose="02020603050405020304" pitchFamily="18" charset="0"/>
-                <a:ea typeface="Calibri" panose="020F0502020204030204" pitchFamily="34" charset="0"/>
-              </a:rPr>
-              <a:t>một phương pháp hiệu quả để giải bài toán cắt vật liệu dạng thanh với điều kiện nguồn nguyên liệu giới hạn</a:t>
-            </a:r>
-          </a:p>
-          <a:p>
-            <a:pPr marL="285750" marR="0" lvl="0" indent="-285750" algn="l" defTabSz="1218987" rtl="0" eaLnBrk="1" fontAlgn="auto" latinLnBrk="0" hangingPunct="1">
-              <a:lnSpc>
-                <a:spcPct val="100000"/>
-              </a:lnSpc>
-              <a:spcBef>
-                <a:spcPts val="0"/>
-              </a:spcBef>
-              <a:spcAft>
-                <a:spcPts val="0"/>
-              </a:spcAft>
-              <a:buClr>
-                <a:srgbClr val="00B050"/>
-              </a:buClr>
-              <a:buSzTx/>
-              <a:buFont typeface="Wingdings" panose="05000000000000000000" pitchFamily="2" charset="2"/>
-              <a:buChar char="v"/>
-              <a:tabLst/>
-              <a:defRPr/>
-            </a:pPr>
-            <a:r>
-              <a:rPr lang="en-US" sz="1800">
-                <a:effectLst/>
-                <a:latin typeface="Times New Roman" panose="02020603050405020304" pitchFamily="18" charset="0"/>
-              </a:rPr>
-              <a:t>Các đóng góp bao gồm: </a:t>
-            </a:r>
-            <a:r>
-              <a:rPr lang="en-US" sz="1800">
-                <a:effectLst/>
-                <a:latin typeface="Times New Roman" panose="02020603050405020304" pitchFamily="18" charset="0"/>
-                <a:ea typeface="Calibri" panose="020F0502020204030204" pitchFamily="34" charset="0"/>
-                <a:cs typeface="Times New Roman" panose="02020603050405020304" pitchFamily="18" charset="0"/>
-              </a:rPr>
-              <a:t>Tiến hành phân tích và phát biểu phân loại bài toán thành hai kiểu cắt chính dựa theo hai tiêu chí cắt nhanh và cắt tiết kiệm.</a:t>
-            </a:r>
-            <a:endParaRPr lang="en-US" sz="1800">
-              <a:effectLst/>
-              <a:latin typeface="Arial" panose="020B0604020202020204" pitchFamily="34" charset="0"/>
-              <a:ea typeface="Calibri" panose="020F0502020204030204" pitchFamily="34" charset="0"/>
-              <a:cs typeface="Times New Roman" panose="02020603050405020304" pitchFamily="18" charset="0"/>
-            </a:endParaRPr>
-          </a:p>
-          <a:p>
-            <a:pPr marL="895243" lvl="1" indent="-285750">
-              <a:buClr>
-                <a:srgbClr val="00B050"/>
-              </a:buClr>
-              <a:buFont typeface="Wingdings" panose="05000000000000000000" pitchFamily="2" charset="2"/>
-              <a:buChar char="v"/>
-            </a:pPr>
-            <a:r>
-              <a:rPr lang="en-US" sz="1800">
-                <a:effectLst/>
-                <a:latin typeface="Times New Roman" panose="02020603050405020304" pitchFamily="18" charset="0"/>
-                <a:ea typeface="Calibri" panose="020F0502020204030204" pitchFamily="34" charset="0"/>
-              </a:rPr>
-              <a:t>khóa luận đề xuất dùng giải thuật di truyền để giải bài toán với tiêu chí tiết kiệm vật liệu dư, giải thuật tham lam đối với tiêu chí cắt nhanh</a:t>
-            </a:r>
-          </a:p>
-          <a:p>
-            <a:pPr marL="895243" lvl="1" indent="-285750">
-              <a:buClr>
-                <a:srgbClr val="00B050"/>
-              </a:buClr>
-              <a:buFont typeface="Wingdings" panose="05000000000000000000" pitchFamily="2" charset="2"/>
-              <a:buChar char="v"/>
-            </a:pPr>
-            <a:r>
-              <a:rPr lang="en-US" sz="1800">
-                <a:effectLst/>
-                <a:latin typeface="Times New Roman" panose="02020603050405020304" pitchFamily="18" charset="0"/>
-                <a:ea typeface="Calibri" panose="020F0502020204030204" pitchFamily="34" charset="0"/>
-              </a:rPr>
-              <a:t>Hiệu quả của các thuật toán đã được kiểm nghiệm qua các thử nghiệm. Ngoài ra, các thuật toán cũng đã được triển khai một cách hiệu quả trong môi trường công nghiệp</a:t>
-            </a:r>
-          </a:p>
-          <a:p>
-            <a:pPr marL="895243" lvl="1" indent="-285750">
-              <a:buClr>
-                <a:srgbClr val="00B050"/>
-              </a:buClr>
-              <a:buFont typeface="Wingdings" panose="05000000000000000000" pitchFamily="2" charset="2"/>
-              <a:buChar char="v"/>
-            </a:pPr>
-            <a:endParaRPr lang="en-US" sz="1800">
-              <a:effectLst/>
-              <a:latin typeface="Times New Roman" panose="02020603050405020304" pitchFamily="18" charset="0"/>
-              <a:ea typeface="Calibri" panose="020F0502020204030204" pitchFamily="34" charset="0"/>
-            </a:endParaRPr>
-          </a:p>
-          <a:p>
-            <a:pPr marL="285750" lvl="0" indent="-285750">
-              <a:buClr>
-                <a:srgbClr val="00B050"/>
-              </a:buClr>
-              <a:buFont typeface="Wingdings" panose="05000000000000000000" pitchFamily="2" charset="2"/>
-              <a:buChar char="v"/>
-            </a:pPr>
-            <a:r>
-              <a:rPr lang="en-US" sz="1800">
-                <a:effectLst/>
-                <a:latin typeface="Times New Roman" panose="02020603050405020304" pitchFamily="18" charset="0"/>
-                <a:ea typeface="Calibri" panose="020F0502020204030204" pitchFamily="34" charset="0"/>
-              </a:rPr>
-              <a:t>Hướng phát triển trong tương lai</a:t>
-            </a:r>
-          </a:p>
-          <a:p>
-            <a:pPr marL="895243" lvl="1" indent="-285750">
-              <a:buClr>
-                <a:srgbClr val="00B050"/>
-              </a:buClr>
-              <a:buFont typeface="Wingdings" panose="05000000000000000000" pitchFamily="2" charset="2"/>
-              <a:buChar char="v"/>
-            </a:pPr>
-            <a:r>
-              <a:rPr lang="en-US" sz="1800">
-                <a:effectLst/>
-                <a:latin typeface="Times New Roman" panose="02020603050405020304" pitchFamily="18" charset="0"/>
-                <a:ea typeface="Calibri" panose="020F0502020204030204" pitchFamily="34" charset="0"/>
-              </a:rPr>
-              <a:t>Nghiên cứu và tối ưu hóa giải thuật di truyền hiện tại</a:t>
-            </a:r>
-          </a:p>
-          <a:p>
-            <a:pPr marL="895243" lvl="1" indent="-285750">
-              <a:buClr>
-                <a:srgbClr val="00B050"/>
-              </a:buClr>
-              <a:buFont typeface="Wingdings" panose="05000000000000000000" pitchFamily="2" charset="2"/>
-              <a:buChar char="v"/>
-            </a:pPr>
-            <a:r>
-              <a:rPr lang="en-US" sz="1800">
-                <a:effectLst/>
-                <a:latin typeface="Times New Roman" panose="02020603050405020304" pitchFamily="18" charset="0"/>
-                <a:ea typeface="Calibri" panose="020F0502020204030204" pitchFamily="34" charset="0"/>
-              </a:rPr>
-              <a:t>Nghiên cứu phương pháp giải các biến thể với những ràng buộc khác của bài toán cắt vật liệu tư. Các phương pháp giải các biến thể mới sẽ được bổ sung vào thuật toán hiện tại để tạo nên sản phẩm có khả năng ứng dụng cao trong thực tế.</a:t>
-            </a:r>
+            <a:endParaRPr lang="en-US"/>
           </a:p>
         </p:txBody>
       </p:sp>
@@ -1493,7 +1361,7 @@
     </p:spTree>
     <p:extLst>
       <p:ext uri="{BB962C8B-B14F-4D97-AF65-F5344CB8AC3E}">
-        <p14:creationId xmlns:p14="http://schemas.microsoft.com/office/powerpoint/2010/main" val="3977164541"/>
+        <p14:creationId xmlns:p14="http://schemas.microsoft.com/office/powerpoint/2010/main" val="2020563263"/>
       </p:ext>
     </p:extLst>
   </p:cSld>
@@ -1547,29 +1415,167 @@
           <a:bodyPr/>
           <a:lstStyle/>
           <a:p>
-            <a:endParaRPr lang="vi-VN"/>
-          </a:p>
-          <a:p>
-            <a:r>
-              <a:rPr lang="vi-VN"/>
-              <a:t>vừa rồi là phần trình bày khóa luận của em, cảm ơn các thầy cô và các bạn đã lắng nghe, </a:t>
-            </a:r>
-          </a:p>
-          <a:p>
-            <a:r>
-              <a:rPr lang="vi-VN"/>
-              <a:t>và đặc biệt xin cảm ơn sự hướng dẫn của TS. Lê đình thanh đã giúp e thực hiện khóa luận này </a:t>
-            </a:r>
-          </a:p>
-          <a:p>
-            <a:endParaRPr lang="vi-VN"/>
-          </a:p>
-          <a:p>
-            <a:r>
-              <a:rPr lang="vi-VN"/>
-              <a:t>em xin lắng nghe các câu hỏi cùng các lời nhận xét của các thầy cô trong hội đồng chấm ạ</a:t>
-            </a:r>
-            <a:endParaRPr lang="en-US"/>
+            <a:pPr marL="285750" indent="-285750">
+              <a:buClr>
+                <a:srgbClr val="00B050"/>
+              </a:buClr>
+              <a:buFont typeface="Wingdings" panose="05000000000000000000" pitchFamily="2" charset="2"/>
+              <a:buChar char="v"/>
+            </a:pPr>
+            <a:r>
+              <a:rPr lang="en-US"/>
+              <a:t>Khóa luận đã đóng góp </a:t>
+            </a:r>
+            <a:r>
+              <a:rPr lang="en-US" sz="1800">
+                <a:effectLst/>
+                <a:latin typeface="Times New Roman" panose="02020603050405020304" pitchFamily="18" charset="0"/>
+                <a:ea typeface="Calibri" panose="020F0502020204030204" pitchFamily="34" charset="0"/>
+              </a:rPr>
+              <a:t>một phương pháp hiệu quả để giải bài toán cắt vật liệu dạng thanh với điều kiện nguồn nguyên liệu giới hạn</a:t>
+            </a:r>
+          </a:p>
+          <a:p>
+            <a:pPr marL="285750" marR="0" lvl="0" indent="-285750" algn="l" defTabSz="1218987" rtl="0" eaLnBrk="1" fontAlgn="auto" latinLnBrk="0" hangingPunct="1">
+              <a:lnSpc>
+                <a:spcPct val="100000"/>
+              </a:lnSpc>
+              <a:spcBef>
+                <a:spcPts val="0"/>
+              </a:spcBef>
+              <a:spcAft>
+                <a:spcPts val="0"/>
+              </a:spcAft>
+              <a:buClr>
+                <a:srgbClr val="00B050"/>
+              </a:buClr>
+              <a:buSzTx/>
+              <a:buFont typeface="Wingdings" panose="05000000000000000000" pitchFamily="2" charset="2"/>
+              <a:buChar char="v"/>
+              <a:tabLst/>
+              <a:defRPr/>
+            </a:pPr>
+            <a:r>
+              <a:rPr lang="en-US" sz="1800">
+                <a:effectLst/>
+                <a:latin typeface="Times New Roman" panose="02020603050405020304" pitchFamily="18" charset="0"/>
+              </a:rPr>
+              <a:t>Các đóng góp bao gồm: </a:t>
+            </a:r>
+            <a:r>
+              <a:rPr lang="en-US" sz="1800">
+                <a:effectLst/>
+                <a:latin typeface="Times New Roman" panose="02020603050405020304" pitchFamily="18" charset="0"/>
+                <a:ea typeface="Calibri" panose="020F0502020204030204" pitchFamily="34" charset="0"/>
+                <a:cs typeface="Times New Roman" panose="02020603050405020304" pitchFamily="18" charset="0"/>
+              </a:rPr>
+              <a:t>Tiến hành phân tích và phát biểu phân loại bài toán thành hai kiểu cắt chính dựa theo hai tiêu chí cắt nhanh và cắt tiết kiệm.</a:t>
+            </a:r>
+            <a:endParaRPr lang="en-US" sz="1800">
+              <a:effectLst/>
+              <a:latin typeface="Arial" panose="020B0604020202020204" pitchFamily="34" charset="0"/>
+              <a:ea typeface="Calibri" panose="020F0502020204030204" pitchFamily="34" charset="0"/>
+              <a:cs typeface="Times New Roman" panose="02020603050405020304" pitchFamily="18" charset="0"/>
+            </a:endParaRPr>
+          </a:p>
+          <a:p>
+            <a:pPr marL="895243" lvl="1" indent="-285750">
+              <a:buClr>
+                <a:srgbClr val="00B050"/>
+              </a:buClr>
+              <a:buFont typeface="Wingdings" panose="05000000000000000000" pitchFamily="2" charset="2"/>
+              <a:buChar char="v"/>
+            </a:pPr>
+            <a:r>
+              <a:rPr lang="en-US" sz="1800">
+                <a:effectLst/>
+                <a:latin typeface="Times New Roman" panose="02020603050405020304" pitchFamily="18" charset="0"/>
+                <a:ea typeface="Calibri" panose="020F0502020204030204" pitchFamily="34" charset="0"/>
+              </a:rPr>
+              <a:t>khóa luận đề xuất dùng giải thuật di truyền để giải bài toán với tiêu chí tiết kiệm vật liệu dư, giải thuật tham lam đối với tiêu chí cắt nhanh</a:t>
+            </a:r>
+          </a:p>
+          <a:p>
+            <a:pPr marL="895243" lvl="1" indent="-285750">
+              <a:buClr>
+                <a:srgbClr val="00B050"/>
+              </a:buClr>
+              <a:buFont typeface="Wingdings" panose="05000000000000000000" pitchFamily="2" charset="2"/>
+              <a:buChar char="v"/>
+            </a:pPr>
+            <a:r>
+              <a:rPr lang="en-US" sz="1800">
+                <a:effectLst/>
+                <a:latin typeface="Times New Roman" panose="02020603050405020304" pitchFamily="18" charset="0"/>
+                <a:ea typeface="Calibri" panose="020F0502020204030204" pitchFamily="34" charset="0"/>
+              </a:rPr>
+              <a:t>Hiệu quả của các thuật toán đã được kiểm nghiệm qua các thử nghiệm. Ngoài ra, các thuật toán cũng đã được triển khai một cách hiệu quả trong môi trường công nghiệp</a:t>
+            </a:r>
+          </a:p>
+          <a:p>
+            <a:pPr marL="895243" lvl="1" indent="-285750">
+              <a:buClr>
+                <a:srgbClr val="00B050"/>
+              </a:buClr>
+              <a:buFont typeface="Wingdings" panose="05000000000000000000" pitchFamily="2" charset="2"/>
+              <a:buChar char="v"/>
+            </a:pPr>
+            <a:endParaRPr lang="en-US" sz="1800">
+              <a:effectLst/>
+              <a:latin typeface="Times New Roman" panose="02020603050405020304" pitchFamily="18" charset="0"/>
+              <a:ea typeface="Calibri" panose="020F0502020204030204" pitchFamily="34" charset="0"/>
+            </a:endParaRPr>
+          </a:p>
+          <a:p>
+            <a:pPr marL="285750" lvl="0" indent="-285750">
+              <a:buClr>
+                <a:srgbClr val="00B050"/>
+              </a:buClr>
+              <a:buFont typeface="Wingdings" panose="05000000000000000000" pitchFamily="2" charset="2"/>
+              <a:buChar char="v"/>
+            </a:pPr>
+            <a:r>
+              <a:rPr lang="en-US" sz="1800">
+                <a:effectLst/>
+                <a:latin typeface="Times New Roman" panose="02020603050405020304" pitchFamily="18" charset="0"/>
+                <a:ea typeface="Calibri" panose="020F0502020204030204" pitchFamily="34" charset="0"/>
+              </a:rPr>
+              <a:t>Hướng phát triển trong tương lai</a:t>
+            </a:r>
+          </a:p>
+          <a:p>
+            <a:pPr marL="895243" lvl="1" indent="-285750">
+              <a:buClr>
+                <a:srgbClr val="00B050"/>
+              </a:buClr>
+              <a:buFont typeface="Wingdings" panose="05000000000000000000" pitchFamily="2" charset="2"/>
+              <a:buChar char="v"/>
+            </a:pPr>
+            <a:r>
+              <a:rPr lang="en-US" sz="1800">
+                <a:effectLst/>
+                <a:latin typeface="Times New Roman" panose="02020603050405020304" pitchFamily="18" charset="0"/>
+                <a:ea typeface="Calibri" panose="020F0502020204030204" pitchFamily="34" charset="0"/>
+              </a:rPr>
+              <a:t>Nghiên cứu và tối ưu hóa giải thuật di truyền hiện tại</a:t>
+            </a:r>
+          </a:p>
+          <a:p>
+            <a:pPr marL="895243" lvl="1" indent="-285750">
+              <a:buClr>
+                <a:srgbClr val="00B050"/>
+              </a:buClr>
+              <a:buFont typeface="Wingdings" panose="05000000000000000000" pitchFamily="2" charset="2"/>
+              <a:buChar char="v"/>
+            </a:pPr>
+            <a:r>
+              <a:rPr lang="en-US" sz="1800">
+                <a:effectLst/>
+                <a:latin typeface="Times New Roman" panose="02020603050405020304" pitchFamily="18" charset="0"/>
+                <a:ea typeface="Calibri" panose="020F0502020204030204" pitchFamily="34" charset="0"/>
+              </a:rPr>
+              <a:t>Nghiên cứu phương pháp giải các biến thể với những ràng buộc khác của bài toán cắt vật liệu tư. Các phương pháp giải các biến thể mới sẽ được bổ sung vào thuật toán hiện tại để tạo nên sản phẩm có khả năng ứng dụng cao trong thực tế.</a:t>
+            </a:r>
           </a:p>
         </p:txBody>
       </p:sp>
@@ -1591,6 +1597,128 @@
             <a:fld id="{3EBA5BD7-F043-4D1B-AA17-CD412FC534DE}" type="slidenum">
               <a:rPr lang="en-US" smtClean="0"/>
               <a:t>19</a:t>
+            </a:fld>
+            <a:endParaRPr lang="en-US"/>
+          </a:p>
+        </p:txBody>
+      </p:sp>
+    </p:spTree>
+    <p:extLst>
+      <p:ext uri="{BB962C8B-B14F-4D97-AF65-F5344CB8AC3E}">
+        <p14:creationId xmlns:p14="http://schemas.microsoft.com/office/powerpoint/2010/main" val="3977164541"/>
+      </p:ext>
+    </p:extLst>
+  </p:cSld>
+  <p:clrMapOvr>
+    <a:masterClrMapping/>
+  </p:clrMapOvr>
+</p:notes>
+</file>
+
+<file path=ppt/notesSlides/notesSlide17.xml><?xml version="1.0" encoding="utf-8"?>
+<p:notes xmlns:a="http://schemas.openxmlformats.org/drawingml/2006/main" xmlns:r="http://schemas.openxmlformats.org/officeDocument/2006/relationships" xmlns:p="http://schemas.openxmlformats.org/presentationml/2006/main">
+  <p:cSld>
+    <p:spTree>
+      <p:nvGrpSpPr>
+        <p:cNvPr id="1" name=""/>
+        <p:cNvGrpSpPr/>
+        <p:nvPr/>
+      </p:nvGrpSpPr>
+      <p:grpSpPr>
+        <a:xfrm>
+          <a:off x="0" y="0"/>
+          <a:ext cx="0" cy="0"/>
+          <a:chOff x="0" y="0"/>
+          <a:chExt cx="0" cy="0"/>
+        </a:xfrm>
+      </p:grpSpPr>
+      <p:sp>
+        <p:nvSpPr>
+          <p:cNvPr id="2" name="Slide Image Placeholder 1"/>
+          <p:cNvSpPr>
+            <a:spLocks noGrp="1" noRot="1" noChangeAspect="1"/>
+          </p:cNvSpPr>
+          <p:nvPr>
+            <p:ph type="sldImg"/>
+          </p:nvPr>
+        </p:nvSpPr>
+        <p:spPr/>
+      </p:sp>
+      <p:sp>
+        <p:nvSpPr>
+          <p:cNvPr id="3" name="Notes Placeholder 2"/>
+          <p:cNvSpPr>
+            <a:spLocks noGrp="1"/>
+          </p:cNvSpPr>
+          <p:nvPr>
+            <p:ph type="body" idx="1"/>
+          </p:nvPr>
+        </p:nvSpPr>
+        <p:spPr/>
+        <p:txBody>
+          <a:bodyPr/>
+          <a:lstStyle/>
+          <a:p>
+            <a:endParaRPr lang="vi-VN"/>
+          </a:p>
+          <a:p>
+            <a:r>
+              <a:rPr lang="vi-VN"/>
+              <a:t>vừa rồi là phần trình bày khóa luận của em, cảm ơn các thầy cô và các bạn đã lắng nghe, </a:t>
+            </a:r>
+          </a:p>
+          <a:p>
+            <a:r>
+              <a:rPr lang="vi-VN"/>
+              <a:t>và đặc biệt xin cảm ơn TS. Lê đình thanh đã </a:t>
+            </a:r>
+            <a:r>
+              <a:rPr lang="en-US"/>
+              <a:t>tận tình chỉ bảo, hướng dẫn</a:t>
+            </a:r>
+            <a:r>
+              <a:rPr lang="vi-VN"/>
+              <a:t> e thực hiện khóa luận này</a:t>
+            </a:r>
+            <a:r>
+              <a:rPr lang="en-US"/>
+              <a:t>.</a:t>
+            </a:r>
+            <a:endParaRPr lang="vi-VN"/>
+          </a:p>
+          <a:p>
+            <a:endParaRPr lang="vi-VN"/>
+          </a:p>
+          <a:p>
+            <a:r>
+              <a:rPr lang="vi-VN"/>
+              <a:t>em xin lắng nghe các câu hỏi cùng các lời nhận xét của các thầy cô trong hội đồng </a:t>
+            </a:r>
+            <a:r>
+              <a:rPr lang="en-US"/>
+              <a:t>ạ.</a:t>
+            </a:r>
+          </a:p>
+        </p:txBody>
+      </p:sp>
+      <p:sp>
+        <p:nvSpPr>
+          <p:cNvPr id="4" name="Slide Number Placeholder 3"/>
+          <p:cNvSpPr>
+            <a:spLocks noGrp="1"/>
+          </p:cNvSpPr>
+          <p:nvPr>
+            <p:ph type="sldNum" sz="quarter" idx="5"/>
+          </p:nvPr>
+        </p:nvSpPr>
+        <p:spPr/>
+        <p:txBody>
+          <a:bodyPr/>
+          <a:lstStyle/>
+          <a:p>
+            <a:fld id="{3EBA5BD7-F043-4D1B-AA17-CD412FC534DE}" type="slidenum">
+              <a:rPr lang="en-US" smtClean="0"/>
+              <a:t>20</a:t>
             </a:fld>
             <a:endParaRPr lang="en-US"/>
           </a:p>
@@ -1790,46 +1918,13 @@
           </a:p>
           <a:p>
             <a:r>
-              <a:rPr lang="en-US"/>
-              <a:t>Nội dung </a:t>
-            </a:r>
-            <a:r>
-              <a:rPr lang="en-US" err="1"/>
-              <a:t>khóa</a:t>
-            </a:r>
-            <a:r>
-              <a:rPr lang="en-US"/>
-              <a:t> </a:t>
-            </a:r>
-            <a:r>
-              <a:rPr lang="en-US" err="1"/>
-              <a:t>luận</a:t>
-            </a:r>
-            <a:r>
-              <a:rPr lang="en-US"/>
-              <a:t> </a:t>
-            </a:r>
-            <a:r>
-              <a:rPr lang="en-US" err="1"/>
-              <a:t>của</a:t>
-            </a:r>
-            <a:r>
-              <a:rPr lang="en-US"/>
-              <a:t> e </a:t>
-            </a:r>
-            <a:r>
-              <a:rPr lang="en-US" err="1"/>
-              <a:t>gồm</a:t>
-            </a:r>
-            <a:r>
-              <a:rPr lang="en-US"/>
-              <a:t> 4 </a:t>
-            </a:r>
-            <a:r>
-              <a:rPr lang="en-US" err="1"/>
-              <a:t>phần</a:t>
-            </a:r>
-            <a:endParaRPr lang="en-US"/>
+              <a:rPr lang="en-US" sz="1600">
+                <a:effectLst/>
+                <a:latin typeface="Times New Roman" panose="02020603050405020304" pitchFamily="18" charset="0"/>
+                <a:ea typeface="Calibri" panose="020F0502020204030204" pitchFamily="34" charset="0"/>
+              </a:rPr>
+              <a:t>Trong lĩnh vực xây dựng, khi cắt vật tư thì phải quan tâm một vấn đề là làm sao để sử dụng các vật liệu dạng thanh một cách hiệu quả. Đây là bài toán thực tế được đặt ra cho ngành công nghiệp sắt thép. Nếu Giải quyết được bài toán này, sẽ giúp các doánh nghiệp có thể giảm khá nhiều thời gian tính toán với số lượng vật liệu lớn theo nhiều tiêu chí khác nhau. Từ vấn đề nêu ở trên em đã viết ra một bài toán cụ thể với các mục chính như sau:</a:t>
+            </a:r>
           </a:p>
         </p:txBody>
       </p:sp>
@@ -1937,1058 +2032,6 @@
               </a:rPr>
               <a:t>: </a:t>
             </a:r>
-          </a:p>
-          <a:p>
-            <a:r>
-              <a:rPr lang="en-US" sz="1200" err="1">
-                <a:effectLst/>
-                <a:latin typeface="Times New Roman" panose="02020603050405020304" pitchFamily="18" charset="0"/>
-                <a:ea typeface="Calibri" panose="020F0502020204030204" pitchFamily="34" charset="0"/>
-              </a:rPr>
-              <a:t>Trong</a:t>
-            </a:r>
-            <a:r>
-              <a:rPr lang="en-US" sz="1200">
-                <a:effectLst/>
-                <a:latin typeface="Times New Roman" panose="02020603050405020304" pitchFamily="18" charset="0"/>
-                <a:ea typeface="Calibri" panose="020F0502020204030204" pitchFamily="34" charset="0"/>
-              </a:rPr>
-              <a:t> </a:t>
-            </a:r>
-            <a:r>
-              <a:rPr lang="en-US" sz="1200" err="1">
-                <a:effectLst/>
-                <a:latin typeface="Times New Roman" panose="02020603050405020304" pitchFamily="18" charset="0"/>
-                <a:ea typeface="Calibri" panose="020F0502020204030204" pitchFamily="34" charset="0"/>
-              </a:rPr>
-              <a:t>lĩnh</a:t>
-            </a:r>
-            <a:r>
-              <a:rPr lang="en-US" sz="1200">
-                <a:effectLst/>
-                <a:latin typeface="Times New Roman" panose="02020603050405020304" pitchFamily="18" charset="0"/>
-                <a:ea typeface="Calibri" panose="020F0502020204030204" pitchFamily="34" charset="0"/>
-              </a:rPr>
-              <a:t> </a:t>
-            </a:r>
-            <a:r>
-              <a:rPr lang="en-US" sz="1200" err="1">
-                <a:effectLst/>
-                <a:latin typeface="Times New Roman" panose="02020603050405020304" pitchFamily="18" charset="0"/>
-                <a:ea typeface="Calibri" panose="020F0502020204030204" pitchFamily="34" charset="0"/>
-              </a:rPr>
-              <a:t>vực</a:t>
-            </a:r>
-            <a:r>
-              <a:rPr lang="en-US" sz="1200">
-                <a:effectLst/>
-                <a:latin typeface="Times New Roman" panose="02020603050405020304" pitchFamily="18" charset="0"/>
-                <a:ea typeface="Calibri" panose="020F0502020204030204" pitchFamily="34" charset="0"/>
-              </a:rPr>
-              <a:t> </a:t>
-            </a:r>
-            <a:r>
-              <a:rPr lang="en-US" sz="1200" err="1">
-                <a:effectLst/>
-                <a:latin typeface="Times New Roman" panose="02020603050405020304" pitchFamily="18" charset="0"/>
-                <a:ea typeface="Calibri" panose="020F0502020204030204" pitchFamily="34" charset="0"/>
-              </a:rPr>
-              <a:t>xây</a:t>
-            </a:r>
-            <a:r>
-              <a:rPr lang="en-US" sz="1200">
-                <a:effectLst/>
-                <a:latin typeface="Times New Roman" panose="02020603050405020304" pitchFamily="18" charset="0"/>
-                <a:ea typeface="Calibri" panose="020F0502020204030204" pitchFamily="34" charset="0"/>
-              </a:rPr>
-              <a:t> dựng, khi cắt </a:t>
-            </a:r>
-            <a:r>
-              <a:rPr lang="en-US" sz="1200" err="1">
-                <a:effectLst/>
-                <a:latin typeface="Times New Roman" panose="02020603050405020304" pitchFamily="18" charset="0"/>
-                <a:ea typeface="Calibri" panose="020F0502020204030204" pitchFamily="34" charset="0"/>
-              </a:rPr>
-              <a:t>vật</a:t>
-            </a:r>
-            <a:r>
-              <a:rPr lang="en-US" sz="1200">
-                <a:effectLst/>
-                <a:latin typeface="Times New Roman" panose="02020603050405020304" pitchFamily="18" charset="0"/>
-                <a:ea typeface="Calibri" panose="020F0502020204030204" pitchFamily="34" charset="0"/>
-              </a:rPr>
-              <a:t> tư thì </a:t>
-            </a:r>
-            <a:r>
-              <a:rPr lang="en-US" sz="1200" err="1">
-                <a:effectLst/>
-                <a:latin typeface="Times New Roman" panose="02020603050405020304" pitchFamily="18" charset="0"/>
-                <a:ea typeface="Calibri" panose="020F0502020204030204" pitchFamily="34" charset="0"/>
-              </a:rPr>
-              <a:t>phải</a:t>
-            </a:r>
-            <a:r>
-              <a:rPr lang="en-US" sz="1200">
-                <a:effectLst/>
-                <a:latin typeface="Times New Roman" panose="02020603050405020304" pitchFamily="18" charset="0"/>
-                <a:ea typeface="Calibri" panose="020F0502020204030204" pitchFamily="34" charset="0"/>
-              </a:rPr>
-              <a:t> </a:t>
-            </a:r>
-            <a:r>
-              <a:rPr lang="en-US" sz="1200" err="1">
-                <a:effectLst/>
-                <a:latin typeface="Times New Roman" panose="02020603050405020304" pitchFamily="18" charset="0"/>
-                <a:ea typeface="Calibri" panose="020F0502020204030204" pitchFamily="34" charset="0"/>
-              </a:rPr>
-              <a:t>quan</a:t>
-            </a:r>
-            <a:r>
-              <a:rPr lang="en-US" sz="1200">
-                <a:effectLst/>
-                <a:latin typeface="Times New Roman" panose="02020603050405020304" pitchFamily="18" charset="0"/>
-                <a:ea typeface="Calibri" panose="020F0502020204030204" pitchFamily="34" charset="0"/>
-              </a:rPr>
-              <a:t> </a:t>
-            </a:r>
-            <a:r>
-              <a:rPr lang="en-US" sz="1200" err="1">
-                <a:effectLst/>
-                <a:latin typeface="Times New Roman" panose="02020603050405020304" pitchFamily="18" charset="0"/>
-                <a:ea typeface="Calibri" panose="020F0502020204030204" pitchFamily="34" charset="0"/>
-              </a:rPr>
-              <a:t>tâm</a:t>
-            </a:r>
-            <a:r>
-              <a:rPr lang="en-US" sz="1200">
-                <a:effectLst/>
-                <a:latin typeface="Times New Roman" panose="02020603050405020304" pitchFamily="18" charset="0"/>
-                <a:ea typeface="Calibri" panose="020F0502020204030204" pitchFamily="34" charset="0"/>
-              </a:rPr>
-              <a:t> </a:t>
-            </a:r>
-            <a:r>
-              <a:rPr lang="en-US" sz="1200" err="1">
-                <a:effectLst/>
-                <a:latin typeface="Times New Roman" panose="02020603050405020304" pitchFamily="18" charset="0"/>
-                <a:ea typeface="Calibri" panose="020F0502020204030204" pitchFamily="34" charset="0"/>
-              </a:rPr>
-              <a:t>một</a:t>
-            </a:r>
-            <a:r>
-              <a:rPr lang="en-US" sz="1200">
-                <a:effectLst/>
-                <a:latin typeface="Times New Roman" panose="02020603050405020304" pitchFamily="18" charset="0"/>
-                <a:ea typeface="Calibri" panose="020F0502020204030204" pitchFamily="34" charset="0"/>
-              </a:rPr>
-              <a:t> </a:t>
-            </a:r>
-            <a:r>
-              <a:rPr lang="en-US" sz="1200" err="1">
-                <a:effectLst/>
-                <a:latin typeface="Times New Roman" panose="02020603050405020304" pitchFamily="18" charset="0"/>
-                <a:ea typeface="Calibri" panose="020F0502020204030204" pitchFamily="34" charset="0"/>
-              </a:rPr>
-              <a:t>vấn</a:t>
-            </a:r>
-            <a:r>
-              <a:rPr lang="en-US" sz="1200">
-                <a:effectLst/>
-                <a:latin typeface="Times New Roman" panose="02020603050405020304" pitchFamily="18" charset="0"/>
-                <a:ea typeface="Calibri" panose="020F0502020204030204" pitchFamily="34" charset="0"/>
-              </a:rPr>
-              <a:t> </a:t>
-            </a:r>
-            <a:r>
-              <a:rPr lang="en-US" sz="1200" err="1">
-                <a:effectLst/>
-                <a:latin typeface="Times New Roman" panose="02020603050405020304" pitchFamily="18" charset="0"/>
-                <a:ea typeface="Calibri" panose="020F0502020204030204" pitchFamily="34" charset="0"/>
-              </a:rPr>
-              <a:t>đề</a:t>
-            </a:r>
-            <a:r>
-              <a:rPr lang="en-US" sz="1200">
-                <a:effectLst/>
-                <a:latin typeface="Times New Roman" panose="02020603050405020304" pitchFamily="18" charset="0"/>
-                <a:ea typeface="Calibri" panose="020F0502020204030204" pitchFamily="34" charset="0"/>
-              </a:rPr>
-              <a:t> </a:t>
-            </a:r>
-            <a:r>
-              <a:rPr lang="en-US" sz="1200" err="1">
-                <a:effectLst/>
-                <a:latin typeface="Times New Roman" panose="02020603050405020304" pitchFamily="18" charset="0"/>
-                <a:ea typeface="Calibri" panose="020F0502020204030204" pitchFamily="34" charset="0"/>
-              </a:rPr>
-              <a:t>là</a:t>
-            </a:r>
-            <a:r>
-              <a:rPr lang="en-US" sz="1200">
-                <a:effectLst/>
-                <a:latin typeface="Times New Roman" panose="02020603050405020304" pitchFamily="18" charset="0"/>
-                <a:ea typeface="Calibri" panose="020F0502020204030204" pitchFamily="34" charset="0"/>
-              </a:rPr>
-              <a:t> </a:t>
-            </a:r>
-            <a:r>
-              <a:rPr lang="en-US" sz="1200" err="1">
-                <a:effectLst/>
-                <a:latin typeface="Times New Roman" panose="02020603050405020304" pitchFamily="18" charset="0"/>
-                <a:ea typeface="Calibri" panose="020F0502020204030204" pitchFamily="34" charset="0"/>
-              </a:rPr>
-              <a:t>làm</a:t>
-            </a:r>
-            <a:r>
-              <a:rPr lang="en-US" sz="1200">
-                <a:effectLst/>
-                <a:latin typeface="Times New Roman" panose="02020603050405020304" pitchFamily="18" charset="0"/>
-                <a:ea typeface="Calibri" panose="020F0502020204030204" pitchFamily="34" charset="0"/>
-              </a:rPr>
-              <a:t> sao </a:t>
-            </a:r>
-            <a:r>
-              <a:rPr lang="en-US" sz="1200" err="1">
-                <a:effectLst/>
-                <a:latin typeface="Times New Roman" panose="02020603050405020304" pitchFamily="18" charset="0"/>
-                <a:ea typeface="Calibri" panose="020F0502020204030204" pitchFamily="34" charset="0"/>
-              </a:rPr>
-              <a:t>để</a:t>
-            </a:r>
-            <a:r>
-              <a:rPr lang="en-US" sz="1200">
-                <a:effectLst/>
-                <a:latin typeface="Times New Roman" panose="02020603050405020304" pitchFamily="18" charset="0"/>
-                <a:ea typeface="Calibri" panose="020F0502020204030204" pitchFamily="34" charset="0"/>
-              </a:rPr>
-              <a:t> </a:t>
-            </a:r>
-            <a:r>
-              <a:rPr lang="en-US" sz="1200" err="1">
-                <a:effectLst/>
-                <a:latin typeface="Times New Roman" panose="02020603050405020304" pitchFamily="18" charset="0"/>
-                <a:ea typeface="Calibri" panose="020F0502020204030204" pitchFamily="34" charset="0"/>
-              </a:rPr>
-              <a:t>sử</a:t>
-            </a:r>
-            <a:r>
-              <a:rPr lang="en-US" sz="1200">
-                <a:effectLst/>
-                <a:latin typeface="Times New Roman" panose="02020603050405020304" pitchFamily="18" charset="0"/>
-                <a:ea typeface="Calibri" panose="020F0502020204030204" pitchFamily="34" charset="0"/>
-              </a:rPr>
-              <a:t> </a:t>
-            </a:r>
-            <a:r>
-              <a:rPr lang="en-US" sz="1200" err="1">
-                <a:effectLst/>
-                <a:latin typeface="Times New Roman" panose="02020603050405020304" pitchFamily="18" charset="0"/>
-                <a:ea typeface="Calibri" panose="020F0502020204030204" pitchFamily="34" charset="0"/>
-              </a:rPr>
-              <a:t>dụng</a:t>
-            </a:r>
-            <a:r>
-              <a:rPr lang="en-US" sz="1200">
-                <a:effectLst/>
-                <a:latin typeface="Times New Roman" panose="02020603050405020304" pitchFamily="18" charset="0"/>
-                <a:ea typeface="Calibri" panose="020F0502020204030204" pitchFamily="34" charset="0"/>
-              </a:rPr>
-              <a:t> </a:t>
-            </a:r>
-            <a:r>
-              <a:rPr lang="en-US" sz="1200" err="1">
-                <a:effectLst/>
-                <a:latin typeface="Times New Roman" panose="02020603050405020304" pitchFamily="18" charset="0"/>
-                <a:ea typeface="Calibri" panose="020F0502020204030204" pitchFamily="34" charset="0"/>
-              </a:rPr>
-              <a:t>các</a:t>
-            </a:r>
-            <a:r>
-              <a:rPr lang="en-US" sz="1200">
-                <a:effectLst/>
-                <a:latin typeface="Times New Roman" panose="02020603050405020304" pitchFamily="18" charset="0"/>
-                <a:ea typeface="Calibri" panose="020F0502020204030204" pitchFamily="34" charset="0"/>
-              </a:rPr>
-              <a:t> </a:t>
-            </a:r>
-            <a:r>
-              <a:rPr lang="en-US" sz="1200" err="1">
-                <a:effectLst/>
-                <a:latin typeface="Times New Roman" panose="02020603050405020304" pitchFamily="18" charset="0"/>
-                <a:ea typeface="Calibri" panose="020F0502020204030204" pitchFamily="34" charset="0"/>
-              </a:rPr>
-              <a:t>vật</a:t>
-            </a:r>
-            <a:r>
-              <a:rPr lang="en-US" sz="1200">
-                <a:effectLst/>
-                <a:latin typeface="Times New Roman" panose="02020603050405020304" pitchFamily="18" charset="0"/>
-                <a:ea typeface="Calibri" panose="020F0502020204030204" pitchFamily="34" charset="0"/>
-              </a:rPr>
-              <a:t> </a:t>
-            </a:r>
-            <a:r>
-              <a:rPr lang="en-US" sz="1200" err="1">
-                <a:effectLst/>
-                <a:latin typeface="Times New Roman" panose="02020603050405020304" pitchFamily="18" charset="0"/>
-                <a:ea typeface="Calibri" panose="020F0502020204030204" pitchFamily="34" charset="0"/>
-              </a:rPr>
-              <a:t>liệu</a:t>
-            </a:r>
-            <a:r>
-              <a:rPr lang="en-US" sz="1200">
-                <a:effectLst/>
-                <a:latin typeface="Times New Roman" panose="02020603050405020304" pitchFamily="18" charset="0"/>
-                <a:ea typeface="Calibri" panose="020F0502020204030204" pitchFamily="34" charset="0"/>
-              </a:rPr>
-              <a:t> </a:t>
-            </a:r>
-            <a:r>
-              <a:rPr lang="en-US" sz="1200" err="1">
-                <a:effectLst/>
-                <a:latin typeface="Times New Roman" panose="02020603050405020304" pitchFamily="18" charset="0"/>
-                <a:ea typeface="Calibri" panose="020F0502020204030204" pitchFamily="34" charset="0"/>
-              </a:rPr>
-              <a:t>dạng</a:t>
-            </a:r>
-            <a:r>
-              <a:rPr lang="en-US" sz="1200">
-                <a:effectLst/>
-                <a:latin typeface="Times New Roman" panose="02020603050405020304" pitchFamily="18" charset="0"/>
-                <a:ea typeface="Calibri" panose="020F0502020204030204" pitchFamily="34" charset="0"/>
-              </a:rPr>
-              <a:t> </a:t>
-            </a:r>
-            <a:r>
-              <a:rPr lang="en-US" sz="1200" err="1">
-                <a:effectLst/>
-                <a:latin typeface="Times New Roman" panose="02020603050405020304" pitchFamily="18" charset="0"/>
-                <a:ea typeface="Calibri" panose="020F0502020204030204" pitchFamily="34" charset="0"/>
-              </a:rPr>
-              <a:t>thanh</a:t>
-            </a:r>
-            <a:r>
-              <a:rPr lang="en-US" sz="1200">
-                <a:effectLst/>
-                <a:latin typeface="Times New Roman" panose="02020603050405020304" pitchFamily="18" charset="0"/>
-                <a:ea typeface="Calibri" panose="020F0502020204030204" pitchFamily="34" charset="0"/>
-              </a:rPr>
-              <a:t> </a:t>
-            </a:r>
-            <a:r>
-              <a:rPr lang="en-US" sz="1200" err="1">
-                <a:effectLst/>
-                <a:latin typeface="Times New Roman" panose="02020603050405020304" pitchFamily="18" charset="0"/>
-                <a:ea typeface="Calibri" panose="020F0502020204030204" pitchFamily="34" charset="0"/>
-              </a:rPr>
-              <a:t>một</a:t>
-            </a:r>
-            <a:r>
-              <a:rPr lang="en-US" sz="1200">
-                <a:effectLst/>
-                <a:latin typeface="Times New Roman" panose="02020603050405020304" pitchFamily="18" charset="0"/>
-                <a:ea typeface="Calibri" panose="020F0502020204030204" pitchFamily="34" charset="0"/>
-              </a:rPr>
-              <a:t> </a:t>
-            </a:r>
-            <a:r>
-              <a:rPr lang="en-US" sz="1200" err="1">
-                <a:effectLst/>
-                <a:latin typeface="Times New Roman" panose="02020603050405020304" pitchFamily="18" charset="0"/>
-                <a:ea typeface="Calibri" panose="020F0502020204030204" pitchFamily="34" charset="0"/>
-              </a:rPr>
-              <a:t>cách</a:t>
-            </a:r>
-            <a:r>
-              <a:rPr lang="en-US" sz="1200">
-                <a:effectLst/>
-                <a:latin typeface="Times New Roman" panose="02020603050405020304" pitchFamily="18" charset="0"/>
-                <a:ea typeface="Calibri" panose="020F0502020204030204" pitchFamily="34" charset="0"/>
-              </a:rPr>
-              <a:t> </a:t>
-            </a:r>
-            <a:r>
-              <a:rPr lang="en-US" sz="1200" err="1">
-                <a:effectLst/>
-                <a:latin typeface="Times New Roman" panose="02020603050405020304" pitchFamily="18" charset="0"/>
-                <a:ea typeface="Calibri" panose="020F0502020204030204" pitchFamily="34" charset="0"/>
-              </a:rPr>
-              <a:t>hiệu</a:t>
-            </a:r>
-            <a:r>
-              <a:rPr lang="en-US" sz="1200">
-                <a:effectLst/>
-                <a:latin typeface="Times New Roman" panose="02020603050405020304" pitchFamily="18" charset="0"/>
-                <a:ea typeface="Calibri" panose="020F0502020204030204" pitchFamily="34" charset="0"/>
-              </a:rPr>
-              <a:t> quả. Đây </a:t>
-            </a:r>
-            <a:r>
-              <a:rPr lang="en-US" sz="1200" err="1">
-                <a:effectLst/>
-                <a:latin typeface="Times New Roman" panose="02020603050405020304" pitchFamily="18" charset="0"/>
-                <a:ea typeface="Calibri" panose="020F0502020204030204" pitchFamily="34" charset="0"/>
-              </a:rPr>
-              <a:t>là</a:t>
-            </a:r>
-            <a:r>
-              <a:rPr lang="en-US" sz="1200">
-                <a:effectLst/>
-                <a:latin typeface="Times New Roman" panose="02020603050405020304" pitchFamily="18" charset="0"/>
-                <a:ea typeface="Calibri" panose="020F0502020204030204" pitchFamily="34" charset="0"/>
-              </a:rPr>
-              <a:t> </a:t>
-            </a:r>
-            <a:r>
-              <a:rPr lang="en-US" sz="1200" err="1">
-                <a:effectLst/>
-                <a:latin typeface="Times New Roman" panose="02020603050405020304" pitchFamily="18" charset="0"/>
-                <a:ea typeface="Calibri" panose="020F0502020204030204" pitchFamily="34" charset="0"/>
-              </a:rPr>
-              <a:t>bài</a:t>
-            </a:r>
-            <a:r>
-              <a:rPr lang="en-US" sz="1200">
-                <a:effectLst/>
-                <a:latin typeface="Times New Roman" panose="02020603050405020304" pitchFamily="18" charset="0"/>
-                <a:ea typeface="Calibri" panose="020F0502020204030204" pitchFamily="34" charset="0"/>
-              </a:rPr>
-              <a:t> </a:t>
-            </a:r>
-            <a:r>
-              <a:rPr lang="en-US" sz="1200" err="1">
-                <a:effectLst/>
-                <a:latin typeface="Times New Roman" panose="02020603050405020304" pitchFamily="18" charset="0"/>
-                <a:ea typeface="Calibri" panose="020F0502020204030204" pitchFamily="34" charset="0"/>
-              </a:rPr>
-              <a:t>toán</a:t>
-            </a:r>
-            <a:r>
-              <a:rPr lang="en-US" sz="1200">
-                <a:effectLst/>
-                <a:latin typeface="Times New Roman" panose="02020603050405020304" pitchFamily="18" charset="0"/>
-                <a:ea typeface="Calibri" panose="020F0502020204030204" pitchFamily="34" charset="0"/>
-              </a:rPr>
-              <a:t> </a:t>
-            </a:r>
-            <a:r>
-              <a:rPr lang="en-US" sz="1200" err="1">
-                <a:effectLst/>
-                <a:latin typeface="Times New Roman" panose="02020603050405020304" pitchFamily="18" charset="0"/>
-                <a:ea typeface="Calibri" panose="020F0502020204030204" pitchFamily="34" charset="0"/>
-              </a:rPr>
-              <a:t>thực</a:t>
-            </a:r>
-            <a:r>
-              <a:rPr lang="en-US" sz="1200">
-                <a:effectLst/>
-                <a:latin typeface="Times New Roman" panose="02020603050405020304" pitchFamily="18" charset="0"/>
-                <a:ea typeface="Calibri" panose="020F0502020204030204" pitchFamily="34" charset="0"/>
-              </a:rPr>
-              <a:t> </a:t>
-            </a:r>
-            <a:r>
-              <a:rPr lang="en-US" sz="1200" err="1">
-                <a:effectLst/>
-                <a:latin typeface="Times New Roman" panose="02020603050405020304" pitchFamily="18" charset="0"/>
-                <a:ea typeface="Calibri" panose="020F0502020204030204" pitchFamily="34" charset="0"/>
-              </a:rPr>
-              <a:t>tế</a:t>
-            </a:r>
-            <a:r>
-              <a:rPr lang="en-US" sz="1200">
-                <a:effectLst/>
-                <a:latin typeface="Times New Roman" panose="02020603050405020304" pitchFamily="18" charset="0"/>
-                <a:ea typeface="Calibri" panose="020F0502020204030204" pitchFamily="34" charset="0"/>
-              </a:rPr>
-              <a:t> </a:t>
-            </a:r>
-            <a:r>
-              <a:rPr lang="en-US" sz="1200" err="1">
-                <a:effectLst/>
-                <a:latin typeface="Times New Roman" panose="02020603050405020304" pitchFamily="18" charset="0"/>
-                <a:ea typeface="Calibri" panose="020F0502020204030204" pitchFamily="34" charset="0"/>
-              </a:rPr>
-              <a:t>được</a:t>
-            </a:r>
-            <a:r>
-              <a:rPr lang="en-US" sz="1200">
-                <a:effectLst/>
-                <a:latin typeface="Times New Roman" panose="02020603050405020304" pitchFamily="18" charset="0"/>
-                <a:ea typeface="Calibri" panose="020F0502020204030204" pitchFamily="34" charset="0"/>
-              </a:rPr>
-              <a:t> </a:t>
-            </a:r>
-            <a:r>
-              <a:rPr lang="en-US" sz="1200" err="1">
-                <a:effectLst/>
-                <a:latin typeface="Times New Roman" panose="02020603050405020304" pitchFamily="18" charset="0"/>
-                <a:ea typeface="Calibri" panose="020F0502020204030204" pitchFamily="34" charset="0"/>
-              </a:rPr>
-              <a:t>đặt</a:t>
-            </a:r>
-            <a:r>
-              <a:rPr lang="en-US" sz="1200">
-                <a:effectLst/>
-                <a:latin typeface="Times New Roman" panose="02020603050405020304" pitchFamily="18" charset="0"/>
-                <a:ea typeface="Calibri" panose="020F0502020204030204" pitchFamily="34" charset="0"/>
-              </a:rPr>
-              <a:t> ra </a:t>
-            </a:r>
-            <a:r>
-              <a:rPr lang="en-US" sz="1200" err="1">
-                <a:effectLst/>
-                <a:latin typeface="Times New Roman" panose="02020603050405020304" pitchFamily="18" charset="0"/>
-                <a:ea typeface="Calibri" panose="020F0502020204030204" pitchFamily="34" charset="0"/>
-              </a:rPr>
-              <a:t>cho</a:t>
-            </a:r>
-            <a:r>
-              <a:rPr lang="en-US" sz="1200">
-                <a:effectLst/>
-                <a:latin typeface="Times New Roman" panose="02020603050405020304" pitchFamily="18" charset="0"/>
-                <a:ea typeface="Calibri" panose="020F0502020204030204" pitchFamily="34" charset="0"/>
-              </a:rPr>
-              <a:t> </a:t>
-            </a:r>
-            <a:r>
-              <a:rPr lang="en-US" sz="1200" err="1">
-                <a:effectLst/>
-                <a:latin typeface="Times New Roman" panose="02020603050405020304" pitchFamily="18" charset="0"/>
-                <a:ea typeface="Calibri" panose="020F0502020204030204" pitchFamily="34" charset="0"/>
-              </a:rPr>
-              <a:t>ngành</a:t>
-            </a:r>
-            <a:r>
-              <a:rPr lang="en-US" sz="1200">
-                <a:effectLst/>
-                <a:latin typeface="Times New Roman" panose="02020603050405020304" pitchFamily="18" charset="0"/>
-                <a:ea typeface="Calibri" panose="020F0502020204030204" pitchFamily="34" charset="0"/>
-              </a:rPr>
-              <a:t> </a:t>
-            </a:r>
-            <a:r>
-              <a:rPr lang="en-US" sz="1200" err="1">
-                <a:effectLst/>
-                <a:latin typeface="Times New Roman" panose="02020603050405020304" pitchFamily="18" charset="0"/>
-                <a:ea typeface="Calibri" panose="020F0502020204030204" pitchFamily="34" charset="0"/>
-              </a:rPr>
-              <a:t>công</a:t>
-            </a:r>
-            <a:r>
-              <a:rPr lang="en-US" sz="1200">
-                <a:effectLst/>
-                <a:latin typeface="Times New Roman" panose="02020603050405020304" pitchFamily="18" charset="0"/>
-                <a:ea typeface="Calibri" panose="020F0502020204030204" pitchFamily="34" charset="0"/>
-              </a:rPr>
-              <a:t> </a:t>
-            </a:r>
-            <a:r>
-              <a:rPr lang="en-US" sz="1200" err="1">
-                <a:effectLst/>
-                <a:latin typeface="Times New Roman" panose="02020603050405020304" pitchFamily="18" charset="0"/>
-                <a:ea typeface="Calibri" panose="020F0502020204030204" pitchFamily="34" charset="0"/>
-              </a:rPr>
-              <a:t>nghiệp</a:t>
-            </a:r>
-            <a:r>
-              <a:rPr lang="en-US" sz="1200">
-                <a:effectLst/>
-                <a:latin typeface="Times New Roman" panose="02020603050405020304" pitchFamily="18" charset="0"/>
-                <a:ea typeface="Calibri" panose="020F0502020204030204" pitchFamily="34" charset="0"/>
-              </a:rPr>
-              <a:t> </a:t>
-            </a:r>
-            <a:r>
-              <a:rPr lang="en-US" sz="1200" err="1">
-                <a:effectLst/>
-                <a:latin typeface="Times New Roman" panose="02020603050405020304" pitchFamily="18" charset="0"/>
-                <a:ea typeface="Calibri" panose="020F0502020204030204" pitchFamily="34" charset="0"/>
-              </a:rPr>
-              <a:t>sắt</a:t>
-            </a:r>
-            <a:r>
-              <a:rPr lang="en-US" sz="1200">
-                <a:effectLst/>
-                <a:latin typeface="Times New Roman" panose="02020603050405020304" pitchFamily="18" charset="0"/>
-                <a:ea typeface="Calibri" panose="020F0502020204030204" pitchFamily="34" charset="0"/>
-              </a:rPr>
-              <a:t> </a:t>
-            </a:r>
-            <a:r>
-              <a:rPr lang="en-US" sz="1200" err="1">
-                <a:effectLst/>
-                <a:latin typeface="Times New Roman" panose="02020603050405020304" pitchFamily="18" charset="0"/>
-                <a:ea typeface="Calibri" panose="020F0502020204030204" pitchFamily="34" charset="0"/>
-              </a:rPr>
-              <a:t>thép</a:t>
-            </a:r>
-            <a:r>
-              <a:rPr lang="en-US" sz="1200">
-                <a:effectLst/>
-                <a:latin typeface="Times New Roman" panose="02020603050405020304" pitchFamily="18" charset="0"/>
-                <a:ea typeface="Calibri" panose="020F0502020204030204" pitchFamily="34" charset="0"/>
-              </a:rPr>
-              <a:t>. </a:t>
-            </a:r>
-            <a:r>
-              <a:rPr lang="en-US" sz="1200" err="1">
-                <a:effectLst/>
-                <a:latin typeface="Times New Roman" panose="02020603050405020304" pitchFamily="18" charset="0"/>
-                <a:ea typeface="Calibri" panose="020F0502020204030204" pitchFamily="34" charset="0"/>
-              </a:rPr>
-              <a:t>Nếu</a:t>
-            </a:r>
-            <a:r>
-              <a:rPr lang="en-US" sz="1200">
-                <a:effectLst/>
-                <a:latin typeface="Times New Roman" panose="02020603050405020304" pitchFamily="18" charset="0"/>
-                <a:ea typeface="Calibri" panose="020F0502020204030204" pitchFamily="34" charset="0"/>
-              </a:rPr>
-              <a:t> </a:t>
-            </a:r>
-            <a:r>
-              <a:rPr lang="en-US" sz="1200" err="1">
-                <a:effectLst/>
-                <a:latin typeface="Times New Roman" panose="02020603050405020304" pitchFamily="18" charset="0"/>
-                <a:ea typeface="Calibri" panose="020F0502020204030204" pitchFamily="34" charset="0"/>
-              </a:rPr>
-              <a:t>Giải</a:t>
-            </a:r>
-            <a:r>
-              <a:rPr lang="en-US" sz="1200">
-                <a:effectLst/>
-                <a:latin typeface="Times New Roman" panose="02020603050405020304" pitchFamily="18" charset="0"/>
-                <a:ea typeface="Calibri" panose="020F0502020204030204" pitchFamily="34" charset="0"/>
-              </a:rPr>
-              <a:t> </a:t>
-            </a:r>
-            <a:r>
-              <a:rPr lang="en-US" sz="1200" err="1">
-                <a:effectLst/>
-                <a:latin typeface="Times New Roman" panose="02020603050405020304" pitchFamily="18" charset="0"/>
-                <a:ea typeface="Calibri" panose="020F0502020204030204" pitchFamily="34" charset="0"/>
-              </a:rPr>
-              <a:t>quyết</a:t>
-            </a:r>
-            <a:r>
-              <a:rPr lang="en-US" sz="1200">
-                <a:effectLst/>
-                <a:latin typeface="Times New Roman" panose="02020603050405020304" pitchFamily="18" charset="0"/>
-                <a:ea typeface="Calibri" panose="020F0502020204030204" pitchFamily="34" charset="0"/>
-              </a:rPr>
-              <a:t> </a:t>
-            </a:r>
-            <a:r>
-              <a:rPr lang="en-US" sz="1200" err="1">
-                <a:effectLst/>
-                <a:latin typeface="Times New Roman" panose="02020603050405020304" pitchFamily="18" charset="0"/>
-                <a:ea typeface="Calibri" panose="020F0502020204030204" pitchFamily="34" charset="0"/>
-              </a:rPr>
-              <a:t>được</a:t>
-            </a:r>
-            <a:r>
-              <a:rPr lang="en-US" sz="1200">
-                <a:effectLst/>
-                <a:latin typeface="Times New Roman" panose="02020603050405020304" pitchFamily="18" charset="0"/>
-                <a:ea typeface="Calibri" panose="020F0502020204030204" pitchFamily="34" charset="0"/>
-              </a:rPr>
-              <a:t> </a:t>
-            </a:r>
-            <a:r>
-              <a:rPr lang="en-US" sz="1200" err="1">
-                <a:effectLst/>
-                <a:latin typeface="Times New Roman" panose="02020603050405020304" pitchFamily="18" charset="0"/>
-                <a:ea typeface="Calibri" panose="020F0502020204030204" pitchFamily="34" charset="0"/>
-              </a:rPr>
-              <a:t>bài</a:t>
-            </a:r>
-            <a:r>
-              <a:rPr lang="en-US" sz="1200">
-                <a:effectLst/>
-                <a:latin typeface="Times New Roman" panose="02020603050405020304" pitchFamily="18" charset="0"/>
-                <a:ea typeface="Calibri" panose="020F0502020204030204" pitchFamily="34" charset="0"/>
-              </a:rPr>
-              <a:t> </a:t>
-            </a:r>
-            <a:r>
-              <a:rPr lang="en-US" sz="1200" err="1">
-                <a:effectLst/>
-                <a:latin typeface="Times New Roman" panose="02020603050405020304" pitchFamily="18" charset="0"/>
-                <a:ea typeface="Calibri" panose="020F0502020204030204" pitchFamily="34" charset="0"/>
-              </a:rPr>
-              <a:t>toán</a:t>
-            </a:r>
-            <a:r>
-              <a:rPr lang="en-US" sz="1200">
-                <a:effectLst/>
-                <a:latin typeface="Times New Roman" panose="02020603050405020304" pitchFamily="18" charset="0"/>
-                <a:ea typeface="Calibri" panose="020F0502020204030204" pitchFamily="34" charset="0"/>
-              </a:rPr>
-              <a:t> </a:t>
-            </a:r>
-            <a:r>
-              <a:rPr lang="en-US" sz="1200" err="1">
-                <a:effectLst/>
-                <a:latin typeface="Times New Roman" panose="02020603050405020304" pitchFamily="18" charset="0"/>
-                <a:ea typeface="Calibri" panose="020F0502020204030204" pitchFamily="34" charset="0"/>
-              </a:rPr>
-              <a:t>này</a:t>
-            </a:r>
-            <a:r>
-              <a:rPr lang="en-US" sz="1200">
-                <a:effectLst/>
-                <a:latin typeface="Times New Roman" panose="02020603050405020304" pitchFamily="18" charset="0"/>
-                <a:ea typeface="Calibri" panose="020F0502020204030204" pitchFamily="34" charset="0"/>
-              </a:rPr>
-              <a:t>, </a:t>
-            </a:r>
-            <a:r>
-              <a:rPr lang="en-US" sz="1200" err="1">
-                <a:effectLst/>
-                <a:latin typeface="Times New Roman" panose="02020603050405020304" pitchFamily="18" charset="0"/>
-                <a:ea typeface="Calibri" panose="020F0502020204030204" pitchFamily="34" charset="0"/>
-              </a:rPr>
-              <a:t>sẽ</a:t>
-            </a:r>
-            <a:r>
-              <a:rPr lang="en-US" sz="1200">
-                <a:effectLst/>
-                <a:latin typeface="Times New Roman" panose="02020603050405020304" pitchFamily="18" charset="0"/>
-                <a:ea typeface="Calibri" panose="020F0502020204030204" pitchFamily="34" charset="0"/>
-              </a:rPr>
-              <a:t> </a:t>
-            </a:r>
-            <a:r>
-              <a:rPr lang="en-US" sz="1200" err="1">
-                <a:effectLst/>
-                <a:latin typeface="Times New Roman" panose="02020603050405020304" pitchFamily="18" charset="0"/>
-                <a:ea typeface="Calibri" panose="020F0502020204030204" pitchFamily="34" charset="0"/>
-              </a:rPr>
-              <a:t>giúp</a:t>
-            </a:r>
-            <a:r>
-              <a:rPr lang="en-US" sz="1200">
-                <a:effectLst/>
-                <a:latin typeface="Times New Roman" panose="02020603050405020304" pitchFamily="18" charset="0"/>
-                <a:ea typeface="Calibri" panose="020F0502020204030204" pitchFamily="34" charset="0"/>
-              </a:rPr>
-              <a:t> </a:t>
-            </a:r>
-            <a:r>
-              <a:rPr lang="en-US" sz="1200" err="1">
-                <a:effectLst/>
-                <a:latin typeface="Times New Roman" panose="02020603050405020304" pitchFamily="18" charset="0"/>
-                <a:ea typeface="Calibri" panose="020F0502020204030204" pitchFamily="34" charset="0"/>
-              </a:rPr>
-              <a:t>các</a:t>
-            </a:r>
-            <a:r>
-              <a:rPr lang="en-US" sz="1200">
-                <a:effectLst/>
-                <a:latin typeface="Times New Roman" panose="02020603050405020304" pitchFamily="18" charset="0"/>
-                <a:ea typeface="Calibri" panose="020F0502020204030204" pitchFamily="34" charset="0"/>
-              </a:rPr>
-              <a:t> doánh nghiệp có </a:t>
-            </a:r>
-            <a:r>
-              <a:rPr lang="en-US" sz="1200" err="1">
-                <a:effectLst/>
-                <a:latin typeface="Times New Roman" panose="02020603050405020304" pitchFamily="18" charset="0"/>
-                <a:ea typeface="Calibri" panose="020F0502020204030204" pitchFamily="34" charset="0"/>
-              </a:rPr>
-              <a:t>thể</a:t>
-            </a:r>
-            <a:r>
-              <a:rPr lang="en-US" sz="1200">
-                <a:effectLst/>
-                <a:latin typeface="Times New Roman" panose="02020603050405020304" pitchFamily="18" charset="0"/>
-                <a:ea typeface="Calibri" panose="020F0502020204030204" pitchFamily="34" charset="0"/>
-              </a:rPr>
-              <a:t> giảm khá nhiều thời </a:t>
-            </a:r>
-            <a:r>
-              <a:rPr lang="en-US" sz="1200" err="1">
-                <a:effectLst/>
-                <a:latin typeface="Times New Roman" panose="02020603050405020304" pitchFamily="18" charset="0"/>
-                <a:ea typeface="Calibri" panose="020F0502020204030204" pitchFamily="34" charset="0"/>
-              </a:rPr>
-              <a:t>gian</a:t>
-            </a:r>
-            <a:r>
-              <a:rPr lang="en-US" sz="1200">
-                <a:effectLst/>
-                <a:latin typeface="Times New Roman" panose="02020603050405020304" pitchFamily="18" charset="0"/>
-                <a:ea typeface="Calibri" panose="020F0502020204030204" pitchFamily="34" charset="0"/>
-              </a:rPr>
-              <a:t> </a:t>
-            </a:r>
-            <a:r>
-              <a:rPr lang="en-US" sz="1200" err="1">
-                <a:effectLst/>
-                <a:latin typeface="Times New Roman" panose="02020603050405020304" pitchFamily="18" charset="0"/>
-                <a:ea typeface="Calibri" panose="020F0502020204030204" pitchFamily="34" charset="0"/>
-              </a:rPr>
-              <a:t>tính</a:t>
-            </a:r>
-            <a:r>
-              <a:rPr lang="en-US" sz="1200">
-                <a:effectLst/>
-                <a:latin typeface="Times New Roman" panose="02020603050405020304" pitchFamily="18" charset="0"/>
-                <a:ea typeface="Calibri" panose="020F0502020204030204" pitchFamily="34" charset="0"/>
-              </a:rPr>
-              <a:t> </a:t>
-            </a:r>
-            <a:r>
-              <a:rPr lang="en-US" sz="1200" err="1">
-                <a:effectLst/>
-                <a:latin typeface="Times New Roman" panose="02020603050405020304" pitchFamily="18" charset="0"/>
-                <a:ea typeface="Calibri" panose="020F0502020204030204" pitchFamily="34" charset="0"/>
-              </a:rPr>
-              <a:t>toán</a:t>
-            </a:r>
-            <a:r>
-              <a:rPr lang="en-US" sz="1200">
-                <a:effectLst/>
-                <a:latin typeface="Times New Roman" panose="02020603050405020304" pitchFamily="18" charset="0"/>
-                <a:ea typeface="Calibri" panose="020F0502020204030204" pitchFamily="34" charset="0"/>
-              </a:rPr>
-              <a:t> </a:t>
-            </a:r>
-            <a:r>
-              <a:rPr lang="en-US" sz="1200" err="1">
-                <a:effectLst/>
-                <a:latin typeface="Times New Roman" panose="02020603050405020304" pitchFamily="18" charset="0"/>
-                <a:ea typeface="Calibri" panose="020F0502020204030204" pitchFamily="34" charset="0"/>
-              </a:rPr>
-              <a:t>với</a:t>
-            </a:r>
-            <a:r>
-              <a:rPr lang="en-US" sz="1200">
-                <a:effectLst/>
-                <a:latin typeface="Times New Roman" panose="02020603050405020304" pitchFamily="18" charset="0"/>
-                <a:ea typeface="Calibri" panose="020F0502020204030204" pitchFamily="34" charset="0"/>
-              </a:rPr>
-              <a:t> </a:t>
-            </a:r>
-            <a:r>
-              <a:rPr lang="en-US" sz="1200" err="1">
-                <a:effectLst/>
-                <a:latin typeface="Times New Roman" panose="02020603050405020304" pitchFamily="18" charset="0"/>
-                <a:ea typeface="Calibri" panose="020F0502020204030204" pitchFamily="34" charset="0"/>
-              </a:rPr>
-              <a:t>số</a:t>
-            </a:r>
-            <a:r>
-              <a:rPr lang="en-US" sz="1200">
-                <a:effectLst/>
-                <a:latin typeface="Times New Roman" panose="02020603050405020304" pitchFamily="18" charset="0"/>
-                <a:ea typeface="Calibri" panose="020F0502020204030204" pitchFamily="34" charset="0"/>
-              </a:rPr>
-              <a:t> </a:t>
-            </a:r>
-            <a:r>
-              <a:rPr lang="en-US" sz="1200" err="1">
-                <a:effectLst/>
-                <a:latin typeface="Times New Roman" panose="02020603050405020304" pitchFamily="18" charset="0"/>
-                <a:ea typeface="Calibri" panose="020F0502020204030204" pitchFamily="34" charset="0"/>
-              </a:rPr>
-              <a:t>lượng</a:t>
-            </a:r>
-            <a:r>
-              <a:rPr lang="en-US" sz="1200">
-                <a:effectLst/>
-                <a:latin typeface="Times New Roman" panose="02020603050405020304" pitchFamily="18" charset="0"/>
-                <a:ea typeface="Calibri" panose="020F0502020204030204" pitchFamily="34" charset="0"/>
-              </a:rPr>
-              <a:t> </a:t>
-            </a:r>
-            <a:r>
-              <a:rPr lang="en-US" sz="1200" err="1">
-                <a:effectLst/>
-                <a:latin typeface="Times New Roman" panose="02020603050405020304" pitchFamily="18" charset="0"/>
-                <a:ea typeface="Calibri" panose="020F0502020204030204" pitchFamily="34" charset="0"/>
-              </a:rPr>
-              <a:t>vật</a:t>
-            </a:r>
-            <a:r>
-              <a:rPr lang="en-US" sz="1200">
-                <a:effectLst/>
-                <a:latin typeface="Times New Roman" panose="02020603050405020304" pitchFamily="18" charset="0"/>
-                <a:ea typeface="Calibri" panose="020F0502020204030204" pitchFamily="34" charset="0"/>
-              </a:rPr>
-              <a:t> </a:t>
-            </a:r>
-            <a:r>
-              <a:rPr lang="en-US" sz="1200" err="1">
-                <a:effectLst/>
-                <a:latin typeface="Times New Roman" panose="02020603050405020304" pitchFamily="18" charset="0"/>
-                <a:ea typeface="Calibri" panose="020F0502020204030204" pitchFamily="34" charset="0"/>
-              </a:rPr>
-              <a:t>liệu</a:t>
-            </a:r>
-            <a:r>
-              <a:rPr lang="en-US" sz="1200">
-                <a:effectLst/>
-                <a:latin typeface="Times New Roman" panose="02020603050405020304" pitchFamily="18" charset="0"/>
-                <a:ea typeface="Calibri" panose="020F0502020204030204" pitchFamily="34" charset="0"/>
-              </a:rPr>
-              <a:t> </a:t>
-            </a:r>
-            <a:r>
-              <a:rPr lang="en-US" sz="1200" err="1">
-                <a:effectLst/>
-                <a:latin typeface="Times New Roman" panose="02020603050405020304" pitchFamily="18" charset="0"/>
-                <a:ea typeface="Calibri" panose="020F0502020204030204" pitchFamily="34" charset="0"/>
-              </a:rPr>
-              <a:t>lớn</a:t>
-            </a:r>
-            <a:r>
-              <a:rPr lang="en-US" sz="1200">
-                <a:effectLst/>
-                <a:latin typeface="Times New Roman" panose="02020603050405020304" pitchFamily="18" charset="0"/>
-                <a:ea typeface="Calibri" panose="020F0502020204030204" pitchFamily="34" charset="0"/>
-              </a:rPr>
-              <a:t> </a:t>
-            </a:r>
-            <a:r>
-              <a:rPr lang="en-US" sz="1200" err="1">
-                <a:effectLst/>
-                <a:latin typeface="Times New Roman" panose="02020603050405020304" pitchFamily="18" charset="0"/>
-                <a:ea typeface="Calibri" panose="020F0502020204030204" pitchFamily="34" charset="0"/>
-              </a:rPr>
-              <a:t>theo</a:t>
-            </a:r>
-            <a:r>
-              <a:rPr lang="en-US" sz="1200">
-                <a:effectLst/>
-                <a:latin typeface="Times New Roman" panose="02020603050405020304" pitchFamily="18" charset="0"/>
-                <a:ea typeface="Calibri" panose="020F0502020204030204" pitchFamily="34" charset="0"/>
-              </a:rPr>
-              <a:t> </a:t>
-            </a:r>
-            <a:r>
-              <a:rPr lang="en-US" sz="1200" err="1">
-                <a:effectLst/>
-                <a:latin typeface="Times New Roman" panose="02020603050405020304" pitchFamily="18" charset="0"/>
-                <a:ea typeface="Calibri" panose="020F0502020204030204" pitchFamily="34" charset="0"/>
-              </a:rPr>
-              <a:t>nhiều</a:t>
-            </a:r>
-            <a:r>
-              <a:rPr lang="en-US" sz="1200">
-                <a:effectLst/>
-                <a:latin typeface="Times New Roman" panose="02020603050405020304" pitchFamily="18" charset="0"/>
-                <a:ea typeface="Calibri" panose="020F0502020204030204" pitchFamily="34" charset="0"/>
-              </a:rPr>
-              <a:t> </a:t>
-            </a:r>
-            <a:r>
-              <a:rPr lang="en-US" sz="1200" err="1">
-                <a:effectLst/>
-                <a:latin typeface="Times New Roman" panose="02020603050405020304" pitchFamily="18" charset="0"/>
-                <a:ea typeface="Calibri" panose="020F0502020204030204" pitchFamily="34" charset="0"/>
-              </a:rPr>
-              <a:t>tiêu</a:t>
-            </a:r>
-            <a:r>
-              <a:rPr lang="en-US" sz="1200">
-                <a:effectLst/>
-                <a:latin typeface="Times New Roman" panose="02020603050405020304" pitchFamily="18" charset="0"/>
-                <a:ea typeface="Calibri" panose="020F0502020204030204" pitchFamily="34" charset="0"/>
-              </a:rPr>
-              <a:t> </a:t>
-            </a:r>
-            <a:r>
-              <a:rPr lang="en-US" sz="1200" err="1">
-                <a:effectLst/>
-                <a:latin typeface="Times New Roman" panose="02020603050405020304" pitchFamily="18" charset="0"/>
-                <a:ea typeface="Calibri" panose="020F0502020204030204" pitchFamily="34" charset="0"/>
-              </a:rPr>
-              <a:t>chí</a:t>
-            </a:r>
-            <a:r>
-              <a:rPr lang="en-US" sz="1200">
-                <a:effectLst/>
-                <a:latin typeface="Times New Roman" panose="02020603050405020304" pitchFamily="18" charset="0"/>
-                <a:ea typeface="Calibri" panose="020F0502020204030204" pitchFamily="34" charset="0"/>
-              </a:rPr>
-              <a:t> </a:t>
-            </a:r>
-            <a:r>
-              <a:rPr lang="en-US" sz="1200" err="1">
-                <a:effectLst/>
-                <a:latin typeface="Times New Roman" panose="02020603050405020304" pitchFamily="18" charset="0"/>
-                <a:ea typeface="Calibri" panose="020F0502020204030204" pitchFamily="34" charset="0"/>
-              </a:rPr>
-              <a:t>khác</a:t>
-            </a:r>
-            <a:r>
-              <a:rPr lang="en-US" sz="1200">
-                <a:effectLst/>
-                <a:latin typeface="Times New Roman" panose="02020603050405020304" pitchFamily="18" charset="0"/>
-                <a:ea typeface="Calibri" panose="020F0502020204030204" pitchFamily="34" charset="0"/>
-              </a:rPr>
-              <a:t> </a:t>
-            </a:r>
-            <a:r>
-              <a:rPr lang="en-US" sz="1200" err="1">
-                <a:effectLst/>
-                <a:latin typeface="Times New Roman" panose="02020603050405020304" pitchFamily="18" charset="0"/>
-                <a:ea typeface="Calibri" panose="020F0502020204030204" pitchFamily="34" charset="0"/>
-              </a:rPr>
-              <a:t>nhau</a:t>
-            </a:r>
-            <a:r>
-              <a:rPr lang="en-US" sz="1200">
-                <a:effectLst/>
-                <a:latin typeface="Times New Roman" panose="02020603050405020304" pitchFamily="18" charset="0"/>
-                <a:ea typeface="Calibri" panose="020F0502020204030204" pitchFamily="34" charset="0"/>
-              </a:rPr>
-              <a:t>. Từ vấn đề nêu ở trên </a:t>
-            </a:r>
-            <a:r>
-              <a:rPr lang="en-US" sz="1200" err="1">
-                <a:effectLst/>
-                <a:latin typeface="Times New Roman" panose="02020603050405020304" pitchFamily="18" charset="0"/>
-                <a:ea typeface="Calibri" panose="020F0502020204030204" pitchFamily="34" charset="0"/>
-              </a:rPr>
-              <a:t>em</a:t>
-            </a:r>
-            <a:r>
-              <a:rPr lang="en-US" sz="1200">
-                <a:effectLst/>
-                <a:latin typeface="Times New Roman" panose="02020603050405020304" pitchFamily="18" charset="0"/>
-                <a:ea typeface="Calibri" panose="020F0502020204030204" pitchFamily="34" charset="0"/>
-              </a:rPr>
-              <a:t> </a:t>
-            </a:r>
-            <a:r>
-              <a:rPr lang="en-US" sz="1200" err="1">
-                <a:effectLst/>
-                <a:latin typeface="Times New Roman" panose="02020603050405020304" pitchFamily="18" charset="0"/>
-                <a:ea typeface="Calibri" panose="020F0502020204030204" pitchFamily="34" charset="0"/>
-              </a:rPr>
-              <a:t>đã</a:t>
-            </a:r>
-            <a:r>
-              <a:rPr lang="en-US" sz="1200">
-                <a:effectLst/>
-                <a:latin typeface="Times New Roman" panose="02020603050405020304" pitchFamily="18" charset="0"/>
-                <a:ea typeface="Calibri" panose="020F0502020204030204" pitchFamily="34" charset="0"/>
-              </a:rPr>
-              <a:t> viết ra một bài toán cụ thể với các mục chính là đầu vào bài toán, các tiêu chí của bài toán và cuối cùng là đầu ra của bài toán:</a:t>
-            </a:r>
-          </a:p>
-          <a:p>
-            <a:pPr indent="228600" algn="just">
-              <a:lnSpc>
-                <a:spcPct val="130000"/>
-              </a:lnSpc>
-              <a:spcAft>
-                <a:spcPts val="800"/>
-              </a:spcAft>
-            </a:pPr>
             <a:endParaRPr lang="en-US" sz="1200">
               <a:effectLst/>
               <a:latin typeface="Times New Roman" panose="02020603050405020304" pitchFamily="18" charset="0"/>
@@ -3055,7 +2098,7 @@
                 <a:ea typeface="Calibri" panose="020F0502020204030204" pitchFamily="34" charset="0"/>
                 <a:cs typeface="Times New Roman" panose="02020603050405020304" pitchFamily="18" charset="0"/>
               </a:rPr>
-              <a:t>Tiếp đến là vật liệu: danh sách các loại vật liệu thô là những thanh thép có ở trong kho được chia thành hai kiểu vật liệu:</a:t>
+              <a:t>Tiếp đến là nguyên liệu: là những thanh thép có ở trong kho được chia thành hai kiểu vật liệu:</a:t>
             </a:r>
             <a:endParaRPr lang="en-US" sz="1200">
               <a:effectLst/>
@@ -3252,15 +2295,13 @@
           <a:bodyPr/>
           <a:lstStyle/>
           <a:p>
-            <a:r>
-              <a:rPr lang="en-US"/>
-              <a:t>15s</a:t>
-            </a:r>
-          </a:p>
-          <a:p>
-            <a:r>
-              <a:rPr lang="en-US"/>
-              <a:t>Với bài toán trên thì em đưa ra hai giải thuật tương ứng với hai tiêu chí của bài toán  đó là giải thuật cắt nhanh và giải thuật cắt tiết kiệm</a:t>
+            <a:pPr marL="0" indent="0">
+              <a:buFontTx/>
+              <a:buNone/>
+            </a:pPr>
+            <a:r>
+              <a:rPr lang="en-US" sz="1200"/>
+              <a:t>Về các công trình liên quan thì e có nêu ra hai bài báo, tuy nhhiên để tiết kiệm thời gian thì em xin phép không đi sâu vào phần này, để biết thêm chi tiết thì các thầy cô có thể đọc trong bản báo cáo khóa luận của e ạ.</a:t>
             </a:r>
           </a:p>
         </p:txBody>
@@ -3291,7 +2332,7 @@
     </p:spTree>
     <p:extLst>
       <p:ext uri="{BB962C8B-B14F-4D97-AF65-F5344CB8AC3E}">
-        <p14:creationId xmlns:p14="http://schemas.microsoft.com/office/powerpoint/2010/main" val="4205212783"/>
+        <p14:creationId xmlns:p14="http://schemas.microsoft.com/office/powerpoint/2010/main" val="2465623706"/>
       </p:ext>
     </p:extLst>
   </p:cSld>
@@ -3347,52 +2388,13 @@
           <a:p>
             <a:r>
               <a:rPr lang="en-US"/>
-              <a:t>Đầu tiên ta sắp xếp các thanh nguyên liệu và các thanh đơnhàng theo chiều dài giảm dần, </a:t>
+              <a:t>15s</a:t>
             </a:r>
           </a:p>
           <a:p>
             <a:r>
               <a:rPr lang="en-US"/>
-              <a:t>sau đó kiểm tra xem có thanh nguyên liệu nào dài hơn thanh đơn hàng dài nhất, </a:t>
-            </a:r>
-          </a:p>
-          <a:p>
-            <a:r>
-              <a:rPr lang="en-US"/>
-              <a:t>nếu có sẽ tiến hành đẩy hết toàn bộ các thanh nguyên liệu vào chức năng TÌM PHƯƠNG ÁN CẮT, </a:t>
-            </a:r>
-          </a:p>
-          <a:p>
-            <a:r>
-              <a:rPr lang="en-US"/>
-              <a:t>sau khi tìm phương án cắt xong, ta bỏ 1 thanh nguyên liệu dài nhất ra khỏi danh sách vật liệu, </a:t>
-            </a:r>
-          </a:p>
-          <a:p>
-            <a:r>
-              <a:rPr lang="en-US"/>
-              <a:t>sau đó lại quay lại bước tìm kiếm THANH NGUYÊN LIỆU DÀI HƠN THANH ĐƠN HÀNG DÀI NHẤT, </a:t>
-            </a:r>
-          </a:p>
-          <a:p>
-            <a:r>
-              <a:rPr lang="en-US"/>
-              <a:t>cứ như vậy cho đến khi không tìm kiếm được nữa, khi đó ta đã có một danh sách các phương án</a:t>
-            </a:r>
-          </a:p>
-          <a:p>
-            <a:r>
-              <a:rPr lang="en-US"/>
-              <a:t>và tiếp tục bước cuối cùng là chọn một phương án tốt nhất chính là phương án sử dụng ít thanh thép nhất.</a:t>
-            </a:r>
-          </a:p>
-          <a:p>
-            <a:endParaRPr lang="en-US"/>
-          </a:p>
-          <a:p>
-            <a:r>
-              <a:rPr lang="en-US"/>
-              <a:t>Về chức năng  TÌM PHƯƠNG ÁN CẮT</a:t>
+              <a:t>Với bài toán trên thì em đưa ra hai giải thuật tương ứng với hai tiêu chí của bài toán  đó là giải thuật cắt nhanh và giải thuật cắt tiết kiệm</a:t>
             </a:r>
           </a:p>
         </p:txBody>
@@ -3423,7 +2425,7 @@
     </p:spTree>
     <p:extLst>
       <p:ext uri="{BB962C8B-B14F-4D97-AF65-F5344CB8AC3E}">
-        <p14:creationId xmlns:p14="http://schemas.microsoft.com/office/powerpoint/2010/main" val="2765390062"/>
+        <p14:creationId xmlns:p14="http://schemas.microsoft.com/office/powerpoint/2010/main" val="4205212783"/>
       </p:ext>
     </p:extLst>
   </p:cSld>
@@ -3479,53 +2481,53 @@
           <a:p>
             <a:r>
               <a:rPr lang="en-US"/>
-              <a:t>Thì em sử dụng giải thuật tham lam để tìm kiếm phương án.</a:t>
+              <a:t>Đầu tiên ta sắp xếp các thanh nguyên liệu và các thanh đơnhàng theo chiều dài giảm dần, </a:t>
             </a:r>
           </a:p>
           <a:p>
             <a:r>
               <a:rPr lang="en-US"/>
-              <a:t>Đầu tiên là Đưa Thanh Nguyên Liệu Dài Nhất Lên Máy </a:t>
+              <a:t>sau đó kiểm tra xem có thanh nguyên liệu nào dài hơn thanh đơn hàng dài nhất, </a:t>
             </a:r>
           </a:p>
           <a:p>
             <a:r>
               <a:rPr lang="en-US"/>
-              <a:t>-&gt; sau đó kiểm tra xem Có Thanh Đơn Hàngnào Ngắn Hơn thanh nguyên liệu trên máy hay không</a:t>
+              <a:t>nếu có sẽ tiến hành đẩy hết toàn bộ các thanh nguyên liệu vào chức năng TÌM PHƯƠNG ÁN CẮT, </a:t>
             </a:r>
           </a:p>
           <a:p>
             <a:r>
               <a:rPr lang="en-US"/>
-              <a:t>-&gt; nếu có thì tiến hành cắt theo thanh đơn hang dài nhất có thể; cứ tiếp tục như vậy cho đến khi thanh nguyên liệu trên máy </a:t>
+              <a:t>sau khi tìm phương án cắt xong, ta bỏ 1 thanh nguyên liệu dài nhất ra khỏi danh sách vật liệu, </a:t>
             </a:r>
           </a:p>
           <a:p>
             <a:r>
               <a:rPr lang="en-US"/>
-              <a:t>không thể cắt cho thanh đơn hàngnào nữa thì bỏ thanh nguyên liệu đó ra khỏi máy; </a:t>
+              <a:t>sau đó lại quay lại bước tìm kiếm THANH NGUYÊN LIỆU DÀI HƠN THANH ĐƠN HÀNG DÀI NHẤT, </a:t>
             </a:r>
           </a:p>
           <a:p>
             <a:r>
               <a:rPr lang="en-US"/>
-              <a:t>rồi tiếp đó kiểm tra xem ĐÃ HẾT ĐƠN HANG HOẶC KHÔNG CÒN THANH NGUYÊN LIỆU NÀO ĐỦ DÀI</a:t>
+              <a:t>cứ như vậy cho đến khi không tìm kiếm được nữa, khi đó ta đã có một danh sách các phương án</a:t>
             </a:r>
           </a:p>
           <a:p>
             <a:r>
               <a:rPr lang="en-US"/>
-              <a:t>Nếu sai thì tiếp tục đưa thanh nguyên liệu dài nhất lên máy rồi cứ tiếp tục vòng tuần hoàn như vậy cho đến khi </a:t>
-            </a:r>
+              <a:t>và tiếp tục bước cuối cùng là chọn một phương án tốt nhất chính là phương án sử dụng ít thanh thép nhất.</a:t>
+            </a:r>
+          </a:p>
+          <a:p>
+            <a:endParaRPr lang="en-US"/>
           </a:p>
           <a:p>
             <a:r>
               <a:rPr lang="en-US"/>
-              <a:t>ĐÃ HẾT ĐƠN HANG HOẶC KHÔNG CÒN THANH NGUYÊN LIỆU NÀO ĐỦ DÀI thì sẽ đến bước ghi nhận phương án mới và kết thúc</a:t>
-            </a:r>
-          </a:p>
-          <a:p>
-            <a:endParaRPr lang="en-US"/>
+              <a:t>Về chức năng  TÌM PHƯƠNG ÁN CẮT</a:t>
+            </a:r>
           </a:p>
         </p:txBody>
       </p:sp>
@@ -3555,7 +2557,7 @@
     </p:spTree>
     <p:extLst>
       <p:ext uri="{BB962C8B-B14F-4D97-AF65-F5344CB8AC3E}">
-        <p14:creationId xmlns:p14="http://schemas.microsoft.com/office/powerpoint/2010/main" val="689748832"/>
+        <p14:creationId xmlns:p14="http://schemas.microsoft.com/office/powerpoint/2010/main" val="2765390062"/>
       </p:ext>
     </p:extLst>
   </p:cSld>
@@ -3611,233 +2613,53 @@
           <a:p>
             <a:r>
               <a:rPr lang="en-US"/>
-              <a:t>- Với bài toán cắt tiết kiệm thì e chọn giải thuật di truyền để giải quyết vì bài toán này có không gian tìm kiếm rất rộng, </a:t>
+              <a:t>Thì em sử dụng giải thuật tham lam để tìm kiếm phương án.</a:t>
             </a:r>
           </a:p>
           <a:p>
             <a:r>
               <a:rPr lang="en-US"/>
-              <a:t>ta không thể một phát chọn được phương án hợp lý ngay mà phải làm thế nào để các phương án ban đầu tốt dần lên;</a:t>
+              <a:t>Đầu tiên là Đưa Thanh Nguyên Liệu Dài Nhất Lên Máy </a:t>
             </a:r>
           </a:p>
           <a:p>
             <a:r>
               <a:rPr lang="en-US"/>
-              <a:t>mà đây chính là tính chất và ưu điểm của giải thuật di truyền. Và kết quả chính là 1 cá thể có sức khỏe tốt nhất trong quần thể.</a:t>
+              <a:t>-&gt; sau đó kiểm tra xem Có Thanh Đơn Hàngnào Ngắn Hơn thanh nguyên liệu trên máy hay không</a:t>
+            </a:r>
+          </a:p>
+          <a:p>
+            <a:r>
+              <a:rPr lang="en-US"/>
+              <a:t>-&gt; nếu có thì tiến hành cắt theo thanh đơn hang dài nhất có thể; cứ tiếp tục như vậy cho đến khi thanh nguyên liệu trên máy </a:t>
+            </a:r>
+          </a:p>
+          <a:p>
+            <a:r>
+              <a:rPr lang="en-US"/>
+              <a:t>không thể cắt cho thanh đơn hàngnào nữa thì bỏ thanh nguyên liệu đó ra khỏi máy; </a:t>
+            </a:r>
+          </a:p>
+          <a:p>
+            <a:r>
+              <a:rPr lang="en-US"/>
+              <a:t>rồi tiếp đó kiểm tra xem ĐÃ HẾT ĐƠN HANG HOẶC KHÔNG CÒN THANH NGUYÊN LIỆU NÀO ĐỦ DÀI</a:t>
+            </a:r>
+          </a:p>
+          <a:p>
+            <a:r>
+              <a:rPr lang="en-US"/>
+              <a:t>Nếu sai thì tiếp tục đưa thanh nguyên liệu dài nhất lên máy rồi cứ tiếp tục vòng tuần hoàn như vậy cho đến khi </a:t>
+            </a:r>
+          </a:p>
+          <a:p>
+            <a:r>
+              <a:rPr lang="en-US"/>
+              <a:t>ĐÃ HẾT ĐƠN HANG HOẶC KHÔNG CÒN THANH NGUYÊN LIỆU NÀO ĐỦ DÀI thì sẽ đến bước ghi nhận phương án mới và kết thúc</a:t>
             </a:r>
           </a:p>
           <a:p>
             <a:endParaRPr lang="en-US"/>
-          </a:p>
-          <a:p>
-            <a:r>
-              <a:rPr lang="en-US"/>
-              <a:t>- Mỗi cá thể có hai thông tin chính đó chính là bộ nhiễm sắc thể, và chỉ số sức khỏe hay còn gọi là thể lực của cá thể đó.</a:t>
-            </a:r>
-          </a:p>
-          <a:p>
-            <a:r>
-              <a:rPr lang="en-US"/>
-              <a:t>Nhiễm sắc thể là một mảng số nguyên có chiều dài chính bằng số lượng các thanh đơnhàng. chính là đầu ra của thuật toán,</a:t>
-            </a:r>
-          </a:p>
-          <a:p>
-            <a:r>
-              <a:rPr lang="en-US"/>
-              <a:t>Mỗi vị trí trong nhiễm sắc thể được gọi là gene là một số nguyên có giá trị là vị trí của thanh nguyên liệu</a:t>
-            </a:r>
-          </a:p>
-          <a:p>
-            <a:r>
-              <a:rPr lang="en-US"/>
-              <a:t> trong mảng các thanh nguyên liệu được đưa vào thuật toán</a:t>
-            </a:r>
-          </a:p>
-          <a:p>
-            <a:r>
-              <a:rPr lang="en-US"/>
-              <a:t>SỨC KHỎE của cá thể đươc suy ra từ bộ nhiễm sắc thể, Chính là tỉ lệ dư thừa: Là tổng chiều dài phần thừa / tổng chiều dài ban đầu của các thanh nguyên liệu được đem đi gia công</a:t>
-            </a:r>
-          </a:p>
-          <a:p>
-            <a:endParaRPr lang="en-US"/>
-          </a:p>
-          <a:p>
-            <a:r>
-              <a:rPr lang="en-US"/>
-              <a:t>Trên màn hình là sơ đồ sơ lược về giải thuật cắt tiết kiệm.</a:t>
-            </a:r>
-          </a:p>
-          <a:p>
-            <a:endParaRPr lang="en-US"/>
-          </a:p>
-          <a:p>
-            <a:r>
-              <a:rPr lang="en-US"/>
-              <a:t>- Đầu tiên là KHỞI TẠO QUẦN THỂ -&gt; sẽ tạo ra các cá thể và đưa vào quần thể.</a:t>
-            </a:r>
-          </a:p>
-          <a:p>
-            <a:pPr marL="0" indent="0">
-              <a:buFontTx/>
-              <a:buNone/>
-            </a:pPr>
-            <a:r>
-              <a:rPr lang="en-US" sz="1800">
-                <a:effectLst/>
-                <a:latin typeface="Times New Roman" panose="02020603050405020304" pitchFamily="18" charset="0"/>
-                <a:ea typeface="Calibri" panose="020F0502020204030204" pitchFamily="34" charset="0"/>
-                <a:cs typeface="Times New Roman" panose="02020603050405020304" pitchFamily="18" charset="0"/>
-              </a:rPr>
-              <a:t>- Sau khi tạo ra một quần thể, ta tiến hành đánh giá lại quần thể đó, dựa vào thể lực của các cá thể trong quần thể, độ thích nghi của của quần thể chính là tổng sức khỏe (fitness) của mỗi cá thể trên tổng dân số của quần thể.</a:t>
-            </a:r>
-          </a:p>
-          <a:p>
-            <a:pPr marL="0" indent="0">
-              <a:buFontTx/>
-              <a:buNone/>
-            </a:pPr>
-            <a:r>
-              <a:rPr lang="en-US" sz="1800">
-                <a:effectLst/>
-                <a:latin typeface="Times New Roman" panose="02020603050405020304" pitchFamily="18" charset="0"/>
-                <a:ea typeface="Calibri" panose="020F0502020204030204" pitchFamily="34" charset="0"/>
-                <a:cs typeface="Times New Roman" panose="02020603050405020304" pitchFamily="18" charset="0"/>
-              </a:rPr>
-              <a:t>- Tiếp theo là kiểm tra điều kiện dừng của thuật toán: sẽ áp dụng một số phương pháp để giảm bớt thời gian chạy thuật toán</a:t>
-            </a:r>
-          </a:p>
-          <a:p>
-            <a:pPr marL="0" indent="0">
-              <a:buFontTx/>
-              <a:buNone/>
-            </a:pPr>
-            <a:r>
-              <a:rPr lang="en-US" sz="1800">
-                <a:effectLst/>
-                <a:latin typeface="Times New Roman" panose="02020603050405020304" pitchFamily="18" charset="0"/>
-                <a:ea typeface="Calibri" panose="020F0502020204030204" pitchFamily="34" charset="0"/>
-                <a:cs typeface="Times New Roman" panose="02020603050405020304" pitchFamily="18" charset="0"/>
-              </a:rPr>
-              <a:t>1. giới hạn thời gian chạy thuật toán. Nếu thời gian chạy thuật toán đạt đến ngưỡng quy định thì dừng và trả về kết quả.</a:t>
-            </a:r>
-          </a:p>
-          <a:p>
-            <a:pPr marL="0" indent="0">
-              <a:buFontTx/>
-              <a:buNone/>
-            </a:pPr>
-            <a:r>
-              <a:rPr lang="en-US" sz="1800">
-                <a:effectLst/>
-                <a:latin typeface="Times New Roman" panose="02020603050405020304" pitchFamily="18" charset="0"/>
-                <a:ea typeface="Calibri" panose="020F0502020204030204" pitchFamily="34" charset="0"/>
-                <a:cs typeface="Times New Roman" panose="02020603050405020304" pitchFamily="18" charset="0"/>
-              </a:rPr>
-              <a:t>2. Giới hạn số thế hệ di truyền: Nếu số đời di truyền đạt đến ngưỡng quy định thì dừng và trả kết quả.</a:t>
-            </a:r>
-          </a:p>
-          <a:p>
-            <a:pPr marL="0" indent="0">
-              <a:buFontTx/>
-              <a:buNone/>
-            </a:pPr>
-            <a:r>
-              <a:rPr lang="en-US" sz="1800">
-                <a:effectLst/>
-                <a:latin typeface="Times New Roman" panose="02020603050405020304" pitchFamily="18" charset="0"/>
-                <a:ea typeface="Calibri" panose="020F0502020204030204" pitchFamily="34" charset="0"/>
-                <a:cs typeface="Times New Roman" panose="02020603050405020304" pitchFamily="18" charset="0"/>
-              </a:rPr>
-              <a:t>3. Dựa vào tốc độ phát triển của đời con: sau n thế hệ nhất định nếu các cá thể đời sau không xuất hiện nhân vật tốt hơn cá thể mạnh nhất của các thế hệ trước thì tiến hành dừng và trả về kết quả.</a:t>
-            </a:r>
-          </a:p>
-          <a:p>
-            <a:pPr marL="285750" indent="-285750">
-              <a:buFontTx/>
-              <a:buChar char="-"/>
-            </a:pPr>
-            <a:r>
-              <a:rPr lang="en-US" sz="1800">
-                <a:effectLst/>
-                <a:latin typeface="Times New Roman" panose="02020603050405020304" pitchFamily="18" charset="0"/>
-                <a:ea typeface="Calibri" panose="020F0502020204030204" pitchFamily="34" charset="0"/>
-              </a:rPr>
-              <a:t>Sau khi </a:t>
-            </a:r>
-            <a:r>
-              <a:rPr lang="en-US" sz="1800" u="sng">
-                <a:effectLst/>
-                <a:latin typeface="Times New Roman" panose="02020603050405020304" pitchFamily="18" charset="0"/>
-                <a:ea typeface="Calibri" panose="020F0502020204030204" pitchFamily="34" charset="0"/>
-              </a:rPr>
-              <a:t>ĐÃ ĐÁNH GIÁ ĐƯỢC QUẦN THỂ</a:t>
-            </a:r>
-            <a:r>
-              <a:rPr lang="en-US" sz="1800">
-                <a:effectLst/>
-                <a:latin typeface="Times New Roman" panose="02020603050405020304" pitchFamily="18" charset="0"/>
-                <a:ea typeface="Calibri" panose="020F0502020204030204" pitchFamily="34" charset="0"/>
-              </a:rPr>
-              <a:t>, các cá thể có khả năng sinh tồn tốt hơn sẽ có cơ hội được chọn lọc và sinh sản nhiều hơn các cá thể còn lại. Ta tiến hành chọn lựa chúng để bước vào giai đoạn tiếp theo.</a:t>
-            </a:r>
-          </a:p>
-          <a:p>
-            <a:pPr marL="285750" indent="-285750">
-              <a:buFontTx/>
-              <a:buChar char="-"/>
-            </a:pPr>
-            <a:r>
-              <a:rPr lang="en-US" sz="1800">
-                <a:effectLst/>
-                <a:latin typeface="Times New Roman" panose="02020603050405020304" pitchFamily="18" charset="0"/>
-                <a:ea typeface="Calibri" panose="020F0502020204030204" pitchFamily="34" charset="0"/>
-                <a:cs typeface="Times New Roman" panose="02020603050405020304" pitchFamily="18" charset="0"/>
-              </a:rPr>
-              <a:t>Kế tiếp là giai đoạn LAI TẠO, Ta chọn các cá thể có sức khỏe tốt để đem đi lai tạo nhằm tạo ra các cá thể tốt hơn </a:t>
-            </a:r>
-          </a:p>
-          <a:p>
-            <a:pPr marL="285750" indent="-285750">
-              <a:buFontTx/>
-              <a:buChar char="-"/>
-            </a:pPr>
-            <a:r>
-              <a:rPr lang="en-US" sz="1800">
-                <a:effectLst/>
-                <a:latin typeface="Times New Roman" panose="02020603050405020304" pitchFamily="18" charset="0"/>
-                <a:ea typeface="Calibri" panose="020F0502020204030204" pitchFamily="34" charset="0"/>
-                <a:cs typeface="Times New Roman" panose="02020603050405020304" pitchFamily="18" charset="0"/>
-              </a:rPr>
-              <a:t>Sau đó là bước đột biến: Đột biến chính là bước quan trọng nhất là bước khuếch đại sức khỏe của một cá thể và biến nó trở nên mạnh mẽ hơn.</a:t>
-            </a:r>
-          </a:p>
-          <a:p>
-            <a:pPr marL="285750" indent="-285750">
-              <a:buFontTx/>
-              <a:buChar char="-"/>
-            </a:pPr>
-            <a:r>
-              <a:rPr lang="en-US" sz="1800">
-                <a:effectLst/>
-                <a:latin typeface="Times New Roman" panose="02020603050405020304" pitchFamily="18" charset="0"/>
-                <a:ea typeface="Calibri" panose="020F0502020204030204" pitchFamily="34" charset="0"/>
-                <a:cs typeface="Times New Roman" panose="02020603050405020304" pitchFamily="18" charset="0"/>
-              </a:rPr>
-              <a:t>SAU ĐÓ lại quay về bước ĐÁNH GIÁ ĐỘ THÍCH NGHI CỦA QUẦN THỂ. Rồi lại Kiểm Tra Điều Kiện Dừng cứ như vậy cho đến khi bắt được điều kiện dừng thì chọn phương án tốt nhất và kết thúc</a:t>
-            </a:r>
-          </a:p>
-          <a:p>
-            <a:pPr marL="285750" indent="-285750">
-              <a:buFontTx/>
-              <a:buChar char="-"/>
-            </a:pPr>
-            <a:endParaRPr lang="en-US" sz="1800">
-              <a:effectLst/>
-              <a:latin typeface="Times New Roman" panose="02020603050405020304" pitchFamily="18" charset="0"/>
-              <a:ea typeface="Calibri" panose="020F0502020204030204" pitchFamily="34" charset="0"/>
-              <a:cs typeface="Times New Roman" panose="02020603050405020304" pitchFamily="18" charset="0"/>
-            </a:endParaRPr>
           </a:p>
         </p:txBody>
       </p:sp>
@@ -3867,7 +2689,7 @@
     </p:spTree>
     <p:extLst>
       <p:ext uri="{BB962C8B-B14F-4D97-AF65-F5344CB8AC3E}">
-        <p14:creationId xmlns:p14="http://schemas.microsoft.com/office/powerpoint/2010/main" val="3910749103"/>
+        <p14:creationId xmlns:p14="http://schemas.microsoft.com/office/powerpoint/2010/main" val="689748832"/>
       </p:ext>
     </p:extLst>
   </p:cSld>
@@ -3923,20 +2745,233 @@
           <a:p>
             <a:r>
               <a:rPr lang="en-US"/>
-              <a:t>Về việc khởi tạo quần thể. E áp dụng thuật toán quay lui để tạo ra các cá thể khác nhau. Đối với bài toán này vì số lượng đầu vào của thuật toán là khá lớn nên ko thể sử dụng thuật toán quay lui để vét cạn hết mọi trường hợp mà thay vào đó ta sẽ giới hạn thời gian chạy thuật toán và giới hạn số lượng các cá thể trong quần thể để có thể kết thúc thuật toán.</a:t>
+              <a:t>- Với bài toán cắt tiết kiệm thì e chọn giải thuật di truyền để giải quyết vì bài toán này có không gian tìm kiếm rất rộng, </a:t>
             </a:r>
           </a:p>
           <a:p>
             <a:r>
               <a:rPr lang="en-US"/>
-              <a:t>Theo sơ đồ khối trên màn hình thì ban đầu e tạo ra một quần thể rỗng và 1 phương án rỗng sau đó, sẽ duyệt qua danh sách đơn hàng và danh sách nguyên liệu để chọn nguyên liệu cắt cho các thanh đơnhàng,  tìm được thanh Nguyên liệu phù hợp sẽ cập nhật phương án hiện tại, cứ như vậy cho dến khi phương án hiện tại có độ dài bằng số lượng các thanh đơn hang thì tiến hành thêm vào quần thể.</a:t>
+              <a:t>ta không thể một phát chọn được phương án hợp lý ngay mà phải làm thế nào để các phương án ban đầu tốt dần lên;</a:t>
             </a:r>
           </a:p>
           <a:p>
             <a:r>
               <a:rPr lang="en-US"/>
-              <a:t>Sau đó sẽ xóa phần tử cuối cùng của phương án hiện tại r lại tiếp tục vòng lặp chọn nguyên liệu cho thanh đơn hang tại vị trí hiện tại</a:t>
-            </a:r>
+              <a:t>mà đây chính là tính chất và ưu điểm của giải thuật di truyền. Và kết quả chính là 1 cá thể có sức khỏe tốt nhất trong quần thể.</a:t>
+            </a:r>
+          </a:p>
+          <a:p>
+            <a:endParaRPr lang="en-US"/>
+          </a:p>
+          <a:p>
+            <a:r>
+              <a:rPr lang="en-US"/>
+              <a:t>- Mỗi cá thể có hai thông tin chính đó chính là bộ nhiễm sắc thể, và chỉ số sức khỏe hay còn gọi là thể lực của cá thể đó.</a:t>
+            </a:r>
+          </a:p>
+          <a:p>
+            <a:r>
+              <a:rPr lang="en-US"/>
+              <a:t>Nhiễm sắc thể là một mảng số nguyên có chiều dài chính bằng số lượng các thanh đơnhàng. chính là đầu ra của thuật toán,</a:t>
+            </a:r>
+          </a:p>
+          <a:p>
+            <a:r>
+              <a:rPr lang="en-US"/>
+              <a:t>Mỗi vị trí trong nhiễm sắc thể được gọi là gene là một số nguyên có giá trị là vị trí của thanh nguyên liệu</a:t>
+            </a:r>
+          </a:p>
+          <a:p>
+            <a:r>
+              <a:rPr lang="en-US"/>
+              <a:t> trong mảng các thanh nguyên liệu được đưa vào thuật toán</a:t>
+            </a:r>
+          </a:p>
+          <a:p>
+            <a:r>
+              <a:rPr lang="en-US"/>
+              <a:t>SỨC KHỎE của cá thể đươc suy ra từ bộ nhiễm sắc thể, Chính là tỉ lệ dư thừa: Là tổng chiều dài phần thừa / tổng chiều dài ban đầu của các thanh nguyên liệu được đem đi gia công</a:t>
+            </a:r>
+          </a:p>
+          <a:p>
+            <a:endParaRPr lang="en-US"/>
+          </a:p>
+          <a:p>
+            <a:r>
+              <a:rPr lang="en-US"/>
+              <a:t>Trên màn hình là sơ đồ sơ lược về giải thuật cắt tiết kiệm.</a:t>
+            </a:r>
+          </a:p>
+          <a:p>
+            <a:endParaRPr lang="en-US"/>
+          </a:p>
+          <a:p>
+            <a:r>
+              <a:rPr lang="en-US"/>
+              <a:t>- Đầu tiên là KHỞI TẠO QUẦN THỂ -&gt; sẽ tạo ra các cá thể và đưa vào quần thể.</a:t>
+            </a:r>
+          </a:p>
+          <a:p>
+            <a:pPr marL="0" indent="0">
+              <a:buFontTx/>
+              <a:buNone/>
+            </a:pPr>
+            <a:r>
+              <a:rPr lang="en-US" sz="1800">
+                <a:effectLst/>
+                <a:latin typeface="Times New Roman" panose="02020603050405020304" pitchFamily="18" charset="0"/>
+                <a:ea typeface="Calibri" panose="020F0502020204030204" pitchFamily="34" charset="0"/>
+                <a:cs typeface="Times New Roman" panose="02020603050405020304" pitchFamily="18" charset="0"/>
+              </a:rPr>
+              <a:t>- Sau khi tạo ra một quần thể, ta tiến hành đánh giá lại quần thể đó, dựa vào thể lực của các cá thể trong quần thể, độ thích nghi của của quần thể chính là tổng sức khỏe (fitness) của mỗi cá thể trên tổng dân số của quần thể.</a:t>
+            </a:r>
+          </a:p>
+          <a:p>
+            <a:pPr marL="285750" indent="-285750">
+              <a:buFontTx/>
+              <a:buChar char="-"/>
+            </a:pPr>
+            <a:r>
+              <a:rPr lang="en-US" sz="1800">
+                <a:effectLst/>
+                <a:latin typeface="Times New Roman" panose="02020603050405020304" pitchFamily="18" charset="0"/>
+                <a:ea typeface="Calibri" panose="020F0502020204030204" pitchFamily="34" charset="0"/>
+              </a:rPr>
+              <a:t>Sau khi </a:t>
+            </a:r>
+            <a:r>
+              <a:rPr lang="en-US" sz="1800" u="sng">
+                <a:effectLst/>
+                <a:latin typeface="Times New Roman" panose="02020603050405020304" pitchFamily="18" charset="0"/>
+                <a:ea typeface="Calibri" panose="020F0502020204030204" pitchFamily="34" charset="0"/>
+              </a:rPr>
+              <a:t>ĐÃ ĐÁNH GIÁ ĐƯỢC QUẦN THỂ</a:t>
+            </a:r>
+            <a:r>
+              <a:rPr lang="en-US" sz="1800">
+                <a:effectLst/>
+                <a:latin typeface="Times New Roman" panose="02020603050405020304" pitchFamily="18" charset="0"/>
+                <a:ea typeface="Calibri" panose="020F0502020204030204" pitchFamily="34" charset="0"/>
+              </a:rPr>
+              <a:t>, các cá thể có khả năng sinh tồn tốt hơn sẽ có cơ hội được chọn lọc và sinh sản nhiều hơn các cá thể còn lại. Ta tiến hành chọn lựa chúng để bước vào giai đoạn tiếp theo.</a:t>
+            </a:r>
+          </a:p>
+          <a:p>
+            <a:pPr marL="285750" indent="-285750">
+              <a:buFontTx/>
+              <a:buChar char="-"/>
+            </a:pPr>
+            <a:r>
+              <a:rPr lang="en-US" sz="1800">
+                <a:effectLst/>
+                <a:latin typeface="Times New Roman" panose="02020603050405020304" pitchFamily="18" charset="0"/>
+                <a:ea typeface="Calibri" panose="020F0502020204030204" pitchFamily="34" charset="0"/>
+                <a:cs typeface="Times New Roman" panose="02020603050405020304" pitchFamily="18" charset="0"/>
+              </a:rPr>
+              <a:t>Kế tiếp là giai đoạn LAI TẠO, Ta chọn các cá thể có sức khỏe tốt để đem đi lai tạo nhằm tạo ra các cá thể tốt hơn </a:t>
+            </a:r>
+          </a:p>
+          <a:p>
+            <a:pPr marL="285750" indent="-285750">
+              <a:buFontTx/>
+              <a:buChar char="-"/>
+            </a:pPr>
+            <a:r>
+              <a:rPr lang="en-US" sz="1800">
+                <a:effectLst/>
+                <a:latin typeface="Times New Roman" panose="02020603050405020304" pitchFamily="18" charset="0"/>
+                <a:ea typeface="Calibri" panose="020F0502020204030204" pitchFamily="34" charset="0"/>
+                <a:cs typeface="Times New Roman" panose="02020603050405020304" pitchFamily="18" charset="0"/>
+              </a:rPr>
+              <a:t>Sau đó là bước đột biến: Đột biến chính là bước quan trọng nhất là bước khuếch đại sức khỏe của một cá thể và biến nó trở nên mạnh mẽ hơn.</a:t>
+            </a:r>
+          </a:p>
+          <a:p>
+            <a:pPr marL="285750" indent="-285750">
+              <a:buFontTx/>
+              <a:buChar char="-"/>
+            </a:pPr>
+            <a:r>
+              <a:rPr lang="en-US" sz="1800">
+                <a:effectLst/>
+                <a:latin typeface="Times New Roman" panose="02020603050405020304" pitchFamily="18" charset="0"/>
+                <a:ea typeface="Calibri" panose="020F0502020204030204" pitchFamily="34" charset="0"/>
+                <a:cs typeface="Times New Roman" panose="02020603050405020304" pitchFamily="18" charset="0"/>
+              </a:rPr>
+              <a:t>SAU ĐÓ lại quay về bước ĐÁNH GIÁ ĐỘ THÍCH NGHI CỦA QUẦN THỂ. Rồi lại Kiểm Tra Điều Kiện Dừng cứ như vậy cho đến khi bắt được điều kiện dừng thì chọn phương án tốt nhất và kết thúc</a:t>
+            </a:r>
+          </a:p>
+          <a:p>
+            <a:pPr marL="0" indent="0">
+              <a:buFontTx/>
+              <a:buNone/>
+            </a:pPr>
+            <a:r>
+              <a:rPr lang="en-US" sz="1800">
+                <a:effectLst/>
+                <a:latin typeface="Times New Roman" panose="02020603050405020304" pitchFamily="18" charset="0"/>
+                <a:ea typeface="Calibri" panose="020F0502020204030204" pitchFamily="34" charset="0"/>
+                <a:cs typeface="Times New Roman" panose="02020603050405020304" pitchFamily="18" charset="0"/>
+              </a:rPr>
+              <a:t>Về kiểm tra điều kiện dừng của thuật toán: em có áp dụng một số phương pháp để giảm bớt thời gian chạy thuật toán</a:t>
+            </a:r>
+          </a:p>
+          <a:p>
+            <a:pPr marL="0" indent="0">
+              <a:buFontTx/>
+              <a:buNone/>
+            </a:pPr>
+            <a:r>
+              <a:rPr lang="en-US" sz="1800">
+                <a:effectLst/>
+                <a:latin typeface="Times New Roman" panose="02020603050405020304" pitchFamily="18" charset="0"/>
+                <a:ea typeface="Calibri" panose="020F0502020204030204" pitchFamily="34" charset="0"/>
+                <a:cs typeface="Times New Roman" panose="02020603050405020304" pitchFamily="18" charset="0"/>
+              </a:rPr>
+              <a:t>1. giới hạn thời gian chạy thuật toán. Nếu thời gian chạy thuật toán đạt đến ngưỡng quy định thì dừng và trả về kết quả.</a:t>
+            </a:r>
+          </a:p>
+          <a:p>
+            <a:pPr marL="0" indent="0">
+              <a:buFontTx/>
+              <a:buNone/>
+            </a:pPr>
+            <a:r>
+              <a:rPr lang="en-US" sz="1800">
+                <a:effectLst/>
+                <a:latin typeface="Times New Roman" panose="02020603050405020304" pitchFamily="18" charset="0"/>
+                <a:ea typeface="Calibri" panose="020F0502020204030204" pitchFamily="34" charset="0"/>
+                <a:cs typeface="Times New Roman" panose="02020603050405020304" pitchFamily="18" charset="0"/>
+              </a:rPr>
+              <a:t>2. Giới hạn số thế hệ di truyền: Nếu số đời di truyền đạt đến ngưỡng quy định thì dừng và trả kết quả.</a:t>
+            </a:r>
+          </a:p>
+          <a:p>
+            <a:pPr marL="0" indent="0">
+              <a:buFontTx/>
+              <a:buNone/>
+            </a:pPr>
+            <a:r>
+              <a:rPr lang="en-US" sz="1800">
+                <a:effectLst/>
+                <a:latin typeface="Times New Roman" panose="02020603050405020304" pitchFamily="18" charset="0"/>
+                <a:ea typeface="Calibri" panose="020F0502020204030204" pitchFamily="34" charset="0"/>
+                <a:cs typeface="Times New Roman" panose="02020603050405020304" pitchFamily="18" charset="0"/>
+              </a:rPr>
+              <a:t>3. Dựa vào tốc độ phát triển của đời con: sau n thế hệ nhất định nếu các cá thể đời sau không xuất hiện nhân vật tốt hơn cá thể mạnh nhất của các thế hệ trước thì tiến hành dừng và trả về kết quả.</a:t>
+            </a:r>
+          </a:p>
+          <a:p>
+            <a:pPr marL="285750" indent="-285750">
+              <a:buFontTx/>
+              <a:buChar char="-"/>
+            </a:pPr>
+            <a:endParaRPr lang="en-US" sz="1800">
+              <a:effectLst/>
+              <a:latin typeface="Times New Roman" panose="02020603050405020304" pitchFamily="18" charset="0"/>
+              <a:ea typeface="Calibri" panose="020F0502020204030204" pitchFamily="34" charset="0"/>
+              <a:cs typeface="Times New Roman" panose="02020603050405020304" pitchFamily="18" charset="0"/>
+            </a:endParaRPr>
           </a:p>
         </p:txBody>
       </p:sp>
@@ -3966,7 +3001,7 @@
     </p:spTree>
     <p:extLst>
       <p:ext uri="{BB962C8B-B14F-4D97-AF65-F5344CB8AC3E}">
-        <p14:creationId xmlns:p14="http://schemas.microsoft.com/office/powerpoint/2010/main" val="1309533622"/>
+        <p14:creationId xmlns:p14="http://schemas.microsoft.com/office/powerpoint/2010/main" val="3910749103"/>
       </p:ext>
     </p:extLst>
   </p:cSld>
@@ -4736,7 +3771,7 @@
           <a:p>
             <a:fld id="{05AE0484-0237-4D80-BC95-0C8D6071B344}" type="datetime1">
               <a:rPr lang="en-US" smtClean="0"/>
-              <a:t>6/16/2021</a:t>
+              <a:t>6/17/2021</a:t>
             </a:fld>
             <a:endParaRPr/>
           </a:p>
@@ -4926,7 +3961,7 @@
           <a:p>
             <a:fld id="{8C8237DD-9166-4319-9443-3DB67D67CB14}" type="datetime1">
               <a:rPr lang="en-US" smtClean="0"/>
-              <a:t>6/16/2021</a:t>
+              <a:t>6/17/2021</a:t>
             </a:fld>
             <a:endParaRPr/>
           </a:p>
@@ -5126,7 +4161,7 @@
           <a:p>
             <a:fld id="{F4AF2B96-79D9-4EAF-892E-9CA1B8523A0F}" type="datetime1">
               <a:rPr lang="en-US" smtClean="0"/>
-              <a:t>6/16/2021</a:t>
+              <a:t>6/17/2021</a:t>
             </a:fld>
             <a:endParaRPr/>
           </a:p>
@@ -5316,7 +4351,7 @@
           <a:p>
             <a:fld id="{98EDF72A-D8CA-4843-9FB5-BFAA23462BCB}" type="datetime1">
               <a:rPr lang="en-US" smtClean="0"/>
-              <a:t>6/16/2021</a:t>
+              <a:t>6/17/2021</a:t>
             </a:fld>
             <a:endParaRPr/>
           </a:p>
@@ -5740,7 +4775,7 @@
           <a:p>
             <a:fld id="{6FA33EFA-B4D7-47DD-8898-06C32A8E8A6F}" type="datetime1">
               <a:rPr lang="en-US" smtClean="0"/>
-              <a:t>6/16/2021</a:t>
+              <a:t>6/17/2021</a:t>
             </a:fld>
             <a:endParaRPr/>
           </a:p>
@@ -6036,7 +5071,7 @@
           <a:p>
             <a:fld id="{1614EF5B-22E3-491C-9734-29CD9B7D2CFF}" type="datetime1">
               <a:rPr lang="en-US" smtClean="0"/>
-              <a:t>6/16/2021</a:t>
+              <a:t>6/17/2021</a:t>
             </a:fld>
             <a:endParaRPr/>
           </a:p>
@@ -6484,7 +5519,7 @@
           <a:p>
             <a:fld id="{7843DEE8-DA7E-4B6A-96CB-7785E0197B7C}" type="datetime1">
               <a:rPr lang="en-US" smtClean="0"/>
-              <a:t>6/16/2021</a:t>
+              <a:t>6/17/2021</a:t>
             </a:fld>
             <a:endParaRPr/>
           </a:p>
@@ -6606,7 +5641,7 @@
           <a:p>
             <a:fld id="{C7A72359-6575-4468-BDA3-18B144C4206F}" type="datetime1">
               <a:rPr lang="en-US" smtClean="0"/>
-              <a:t>6/16/2021</a:t>
+              <a:t>6/17/2021</a:t>
             </a:fld>
             <a:endParaRPr/>
           </a:p>
@@ -6705,7 +5740,7 @@
           <a:p>
             <a:fld id="{8E7F01EE-22E0-488C-B4FB-D17ACE4E3328}" type="datetime1">
               <a:rPr lang="en-US" smtClean="0"/>
-              <a:t>6/16/2021</a:t>
+              <a:t>6/17/2021</a:t>
             </a:fld>
             <a:endParaRPr/>
           </a:p>
@@ -6996,7 +6031,7 @@
           <a:p>
             <a:fld id="{CF40F7D9-69E9-47DE-97B3-FDCEA4C300E8}" type="datetime1">
               <a:rPr lang="en-US" smtClean="0"/>
-              <a:t>6/16/2021</a:t>
+              <a:t>6/17/2021</a:t>
             </a:fld>
             <a:endParaRPr/>
           </a:p>
@@ -7276,7 +6311,7 @@
           <a:p>
             <a:fld id="{1BE1865E-E7AE-4B5B-B280-6D61B5B96C51}" type="datetime1">
               <a:rPr lang="en-US" smtClean="0"/>
-              <a:t>6/16/2021</a:t>
+              <a:t>6/17/2021</a:t>
             </a:fld>
             <a:endParaRPr/>
           </a:p>
@@ -7871,7 +6906,7 @@
           <a:p>
             <a:fld id="{3AA6D4E8-288E-4D5E-B486-21D0E4533958}" type="datetime1">
               <a:rPr lang="en-US" smtClean="0"/>
-              <a:t>6/16/2021</a:t>
+              <a:t>6/17/2021</a:t>
             </a:fld>
             <a:endParaRPr/>
           </a:p>
@@ -8819,8 +7854,216 @@
         </p:nvSpPr>
         <p:spPr>
           <a:xfrm>
-            <a:off x="0" y="0"/>
-            <a:ext cx="4104457" cy="576064"/>
+            <a:off x="0" y="1700808"/>
+            <a:ext cx="4145524" cy="648072"/>
+          </a:xfrm>
+        </p:spPr>
+        <p:txBody>
+          <a:bodyPr>
+            <a:noAutofit/>
+          </a:bodyPr>
+          <a:lstStyle/>
+          <a:p>
+            <a:r>
+              <a:rPr lang="en-US" sz="4000" err="1">
+                <a:solidFill>
+                  <a:schemeClr val="bg1"/>
+                </a:solidFill>
+              </a:rPr>
+              <a:t>Khởi</a:t>
+            </a:r>
+            <a:r>
+              <a:rPr lang="en-US" sz="4000">
+                <a:solidFill>
+                  <a:schemeClr val="bg1"/>
+                </a:solidFill>
+              </a:rPr>
+              <a:t> </a:t>
+            </a:r>
+            <a:r>
+              <a:rPr lang="en-US" sz="4000" err="1">
+                <a:solidFill>
+                  <a:schemeClr val="bg1"/>
+                </a:solidFill>
+              </a:rPr>
+              <a:t>tạo</a:t>
+            </a:r>
+            <a:r>
+              <a:rPr lang="en-US" sz="4000">
+                <a:solidFill>
+                  <a:schemeClr val="bg1"/>
+                </a:solidFill>
+              </a:rPr>
+              <a:t> </a:t>
+            </a:r>
+            <a:r>
+              <a:rPr lang="en-US" sz="4000" err="1">
+                <a:solidFill>
+                  <a:schemeClr val="bg1"/>
+                </a:solidFill>
+              </a:rPr>
+              <a:t>quần</a:t>
+            </a:r>
+            <a:r>
+              <a:rPr lang="en-US" sz="4000">
+                <a:solidFill>
+                  <a:schemeClr val="bg1"/>
+                </a:solidFill>
+              </a:rPr>
+              <a:t> </a:t>
+            </a:r>
+            <a:r>
+              <a:rPr lang="en-US" sz="4000" err="1">
+                <a:solidFill>
+                  <a:schemeClr val="bg1"/>
+                </a:solidFill>
+              </a:rPr>
+              <a:t>thể</a:t>
+            </a:r>
+            <a:endParaRPr lang="en-US" sz="4000">
+              <a:solidFill>
+                <a:schemeClr val="bg1"/>
+              </a:solidFill>
+            </a:endParaRPr>
+          </a:p>
+        </p:txBody>
+      </p:sp>
+      <p:sp>
+        <p:nvSpPr>
+          <p:cNvPr id="2" name="Footer Placeholder 1">
+            <a:extLst>
+              <a:ext uri="{FF2B5EF4-FFF2-40B4-BE49-F238E27FC236}">
+                <a16:creationId xmlns:a16="http://schemas.microsoft.com/office/drawing/2014/main" id="{A8734708-86BC-44B1-993B-9F592D812F92}"/>
+              </a:ext>
+            </a:extLst>
+          </p:cNvPr>
+          <p:cNvSpPr>
+            <a:spLocks noGrp="1"/>
+          </p:cNvSpPr>
+          <p:nvPr>
+            <p:ph type="ftr" sz="quarter" idx="11"/>
+          </p:nvPr>
+        </p:nvSpPr>
+        <p:spPr/>
+        <p:txBody>
+          <a:bodyPr/>
+          <a:lstStyle/>
+          <a:p>
+            <a:r>
+              <a:rPr lang="en-US"/>
+              <a:t>1</a:t>
+            </a:r>
+          </a:p>
+        </p:txBody>
+      </p:sp>
+      <p:sp>
+        <p:nvSpPr>
+          <p:cNvPr id="3" name="Slide Number Placeholder 2">
+            <a:extLst>
+              <a:ext uri="{FF2B5EF4-FFF2-40B4-BE49-F238E27FC236}">
+                <a16:creationId xmlns:a16="http://schemas.microsoft.com/office/drawing/2014/main" id="{0D8F240C-737A-42E4-876C-4C19D5EFF922}"/>
+              </a:ext>
+            </a:extLst>
+          </p:cNvPr>
+          <p:cNvSpPr>
+            <a:spLocks noGrp="1"/>
+          </p:cNvSpPr>
+          <p:nvPr>
+            <p:ph type="sldNum" sz="quarter" idx="12"/>
+          </p:nvPr>
+        </p:nvSpPr>
+        <p:spPr/>
+        <p:txBody>
+          <a:bodyPr/>
+          <a:lstStyle/>
+          <a:p>
+            <a:fld id="{C014DD1E-5D91-48A3-AD6D-45FBA980D106}" type="slidenum">
+              <a:rPr lang="en-US" smtClean="0"/>
+              <a:t>10</a:t>
+            </a:fld>
+            <a:endParaRPr lang="en-US"/>
+          </a:p>
+        </p:txBody>
+      </p:sp>
+      <p:pic>
+        <p:nvPicPr>
+          <p:cNvPr id="8" name="Content Placeholder 7">
+            <a:extLst>
+              <a:ext uri="{FF2B5EF4-FFF2-40B4-BE49-F238E27FC236}">
+                <a16:creationId xmlns:a16="http://schemas.microsoft.com/office/drawing/2014/main" id="{78D790F0-D841-4593-B87C-9C3E29B170FD}"/>
+              </a:ext>
+            </a:extLst>
+          </p:cNvPr>
+          <p:cNvPicPr>
+            <a:picLocks noGrp="1" noChangeAspect="1"/>
+          </p:cNvPicPr>
+          <p:nvPr>
+            <p:ph sz="quarter" idx="4"/>
+          </p:nvPr>
+        </p:nvPicPr>
+        <p:blipFill>
+          <a:blip r:embed="rId3">
+            <a:extLst>
+              <a:ext uri="{28A0092B-C50C-407E-A947-70E740481C1C}">
+                <a14:useLocalDpi xmlns:a14="http://schemas.microsoft.com/office/drawing/2010/main" val="0"/>
+              </a:ext>
+            </a:extLst>
+          </a:blip>
+          <a:stretch>
+            <a:fillRect/>
+          </a:stretch>
+        </p:blipFill>
+        <p:spPr>
+          <a:xfrm>
+            <a:off x="3934173" y="0"/>
+            <a:ext cx="8208912" cy="6669360"/>
+          </a:xfrm>
+        </p:spPr>
+      </p:pic>
+    </p:spTree>
+    <p:extLst>
+      <p:ext uri="{BB962C8B-B14F-4D97-AF65-F5344CB8AC3E}">
+        <p14:creationId xmlns:p14="http://schemas.microsoft.com/office/powerpoint/2010/main" val="1769573283"/>
+      </p:ext>
+    </p:extLst>
+  </p:cSld>
+  <p:clrMapOvr>
+    <a:masterClrMapping/>
+  </p:clrMapOvr>
+</p:sld>
+</file>
+
+<file path=ppt/slides/slide11.xml><?xml version="1.0" encoding="utf-8"?>
+<p:sld xmlns:a="http://schemas.openxmlformats.org/drawingml/2006/main" xmlns:r="http://schemas.openxmlformats.org/officeDocument/2006/relationships" xmlns:p="http://schemas.openxmlformats.org/presentationml/2006/main" showMasterSp="0">
+  <p:cSld>
+    <p:spTree>
+      <p:nvGrpSpPr>
+        <p:cNvPr id="1" name=""/>
+        <p:cNvGrpSpPr/>
+        <p:nvPr/>
+      </p:nvGrpSpPr>
+      <p:grpSpPr>
+        <a:xfrm>
+          <a:off x="0" y="0"/>
+          <a:ext cx="0" cy="0"/>
+          <a:chOff x="0" y="0"/>
+          <a:chExt cx="0" cy="0"/>
+        </a:xfrm>
+      </p:grpSpPr>
+      <p:sp>
+        <p:nvSpPr>
+          <p:cNvPr id="13" name="Title 12"/>
+          <p:cNvSpPr>
+            <a:spLocks noGrp="1"/>
+          </p:cNvSpPr>
+          <p:nvPr>
+            <p:ph type="title"/>
+          </p:nvPr>
+        </p:nvSpPr>
+        <p:spPr>
+          <a:xfrm>
+            <a:off x="0" y="1700808"/>
+            <a:ext cx="4104457" cy="648072"/>
           </a:xfrm>
         </p:spPr>
         <p:txBody>
@@ -8904,7 +8147,7 @@
           <a:p>
             <a:fld id="{C014DD1E-5D91-48A3-AD6D-45FBA980D106}" type="slidenum">
               <a:rPr lang="en-US" smtClean="0"/>
-              <a:t>10</a:t>
+              <a:t>11</a:t>
             </a:fld>
             <a:endParaRPr lang="en-US"/>
           </a:p>
@@ -8958,7 +8201,7 @@
 </p:sld>
 </file>
 
-<file path=ppt/slides/slide11.xml><?xml version="1.0" encoding="utf-8"?>
+<file path=ppt/slides/slide12.xml><?xml version="1.0" encoding="utf-8"?>
 <p:sld xmlns:a="http://schemas.openxmlformats.org/drawingml/2006/main" xmlns:r="http://schemas.openxmlformats.org/officeDocument/2006/relationships" xmlns:p="http://schemas.openxmlformats.org/presentationml/2006/main" showMasterSp="0">
   <p:cSld>
     <p:spTree>
@@ -8987,7 +8230,7 @@
         </p:nvSpPr>
         <p:spPr>
           <a:xfrm>
-            <a:off x="2077" y="0"/>
+            <a:off x="0" y="1700808"/>
             <a:ext cx="2067217" cy="692696"/>
           </a:xfrm>
         </p:spPr>
@@ -9052,7 +8295,7 @@
           <a:p>
             <a:fld id="{C014DD1E-5D91-48A3-AD6D-45FBA980D106}" type="slidenum">
               <a:rPr lang="en-US" smtClean="0"/>
-              <a:t>11</a:t>
+              <a:t>12</a:t>
             </a:fld>
             <a:endParaRPr lang="en-US"/>
           </a:p>
@@ -9107,7 +8350,7 @@
 </p:sld>
 </file>
 
-<file path=ppt/slides/slide12.xml><?xml version="1.0" encoding="utf-8"?>
+<file path=ppt/slides/slide13.xml><?xml version="1.0" encoding="utf-8"?>
 <p:sld xmlns:a="http://schemas.openxmlformats.org/drawingml/2006/main" xmlns:r="http://schemas.openxmlformats.org/officeDocument/2006/relationships" xmlns:p="http://schemas.openxmlformats.org/presentationml/2006/main" showMasterSp="0">
   <p:cSld>
     <p:spTree>
@@ -9136,8 +8379,8 @@
         </p:nvSpPr>
         <p:spPr>
           <a:xfrm>
-            <a:off x="1249" y="8663"/>
-            <a:ext cx="10360501" cy="792088"/>
+            <a:off x="5734372" y="2132856"/>
+            <a:ext cx="4725011" cy="792088"/>
           </a:xfrm>
         </p:spPr>
         <p:txBody>
@@ -9206,8 +8449,8 @@
         </p:nvSpPr>
         <p:spPr>
           <a:xfrm>
-            <a:off x="189757" y="908720"/>
-            <a:ext cx="11389628" cy="5255349"/>
+            <a:off x="5806380" y="3356992"/>
+            <a:ext cx="6264695" cy="2016224"/>
           </a:xfrm>
         </p:spPr>
         <p:txBody>
@@ -9492,7 +8735,7 @@
           <a:p>
             <a:fld id="{C014DD1E-5D91-48A3-AD6D-45FBA980D106}" type="slidenum">
               <a:rPr lang="en-US" smtClean="0"/>
-              <a:t>12</a:t>
+              <a:t>13</a:t>
             </a:fld>
             <a:endParaRPr lang="en-US"/>
           </a:p>
@@ -9511,7 +8754,7 @@
 </p:sld>
 </file>
 
-<file path=ppt/slides/slide13.xml><?xml version="1.0" encoding="utf-8"?>
+<file path=ppt/slides/slide14.xml><?xml version="1.0" encoding="utf-8"?>
 <p:sld xmlns:a="http://schemas.openxmlformats.org/drawingml/2006/main" xmlns:r="http://schemas.openxmlformats.org/officeDocument/2006/relationships" xmlns:p="http://schemas.openxmlformats.org/presentationml/2006/main" showMasterSp="0">
   <p:cSld>
     <p:spTree>
@@ -10655,7 +9898,7 @@
           <a:p>
             <a:fld id="{C014DD1E-5D91-48A3-AD6D-45FBA980D106}" type="slidenum">
               <a:rPr lang="en-US" smtClean="0"/>
-              <a:t>13</a:t>
+              <a:t>14</a:t>
             </a:fld>
             <a:endParaRPr lang="en-US"/>
           </a:p>
@@ -10674,7 +9917,7 @@
 </p:sld>
 </file>
 
-<file path=ppt/slides/slide14.xml><?xml version="1.0" encoding="utf-8"?>
+<file path=ppt/slides/slide15.xml><?xml version="1.0" encoding="utf-8"?>
 <p:sld xmlns:a="http://schemas.openxmlformats.org/drawingml/2006/main" xmlns:r="http://schemas.openxmlformats.org/officeDocument/2006/relationships" xmlns:p="http://schemas.openxmlformats.org/presentationml/2006/main" showMasterSp="0">
   <p:cSld>
     <p:spTree>
@@ -11850,7 +11093,7 @@
           <a:p>
             <a:fld id="{C014DD1E-5D91-48A3-AD6D-45FBA980D106}" type="slidenum">
               <a:rPr lang="en-US" smtClean="0"/>
-              <a:t>14</a:t>
+              <a:t>15</a:t>
             </a:fld>
             <a:endParaRPr lang="en-US"/>
           </a:p>
@@ -11869,7 +11112,7 @@
 </p:sld>
 </file>
 
-<file path=ppt/slides/slide15.xml><?xml version="1.0" encoding="utf-8"?>
+<file path=ppt/slides/slide16.xml><?xml version="1.0" encoding="utf-8"?>
 <p:sld xmlns:a="http://schemas.openxmlformats.org/drawingml/2006/main" xmlns:r="http://schemas.openxmlformats.org/officeDocument/2006/relationships" xmlns:p="http://schemas.openxmlformats.org/presentationml/2006/main" showMasterSp="0">
   <p:cSld>
     <p:spTree>
@@ -13057,7 +12300,7 @@
           <a:p>
             <a:fld id="{C014DD1E-5D91-48A3-AD6D-45FBA980D106}" type="slidenum">
               <a:rPr lang="en-US" smtClean="0"/>
-              <a:t>15</a:t>
+              <a:t>16</a:t>
             </a:fld>
             <a:endParaRPr lang="en-US"/>
           </a:p>
@@ -13076,7 +12319,7 @@
 </p:sld>
 </file>
 
-<file path=ppt/slides/slide16.xml><?xml version="1.0" encoding="utf-8"?>
+<file path=ppt/slides/slide17.xml><?xml version="1.0" encoding="utf-8"?>
 <p:sld xmlns:a="http://schemas.openxmlformats.org/drawingml/2006/main" xmlns:r="http://schemas.openxmlformats.org/officeDocument/2006/relationships" xmlns:p="http://schemas.openxmlformats.org/presentationml/2006/main" showMasterSp="0">
   <p:cSld>
     <p:spTree>
@@ -14304,7 +13547,7 @@
           <a:p>
             <a:fld id="{C014DD1E-5D91-48A3-AD6D-45FBA980D106}" type="slidenum">
               <a:rPr lang="en-US" smtClean="0"/>
-              <a:t>16</a:t>
+              <a:t>17</a:t>
             </a:fld>
             <a:endParaRPr lang="en-US"/>
           </a:p>
@@ -14314,1256 +13557,6 @@
     <p:extLst>
       <p:ext uri="{BB962C8B-B14F-4D97-AF65-F5344CB8AC3E}">
         <p14:creationId xmlns:p14="http://schemas.microsoft.com/office/powerpoint/2010/main" val="1876947559"/>
-      </p:ext>
-    </p:extLst>
-  </p:cSld>
-  <p:clrMapOvr>
-    <a:masterClrMapping/>
-  </p:clrMapOvr>
-</p:sld>
-</file>
-
-<file path=ppt/slides/slide17.xml><?xml version="1.0" encoding="utf-8"?>
-<p:sld xmlns:a="http://schemas.openxmlformats.org/drawingml/2006/main" xmlns:r="http://schemas.openxmlformats.org/officeDocument/2006/relationships" xmlns:p="http://schemas.openxmlformats.org/presentationml/2006/main" showMasterSp="0">
-  <p:cSld>
-    <p:spTree>
-      <p:nvGrpSpPr>
-        <p:cNvPr id="1" name=""/>
-        <p:cNvGrpSpPr/>
-        <p:nvPr/>
-      </p:nvGrpSpPr>
-      <p:grpSpPr>
-        <a:xfrm>
-          <a:off x="0" y="0"/>
-          <a:ext cx="0" cy="0"/>
-          <a:chOff x="0" y="0"/>
-          <a:chExt cx="0" cy="0"/>
-        </a:xfrm>
-      </p:grpSpPr>
-      <p:sp>
-        <p:nvSpPr>
-          <p:cNvPr id="13" name="Title 12"/>
-          <p:cNvSpPr>
-            <a:spLocks noGrp="1"/>
-          </p:cNvSpPr>
-          <p:nvPr>
-            <p:ph type="title"/>
-          </p:nvPr>
-        </p:nvSpPr>
-        <p:spPr>
-          <a:xfrm>
-            <a:off x="25962" y="1"/>
-            <a:ext cx="10360501" cy="692696"/>
-          </a:xfrm>
-        </p:spPr>
-        <p:txBody>
-          <a:bodyPr>
-            <a:normAutofit/>
-          </a:bodyPr>
-          <a:lstStyle/>
-          <a:p>
-            <a:r>
-              <a:rPr lang="en-US" sz="4000" err="1">
-                <a:solidFill>
-                  <a:schemeClr val="bg1"/>
-                </a:solidFill>
-              </a:rPr>
-              <a:t>Nhận</a:t>
-            </a:r>
-            <a:r>
-              <a:rPr lang="en-US" sz="4000">
-                <a:solidFill>
-                  <a:schemeClr val="bg1"/>
-                </a:solidFill>
-              </a:rPr>
-              <a:t> </a:t>
-            </a:r>
-            <a:r>
-              <a:rPr lang="en-US" sz="4000" err="1">
-                <a:solidFill>
-                  <a:schemeClr val="bg1"/>
-                </a:solidFill>
-              </a:rPr>
-              <a:t>xét</a:t>
-            </a:r>
-            <a:endParaRPr lang="en-US" sz="4000">
-              <a:solidFill>
-                <a:schemeClr val="bg1"/>
-              </a:solidFill>
-            </a:endParaRPr>
-          </a:p>
-        </p:txBody>
-      </p:sp>
-      <p:sp>
-        <p:nvSpPr>
-          <p:cNvPr id="14" name="Content Placeholder 13"/>
-          <p:cNvSpPr>
-            <a:spLocks noGrp="1"/>
-          </p:cNvSpPr>
-          <p:nvPr>
-            <p:ph idx="1"/>
-          </p:nvPr>
-        </p:nvSpPr>
-        <p:spPr>
-          <a:xfrm>
-            <a:off x="189757" y="764704"/>
-            <a:ext cx="11389628" cy="5399365"/>
-          </a:xfrm>
-        </p:spPr>
-        <p:txBody>
-          <a:bodyPr>
-            <a:normAutofit/>
-          </a:bodyPr>
-          <a:lstStyle/>
-          <a:p>
-            <a:pPr algn="just">
-              <a:buClrTx/>
-            </a:pPr>
-            <a:r>
-              <a:rPr lang="en-US" sz="3000" err="1">
-                <a:solidFill>
-                  <a:schemeClr val="bg1"/>
-                </a:solidFill>
-              </a:rPr>
-              <a:t>Nếu</a:t>
-            </a:r>
-            <a:r>
-              <a:rPr lang="en-US" sz="3000">
-                <a:solidFill>
-                  <a:schemeClr val="bg1"/>
-                </a:solidFill>
-              </a:rPr>
-              <a:t> </a:t>
-            </a:r>
-            <a:r>
-              <a:rPr lang="en-US" sz="3000" err="1">
-                <a:solidFill>
-                  <a:schemeClr val="bg1"/>
-                </a:solidFill>
-              </a:rPr>
-              <a:t>cần</a:t>
-            </a:r>
-            <a:r>
-              <a:rPr lang="en-US" sz="3000">
-                <a:solidFill>
-                  <a:schemeClr val="bg1"/>
-                </a:solidFill>
-              </a:rPr>
-              <a:t> </a:t>
-            </a:r>
-            <a:r>
-              <a:rPr lang="en-US" sz="3000" err="1">
-                <a:solidFill>
-                  <a:schemeClr val="bg1"/>
-                </a:solidFill>
-              </a:rPr>
-              <a:t>tận</a:t>
-            </a:r>
-            <a:r>
-              <a:rPr lang="en-US" sz="3000">
-                <a:solidFill>
-                  <a:schemeClr val="bg1"/>
-                </a:solidFill>
-              </a:rPr>
-              <a:t> </a:t>
-            </a:r>
-            <a:r>
-              <a:rPr lang="en-US" sz="3000" err="1">
-                <a:solidFill>
-                  <a:schemeClr val="bg1"/>
-                </a:solidFill>
-              </a:rPr>
-              <a:t>dụng</a:t>
-            </a:r>
-            <a:r>
-              <a:rPr lang="en-US" sz="3000">
-                <a:solidFill>
-                  <a:schemeClr val="bg1"/>
-                </a:solidFill>
-              </a:rPr>
-              <a:t> </a:t>
-            </a:r>
-            <a:r>
-              <a:rPr lang="en-US" sz="3000" err="1">
-                <a:solidFill>
-                  <a:schemeClr val="bg1"/>
-                </a:solidFill>
-              </a:rPr>
-              <a:t>các</a:t>
-            </a:r>
-            <a:r>
-              <a:rPr lang="en-US" sz="3000">
-                <a:solidFill>
-                  <a:schemeClr val="bg1"/>
-                </a:solidFill>
-              </a:rPr>
-              <a:t> </a:t>
-            </a:r>
-            <a:r>
-              <a:rPr lang="en-US" sz="3000" err="1">
-                <a:solidFill>
-                  <a:schemeClr val="bg1"/>
-                </a:solidFill>
-              </a:rPr>
-              <a:t>thanh</a:t>
-            </a:r>
-            <a:r>
-              <a:rPr lang="en-US" sz="3000">
-                <a:solidFill>
-                  <a:schemeClr val="bg1"/>
-                </a:solidFill>
-              </a:rPr>
-              <a:t> </a:t>
-            </a:r>
-            <a:r>
-              <a:rPr lang="en-US" sz="3000" err="1">
-                <a:solidFill>
-                  <a:schemeClr val="bg1"/>
-                </a:solidFill>
-              </a:rPr>
-              <a:t>nguyên</a:t>
-            </a:r>
-            <a:r>
-              <a:rPr lang="en-US" sz="3000">
-                <a:solidFill>
-                  <a:schemeClr val="bg1"/>
-                </a:solidFill>
-              </a:rPr>
-              <a:t> </a:t>
-            </a:r>
-            <a:r>
-              <a:rPr lang="en-US" sz="3000" err="1">
-                <a:solidFill>
-                  <a:schemeClr val="bg1"/>
-                </a:solidFill>
-              </a:rPr>
-              <a:t>liệu</a:t>
-            </a:r>
-            <a:r>
-              <a:rPr lang="en-US" sz="3000">
-                <a:solidFill>
-                  <a:schemeClr val="bg1"/>
-                </a:solidFill>
-              </a:rPr>
-              <a:t> </a:t>
-            </a:r>
-            <a:r>
-              <a:rPr lang="en-US" sz="3000" err="1">
-                <a:solidFill>
-                  <a:schemeClr val="bg1"/>
-                </a:solidFill>
-              </a:rPr>
-              <a:t>dư</a:t>
-            </a:r>
-            <a:r>
-              <a:rPr lang="en-US" sz="3000">
-                <a:solidFill>
-                  <a:schemeClr val="bg1"/>
-                </a:solidFill>
-              </a:rPr>
-              <a:t> </a:t>
-            </a:r>
-            <a:r>
-              <a:rPr lang="en-US" sz="3000" err="1">
-                <a:solidFill>
-                  <a:schemeClr val="bg1"/>
-                </a:solidFill>
-              </a:rPr>
-              <a:t>thừa</a:t>
-            </a:r>
-            <a:r>
-              <a:rPr lang="en-US" sz="3000">
-                <a:solidFill>
-                  <a:schemeClr val="bg1"/>
-                </a:solidFill>
-              </a:rPr>
-              <a:t> </a:t>
-            </a:r>
-            <a:r>
-              <a:rPr lang="en-US" sz="3000" err="1">
-                <a:solidFill>
-                  <a:schemeClr val="bg1"/>
-                </a:solidFill>
-              </a:rPr>
-              <a:t>thì</a:t>
-            </a:r>
-            <a:r>
-              <a:rPr lang="en-US" sz="3000">
-                <a:solidFill>
-                  <a:schemeClr val="bg1"/>
-                </a:solidFill>
-              </a:rPr>
-              <a:t> </a:t>
-            </a:r>
-            <a:r>
-              <a:rPr lang="en-US" sz="3000" err="1">
-                <a:solidFill>
-                  <a:schemeClr val="bg1"/>
-                </a:solidFill>
-              </a:rPr>
-              <a:t>nên</a:t>
-            </a:r>
-            <a:r>
-              <a:rPr lang="en-US" sz="3000">
-                <a:solidFill>
-                  <a:schemeClr val="bg1"/>
-                </a:solidFill>
-              </a:rPr>
-              <a:t> </a:t>
-            </a:r>
-            <a:r>
-              <a:rPr lang="en-US" sz="3000" err="1">
-                <a:solidFill>
-                  <a:schemeClr val="bg1"/>
-                </a:solidFill>
-              </a:rPr>
-              <a:t>sử</a:t>
-            </a:r>
-            <a:r>
-              <a:rPr lang="en-US" sz="3000">
-                <a:solidFill>
-                  <a:schemeClr val="bg1"/>
-                </a:solidFill>
-              </a:rPr>
-              <a:t> </a:t>
-            </a:r>
-            <a:r>
-              <a:rPr lang="en-US" sz="3000" err="1">
-                <a:solidFill>
-                  <a:schemeClr val="bg1"/>
-                </a:solidFill>
-              </a:rPr>
-              <a:t>dụng</a:t>
-            </a:r>
-            <a:r>
-              <a:rPr lang="en-US" sz="3000">
-                <a:solidFill>
-                  <a:schemeClr val="bg1"/>
-                </a:solidFill>
-              </a:rPr>
-              <a:t> </a:t>
-            </a:r>
-            <a:r>
-              <a:rPr lang="en-US" sz="3000" err="1">
-                <a:solidFill>
-                  <a:schemeClr val="bg1"/>
-                </a:solidFill>
-              </a:rPr>
-              <a:t>giải</a:t>
-            </a:r>
-            <a:r>
-              <a:rPr lang="en-US" sz="3000">
-                <a:solidFill>
-                  <a:schemeClr val="bg1"/>
-                </a:solidFill>
-              </a:rPr>
-              <a:t> </a:t>
-            </a:r>
-            <a:r>
-              <a:rPr lang="en-US" sz="3000" err="1">
-                <a:solidFill>
-                  <a:schemeClr val="bg1"/>
-                </a:solidFill>
-              </a:rPr>
-              <a:t>thuật</a:t>
-            </a:r>
-            <a:r>
-              <a:rPr lang="en-US" sz="3000">
-                <a:solidFill>
-                  <a:schemeClr val="bg1"/>
-                </a:solidFill>
-              </a:rPr>
-              <a:t> </a:t>
-            </a:r>
-            <a:r>
-              <a:rPr lang="en-US" sz="3000" err="1">
-                <a:solidFill>
-                  <a:schemeClr val="bg1"/>
-                </a:solidFill>
-              </a:rPr>
-              <a:t>cắt</a:t>
-            </a:r>
-            <a:r>
-              <a:rPr lang="en-US" sz="3000">
-                <a:solidFill>
-                  <a:schemeClr val="bg1"/>
-                </a:solidFill>
-              </a:rPr>
-              <a:t> </a:t>
-            </a:r>
-            <a:r>
-              <a:rPr lang="en-US" sz="3000" err="1">
-                <a:solidFill>
-                  <a:schemeClr val="bg1"/>
-                </a:solidFill>
-              </a:rPr>
-              <a:t>tiết</a:t>
-            </a:r>
-            <a:r>
-              <a:rPr lang="en-US" sz="3000">
-                <a:solidFill>
-                  <a:schemeClr val="bg1"/>
-                </a:solidFill>
-              </a:rPr>
-              <a:t> </a:t>
-            </a:r>
-            <a:r>
-              <a:rPr lang="en-US" sz="3000" err="1">
-                <a:solidFill>
-                  <a:schemeClr val="bg1"/>
-                </a:solidFill>
-              </a:rPr>
-              <a:t>kiệm</a:t>
-            </a:r>
-            <a:endParaRPr lang="en-US" sz="3000">
-              <a:solidFill>
-                <a:schemeClr val="bg1"/>
-              </a:solidFill>
-            </a:endParaRPr>
-          </a:p>
-          <a:p>
-            <a:pPr algn="just">
-              <a:buClrTx/>
-            </a:pPr>
-            <a:r>
-              <a:rPr lang="en-US" sz="3000">
-                <a:solidFill>
-                  <a:schemeClr val="bg1"/>
-                </a:solidFill>
-              </a:rPr>
-              <a:t>Chỉ </a:t>
-            </a:r>
-            <a:r>
-              <a:rPr lang="en-US" sz="3000" err="1">
-                <a:solidFill>
-                  <a:schemeClr val="bg1"/>
-                </a:solidFill>
-              </a:rPr>
-              <a:t>sử</a:t>
-            </a:r>
-            <a:r>
-              <a:rPr lang="en-US" sz="3000">
-                <a:solidFill>
-                  <a:schemeClr val="bg1"/>
-                </a:solidFill>
-              </a:rPr>
-              <a:t> </a:t>
-            </a:r>
-            <a:r>
-              <a:rPr lang="en-US" sz="3000" err="1">
-                <a:solidFill>
-                  <a:schemeClr val="bg1"/>
-                </a:solidFill>
-              </a:rPr>
-              <a:t>dụng</a:t>
-            </a:r>
-            <a:r>
-              <a:rPr lang="en-US" sz="3000">
-                <a:solidFill>
-                  <a:schemeClr val="bg1"/>
-                </a:solidFill>
-              </a:rPr>
-              <a:t> </a:t>
-            </a:r>
-            <a:r>
-              <a:rPr lang="en-US" sz="3000" err="1">
-                <a:solidFill>
-                  <a:schemeClr val="bg1"/>
-                </a:solidFill>
-              </a:rPr>
-              <a:t>các</a:t>
-            </a:r>
-            <a:r>
-              <a:rPr lang="en-US" sz="3000">
-                <a:solidFill>
-                  <a:schemeClr val="bg1"/>
-                </a:solidFill>
-              </a:rPr>
-              <a:t> </a:t>
-            </a:r>
-            <a:r>
-              <a:rPr lang="en-US" sz="3000" err="1">
-                <a:solidFill>
-                  <a:schemeClr val="bg1"/>
-                </a:solidFill>
-              </a:rPr>
-              <a:t>thanh</a:t>
-            </a:r>
-            <a:r>
-              <a:rPr lang="en-US" sz="3000">
-                <a:solidFill>
-                  <a:schemeClr val="bg1"/>
-                </a:solidFill>
-              </a:rPr>
-              <a:t> </a:t>
-            </a:r>
-            <a:r>
-              <a:rPr lang="en-US" sz="3000" err="1">
-                <a:solidFill>
-                  <a:schemeClr val="bg1"/>
-                </a:solidFill>
-              </a:rPr>
-              <a:t>nguyên</a:t>
-            </a:r>
-            <a:r>
-              <a:rPr lang="en-US" sz="3000">
-                <a:solidFill>
-                  <a:schemeClr val="bg1"/>
-                </a:solidFill>
-              </a:rPr>
-              <a:t> </a:t>
-            </a:r>
-            <a:r>
-              <a:rPr lang="en-US" sz="3000" err="1">
-                <a:solidFill>
-                  <a:schemeClr val="bg1"/>
-                </a:solidFill>
-              </a:rPr>
-              <a:t>liệu</a:t>
-            </a:r>
-            <a:r>
-              <a:rPr lang="en-US" sz="3000">
-                <a:solidFill>
-                  <a:schemeClr val="bg1"/>
-                </a:solidFill>
-              </a:rPr>
-              <a:t> </a:t>
-            </a:r>
-            <a:r>
-              <a:rPr lang="en-US" sz="3000" err="1">
-                <a:solidFill>
-                  <a:schemeClr val="bg1"/>
-                </a:solidFill>
-              </a:rPr>
-              <a:t>mới</a:t>
-            </a:r>
-            <a:r>
-              <a:rPr lang="en-US" sz="3000">
-                <a:solidFill>
-                  <a:schemeClr val="bg1"/>
-                </a:solidFill>
-              </a:rPr>
-              <a:t> </a:t>
-            </a:r>
-            <a:r>
-              <a:rPr lang="en-US" sz="3000" err="1">
-                <a:solidFill>
-                  <a:schemeClr val="bg1"/>
-                </a:solidFill>
-              </a:rPr>
-              <a:t>thì</a:t>
-            </a:r>
-            <a:r>
-              <a:rPr lang="en-US" sz="3000">
-                <a:solidFill>
-                  <a:schemeClr val="bg1"/>
-                </a:solidFill>
-              </a:rPr>
-              <a:t> </a:t>
-            </a:r>
-            <a:r>
-              <a:rPr lang="en-US" sz="3000" err="1">
-                <a:solidFill>
-                  <a:schemeClr val="bg1"/>
-                </a:solidFill>
-              </a:rPr>
-              <a:t>sử</a:t>
-            </a:r>
-            <a:r>
-              <a:rPr lang="en-US" sz="3000">
-                <a:solidFill>
-                  <a:schemeClr val="bg1"/>
-                </a:solidFill>
-              </a:rPr>
-              <a:t> </a:t>
-            </a:r>
-            <a:r>
-              <a:rPr lang="en-US" sz="3000" err="1">
-                <a:solidFill>
-                  <a:schemeClr val="bg1"/>
-                </a:solidFill>
-              </a:rPr>
-              <a:t>dụng</a:t>
-            </a:r>
-            <a:r>
-              <a:rPr lang="en-US" sz="3000">
-                <a:solidFill>
-                  <a:schemeClr val="bg1"/>
-                </a:solidFill>
-              </a:rPr>
-              <a:t> </a:t>
-            </a:r>
-            <a:r>
-              <a:rPr lang="en-US" sz="3000" err="1">
-                <a:solidFill>
-                  <a:schemeClr val="bg1"/>
-                </a:solidFill>
-              </a:rPr>
-              <a:t>giải</a:t>
-            </a:r>
-            <a:r>
-              <a:rPr lang="en-US" sz="3000">
-                <a:solidFill>
-                  <a:schemeClr val="bg1"/>
-                </a:solidFill>
-              </a:rPr>
-              <a:t> </a:t>
-            </a:r>
-            <a:r>
-              <a:rPr lang="en-US" sz="3000" err="1">
-                <a:solidFill>
-                  <a:schemeClr val="bg1"/>
-                </a:solidFill>
-              </a:rPr>
-              <a:t>thuật</a:t>
-            </a:r>
-            <a:r>
-              <a:rPr lang="en-US" sz="3000">
-                <a:solidFill>
-                  <a:schemeClr val="bg1"/>
-                </a:solidFill>
-              </a:rPr>
-              <a:t> </a:t>
-            </a:r>
-            <a:r>
-              <a:rPr lang="en-US" sz="3000" err="1">
-                <a:solidFill>
-                  <a:schemeClr val="bg1"/>
-                </a:solidFill>
-              </a:rPr>
-              <a:t>cắt</a:t>
-            </a:r>
-            <a:r>
-              <a:rPr lang="en-US" sz="3000">
-                <a:solidFill>
-                  <a:schemeClr val="bg1"/>
-                </a:solidFill>
-              </a:rPr>
-              <a:t> </a:t>
-            </a:r>
-            <a:r>
-              <a:rPr lang="en-US" sz="3000" err="1">
-                <a:solidFill>
-                  <a:schemeClr val="bg1"/>
-                </a:solidFill>
-              </a:rPr>
-              <a:t>nhanh</a:t>
-            </a:r>
-            <a:endParaRPr lang="en-US" sz="3000">
-              <a:solidFill>
-                <a:schemeClr val="bg1"/>
-              </a:solidFill>
-            </a:endParaRPr>
-          </a:p>
-          <a:p>
-            <a:pPr algn="just">
-              <a:buClrTx/>
-            </a:pPr>
-            <a:r>
-              <a:rPr lang="en-US" sz="3000" err="1">
-                <a:solidFill>
-                  <a:schemeClr val="bg1"/>
-                </a:solidFill>
-              </a:rPr>
-              <a:t>Nếu</a:t>
-            </a:r>
-            <a:r>
-              <a:rPr lang="en-US" sz="3000">
-                <a:solidFill>
-                  <a:schemeClr val="bg1"/>
-                </a:solidFill>
-              </a:rPr>
-              <a:t> </a:t>
-            </a:r>
-            <a:r>
-              <a:rPr lang="en-US" sz="3000" err="1">
-                <a:solidFill>
-                  <a:schemeClr val="bg1"/>
-                </a:solidFill>
-              </a:rPr>
-              <a:t>khối</a:t>
-            </a:r>
-            <a:r>
-              <a:rPr lang="en-US" sz="3000">
-                <a:solidFill>
-                  <a:schemeClr val="bg1"/>
-                </a:solidFill>
-              </a:rPr>
-              <a:t> </a:t>
-            </a:r>
-            <a:r>
-              <a:rPr lang="en-US" sz="3000" err="1">
-                <a:solidFill>
-                  <a:schemeClr val="bg1"/>
-                </a:solidFill>
-              </a:rPr>
-              <a:t>lượng</a:t>
-            </a:r>
-            <a:r>
-              <a:rPr lang="en-US" sz="3000">
-                <a:solidFill>
-                  <a:schemeClr val="bg1"/>
-                </a:solidFill>
-              </a:rPr>
-              <a:t> </a:t>
-            </a:r>
-            <a:r>
-              <a:rPr lang="en-US" sz="3000" err="1">
-                <a:solidFill>
-                  <a:schemeClr val="bg1"/>
-                </a:solidFill>
-              </a:rPr>
-              <a:t>đơn</a:t>
-            </a:r>
-            <a:r>
-              <a:rPr lang="en-US" sz="3000">
-                <a:solidFill>
-                  <a:schemeClr val="bg1"/>
-                </a:solidFill>
-              </a:rPr>
-              <a:t> </a:t>
-            </a:r>
-            <a:r>
-              <a:rPr lang="en-US" sz="3000" err="1">
-                <a:solidFill>
-                  <a:schemeClr val="bg1"/>
-                </a:solidFill>
-              </a:rPr>
-              <a:t>hàng</a:t>
-            </a:r>
-            <a:r>
-              <a:rPr lang="en-US" sz="3000">
-                <a:solidFill>
-                  <a:schemeClr val="bg1"/>
-                </a:solidFill>
-              </a:rPr>
-              <a:t> </a:t>
-            </a:r>
-            <a:r>
-              <a:rPr lang="en-US" sz="3000" err="1">
-                <a:solidFill>
-                  <a:schemeClr val="bg1"/>
-                </a:solidFill>
-              </a:rPr>
-              <a:t>nhỏ</a:t>
-            </a:r>
-            <a:r>
-              <a:rPr lang="en-US" sz="3000">
-                <a:solidFill>
-                  <a:schemeClr val="bg1"/>
-                </a:solidFill>
-              </a:rPr>
-              <a:t> </a:t>
-            </a:r>
-            <a:r>
-              <a:rPr lang="en-US" sz="3000" err="1">
-                <a:solidFill>
-                  <a:schemeClr val="bg1"/>
-                </a:solidFill>
-              </a:rPr>
-              <a:t>thì</a:t>
-            </a:r>
-            <a:r>
-              <a:rPr lang="en-US" sz="3000">
-                <a:solidFill>
-                  <a:schemeClr val="bg1"/>
-                </a:solidFill>
-              </a:rPr>
-              <a:t> </a:t>
-            </a:r>
-            <a:r>
-              <a:rPr lang="en-US" sz="3000" err="1">
-                <a:solidFill>
-                  <a:schemeClr val="bg1"/>
-                </a:solidFill>
-              </a:rPr>
-              <a:t>sự</a:t>
-            </a:r>
-            <a:r>
-              <a:rPr lang="en-US" sz="3000">
-                <a:solidFill>
-                  <a:schemeClr val="bg1"/>
-                </a:solidFill>
-              </a:rPr>
-              <a:t> </a:t>
-            </a:r>
-            <a:r>
-              <a:rPr lang="en-US" sz="3000" err="1">
-                <a:solidFill>
-                  <a:schemeClr val="bg1"/>
-                </a:solidFill>
-              </a:rPr>
-              <a:t>khác</a:t>
-            </a:r>
-            <a:r>
-              <a:rPr lang="en-US" sz="3000">
-                <a:solidFill>
-                  <a:schemeClr val="bg1"/>
-                </a:solidFill>
-              </a:rPr>
-              <a:t> </a:t>
-            </a:r>
-            <a:r>
-              <a:rPr lang="en-US" sz="3000" err="1">
-                <a:solidFill>
-                  <a:schemeClr val="bg1"/>
-                </a:solidFill>
-              </a:rPr>
-              <a:t>biệt</a:t>
-            </a:r>
-            <a:r>
-              <a:rPr lang="en-US" sz="3000">
-                <a:solidFill>
-                  <a:schemeClr val="bg1"/>
-                </a:solidFill>
-              </a:rPr>
-              <a:t> </a:t>
-            </a:r>
-            <a:r>
-              <a:rPr lang="en-US" sz="3000" err="1">
-                <a:solidFill>
-                  <a:schemeClr val="bg1"/>
-                </a:solidFill>
-              </a:rPr>
-              <a:t>giữa</a:t>
-            </a:r>
-            <a:r>
-              <a:rPr lang="en-US" sz="3000">
-                <a:solidFill>
-                  <a:schemeClr val="bg1"/>
-                </a:solidFill>
-              </a:rPr>
-              <a:t> </a:t>
-            </a:r>
-            <a:r>
-              <a:rPr lang="en-US" sz="3000" err="1">
-                <a:solidFill>
-                  <a:schemeClr val="bg1"/>
-                </a:solidFill>
-              </a:rPr>
-              <a:t>cắt</a:t>
-            </a:r>
-            <a:r>
-              <a:rPr lang="en-US" sz="3000">
-                <a:solidFill>
-                  <a:schemeClr val="bg1"/>
-                </a:solidFill>
-              </a:rPr>
-              <a:t> </a:t>
-            </a:r>
-            <a:r>
-              <a:rPr lang="en-US" sz="3000" err="1">
-                <a:solidFill>
-                  <a:schemeClr val="bg1"/>
-                </a:solidFill>
-              </a:rPr>
-              <a:t>nhanh</a:t>
-            </a:r>
-            <a:r>
-              <a:rPr lang="en-US" sz="3000">
-                <a:solidFill>
-                  <a:schemeClr val="bg1"/>
-                </a:solidFill>
-              </a:rPr>
-              <a:t> </a:t>
-            </a:r>
-            <a:r>
-              <a:rPr lang="en-US" sz="3000" err="1">
-                <a:solidFill>
-                  <a:schemeClr val="bg1"/>
-                </a:solidFill>
-              </a:rPr>
-              <a:t>và</a:t>
-            </a:r>
-            <a:r>
-              <a:rPr lang="en-US" sz="3000">
-                <a:solidFill>
-                  <a:schemeClr val="bg1"/>
-                </a:solidFill>
-              </a:rPr>
-              <a:t> </a:t>
-            </a:r>
-            <a:r>
-              <a:rPr lang="en-US" sz="3000" err="1">
-                <a:solidFill>
-                  <a:schemeClr val="bg1"/>
-                </a:solidFill>
-              </a:rPr>
-              <a:t>cắt</a:t>
-            </a:r>
-            <a:r>
-              <a:rPr lang="en-US" sz="3000">
-                <a:solidFill>
-                  <a:schemeClr val="bg1"/>
-                </a:solidFill>
-              </a:rPr>
-              <a:t> </a:t>
-            </a:r>
-            <a:r>
-              <a:rPr lang="en-US" sz="3000" err="1">
-                <a:solidFill>
-                  <a:schemeClr val="bg1"/>
-                </a:solidFill>
-              </a:rPr>
-              <a:t>tiết</a:t>
-            </a:r>
-            <a:r>
-              <a:rPr lang="en-US" sz="3000">
-                <a:solidFill>
-                  <a:schemeClr val="bg1"/>
-                </a:solidFill>
-              </a:rPr>
-              <a:t> </a:t>
-            </a:r>
-            <a:r>
-              <a:rPr lang="en-US" sz="3000" err="1">
-                <a:solidFill>
-                  <a:schemeClr val="bg1"/>
-                </a:solidFill>
-              </a:rPr>
-              <a:t>kiệm</a:t>
-            </a:r>
-            <a:r>
-              <a:rPr lang="en-US" sz="3000">
-                <a:solidFill>
-                  <a:schemeClr val="bg1"/>
-                </a:solidFill>
-              </a:rPr>
-              <a:t> </a:t>
-            </a:r>
-            <a:r>
-              <a:rPr lang="en-US" sz="3000" err="1">
-                <a:solidFill>
-                  <a:schemeClr val="bg1"/>
-                </a:solidFill>
-              </a:rPr>
-              <a:t>là</a:t>
-            </a:r>
-            <a:r>
-              <a:rPr lang="en-US" sz="3000">
-                <a:solidFill>
-                  <a:schemeClr val="bg1"/>
-                </a:solidFill>
-              </a:rPr>
-              <a:t> </a:t>
-            </a:r>
-            <a:r>
-              <a:rPr lang="en-US" sz="3000" err="1">
-                <a:solidFill>
-                  <a:schemeClr val="bg1"/>
-                </a:solidFill>
-              </a:rPr>
-              <a:t>không</a:t>
-            </a:r>
-            <a:r>
-              <a:rPr lang="en-US" sz="3000">
-                <a:solidFill>
-                  <a:schemeClr val="bg1"/>
-                </a:solidFill>
-              </a:rPr>
-              <a:t> </a:t>
-            </a:r>
-            <a:r>
-              <a:rPr lang="en-US" sz="3000" err="1">
-                <a:solidFill>
-                  <a:schemeClr val="bg1"/>
-                </a:solidFill>
-              </a:rPr>
-              <a:t>đáng</a:t>
-            </a:r>
-            <a:r>
-              <a:rPr lang="en-US" sz="3000">
-                <a:solidFill>
-                  <a:schemeClr val="bg1"/>
-                </a:solidFill>
-              </a:rPr>
-              <a:t> </a:t>
-            </a:r>
-            <a:r>
-              <a:rPr lang="en-US" sz="3000" err="1">
-                <a:solidFill>
-                  <a:schemeClr val="bg1"/>
-                </a:solidFill>
-              </a:rPr>
-              <a:t>kể</a:t>
-            </a:r>
-            <a:r>
-              <a:rPr lang="en-US" sz="3000">
-                <a:solidFill>
-                  <a:schemeClr val="bg1"/>
-                </a:solidFill>
-              </a:rPr>
-              <a:t>, </a:t>
-            </a:r>
-            <a:r>
-              <a:rPr lang="en-US" sz="3000" err="1">
-                <a:solidFill>
-                  <a:schemeClr val="bg1"/>
-                </a:solidFill>
-              </a:rPr>
-              <a:t>sự</a:t>
-            </a:r>
-            <a:r>
-              <a:rPr lang="en-US" sz="3000">
-                <a:solidFill>
-                  <a:schemeClr val="bg1"/>
-                </a:solidFill>
-              </a:rPr>
-              <a:t> </a:t>
-            </a:r>
-            <a:r>
-              <a:rPr lang="en-US" sz="3000" err="1">
-                <a:solidFill>
-                  <a:schemeClr val="bg1"/>
-                </a:solidFill>
-              </a:rPr>
-              <a:t>khác</a:t>
-            </a:r>
-            <a:r>
-              <a:rPr lang="en-US" sz="3000">
-                <a:solidFill>
-                  <a:schemeClr val="bg1"/>
-                </a:solidFill>
-              </a:rPr>
-              <a:t> </a:t>
-            </a:r>
-            <a:r>
-              <a:rPr lang="en-US" sz="3000" err="1">
-                <a:solidFill>
-                  <a:schemeClr val="bg1"/>
-                </a:solidFill>
-              </a:rPr>
-              <a:t>biệt</a:t>
-            </a:r>
-            <a:r>
-              <a:rPr lang="en-US" sz="3000">
-                <a:solidFill>
-                  <a:schemeClr val="bg1"/>
-                </a:solidFill>
-              </a:rPr>
-              <a:t> </a:t>
-            </a:r>
-            <a:r>
-              <a:rPr lang="en-US" sz="3000" err="1">
-                <a:solidFill>
-                  <a:schemeClr val="bg1"/>
-                </a:solidFill>
-              </a:rPr>
-              <a:t>này</a:t>
-            </a:r>
-            <a:r>
-              <a:rPr lang="en-US" sz="3000">
-                <a:solidFill>
-                  <a:schemeClr val="bg1"/>
-                </a:solidFill>
-              </a:rPr>
-              <a:t> </a:t>
-            </a:r>
-            <a:r>
-              <a:rPr lang="en-US" sz="3000" err="1">
-                <a:solidFill>
-                  <a:schemeClr val="bg1"/>
-                </a:solidFill>
-              </a:rPr>
-              <a:t>càng</a:t>
-            </a:r>
-            <a:r>
-              <a:rPr lang="en-US" sz="3000">
-                <a:solidFill>
-                  <a:schemeClr val="bg1"/>
-                </a:solidFill>
-              </a:rPr>
-              <a:t> </a:t>
-            </a:r>
-            <a:r>
-              <a:rPr lang="en-US" sz="3000" err="1">
-                <a:solidFill>
-                  <a:schemeClr val="bg1"/>
-                </a:solidFill>
-              </a:rPr>
-              <a:t>rõ</a:t>
-            </a:r>
-            <a:r>
-              <a:rPr lang="en-US" sz="3000">
-                <a:solidFill>
-                  <a:schemeClr val="bg1"/>
-                </a:solidFill>
-              </a:rPr>
-              <a:t> </a:t>
-            </a:r>
-            <a:r>
-              <a:rPr lang="en-US" sz="3000" err="1">
-                <a:solidFill>
-                  <a:schemeClr val="bg1"/>
-                </a:solidFill>
-              </a:rPr>
-              <a:t>ràng</a:t>
-            </a:r>
-            <a:r>
-              <a:rPr lang="en-US" sz="3000">
-                <a:solidFill>
-                  <a:schemeClr val="bg1"/>
-                </a:solidFill>
-              </a:rPr>
-              <a:t> </a:t>
-            </a:r>
-            <a:r>
-              <a:rPr lang="en-US" sz="3000" err="1">
-                <a:solidFill>
-                  <a:schemeClr val="bg1"/>
-                </a:solidFill>
-              </a:rPr>
-              <a:t>khi</a:t>
-            </a:r>
-            <a:r>
-              <a:rPr lang="en-US" sz="3000">
-                <a:solidFill>
-                  <a:schemeClr val="bg1"/>
-                </a:solidFill>
-              </a:rPr>
-              <a:t> </a:t>
-            </a:r>
-            <a:r>
-              <a:rPr lang="en-US" sz="3000" err="1">
-                <a:solidFill>
-                  <a:schemeClr val="bg1"/>
-                </a:solidFill>
-              </a:rPr>
-              <a:t>mà</a:t>
-            </a:r>
-            <a:r>
-              <a:rPr lang="en-US" sz="3000">
-                <a:solidFill>
-                  <a:schemeClr val="bg1"/>
-                </a:solidFill>
-              </a:rPr>
-              <a:t> </a:t>
-            </a:r>
-            <a:r>
-              <a:rPr lang="en-US" sz="3000" err="1">
-                <a:solidFill>
-                  <a:schemeClr val="bg1"/>
-                </a:solidFill>
-              </a:rPr>
-              <a:t>đơn</a:t>
-            </a:r>
-            <a:r>
-              <a:rPr lang="en-US" sz="3000">
-                <a:solidFill>
-                  <a:schemeClr val="bg1"/>
-                </a:solidFill>
-              </a:rPr>
-              <a:t> </a:t>
-            </a:r>
-            <a:r>
-              <a:rPr lang="en-US" sz="3000" err="1">
-                <a:solidFill>
-                  <a:schemeClr val="bg1"/>
-                </a:solidFill>
-              </a:rPr>
-              <a:t>hàng</a:t>
-            </a:r>
-            <a:r>
-              <a:rPr lang="en-US" sz="3000">
-                <a:solidFill>
-                  <a:schemeClr val="bg1"/>
-                </a:solidFill>
-              </a:rPr>
-              <a:t> </a:t>
-            </a:r>
-            <a:r>
-              <a:rPr lang="en-US" sz="3000" err="1">
-                <a:solidFill>
-                  <a:schemeClr val="bg1"/>
-                </a:solidFill>
-              </a:rPr>
-              <a:t>càng</a:t>
-            </a:r>
-            <a:r>
-              <a:rPr lang="en-US" sz="3000">
-                <a:solidFill>
-                  <a:schemeClr val="bg1"/>
-                </a:solidFill>
-              </a:rPr>
-              <a:t> </a:t>
-            </a:r>
-            <a:r>
-              <a:rPr lang="en-US" sz="3000" err="1">
-                <a:solidFill>
-                  <a:schemeClr val="bg1"/>
-                </a:solidFill>
-              </a:rPr>
-              <a:t>lớn</a:t>
-            </a:r>
-            <a:endParaRPr lang="en-US" sz="3000">
-              <a:solidFill>
-                <a:schemeClr val="bg1"/>
-              </a:solidFill>
-            </a:endParaRPr>
-          </a:p>
-        </p:txBody>
-      </p:sp>
-      <p:sp>
-        <p:nvSpPr>
-          <p:cNvPr id="2" name="Footer Placeholder 1">
-            <a:extLst>
-              <a:ext uri="{FF2B5EF4-FFF2-40B4-BE49-F238E27FC236}">
-                <a16:creationId xmlns:a16="http://schemas.microsoft.com/office/drawing/2014/main" id="{39BE3744-D259-4558-9D1A-68073C502916}"/>
-              </a:ext>
-            </a:extLst>
-          </p:cNvPr>
-          <p:cNvSpPr>
-            <a:spLocks noGrp="1"/>
-          </p:cNvSpPr>
-          <p:nvPr>
-            <p:ph type="ftr" sz="quarter" idx="11"/>
-          </p:nvPr>
-        </p:nvSpPr>
-        <p:spPr/>
-        <p:txBody>
-          <a:bodyPr/>
-          <a:lstStyle/>
-          <a:p>
-            <a:r>
-              <a:rPr lang="en-US"/>
-              <a:t>1</a:t>
-            </a:r>
-          </a:p>
-        </p:txBody>
-      </p:sp>
-      <p:sp>
-        <p:nvSpPr>
-          <p:cNvPr id="3" name="Slide Number Placeholder 2">
-            <a:extLst>
-              <a:ext uri="{FF2B5EF4-FFF2-40B4-BE49-F238E27FC236}">
-                <a16:creationId xmlns:a16="http://schemas.microsoft.com/office/drawing/2014/main" id="{E906A2FC-64E4-40A5-A5CE-4206759ACD76}"/>
-              </a:ext>
-            </a:extLst>
-          </p:cNvPr>
-          <p:cNvSpPr>
-            <a:spLocks noGrp="1"/>
-          </p:cNvSpPr>
-          <p:nvPr>
-            <p:ph type="sldNum" sz="quarter" idx="12"/>
-          </p:nvPr>
-        </p:nvSpPr>
-        <p:spPr/>
-        <p:txBody>
-          <a:bodyPr/>
-          <a:lstStyle/>
-          <a:p>
-            <a:fld id="{C014DD1E-5D91-48A3-AD6D-45FBA980D106}" type="slidenum">
-              <a:rPr lang="en-US" smtClean="0"/>
-              <a:t>17</a:t>
-            </a:fld>
-            <a:endParaRPr lang="en-US"/>
-          </a:p>
-        </p:txBody>
-      </p:sp>
-    </p:spTree>
-    <p:extLst>
-      <p:ext uri="{BB962C8B-B14F-4D97-AF65-F5344CB8AC3E}">
-        <p14:creationId xmlns:p14="http://schemas.microsoft.com/office/powerpoint/2010/main" val="3345718028"/>
       </p:ext>
     </p:extLst>
   </p:cSld>
@@ -15602,13 +13595,13 @@
         </p:nvSpPr>
         <p:spPr>
           <a:xfrm>
-            <a:off x="0" y="0"/>
-            <a:ext cx="10360501" cy="634083"/>
+            <a:off x="25962" y="1"/>
+            <a:ext cx="10360501" cy="692696"/>
           </a:xfrm>
         </p:spPr>
         <p:txBody>
           <a:bodyPr>
-            <a:noAutofit/>
+            <a:normAutofit/>
           </a:bodyPr>
           <a:lstStyle/>
           <a:p>
@@ -15618,7 +13611,7 @@
                   <a:schemeClr val="bg1"/>
                 </a:solidFill>
               </a:rPr>
-              <a:t>Kết</a:t>
+              <a:t>Nhận</a:t>
             </a:r>
             <a:r>
               <a:rPr lang="en-US" sz="4000">
@@ -15634,71 +13627,7 @@
                   <a:schemeClr val="bg1"/>
                 </a:solidFill>
               </a:rPr>
-              <a:t>luận</a:t>
-            </a:r>
-            <a:r>
-              <a:rPr lang="en-US" sz="4000">
-                <a:solidFill>
-                  <a:schemeClr val="bg1"/>
-                </a:solidFill>
-              </a:rPr>
-              <a:t> </a:t>
-            </a:r>
-            <a:r>
-              <a:rPr lang="en-US" sz="4000" err="1">
-                <a:solidFill>
-                  <a:schemeClr val="bg1"/>
-                </a:solidFill>
-              </a:rPr>
-              <a:t>và</a:t>
-            </a:r>
-            <a:r>
-              <a:rPr lang="en-US" sz="4000">
-                <a:solidFill>
-                  <a:schemeClr val="bg1"/>
-                </a:solidFill>
-              </a:rPr>
-              <a:t> </a:t>
-            </a:r>
-            <a:r>
-              <a:rPr lang="en-US" sz="4000" err="1">
-                <a:solidFill>
-                  <a:schemeClr val="bg1"/>
-                </a:solidFill>
-              </a:rPr>
-              <a:t>hướng</a:t>
-            </a:r>
-            <a:r>
-              <a:rPr lang="en-US" sz="4000">
-                <a:solidFill>
-                  <a:schemeClr val="bg1"/>
-                </a:solidFill>
-              </a:rPr>
-              <a:t> </a:t>
-            </a:r>
-            <a:r>
-              <a:rPr lang="en-US" sz="4000" err="1">
-                <a:solidFill>
-                  <a:schemeClr val="bg1"/>
-                </a:solidFill>
-              </a:rPr>
-              <a:t>phát</a:t>
-            </a:r>
-            <a:r>
-              <a:rPr lang="en-US" sz="4000">
-                <a:solidFill>
-                  <a:schemeClr val="bg1"/>
-                </a:solidFill>
-              </a:rPr>
-              <a:t> </a:t>
-            </a:r>
-            <a:r>
-              <a:rPr lang="en-US" sz="4000" err="1">
-                <a:solidFill>
-                  <a:schemeClr val="bg1"/>
-                </a:solidFill>
-              </a:rPr>
-              <a:t>triển</a:t>
+              <a:t>xét</a:t>
             </a:r>
             <a:endParaRPr lang="en-US" sz="4000">
               <a:solidFill>
@@ -15720,8 +13649,8 @@
         </p:nvSpPr>
         <p:spPr>
           <a:xfrm>
-            <a:off x="117749" y="692696"/>
-            <a:ext cx="11461636" cy="5471373"/>
+            <a:off x="189757" y="764704"/>
+            <a:ext cx="11389628" cy="5399365"/>
           </a:xfrm>
         </p:spPr>
         <p:txBody>
@@ -15730,20 +13659,313 @@
           </a:bodyPr>
           <a:lstStyle/>
           <a:p>
-            <a:pPr>
+            <a:pPr algn="just">
               <a:buClrTx/>
             </a:pPr>
             <a:r>
+              <a:rPr lang="en-US" sz="3000" err="1">
+                <a:solidFill>
+                  <a:schemeClr val="bg1"/>
+                </a:solidFill>
+              </a:rPr>
+              <a:t>Nếu</a:t>
+            </a:r>
+            <a:r>
               <a:rPr lang="en-US" sz="3000">
                 <a:solidFill>
                   <a:schemeClr val="bg1"/>
                 </a:solidFill>
               </a:rPr>
-              <a:t>Kết quả đạt được của khóa luận</a:t>
-            </a:r>
-          </a:p>
-          <a:p>
-            <a:pPr>
+              <a:t> </a:t>
+            </a:r>
+            <a:r>
+              <a:rPr lang="en-US" sz="3000" err="1">
+                <a:solidFill>
+                  <a:schemeClr val="bg1"/>
+                </a:solidFill>
+              </a:rPr>
+              <a:t>cần</a:t>
+            </a:r>
+            <a:r>
+              <a:rPr lang="en-US" sz="3000">
+                <a:solidFill>
+                  <a:schemeClr val="bg1"/>
+                </a:solidFill>
+              </a:rPr>
+              <a:t> </a:t>
+            </a:r>
+            <a:r>
+              <a:rPr lang="en-US" sz="3000" err="1">
+                <a:solidFill>
+                  <a:schemeClr val="bg1"/>
+                </a:solidFill>
+              </a:rPr>
+              <a:t>tận</a:t>
+            </a:r>
+            <a:r>
+              <a:rPr lang="en-US" sz="3000">
+                <a:solidFill>
+                  <a:schemeClr val="bg1"/>
+                </a:solidFill>
+              </a:rPr>
+              <a:t> </a:t>
+            </a:r>
+            <a:r>
+              <a:rPr lang="en-US" sz="3000" err="1">
+                <a:solidFill>
+                  <a:schemeClr val="bg1"/>
+                </a:solidFill>
+              </a:rPr>
+              <a:t>dụng</a:t>
+            </a:r>
+            <a:r>
+              <a:rPr lang="en-US" sz="3000">
+                <a:solidFill>
+                  <a:schemeClr val="bg1"/>
+                </a:solidFill>
+              </a:rPr>
+              <a:t> </a:t>
+            </a:r>
+            <a:r>
+              <a:rPr lang="en-US" sz="3000" err="1">
+                <a:solidFill>
+                  <a:schemeClr val="bg1"/>
+                </a:solidFill>
+              </a:rPr>
+              <a:t>các</a:t>
+            </a:r>
+            <a:r>
+              <a:rPr lang="en-US" sz="3000">
+                <a:solidFill>
+                  <a:schemeClr val="bg1"/>
+                </a:solidFill>
+              </a:rPr>
+              <a:t> </a:t>
+            </a:r>
+            <a:r>
+              <a:rPr lang="en-US" sz="3000" err="1">
+                <a:solidFill>
+                  <a:schemeClr val="bg1"/>
+                </a:solidFill>
+              </a:rPr>
+              <a:t>thanh</a:t>
+            </a:r>
+            <a:r>
+              <a:rPr lang="en-US" sz="3000">
+                <a:solidFill>
+                  <a:schemeClr val="bg1"/>
+                </a:solidFill>
+              </a:rPr>
+              <a:t> </a:t>
+            </a:r>
+            <a:r>
+              <a:rPr lang="en-US" sz="3000" err="1">
+                <a:solidFill>
+                  <a:schemeClr val="bg1"/>
+                </a:solidFill>
+              </a:rPr>
+              <a:t>nguyên</a:t>
+            </a:r>
+            <a:r>
+              <a:rPr lang="en-US" sz="3000">
+                <a:solidFill>
+                  <a:schemeClr val="bg1"/>
+                </a:solidFill>
+              </a:rPr>
+              <a:t> </a:t>
+            </a:r>
+            <a:r>
+              <a:rPr lang="en-US" sz="3000" err="1">
+                <a:solidFill>
+                  <a:schemeClr val="bg1"/>
+                </a:solidFill>
+              </a:rPr>
+              <a:t>liệu</a:t>
+            </a:r>
+            <a:r>
+              <a:rPr lang="en-US" sz="3000">
+                <a:solidFill>
+                  <a:schemeClr val="bg1"/>
+                </a:solidFill>
+              </a:rPr>
+              <a:t> </a:t>
+            </a:r>
+            <a:r>
+              <a:rPr lang="en-US" sz="3000" err="1">
+                <a:solidFill>
+                  <a:schemeClr val="bg1"/>
+                </a:solidFill>
+              </a:rPr>
+              <a:t>dư</a:t>
+            </a:r>
+            <a:r>
+              <a:rPr lang="en-US" sz="3000">
+                <a:solidFill>
+                  <a:schemeClr val="bg1"/>
+                </a:solidFill>
+              </a:rPr>
+              <a:t> </a:t>
+            </a:r>
+            <a:r>
+              <a:rPr lang="en-US" sz="3000" err="1">
+                <a:solidFill>
+                  <a:schemeClr val="bg1"/>
+                </a:solidFill>
+              </a:rPr>
+              <a:t>thừa</a:t>
+            </a:r>
+            <a:r>
+              <a:rPr lang="en-US" sz="3000">
+                <a:solidFill>
+                  <a:schemeClr val="bg1"/>
+                </a:solidFill>
+              </a:rPr>
+              <a:t> </a:t>
+            </a:r>
+            <a:r>
+              <a:rPr lang="en-US" sz="3000" err="1">
+                <a:solidFill>
+                  <a:schemeClr val="bg1"/>
+                </a:solidFill>
+              </a:rPr>
+              <a:t>thì</a:t>
+            </a:r>
+            <a:r>
+              <a:rPr lang="en-US" sz="3000">
+                <a:solidFill>
+                  <a:schemeClr val="bg1"/>
+                </a:solidFill>
+              </a:rPr>
+              <a:t> </a:t>
+            </a:r>
+            <a:r>
+              <a:rPr lang="en-US" sz="3000" err="1">
+                <a:solidFill>
+                  <a:schemeClr val="bg1"/>
+                </a:solidFill>
+              </a:rPr>
+              <a:t>nên</a:t>
+            </a:r>
+            <a:r>
+              <a:rPr lang="en-US" sz="3000">
+                <a:solidFill>
+                  <a:schemeClr val="bg1"/>
+                </a:solidFill>
+              </a:rPr>
+              <a:t> </a:t>
+            </a:r>
+            <a:r>
+              <a:rPr lang="en-US" sz="3000" err="1">
+                <a:solidFill>
+                  <a:schemeClr val="bg1"/>
+                </a:solidFill>
+              </a:rPr>
+              <a:t>sử</a:t>
+            </a:r>
+            <a:r>
+              <a:rPr lang="en-US" sz="3000">
+                <a:solidFill>
+                  <a:schemeClr val="bg1"/>
+                </a:solidFill>
+              </a:rPr>
+              <a:t> </a:t>
+            </a:r>
+            <a:r>
+              <a:rPr lang="en-US" sz="3000" err="1">
+                <a:solidFill>
+                  <a:schemeClr val="bg1"/>
+                </a:solidFill>
+              </a:rPr>
+              <a:t>dụng</a:t>
+            </a:r>
+            <a:r>
+              <a:rPr lang="en-US" sz="3000">
+                <a:solidFill>
+                  <a:schemeClr val="bg1"/>
+                </a:solidFill>
+              </a:rPr>
+              <a:t> </a:t>
+            </a:r>
+            <a:r>
+              <a:rPr lang="en-US" sz="3000" err="1">
+                <a:solidFill>
+                  <a:schemeClr val="bg1"/>
+                </a:solidFill>
+              </a:rPr>
+              <a:t>giải</a:t>
+            </a:r>
+            <a:r>
+              <a:rPr lang="en-US" sz="3000">
+                <a:solidFill>
+                  <a:schemeClr val="bg1"/>
+                </a:solidFill>
+              </a:rPr>
+              <a:t> </a:t>
+            </a:r>
+            <a:r>
+              <a:rPr lang="en-US" sz="3000" err="1">
+                <a:solidFill>
+                  <a:schemeClr val="bg1"/>
+                </a:solidFill>
+              </a:rPr>
+              <a:t>thuật</a:t>
+            </a:r>
+            <a:r>
+              <a:rPr lang="en-US" sz="3000">
+                <a:solidFill>
+                  <a:schemeClr val="bg1"/>
+                </a:solidFill>
+              </a:rPr>
+              <a:t> </a:t>
+            </a:r>
+            <a:r>
+              <a:rPr lang="en-US" sz="3000" err="1">
+                <a:solidFill>
+                  <a:schemeClr val="bg1"/>
+                </a:solidFill>
+              </a:rPr>
+              <a:t>cắt</a:t>
+            </a:r>
+            <a:r>
+              <a:rPr lang="en-US" sz="3000">
+                <a:solidFill>
+                  <a:schemeClr val="bg1"/>
+                </a:solidFill>
+              </a:rPr>
+              <a:t> </a:t>
+            </a:r>
+            <a:r>
+              <a:rPr lang="en-US" sz="3000" err="1">
+                <a:solidFill>
+                  <a:schemeClr val="bg1"/>
+                </a:solidFill>
+              </a:rPr>
+              <a:t>tiết</a:t>
+            </a:r>
+            <a:r>
+              <a:rPr lang="en-US" sz="3000">
+                <a:solidFill>
+                  <a:schemeClr val="bg1"/>
+                </a:solidFill>
+              </a:rPr>
+              <a:t> </a:t>
+            </a:r>
+            <a:r>
+              <a:rPr lang="en-US" sz="3000" err="1">
+                <a:solidFill>
+                  <a:schemeClr val="bg1"/>
+                </a:solidFill>
+              </a:rPr>
+              <a:t>kiệm</a:t>
+            </a:r>
+            <a:endParaRPr lang="en-US" sz="3000">
+              <a:solidFill>
+                <a:schemeClr val="bg1"/>
+              </a:solidFill>
+            </a:endParaRPr>
+          </a:p>
+          <a:p>
+            <a:pPr algn="just">
               <a:buClrTx/>
             </a:pPr>
             <a:r>
@@ -15752,8 +13974,775 @@
                   <a:schemeClr val="bg1"/>
                 </a:solidFill>
               </a:rPr>
-              <a:t>Hướng phát triển trong tương lai</a:t>
-            </a:r>
+              <a:t>Ưu tiên </a:t>
+            </a:r>
+            <a:r>
+              <a:rPr lang="en-US" sz="3000" err="1">
+                <a:solidFill>
+                  <a:schemeClr val="bg1"/>
+                </a:solidFill>
+              </a:rPr>
+              <a:t>sử</a:t>
+            </a:r>
+            <a:r>
+              <a:rPr lang="en-US" sz="3000">
+                <a:solidFill>
+                  <a:schemeClr val="bg1"/>
+                </a:solidFill>
+              </a:rPr>
+              <a:t> </a:t>
+            </a:r>
+            <a:r>
+              <a:rPr lang="en-US" sz="3000" err="1">
+                <a:solidFill>
+                  <a:schemeClr val="bg1"/>
+                </a:solidFill>
+              </a:rPr>
+              <a:t>dụng</a:t>
+            </a:r>
+            <a:r>
+              <a:rPr lang="en-US" sz="3000">
+                <a:solidFill>
+                  <a:schemeClr val="bg1"/>
+                </a:solidFill>
+              </a:rPr>
+              <a:t> </a:t>
+            </a:r>
+            <a:r>
+              <a:rPr lang="en-US" sz="3000" err="1">
+                <a:solidFill>
+                  <a:schemeClr val="bg1"/>
+                </a:solidFill>
+              </a:rPr>
+              <a:t>các</a:t>
+            </a:r>
+            <a:r>
+              <a:rPr lang="en-US" sz="3000">
+                <a:solidFill>
+                  <a:schemeClr val="bg1"/>
+                </a:solidFill>
+              </a:rPr>
+              <a:t> </a:t>
+            </a:r>
+            <a:r>
+              <a:rPr lang="en-US" sz="3000" err="1">
+                <a:solidFill>
+                  <a:schemeClr val="bg1"/>
+                </a:solidFill>
+              </a:rPr>
+              <a:t>thanh</a:t>
+            </a:r>
+            <a:r>
+              <a:rPr lang="en-US" sz="3000">
+                <a:solidFill>
+                  <a:schemeClr val="bg1"/>
+                </a:solidFill>
+              </a:rPr>
+              <a:t> </a:t>
+            </a:r>
+            <a:r>
+              <a:rPr lang="en-US" sz="3000" err="1">
+                <a:solidFill>
+                  <a:schemeClr val="bg1"/>
+                </a:solidFill>
+              </a:rPr>
+              <a:t>nguyên</a:t>
+            </a:r>
+            <a:r>
+              <a:rPr lang="en-US" sz="3000">
+                <a:solidFill>
+                  <a:schemeClr val="bg1"/>
+                </a:solidFill>
+              </a:rPr>
+              <a:t> </a:t>
+            </a:r>
+            <a:r>
+              <a:rPr lang="en-US" sz="3000" err="1">
+                <a:solidFill>
+                  <a:schemeClr val="bg1"/>
+                </a:solidFill>
+              </a:rPr>
+              <a:t>liệu</a:t>
+            </a:r>
+            <a:r>
+              <a:rPr lang="en-US" sz="3000">
+                <a:solidFill>
+                  <a:schemeClr val="bg1"/>
+                </a:solidFill>
+              </a:rPr>
+              <a:t> </a:t>
+            </a:r>
+            <a:r>
+              <a:rPr lang="en-US" sz="3000" err="1">
+                <a:solidFill>
+                  <a:schemeClr val="bg1"/>
+                </a:solidFill>
+              </a:rPr>
+              <a:t>mới</a:t>
+            </a:r>
+            <a:r>
+              <a:rPr lang="en-US" sz="3000">
+                <a:solidFill>
+                  <a:schemeClr val="bg1"/>
+                </a:solidFill>
+              </a:rPr>
+              <a:t> </a:t>
+            </a:r>
+            <a:r>
+              <a:rPr lang="en-US" sz="3000" err="1">
+                <a:solidFill>
+                  <a:schemeClr val="bg1"/>
+                </a:solidFill>
+              </a:rPr>
+              <a:t>thì</a:t>
+            </a:r>
+            <a:r>
+              <a:rPr lang="en-US" sz="3000">
+                <a:solidFill>
+                  <a:schemeClr val="bg1"/>
+                </a:solidFill>
+              </a:rPr>
+              <a:t> </a:t>
+            </a:r>
+            <a:r>
+              <a:rPr lang="en-US" sz="3000" err="1">
+                <a:solidFill>
+                  <a:schemeClr val="bg1"/>
+                </a:solidFill>
+              </a:rPr>
+              <a:t>sử</a:t>
+            </a:r>
+            <a:r>
+              <a:rPr lang="en-US" sz="3000">
+                <a:solidFill>
+                  <a:schemeClr val="bg1"/>
+                </a:solidFill>
+              </a:rPr>
+              <a:t> </a:t>
+            </a:r>
+            <a:r>
+              <a:rPr lang="en-US" sz="3000" err="1">
+                <a:solidFill>
+                  <a:schemeClr val="bg1"/>
+                </a:solidFill>
+              </a:rPr>
+              <a:t>dụng</a:t>
+            </a:r>
+            <a:r>
+              <a:rPr lang="en-US" sz="3000">
+                <a:solidFill>
+                  <a:schemeClr val="bg1"/>
+                </a:solidFill>
+              </a:rPr>
+              <a:t> </a:t>
+            </a:r>
+            <a:r>
+              <a:rPr lang="en-US" sz="3000" err="1">
+                <a:solidFill>
+                  <a:schemeClr val="bg1"/>
+                </a:solidFill>
+              </a:rPr>
+              <a:t>giải</a:t>
+            </a:r>
+            <a:r>
+              <a:rPr lang="en-US" sz="3000">
+                <a:solidFill>
+                  <a:schemeClr val="bg1"/>
+                </a:solidFill>
+              </a:rPr>
+              <a:t> </a:t>
+            </a:r>
+            <a:r>
+              <a:rPr lang="en-US" sz="3000" err="1">
+                <a:solidFill>
+                  <a:schemeClr val="bg1"/>
+                </a:solidFill>
+              </a:rPr>
+              <a:t>thuật</a:t>
+            </a:r>
+            <a:r>
+              <a:rPr lang="en-US" sz="3000">
+                <a:solidFill>
+                  <a:schemeClr val="bg1"/>
+                </a:solidFill>
+              </a:rPr>
+              <a:t> </a:t>
+            </a:r>
+            <a:r>
+              <a:rPr lang="en-US" sz="3000" err="1">
+                <a:solidFill>
+                  <a:schemeClr val="bg1"/>
+                </a:solidFill>
+              </a:rPr>
+              <a:t>cắt</a:t>
+            </a:r>
+            <a:r>
+              <a:rPr lang="en-US" sz="3000">
+                <a:solidFill>
+                  <a:schemeClr val="bg1"/>
+                </a:solidFill>
+              </a:rPr>
+              <a:t> </a:t>
+            </a:r>
+            <a:r>
+              <a:rPr lang="en-US" sz="3000" err="1">
+                <a:solidFill>
+                  <a:schemeClr val="bg1"/>
+                </a:solidFill>
+              </a:rPr>
+              <a:t>nhanh</a:t>
+            </a:r>
+            <a:endParaRPr lang="en-US" sz="3000">
+              <a:solidFill>
+                <a:schemeClr val="bg1"/>
+              </a:solidFill>
+            </a:endParaRPr>
+          </a:p>
+          <a:p>
+            <a:pPr algn="just">
+              <a:buClrTx/>
+            </a:pPr>
+            <a:r>
+              <a:rPr lang="en-US" sz="3000" err="1">
+                <a:solidFill>
+                  <a:schemeClr val="bg1"/>
+                </a:solidFill>
+              </a:rPr>
+              <a:t>Nếu</a:t>
+            </a:r>
+            <a:r>
+              <a:rPr lang="en-US" sz="3000">
+                <a:solidFill>
+                  <a:schemeClr val="bg1"/>
+                </a:solidFill>
+              </a:rPr>
+              <a:t> </a:t>
+            </a:r>
+            <a:r>
+              <a:rPr lang="en-US" sz="3000" err="1">
+                <a:solidFill>
+                  <a:schemeClr val="bg1"/>
+                </a:solidFill>
+              </a:rPr>
+              <a:t>khối</a:t>
+            </a:r>
+            <a:r>
+              <a:rPr lang="en-US" sz="3000">
+                <a:solidFill>
+                  <a:schemeClr val="bg1"/>
+                </a:solidFill>
+              </a:rPr>
+              <a:t> </a:t>
+            </a:r>
+            <a:r>
+              <a:rPr lang="en-US" sz="3000" err="1">
+                <a:solidFill>
+                  <a:schemeClr val="bg1"/>
+                </a:solidFill>
+              </a:rPr>
+              <a:t>lượng</a:t>
+            </a:r>
+            <a:r>
+              <a:rPr lang="en-US" sz="3000">
+                <a:solidFill>
+                  <a:schemeClr val="bg1"/>
+                </a:solidFill>
+              </a:rPr>
+              <a:t> </a:t>
+            </a:r>
+            <a:r>
+              <a:rPr lang="en-US" sz="3000" err="1">
+                <a:solidFill>
+                  <a:schemeClr val="bg1"/>
+                </a:solidFill>
+              </a:rPr>
+              <a:t>đơn</a:t>
+            </a:r>
+            <a:r>
+              <a:rPr lang="en-US" sz="3000">
+                <a:solidFill>
+                  <a:schemeClr val="bg1"/>
+                </a:solidFill>
+              </a:rPr>
+              <a:t> </a:t>
+            </a:r>
+            <a:r>
+              <a:rPr lang="en-US" sz="3000" err="1">
+                <a:solidFill>
+                  <a:schemeClr val="bg1"/>
+                </a:solidFill>
+              </a:rPr>
+              <a:t>hàng</a:t>
+            </a:r>
+            <a:r>
+              <a:rPr lang="en-US" sz="3000">
+                <a:solidFill>
+                  <a:schemeClr val="bg1"/>
+                </a:solidFill>
+              </a:rPr>
+              <a:t> </a:t>
+            </a:r>
+            <a:r>
+              <a:rPr lang="en-US" sz="3000" err="1">
+                <a:solidFill>
+                  <a:schemeClr val="bg1"/>
+                </a:solidFill>
+              </a:rPr>
+              <a:t>nhỏ</a:t>
+            </a:r>
+            <a:r>
+              <a:rPr lang="en-US" sz="3000">
+                <a:solidFill>
+                  <a:schemeClr val="bg1"/>
+                </a:solidFill>
+              </a:rPr>
+              <a:t> </a:t>
+            </a:r>
+            <a:r>
+              <a:rPr lang="en-US" sz="3000" err="1">
+                <a:solidFill>
+                  <a:schemeClr val="bg1"/>
+                </a:solidFill>
+              </a:rPr>
+              <a:t>thì</a:t>
+            </a:r>
+            <a:r>
+              <a:rPr lang="en-US" sz="3000">
+                <a:solidFill>
+                  <a:schemeClr val="bg1"/>
+                </a:solidFill>
+              </a:rPr>
+              <a:t> </a:t>
+            </a:r>
+            <a:r>
+              <a:rPr lang="en-US" sz="3000" err="1">
+                <a:solidFill>
+                  <a:schemeClr val="bg1"/>
+                </a:solidFill>
+              </a:rPr>
+              <a:t>sự</a:t>
+            </a:r>
+            <a:r>
+              <a:rPr lang="en-US" sz="3000">
+                <a:solidFill>
+                  <a:schemeClr val="bg1"/>
+                </a:solidFill>
+              </a:rPr>
+              <a:t> </a:t>
+            </a:r>
+            <a:r>
+              <a:rPr lang="en-US" sz="3000" err="1">
+                <a:solidFill>
+                  <a:schemeClr val="bg1"/>
+                </a:solidFill>
+              </a:rPr>
+              <a:t>khác</a:t>
+            </a:r>
+            <a:r>
+              <a:rPr lang="en-US" sz="3000">
+                <a:solidFill>
+                  <a:schemeClr val="bg1"/>
+                </a:solidFill>
+              </a:rPr>
+              <a:t> </a:t>
+            </a:r>
+            <a:r>
+              <a:rPr lang="en-US" sz="3000" err="1">
+                <a:solidFill>
+                  <a:schemeClr val="bg1"/>
+                </a:solidFill>
+              </a:rPr>
+              <a:t>biệt</a:t>
+            </a:r>
+            <a:r>
+              <a:rPr lang="en-US" sz="3000">
+                <a:solidFill>
+                  <a:schemeClr val="bg1"/>
+                </a:solidFill>
+              </a:rPr>
+              <a:t> </a:t>
+            </a:r>
+            <a:r>
+              <a:rPr lang="en-US" sz="3000" err="1">
+                <a:solidFill>
+                  <a:schemeClr val="bg1"/>
+                </a:solidFill>
+              </a:rPr>
+              <a:t>giữa</a:t>
+            </a:r>
+            <a:r>
+              <a:rPr lang="en-US" sz="3000">
+                <a:solidFill>
+                  <a:schemeClr val="bg1"/>
+                </a:solidFill>
+              </a:rPr>
+              <a:t> </a:t>
+            </a:r>
+            <a:r>
+              <a:rPr lang="en-US" sz="3000" err="1">
+                <a:solidFill>
+                  <a:schemeClr val="bg1"/>
+                </a:solidFill>
+              </a:rPr>
+              <a:t>cắt</a:t>
+            </a:r>
+            <a:r>
+              <a:rPr lang="en-US" sz="3000">
+                <a:solidFill>
+                  <a:schemeClr val="bg1"/>
+                </a:solidFill>
+              </a:rPr>
+              <a:t> </a:t>
+            </a:r>
+            <a:r>
+              <a:rPr lang="en-US" sz="3000" err="1">
+                <a:solidFill>
+                  <a:schemeClr val="bg1"/>
+                </a:solidFill>
+              </a:rPr>
+              <a:t>nhanh</a:t>
+            </a:r>
+            <a:r>
+              <a:rPr lang="en-US" sz="3000">
+                <a:solidFill>
+                  <a:schemeClr val="bg1"/>
+                </a:solidFill>
+              </a:rPr>
+              <a:t> </a:t>
+            </a:r>
+            <a:r>
+              <a:rPr lang="en-US" sz="3000" err="1">
+                <a:solidFill>
+                  <a:schemeClr val="bg1"/>
+                </a:solidFill>
+              </a:rPr>
+              <a:t>và</a:t>
+            </a:r>
+            <a:r>
+              <a:rPr lang="en-US" sz="3000">
+                <a:solidFill>
+                  <a:schemeClr val="bg1"/>
+                </a:solidFill>
+              </a:rPr>
+              <a:t> </a:t>
+            </a:r>
+            <a:r>
+              <a:rPr lang="en-US" sz="3000" err="1">
+                <a:solidFill>
+                  <a:schemeClr val="bg1"/>
+                </a:solidFill>
+              </a:rPr>
+              <a:t>cắt</a:t>
+            </a:r>
+            <a:r>
+              <a:rPr lang="en-US" sz="3000">
+                <a:solidFill>
+                  <a:schemeClr val="bg1"/>
+                </a:solidFill>
+              </a:rPr>
+              <a:t> </a:t>
+            </a:r>
+            <a:r>
+              <a:rPr lang="en-US" sz="3000" err="1">
+                <a:solidFill>
+                  <a:schemeClr val="bg1"/>
+                </a:solidFill>
+              </a:rPr>
+              <a:t>tiết</a:t>
+            </a:r>
+            <a:r>
+              <a:rPr lang="en-US" sz="3000">
+                <a:solidFill>
+                  <a:schemeClr val="bg1"/>
+                </a:solidFill>
+              </a:rPr>
+              <a:t> </a:t>
+            </a:r>
+            <a:r>
+              <a:rPr lang="en-US" sz="3000" err="1">
+                <a:solidFill>
+                  <a:schemeClr val="bg1"/>
+                </a:solidFill>
+              </a:rPr>
+              <a:t>kiệm</a:t>
+            </a:r>
+            <a:r>
+              <a:rPr lang="en-US" sz="3000">
+                <a:solidFill>
+                  <a:schemeClr val="bg1"/>
+                </a:solidFill>
+              </a:rPr>
+              <a:t> </a:t>
+            </a:r>
+            <a:r>
+              <a:rPr lang="en-US" sz="3000" err="1">
+                <a:solidFill>
+                  <a:schemeClr val="bg1"/>
+                </a:solidFill>
+              </a:rPr>
+              <a:t>là</a:t>
+            </a:r>
+            <a:r>
+              <a:rPr lang="en-US" sz="3000">
+                <a:solidFill>
+                  <a:schemeClr val="bg1"/>
+                </a:solidFill>
+              </a:rPr>
+              <a:t> </a:t>
+            </a:r>
+            <a:r>
+              <a:rPr lang="en-US" sz="3000" err="1">
+                <a:solidFill>
+                  <a:schemeClr val="bg1"/>
+                </a:solidFill>
+              </a:rPr>
+              <a:t>không</a:t>
+            </a:r>
+            <a:r>
+              <a:rPr lang="en-US" sz="3000">
+                <a:solidFill>
+                  <a:schemeClr val="bg1"/>
+                </a:solidFill>
+              </a:rPr>
+              <a:t> </a:t>
+            </a:r>
+            <a:r>
+              <a:rPr lang="en-US" sz="3000" err="1">
+                <a:solidFill>
+                  <a:schemeClr val="bg1"/>
+                </a:solidFill>
+              </a:rPr>
+              <a:t>đáng</a:t>
+            </a:r>
+            <a:r>
+              <a:rPr lang="en-US" sz="3000">
+                <a:solidFill>
+                  <a:schemeClr val="bg1"/>
+                </a:solidFill>
+              </a:rPr>
+              <a:t> </a:t>
+            </a:r>
+            <a:r>
+              <a:rPr lang="en-US" sz="3000" err="1">
+                <a:solidFill>
+                  <a:schemeClr val="bg1"/>
+                </a:solidFill>
+              </a:rPr>
+              <a:t>kể</a:t>
+            </a:r>
+            <a:r>
+              <a:rPr lang="en-US" sz="3000">
+                <a:solidFill>
+                  <a:schemeClr val="bg1"/>
+                </a:solidFill>
+              </a:rPr>
+              <a:t>, </a:t>
+            </a:r>
+            <a:r>
+              <a:rPr lang="en-US" sz="3000" err="1">
+                <a:solidFill>
+                  <a:schemeClr val="bg1"/>
+                </a:solidFill>
+              </a:rPr>
+              <a:t>sự</a:t>
+            </a:r>
+            <a:r>
+              <a:rPr lang="en-US" sz="3000">
+                <a:solidFill>
+                  <a:schemeClr val="bg1"/>
+                </a:solidFill>
+              </a:rPr>
+              <a:t> </a:t>
+            </a:r>
+            <a:r>
+              <a:rPr lang="en-US" sz="3000" err="1">
+                <a:solidFill>
+                  <a:schemeClr val="bg1"/>
+                </a:solidFill>
+              </a:rPr>
+              <a:t>khác</a:t>
+            </a:r>
+            <a:r>
+              <a:rPr lang="en-US" sz="3000">
+                <a:solidFill>
+                  <a:schemeClr val="bg1"/>
+                </a:solidFill>
+              </a:rPr>
+              <a:t> </a:t>
+            </a:r>
+            <a:r>
+              <a:rPr lang="en-US" sz="3000" err="1">
+                <a:solidFill>
+                  <a:schemeClr val="bg1"/>
+                </a:solidFill>
+              </a:rPr>
+              <a:t>biệt</a:t>
+            </a:r>
+            <a:r>
+              <a:rPr lang="en-US" sz="3000">
+                <a:solidFill>
+                  <a:schemeClr val="bg1"/>
+                </a:solidFill>
+              </a:rPr>
+              <a:t> </a:t>
+            </a:r>
+            <a:r>
+              <a:rPr lang="en-US" sz="3000" err="1">
+                <a:solidFill>
+                  <a:schemeClr val="bg1"/>
+                </a:solidFill>
+              </a:rPr>
+              <a:t>này</a:t>
+            </a:r>
+            <a:r>
+              <a:rPr lang="en-US" sz="3000">
+                <a:solidFill>
+                  <a:schemeClr val="bg1"/>
+                </a:solidFill>
+              </a:rPr>
+              <a:t> </a:t>
+            </a:r>
+            <a:r>
+              <a:rPr lang="en-US" sz="3000" err="1">
+                <a:solidFill>
+                  <a:schemeClr val="bg1"/>
+                </a:solidFill>
+              </a:rPr>
+              <a:t>càng</a:t>
+            </a:r>
+            <a:r>
+              <a:rPr lang="en-US" sz="3000">
+                <a:solidFill>
+                  <a:schemeClr val="bg1"/>
+                </a:solidFill>
+              </a:rPr>
+              <a:t> </a:t>
+            </a:r>
+            <a:r>
+              <a:rPr lang="en-US" sz="3000" err="1">
+                <a:solidFill>
+                  <a:schemeClr val="bg1"/>
+                </a:solidFill>
+              </a:rPr>
+              <a:t>rõ</a:t>
+            </a:r>
+            <a:r>
+              <a:rPr lang="en-US" sz="3000">
+                <a:solidFill>
+                  <a:schemeClr val="bg1"/>
+                </a:solidFill>
+              </a:rPr>
+              <a:t> </a:t>
+            </a:r>
+            <a:r>
+              <a:rPr lang="en-US" sz="3000" err="1">
+                <a:solidFill>
+                  <a:schemeClr val="bg1"/>
+                </a:solidFill>
+              </a:rPr>
+              <a:t>ràng</a:t>
+            </a:r>
+            <a:r>
+              <a:rPr lang="en-US" sz="3000">
+                <a:solidFill>
+                  <a:schemeClr val="bg1"/>
+                </a:solidFill>
+              </a:rPr>
+              <a:t> </a:t>
+            </a:r>
+            <a:r>
+              <a:rPr lang="en-US" sz="3000" err="1">
+                <a:solidFill>
+                  <a:schemeClr val="bg1"/>
+                </a:solidFill>
+              </a:rPr>
+              <a:t>khi</a:t>
+            </a:r>
+            <a:r>
+              <a:rPr lang="en-US" sz="3000">
+                <a:solidFill>
+                  <a:schemeClr val="bg1"/>
+                </a:solidFill>
+              </a:rPr>
+              <a:t> </a:t>
+            </a:r>
+            <a:r>
+              <a:rPr lang="en-US" sz="3000" err="1">
+                <a:solidFill>
+                  <a:schemeClr val="bg1"/>
+                </a:solidFill>
+              </a:rPr>
+              <a:t>mà</a:t>
+            </a:r>
+            <a:r>
+              <a:rPr lang="en-US" sz="3000">
+                <a:solidFill>
+                  <a:schemeClr val="bg1"/>
+                </a:solidFill>
+              </a:rPr>
+              <a:t> </a:t>
+            </a:r>
+            <a:r>
+              <a:rPr lang="en-US" sz="3000" err="1">
+                <a:solidFill>
+                  <a:schemeClr val="bg1"/>
+                </a:solidFill>
+              </a:rPr>
+              <a:t>đơn</a:t>
+            </a:r>
+            <a:r>
+              <a:rPr lang="en-US" sz="3000">
+                <a:solidFill>
+                  <a:schemeClr val="bg1"/>
+                </a:solidFill>
+              </a:rPr>
+              <a:t> </a:t>
+            </a:r>
+            <a:r>
+              <a:rPr lang="en-US" sz="3000" err="1">
+                <a:solidFill>
+                  <a:schemeClr val="bg1"/>
+                </a:solidFill>
+              </a:rPr>
+              <a:t>hàng</a:t>
+            </a:r>
+            <a:r>
+              <a:rPr lang="en-US" sz="3000">
+                <a:solidFill>
+                  <a:schemeClr val="bg1"/>
+                </a:solidFill>
+              </a:rPr>
+              <a:t> </a:t>
+            </a:r>
+            <a:r>
+              <a:rPr lang="en-US" sz="3000" err="1">
+                <a:solidFill>
+                  <a:schemeClr val="bg1"/>
+                </a:solidFill>
+              </a:rPr>
+              <a:t>càng</a:t>
+            </a:r>
+            <a:r>
+              <a:rPr lang="en-US" sz="3000">
+                <a:solidFill>
+                  <a:schemeClr val="bg1"/>
+                </a:solidFill>
+              </a:rPr>
+              <a:t> </a:t>
+            </a:r>
+            <a:r>
+              <a:rPr lang="en-US" sz="3000" err="1">
+                <a:solidFill>
+                  <a:schemeClr val="bg1"/>
+                </a:solidFill>
+              </a:rPr>
+              <a:t>lớn</a:t>
+            </a:r>
+            <a:endParaRPr lang="en-US" sz="3000">
+              <a:solidFill>
+                <a:schemeClr val="bg1"/>
+              </a:solidFill>
+            </a:endParaRPr>
           </a:p>
         </p:txBody>
       </p:sp>
@@ -15762,7 +14751,7 @@
           <p:cNvPr id="2" name="Footer Placeholder 1">
             <a:extLst>
               <a:ext uri="{FF2B5EF4-FFF2-40B4-BE49-F238E27FC236}">
-                <a16:creationId xmlns:a16="http://schemas.microsoft.com/office/drawing/2014/main" id="{B2A09814-3C6C-4D28-BA59-3AAF55F558C3}"/>
+                <a16:creationId xmlns:a16="http://schemas.microsoft.com/office/drawing/2014/main" id="{39BE3744-D259-4558-9D1A-68073C502916}"/>
               </a:ext>
             </a:extLst>
           </p:cNvPr>
@@ -15790,7 +14779,7 @@
           <p:cNvPr id="3" name="Slide Number Placeholder 2">
             <a:extLst>
               <a:ext uri="{FF2B5EF4-FFF2-40B4-BE49-F238E27FC236}">
-                <a16:creationId xmlns:a16="http://schemas.microsoft.com/office/drawing/2014/main" id="{8B5179A0-5EEA-4202-95E2-0A5BEC2975CB}"/>
+                <a16:creationId xmlns:a16="http://schemas.microsoft.com/office/drawing/2014/main" id="{E906A2FC-64E4-40A5-A5CE-4206759ACD76}"/>
               </a:ext>
             </a:extLst>
           </p:cNvPr>
@@ -15817,7 +14806,7 @@
     </p:spTree>
     <p:extLst>
       <p:ext uri="{BB962C8B-B14F-4D97-AF65-F5344CB8AC3E}">
-        <p14:creationId xmlns:p14="http://schemas.microsoft.com/office/powerpoint/2010/main" val="1501989062"/>
+        <p14:creationId xmlns:p14="http://schemas.microsoft.com/office/powerpoint/2010/main" val="3345718028"/>
       </p:ext>
     </p:extLst>
   </p:cSld>
@@ -15846,13 +14835,7 @@
       </p:grpSpPr>
       <p:sp>
         <p:nvSpPr>
-          <p:cNvPr id="2" name="Title 1">
-            <a:extLst>
-              <a:ext uri="{FF2B5EF4-FFF2-40B4-BE49-F238E27FC236}">
-                <a16:creationId xmlns:a16="http://schemas.microsoft.com/office/drawing/2014/main" id="{74E01D7E-5FDB-41C2-9D20-7C9077ACA07D}"/>
-              </a:ext>
-            </a:extLst>
-          </p:cNvPr>
+          <p:cNvPr id="13" name="Title 12"/>
           <p:cNvSpPr>
             <a:spLocks noGrp="1"/>
           </p:cNvSpPr>
@@ -15862,168 +14845,105 @@
         </p:nvSpPr>
         <p:spPr>
           <a:xfrm>
-            <a:off x="0" y="2348880"/>
-            <a:ext cx="12188825" cy="864096"/>
+            <a:off x="4942285" y="2420888"/>
+            <a:ext cx="6624736" cy="634083"/>
           </a:xfrm>
         </p:spPr>
         <p:txBody>
-          <a:bodyPr/>
+          <a:bodyPr>
+            <a:noAutofit/>
+          </a:bodyPr>
           <a:lstStyle/>
           <a:p>
-            <a:pPr algn="ctr"/>
-            <a:r>
-              <a:rPr lang="en-US" err="1">
-                <a:solidFill>
-                  <a:schemeClr val="bg1"/>
-                </a:solidFill>
-              </a:rPr>
-              <a:t>Em</a:t>
-            </a:r>
-            <a:r>
-              <a:rPr lang="en-US">
-                <a:solidFill>
-                  <a:schemeClr val="bg1"/>
-                </a:solidFill>
-              </a:rPr>
-              <a:t> </a:t>
-            </a:r>
-            <a:r>
-              <a:rPr lang="en-US" err="1">
-                <a:solidFill>
-                  <a:schemeClr val="bg1"/>
-                </a:solidFill>
-              </a:rPr>
-              <a:t>xin</a:t>
-            </a:r>
-            <a:r>
-              <a:rPr lang="en-US">
-                <a:solidFill>
-                  <a:schemeClr val="bg1"/>
-                </a:solidFill>
-              </a:rPr>
-              <a:t> </a:t>
-            </a:r>
-            <a:r>
-              <a:rPr lang="en-US" err="1">
-                <a:solidFill>
-                  <a:schemeClr val="bg1"/>
-                </a:solidFill>
-              </a:rPr>
-              <a:t>cảm</a:t>
-            </a:r>
-            <a:r>
-              <a:rPr lang="en-US">
-                <a:solidFill>
-                  <a:schemeClr val="bg1"/>
-                </a:solidFill>
-              </a:rPr>
-              <a:t> </a:t>
-            </a:r>
-            <a:r>
-              <a:rPr lang="en-US" err="1">
-                <a:solidFill>
-                  <a:schemeClr val="bg1"/>
-                </a:solidFill>
-              </a:rPr>
-              <a:t>ơn</a:t>
-            </a:r>
-            <a:r>
-              <a:rPr lang="en-US">
-                <a:solidFill>
-                  <a:schemeClr val="bg1"/>
-                </a:solidFill>
-              </a:rPr>
-              <a:t> </a:t>
-            </a:r>
-            <a:r>
-              <a:rPr lang="en-US" err="1">
-                <a:solidFill>
-                  <a:schemeClr val="bg1"/>
-                </a:solidFill>
-              </a:rPr>
-              <a:t>các</a:t>
-            </a:r>
-            <a:r>
-              <a:rPr lang="en-US">
-                <a:solidFill>
-                  <a:schemeClr val="bg1"/>
-                </a:solidFill>
-              </a:rPr>
-              <a:t> </a:t>
-            </a:r>
-            <a:r>
-              <a:rPr lang="en-US" err="1">
-                <a:solidFill>
-                  <a:schemeClr val="bg1"/>
-                </a:solidFill>
-              </a:rPr>
-              <a:t>thầy</a:t>
-            </a:r>
-            <a:r>
-              <a:rPr lang="en-US">
-                <a:solidFill>
-                  <a:schemeClr val="bg1"/>
-                </a:solidFill>
-              </a:rPr>
-              <a:t> </a:t>
-            </a:r>
-            <a:r>
-              <a:rPr lang="en-US" err="1">
-                <a:solidFill>
-                  <a:schemeClr val="bg1"/>
-                </a:solidFill>
-              </a:rPr>
-              <a:t>cô</a:t>
-            </a:r>
-            <a:r>
-              <a:rPr lang="en-US">
-                <a:solidFill>
-                  <a:schemeClr val="bg1"/>
-                </a:solidFill>
-              </a:rPr>
-              <a:t> </a:t>
-            </a:r>
-            <a:r>
-              <a:rPr lang="en-US" err="1">
-                <a:solidFill>
-                  <a:schemeClr val="bg1"/>
-                </a:solidFill>
-              </a:rPr>
-              <a:t>đã</a:t>
-            </a:r>
-            <a:r>
-              <a:rPr lang="en-US">
-                <a:solidFill>
-                  <a:schemeClr val="bg1"/>
-                </a:solidFill>
-              </a:rPr>
-              <a:t> </a:t>
-            </a:r>
-            <a:r>
-              <a:rPr lang="en-US" err="1">
-                <a:solidFill>
-                  <a:schemeClr val="bg1"/>
-                </a:solidFill>
-              </a:rPr>
-              <a:t>lắng</a:t>
-            </a:r>
-            <a:r>
-              <a:rPr lang="en-US">
-                <a:solidFill>
-                  <a:schemeClr val="bg1"/>
-                </a:solidFill>
-              </a:rPr>
-              <a:t> </a:t>
-            </a:r>
-            <a:r>
-              <a:rPr lang="en-US" err="1">
-                <a:solidFill>
-                  <a:schemeClr val="bg1"/>
-                </a:solidFill>
-              </a:rPr>
-              <a:t>nghe</a:t>
-            </a:r>
-            <a:endParaRPr lang="en-US">
+            <a:r>
+              <a:rPr lang="en-US" sz="4000" err="1">
+                <a:solidFill>
+                  <a:schemeClr val="bg1"/>
+                </a:solidFill>
+              </a:rPr>
+              <a:t>Kết</a:t>
+            </a:r>
+            <a:r>
+              <a:rPr lang="en-US" sz="4000">
+                <a:solidFill>
+                  <a:schemeClr val="bg1"/>
+                </a:solidFill>
+              </a:rPr>
+              <a:t> </a:t>
+            </a:r>
+            <a:r>
+              <a:rPr lang="en-US" sz="4000" err="1">
+                <a:solidFill>
+                  <a:schemeClr val="bg1"/>
+                </a:solidFill>
+              </a:rPr>
+              <a:t>luận</a:t>
+            </a:r>
+            <a:r>
+              <a:rPr lang="en-US" sz="4000">
+                <a:solidFill>
+                  <a:schemeClr val="bg1"/>
+                </a:solidFill>
+              </a:rPr>
+              <a:t> </a:t>
+            </a:r>
+            <a:r>
+              <a:rPr lang="en-US" sz="4000" err="1">
+                <a:solidFill>
+                  <a:schemeClr val="bg1"/>
+                </a:solidFill>
+              </a:rPr>
+              <a:t>và</a:t>
+            </a:r>
+            <a:r>
+              <a:rPr lang="en-US" sz="4000">
+                <a:solidFill>
+                  <a:schemeClr val="bg1"/>
+                </a:solidFill>
+              </a:rPr>
+              <a:t> </a:t>
+            </a:r>
+            <a:r>
+              <a:rPr lang="en-US" sz="4000" err="1">
+                <a:solidFill>
+                  <a:schemeClr val="bg1"/>
+                </a:solidFill>
+              </a:rPr>
+              <a:t>hướng</a:t>
+            </a:r>
+            <a:r>
+              <a:rPr lang="en-US" sz="4000">
+                <a:solidFill>
+                  <a:schemeClr val="bg1"/>
+                </a:solidFill>
+              </a:rPr>
+              <a:t> </a:t>
+            </a:r>
+            <a:r>
+              <a:rPr lang="en-US" sz="4000" err="1">
+                <a:solidFill>
+                  <a:schemeClr val="bg1"/>
+                </a:solidFill>
+              </a:rPr>
+              <a:t>phát</a:t>
+            </a:r>
+            <a:r>
+              <a:rPr lang="en-US" sz="4000">
+                <a:solidFill>
+                  <a:schemeClr val="bg1"/>
+                </a:solidFill>
+              </a:rPr>
+              <a:t> </a:t>
+            </a:r>
+            <a:r>
+              <a:rPr lang="en-US" sz="4000" err="1">
+                <a:solidFill>
+                  <a:schemeClr val="bg1"/>
+                </a:solidFill>
+              </a:rPr>
+              <a:t>triển</a:t>
+            </a:r>
+            <a:endParaRPr lang="en-US" sz="4000">
               <a:solidFill>
                 <a:schemeClr val="bg1"/>
               </a:solidFill>
@@ -16033,10 +14953,59 @@
       </p:sp>
       <p:sp>
         <p:nvSpPr>
-          <p:cNvPr id="3" name="Footer Placeholder 2">
+          <p:cNvPr id="14" name="Content Placeholder 13"/>
+          <p:cNvSpPr>
+            <a:spLocks noGrp="1"/>
+          </p:cNvSpPr>
+          <p:nvPr>
+            <p:ph idx="1"/>
+          </p:nvPr>
+        </p:nvSpPr>
+        <p:spPr>
+          <a:xfrm>
+            <a:off x="4942284" y="3645024"/>
+            <a:ext cx="6912767" cy="2160240"/>
+          </a:xfrm>
+        </p:spPr>
+        <p:txBody>
+          <a:bodyPr>
+            <a:normAutofit/>
+          </a:bodyPr>
+          <a:lstStyle/>
+          <a:p>
+            <a:pPr>
+              <a:buClrTx/>
+            </a:pPr>
+            <a:r>
+              <a:rPr lang="en-US" sz="3000">
+                <a:solidFill>
+                  <a:schemeClr val="bg1"/>
+                </a:solidFill>
+              </a:rPr>
+              <a:t>Kết quả đạt được của khóa luận</a:t>
+            </a:r>
+          </a:p>
+          <a:p>
+            <a:pPr>
+              <a:buClrTx/>
+            </a:pPr>
+            <a:r>
+              <a:rPr lang="en-US" sz="3000">
+                <a:solidFill>
+                  <a:schemeClr val="bg1"/>
+                </a:solidFill>
+              </a:rPr>
+              <a:t>Hướng phát triển trong tương lai</a:t>
+            </a:r>
+          </a:p>
+        </p:txBody>
+      </p:sp>
+      <p:sp>
+        <p:nvSpPr>
+          <p:cNvPr id="2" name="Footer Placeholder 1">
             <a:extLst>
               <a:ext uri="{FF2B5EF4-FFF2-40B4-BE49-F238E27FC236}">
-                <a16:creationId xmlns:a16="http://schemas.microsoft.com/office/drawing/2014/main" id="{2AE4247F-75FF-4FF1-B783-BE6A8761251B}"/>
+                <a16:creationId xmlns:a16="http://schemas.microsoft.com/office/drawing/2014/main" id="{B2A09814-3C6C-4D28-BA59-3AAF55F558C3}"/>
               </a:ext>
             </a:extLst>
           </p:cNvPr>
@@ -16061,10 +15030,10 @@
       </p:sp>
       <p:sp>
         <p:nvSpPr>
-          <p:cNvPr id="4" name="Slide Number Placeholder 3">
+          <p:cNvPr id="3" name="Slide Number Placeholder 2">
             <a:extLst>
               <a:ext uri="{FF2B5EF4-FFF2-40B4-BE49-F238E27FC236}">
-                <a16:creationId xmlns:a16="http://schemas.microsoft.com/office/drawing/2014/main" id="{9CB1071B-E4FF-4188-9B70-5487327997E9}"/>
+                <a16:creationId xmlns:a16="http://schemas.microsoft.com/office/drawing/2014/main" id="{8B5179A0-5EEA-4202-95E2-0A5BEC2975CB}"/>
               </a:ext>
             </a:extLst>
           </p:cNvPr>
@@ -16088,93 +15057,10 @@
           </a:p>
         </p:txBody>
       </p:sp>
-      <p:sp>
-        <p:nvSpPr>
-          <p:cNvPr id="5" name="TextBox 4">
-            <a:extLst>
-              <a:ext uri="{FF2B5EF4-FFF2-40B4-BE49-F238E27FC236}">
-                <a16:creationId xmlns:a16="http://schemas.microsoft.com/office/drawing/2014/main" id="{CF69EE41-401E-49EA-8041-37AE67150AD6}"/>
-              </a:ext>
-            </a:extLst>
-          </p:cNvPr>
-          <p:cNvSpPr txBox="1"/>
-          <p:nvPr/>
-        </p:nvSpPr>
-        <p:spPr>
-          <a:xfrm>
-            <a:off x="8110636" y="3573016"/>
-            <a:ext cx="3096344" cy="830997"/>
-          </a:xfrm>
-          <a:prstGeom prst="rect">
-            <a:avLst/>
-          </a:prstGeom>
-          <a:noFill/>
-        </p:spPr>
-        <p:txBody>
-          <a:bodyPr wrap="square" rtlCol="0">
-            <a:spAutoFit/>
-          </a:bodyPr>
-          <a:lstStyle/>
-          <a:p>
-            <a:r>
-              <a:rPr lang="en-US" sz="2000" err="1">
-                <a:solidFill>
-                  <a:schemeClr val="bg1"/>
-                </a:solidFill>
-              </a:rPr>
-              <a:t>Sinh</a:t>
-            </a:r>
-            <a:r>
-              <a:rPr lang="en-US" sz="2000">
-                <a:solidFill>
-                  <a:schemeClr val="bg1"/>
-                </a:solidFill>
-              </a:rPr>
-              <a:t> </a:t>
-            </a:r>
-            <a:r>
-              <a:rPr lang="en-US" sz="2000" err="1">
-                <a:solidFill>
-                  <a:schemeClr val="bg1"/>
-                </a:solidFill>
-              </a:rPr>
-              <a:t>viên</a:t>
-            </a:r>
-            <a:br>
-              <a:rPr lang="en-US" sz="2800">
-                <a:solidFill>
-                  <a:schemeClr val="bg1"/>
-                </a:solidFill>
-              </a:rPr>
-            </a:br>
-            <a:r>
-              <a:rPr lang="en-US" sz="2800">
-                <a:solidFill>
-                  <a:schemeClr val="bg1"/>
-                </a:solidFill>
-              </a:rPr>
-              <a:t>Lê Công </a:t>
-            </a:r>
-            <a:r>
-              <a:rPr lang="en-US" sz="2800" err="1">
-                <a:solidFill>
-                  <a:schemeClr val="bg1"/>
-                </a:solidFill>
-              </a:rPr>
-              <a:t>Kỳ</a:t>
-            </a:r>
-            <a:endParaRPr lang="en-US" sz="2800">
-              <a:solidFill>
-                <a:schemeClr val="bg1"/>
-              </a:solidFill>
-            </a:endParaRPr>
-          </a:p>
-        </p:txBody>
-      </p:sp>
     </p:spTree>
     <p:extLst>
       <p:ext uri="{BB962C8B-B14F-4D97-AF65-F5344CB8AC3E}">
-        <p14:creationId xmlns:p14="http://schemas.microsoft.com/office/powerpoint/2010/main" val="2401278850"/>
+        <p14:creationId xmlns:p14="http://schemas.microsoft.com/office/powerpoint/2010/main" val="1501989062"/>
       </p:ext>
     </p:extLst>
   </p:cSld>
@@ -16617,6 +15503,363 @@
     <p:extLst>
       <p:ext uri="{BB962C8B-B14F-4D97-AF65-F5344CB8AC3E}">
         <p14:creationId xmlns:p14="http://schemas.microsoft.com/office/powerpoint/2010/main" val="3529114326"/>
+      </p:ext>
+    </p:extLst>
+  </p:cSld>
+  <p:clrMapOvr>
+    <a:masterClrMapping/>
+  </p:clrMapOvr>
+</p:sld>
+</file>
+
+<file path=ppt/slides/slide20.xml><?xml version="1.0" encoding="utf-8"?>
+<p:sld xmlns:a="http://schemas.openxmlformats.org/drawingml/2006/main" xmlns:r="http://schemas.openxmlformats.org/officeDocument/2006/relationships" xmlns:p="http://schemas.openxmlformats.org/presentationml/2006/main" showMasterSp="0">
+  <p:cSld>
+    <p:spTree>
+      <p:nvGrpSpPr>
+        <p:cNvPr id="1" name=""/>
+        <p:cNvGrpSpPr/>
+        <p:nvPr/>
+      </p:nvGrpSpPr>
+      <p:grpSpPr>
+        <a:xfrm>
+          <a:off x="0" y="0"/>
+          <a:ext cx="0" cy="0"/>
+          <a:chOff x="0" y="0"/>
+          <a:chExt cx="0" cy="0"/>
+        </a:xfrm>
+      </p:grpSpPr>
+      <p:sp>
+        <p:nvSpPr>
+          <p:cNvPr id="2" name="Title 1">
+            <a:extLst>
+              <a:ext uri="{FF2B5EF4-FFF2-40B4-BE49-F238E27FC236}">
+                <a16:creationId xmlns:a16="http://schemas.microsoft.com/office/drawing/2014/main" id="{74E01D7E-5FDB-41C2-9D20-7C9077ACA07D}"/>
+              </a:ext>
+            </a:extLst>
+          </p:cNvPr>
+          <p:cNvSpPr>
+            <a:spLocks noGrp="1"/>
+          </p:cNvSpPr>
+          <p:nvPr>
+            <p:ph type="title"/>
+          </p:nvPr>
+        </p:nvSpPr>
+        <p:spPr>
+          <a:xfrm>
+            <a:off x="0" y="2348880"/>
+            <a:ext cx="12188825" cy="864096"/>
+          </a:xfrm>
+        </p:spPr>
+        <p:txBody>
+          <a:bodyPr/>
+          <a:lstStyle/>
+          <a:p>
+            <a:pPr algn="ctr"/>
+            <a:r>
+              <a:rPr lang="en-US" err="1">
+                <a:solidFill>
+                  <a:schemeClr val="bg1"/>
+                </a:solidFill>
+              </a:rPr>
+              <a:t>Em</a:t>
+            </a:r>
+            <a:r>
+              <a:rPr lang="en-US">
+                <a:solidFill>
+                  <a:schemeClr val="bg1"/>
+                </a:solidFill>
+              </a:rPr>
+              <a:t> </a:t>
+            </a:r>
+            <a:r>
+              <a:rPr lang="en-US" err="1">
+                <a:solidFill>
+                  <a:schemeClr val="bg1"/>
+                </a:solidFill>
+              </a:rPr>
+              <a:t>xin</a:t>
+            </a:r>
+            <a:r>
+              <a:rPr lang="en-US">
+                <a:solidFill>
+                  <a:schemeClr val="bg1"/>
+                </a:solidFill>
+              </a:rPr>
+              <a:t> </a:t>
+            </a:r>
+            <a:r>
+              <a:rPr lang="en-US" err="1">
+                <a:solidFill>
+                  <a:schemeClr val="bg1"/>
+                </a:solidFill>
+              </a:rPr>
+              <a:t>cảm</a:t>
+            </a:r>
+            <a:r>
+              <a:rPr lang="en-US">
+                <a:solidFill>
+                  <a:schemeClr val="bg1"/>
+                </a:solidFill>
+              </a:rPr>
+              <a:t> </a:t>
+            </a:r>
+            <a:r>
+              <a:rPr lang="en-US" err="1">
+                <a:solidFill>
+                  <a:schemeClr val="bg1"/>
+                </a:solidFill>
+              </a:rPr>
+              <a:t>ơn</a:t>
+            </a:r>
+            <a:r>
+              <a:rPr lang="en-US">
+                <a:solidFill>
+                  <a:schemeClr val="bg1"/>
+                </a:solidFill>
+              </a:rPr>
+              <a:t> </a:t>
+            </a:r>
+            <a:r>
+              <a:rPr lang="en-US" err="1">
+                <a:solidFill>
+                  <a:schemeClr val="bg1"/>
+                </a:solidFill>
+              </a:rPr>
+              <a:t>các</a:t>
+            </a:r>
+            <a:r>
+              <a:rPr lang="en-US">
+                <a:solidFill>
+                  <a:schemeClr val="bg1"/>
+                </a:solidFill>
+              </a:rPr>
+              <a:t> </a:t>
+            </a:r>
+            <a:r>
+              <a:rPr lang="en-US" err="1">
+                <a:solidFill>
+                  <a:schemeClr val="bg1"/>
+                </a:solidFill>
+              </a:rPr>
+              <a:t>thầy</a:t>
+            </a:r>
+            <a:r>
+              <a:rPr lang="en-US">
+                <a:solidFill>
+                  <a:schemeClr val="bg1"/>
+                </a:solidFill>
+              </a:rPr>
+              <a:t> </a:t>
+            </a:r>
+            <a:r>
+              <a:rPr lang="en-US" err="1">
+                <a:solidFill>
+                  <a:schemeClr val="bg1"/>
+                </a:solidFill>
+              </a:rPr>
+              <a:t>cô</a:t>
+            </a:r>
+            <a:r>
+              <a:rPr lang="en-US">
+                <a:solidFill>
+                  <a:schemeClr val="bg1"/>
+                </a:solidFill>
+              </a:rPr>
+              <a:t> </a:t>
+            </a:r>
+            <a:r>
+              <a:rPr lang="en-US" err="1">
+                <a:solidFill>
+                  <a:schemeClr val="bg1"/>
+                </a:solidFill>
+              </a:rPr>
+              <a:t>đã</a:t>
+            </a:r>
+            <a:r>
+              <a:rPr lang="en-US">
+                <a:solidFill>
+                  <a:schemeClr val="bg1"/>
+                </a:solidFill>
+              </a:rPr>
+              <a:t> </a:t>
+            </a:r>
+            <a:r>
+              <a:rPr lang="en-US" err="1">
+                <a:solidFill>
+                  <a:schemeClr val="bg1"/>
+                </a:solidFill>
+              </a:rPr>
+              <a:t>lắng</a:t>
+            </a:r>
+            <a:r>
+              <a:rPr lang="en-US">
+                <a:solidFill>
+                  <a:schemeClr val="bg1"/>
+                </a:solidFill>
+              </a:rPr>
+              <a:t> </a:t>
+            </a:r>
+            <a:r>
+              <a:rPr lang="en-US" err="1">
+                <a:solidFill>
+                  <a:schemeClr val="bg1"/>
+                </a:solidFill>
+              </a:rPr>
+              <a:t>nghe</a:t>
+            </a:r>
+            <a:endParaRPr lang="en-US">
+              <a:solidFill>
+                <a:schemeClr val="bg1"/>
+              </a:solidFill>
+            </a:endParaRPr>
+          </a:p>
+        </p:txBody>
+      </p:sp>
+      <p:sp>
+        <p:nvSpPr>
+          <p:cNvPr id="3" name="Footer Placeholder 2">
+            <a:extLst>
+              <a:ext uri="{FF2B5EF4-FFF2-40B4-BE49-F238E27FC236}">
+                <a16:creationId xmlns:a16="http://schemas.microsoft.com/office/drawing/2014/main" id="{2AE4247F-75FF-4FF1-B783-BE6A8761251B}"/>
+              </a:ext>
+            </a:extLst>
+          </p:cNvPr>
+          <p:cNvSpPr>
+            <a:spLocks noGrp="1"/>
+          </p:cNvSpPr>
+          <p:nvPr>
+            <p:ph type="ftr" sz="quarter" idx="11"/>
+          </p:nvPr>
+        </p:nvSpPr>
+        <p:spPr/>
+        <p:txBody>
+          <a:bodyPr/>
+          <a:lstStyle/>
+          <a:p>
+            <a:r>
+              <a:rPr lang="en-US"/>
+              <a:t>1</a:t>
+            </a:r>
+          </a:p>
+        </p:txBody>
+      </p:sp>
+      <p:sp>
+        <p:nvSpPr>
+          <p:cNvPr id="4" name="Slide Number Placeholder 3">
+            <a:extLst>
+              <a:ext uri="{FF2B5EF4-FFF2-40B4-BE49-F238E27FC236}">
+                <a16:creationId xmlns:a16="http://schemas.microsoft.com/office/drawing/2014/main" id="{9CB1071B-E4FF-4188-9B70-5487327997E9}"/>
+              </a:ext>
+            </a:extLst>
+          </p:cNvPr>
+          <p:cNvSpPr>
+            <a:spLocks noGrp="1"/>
+          </p:cNvSpPr>
+          <p:nvPr>
+            <p:ph type="sldNum" sz="quarter" idx="12"/>
+          </p:nvPr>
+        </p:nvSpPr>
+        <p:spPr/>
+        <p:txBody>
+          <a:bodyPr/>
+          <a:lstStyle/>
+          <a:p>
+            <a:fld id="{C014DD1E-5D91-48A3-AD6D-45FBA980D106}" type="slidenum">
+              <a:rPr lang="en-US" smtClean="0"/>
+              <a:t>20</a:t>
+            </a:fld>
+            <a:endParaRPr lang="en-US"/>
+          </a:p>
+        </p:txBody>
+      </p:sp>
+      <p:sp>
+        <p:nvSpPr>
+          <p:cNvPr id="5" name="TextBox 4">
+            <a:extLst>
+              <a:ext uri="{FF2B5EF4-FFF2-40B4-BE49-F238E27FC236}">
+                <a16:creationId xmlns:a16="http://schemas.microsoft.com/office/drawing/2014/main" id="{CF69EE41-401E-49EA-8041-37AE67150AD6}"/>
+              </a:ext>
+            </a:extLst>
+          </p:cNvPr>
+          <p:cNvSpPr txBox="1"/>
+          <p:nvPr/>
+        </p:nvSpPr>
+        <p:spPr>
+          <a:xfrm>
+            <a:off x="8110636" y="3573016"/>
+            <a:ext cx="3096344" cy="830997"/>
+          </a:xfrm>
+          <a:prstGeom prst="rect">
+            <a:avLst/>
+          </a:prstGeom>
+          <a:noFill/>
+        </p:spPr>
+        <p:txBody>
+          <a:bodyPr wrap="square" rtlCol="0">
+            <a:spAutoFit/>
+          </a:bodyPr>
+          <a:lstStyle/>
+          <a:p>
+            <a:r>
+              <a:rPr lang="en-US" sz="2000" err="1">
+                <a:solidFill>
+                  <a:schemeClr val="bg1"/>
+                </a:solidFill>
+              </a:rPr>
+              <a:t>Sinh</a:t>
+            </a:r>
+            <a:r>
+              <a:rPr lang="en-US" sz="2000">
+                <a:solidFill>
+                  <a:schemeClr val="bg1"/>
+                </a:solidFill>
+              </a:rPr>
+              <a:t> </a:t>
+            </a:r>
+            <a:r>
+              <a:rPr lang="en-US" sz="2000" err="1">
+                <a:solidFill>
+                  <a:schemeClr val="bg1"/>
+                </a:solidFill>
+              </a:rPr>
+              <a:t>viên</a:t>
+            </a:r>
+            <a:br>
+              <a:rPr lang="en-US" sz="2800">
+                <a:solidFill>
+                  <a:schemeClr val="bg1"/>
+                </a:solidFill>
+              </a:rPr>
+            </a:br>
+            <a:r>
+              <a:rPr lang="en-US" sz="2800">
+                <a:solidFill>
+                  <a:schemeClr val="bg1"/>
+                </a:solidFill>
+              </a:rPr>
+              <a:t>Lê Công </a:t>
+            </a:r>
+            <a:r>
+              <a:rPr lang="en-US" sz="2800" err="1">
+                <a:solidFill>
+                  <a:schemeClr val="bg1"/>
+                </a:solidFill>
+              </a:rPr>
+              <a:t>Kỳ</a:t>
+            </a:r>
+            <a:endParaRPr lang="en-US" sz="2800">
+              <a:solidFill>
+                <a:schemeClr val="bg1"/>
+              </a:solidFill>
+            </a:endParaRPr>
+          </a:p>
+        </p:txBody>
+      </p:sp>
+    </p:spTree>
+    <p:extLst>
+      <p:ext uri="{BB962C8B-B14F-4D97-AF65-F5344CB8AC3E}">
+        <p14:creationId xmlns:p14="http://schemas.microsoft.com/office/powerpoint/2010/main" val="2401278850"/>
       </p:ext>
     </p:extLst>
   </p:cSld>
@@ -18660,125 +17903,24 @@
         </p:nvSpPr>
         <p:spPr>
           <a:xfrm>
-            <a:off x="28095" y="0"/>
-            <a:ext cx="10741556" cy="720080"/>
+            <a:off x="117748" y="116632"/>
+            <a:ext cx="10360501" cy="634083"/>
           </a:xfrm>
         </p:spPr>
         <p:txBody>
           <a:bodyPr>
-            <a:normAutofit/>
+            <a:noAutofit/>
           </a:bodyPr>
           <a:lstStyle/>
           <a:p>
             <a:r>
-              <a:rPr lang="en-US" sz="4000" err="1">
-                <a:solidFill>
-                  <a:schemeClr val="bg1"/>
-                </a:solidFill>
-              </a:rPr>
-              <a:t>Phần</a:t>
-            </a:r>
-            <a:r>
               <a:rPr lang="en-US" sz="4000">
                 <a:solidFill>
                   <a:schemeClr val="bg1"/>
                 </a:solidFill>
               </a:rPr>
-              <a:t> 2. </a:t>
-            </a:r>
-            <a:r>
-              <a:rPr lang="en-US" sz="4000" err="1">
-                <a:solidFill>
-                  <a:schemeClr val="bg1"/>
-                </a:solidFill>
-              </a:rPr>
-              <a:t>Các</a:t>
-            </a:r>
-            <a:r>
-              <a:rPr lang="en-US" sz="4000">
-                <a:solidFill>
-                  <a:schemeClr val="bg1"/>
-                </a:solidFill>
-              </a:rPr>
-              <a:t> </a:t>
-            </a:r>
-            <a:r>
-              <a:rPr lang="en-US" sz="4000" err="1">
-                <a:solidFill>
-                  <a:schemeClr val="bg1"/>
-                </a:solidFill>
-              </a:rPr>
-              <a:t>giải</a:t>
-            </a:r>
-            <a:r>
-              <a:rPr lang="en-US" sz="4000">
-                <a:solidFill>
-                  <a:schemeClr val="bg1"/>
-                </a:solidFill>
-              </a:rPr>
-              <a:t> </a:t>
-            </a:r>
-            <a:r>
-              <a:rPr lang="en-US" sz="4000" err="1">
-                <a:solidFill>
-                  <a:schemeClr val="bg1"/>
-                </a:solidFill>
-              </a:rPr>
-              <a:t>thuật</a:t>
-            </a:r>
-            <a:r>
-              <a:rPr lang="en-US" sz="4000">
-                <a:solidFill>
-                  <a:schemeClr val="bg1"/>
-                </a:solidFill>
-              </a:rPr>
-              <a:t> </a:t>
-            </a:r>
-            <a:r>
-              <a:rPr lang="en-US" sz="4000" err="1">
-                <a:solidFill>
-                  <a:schemeClr val="bg1"/>
-                </a:solidFill>
-              </a:rPr>
-              <a:t>được</a:t>
-            </a:r>
-            <a:r>
-              <a:rPr lang="en-US" sz="4000">
-                <a:solidFill>
-                  <a:schemeClr val="bg1"/>
-                </a:solidFill>
-              </a:rPr>
-              <a:t> </a:t>
-            </a:r>
-            <a:r>
-              <a:rPr lang="en-US" sz="4000" err="1">
-                <a:solidFill>
-                  <a:schemeClr val="bg1"/>
-                </a:solidFill>
-              </a:rPr>
-              <a:t>đề</a:t>
-            </a:r>
-            <a:r>
-              <a:rPr lang="en-US" sz="4000">
-                <a:solidFill>
-                  <a:schemeClr val="bg1"/>
-                </a:solidFill>
-              </a:rPr>
-              <a:t> </a:t>
-            </a:r>
-            <a:r>
-              <a:rPr lang="en-US" sz="4000" err="1">
-                <a:solidFill>
-                  <a:schemeClr val="bg1"/>
-                </a:solidFill>
-              </a:rPr>
-              <a:t>xuất</a:t>
-            </a:r>
-            <a:endParaRPr lang="en-US" sz="4000">
-              <a:solidFill>
-                <a:schemeClr val="bg1"/>
-              </a:solidFill>
-            </a:endParaRPr>
+              <a:t>Các Công trình liên quan</a:t>
+            </a:r>
           </a:p>
         </p:txBody>
       </p:sp>
@@ -18794,8 +17936,8 @@
         </p:nvSpPr>
         <p:spPr>
           <a:xfrm>
-            <a:off x="189756" y="836712"/>
-            <a:ext cx="10360501" cy="1728192"/>
+            <a:off x="261765" y="692696"/>
+            <a:ext cx="11665296" cy="5976664"/>
           </a:xfrm>
         </p:spPr>
         <p:txBody>
@@ -18804,187 +17946,59 @@
           </a:bodyPr>
           <a:lstStyle/>
           <a:p>
-            <a:pPr marL="514350" indent="-514350">
+            <a:pPr algn="just">
               <a:buClr>
                 <a:schemeClr val="bg1"/>
               </a:buClr>
-              <a:buFont typeface="+mj-lt"/>
-              <a:buAutoNum type="arabicPeriod"/>
+              <a:buFont typeface="Wingdings" panose="05000000000000000000" pitchFamily="2" charset="2"/>
+              <a:buChar char="Ø"/>
             </a:pPr>
             <a:r>
-              <a:rPr lang="en-US" sz="3000" err="1">
-                <a:solidFill>
-                  <a:schemeClr val="bg1"/>
-                </a:solidFill>
-              </a:rPr>
-              <a:t>Giải</a:t>
-            </a:r>
-            <a:r>
               <a:rPr lang="en-US" sz="3000">
                 <a:solidFill>
                   <a:schemeClr val="bg1"/>
                 </a:solidFill>
-              </a:rPr>
-              <a:t> </a:t>
-            </a:r>
-            <a:r>
-              <a:rPr lang="en-US" sz="3000" err="1">
-                <a:solidFill>
-                  <a:schemeClr val="bg1"/>
-                </a:solidFill>
-              </a:rPr>
-              <a:t>thuật</a:t>
-            </a:r>
-            <a:r>
-              <a:rPr lang="en-US" sz="3000">
-                <a:solidFill>
-                  <a:schemeClr val="bg1"/>
-                </a:solidFill>
-              </a:rPr>
-              <a:t> </a:t>
-            </a:r>
-            <a:r>
-              <a:rPr lang="en-US" sz="3000" err="1">
-                <a:solidFill>
-                  <a:schemeClr val="bg1"/>
-                </a:solidFill>
-              </a:rPr>
-              <a:t>cắt</a:t>
-            </a:r>
-            <a:r>
-              <a:rPr lang="en-US" sz="3000">
-                <a:solidFill>
-                  <a:schemeClr val="bg1"/>
-                </a:solidFill>
-              </a:rPr>
-              <a:t> </a:t>
-            </a:r>
-            <a:r>
-              <a:rPr lang="en-US" sz="3000" err="1">
-                <a:solidFill>
-                  <a:schemeClr val="bg1"/>
-                </a:solidFill>
-              </a:rPr>
-              <a:t>nhanh</a:t>
-            </a:r>
-            <a:endParaRPr lang="en-US" sz="3000">
-              <a:solidFill>
-                <a:schemeClr val="bg1"/>
-              </a:solidFill>
-            </a:endParaRPr>
-          </a:p>
-          <a:p>
-            <a:pPr marL="514350" indent="-514350">
+                <a:latin typeface="Times New Roman" panose="02020603050405020304" pitchFamily="18" charset="0"/>
+                <a:cs typeface="Times New Roman" panose="02020603050405020304" pitchFamily="18" charset="0"/>
+              </a:rPr>
+              <a:t>Nghiên cứu cắt vật liệu dạng thanh đồng nhất: Trần Ngọc Hải(2017)</a:t>
+            </a:r>
+          </a:p>
+          <a:p>
+            <a:pPr algn="just">
               <a:buClr>
                 <a:schemeClr val="bg1"/>
               </a:buClr>
-              <a:buFont typeface="+mj-lt"/>
-              <a:buAutoNum type="arabicPeriod"/>
+              <a:buFont typeface="Wingdings" panose="05000000000000000000" pitchFamily="2" charset="2"/>
+              <a:buChar char="Ø"/>
             </a:pPr>
             <a:r>
-              <a:rPr lang="en-US" sz="3000" err="1">
-                <a:solidFill>
-                  <a:schemeClr val="bg1"/>
-                </a:solidFill>
-              </a:rPr>
-              <a:t>Giải</a:t>
-            </a:r>
-            <a:r>
               <a:rPr lang="en-US" sz="3000">
                 <a:solidFill>
                   <a:schemeClr val="bg1"/>
                 </a:solidFill>
-              </a:rPr>
-              <a:t> </a:t>
-            </a:r>
-            <a:r>
-              <a:rPr lang="en-US" sz="3000" err="1">
-                <a:solidFill>
-                  <a:schemeClr val="bg1"/>
-                </a:solidFill>
-              </a:rPr>
-              <a:t>thuật</a:t>
-            </a:r>
+                <a:latin typeface="Times New Roman" panose="02020603050405020304" pitchFamily="18" charset="0"/>
+                <a:cs typeface="Times New Roman" panose="02020603050405020304" pitchFamily="18" charset="0"/>
+              </a:rPr>
+              <a:t>Nghiên cứu cắt vật liệu dạng thanh không đồng nhất: Leon Kos và</a:t>
+            </a:r>
+          </a:p>
+          <a:p>
+            <a:pPr marL="0" indent="0" algn="just">
+              <a:buClr>
+                <a:schemeClr val="bg1"/>
+              </a:buClr>
+              <a:buNone/>
+            </a:pPr>
             <a:r>
               <a:rPr lang="en-US" sz="3000">
                 <a:solidFill>
                   <a:schemeClr val="bg1"/>
                 </a:solidFill>
-              </a:rPr>
-              <a:t> </a:t>
-            </a:r>
-            <a:r>
-              <a:rPr lang="en-US" sz="3000" err="1">
-                <a:solidFill>
-                  <a:schemeClr val="bg1"/>
-                </a:solidFill>
-              </a:rPr>
-              <a:t>cắt</a:t>
-            </a:r>
-            <a:r>
-              <a:rPr lang="en-US" sz="3000">
-                <a:solidFill>
-                  <a:schemeClr val="bg1"/>
-                </a:solidFill>
-              </a:rPr>
-              <a:t> </a:t>
-            </a:r>
-            <a:r>
-              <a:rPr lang="en-US" sz="3000" err="1">
-                <a:solidFill>
-                  <a:schemeClr val="bg1"/>
-                </a:solidFill>
-              </a:rPr>
-              <a:t>tiết</a:t>
-            </a:r>
-            <a:r>
-              <a:rPr lang="en-US" sz="3000">
-                <a:solidFill>
-                  <a:schemeClr val="bg1"/>
-                </a:solidFill>
-              </a:rPr>
-              <a:t> </a:t>
-            </a:r>
-            <a:r>
-              <a:rPr lang="en-US" sz="3000" err="1">
-                <a:solidFill>
-                  <a:schemeClr val="bg1"/>
-                </a:solidFill>
-              </a:rPr>
-              <a:t>kiệm</a:t>
-            </a:r>
-            <a:endParaRPr lang="en-US" sz="3000">
-              <a:solidFill>
-                <a:schemeClr val="bg1"/>
-              </a:solidFill>
-            </a:endParaRPr>
-          </a:p>
-        </p:txBody>
-      </p:sp>
-      <p:sp>
-        <p:nvSpPr>
-          <p:cNvPr id="2" name="Footer Placeholder 1">
-            <a:extLst>
-              <a:ext uri="{FF2B5EF4-FFF2-40B4-BE49-F238E27FC236}">
-                <a16:creationId xmlns:a16="http://schemas.microsoft.com/office/drawing/2014/main" id="{A3E348B3-806D-44F6-B33B-31D25F1D9CED}"/>
-              </a:ext>
-            </a:extLst>
-          </p:cNvPr>
-          <p:cNvSpPr>
-            <a:spLocks noGrp="1"/>
-          </p:cNvSpPr>
-          <p:nvPr>
-            <p:ph type="ftr" sz="quarter" idx="11"/>
-          </p:nvPr>
-        </p:nvSpPr>
-        <p:spPr/>
-        <p:txBody>
-          <a:bodyPr/>
-          <a:lstStyle/>
-          <a:p>
-            <a:r>
-              <a:rPr lang="en-US"/>
-              <a:t>1</a:t>
+                <a:latin typeface="Times New Roman" panose="02020603050405020304" pitchFamily="18" charset="0"/>
+                <a:cs typeface="Times New Roman" panose="02020603050405020304" pitchFamily="18" charset="0"/>
+              </a:rPr>
+              <a:t> Joze Duhovnik (2000)</a:t>
             </a:r>
           </a:p>
         </p:txBody>
@@ -18994,7 +18008,7 @@
           <p:cNvPr id="3" name="Slide Number Placeholder 2">
             <a:extLst>
               <a:ext uri="{FF2B5EF4-FFF2-40B4-BE49-F238E27FC236}">
-                <a16:creationId xmlns:a16="http://schemas.microsoft.com/office/drawing/2014/main" id="{06453EC8-E244-4FF2-839A-F6D9DEE9171C}"/>
+                <a16:creationId xmlns:a16="http://schemas.microsoft.com/office/drawing/2014/main" id="{DC62B1AF-E0BF-4381-9E9C-4C93FE858A8A}"/>
               </a:ext>
             </a:extLst>
           </p:cNvPr>
@@ -19021,7 +18035,7 @@
     </p:spTree>
     <p:extLst>
       <p:ext uri="{BB962C8B-B14F-4D97-AF65-F5344CB8AC3E}">
-        <p14:creationId xmlns:p14="http://schemas.microsoft.com/office/powerpoint/2010/main" val="1322178010"/>
+        <p14:creationId xmlns:p14="http://schemas.microsoft.com/office/powerpoint/2010/main" val="3467975255"/>
       </p:ext>
     </p:extLst>
   </p:cSld>
@@ -19060,8 +18074,408 @@
         </p:nvSpPr>
         <p:spPr>
           <a:xfrm>
-            <a:off x="-15227" y="0"/>
-            <a:ext cx="6541687" cy="1196751"/>
+            <a:off x="4406842" y="2060848"/>
+            <a:ext cx="7794509" cy="720080"/>
+          </a:xfrm>
+        </p:spPr>
+        <p:txBody>
+          <a:bodyPr>
+            <a:normAutofit/>
+          </a:bodyPr>
+          <a:lstStyle/>
+          <a:p>
+            <a:r>
+              <a:rPr lang="en-US" sz="4000" err="1">
+                <a:solidFill>
+                  <a:schemeClr val="bg1"/>
+                </a:solidFill>
+              </a:rPr>
+              <a:t>Phần</a:t>
+            </a:r>
+            <a:r>
+              <a:rPr lang="en-US" sz="4000">
+                <a:solidFill>
+                  <a:schemeClr val="bg1"/>
+                </a:solidFill>
+              </a:rPr>
+              <a:t> 2. </a:t>
+            </a:r>
+            <a:r>
+              <a:rPr lang="en-US" sz="4000" err="1">
+                <a:solidFill>
+                  <a:schemeClr val="bg1"/>
+                </a:solidFill>
+              </a:rPr>
+              <a:t>Các</a:t>
+            </a:r>
+            <a:r>
+              <a:rPr lang="en-US" sz="4000">
+                <a:solidFill>
+                  <a:schemeClr val="bg1"/>
+                </a:solidFill>
+              </a:rPr>
+              <a:t> </a:t>
+            </a:r>
+            <a:r>
+              <a:rPr lang="en-US" sz="4000" err="1">
+                <a:solidFill>
+                  <a:schemeClr val="bg1"/>
+                </a:solidFill>
+              </a:rPr>
+              <a:t>giải</a:t>
+            </a:r>
+            <a:r>
+              <a:rPr lang="en-US" sz="4000">
+                <a:solidFill>
+                  <a:schemeClr val="bg1"/>
+                </a:solidFill>
+              </a:rPr>
+              <a:t> </a:t>
+            </a:r>
+            <a:r>
+              <a:rPr lang="en-US" sz="4000" err="1">
+                <a:solidFill>
+                  <a:schemeClr val="bg1"/>
+                </a:solidFill>
+              </a:rPr>
+              <a:t>thuật</a:t>
+            </a:r>
+            <a:r>
+              <a:rPr lang="en-US" sz="4000">
+                <a:solidFill>
+                  <a:schemeClr val="bg1"/>
+                </a:solidFill>
+              </a:rPr>
+              <a:t> </a:t>
+            </a:r>
+            <a:r>
+              <a:rPr lang="en-US" sz="4000" err="1">
+                <a:solidFill>
+                  <a:schemeClr val="bg1"/>
+                </a:solidFill>
+              </a:rPr>
+              <a:t>được</a:t>
+            </a:r>
+            <a:r>
+              <a:rPr lang="en-US" sz="4000">
+                <a:solidFill>
+                  <a:schemeClr val="bg1"/>
+                </a:solidFill>
+              </a:rPr>
+              <a:t> </a:t>
+            </a:r>
+            <a:r>
+              <a:rPr lang="en-US" sz="4000" err="1">
+                <a:solidFill>
+                  <a:schemeClr val="bg1"/>
+                </a:solidFill>
+              </a:rPr>
+              <a:t>đề</a:t>
+            </a:r>
+            <a:r>
+              <a:rPr lang="en-US" sz="4000">
+                <a:solidFill>
+                  <a:schemeClr val="bg1"/>
+                </a:solidFill>
+              </a:rPr>
+              <a:t> </a:t>
+            </a:r>
+            <a:r>
+              <a:rPr lang="en-US" sz="4000" err="1">
+                <a:solidFill>
+                  <a:schemeClr val="bg1"/>
+                </a:solidFill>
+              </a:rPr>
+              <a:t>xuất</a:t>
+            </a:r>
+            <a:endParaRPr lang="en-US" sz="4000">
+              <a:solidFill>
+                <a:schemeClr val="bg1"/>
+              </a:solidFill>
+            </a:endParaRPr>
+          </a:p>
+        </p:txBody>
+      </p:sp>
+      <p:sp>
+        <p:nvSpPr>
+          <p:cNvPr id="14" name="Content Placeholder 13"/>
+          <p:cNvSpPr>
+            <a:spLocks noGrp="1"/>
+          </p:cNvSpPr>
+          <p:nvPr>
+            <p:ph idx="1"/>
+          </p:nvPr>
+        </p:nvSpPr>
+        <p:spPr>
+          <a:xfrm>
+            <a:off x="4582244" y="3212976"/>
+            <a:ext cx="4680520" cy="1728192"/>
+          </a:xfrm>
+        </p:spPr>
+        <p:txBody>
+          <a:bodyPr>
+            <a:normAutofit/>
+          </a:bodyPr>
+          <a:lstStyle/>
+          <a:p>
+            <a:pPr marL="514350" indent="-514350">
+              <a:buClr>
+                <a:schemeClr val="bg1"/>
+              </a:buClr>
+              <a:buFont typeface="+mj-lt"/>
+              <a:buAutoNum type="arabicPeriod"/>
+            </a:pPr>
+            <a:r>
+              <a:rPr lang="en-US" sz="3000" err="1">
+                <a:solidFill>
+                  <a:schemeClr val="bg1"/>
+                </a:solidFill>
+              </a:rPr>
+              <a:t>Giải</a:t>
+            </a:r>
+            <a:r>
+              <a:rPr lang="en-US" sz="3000">
+                <a:solidFill>
+                  <a:schemeClr val="bg1"/>
+                </a:solidFill>
+              </a:rPr>
+              <a:t> </a:t>
+            </a:r>
+            <a:r>
+              <a:rPr lang="en-US" sz="3000" err="1">
+                <a:solidFill>
+                  <a:schemeClr val="bg1"/>
+                </a:solidFill>
+              </a:rPr>
+              <a:t>thuật</a:t>
+            </a:r>
+            <a:r>
+              <a:rPr lang="en-US" sz="3000">
+                <a:solidFill>
+                  <a:schemeClr val="bg1"/>
+                </a:solidFill>
+              </a:rPr>
+              <a:t> </a:t>
+            </a:r>
+            <a:r>
+              <a:rPr lang="en-US" sz="3000" err="1">
+                <a:solidFill>
+                  <a:schemeClr val="bg1"/>
+                </a:solidFill>
+              </a:rPr>
+              <a:t>cắt</a:t>
+            </a:r>
+            <a:r>
+              <a:rPr lang="en-US" sz="3000">
+                <a:solidFill>
+                  <a:schemeClr val="bg1"/>
+                </a:solidFill>
+              </a:rPr>
+              <a:t> </a:t>
+            </a:r>
+            <a:r>
+              <a:rPr lang="en-US" sz="3000" err="1">
+                <a:solidFill>
+                  <a:schemeClr val="bg1"/>
+                </a:solidFill>
+              </a:rPr>
+              <a:t>nhanh</a:t>
+            </a:r>
+            <a:endParaRPr lang="en-US" sz="3000">
+              <a:solidFill>
+                <a:schemeClr val="bg1"/>
+              </a:solidFill>
+            </a:endParaRPr>
+          </a:p>
+          <a:p>
+            <a:pPr marL="514350" indent="-514350">
+              <a:buClr>
+                <a:schemeClr val="bg1"/>
+              </a:buClr>
+              <a:buFont typeface="+mj-lt"/>
+              <a:buAutoNum type="arabicPeriod"/>
+            </a:pPr>
+            <a:r>
+              <a:rPr lang="en-US" sz="3000" err="1">
+                <a:solidFill>
+                  <a:schemeClr val="bg1"/>
+                </a:solidFill>
+              </a:rPr>
+              <a:t>Giải</a:t>
+            </a:r>
+            <a:r>
+              <a:rPr lang="en-US" sz="3000">
+                <a:solidFill>
+                  <a:schemeClr val="bg1"/>
+                </a:solidFill>
+              </a:rPr>
+              <a:t> </a:t>
+            </a:r>
+            <a:r>
+              <a:rPr lang="en-US" sz="3000" err="1">
+                <a:solidFill>
+                  <a:schemeClr val="bg1"/>
+                </a:solidFill>
+              </a:rPr>
+              <a:t>thuật</a:t>
+            </a:r>
+            <a:r>
+              <a:rPr lang="en-US" sz="3000">
+                <a:solidFill>
+                  <a:schemeClr val="bg1"/>
+                </a:solidFill>
+              </a:rPr>
+              <a:t> </a:t>
+            </a:r>
+            <a:r>
+              <a:rPr lang="en-US" sz="3000" err="1">
+                <a:solidFill>
+                  <a:schemeClr val="bg1"/>
+                </a:solidFill>
+              </a:rPr>
+              <a:t>cắt</a:t>
+            </a:r>
+            <a:r>
+              <a:rPr lang="en-US" sz="3000">
+                <a:solidFill>
+                  <a:schemeClr val="bg1"/>
+                </a:solidFill>
+              </a:rPr>
+              <a:t> </a:t>
+            </a:r>
+            <a:r>
+              <a:rPr lang="en-US" sz="3000" err="1">
+                <a:solidFill>
+                  <a:schemeClr val="bg1"/>
+                </a:solidFill>
+              </a:rPr>
+              <a:t>tiết</a:t>
+            </a:r>
+            <a:r>
+              <a:rPr lang="en-US" sz="3000">
+                <a:solidFill>
+                  <a:schemeClr val="bg1"/>
+                </a:solidFill>
+              </a:rPr>
+              <a:t> </a:t>
+            </a:r>
+            <a:r>
+              <a:rPr lang="en-US" sz="3000" err="1">
+                <a:solidFill>
+                  <a:schemeClr val="bg1"/>
+                </a:solidFill>
+              </a:rPr>
+              <a:t>kiệm</a:t>
+            </a:r>
+            <a:endParaRPr lang="en-US" sz="3000">
+              <a:solidFill>
+                <a:schemeClr val="bg1"/>
+              </a:solidFill>
+            </a:endParaRPr>
+          </a:p>
+        </p:txBody>
+      </p:sp>
+      <p:sp>
+        <p:nvSpPr>
+          <p:cNvPr id="2" name="Footer Placeholder 1">
+            <a:extLst>
+              <a:ext uri="{FF2B5EF4-FFF2-40B4-BE49-F238E27FC236}">
+                <a16:creationId xmlns:a16="http://schemas.microsoft.com/office/drawing/2014/main" id="{A3E348B3-806D-44F6-B33B-31D25F1D9CED}"/>
+              </a:ext>
+            </a:extLst>
+          </p:cNvPr>
+          <p:cNvSpPr>
+            <a:spLocks noGrp="1"/>
+          </p:cNvSpPr>
+          <p:nvPr>
+            <p:ph type="ftr" sz="quarter" idx="11"/>
+          </p:nvPr>
+        </p:nvSpPr>
+        <p:spPr/>
+        <p:txBody>
+          <a:bodyPr/>
+          <a:lstStyle/>
+          <a:p>
+            <a:r>
+              <a:rPr lang="en-US"/>
+              <a:t>1</a:t>
+            </a:r>
+          </a:p>
+        </p:txBody>
+      </p:sp>
+      <p:sp>
+        <p:nvSpPr>
+          <p:cNvPr id="3" name="Slide Number Placeholder 2">
+            <a:extLst>
+              <a:ext uri="{FF2B5EF4-FFF2-40B4-BE49-F238E27FC236}">
+                <a16:creationId xmlns:a16="http://schemas.microsoft.com/office/drawing/2014/main" id="{06453EC8-E244-4FF2-839A-F6D9DEE9171C}"/>
+              </a:ext>
+            </a:extLst>
+          </p:cNvPr>
+          <p:cNvSpPr>
+            <a:spLocks noGrp="1"/>
+          </p:cNvSpPr>
+          <p:nvPr>
+            <p:ph type="sldNum" sz="quarter" idx="12"/>
+          </p:nvPr>
+        </p:nvSpPr>
+        <p:spPr/>
+        <p:txBody>
+          <a:bodyPr/>
+          <a:lstStyle/>
+          <a:p>
+            <a:fld id="{C014DD1E-5D91-48A3-AD6D-45FBA980D106}" type="slidenum">
+              <a:rPr lang="en-US" smtClean="0"/>
+              <a:t>6</a:t>
+            </a:fld>
+            <a:endParaRPr lang="en-US"/>
+          </a:p>
+        </p:txBody>
+      </p:sp>
+    </p:spTree>
+    <p:extLst>
+      <p:ext uri="{BB962C8B-B14F-4D97-AF65-F5344CB8AC3E}">
+        <p14:creationId xmlns:p14="http://schemas.microsoft.com/office/powerpoint/2010/main" val="1322178010"/>
+      </p:ext>
+    </p:extLst>
+  </p:cSld>
+  <p:clrMapOvr>
+    <a:masterClrMapping/>
+  </p:clrMapOvr>
+</p:sld>
+</file>
+
+<file path=ppt/slides/slide7.xml><?xml version="1.0" encoding="utf-8"?>
+<p:sld xmlns:a="http://schemas.openxmlformats.org/drawingml/2006/main" xmlns:r="http://schemas.openxmlformats.org/officeDocument/2006/relationships" xmlns:p="http://schemas.openxmlformats.org/presentationml/2006/main" showMasterSp="0">
+  <p:cSld>
+    <p:spTree>
+      <p:nvGrpSpPr>
+        <p:cNvPr id="1" name=""/>
+        <p:cNvGrpSpPr/>
+        <p:nvPr/>
+      </p:nvGrpSpPr>
+      <p:grpSpPr>
+        <a:xfrm>
+          <a:off x="0" y="0"/>
+          <a:ext cx="0" cy="0"/>
+          <a:chOff x="0" y="0"/>
+          <a:chExt cx="0" cy="0"/>
+        </a:xfrm>
+      </p:grpSpPr>
+      <p:sp>
+        <p:nvSpPr>
+          <p:cNvPr id="13" name="Title 12"/>
+          <p:cNvSpPr>
+            <a:spLocks noGrp="1"/>
+          </p:cNvSpPr>
+          <p:nvPr>
+            <p:ph type="title"/>
+          </p:nvPr>
+        </p:nvSpPr>
+        <p:spPr>
+          <a:xfrm>
+            <a:off x="0" y="1412776"/>
+            <a:ext cx="5461567" cy="1196751"/>
           </a:xfrm>
         </p:spPr>
         <p:txBody>
@@ -19216,7 +18630,7 @@
           <a:p>
             <a:fld id="{C014DD1E-5D91-48A3-AD6D-45FBA980D106}" type="slidenum">
               <a:rPr lang="en-US" smtClean="0"/>
-              <a:t>6</a:t>
+              <a:t>7</a:t>
             </a:fld>
             <a:endParaRPr lang="en-US"/>
           </a:p>
@@ -19271,7 +18685,7 @@
 </p:sld>
 </file>
 
-<file path=ppt/slides/slide7.xml><?xml version="1.0" encoding="utf-8"?>
+<file path=ppt/slides/slide8.xml><?xml version="1.0" encoding="utf-8"?>
 <p:sld xmlns:a="http://schemas.openxmlformats.org/drawingml/2006/main" xmlns:r="http://schemas.openxmlformats.org/officeDocument/2006/relationships" xmlns:p="http://schemas.openxmlformats.org/presentationml/2006/main" showMasterSp="0">
   <p:cSld>
     <p:spTree>
@@ -19300,7 +18714,7 @@
         </p:nvSpPr>
         <p:spPr>
           <a:xfrm>
-            <a:off x="0" y="1"/>
+            <a:off x="5014" y="1772816"/>
             <a:ext cx="5374331" cy="620688"/>
           </a:xfrm>
         </p:spPr>
@@ -19384,7 +18798,7 @@
           <a:p>
             <a:fld id="{C014DD1E-5D91-48A3-AD6D-45FBA980D106}" type="slidenum">
               <a:rPr lang="en-US" smtClean="0"/>
-              <a:t>7</a:t>
+              <a:t>8</a:t>
             </a:fld>
             <a:endParaRPr lang="en-US"/>
           </a:p>
@@ -19439,7 +18853,7 @@
 </p:sld>
 </file>
 
-<file path=ppt/slides/slide8.xml><?xml version="1.0" encoding="utf-8"?>
+<file path=ppt/slides/slide9.xml><?xml version="1.0" encoding="utf-8"?>
 <p:sld xmlns:a="http://schemas.openxmlformats.org/drawingml/2006/main" xmlns:r="http://schemas.openxmlformats.org/officeDocument/2006/relationships" xmlns:p="http://schemas.openxmlformats.org/presentationml/2006/main" showMasterSp="0">
   <p:cSld>
     <p:spTree>
@@ -19468,7 +18882,7 @@
         </p:nvSpPr>
         <p:spPr>
           <a:xfrm>
-            <a:off x="21001" y="-5431"/>
+            <a:off x="0" y="1484784"/>
             <a:ext cx="4921283" cy="1130175"/>
           </a:xfrm>
         </p:spPr>
@@ -19620,7 +19034,7 @@
           <a:p>
             <a:fld id="{C014DD1E-5D91-48A3-AD6D-45FBA980D106}" type="slidenum">
               <a:rPr lang="en-US" smtClean="0"/>
-              <a:t>8</a:t>
+              <a:t>9</a:t>
             </a:fld>
             <a:endParaRPr lang="en-US"/>
           </a:p>
@@ -19665,214 +19079,6 @@
     <p:extLst>
       <p:ext uri="{BB962C8B-B14F-4D97-AF65-F5344CB8AC3E}">
         <p14:creationId xmlns:p14="http://schemas.microsoft.com/office/powerpoint/2010/main" val="3853744751"/>
-      </p:ext>
-    </p:extLst>
-  </p:cSld>
-  <p:clrMapOvr>
-    <a:masterClrMapping/>
-  </p:clrMapOvr>
-</p:sld>
-</file>
-
-<file path=ppt/slides/slide9.xml><?xml version="1.0" encoding="utf-8"?>
-<p:sld xmlns:a="http://schemas.openxmlformats.org/drawingml/2006/main" xmlns:r="http://schemas.openxmlformats.org/officeDocument/2006/relationships" xmlns:p="http://schemas.openxmlformats.org/presentationml/2006/main" showMasterSp="0">
-  <p:cSld>
-    <p:spTree>
-      <p:nvGrpSpPr>
-        <p:cNvPr id="1" name=""/>
-        <p:cNvGrpSpPr/>
-        <p:nvPr/>
-      </p:nvGrpSpPr>
-      <p:grpSpPr>
-        <a:xfrm>
-          <a:off x="0" y="0"/>
-          <a:ext cx="0" cy="0"/>
-          <a:chOff x="0" y="0"/>
-          <a:chExt cx="0" cy="0"/>
-        </a:xfrm>
-      </p:grpSpPr>
-      <p:sp>
-        <p:nvSpPr>
-          <p:cNvPr id="13" name="Title 12"/>
-          <p:cNvSpPr>
-            <a:spLocks noGrp="1"/>
-          </p:cNvSpPr>
-          <p:nvPr>
-            <p:ph type="title"/>
-          </p:nvPr>
-        </p:nvSpPr>
-        <p:spPr>
-          <a:xfrm>
-            <a:off x="4672" y="0"/>
-            <a:ext cx="4145524" cy="648072"/>
-          </a:xfrm>
-        </p:spPr>
-        <p:txBody>
-          <a:bodyPr>
-            <a:noAutofit/>
-          </a:bodyPr>
-          <a:lstStyle/>
-          <a:p>
-            <a:r>
-              <a:rPr lang="en-US" sz="4000" err="1">
-                <a:solidFill>
-                  <a:schemeClr val="bg1"/>
-                </a:solidFill>
-              </a:rPr>
-              <a:t>Khởi</a:t>
-            </a:r>
-            <a:r>
-              <a:rPr lang="en-US" sz="4000">
-                <a:solidFill>
-                  <a:schemeClr val="bg1"/>
-                </a:solidFill>
-              </a:rPr>
-              <a:t> </a:t>
-            </a:r>
-            <a:r>
-              <a:rPr lang="en-US" sz="4000" err="1">
-                <a:solidFill>
-                  <a:schemeClr val="bg1"/>
-                </a:solidFill>
-              </a:rPr>
-              <a:t>tạo</a:t>
-            </a:r>
-            <a:r>
-              <a:rPr lang="en-US" sz="4000">
-                <a:solidFill>
-                  <a:schemeClr val="bg1"/>
-                </a:solidFill>
-              </a:rPr>
-              <a:t> </a:t>
-            </a:r>
-            <a:r>
-              <a:rPr lang="en-US" sz="4000" err="1">
-                <a:solidFill>
-                  <a:schemeClr val="bg1"/>
-                </a:solidFill>
-              </a:rPr>
-              <a:t>quần</a:t>
-            </a:r>
-            <a:r>
-              <a:rPr lang="en-US" sz="4000">
-                <a:solidFill>
-                  <a:schemeClr val="bg1"/>
-                </a:solidFill>
-              </a:rPr>
-              <a:t> </a:t>
-            </a:r>
-            <a:r>
-              <a:rPr lang="en-US" sz="4000" err="1">
-                <a:solidFill>
-                  <a:schemeClr val="bg1"/>
-                </a:solidFill>
-              </a:rPr>
-              <a:t>thể</a:t>
-            </a:r>
-            <a:endParaRPr lang="en-US" sz="4000">
-              <a:solidFill>
-                <a:schemeClr val="bg1"/>
-              </a:solidFill>
-            </a:endParaRPr>
-          </a:p>
-        </p:txBody>
-      </p:sp>
-      <p:sp>
-        <p:nvSpPr>
-          <p:cNvPr id="2" name="Footer Placeholder 1">
-            <a:extLst>
-              <a:ext uri="{FF2B5EF4-FFF2-40B4-BE49-F238E27FC236}">
-                <a16:creationId xmlns:a16="http://schemas.microsoft.com/office/drawing/2014/main" id="{A8734708-86BC-44B1-993B-9F592D812F92}"/>
-              </a:ext>
-            </a:extLst>
-          </p:cNvPr>
-          <p:cNvSpPr>
-            <a:spLocks noGrp="1"/>
-          </p:cNvSpPr>
-          <p:nvPr>
-            <p:ph type="ftr" sz="quarter" idx="11"/>
-          </p:nvPr>
-        </p:nvSpPr>
-        <p:spPr/>
-        <p:txBody>
-          <a:bodyPr/>
-          <a:lstStyle/>
-          <a:p>
-            <a:r>
-              <a:rPr lang="en-US"/>
-              <a:t>1</a:t>
-            </a:r>
-          </a:p>
-        </p:txBody>
-      </p:sp>
-      <p:sp>
-        <p:nvSpPr>
-          <p:cNvPr id="3" name="Slide Number Placeholder 2">
-            <a:extLst>
-              <a:ext uri="{FF2B5EF4-FFF2-40B4-BE49-F238E27FC236}">
-                <a16:creationId xmlns:a16="http://schemas.microsoft.com/office/drawing/2014/main" id="{0D8F240C-737A-42E4-876C-4C19D5EFF922}"/>
-              </a:ext>
-            </a:extLst>
-          </p:cNvPr>
-          <p:cNvSpPr>
-            <a:spLocks noGrp="1"/>
-          </p:cNvSpPr>
-          <p:nvPr>
-            <p:ph type="sldNum" sz="quarter" idx="12"/>
-          </p:nvPr>
-        </p:nvSpPr>
-        <p:spPr/>
-        <p:txBody>
-          <a:bodyPr/>
-          <a:lstStyle/>
-          <a:p>
-            <a:fld id="{C014DD1E-5D91-48A3-AD6D-45FBA980D106}" type="slidenum">
-              <a:rPr lang="en-US" smtClean="0"/>
-              <a:t>9</a:t>
-            </a:fld>
-            <a:endParaRPr lang="en-US"/>
-          </a:p>
-        </p:txBody>
-      </p:sp>
-      <p:pic>
-        <p:nvPicPr>
-          <p:cNvPr id="8" name="Content Placeholder 7">
-            <a:extLst>
-              <a:ext uri="{FF2B5EF4-FFF2-40B4-BE49-F238E27FC236}">
-                <a16:creationId xmlns:a16="http://schemas.microsoft.com/office/drawing/2014/main" id="{78D790F0-D841-4593-B87C-9C3E29B170FD}"/>
-              </a:ext>
-            </a:extLst>
-          </p:cNvPr>
-          <p:cNvPicPr>
-            <a:picLocks noGrp="1" noChangeAspect="1"/>
-          </p:cNvPicPr>
-          <p:nvPr>
-            <p:ph sz="quarter" idx="4"/>
-          </p:nvPr>
-        </p:nvPicPr>
-        <p:blipFill>
-          <a:blip r:embed="rId3">
-            <a:extLst>
-              <a:ext uri="{28A0092B-C50C-407E-A947-70E740481C1C}">
-                <a14:useLocalDpi xmlns:a14="http://schemas.microsoft.com/office/drawing/2010/main" val="0"/>
-              </a:ext>
-            </a:extLst>
-          </a:blip>
-          <a:stretch>
-            <a:fillRect/>
-          </a:stretch>
-        </p:blipFill>
-        <p:spPr>
-          <a:xfrm>
-            <a:off x="3934173" y="0"/>
-            <a:ext cx="8208912" cy="6669360"/>
-          </a:xfrm>
-        </p:spPr>
-      </p:pic>
-    </p:spTree>
-    <p:extLst>
-      <p:ext uri="{BB962C8B-B14F-4D97-AF65-F5344CB8AC3E}">
-        <p14:creationId xmlns:p14="http://schemas.microsoft.com/office/powerpoint/2010/main" val="1769573283"/>
       </p:ext>
     </p:extLst>
   </p:cSld>
@@ -20833,6 +20039,15 @@
 </file>
 
 <file path=customXml/item1.xml><?xml version="1.0" encoding="utf-8"?>
+<?mso-contentType ?>
+<FormTemplates xmlns="http://schemas.microsoft.com/sharepoint/v3/contenttype/forms">
+  <Display>DocumentLibraryForm</Display>
+  <Edit>AssetEditForm</Edit>
+  <New>DocumentLibraryForm</New>
+</FormTemplates>
+</file>
+
+<file path=customXml/item2.xml><?xml version="1.0" encoding="utf-8"?>
 <ct:contentTypeSchema xmlns:ct="http://schemas.microsoft.com/office/2006/metadata/contentType" xmlns:ma="http://schemas.microsoft.com/office/2006/metadata/properties/metaAttributes" ct:_="" ma:_="" ma:contentTypeName="TemplateFile" ma:contentTypeID="0x0101006EDDDB5EE6D98C44930B742096920B300400F5B6D36B3EF94B4E9A635CDF2A18F5B8" ma:contentTypeVersion="72" ma:contentTypeDescription="Create a new document." ma:contentTypeScope="" ma:versionID="a23e56308344d904b51738559c3d67c9">
   <xsd:schema xmlns:xsd="http://www.w3.org/2001/XMLSchema" xmlns:xs="http://www.w3.org/2001/XMLSchema" xmlns:p="http://schemas.microsoft.com/office/2006/metadata/properties" xmlns:ns2="4873beb7-5857-4685-be1f-d57550cc96cc" targetNamespace="http://schemas.microsoft.com/office/2006/metadata/properties" ma:root="true" ma:fieldsID="cd0908cc4600e77bf5da051303e00c8d" ns2:_="">
     <xsd:import namespace="4873beb7-5857-4685-be1f-d57550cc96cc"/>
@@ -21872,15 +21087,6 @@
 </ct:contentTypeSchema>
 </file>
 
-<file path=customXml/item2.xml><?xml version="1.0" encoding="utf-8"?>
-<?mso-contentType ?>
-<FormTemplates xmlns="http://schemas.microsoft.com/sharepoint/v3/contenttype/forms">
-  <Display>DocumentLibraryForm</Display>
-  <Edit>AssetEditForm</Edit>
-  <New>DocumentLibraryForm</New>
-</FormTemplates>
-</file>
-
 <file path=customXml/item3.xml><?xml version="1.0" encoding="utf-8"?>
 <p:properties xmlns:p="http://schemas.microsoft.com/office/2006/metadata/properties" xmlns:xsi="http://www.w3.org/2001/XMLSchema-instance" xmlns:pc="http://schemas.microsoft.com/office/infopath/2007/PartnerControls">
   <documentManagement>
@@ -22018,6 +21224,14 @@
 </file>
 
 <file path=customXml/itemProps1.xml><?xml version="1.0" encoding="utf-8"?>
+<ds:datastoreItem xmlns:ds="http://schemas.openxmlformats.org/officeDocument/2006/customXml" ds:itemID="{3836F65B-1B07-41EE-A0E8-BC6EF3855225}">
+  <ds:schemaRefs>
+    <ds:schemaRef ds:uri="http://schemas.microsoft.com/sharepoint/v3/contenttype/forms"/>
+  </ds:schemaRefs>
+</ds:datastoreItem>
+</file>
+
+<file path=customXml/itemProps2.xml><?xml version="1.0" encoding="utf-8"?>
 <ds:datastoreItem xmlns:ds="http://schemas.openxmlformats.org/officeDocument/2006/customXml" ds:itemID="{A09BF4D4-EF60-4196-BFC3-9462D607978C}">
   <ds:schemaRefs>
     <ds:schemaRef ds:uri="http://schemas.microsoft.com/office/2006/metadata/contentType"/>
@@ -22031,14 +21245,6 @@
     <ds:schemaRef ds:uri="http://purl.org/dc/elements/1.1/"/>
     <ds:schemaRef ds:uri="http://purl.org/dc/terms/"/>
     <ds:schemaRef ds:uri="http://schemas.microsoft.com/internal/obd"/>
-  </ds:schemaRefs>
-</ds:datastoreItem>
-</file>
-
-<file path=customXml/itemProps2.xml><?xml version="1.0" encoding="utf-8"?>
-<ds:datastoreItem xmlns:ds="http://schemas.openxmlformats.org/officeDocument/2006/customXml" ds:itemID="{3836F65B-1B07-41EE-A0E8-BC6EF3855225}">
-  <ds:schemaRefs>
-    <ds:schemaRef ds:uri="http://schemas.microsoft.com/sharepoint/v3/contenttype/forms"/>
   </ds:schemaRefs>
 </ds:datastoreItem>
 </file>
